--- a/AsyncAwait...ohWait.pptx
+++ b/AsyncAwait...ohWait.pptx
@@ -5,10 +5,10 @@
     <p:sldMasterId id="2147483648" r:id="rId4"/>
   </p:sldMasterIdLst>
   <p:notesMasterIdLst>
-    <p:notesMasterId r:id="rId45"/>
+    <p:notesMasterId r:id="rId52"/>
   </p:notesMasterIdLst>
   <p:handoutMasterIdLst>
-    <p:handoutMasterId r:id="rId46"/>
+    <p:handoutMasterId r:id="rId53"/>
   </p:handoutMasterIdLst>
   <p:sldIdLst>
     <p:sldId id="265" r:id="rId5"/>
@@ -16,46 +16,53 @@
     <p:sldId id="348" r:id="rId7"/>
     <p:sldId id="322" r:id="rId8"/>
     <p:sldId id="347" r:id="rId9"/>
-    <p:sldId id="333" r:id="rId10"/>
-    <p:sldId id="334" r:id="rId11"/>
-    <p:sldId id="349" r:id="rId12"/>
-    <p:sldId id="335" r:id="rId13"/>
-    <p:sldId id="336" r:id="rId14"/>
-    <p:sldId id="337" r:id="rId15"/>
-    <p:sldId id="345" r:id="rId16"/>
-    <p:sldId id="351" r:id="rId17"/>
-    <p:sldId id="350" r:id="rId18"/>
-    <p:sldId id="338" r:id="rId19"/>
-    <p:sldId id="339" r:id="rId20"/>
-    <p:sldId id="340" r:id="rId21"/>
-    <p:sldId id="341" r:id="rId22"/>
-    <p:sldId id="346" r:id="rId23"/>
-    <p:sldId id="343" r:id="rId24"/>
-    <p:sldId id="329" r:id="rId25"/>
-    <p:sldId id="330" r:id="rId26"/>
-    <p:sldId id="323" r:id="rId27"/>
-    <p:sldId id="321" r:id="rId28"/>
-    <p:sldId id="324" r:id="rId29"/>
-    <p:sldId id="327" r:id="rId30"/>
-    <p:sldId id="325" r:id="rId31"/>
-    <p:sldId id="326" r:id="rId32"/>
-    <p:sldId id="331" r:id="rId33"/>
-    <p:sldId id="328" r:id="rId34"/>
-    <p:sldId id="332" r:id="rId35"/>
-    <p:sldId id="311" r:id="rId36"/>
-    <p:sldId id="313" r:id="rId37"/>
-    <p:sldId id="312" r:id="rId38"/>
-    <p:sldId id="314" r:id="rId39"/>
-    <p:sldId id="315" r:id="rId40"/>
-    <p:sldId id="316" r:id="rId41"/>
-    <p:sldId id="317" r:id="rId42"/>
-    <p:sldId id="318" r:id="rId43"/>
-    <p:sldId id="319" r:id="rId44"/>
+    <p:sldId id="352" r:id="rId10"/>
+    <p:sldId id="333" r:id="rId11"/>
+    <p:sldId id="334" r:id="rId12"/>
+    <p:sldId id="353" r:id="rId13"/>
+    <p:sldId id="349" r:id="rId14"/>
+    <p:sldId id="335" r:id="rId15"/>
+    <p:sldId id="354" r:id="rId16"/>
+    <p:sldId id="355" r:id="rId17"/>
+    <p:sldId id="336" r:id="rId18"/>
+    <p:sldId id="337" r:id="rId19"/>
+    <p:sldId id="345" r:id="rId20"/>
+    <p:sldId id="351" r:id="rId21"/>
+    <p:sldId id="350" r:id="rId22"/>
+    <p:sldId id="338" r:id="rId23"/>
+    <p:sldId id="339" r:id="rId24"/>
+    <p:sldId id="340" r:id="rId25"/>
+    <p:sldId id="341" r:id="rId26"/>
+    <p:sldId id="346" r:id="rId27"/>
+    <p:sldId id="343" r:id="rId28"/>
+    <p:sldId id="356" r:id="rId29"/>
+    <p:sldId id="357" r:id="rId30"/>
+    <p:sldId id="329" r:id="rId31"/>
+    <p:sldId id="358" r:id="rId32"/>
+    <p:sldId id="330" r:id="rId33"/>
+    <p:sldId id="323" r:id="rId34"/>
+    <p:sldId id="321" r:id="rId35"/>
+    <p:sldId id="324" r:id="rId36"/>
+    <p:sldId id="327" r:id="rId37"/>
+    <p:sldId id="325" r:id="rId38"/>
+    <p:sldId id="326" r:id="rId39"/>
+    <p:sldId id="331" r:id="rId40"/>
+    <p:sldId id="328" r:id="rId41"/>
+    <p:sldId id="332" r:id="rId42"/>
+    <p:sldId id="311" r:id="rId43"/>
+    <p:sldId id="313" r:id="rId44"/>
+    <p:sldId id="312" r:id="rId45"/>
+    <p:sldId id="314" r:id="rId46"/>
+    <p:sldId id="315" r:id="rId47"/>
+    <p:sldId id="316" r:id="rId48"/>
+    <p:sldId id="317" r:id="rId49"/>
+    <p:sldId id="318" r:id="rId50"/>
+    <p:sldId id="319" r:id="rId51"/>
   </p:sldIdLst>
   <p:sldSz cx="12192000" cy="6858000"/>
   <p:notesSz cx="6858000" cy="9144000"/>
   <p:custDataLst>
-    <p:tags r:id="rId47"/>
+    <p:tags r:id="rId54"/>
   </p:custDataLst>
   <p:defaultTextStyle>
     <a:defPPr>
@@ -4733,7 +4740,7 @@
           <a:p>
             <a:fld id="{59088EAF-6ECA-4616-85EF-35AA19C641F3}" type="datetimeFigureOut">
               <a:rPr lang="en-US"/>
-              <a:t>12/5/2016</a:t>
+              <a:t>12/6/2016</a:t>
             </a:fld>
             <a:endParaRPr/>
           </a:p>
@@ -4898,7 +4905,7 @@
           <a:p>
             <a:fld id="{3ABD2D7A-D230-4F91-BD59-0A39C2703BA8}" type="datetimeFigureOut">
               <a:rPr lang="en-US"/>
-              <a:t>12/5/2016</a:t>
+              <a:t>12/6/2016</a:t>
             </a:fld>
             <a:endParaRPr/>
           </a:p>
@@ -5214,9 +5221,14 @@
               <a:t>Ref</a:t>
             </a:r>
             <a:r>
-              <a:rPr lang="fr-FR" dirty="0"/>
-              <a:t>: http://blog.canacad.ac.jp/wpmu/15matser/files/2013/06/FoodWaste1.jpg</a:t>
+              <a:rPr lang="fr-FR"/>
+              <a:t>: </a:t>
             </a:r>
+            <a:r>
+              <a:rPr lang="fr-FR"/>
+              <a:t>http://images.martechadvisor.com/images/uploads/content_images/cbc928ab5eb5e7f00676992442650b40.jpg</a:t>
+            </a:r>
+            <a:endParaRPr lang="fr-FR" dirty="0"/>
           </a:p>
         </p:txBody>
       </p:sp>
@@ -5237,7 +5249,7 @@
           <a:p>
             <a:fld id="{F93199CD-3E1B-4AE6-990F-76F925F5EA9F}" type="slidenum">
               <a:rPr lang="fr-FR" smtClean="0"/>
-              <a:t>22</a:t>
+              <a:t>26</a:t>
             </a:fld>
             <a:endParaRPr lang="fr-FR"/>
           </a:p>
@@ -5246,7 +5258,7 @@
     </p:spTree>
     <p:extLst>
       <p:ext uri="{BB962C8B-B14F-4D97-AF65-F5344CB8AC3E}">
-        <p14:creationId xmlns:p14="http://schemas.microsoft.com/office/powerpoint/2010/main" val="1141817706"/>
+        <p14:creationId xmlns:p14="http://schemas.microsoft.com/office/powerpoint/2010/main" val="2607931271"/>
       </p:ext>
     </p:extLst>
   </p:cSld>
@@ -5306,7 +5318,7 @@
             </a:r>
             <a:r>
               <a:rPr lang="fr-FR" dirty="0"/>
-              <a:t>: http://ci.memecdn.com/7869512.jpg</a:t>
+              <a:t>: http://blog.canacad.ac.jp/wpmu/15matser/files/2013/06/FoodWaste1.jpg</a:t>
             </a:r>
           </a:p>
         </p:txBody>
@@ -5328,7 +5340,7 @@
           <a:p>
             <a:fld id="{F93199CD-3E1B-4AE6-990F-76F925F5EA9F}" type="slidenum">
               <a:rPr lang="fr-FR" smtClean="0"/>
-              <a:t>24</a:t>
+              <a:t>29</a:t>
             </a:fld>
             <a:endParaRPr lang="fr-FR"/>
           </a:p>
@@ -5337,7 +5349,7 @@
     </p:spTree>
     <p:extLst>
       <p:ext uri="{BB962C8B-B14F-4D97-AF65-F5344CB8AC3E}">
-        <p14:creationId xmlns:p14="http://schemas.microsoft.com/office/powerpoint/2010/main" val="3870798798"/>
+        <p14:creationId xmlns:p14="http://schemas.microsoft.com/office/powerpoint/2010/main" val="1141817706"/>
       </p:ext>
     </p:extLst>
   </p:cSld>
@@ -5391,7 +5403,14 @@
           <a:bodyPr/>
           <a:lstStyle/>
           <a:p>
-            <a:endParaRPr lang="fr-FR" dirty="0"/>
+            <a:r>
+              <a:rPr lang="fr-FR" dirty="0" err="1"/>
+              <a:t>Ref</a:t>
+            </a:r>
+            <a:r>
+              <a:rPr lang="fr-FR" dirty="0"/>
+              <a:t>: http://ci.memecdn.com/7869512.jpg</a:t>
+            </a:r>
           </a:p>
         </p:txBody>
       </p:sp>
@@ -5412,7 +5431,7 @@
           <a:p>
             <a:fld id="{F93199CD-3E1B-4AE6-990F-76F925F5EA9F}" type="slidenum">
               <a:rPr lang="fr-FR" smtClean="0"/>
-              <a:t>25</a:t>
+              <a:t>31</a:t>
             </a:fld>
             <a:endParaRPr lang="fr-FR"/>
           </a:p>
@@ -5421,7 +5440,7 @@
     </p:spTree>
     <p:extLst>
       <p:ext uri="{BB962C8B-B14F-4D97-AF65-F5344CB8AC3E}">
-        <p14:creationId xmlns:p14="http://schemas.microsoft.com/office/powerpoint/2010/main" val="3270049000"/>
+        <p14:creationId xmlns:p14="http://schemas.microsoft.com/office/powerpoint/2010/main" val="3870798798"/>
       </p:ext>
     </p:extLst>
   </p:cSld>
@@ -5475,14 +5494,7 @@
           <a:bodyPr/>
           <a:lstStyle/>
           <a:p>
-            <a:r>
-              <a:rPr lang="fr-FR" dirty="0" err="1"/>
-              <a:t>Ref</a:t>
-            </a:r>
-            <a:r>
-              <a:rPr lang="fr-FR" dirty="0"/>
-              <a:t>: http://ci.memecdn.com/7869512.jpg</a:t>
-            </a:r>
+            <a:endParaRPr lang="fr-FR" dirty="0"/>
           </a:p>
         </p:txBody>
       </p:sp>
@@ -5503,7 +5515,7 @@
           <a:p>
             <a:fld id="{F93199CD-3E1B-4AE6-990F-76F925F5EA9F}" type="slidenum">
               <a:rPr lang="fr-FR" smtClean="0"/>
-              <a:t>26</a:t>
+              <a:t>32</a:t>
             </a:fld>
             <a:endParaRPr lang="fr-FR"/>
           </a:p>
@@ -5512,7 +5524,7 @@
     </p:spTree>
     <p:extLst>
       <p:ext uri="{BB962C8B-B14F-4D97-AF65-F5344CB8AC3E}">
-        <p14:creationId xmlns:p14="http://schemas.microsoft.com/office/powerpoint/2010/main" val="256620184"/>
+        <p14:creationId xmlns:p14="http://schemas.microsoft.com/office/powerpoint/2010/main" val="3270049000"/>
       </p:ext>
     </p:extLst>
   </p:cSld>
@@ -5594,7 +5606,7 @@
           <a:p>
             <a:fld id="{F93199CD-3E1B-4AE6-990F-76F925F5EA9F}" type="slidenum">
               <a:rPr lang="fr-FR" smtClean="0"/>
-              <a:t>27</a:t>
+              <a:t>33</a:t>
             </a:fld>
             <a:endParaRPr lang="fr-FR"/>
           </a:p>
@@ -5603,7 +5615,7 @@
     </p:spTree>
     <p:extLst>
       <p:ext uri="{BB962C8B-B14F-4D97-AF65-F5344CB8AC3E}">
-        <p14:creationId xmlns:p14="http://schemas.microsoft.com/office/powerpoint/2010/main" val="1539803929"/>
+        <p14:creationId xmlns:p14="http://schemas.microsoft.com/office/powerpoint/2010/main" val="256620184"/>
       </p:ext>
     </p:extLst>
   </p:cSld>
@@ -5685,7 +5697,98 @@
           <a:p>
             <a:fld id="{F93199CD-3E1B-4AE6-990F-76F925F5EA9F}" type="slidenum">
               <a:rPr lang="fr-FR" smtClean="0"/>
-              <a:t>28</a:t>
+              <a:t>34</a:t>
+            </a:fld>
+            <a:endParaRPr lang="fr-FR"/>
+          </a:p>
+        </p:txBody>
+      </p:sp>
+    </p:spTree>
+    <p:extLst>
+      <p:ext uri="{BB962C8B-B14F-4D97-AF65-F5344CB8AC3E}">
+        <p14:creationId xmlns:p14="http://schemas.microsoft.com/office/powerpoint/2010/main" val="1539803929"/>
+      </p:ext>
+    </p:extLst>
+  </p:cSld>
+  <p:clrMapOvr>
+    <a:masterClrMapping/>
+  </p:clrMapOvr>
+</p:notes>
+</file>
+
+<file path=ppt/notesSlides/notesSlide7.xml><?xml version="1.0" encoding="utf-8"?>
+<p:notes xmlns:a="http://schemas.openxmlformats.org/drawingml/2006/main" xmlns:r="http://schemas.openxmlformats.org/officeDocument/2006/relationships" xmlns:p="http://schemas.openxmlformats.org/presentationml/2006/main">
+  <p:cSld>
+    <p:spTree>
+      <p:nvGrpSpPr>
+        <p:cNvPr id="1" name=""/>
+        <p:cNvGrpSpPr/>
+        <p:nvPr/>
+      </p:nvGrpSpPr>
+      <p:grpSpPr>
+        <a:xfrm>
+          <a:off x="0" y="0"/>
+          <a:ext cx="0" cy="0"/>
+          <a:chOff x="0" y="0"/>
+          <a:chExt cx="0" cy="0"/>
+        </a:xfrm>
+      </p:grpSpPr>
+      <p:sp>
+        <p:nvSpPr>
+          <p:cNvPr id="2" name="Slide Image Placeholder 1"/>
+          <p:cNvSpPr>
+            <a:spLocks noGrp="1" noRot="1" noChangeAspect="1"/>
+          </p:cNvSpPr>
+          <p:nvPr>
+            <p:ph type="sldImg"/>
+          </p:nvPr>
+        </p:nvSpPr>
+        <p:spPr/>
+      </p:sp>
+      <p:sp>
+        <p:nvSpPr>
+          <p:cNvPr id="3" name="Notes Placeholder 2"/>
+          <p:cNvSpPr>
+            <a:spLocks noGrp="1"/>
+          </p:cNvSpPr>
+          <p:nvPr>
+            <p:ph type="body" idx="1"/>
+          </p:nvPr>
+        </p:nvSpPr>
+        <p:spPr/>
+        <p:txBody>
+          <a:bodyPr/>
+          <a:lstStyle/>
+          <a:p>
+            <a:r>
+              <a:rPr lang="fr-FR" dirty="0" err="1"/>
+              <a:t>Ref</a:t>
+            </a:r>
+            <a:r>
+              <a:rPr lang="fr-FR" dirty="0"/>
+              <a:t>: http://ci.memecdn.com/7869512.jpg</a:t>
+            </a:r>
+          </a:p>
+        </p:txBody>
+      </p:sp>
+      <p:sp>
+        <p:nvSpPr>
+          <p:cNvPr id="4" name="Slide Number Placeholder 3"/>
+          <p:cNvSpPr>
+            <a:spLocks noGrp="1"/>
+          </p:cNvSpPr>
+          <p:nvPr>
+            <p:ph type="sldNum" sz="quarter" idx="10"/>
+          </p:nvPr>
+        </p:nvSpPr>
+        <p:spPr/>
+        <p:txBody>
+          <a:bodyPr/>
+          <a:lstStyle/>
+          <a:p>
+            <a:fld id="{F93199CD-3E1B-4AE6-990F-76F925F5EA9F}" type="slidenum">
+              <a:rPr lang="fr-FR" smtClean="0"/>
+              <a:t>35</a:t>
             </a:fld>
             <a:endParaRPr lang="fr-FR"/>
           </a:p>
@@ -6051,7 +6154,7 @@
           <a:p>
             <a:fld id="{03F41C87-7AD9-4845-A077-840E4A0F3F06}" type="datetimeFigureOut">
               <a:rPr lang="en-US"/>
-              <a:t>12/5/2016</a:t>
+              <a:t>12/6/2016</a:t>
             </a:fld>
             <a:endParaRPr/>
           </a:p>
@@ -6243,7 +6346,7 @@
           <a:p>
             <a:fld id="{03F41C87-7AD9-4845-A077-840E4A0F3F06}" type="datetimeFigureOut">
               <a:rPr lang="en-US"/>
-              <a:t>12/5/2016</a:t>
+              <a:t>12/6/2016</a:t>
             </a:fld>
             <a:endParaRPr/>
           </a:p>
@@ -6432,7 +6535,7 @@
           <a:p>
             <a:fld id="{03F41C87-7AD9-4845-A077-840E4A0F3F06}" type="datetimeFigureOut">
               <a:rPr lang="en-US"/>
-              <a:t>12/5/2016</a:t>
+              <a:t>12/6/2016</a:t>
             </a:fld>
             <a:endParaRPr/>
           </a:p>
@@ -6712,7 +6815,7 @@
           <a:p>
             <a:fld id="{03F41C87-7AD9-4845-A077-840E4A0F3F06}" type="datetimeFigureOut">
               <a:rPr lang="en-US"/>
-              <a:t>12/5/2016</a:t>
+              <a:t>12/6/2016</a:t>
             </a:fld>
             <a:endParaRPr/>
           </a:p>
@@ -7016,7 +7119,7 @@
           <a:p>
             <a:fld id="{03F41C87-7AD9-4845-A077-840E4A0F3F06}" type="datetimeFigureOut">
               <a:rPr lang="en-US"/>
-              <a:t>12/5/2016</a:t>
+              <a:t>12/6/2016</a:t>
             </a:fld>
             <a:endParaRPr/>
           </a:p>
@@ -7472,7 +7575,7 @@
           <a:p>
             <a:fld id="{03F41C87-7AD9-4845-A077-840E4A0F3F06}" type="datetimeFigureOut">
               <a:rPr lang="en-US"/>
-              <a:t>12/5/2016</a:t>
+              <a:t>12/6/2016</a:t>
             </a:fld>
             <a:endParaRPr/>
           </a:p>
@@ -7602,7 +7705,7 @@
           <a:p>
             <a:fld id="{03F41C87-7AD9-4845-A077-840E4A0F3F06}" type="datetimeFigureOut">
               <a:rPr lang="en-US"/>
-              <a:t>12/5/2016</a:t>
+              <a:t>12/6/2016</a:t>
             </a:fld>
             <a:endParaRPr/>
           </a:p>
@@ -7717,7 +7820,7 @@
           <a:p>
             <a:fld id="{03F41C87-7AD9-4845-A077-840E4A0F3F06}" type="datetimeFigureOut">
               <a:rPr lang="en-US"/>
-              <a:t>12/5/2016</a:t>
+              <a:t>12/6/2016</a:t>
             </a:fld>
             <a:endParaRPr/>
           </a:p>
@@ -8039,7 +8142,7 @@
           <a:p>
             <a:fld id="{03F41C87-7AD9-4845-A077-840E4A0F3F06}" type="datetimeFigureOut">
               <a:rPr lang="en-US"/>
-              <a:t>12/5/2016</a:t>
+              <a:t>12/6/2016</a:t>
             </a:fld>
             <a:endParaRPr/>
           </a:p>
@@ -8351,7 +8454,7 @@
             <a:fld id="{03F41C87-7AD9-4845-A077-840E4A0F3F06}" type="datetimeFigureOut">
               <a:rPr lang="en-US"/>
               <a:pPr/>
-              <a:t>12/5/2016</a:t>
+              <a:t>12/6/2016</a:t>
             </a:fld>
             <a:endParaRPr/>
           </a:p>
@@ -8605,7 +8708,7 @@
             <a:fld id="{03F41C87-7AD9-4845-A077-840E4A0F3F06}" type="datetimeFigureOut">
               <a:rPr lang="en-US" smtClean="0"/>
               <a:pPr/>
-              <a:t>12/5/2016</a:t>
+              <a:t>12/6/2016</a:t>
             </a:fld>
             <a:endParaRPr lang="en-US"/>
           </a:p>
@@ -9361,118 +9464,7 @@
       </p:sp>
       <p:sp>
         <p:nvSpPr>
-          <p:cNvPr id="14" name="Content Placeholder 13"/>
-          <p:cNvSpPr>
-            <a:spLocks noGrp="1"/>
-          </p:cNvSpPr>
-          <p:nvPr>
-            <p:ph idx="1"/>
-          </p:nvPr>
-        </p:nvSpPr>
-        <p:spPr>
-          <a:xfrm>
-            <a:off x="4652319" y="5944107"/>
-            <a:ext cx="6006340" cy="581237"/>
-          </a:xfrm>
-        </p:spPr>
-        <p:txBody>
-          <a:bodyPr anchor="ctr">
-            <a:normAutofit/>
-          </a:bodyPr>
-          <a:lstStyle/>
-          <a:p>
-            <a:pPr marL="0" indent="0" algn="r">
-              <a:buNone/>
-            </a:pPr>
-            <a:r>
-              <a:rPr lang="en-US" sz="2200" dirty="0">
-                <a:solidFill>
-                  <a:schemeClr val="accent1"/>
-                </a:solidFill>
-              </a:rPr>
-              <a:t>Q: What happens line 24,  when await occurs?</a:t>
-            </a:r>
-          </a:p>
-        </p:txBody>
-      </p:sp>
-      <p:sp>
-        <p:nvSpPr>
           <p:cNvPr id="7" name="Arrow: Right 6"/>
-          <p:cNvSpPr/>
-          <p:nvPr/>
-        </p:nvSpPr>
-        <p:spPr>
-          <a:xfrm>
-            <a:off x="2423592" y="1844824"/>
-            <a:ext cx="324000" cy="280831"/>
-          </a:xfrm>
-          <a:prstGeom prst="rightArrow">
-            <a:avLst/>
-          </a:prstGeom>
-          <a:solidFill>
-            <a:srgbClr val="FFFF00"/>
-          </a:solidFill>
-          <a:ln>
-            <a:solidFill>
-              <a:srgbClr val="FFC000"/>
-            </a:solidFill>
-          </a:ln>
-        </p:spPr>
-        <p:style>
-          <a:lnRef idx="2">
-            <a:schemeClr val="accent1">
-              <a:shade val="50000"/>
-            </a:schemeClr>
-          </a:lnRef>
-          <a:fillRef idx="1">
-            <a:schemeClr val="accent1"/>
-          </a:fillRef>
-          <a:effectRef idx="0">
-            <a:schemeClr val="accent1"/>
-          </a:effectRef>
-          <a:fontRef idx="minor">
-            <a:schemeClr val="lt1"/>
-          </a:fontRef>
-        </p:style>
-        <p:txBody>
-          <a:bodyPr rtlCol="0" anchor="ctr"/>
-          <a:lstStyle/>
-          <a:p>
-            <a:pPr algn="ctr"/>
-            <a:endParaRPr lang="fr-FR"/>
-          </a:p>
-        </p:txBody>
-      </p:sp>
-      <p:pic>
-        <p:nvPicPr>
-          <p:cNvPr id="8" name="Picture 7"/>
-          <p:cNvPicPr>
-            <a:picLocks noChangeAspect="1"/>
-          </p:cNvPicPr>
-          <p:nvPr/>
-        </p:nvPicPr>
-        <p:blipFill rotWithShape="1">
-          <a:blip r:embed="rId3"/>
-          <a:srcRect l="17865" t="49279" r="33058" b="45230"/>
-          <a:stretch/>
-        </p:blipFill>
-        <p:spPr>
-          <a:xfrm>
-            <a:off x="3168000" y="3528000"/>
-            <a:ext cx="5760640" cy="360040"/>
-          </a:xfrm>
-          <a:prstGeom prst="rect">
-            <a:avLst/>
-          </a:prstGeom>
-          <a:noFill/>
-          <a:ln>
-            <a:noFill/>
-          </a:ln>
-        </p:spPr>
-      </p:pic>
-      <p:sp>
-        <p:nvSpPr>
-          <p:cNvPr id="9" name="Arrow: Right 8"/>
           <p:cNvSpPr/>
           <p:nvPr/>
         </p:nvSpPr>
@@ -9523,7 +9515,34 @@
       </p:sp>
       <p:pic>
         <p:nvPicPr>
-          <p:cNvPr id="10" name="Picture 4" descr="Afficher l'image d'origine"/>
+          <p:cNvPr id="8" name="Picture 7"/>
+          <p:cNvPicPr>
+            <a:picLocks noChangeAspect="1"/>
+          </p:cNvPicPr>
+          <p:nvPr/>
+        </p:nvPicPr>
+        <p:blipFill rotWithShape="1">
+          <a:blip r:embed="rId3"/>
+          <a:srcRect l="17865" t="49279" r="33058" b="45230"/>
+          <a:stretch/>
+        </p:blipFill>
+        <p:spPr>
+          <a:xfrm>
+            <a:off x="3168000" y="3528000"/>
+            <a:ext cx="5760640" cy="360040"/>
+          </a:xfrm>
+          <a:prstGeom prst="rect">
+            <a:avLst/>
+          </a:prstGeom>
+          <a:noFill/>
+          <a:ln>
+            <a:noFill/>
+          </a:ln>
+        </p:spPr>
+      </p:pic>
+      <p:pic>
+        <p:nvPicPr>
+          <p:cNvPr id="1028" name="Picture 4" descr="Afficher l'image d'origine"/>
           <p:cNvPicPr>
             <a:picLocks noChangeAspect="1" noChangeArrowheads="1"/>
           </p:cNvPicPr>
@@ -9576,7 +9595,7 @@
     </p:spTree>
     <p:extLst>
       <p:ext uri="{BB962C8B-B14F-4D97-AF65-F5344CB8AC3E}">
-        <p14:creationId xmlns:p14="http://schemas.microsoft.com/office/powerpoint/2010/main" val="880329635"/>
+        <p14:creationId xmlns:p14="http://schemas.microsoft.com/office/powerpoint/2010/main" val="4023432389"/>
       </p:ext>
     </p:extLst>
   </p:cSld>
@@ -9729,93 +9748,9 @@
           </a:p>
         </p:txBody>
       </p:sp>
-      <p:sp>
-        <p:nvSpPr>
-          <p:cNvPr id="14" name="Content Placeholder 13"/>
-          <p:cNvSpPr>
-            <a:spLocks noGrp="1"/>
-          </p:cNvSpPr>
-          <p:nvPr>
-            <p:ph idx="1"/>
-          </p:nvPr>
-        </p:nvSpPr>
-        <p:spPr>
-          <a:xfrm>
-            <a:off x="4652319" y="5944107"/>
-            <a:ext cx="6006340" cy="581237"/>
-          </a:xfrm>
-        </p:spPr>
-        <p:txBody>
-          <a:bodyPr anchor="ctr">
-            <a:normAutofit/>
-          </a:bodyPr>
-          <a:lstStyle/>
-          <a:p>
-            <a:pPr marL="0" indent="0" algn="r">
-              <a:buNone/>
-            </a:pPr>
-            <a:r>
-              <a:rPr lang="en-US" sz="2200" dirty="0">
-                <a:solidFill>
-                  <a:schemeClr val="accent1"/>
-                </a:solidFill>
-              </a:rPr>
-              <a:t>Q: What happens line 24,  when await occurs?</a:t>
-            </a:r>
-          </a:p>
-        </p:txBody>
-      </p:sp>
-      <p:sp>
-        <p:nvSpPr>
-          <p:cNvPr id="10" name="Arrow: Right 9"/>
-          <p:cNvSpPr/>
-          <p:nvPr/>
-        </p:nvSpPr>
-        <p:spPr>
-          <a:xfrm>
-            <a:off x="2423592" y="2304000"/>
-            <a:ext cx="324000" cy="280831"/>
-          </a:xfrm>
-          <a:prstGeom prst="rightArrow">
-            <a:avLst/>
-          </a:prstGeom>
-          <a:solidFill>
-            <a:srgbClr val="FFFF00"/>
-          </a:solidFill>
-          <a:ln>
-            <a:solidFill>
-              <a:srgbClr val="FFC000"/>
-            </a:solidFill>
-          </a:ln>
-        </p:spPr>
-        <p:style>
-          <a:lnRef idx="2">
-            <a:schemeClr val="accent1">
-              <a:shade val="50000"/>
-            </a:schemeClr>
-          </a:lnRef>
-          <a:fillRef idx="1">
-            <a:schemeClr val="accent1"/>
-          </a:fillRef>
-          <a:effectRef idx="0">
-            <a:schemeClr val="accent1"/>
-          </a:effectRef>
-          <a:fontRef idx="minor">
-            <a:schemeClr val="lt1"/>
-          </a:fontRef>
-        </p:style>
-        <p:txBody>
-          <a:bodyPr rtlCol="0" anchor="ctr"/>
-          <a:lstStyle/>
-          <a:p>
-            <a:pPr algn="ctr"/>
-            <a:endParaRPr lang="fr-FR"/>
-          </a:p>
-        </p:txBody>
-      </p:sp>
       <p:pic>
         <p:nvPicPr>
-          <p:cNvPr id="15" name="Picture 14"/>
+          <p:cNvPr id="8" name="Picture 7"/>
           <p:cNvPicPr>
             <a:picLocks noChangeAspect="1"/>
           </p:cNvPicPr>
@@ -9842,7 +9777,7 @@
       </p:pic>
       <p:sp>
         <p:nvSpPr>
-          <p:cNvPr id="16" name="Arrow: Right 15"/>
+          <p:cNvPr id="11" name="Arrow: Right 10"/>
           <p:cNvSpPr/>
           <p:nvPr/>
         </p:nvSpPr>
@@ -9893,7 +9828,7 @@
       </p:sp>
       <p:pic>
         <p:nvPicPr>
-          <p:cNvPr id="17" name="Picture 4" descr="Afficher l'image d'origine"/>
+          <p:cNvPr id="12" name="Picture 4" descr="Afficher l'image d'origine"/>
           <p:cNvPicPr>
             <a:picLocks noChangeAspect="1" noChangeArrowheads="1"/>
           </p:cNvPicPr>
@@ -9943,10 +9878,56 @@
           </a:extLst>
         </p:spPr>
       </p:pic>
+      <p:sp>
+        <p:nvSpPr>
+          <p:cNvPr id="2" name="Rectangle 1"/>
+          <p:cNvSpPr/>
+          <p:nvPr/>
+        </p:nvSpPr>
+        <p:spPr>
+          <a:xfrm>
+            <a:off x="4367808" y="4725144"/>
+            <a:ext cx="1008112" cy="360040"/>
+          </a:xfrm>
+          <a:prstGeom prst="rect">
+            <a:avLst/>
+          </a:prstGeom>
+          <a:noFill/>
+          <a:ln w="34925">
+            <a:solidFill>
+              <a:srgbClr val="FFC000"/>
+            </a:solidFill>
+          </a:ln>
+        </p:spPr>
+        <p:style>
+          <a:lnRef idx="2">
+            <a:schemeClr val="accent1">
+              <a:shade val="50000"/>
+            </a:schemeClr>
+          </a:lnRef>
+          <a:fillRef idx="1">
+            <a:schemeClr val="accent1"/>
+          </a:fillRef>
+          <a:effectRef idx="0">
+            <a:schemeClr val="accent1"/>
+          </a:effectRef>
+          <a:fontRef idx="minor">
+            <a:schemeClr val="lt1"/>
+          </a:fontRef>
+        </p:style>
+        <p:txBody>
+          <a:bodyPr rtlCol="0" anchor="ctr"/>
+          <a:lstStyle/>
+          <a:p>
+            <a:pPr algn="ctr"/>
+            <a:endParaRPr lang="fr-FR"/>
+          </a:p>
+        </p:txBody>
+      </p:sp>
     </p:spTree>
     <p:extLst>
       <p:ext uri="{BB962C8B-B14F-4D97-AF65-F5344CB8AC3E}">
-        <p14:creationId xmlns:p14="http://schemas.microsoft.com/office/powerpoint/2010/main" val="2688029138"/>
+        <p14:creationId xmlns:p14="http://schemas.microsoft.com/office/powerpoint/2010/main" val="1879403580"/>
       </p:ext>
     </p:extLst>
   </p:cSld>
@@ -10101,36 +10082,1334 @@
       </p:sp>
       <p:sp>
         <p:nvSpPr>
-          <p:cNvPr id="14" name="Content Placeholder 13"/>
+          <p:cNvPr id="7" name="Arrow: Right 6"/>
+          <p:cNvSpPr/>
+          <p:nvPr/>
+        </p:nvSpPr>
+        <p:spPr>
+          <a:xfrm>
+            <a:off x="2423592" y="3573016"/>
+            <a:ext cx="324000" cy="280831"/>
+          </a:xfrm>
+          <a:prstGeom prst="rightArrow">
+            <a:avLst/>
+          </a:prstGeom>
+          <a:solidFill>
+            <a:srgbClr val="FFFF00"/>
+          </a:solidFill>
+          <a:ln>
+            <a:solidFill>
+              <a:srgbClr val="FFC000"/>
+            </a:solidFill>
+          </a:ln>
+        </p:spPr>
+        <p:style>
+          <a:lnRef idx="2">
+            <a:schemeClr val="accent1">
+              <a:shade val="50000"/>
+            </a:schemeClr>
+          </a:lnRef>
+          <a:fillRef idx="1">
+            <a:schemeClr val="accent1"/>
+          </a:fillRef>
+          <a:effectRef idx="0">
+            <a:schemeClr val="accent1"/>
+          </a:effectRef>
+          <a:fontRef idx="minor">
+            <a:schemeClr val="lt1"/>
+          </a:fontRef>
+        </p:style>
+        <p:txBody>
+          <a:bodyPr rtlCol="0" anchor="ctr"/>
+          <a:lstStyle/>
+          <a:p>
+            <a:pPr algn="ctr"/>
+            <a:endParaRPr lang="fr-FR"/>
+          </a:p>
+        </p:txBody>
+      </p:sp>
+      <p:pic>
+        <p:nvPicPr>
+          <p:cNvPr id="8" name="Picture 7"/>
+          <p:cNvPicPr>
+            <a:picLocks noChangeAspect="1"/>
+          </p:cNvPicPr>
+          <p:nvPr/>
+        </p:nvPicPr>
+        <p:blipFill rotWithShape="1">
+          <a:blip r:embed="rId3"/>
+          <a:srcRect l="17865" t="49279" r="33058" b="45230"/>
+          <a:stretch/>
+        </p:blipFill>
+        <p:spPr>
+          <a:xfrm>
+            <a:off x="3168000" y="3528000"/>
+            <a:ext cx="5760640" cy="360040"/>
+          </a:xfrm>
+          <a:prstGeom prst="rect">
+            <a:avLst/>
+          </a:prstGeom>
+          <a:noFill/>
+          <a:ln>
+            <a:noFill/>
+          </a:ln>
+        </p:spPr>
+      </p:pic>
+      <p:sp>
+        <p:nvSpPr>
+          <p:cNvPr id="11" name="Arrow: Right 10"/>
+          <p:cNvSpPr/>
+          <p:nvPr/>
+        </p:nvSpPr>
+        <p:spPr>
+          <a:xfrm>
+            <a:off x="2891680" y="5292000"/>
+            <a:ext cx="324000" cy="280831"/>
+          </a:xfrm>
+          <a:prstGeom prst="rightArrow">
+            <a:avLst/>
+          </a:prstGeom>
+          <a:solidFill>
+            <a:schemeClr val="accent2">
+              <a:lumMod val="60000"/>
+              <a:lumOff val="40000"/>
+            </a:schemeClr>
+          </a:solidFill>
+          <a:ln>
+            <a:solidFill>
+              <a:srgbClr val="00B050"/>
+            </a:solidFill>
+          </a:ln>
+        </p:spPr>
+        <p:style>
+          <a:lnRef idx="2">
+            <a:schemeClr val="accent1">
+              <a:shade val="50000"/>
+            </a:schemeClr>
+          </a:lnRef>
+          <a:fillRef idx="1">
+            <a:schemeClr val="accent1"/>
+          </a:fillRef>
+          <a:effectRef idx="0">
+            <a:schemeClr val="accent1"/>
+          </a:effectRef>
+          <a:fontRef idx="minor">
+            <a:schemeClr val="lt1"/>
+          </a:fontRef>
+        </p:style>
+        <p:txBody>
+          <a:bodyPr rtlCol="0" anchor="ctr"/>
+          <a:lstStyle/>
+          <a:p>
+            <a:pPr algn="ctr"/>
+            <a:endParaRPr lang="fr-FR"/>
+          </a:p>
+        </p:txBody>
+      </p:sp>
+      <p:pic>
+        <p:nvPicPr>
+          <p:cNvPr id="12" name="Picture 4" descr="Afficher l'image d'origine"/>
+          <p:cNvPicPr>
+            <a:picLocks noChangeAspect="1" noChangeArrowheads="1"/>
+          </p:cNvPicPr>
+          <p:nvPr/>
+        </p:nvPicPr>
+        <p:blipFill>
+          <a:blip r:embed="rId4" cstate="print">
+            <a:clrChange>
+              <a:clrFrom>
+                <a:srgbClr val="FFFFFF"/>
+              </a:clrFrom>
+              <a:clrTo>
+                <a:srgbClr val="FFFFFF">
+                  <a:alpha val="0"/>
+                </a:srgbClr>
+              </a:clrTo>
+            </a:clrChange>
+            <a:lum bright="70000" contrast="-70000"/>
+            <a:extLst>
+              <a:ext uri="{28A0092B-C50C-407E-A947-70E740481C1C}">
+                <a14:useLocalDpi xmlns:a14="http://schemas.microsoft.com/office/drawing/2010/main" val="0"/>
+              </a:ext>
+            </a:extLst>
+          </a:blip>
+          <a:srcRect/>
+          <a:stretch>
+            <a:fillRect/>
+          </a:stretch>
+        </p:blipFill>
+        <p:spPr bwMode="auto">
+          <a:xfrm>
+            <a:off x="2495600" y="5274000"/>
+            <a:ext cx="288032" cy="288032"/>
+          </a:xfrm>
+          <a:prstGeom prst="rect">
+            <a:avLst/>
+          </a:prstGeom>
+          <a:noFill/>
+          <a:extLst>
+            <a:ext uri="{909E8E84-426E-40DD-AFC4-6F175D3DCCD1}">
+              <a14:hiddenFill xmlns:a14="http://schemas.microsoft.com/office/drawing/2010/main">
+                <a:solidFill>
+                  <a:srgbClr val="FFFFFF"/>
+                </a:solidFill>
+              </a14:hiddenFill>
+            </a:ext>
+          </a:extLst>
+        </p:spPr>
+      </p:pic>
+    </p:spTree>
+    <p:extLst>
+      <p:ext uri="{BB962C8B-B14F-4D97-AF65-F5344CB8AC3E}">
+        <p14:creationId xmlns:p14="http://schemas.microsoft.com/office/powerpoint/2010/main" val="1702592545"/>
+      </p:ext>
+    </p:extLst>
+  </p:cSld>
+  <p:clrMapOvr>
+    <a:masterClrMapping/>
+  </p:clrMapOvr>
+  <mc:AlternateContent xmlns:mc="http://schemas.openxmlformats.org/markup-compatibility/2006" xmlns:p14="http://schemas.microsoft.com/office/powerpoint/2010/main">
+    <mc:Choice Requires="p14">
+      <p:transition spd="med" p14:dur="700">
+        <p:fade/>
+      </p:transition>
+    </mc:Choice>
+    <mc:Fallback xmlns="">
+      <p:transition spd="med">
+        <p:fade/>
+      </p:transition>
+    </mc:Fallback>
+  </mc:AlternateContent>
+</p:sld>
+</file>
+
+<file path=ppt/slides/slide13.xml><?xml version="1.0" encoding="utf-8"?>
+<p:sld xmlns:a="http://schemas.openxmlformats.org/drawingml/2006/main" xmlns:r="http://schemas.openxmlformats.org/officeDocument/2006/relationships" xmlns:p="http://schemas.openxmlformats.org/presentationml/2006/main">
+  <p:cSld>
+    <p:spTree>
+      <p:nvGrpSpPr>
+        <p:cNvPr id="1" name=""/>
+        <p:cNvGrpSpPr/>
+        <p:nvPr/>
+      </p:nvGrpSpPr>
+      <p:grpSpPr>
+        <a:xfrm>
+          <a:off x="0" y="0"/>
+          <a:ext cx="0" cy="0"/>
+          <a:chOff x="0" y="0"/>
+          <a:chExt cx="0" cy="0"/>
+        </a:xfrm>
+      </p:grpSpPr>
+      <p:grpSp>
+        <p:nvGrpSpPr>
+          <p:cNvPr id="6" name="Group 5"/>
+          <p:cNvGrpSpPr/>
+          <p:nvPr/>
+        </p:nvGrpSpPr>
+        <p:grpSpPr>
+          <a:xfrm>
+            <a:off x="1415480" y="1066800"/>
+            <a:ext cx="9361040" cy="5437627"/>
+            <a:chOff x="1415480" y="1066800"/>
+            <a:chExt cx="9361040" cy="5437627"/>
+          </a:xfrm>
+        </p:grpSpPr>
+        <p:pic>
+          <p:nvPicPr>
+            <p:cNvPr id="4" name="Picture 3"/>
+            <p:cNvPicPr>
+              <a:picLocks noChangeAspect="1"/>
+            </p:cNvPicPr>
+            <p:nvPr/>
+          </p:nvPicPr>
+          <p:blipFill rotWithShape="1">
+            <a:blip r:embed="rId2"/>
+            <a:srcRect l="1506" t="11264" r="14126" b="1835"/>
+            <a:stretch/>
+          </p:blipFill>
+          <p:spPr>
+            <a:xfrm>
+              <a:off x="1415480" y="1066800"/>
+              <a:ext cx="9361040" cy="5437627"/>
+            </a:xfrm>
+            <a:prstGeom prst="rect">
+              <a:avLst/>
+            </a:prstGeom>
+            <a:noFill/>
+            <a:ln>
+              <a:solidFill>
+                <a:schemeClr val="accent1"/>
+              </a:solidFill>
+            </a:ln>
+          </p:spPr>
+        </p:pic>
+        <p:sp>
+          <p:nvSpPr>
+            <p:cNvPr id="5" name="Rectangle 4"/>
+            <p:cNvSpPr/>
+            <p:nvPr/>
+          </p:nvSpPr>
+          <p:spPr>
+            <a:xfrm>
+              <a:off x="1919536" y="5877272"/>
+              <a:ext cx="792088" cy="560320"/>
+            </a:xfrm>
+            <a:prstGeom prst="rect">
+              <a:avLst/>
+            </a:prstGeom>
+            <a:solidFill>
+              <a:schemeClr val="bg1"/>
+            </a:solidFill>
+            <a:ln>
+              <a:solidFill>
+                <a:schemeClr val="bg1"/>
+              </a:solidFill>
+            </a:ln>
+          </p:spPr>
+          <p:style>
+            <a:lnRef idx="2">
+              <a:schemeClr val="accent1">
+                <a:shade val="50000"/>
+              </a:schemeClr>
+            </a:lnRef>
+            <a:fillRef idx="1">
+              <a:schemeClr val="accent1"/>
+            </a:fillRef>
+            <a:effectRef idx="0">
+              <a:schemeClr val="accent1"/>
+            </a:effectRef>
+            <a:fontRef idx="minor">
+              <a:schemeClr val="lt1"/>
+            </a:fontRef>
+          </p:style>
+          <p:txBody>
+            <a:bodyPr rtlCol="0" anchor="ctr"/>
+            <a:lstStyle/>
+            <a:p>
+              <a:pPr algn="ctr"/>
+              <a:endParaRPr lang="fr-FR"/>
+            </a:p>
+          </p:txBody>
+        </p:sp>
+      </p:grpSp>
+      <p:sp>
+        <p:nvSpPr>
+          <p:cNvPr id="13" name="Title 12"/>
           <p:cNvSpPr>
             <a:spLocks noGrp="1"/>
           </p:cNvSpPr>
           <p:nvPr>
-            <p:ph idx="1"/>
+            <p:ph type="title"/>
           </p:nvPr>
+        </p:nvSpPr>
+        <p:spPr/>
+        <p:txBody>
+          <a:bodyPr anchor="t"/>
+          <a:lstStyle/>
+          <a:p>
+            <a:r>
+              <a:rPr lang="en-US" dirty="0"/>
+              <a:t>Let’s start with A question…</a:t>
+            </a:r>
+          </a:p>
+        </p:txBody>
+      </p:sp>
+      <p:pic>
+        <p:nvPicPr>
+          <p:cNvPr id="8" name="Picture 7"/>
+          <p:cNvPicPr>
+            <a:picLocks noChangeAspect="1"/>
+          </p:cNvPicPr>
+          <p:nvPr/>
+        </p:nvPicPr>
+        <p:blipFill rotWithShape="1">
+          <a:blip r:embed="rId3"/>
+          <a:srcRect l="17865" t="49279" r="33058" b="45230"/>
+          <a:stretch/>
+        </p:blipFill>
+        <p:spPr>
+          <a:xfrm>
+            <a:off x="3168000" y="3528000"/>
+            <a:ext cx="5760640" cy="360040"/>
+          </a:xfrm>
+          <a:prstGeom prst="rect">
+            <a:avLst/>
+          </a:prstGeom>
+          <a:noFill/>
+          <a:ln>
+            <a:noFill/>
+          </a:ln>
+        </p:spPr>
+      </p:pic>
+      <p:sp>
+        <p:nvSpPr>
+          <p:cNvPr id="11" name="Arrow: Right 10"/>
+          <p:cNvSpPr/>
+          <p:nvPr/>
         </p:nvSpPr>
         <p:spPr>
           <a:xfrm>
-            <a:off x="4652319" y="5944107"/>
-            <a:ext cx="6006340" cy="581237"/>
+            <a:off x="2891680" y="5292000"/>
+            <a:ext cx="324000" cy="280831"/>
           </a:xfrm>
+          <a:prstGeom prst="rightArrow">
+            <a:avLst/>
+          </a:prstGeom>
+          <a:solidFill>
+            <a:schemeClr val="accent2">
+              <a:lumMod val="60000"/>
+              <a:lumOff val="40000"/>
+            </a:schemeClr>
+          </a:solidFill>
+          <a:ln>
+            <a:solidFill>
+              <a:srgbClr val="00B050"/>
+            </a:solidFill>
+          </a:ln>
         </p:spPr>
+        <p:style>
+          <a:lnRef idx="2">
+            <a:schemeClr val="accent1">
+              <a:shade val="50000"/>
+            </a:schemeClr>
+          </a:lnRef>
+          <a:fillRef idx="1">
+            <a:schemeClr val="accent1"/>
+          </a:fillRef>
+          <a:effectRef idx="0">
+            <a:schemeClr val="accent1"/>
+          </a:effectRef>
+          <a:fontRef idx="minor">
+            <a:schemeClr val="lt1"/>
+          </a:fontRef>
+        </p:style>
         <p:txBody>
-          <a:bodyPr anchor="ctr">
-            <a:normAutofit/>
-          </a:bodyPr>
+          <a:bodyPr rtlCol="0" anchor="ctr"/>
           <a:lstStyle/>
           <a:p>
-            <a:pPr marL="0" indent="0" algn="r">
-              <a:buNone/>
-            </a:pPr>
+            <a:pPr algn="ctr"/>
+            <a:endParaRPr lang="fr-FR"/>
+          </a:p>
+        </p:txBody>
+      </p:sp>
+      <p:pic>
+        <p:nvPicPr>
+          <p:cNvPr id="12" name="Picture 4" descr="Afficher l'image d'origine"/>
+          <p:cNvPicPr>
+            <a:picLocks noChangeAspect="1" noChangeArrowheads="1"/>
+          </p:cNvPicPr>
+          <p:nvPr/>
+        </p:nvPicPr>
+        <p:blipFill>
+          <a:blip r:embed="rId4" cstate="print">
+            <a:clrChange>
+              <a:clrFrom>
+                <a:srgbClr val="FFFFFF"/>
+              </a:clrFrom>
+              <a:clrTo>
+                <a:srgbClr val="FFFFFF">
+                  <a:alpha val="0"/>
+                </a:srgbClr>
+              </a:clrTo>
+            </a:clrChange>
+            <a:lum bright="70000" contrast="-70000"/>
+            <a:extLst>
+              <a:ext uri="{28A0092B-C50C-407E-A947-70E740481C1C}">
+                <a14:useLocalDpi xmlns:a14="http://schemas.microsoft.com/office/drawing/2010/main" val="0"/>
+              </a:ext>
+            </a:extLst>
+          </a:blip>
+          <a:srcRect/>
+          <a:stretch>
+            <a:fillRect/>
+          </a:stretch>
+        </p:blipFill>
+        <p:spPr bwMode="auto">
+          <a:xfrm>
+            <a:off x="2495600" y="5274000"/>
+            <a:ext cx="288032" cy="288032"/>
+          </a:xfrm>
+          <a:prstGeom prst="rect">
+            <a:avLst/>
+          </a:prstGeom>
+          <a:noFill/>
+          <a:extLst>
+            <a:ext uri="{909E8E84-426E-40DD-AFC4-6F175D3DCCD1}">
+              <a14:hiddenFill xmlns:a14="http://schemas.microsoft.com/office/drawing/2010/main">
+                <a:solidFill>
+                  <a:srgbClr val="FFFFFF"/>
+                </a:solidFill>
+              </a14:hiddenFill>
+            </a:ext>
+          </a:extLst>
+        </p:spPr>
+      </p:pic>
+      <p:sp>
+        <p:nvSpPr>
+          <p:cNvPr id="15" name="Rectangle 14"/>
+          <p:cNvSpPr/>
+          <p:nvPr/>
+        </p:nvSpPr>
+        <p:spPr>
+          <a:xfrm>
+            <a:off x="4223792" y="3014533"/>
+            <a:ext cx="1080120" cy="360040"/>
+          </a:xfrm>
+          <a:prstGeom prst="rect">
+            <a:avLst/>
+          </a:prstGeom>
+          <a:noFill/>
+          <a:ln w="34925">
+            <a:solidFill>
+              <a:srgbClr val="FFC000"/>
+            </a:solidFill>
+          </a:ln>
+        </p:spPr>
+        <p:style>
+          <a:lnRef idx="2">
+            <a:schemeClr val="accent1">
+              <a:shade val="50000"/>
+            </a:schemeClr>
+          </a:lnRef>
+          <a:fillRef idx="1">
+            <a:schemeClr val="accent1"/>
+          </a:fillRef>
+          <a:effectRef idx="0">
+            <a:schemeClr val="accent1"/>
+          </a:effectRef>
+          <a:fontRef idx="minor">
+            <a:schemeClr val="lt1"/>
+          </a:fontRef>
+        </p:style>
+        <p:txBody>
+          <a:bodyPr rtlCol="0" anchor="ctr"/>
+          <a:lstStyle/>
+          <a:p>
+            <a:pPr algn="ctr"/>
+            <a:endParaRPr lang="fr-FR"/>
+          </a:p>
+        </p:txBody>
+      </p:sp>
+    </p:spTree>
+    <p:extLst>
+      <p:ext uri="{BB962C8B-B14F-4D97-AF65-F5344CB8AC3E}">
+        <p14:creationId xmlns:p14="http://schemas.microsoft.com/office/powerpoint/2010/main" val="3007779111"/>
+      </p:ext>
+    </p:extLst>
+  </p:cSld>
+  <p:clrMapOvr>
+    <a:masterClrMapping/>
+  </p:clrMapOvr>
+  <mc:AlternateContent xmlns:mc="http://schemas.openxmlformats.org/markup-compatibility/2006" xmlns:p14="http://schemas.microsoft.com/office/powerpoint/2010/main">
+    <mc:Choice Requires="p14">
+      <p:transition spd="med" p14:dur="700">
+        <p:fade/>
+      </p:transition>
+    </mc:Choice>
+    <mc:Fallback xmlns="">
+      <p:transition spd="med">
+        <p:fade/>
+      </p:transition>
+    </mc:Fallback>
+  </mc:AlternateContent>
+</p:sld>
+</file>
+
+<file path=ppt/slides/slide14.xml><?xml version="1.0" encoding="utf-8"?>
+<p:sld xmlns:a="http://schemas.openxmlformats.org/drawingml/2006/main" xmlns:r="http://schemas.openxmlformats.org/officeDocument/2006/relationships" xmlns:p="http://schemas.openxmlformats.org/presentationml/2006/main">
+  <p:cSld>
+    <p:spTree>
+      <p:nvGrpSpPr>
+        <p:cNvPr id="1" name=""/>
+        <p:cNvGrpSpPr/>
+        <p:nvPr/>
+      </p:nvGrpSpPr>
+      <p:grpSpPr>
+        <a:xfrm>
+          <a:off x="0" y="0"/>
+          <a:ext cx="0" cy="0"/>
+          <a:chOff x="0" y="0"/>
+          <a:chExt cx="0" cy="0"/>
+        </a:xfrm>
+      </p:grpSpPr>
+      <p:grpSp>
+        <p:nvGrpSpPr>
+          <p:cNvPr id="6" name="Group 5"/>
+          <p:cNvGrpSpPr/>
+          <p:nvPr/>
+        </p:nvGrpSpPr>
+        <p:grpSpPr>
+          <a:xfrm>
+            <a:off x="1415480" y="1066800"/>
+            <a:ext cx="9361040" cy="5437627"/>
+            <a:chOff x="1415480" y="1066800"/>
+            <a:chExt cx="9361040" cy="5437627"/>
+          </a:xfrm>
+        </p:grpSpPr>
+        <p:pic>
+          <p:nvPicPr>
+            <p:cNvPr id="4" name="Picture 3"/>
+            <p:cNvPicPr>
+              <a:picLocks noChangeAspect="1"/>
+            </p:cNvPicPr>
+            <p:nvPr/>
+          </p:nvPicPr>
+          <p:blipFill rotWithShape="1">
+            <a:blip r:embed="rId2"/>
+            <a:srcRect l="1506" t="11264" r="14126" b="1835"/>
+            <a:stretch/>
+          </p:blipFill>
+          <p:spPr>
+            <a:xfrm>
+              <a:off x="1415480" y="1066800"/>
+              <a:ext cx="9361040" cy="5437627"/>
+            </a:xfrm>
+            <a:prstGeom prst="rect">
+              <a:avLst/>
+            </a:prstGeom>
+            <a:noFill/>
+            <a:ln>
+              <a:solidFill>
+                <a:schemeClr val="accent1"/>
+              </a:solidFill>
+            </a:ln>
+          </p:spPr>
+        </p:pic>
+        <p:sp>
+          <p:nvSpPr>
+            <p:cNvPr id="5" name="Rectangle 4"/>
+            <p:cNvSpPr/>
+            <p:nvPr/>
+          </p:nvSpPr>
+          <p:spPr>
+            <a:xfrm>
+              <a:off x="1919536" y="5877272"/>
+              <a:ext cx="792088" cy="560320"/>
+            </a:xfrm>
+            <a:prstGeom prst="rect">
+              <a:avLst/>
+            </a:prstGeom>
+            <a:solidFill>
+              <a:schemeClr val="bg1"/>
+            </a:solidFill>
+            <a:ln>
+              <a:solidFill>
+                <a:schemeClr val="bg1"/>
+              </a:solidFill>
+            </a:ln>
+          </p:spPr>
+          <p:style>
+            <a:lnRef idx="2">
+              <a:schemeClr val="accent1">
+                <a:shade val="50000"/>
+              </a:schemeClr>
+            </a:lnRef>
+            <a:fillRef idx="1">
+              <a:schemeClr val="accent1"/>
+            </a:fillRef>
+            <a:effectRef idx="0">
+              <a:schemeClr val="accent1"/>
+            </a:effectRef>
+            <a:fontRef idx="minor">
+              <a:schemeClr val="lt1"/>
+            </a:fontRef>
+          </p:style>
+          <p:txBody>
+            <a:bodyPr rtlCol="0" anchor="ctr"/>
+            <a:lstStyle/>
+            <a:p>
+              <a:pPr algn="ctr"/>
+              <a:endParaRPr lang="fr-FR"/>
+            </a:p>
+          </p:txBody>
+        </p:sp>
+      </p:grpSp>
+      <p:sp>
+        <p:nvSpPr>
+          <p:cNvPr id="13" name="Title 12"/>
+          <p:cNvSpPr>
+            <a:spLocks noGrp="1"/>
+          </p:cNvSpPr>
+          <p:nvPr>
+            <p:ph type="title"/>
+          </p:nvPr>
+        </p:nvSpPr>
+        <p:spPr/>
+        <p:txBody>
+          <a:bodyPr anchor="t"/>
+          <a:lstStyle/>
+          <a:p>
             <a:r>
-              <a:rPr lang="en-US" sz="2200" dirty="0">
+              <a:rPr lang="en-US" dirty="0"/>
+              <a:t>Let’s start with A question…</a:t>
+            </a:r>
+          </a:p>
+        </p:txBody>
+      </p:sp>
+      <p:sp>
+        <p:nvSpPr>
+          <p:cNvPr id="7" name="Arrow: Right 6"/>
+          <p:cNvSpPr/>
+          <p:nvPr/>
+        </p:nvSpPr>
+        <p:spPr>
+          <a:xfrm>
+            <a:off x="2423592" y="1844824"/>
+            <a:ext cx="324000" cy="280831"/>
+          </a:xfrm>
+          <a:prstGeom prst="rightArrow">
+            <a:avLst/>
+          </a:prstGeom>
+          <a:solidFill>
+            <a:srgbClr val="FFFF00"/>
+          </a:solidFill>
+          <a:ln>
+            <a:solidFill>
+              <a:srgbClr val="FFC000"/>
+            </a:solidFill>
+          </a:ln>
+        </p:spPr>
+        <p:style>
+          <a:lnRef idx="2">
+            <a:schemeClr val="accent1">
+              <a:shade val="50000"/>
+            </a:schemeClr>
+          </a:lnRef>
+          <a:fillRef idx="1">
+            <a:schemeClr val="accent1"/>
+          </a:fillRef>
+          <a:effectRef idx="0">
+            <a:schemeClr val="accent1"/>
+          </a:effectRef>
+          <a:fontRef idx="minor">
+            <a:schemeClr val="lt1"/>
+          </a:fontRef>
+        </p:style>
+        <p:txBody>
+          <a:bodyPr rtlCol="0" anchor="ctr"/>
+          <a:lstStyle/>
+          <a:p>
+            <a:pPr algn="ctr"/>
+            <a:endParaRPr lang="fr-FR"/>
+          </a:p>
+        </p:txBody>
+      </p:sp>
+      <p:pic>
+        <p:nvPicPr>
+          <p:cNvPr id="8" name="Picture 7"/>
+          <p:cNvPicPr>
+            <a:picLocks noChangeAspect="1"/>
+          </p:cNvPicPr>
+          <p:nvPr/>
+        </p:nvPicPr>
+        <p:blipFill rotWithShape="1">
+          <a:blip r:embed="rId3"/>
+          <a:srcRect l="17865" t="49279" r="33058" b="45230"/>
+          <a:stretch/>
+        </p:blipFill>
+        <p:spPr>
+          <a:xfrm>
+            <a:off x="3168000" y="3528000"/>
+            <a:ext cx="5760640" cy="360040"/>
+          </a:xfrm>
+          <a:prstGeom prst="rect">
+            <a:avLst/>
+          </a:prstGeom>
+          <a:noFill/>
+          <a:ln>
+            <a:noFill/>
+          </a:ln>
+        </p:spPr>
+      </p:pic>
+      <p:sp>
+        <p:nvSpPr>
+          <p:cNvPr id="9" name="Arrow: Right 8"/>
+          <p:cNvSpPr/>
+          <p:nvPr/>
+        </p:nvSpPr>
+        <p:spPr>
+          <a:xfrm>
+            <a:off x="2891680" y="5292000"/>
+            <a:ext cx="324000" cy="280831"/>
+          </a:xfrm>
+          <a:prstGeom prst="rightArrow">
+            <a:avLst/>
+          </a:prstGeom>
+          <a:solidFill>
+            <a:schemeClr val="accent2">
+              <a:lumMod val="60000"/>
+              <a:lumOff val="40000"/>
+            </a:schemeClr>
+          </a:solidFill>
+          <a:ln>
+            <a:solidFill>
+              <a:srgbClr val="00B050"/>
+            </a:solidFill>
+          </a:ln>
+        </p:spPr>
+        <p:style>
+          <a:lnRef idx="2">
+            <a:schemeClr val="accent1">
+              <a:shade val="50000"/>
+            </a:schemeClr>
+          </a:lnRef>
+          <a:fillRef idx="1">
+            <a:schemeClr val="accent1"/>
+          </a:fillRef>
+          <a:effectRef idx="0">
+            <a:schemeClr val="accent1"/>
+          </a:effectRef>
+          <a:fontRef idx="minor">
+            <a:schemeClr val="lt1"/>
+          </a:fontRef>
+        </p:style>
+        <p:txBody>
+          <a:bodyPr rtlCol="0" anchor="ctr"/>
+          <a:lstStyle/>
+          <a:p>
+            <a:pPr algn="ctr"/>
+            <a:endParaRPr lang="fr-FR"/>
+          </a:p>
+        </p:txBody>
+      </p:sp>
+      <p:pic>
+        <p:nvPicPr>
+          <p:cNvPr id="10" name="Picture 4" descr="Afficher l'image d'origine"/>
+          <p:cNvPicPr>
+            <a:picLocks noChangeAspect="1" noChangeArrowheads="1"/>
+          </p:cNvPicPr>
+          <p:nvPr/>
+        </p:nvPicPr>
+        <p:blipFill>
+          <a:blip r:embed="rId4" cstate="print">
+            <a:clrChange>
+              <a:clrFrom>
+                <a:srgbClr val="FFFFFF"/>
+              </a:clrFrom>
+              <a:clrTo>
+                <a:srgbClr val="FFFFFF">
+                  <a:alpha val="0"/>
+                </a:srgbClr>
+              </a:clrTo>
+            </a:clrChange>
+            <a:lum bright="70000" contrast="-70000"/>
+            <a:extLst>
+              <a:ext uri="{28A0092B-C50C-407E-A947-70E740481C1C}">
+                <a14:useLocalDpi xmlns:a14="http://schemas.microsoft.com/office/drawing/2010/main" val="0"/>
+              </a:ext>
+            </a:extLst>
+          </a:blip>
+          <a:srcRect/>
+          <a:stretch>
+            <a:fillRect/>
+          </a:stretch>
+        </p:blipFill>
+        <p:spPr bwMode="auto">
+          <a:xfrm>
+            <a:off x="2495600" y="5274000"/>
+            <a:ext cx="288032" cy="288032"/>
+          </a:xfrm>
+          <a:prstGeom prst="rect">
+            <a:avLst/>
+          </a:prstGeom>
+          <a:noFill/>
+          <a:extLst>
+            <a:ext uri="{909E8E84-426E-40DD-AFC4-6F175D3DCCD1}">
+              <a14:hiddenFill xmlns:a14="http://schemas.microsoft.com/office/drawing/2010/main">
                 <a:solidFill>
-                  <a:schemeClr val="accent1"/>
+                  <a:srgbClr val="FFFFFF"/>
                 </a:solidFill>
-              </a:rPr>
-              <a:t>Q: What happens line 24,  when await occurs?</a:t>
+              </a14:hiddenFill>
+            </a:ext>
+          </a:extLst>
+        </p:spPr>
+      </p:pic>
+    </p:spTree>
+    <p:extLst>
+      <p:ext uri="{BB962C8B-B14F-4D97-AF65-F5344CB8AC3E}">
+        <p14:creationId xmlns:p14="http://schemas.microsoft.com/office/powerpoint/2010/main" val="880329635"/>
+      </p:ext>
+    </p:extLst>
+  </p:cSld>
+  <p:clrMapOvr>
+    <a:masterClrMapping/>
+  </p:clrMapOvr>
+  <mc:AlternateContent xmlns:mc="http://schemas.openxmlformats.org/markup-compatibility/2006" xmlns:p14="http://schemas.microsoft.com/office/powerpoint/2010/main">
+    <mc:Choice Requires="p14">
+      <p:transition spd="med" p14:dur="700">
+        <p:fade/>
+      </p:transition>
+    </mc:Choice>
+    <mc:Fallback xmlns="">
+      <p:transition spd="med">
+        <p:fade/>
+      </p:transition>
+    </mc:Fallback>
+  </mc:AlternateContent>
+</p:sld>
+</file>
+
+<file path=ppt/slides/slide15.xml><?xml version="1.0" encoding="utf-8"?>
+<p:sld xmlns:a="http://schemas.openxmlformats.org/drawingml/2006/main" xmlns:r="http://schemas.openxmlformats.org/officeDocument/2006/relationships" xmlns:p="http://schemas.openxmlformats.org/presentationml/2006/main">
+  <p:cSld>
+    <p:spTree>
+      <p:nvGrpSpPr>
+        <p:cNvPr id="1" name=""/>
+        <p:cNvGrpSpPr/>
+        <p:nvPr/>
+      </p:nvGrpSpPr>
+      <p:grpSpPr>
+        <a:xfrm>
+          <a:off x="0" y="0"/>
+          <a:ext cx="0" cy="0"/>
+          <a:chOff x="0" y="0"/>
+          <a:chExt cx="0" cy="0"/>
+        </a:xfrm>
+      </p:grpSpPr>
+      <p:grpSp>
+        <p:nvGrpSpPr>
+          <p:cNvPr id="6" name="Group 5"/>
+          <p:cNvGrpSpPr/>
+          <p:nvPr/>
+        </p:nvGrpSpPr>
+        <p:grpSpPr>
+          <a:xfrm>
+            <a:off x="1415480" y="1066800"/>
+            <a:ext cx="9361040" cy="5437627"/>
+            <a:chOff x="1415480" y="1066800"/>
+            <a:chExt cx="9361040" cy="5437627"/>
+          </a:xfrm>
+        </p:grpSpPr>
+        <p:pic>
+          <p:nvPicPr>
+            <p:cNvPr id="4" name="Picture 3"/>
+            <p:cNvPicPr>
+              <a:picLocks noChangeAspect="1"/>
+            </p:cNvPicPr>
+            <p:nvPr/>
+          </p:nvPicPr>
+          <p:blipFill rotWithShape="1">
+            <a:blip r:embed="rId2"/>
+            <a:srcRect l="1506" t="11264" r="14126" b="1835"/>
+            <a:stretch/>
+          </p:blipFill>
+          <p:spPr>
+            <a:xfrm>
+              <a:off x="1415480" y="1066800"/>
+              <a:ext cx="9361040" cy="5437627"/>
+            </a:xfrm>
+            <a:prstGeom prst="rect">
+              <a:avLst/>
+            </a:prstGeom>
+            <a:noFill/>
+            <a:ln>
+              <a:solidFill>
+                <a:schemeClr val="accent1"/>
+              </a:solidFill>
+            </a:ln>
+          </p:spPr>
+        </p:pic>
+        <p:sp>
+          <p:nvSpPr>
+            <p:cNvPr id="5" name="Rectangle 4"/>
+            <p:cNvSpPr/>
+            <p:nvPr/>
+          </p:nvSpPr>
+          <p:spPr>
+            <a:xfrm>
+              <a:off x="1919536" y="5877272"/>
+              <a:ext cx="792088" cy="560320"/>
+            </a:xfrm>
+            <a:prstGeom prst="rect">
+              <a:avLst/>
+            </a:prstGeom>
+            <a:solidFill>
+              <a:schemeClr val="bg1"/>
+            </a:solidFill>
+            <a:ln>
+              <a:solidFill>
+                <a:schemeClr val="bg1"/>
+              </a:solidFill>
+            </a:ln>
+          </p:spPr>
+          <p:style>
+            <a:lnRef idx="2">
+              <a:schemeClr val="accent1">
+                <a:shade val="50000"/>
+              </a:schemeClr>
+            </a:lnRef>
+            <a:fillRef idx="1">
+              <a:schemeClr val="accent1"/>
+            </a:fillRef>
+            <a:effectRef idx="0">
+              <a:schemeClr val="accent1"/>
+            </a:effectRef>
+            <a:fontRef idx="minor">
+              <a:schemeClr val="lt1"/>
+            </a:fontRef>
+          </p:style>
+          <p:txBody>
+            <a:bodyPr rtlCol="0" anchor="ctr"/>
+            <a:lstStyle/>
+            <a:p>
+              <a:pPr algn="ctr"/>
+              <a:endParaRPr lang="fr-FR"/>
+            </a:p>
+          </p:txBody>
+        </p:sp>
+      </p:grpSp>
+      <p:sp>
+        <p:nvSpPr>
+          <p:cNvPr id="13" name="Title 12"/>
+          <p:cNvSpPr>
+            <a:spLocks noGrp="1"/>
+          </p:cNvSpPr>
+          <p:nvPr>
+            <p:ph type="title"/>
+          </p:nvPr>
+        </p:nvSpPr>
+        <p:spPr/>
+        <p:txBody>
+          <a:bodyPr anchor="t"/>
+          <a:lstStyle/>
+          <a:p>
+            <a:r>
+              <a:rPr lang="en-US" dirty="0"/>
+              <a:t>Let’s start with A question…</a:t>
+            </a:r>
+          </a:p>
+        </p:txBody>
+      </p:sp>
+      <p:sp>
+        <p:nvSpPr>
+          <p:cNvPr id="10" name="Arrow: Right 9"/>
+          <p:cNvSpPr/>
+          <p:nvPr/>
+        </p:nvSpPr>
+        <p:spPr>
+          <a:xfrm>
+            <a:off x="2423592" y="2304000"/>
+            <a:ext cx="324000" cy="280831"/>
+          </a:xfrm>
+          <a:prstGeom prst="rightArrow">
+            <a:avLst/>
+          </a:prstGeom>
+          <a:solidFill>
+            <a:srgbClr val="FFFF00"/>
+          </a:solidFill>
+          <a:ln>
+            <a:solidFill>
+              <a:srgbClr val="FFC000"/>
+            </a:solidFill>
+          </a:ln>
+        </p:spPr>
+        <p:style>
+          <a:lnRef idx="2">
+            <a:schemeClr val="accent1">
+              <a:shade val="50000"/>
+            </a:schemeClr>
+          </a:lnRef>
+          <a:fillRef idx="1">
+            <a:schemeClr val="accent1"/>
+          </a:fillRef>
+          <a:effectRef idx="0">
+            <a:schemeClr val="accent1"/>
+          </a:effectRef>
+          <a:fontRef idx="minor">
+            <a:schemeClr val="lt1"/>
+          </a:fontRef>
+        </p:style>
+        <p:txBody>
+          <a:bodyPr rtlCol="0" anchor="ctr"/>
+          <a:lstStyle/>
+          <a:p>
+            <a:pPr algn="ctr"/>
+            <a:endParaRPr lang="fr-FR"/>
+          </a:p>
+        </p:txBody>
+      </p:sp>
+      <p:pic>
+        <p:nvPicPr>
+          <p:cNvPr id="15" name="Picture 14"/>
+          <p:cNvPicPr>
+            <a:picLocks noChangeAspect="1"/>
+          </p:cNvPicPr>
+          <p:nvPr/>
+        </p:nvPicPr>
+        <p:blipFill rotWithShape="1">
+          <a:blip r:embed="rId3"/>
+          <a:srcRect l="17865" t="49279" r="33058" b="45230"/>
+          <a:stretch/>
+        </p:blipFill>
+        <p:spPr>
+          <a:xfrm>
+            <a:off x="3168000" y="3528000"/>
+            <a:ext cx="5760640" cy="360040"/>
+          </a:xfrm>
+          <a:prstGeom prst="rect">
+            <a:avLst/>
+          </a:prstGeom>
+          <a:noFill/>
+          <a:ln>
+            <a:noFill/>
+          </a:ln>
+        </p:spPr>
+      </p:pic>
+      <p:sp>
+        <p:nvSpPr>
+          <p:cNvPr id="16" name="Arrow: Right 15"/>
+          <p:cNvSpPr/>
+          <p:nvPr/>
+        </p:nvSpPr>
+        <p:spPr>
+          <a:xfrm>
+            <a:off x="2891680" y="5292000"/>
+            <a:ext cx="324000" cy="280831"/>
+          </a:xfrm>
+          <a:prstGeom prst="rightArrow">
+            <a:avLst/>
+          </a:prstGeom>
+          <a:solidFill>
+            <a:schemeClr val="accent2">
+              <a:lumMod val="60000"/>
+              <a:lumOff val="40000"/>
+            </a:schemeClr>
+          </a:solidFill>
+          <a:ln>
+            <a:solidFill>
+              <a:srgbClr val="00B050"/>
+            </a:solidFill>
+          </a:ln>
+        </p:spPr>
+        <p:style>
+          <a:lnRef idx="2">
+            <a:schemeClr val="accent1">
+              <a:shade val="50000"/>
+            </a:schemeClr>
+          </a:lnRef>
+          <a:fillRef idx="1">
+            <a:schemeClr val="accent1"/>
+          </a:fillRef>
+          <a:effectRef idx="0">
+            <a:schemeClr val="accent1"/>
+          </a:effectRef>
+          <a:fontRef idx="minor">
+            <a:schemeClr val="lt1"/>
+          </a:fontRef>
+        </p:style>
+        <p:txBody>
+          <a:bodyPr rtlCol="0" anchor="ctr"/>
+          <a:lstStyle/>
+          <a:p>
+            <a:pPr algn="ctr"/>
+            <a:endParaRPr lang="fr-FR"/>
+          </a:p>
+        </p:txBody>
+      </p:sp>
+      <p:pic>
+        <p:nvPicPr>
+          <p:cNvPr id="17" name="Picture 4" descr="Afficher l'image d'origine"/>
+          <p:cNvPicPr>
+            <a:picLocks noChangeAspect="1" noChangeArrowheads="1"/>
+          </p:cNvPicPr>
+          <p:nvPr/>
+        </p:nvPicPr>
+        <p:blipFill>
+          <a:blip r:embed="rId4" cstate="print">
+            <a:clrChange>
+              <a:clrFrom>
+                <a:srgbClr val="FFFFFF"/>
+              </a:clrFrom>
+              <a:clrTo>
+                <a:srgbClr val="FFFFFF">
+                  <a:alpha val="0"/>
+                </a:srgbClr>
+              </a:clrTo>
+            </a:clrChange>
+            <a:lum bright="70000" contrast="-70000"/>
+            <a:extLst>
+              <a:ext uri="{28A0092B-C50C-407E-A947-70E740481C1C}">
+                <a14:useLocalDpi xmlns:a14="http://schemas.microsoft.com/office/drawing/2010/main" val="0"/>
+              </a:ext>
+            </a:extLst>
+          </a:blip>
+          <a:srcRect/>
+          <a:stretch>
+            <a:fillRect/>
+          </a:stretch>
+        </p:blipFill>
+        <p:spPr bwMode="auto">
+          <a:xfrm>
+            <a:off x="2495600" y="5274000"/>
+            <a:ext cx="288032" cy="288032"/>
+          </a:xfrm>
+          <a:prstGeom prst="rect">
+            <a:avLst/>
+          </a:prstGeom>
+          <a:noFill/>
+          <a:extLst>
+            <a:ext uri="{909E8E84-426E-40DD-AFC4-6F175D3DCCD1}">
+              <a14:hiddenFill xmlns:a14="http://schemas.microsoft.com/office/drawing/2010/main">
+                <a:solidFill>
+                  <a:srgbClr val="FFFFFF"/>
+                </a:solidFill>
+              </a14:hiddenFill>
+            </a:ext>
+          </a:extLst>
+        </p:spPr>
+      </p:pic>
+    </p:spTree>
+    <p:extLst>
+      <p:ext uri="{BB962C8B-B14F-4D97-AF65-F5344CB8AC3E}">
+        <p14:creationId xmlns:p14="http://schemas.microsoft.com/office/powerpoint/2010/main" val="2688029138"/>
+      </p:ext>
+    </p:extLst>
+  </p:cSld>
+  <p:clrMapOvr>
+    <a:masterClrMapping/>
+  </p:clrMapOvr>
+  <mc:AlternateContent xmlns:mc="http://schemas.openxmlformats.org/markup-compatibility/2006" xmlns:p14="http://schemas.microsoft.com/office/powerpoint/2010/main">
+    <mc:Choice Requires="p14">
+      <p:transition spd="med" p14:dur="700">
+        <p:fade/>
+      </p:transition>
+    </mc:Choice>
+    <mc:Fallback xmlns="">
+      <p:transition spd="med">
+        <p:fade/>
+      </p:transition>
+    </mc:Fallback>
+  </mc:AlternateContent>
+</p:sld>
+</file>
+
+<file path=ppt/slides/slide16.xml><?xml version="1.0" encoding="utf-8"?>
+<p:sld xmlns:a="http://schemas.openxmlformats.org/drawingml/2006/main" xmlns:r="http://schemas.openxmlformats.org/officeDocument/2006/relationships" xmlns:p="http://schemas.openxmlformats.org/presentationml/2006/main">
+  <p:cSld>
+    <p:spTree>
+      <p:nvGrpSpPr>
+        <p:cNvPr id="1" name=""/>
+        <p:cNvGrpSpPr/>
+        <p:nvPr/>
+      </p:nvGrpSpPr>
+      <p:grpSpPr>
+        <a:xfrm>
+          <a:off x="0" y="0"/>
+          <a:ext cx="0" cy="0"/>
+          <a:chOff x="0" y="0"/>
+          <a:chExt cx="0" cy="0"/>
+        </a:xfrm>
+      </p:grpSpPr>
+      <p:grpSp>
+        <p:nvGrpSpPr>
+          <p:cNvPr id="6" name="Group 5"/>
+          <p:cNvGrpSpPr/>
+          <p:nvPr/>
+        </p:nvGrpSpPr>
+        <p:grpSpPr>
+          <a:xfrm>
+            <a:off x="1415480" y="1066800"/>
+            <a:ext cx="9361040" cy="5437627"/>
+            <a:chOff x="1415480" y="1066800"/>
+            <a:chExt cx="9361040" cy="5437627"/>
+          </a:xfrm>
+        </p:grpSpPr>
+        <p:pic>
+          <p:nvPicPr>
+            <p:cNvPr id="4" name="Picture 3"/>
+            <p:cNvPicPr>
+              <a:picLocks noChangeAspect="1"/>
+            </p:cNvPicPr>
+            <p:nvPr/>
+          </p:nvPicPr>
+          <p:blipFill rotWithShape="1">
+            <a:blip r:embed="rId2"/>
+            <a:srcRect l="1506" t="11264" r="14126" b="1835"/>
+            <a:stretch/>
+          </p:blipFill>
+          <p:spPr>
+            <a:xfrm>
+              <a:off x="1415480" y="1066800"/>
+              <a:ext cx="9361040" cy="5437627"/>
+            </a:xfrm>
+            <a:prstGeom prst="rect">
+              <a:avLst/>
+            </a:prstGeom>
+            <a:noFill/>
+            <a:ln>
+              <a:solidFill>
+                <a:schemeClr val="accent1"/>
+              </a:solidFill>
+            </a:ln>
+          </p:spPr>
+        </p:pic>
+        <p:sp>
+          <p:nvSpPr>
+            <p:cNvPr id="5" name="Rectangle 4"/>
+            <p:cNvSpPr/>
+            <p:nvPr/>
+          </p:nvSpPr>
+          <p:spPr>
+            <a:xfrm>
+              <a:off x="1919536" y="5877272"/>
+              <a:ext cx="792088" cy="560320"/>
+            </a:xfrm>
+            <a:prstGeom prst="rect">
+              <a:avLst/>
+            </a:prstGeom>
+            <a:solidFill>
+              <a:schemeClr val="bg1"/>
+            </a:solidFill>
+            <a:ln>
+              <a:solidFill>
+                <a:schemeClr val="bg1"/>
+              </a:solidFill>
+            </a:ln>
+          </p:spPr>
+          <p:style>
+            <a:lnRef idx="2">
+              <a:schemeClr val="accent1">
+                <a:shade val="50000"/>
+              </a:schemeClr>
+            </a:lnRef>
+            <a:fillRef idx="1">
+              <a:schemeClr val="accent1"/>
+            </a:fillRef>
+            <a:effectRef idx="0">
+              <a:schemeClr val="accent1"/>
+            </a:effectRef>
+            <a:fontRef idx="minor">
+              <a:schemeClr val="lt1"/>
+            </a:fontRef>
+          </p:style>
+          <p:txBody>
+            <a:bodyPr rtlCol="0" anchor="ctr"/>
+            <a:lstStyle/>
+            <a:p>
+              <a:pPr algn="ctr"/>
+              <a:endParaRPr lang="fr-FR"/>
+            </a:p>
+          </p:txBody>
+        </p:sp>
+      </p:grpSp>
+      <p:sp>
+        <p:nvSpPr>
+          <p:cNvPr id="13" name="Title 12"/>
+          <p:cNvSpPr>
+            <a:spLocks noGrp="1"/>
+          </p:cNvSpPr>
+          <p:nvPr>
+            <p:ph type="title"/>
+          </p:nvPr>
+        </p:nvSpPr>
+        <p:spPr/>
+        <p:txBody>
+          <a:bodyPr anchor="t"/>
+          <a:lstStyle/>
+          <a:p>
+            <a:r>
+              <a:rPr lang="en-US" dirty="0"/>
+              <a:t>Let’s start with A question…</a:t>
             </a:r>
           </a:p>
         </p:txBody>
@@ -10468,7 +11747,7 @@
 </p:sld>
 </file>
 
-<file path=ppt/slides/slide13.xml><?xml version="1.0" encoding="utf-8"?>
+<file path=ppt/slides/slide17.xml><?xml version="1.0" encoding="utf-8"?>
 <p:sld xmlns:a="http://schemas.openxmlformats.org/drawingml/2006/main" xmlns:r="http://schemas.openxmlformats.org/officeDocument/2006/relationships" xmlns:p="http://schemas.openxmlformats.org/presentationml/2006/main">
   <p:cSld>
     <p:spTree>
@@ -10595,42 +11874,6 @@
             <a:r>
               <a:rPr lang="en-US" dirty="0"/>
               <a:t>Let’s start with A question…</a:t>
-            </a:r>
-          </a:p>
-        </p:txBody>
-      </p:sp>
-      <p:sp>
-        <p:nvSpPr>
-          <p:cNvPr id="14" name="Content Placeholder 13"/>
-          <p:cNvSpPr>
-            <a:spLocks noGrp="1"/>
-          </p:cNvSpPr>
-          <p:nvPr>
-            <p:ph idx="1"/>
-          </p:nvPr>
-        </p:nvSpPr>
-        <p:spPr>
-          <a:xfrm>
-            <a:off x="4652319" y="5944107"/>
-            <a:ext cx="6006340" cy="581237"/>
-          </a:xfrm>
-        </p:spPr>
-        <p:txBody>
-          <a:bodyPr anchor="ctr">
-            <a:normAutofit/>
-          </a:bodyPr>
-          <a:lstStyle/>
-          <a:p>
-            <a:pPr marL="0" indent="0" algn="r">
-              <a:buNone/>
-            </a:pPr>
-            <a:r>
-              <a:rPr lang="en-US" sz="2200" dirty="0">
-                <a:solidFill>
-                  <a:schemeClr val="accent1"/>
-                </a:solidFill>
-              </a:rPr>
-              <a:t>Q: What happens line 24,  when await occurs?</a:t>
             </a:r>
           </a:p>
         </p:txBody>
@@ -11097,7 +12340,7 @@
 </p:sld>
 </file>
 
-<file path=ppt/slides/slide14.xml><?xml version="1.0" encoding="utf-8"?>
+<file path=ppt/slides/slide18.xml><?xml version="1.0" encoding="utf-8"?>
 <p:sld xmlns:a="http://schemas.openxmlformats.org/drawingml/2006/main" xmlns:r="http://schemas.openxmlformats.org/officeDocument/2006/relationships" xmlns:p="http://schemas.openxmlformats.org/presentationml/2006/main">
   <p:cSld>
     <p:spTree>
@@ -11224,42 +12467,6 @@
             <a:r>
               <a:rPr lang="en-US" dirty="0"/>
               <a:t>Let’s start with A question…</a:t>
-            </a:r>
-          </a:p>
-        </p:txBody>
-      </p:sp>
-      <p:sp>
-        <p:nvSpPr>
-          <p:cNvPr id="14" name="Content Placeholder 13"/>
-          <p:cNvSpPr>
-            <a:spLocks noGrp="1"/>
-          </p:cNvSpPr>
-          <p:nvPr>
-            <p:ph idx="1"/>
-          </p:nvPr>
-        </p:nvSpPr>
-        <p:spPr>
-          <a:xfrm>
-            <a:off x="4652319" y="5944107"/>
-            <a:ext cx="6006340" cy="581237"/>
-          </a:xfrm>
-        </p:spPr>
-        <p:txBody>
-          <a:bodyPr anchor="ctr">
-            <a:normAutofit/>
-          </a:bodyPr>
-          <a:lstStyle/>
-          <a:p>
-            <a:pPr marL="0" indent="0" algn="r">
-              <a:buNone/>
-            </a:pPr>
-            <a:r>
-              <a:rPr lang="en-US" sz="2200" dirty="0">
-                <a:solidFill>
-                  <a:schemeClr val="accent1"/>
-                </a:solidFill>
-              </a:rPr>
-              <a:t>Q: What happens line 24,  when await occurs?</a:t>
             </a:r>
           </a:p>
         </p:txBody>
@@ -11545,7 +12752,7 @@
 </p:sld>
 </file>
 
-<file path=ppt/slides/slide15.xml><?xml version="1.0" encoding="utf-8"?>
+<file path=ppt/slides/slide19.xml><?xml version="1.0" encoding="utf-8"?>
 <p:sld xmlns:a="http://schemas.openxmlformats.org/drawingml/2006/main" xmlns:r="http://schemas.openxmlformats.org/officeDocument/2006/relationships" xmlns:p="http://schemas.openxmlformats.org/presentationml/2006/main">
   <p:cSld>
     <p:spTree>
@@ -11672,42 +12879,6 @@
             <a:r>
               <a:rPr lang="en-US" dirty="0"/>
               <a:t>Let’s start with A question…</a:t>
-            </a:r>
-          </a:p>
-        </p:txBody>
-      </p:sp>
-      <p:sp>
-        <p:nvSpPr>
-          <p:cNvPr id="14" name="Content Placeholder 13"/>
-          <p:cNvSpPr>
-            <a:spLocks noGrp="1"/>
-          </p:cNvSpPr>
-          <p:nvPr>
-            <p:ph idx="1"/>
-          </p:nvPr>
-        </p:nvSpPr>
-        <p:spPr>
-          <a:xfrm>
-            <a:off x="4652319" y="5944107"/>
-            <a:ext cx="6006340" cy="581237"/>
-          </a:xfrm>
-        </p:spPr>
-        <p:txBody>
-          <a:bodyPr anchor="ctr">
-            <a:normAutofit/>
-          </a:bodyPr>
-          <a:lstStyle/>
-          <a:p>
-            <a:pPr marL="0" indent="0" algn="r">
-              <a:buNone/>
-            </a:pPr>
-            <a:r>
-              <a:rPr lang="en-US" sz="2200" dirty="0">
-                <a:solidFill>
-                  <a:schemeClr val="accent1"/>
-                </a:solidFill>
-              </a:rPr>
-              <a:t>Q: What happens line 24,  when await occurs?</a:t>
             </a:r>
           </a:p>
         </p:txBody>
@@ -11993,7 +13164,536 @@
 </p:sld>
 </file>
 
-<file path=ppt/slides/slide16.xml><?xml version="1.0" encoding="utf-8"?>
+<file path=ppt/slides/slide2.xml><?xml version="1.0" encoding="utf-8"?>
+<p:sld xmlns:a="http://schemas.openxmlformats.org/drawingml/2006/main" xmlns:r="http://schemas.openxmlformats.org/officeDocument/2006/relationships" xmlns:p="http://schemas.openxmlformats.org/presentationml/2006/main">
+  <p:cSld>
+    <p:spTree>
+      <p:nvGrpSpPr>
+        <p:cNvPr id="1" name=""/>
+        <p:cNvGrpSpPr/>
+        <p:nvPr/>
+      </p:nvGrpSpPr>
+      <p:grpSpPr>
+        <a:xfrm>
+          <a:off x="0" y="0"/>
+          <a:ext cx="0" cy="0"/>
+          <a:chOff x="0" y="0"/>
+          <a:chExt cx="0" cy="0"/>
+        </a:xfrm>
+      </p:grpSpPr>
+      <p:sp>
+        <p:nvSpPr>
+          <p:cNvPr id="13" name="Title 12"/>
+          <p:cNvSpPr>
+            <a:spLocks noGrp="1"/>
+          </p:cNvSpPr>
+          <p:nvPr>
+            <p:ph type="title"/>
+          </p:nvPr>
+        </p:nvSpPr>
+        <p:spPr/>
+        <p:txBody>
+          <a:bodyPr anchor="t"/>
+          <a:lstStyle/>
+          <a:p>
+            <a:r>
+              <a:rPr lang="en-US" dirty="0"/>
+              <a:t>“Use Case Driven”,  but also…</a:t>
+            </a:r>
+          </a:p>
+        </p:txBody>
+      </p:sp>
+      <p:sp>
+        <p:nvSpPr>
+          <p:cNvPr id="14" name="Content Placeholder 13"/>
+          <p:cNvSpPr>
+            <a:spLocks noGrp="1"/>
+          </p:cNvSpPr>
+          <p:nvPr>
+            <p:ph idx="1"/>
+          </p:nvPr>
+        </p:nvSpPr>
+        <p:spPr>
+          <a:xfrm>
+            <a:off x="4952118" y="1844824"/>
+            <a:ext cx="5824402" cy="2170746"/>
+          </a:xfrm>
+        </p:spPr>
+        <p:txBody>
+          <a:bodyPr anchor="ctr"/>
+          <a:lstStyle/>
+          <a:p>
+            <a:r>
+              <a:rPr lang="en-US" dirty="0"/>
+              <a:t>Reactive Programmer </a:t>
+            </a:r>
+            <a:r>
+              <a:rPr lang="en-US" sz="1600" dirty="0">
+                <a:solidFill>
+                  <a:schemeClr val="accent1"/>
+                </a:solidFill>
+                <a:latin typeface="Arial Narrow" panose="020B0606020202030204" pitchFamily="34" charset="0"/>
+              </a:rPr>
+              <a:t>(&gt; 10 years)</a:t>
+            </a:r>
+          </a:p>
+          <a:p>
+            <a:pPr lvl="0">
+              <a:buClr>
+                <a:srgbClr val="56C5FF"/>
+              </a:buClr>
+            </a:pPr>
+            <a:r>
+              <a:rPr lang="en-US" dirty="0" err="1"/>
+              <a:t>eXtreme</a:t>
+            </a:r>
+            <a:r>
+              <a:rPr lang="en-US" dirty="0"/>
+              <a:t> Programmer </a:t>
+            </a:r>
+            <a:r>
+              <a:rPr lang="en-US" sz="1600" dirty="0">
+                <a:solidFill>
+                  <a:srgbClr val="56C5FF"/>
+                </a:solidFill>
+                <a:latin typeface="Arial Narrow" panose="020B0606020202030204" pitchFamily="34" charset="0"/>
+              </a:rPr>
+              <a:t>(&gt; 10 years)</a:t>
+            </a:r>
+            <a:endParaRPr lang="en-US" dirty="0"/>
+          </a:p>
+          <a:p>
+            <a:pPr lvl="0">
+              <a:buClr>
+                <a:srgbClr val="56C5FF"/>
+              </a:buClr>
+            </a:pPr>
+            <a:r>
+              <a:rPr lang="en-US" dirty="0"/>
+              <a:t>Programmer </a:t>
+            </a:r>
+            <a:r>
+              <a:rPr lang="en-US" dirty="0">
+                <a:solidFill>
+                  <a:prstClr val="white"/>
+                </a:solidFill>
+              </a:rPr>
+              <a:t> </a:t>
+            </a:r>
+            <a:r>
+              <a:rPr lang="en-US" sz="1600" dirty="0">
+                <a:solidFill>
+                  <a:srgbClr val="56C5FF"/>
+                </a:solidFill>
+                <a:latin typeface="Arial Narrow" panose="020B0606020202030204" pitchFamily="34" charset="0"/>
+              </a:rPr>
+              <a:t>(&gt; 18 years)</a:t>
+            </a:r>
+          </a:p>
+        </p:txBody>
+      </p:sp>
+      <p:grpSp>
+        <p:nvGrpSpPr>
+          <p:cNvPr id="5" name="Group 4"/>
+          <p:cNvGrpSpPr/>
+          <p:nvPr/>
+        </p:nvGrpSpPr>
+        <p:grpSpPr>
+          <a:xfrm>
+            <a:off x="1733681" y="1556792"/>
+            <a:ext cx="2373175" cy="4802365"/>
+            <a:chOff x="7814650" y="1484784"/>
+            <a:chExt cx="2373175" cy="4802365"/>
+          </a:xfrm>
+        </p:grpSpPr>
+        <p:pic>
+          <p:nvPicPr>
+            <p:cNvPr id="2" name="Picture 1"/>
+            <p:cNvPicPr>
+              <a:picLocks noChangeAspect="1"/>
+            </p:cNvPicPr>
+            <p:nvPr/>
+          </p:nvPicPr>
+          <p:blipFill>
+            <a:blip r:embed="rId2" cstate="print">
+              <a:extLst>
+                <a:ext uri="{28A0092B-C50C-407E-A947-70E740481C1C}">
+                  <a14:useLocalDpi xmlns:a14="http://schemas.microsoft.com/office/drawing/2010/main" val="0"/>
+                </a:ext>
+              </a:extLst>
+            </a:blip>
+            <a:stretch>
+              <a:fillRect/>
+            </a:stretch>
+          </p:blipFill>
+          <p:spPr>
+            <a:xfrm flipH="1">
+              <a:off x="7814650" y="1484784"/>
+              <a:ext cx="2373175" cy="4221088"/>
+            </a:xfrm>
+            <a:prstGeom prst="rect">
+              <a:avLst/>
+            </a:prstGeom>
+            <a:noFill/>
+            <a:ln>
+              <a:solidFill>
+                <a:schemeClr val="accent1"/>
+              </a:solidFill>
+            </a:ln>
+          </p:spPr>
+        </p:pic>
+        <p:grpSp>
+          <p:nvGrpSpPr>
+            <p:cNvPr id="4" name="Group 3"/>
+            <p:cNvGrpSpPr/>
+            <p:nvPr/>
+          </p:nvGrpSpPr>
+          <p:grpSpPr>
+            <a:xfrm>
+              <a:off x="7968208" y="5661248"/>
+              <a:ext cx="2160240" cy="625901"/>
+              <a:chOff x="8686700" y="6044672"/>
+              <a:chExt cx="2160240" cy="625901"/>
+            </a:xfrm>
+          </p:grpSpPr>
+          <p:sp>
+            <p:nvSpPr>
+              <p:cNvPr id="3" name="TextBox 2"/>
+              <p:cNvSpPr txBox="1"/>
+              <p:nvPr/>
+            </p:nvSpPr>
+            <p:spPr>
+              <a:xfrm>
+                <a:off x="9262764" y="6165304"/>
+                <a:ext cx="1584176" cy="369332"/>
+              </a:xfrm>
+              <a:prstGeom prst="rect">
+                <a:avLst/>
+              </a:prstGeom>
+              <a:noFill/>
+            </p:spPr>
+            <p:txBody>
+              <a:bodyPr wrap="square" rtlCol="0">
+                <a:spAutoFit/>
+              </a:bodyPr>
+              <a:lstStyle/>
+              <a:p>
+                <a:r>
+                  <a:rPr lang="fr-FR" dirty="0">
+                    <a:solidFill>
+                      <a:schemeClr val="accent1"/>
+                    </a:solidFill>
+                    <a:latin typeface="Arial Narrow" panose="020B0606020202030204" pitchFamily="34" charset="0"/>
+                  </a:rPr>
+                  <a:t>@</a:t>
+                </a:r>
+                <a:r>
+                  <a:rPr lang="fr-FR" dirty="0" err="1">
+                    <a:solidFill>
+                      <a:schemeClr val="accent1"/>
+                    </a:solidFill>
+                    <a:latin typeface="Arial Narrow" panose="020B0606020202030204" pitchFamily="34" charset="0"/>
+                  </a:rPr>
+                  <a:t>tpierrain</a:t>
+                </a:r>
+                <a:endParaRPr lang="fr-FR" dirty="0">
+                  <a:solidFill>
+                    <a:schemeClr val="accent1"/>
+                  </a:solidFill>
+                  <a:latin typeface="Arial Narrow" panose="020B0606020202030204" pitchFamily="34" charset="0"/>
+                </a:endParaRPr>
+              </a:p>
+            </p:txBody>
+          </p:sp>
+          <p:pic>
+            <p:nvPicPr>
+              <p:cNvPr id="1028" name="Picture 4" descr="Afficher l'image d'origine"/>
+              <p:cNvPicPr>
+                <a:picLocks noChangeAspect="1" noChangeArrowheads="1"/>
+              </p:cNvPicPr>
+              <p:nvPr/>
+            </p:nvPicPr>
+            <p:blipFill>
+              <a:blip r:embed="rId3" cstate="print">
+                <a:clrChange>
+                  <a:clrFrom>
+                    <a:srgbClr val="FFFFFF"/>
+                  </a:clrFrom>
+                  <a:clrTo>
+                    <a:srgbClr val="FFFFFF">
+                      <a:alpha val="0"/>
+                    </a:srgbClr>
+                  </a:clrTo>
+                </a:clrChange>
+                <a:extLst>
+                  <a:ext uri="{28A0092B-C50C-407E-A947-70E740481C1C}">
+                    <a14:useLocalDpi xmlns:a14="http://schemas.microsoft.com/office/drawing/2010/main" val="0"/>
+                  </a:ext>
+                </a:extLst>
+              </a:blip>
+              <a:srcRect/>
+              <a:stretch>
+                <a:fillRect/>
+              </a:stretch>
+            </p:blipFill>
+            <p:spPr bwMode="auto">
+              <a:xfrm>
+                <a:off x="8686700" y="6044672"/>
+                <a:ext cx="625901" cy="625901"/>
+              </a:xfrm>
+              <a:prstGeom prst="rect">
+                <a:avLst/>
+              </a:prstGeom>
+              <a:noFill/>
+              <a:extLst>
+                <a:ext uri="{909E8E84-426E-40DD-AFC4-6F175D3DCCD1}">
+                  <a14:hiddenFill xmlns:a14="http://schemas.microsoft.com/office/drawing/2010/main">
+                    <a:solidFill>
+                      <a:srgbClr val="FFFFFF"/>
+                    </a:solidFill>
+                  </a14:hiddenFill>
+                </a:ext>
+              </a:extLst>
+            </p:spPr>
+          </p:pic>
+        </p:grpSp>
+      </p:grpSp>
+      <p:pic>
+        <p:nvPicPr>
+          <p:cNvPr id="1026" name="Picture 2" descr="http://n-fluent.net/img/NFluent.png"/>
+          <p:cNvPicPr>
+            <a:picLocks noChangeAspect="1" noChangeArrowheads="1"/>
+          </p:cNvPicPr>
+          <p:nvPr/>
+        </p:nvPicPr>
+        <p:blipFill>
+          <a:blip r:embed="rId4">
+            <a:extLst>
+              <a:ext uri="{28A0092B-C50C-407E-A947-70E740481C1C}">
+                <a14:useLocalDpi xmlns:a14="http://schemas.microsoft.com/office/drawing/2010/main" val="0"/>
+              </a:ext>
+            </a:extLst>
+          </a:blip>
+          <a:srcRect/>
+          <a:stretch>
+            <a:fillRect/>
+          </a:stretch>
+        </p:blipFill>
+        <p:spPr bwMode="auto">
+          <a:xfrm>
+            <a:off x="5993067" y="4357325"/>
+            <a:ext cx="849064" cy="979101"/>
+          </a:xfrm>
+          <a:prstGeom prst="rect">
+            <a:avLst/>
+          </a:prstGeom>
+          <a:noFill/>
+          <a:ln>
+            <a:solidFill>
+              <a:schemeClr val="accent1"/>
+            </a:solidFill>
+          </a:ln>
+          <a:extLst>
+            <a:ext uri="{909E8E84-426E-40DD-AFC4-6F175D3DCCD1}">
+              <a14:hiddenFill xmlns:a14="http://schemas.microsoft.com/office/drawing/2010/main">
+                <a:solidFill>
+                  <a:srgbClr val="FFFFFF"/>
+                </a:solidFill>
+              </a14:hiddenFill>
+            </a:ext>
+          </a:extLst>
+        </p:spPr>
+      </p:pic>
+      <p:sp>
+        <p:nvSpPr>
+          <p:cNvPr id="10" name="TextBox 9"/>
+          <p:cNvSpPr txBox="1"/>
+          <p:nvPr/>
+        </p:nvSpPr>
+        <p:spPr>
+          <a:xfrm>
+            <a:off x="5951984" y="5336426"/>
+            <a:ext cx="890147" cy="369332"/>
+          </a:xfrm>
+          <a:prstGeom prst="rect">
+            <a:avLst/>
+          </a:prstGeom>
+          <a:noFill/>
+        </p:spPr>
+        <p:txBody>
+          <a:bodyPr wrap="square" rtlCol="0" anchor="ctr">
+            <a:spAutoFit/>
+          </a:bodyPr>
+          <a:lstStyle/>
+          <a:p>
+            <a:pPr algn="ctr"/>
+            <a:r>
+              <a:rPr lang="fr-FR" dirty="0" err="1">
+                <a:solidFill>
+                  <a:schemeClr val="accent1"/>
+                </a:solidFill>
+                <a:latin typeface="Arial Narrow" panose="020B0606020202030204" pitchFamily="34" charset="0"/>
+              </a:rPr>
+              <a:t>NFluent</a:t>
+            </a:r>
+            <a:endParaRPr lang="fr-FR" dirty="0">
+              <a:solidFill>
+                <a:schemeClr val="accent1"/>
+              </a:solidFill>
+              <a:latin typeface="Arial Narrow" panose="020B0606020202030204" pitchFamily="34" charset="0"/>
+            </a:endParaRPr>
+          </a:p>
+        </p:txBody>
+      </p:sp>
+      <p:pic>
+        <p:nvPicPr>
+          <p:cNvPr id="1030" name="Picture 6" descr="Value"/>
+          <p:cNvPicPr>
+            <a:picLocks noChangeAspect="1" noChangeArrowheads="1"/>
+          </p:cNvPicPr>
+          <p:nvPr/>
+        </p:nvPicPr>
+        <p:blipFill>
+          <a:blip r:embed="rId5" cstate="print">
+            <a:extLst>
+              <a:ext uri="{28A0092B-C50C-407E-A947-70E740481C1C}">
+                <a14:useLocalDpi xmlns:a14="http://schemas.microsoft.com/office/drawing/2010/main" val="0"/>
+              </a:ext>
+            </a:extLst>
+          </a:blip>
+          <a:srcRect/>
+          <a:stretch>
+            <a:fillRect/>
+          </a:stretch>
+        </p:blipFill>
+        <p:spPr bwMode="auto">
+          <a:xfrm>
+            <a:off x="7225440" y="4363532"/>
+            <a:ext cx="1492616" cy="972894"/>
+          </a:xfrm>
+          <a:prstGeom prst="rect">
+            <a:avLst/>
+          </a:prstGeom>
+          <a:noFill/>
+          <a:ln>
+            <a:solidFill>
+              <a:schemeClr val="accent1"/>
+            </a:solidFill>
+          </a:ln>
+          <a:extLst>
+            <a:ext uri="{909E8E84-426E-40DD-AFC4-6F175D3DCCD1}">
+              <a14:hiddenFill xmlns:a14="http://schemas.microsoft.com/office/drawing/2010/main">
+                <a:solidFill>
+                  <a:srgbClr val="FFFFFF"/>
+                </a:solidFill>
+              </a14:hiddenFill>
+            </a:ext>
+          </a:extLst>
+        </p:spPr>
+      </p:pic>
+      <p:sp>
+        <p:nvSpPr>
+          <p:cNvPr id="11" name="TextBox 10"/>
+          <p:cNvSpPr txBox="1"/>
+          <p:nvPr/>
+        </p:nvSpPr>
+        <p:spPr>
+          <a:xfrm>
+            <a:off x="7247099" y="5336426"/>
+            <a:ext cx="1470957" cy="369332"/>
+          </a:xfrm>
+          <a:prstGeom prst="rect">
+            <a:avLst/>
+          </a:prstGeom>
+          <a:noFill/>
+        </p:spPr>
+        <p:txBody>
+          <a:bodyPr wrap="square" rtlCol="0" anchor="ctr">
+            <a:spAutoFit/>
+          </a:bodyPr>
+          <a:lstStyle/>
+          <a:p>
+            <a:pPr algn="ctr"/>
+            <a:r>
+              <a:rPr lang="fr-FR" dirty="0">
+                <a:solidFill>
+                  <a:schemeClr val="accent1"/>
+                </a:solidFill>
+                <a:latin typeface="Arial Narrow" panose="020B0606020202030204" pitchFamily="34" charset="0"/>
+              </a:rPr>
+              <a:t>Value (DDD)</a:t>
+            </a:r>
+          </a:p>
+        </p:txBody>
+      </p:sp>
+      <p:pic>
+        <p:nvPicPr>
+          <p:cNvPr id="1032" name="Picture 8" descr="Afficher l'image d'origine"/>
+          <p:cNvPicPr>
+            <a:picLocks noChangeAspect="1" noChangeArrowheads="1"/>
+          </p:cNvPicPr>
+          <p:nvPr/>
+        </p:nvPicPr>
+        <p:blipFill>
+          <a:blip r:embed="rId6" cstate="print">
+            <a:lum bright="70000" contrast="-70000"/>
+            <a:extLst>
+              <a:ext uri="{28A0092B-C50C-407E-A947-70E740481C1C}">
+                <a14:useLocalDpi xmlns:a14="http://schemas.microsoft.com/office/drawing/2010/main" val="0"/>
+              </a:ext>
+            </a:extLst>
+          </a:blip>
+          <a:srcRect/>
+          <a:stretch>
+            <a:fillRect/>
+          </a:stretch>
+        </p:blipFill>
+        <p:spPr bwMode="auto">
+          <a:xfrm>
+            <a:off x="4799856" y="4502348"/>
+            <a:ext cx="1378112" cy="689056"/>
+          </a:xfrm>
+          <a:prstGeom prst="rect">
+            <a:avLst/>
+          </a:prstGeom>
+          <a:noFill/>
+          <a:extLst>
+            <a:ext uri="{909E8E84-426E-40DD-AFC4-6F175D3DCCD1}">
+              <a14:hiddenFill xmlns:a14="http://schemas.microsoft.com/office/drawing/2010/main">
+                <a:solidFill>
+                  <a:srgbClr val="FFFFFF"/>
+                </a:solidFill>
+              </a14:hiddenFill>
+            </a:ext>
+          </a:extLst>
+        </p:spPr>
+      </p:pic>
+    </p:spTree>
+    <p:extLst>
+      <p:ext uri="{BB962C8B-B14F-4D97-AF65-F5344CB8AC3E}">
+        <p14:creationId xmlns:p14="http://schemas.microsoft.com/office/powerpoint/2010/main" val="2139132589"/>
+      </p:ext>
+    </p:extLst>
+  </p:cSld>
+  <p:clrMapOvr>
+    <a:masterClrMapping/>
+  </p:clrMapOvr>
+  <mc:AlternateContent xmlns:mc="http://schemas.openxmlformats.org/markup-compatibility/2006" xmlns:p14="http://schemas.microsoft.com/office/powerpoint/2010/main">
+    <mc:Choice Requires="p14">
+      <p:transition spd="med" p14:dur="700">
+        <p:fade/>
+      </p:transition>
+    </mc:Choice>
+    <mc:Fallback xmlns="">
+      <p:transition spd="med">
+        <p:fade/>
+      </p:transition>
+    </mc:Fallback>
+  </mc:AlternateContent>
+</p:sld>
+</file>
+
+<file path=ppt/slides/slide20.xml><?xml version="1.0" encoding="utf-8"?>
 <p:sld xmlns:a="http://schemas.openxmlformats.org/drawingml/2006/main" xmlns:r="http://schemas.openxmlformats.org/officeDocument/2006/relationships" xmlns:p="http://schemas.openxmlformats.org/presentationml/2006/main">
   <p:cSld>
     <p:spTree>
@@ -12120,42 +13820,6 @@
             <a:r>
               <a:rPr lang="en-US" dirty="0"/>
               <a:t>Let’s start with A question…</a:t>
-            </a:r>
-          </a:p>
-        </p:txBody>
-      </p:sp>
-      <p:sp>
-        <p:nvSpPr>
-          <p:cNvPr id="14" name="Content Placeholder 13"/>
-          <p:cNvSpPr>
-            <a:spLocks noGrp="1"/>
-          </p:cNvSpPr>
-          <p:nvPr>
-            <p:ph idx="1"/>
-          </p:nvPr>
-        </p:nvSpPr>
-        <p:spPr>
-          <a:xfrm>
-            <a:off x="4652319" y="5944107"/>
-            <a:ext cx="6006340" cy="581237"/>
-          </a:xfrm>
-        </p:spPr>
-        <p:txBody>
-          <a:bodyPr anchor="ctr">
-            <a:normAutofit/>
-          </a:bodyPr>
-          <a:lstStyle/>
-          <a:p>
-            <a:pPr marL="0" indent="0" algn="r">
-              <a:buNone/>
-            </a:pPr>
-            <a:r>
-              <a:rPr lang="en-US" sz="2200" dirty="0">
-                <a:solidFill>
-                  <a:schemeClr val="accent1"/>
-                </a:solidFill>
-              </a:rPr>
-              <a:t>Q: What happens line 24,  when await occurs?</a:t>
             </a:r>
           </a:p>
         </p:txBody>
@@ -12396,7 +14060,7 @@
 </p:sld>
 </file>
 
-<file path=ppt/slides/slide17.xml><?xml version="1.0" encoding="utf-8"?>
+<file path=ppt/slides/slide21.xml><?xml version="1.0" encoding="utf-8"?>
 <p:sld xmlns:a="http://schemas.openxmlformats.org/drawingml/2006/main" xmlns:r="http://schemas.openxmlformats.org/officeDocument/2006/relationships" xmlns:p="http://schemas.openxmlformats.org/presentationml/2006/main">
   <p:cSld>
     <p:spTree>
@@ -12529,49 +14193,13 @@
       </p:sp>
       <p:sp>
         <p:nvSpPr>
-          <p:cNvPr id="14" name="Content Placeholder 13"/>
-          <p:cNvSpPr>
-            <a:spLocks noGrp="1"/>
-          </p:cNvSpPr>
-          <p:nvPr>
-            <p:ph idx="1"/>
-          </p:nvPr>
-        </p:nvSpPr>
-        <p:spPr>
-          <a:xfrm>
-            <a:off x="4652319" y="5944107"/>
-            <a:ext cx="6006340" cy="581237"/>
-          </a:xfrm>
-        </p:spPr>
-        <p:txBody>
-          <a:bodyPr anchor="ctr">
-            <a:normAutofit/>
-          </a:bodyPr>
-          <a:lstStyle/>
-          <a:p>
-            <a:pPr marL="0" indent="0" algn="r">
-              <a:buNone/>
-            </a:pPr>
-            <a:r>
-              <a:rPr lang="en-US" sz="2200" dirty="0">
-                <a:solidFill>
-                  <a:schemeClr val="accent1"/>
-                </a:solidFill>
-              </a:rPr>
-              <a:t>Q: What happens line 24,  when await occurs?</a:t>
-            </a:r>
-          </a:p>
-        </p:txBody>
-      </p:sp>
-      <p:sp>
-        <p:nvSpPr>
           <p:cNvPr id="8" name="Arrow: Right 7"/>
           <p:cNvSpPr/>
           <p:nvPr/>
         </p:nvSpPr>
         <p:spPr>
           <a:xfrm>
-            <a:off x="2423592" y="4084273"/>
+            <a:off x="2423592" y="4032000"/>
             <a:ext cx="324000" cy="280831"/>
           </a:xfrm>
           <a:prstGeom prst="rightArrow">
@@ -12799,7 +14427,7 @@
 </p:sld>
 </file>
 
-<file path=ppt/slides/slide18.xml><?xml version="1.0" encoding="utf-8"?>
+<file path=ppt/slides/slide22.xml><?xml version="1.0" encoding="utf-8"?>
 <p:sld xmlns:a="http://schemas.openxmlformats.org/drawingml/2006/main" xmlns:r="http://schemas.openxmlformats.org/officeDocument/2006/relationships" xmlns:p="http://schemas.openxmlformats.org/presentationml/2006/main">
   <p:cSld>
     <p:spTree>
@@ -12926,42 +14554,6 @@
             <a:r>
               <a:rPr lang="en-US" dirty="0"/>
               <a:t>Let’s start with A question…</a:t>
-            </a:r>
-          </a:p>
-        </p:txBody>
-      </p:sp>
-      <p:sp>
-        <p:nvSpPr>
-          <p:cNvPr id="14" name="Content Placeholder 13"/>
-          <p:cNvSpPr>
-            <a:spLocks noGrp="1"/>
-          </p:cNvSpPr>
-          <p:nvPr>
-            <p:ph idx="1"/>
-          </p:nvPr>
-        </p:nvSpPr>
-        <p:spPr>
-          <a:xfrm>
-            <a:off x="4652319" y="5944107"/>
-            <a:ext cx="6006340" cy="581237"/>
-          </a:xfrm>
-        </p:spPr>
-        <p:txBody>
-          <a:bodyPr anchor="ctr">
-            <a:normAutofit/>
-          </a:bodyPr>
-          <a:lstStyle/>
-          <a:p>
-            <a:pPr marL="0" indent="0" algn="r">
-              <a:buNone/>
-            </a:pPr>
-            <a:r>
-              <a:rPr lang="en-US" sz="2200" dirty="0">
-                <a:solidFill>
-                  <a:schemeClr val="accent1"/>
-                </a:solidFill>
-              </a:rPr>
-              <a:t>Q: What happens line 24,  when await occurs?</a:t>
             </a:r>
           </a:p>
         </p:txBody>
@@ -13202,7 +14794,7 @@
 </p:sld>
 </file>
 
-<file path=ppt/slides/slide19.xml><?xml version="1.0" encoding="utf-8"?>
+<file path=ppt/slides/slide23.xml><?xml version="1.0" encoding="utf-8"?>
 <p:sld xmlns:a="http://schemas.openxmlformats.org/drawingml/2006/main" xmlns:r="http://schemas.openxmlformats.org/officeDocument/2006/relationships" xmlns:p="http://schemas.openxmlformats.org/presentationml/2006/main">
   <p:cSld>
     <p:spTree>
@@ -13329,42 +14921,6 @@
             <a:r>
               <a:rPr lang="en-US" dirty="0"/>
               <a:t>Let’s start with A question…</a:t>
-            </a:r>
-          </a:p>
-        </p:txBody>
-      </p:sp>
-      <p:sp>
-        <p:nvSpPr>
-          <p:cNvPr id="14" name="Content Placeholder 13"/>
-          <p:cNvSpPr>
-            <a:spLocks noGrp="1"/>
-          </p:cNvSpPr>
-          <p:nvPr>
-            <p:ph idx="1"/>
-          </p:nvPr>
-        </p:nvSpPr>
-        <p:spPr>
-          <a:xfrm>
-            <a:off x="4652319" y="5944107"/>
-            <a:ext cx="6006340" cy="581237"/>
-          </a:xfrm>
-        </p:spPr>
-        <p:txBody>
-          <a:bodyPr anchor="ctr">
-            <a:normAutofit/>
-          </a:bodyPr>
-          <a:lstStyle/>
-          <a:p>
-            <a:pPr marL="0" indent="0" algn="r">
-              <a:buNone/>
-            </a:pPr>
-            <a:r>
-              <a:rPr lang="en-US" sz="2200" dirty="0">
-                <a:solidFill>
-                  <a:schemeClr val="accent1"/>
-                </a:solidFill>
-              </a:rPr>
-              <a:t>Q: What happens line 24,  when await occurs?</a:t>
             </a:r>
           </a:p>
         </p:txBody>
@@ -13906,536 +15462,7 @@
 </p:sld>
 </file>
 
-<file path=ppt/slides/slide2.xml><?xml version="1.0" encoding="utf-8"?>
-<p:sld xmlns:a="http://schemas.openxmlformats.org/drawingml/2006/main" xmlns:r="http://schemas.openxmlformats.org/officeDocument/2006/relationships" xmlns:p="http://schemas.openxmlformats.org/presentationml/2006/main">
-  <p:cSld>
-    <p:spTree>
-      <p:nvGrpSpPr>
-        <p:cNvPr id="1" name=""/>
-        <p:cNvGrpSpPr/>
-        <p:nvPr/>
-      </p:nvGrpSpPr>
-      <p:grpSpPr>
-        <a:xfrm>
-          <a:off x="0" y="0"/>
-          <a:ext cx="0" cy="0"/>
-          <a:chOff x="0" y="0"/>
-          <a:chExt cx="0" cy="0"/>
-        </a:xfrm>
-      </p:grpSpPr>
-      <p:sp>
-        <p:nvSpPr>
-          <p:cNvPr id="13" name="Title 12"/>
-          <p:cNvSpPr>
-            <a:spLocks noGrp="1"/>
-          </p:cNvSpPr>
-          <p:nvPr>
-            <p:ph type="title"/>
-          </p:nvPr>
-        </p:nvSpPr>
-        <p:spPr/>
-        <p:txBody>
-          <a:bodyPr anchor="t"/>
-          <a:lstStyle/>
-          <a:p>
-            <a:r>
-              <a:rPr lang="en-US" dirty="0"/>
-              <a:t>“Use Case Driven”,  but also…</a:t>
-            </a:r>
-          </a:p>
-        </p:txBody>
-      </p:sp>
-      <p:sp>
-        <p:nvSpPr>
-          <p:cNvPr id="14" name="Content Placeholder 13"/>
-          <p:cNvSpPr>
-            <a:spLocks noGrp="1"/>
-          </p:cNvSpPr>
-          <p:nvPr>
-            <p:ph idx="1"/>
-          </p:nvPr>
-        </p:nvSpPr>
-        <p:spPr>
-          <a:xfrm>
-            <a:off x="4952118" y="1844824"/>
-            <a:ext cx="5824402" cy="2170746"/>
-          </a:xfrm>
-        </p:spPr>
-        <p:txBody>
-          <a:bodyPr anchor="ctr"/>
-          <a:lstStyle/>
-          <a:p>
-            <a:r>
-              <a:rPr lang="en-US" dirty="0"/>
-              <a:t>Reactive Programmer </a:t>
-            </a:r>
-            <a:r>
-              <a:rPr lang="en-US" sz="1600" dirty="0">
-                <a:solidFill>
-                  <a:schemeClr val="accent1"/>
-                </a:solidFill>
-                <a:latin typeface="Arial Narrow" panose="020B0606020202030204" pitchFamily="34" charset="0"/>
-              </a:rPr>
-              <a:t>(&gt; 10 years)</a:t>
-            </a:r>
-          </a:p>
-          <a:p>
-            <a:pPr lvl="0">
-              <a:buClr>
-                <a:srgbClr val="56C5FF"/>
-              </a:buClr>
-            </a:pPr>
-            <a:r>
-              <a:rPr lang="en-US" dirty="0" err="1"/>
-              <a:t>eXtreme</a:t>
-            </a:r>
-            <a:r>
-              <a:rPr lang="en-US" dirty="0"/>
-              <a:t> Programmer </a:t>
-            </a:r>
-            <a:r>
-              <a:rPr lang="en-US" sz="1600" dirty="0">
-                <a:solidFill>
-                  <a:srgbClr val="56C5FF"/>
-                </a:solidFill>
-                <a:latin typeface="Arial Narrow" panose="020B0606020202030204" pitchFamily="34" charset="0"/>
-              </a:rPr>
-              <a:t>(&gt; 10 years)</a:t>
-            </a:r>
-            <a:endParaRPr lang="en-US" dirty="0"/>
-          </a:p>
-          <a:p>
-            <a:pPr lvl="0">
-              <a:buClr>
-                <a:srgbClr val="56C5FF"/>
-              </a:buClr>
-            </a:pPr>
-            <a:r>
-              <a:rPr lang="en-US" dirty="0"/>
-              <a:t>Programmer </a:t>
-            </a:r>
-            <a:r>
-              <a:rPr lang="en-US" dirty="0">
-                <a:solidFill>
-                  <a:prstClr val="white"/>
-                </a:solidFill>
-              </a:rPr>
-              <a:t> </a:t>
-            </a:r>
-            <a:r>
-              <a:rPr lang="en-US" sz="1600" dirty="0">
-                <a:solidFill>
-                  <a:srgbClr val="56C5FF"/>
-                </a:solidFill>
-                <a:latin typeface="Arial Narrow" panose="020B0606020202030204" pitchFamily="34" charset="0"/>
-              </a:rPr>
-              <a:t>(&gt; 18 years)</a:t>
-            </a:r>
-          </a:p>
-        </p:txBody>
-      </p:sp>
-      <p:grpSp>
-        <p:nvGrpSpPr>
-          <p:cNvPr id="5" name="Group 4"/>
-          <p:cNvGrpSpPr/>
-          <p:nvPr/>
-        </p:nvGrpSpPr>
-        <p:grpSpPr>
-          <a:xfrm>
-            <a:off x="1733681" y="1556792"/>
-            <a:ext cx="2373175" cy="4802365"/>
-            <a:chOff x="7814650" y="1484784"/>
-            <a:chExt cx="2373175" cy="4802365"/>
-          </a:xfrm>
-        </p:grpSpPr>
-        <p:pic>
-          <p:nvPicPr>
-            <p:cNvPr id="2" name="Picture 1"/>
-            <p:cNvPicPr>
-              <a:picLocks noChangeAspect="1"/>
-            </p:cNvPicPr>
-            <p:nvPr/>
-          </p:nvPicPr>
-          <p:blipFill>
-            <a:blip r:embed="rId2" cstate="print">
-              <a:extLst>
-                <a:ext uri="{28A0092B-C50C-407E-A947-70E740481C1C}">
-                  <a14:useLocalDpi xmlns:a14="http://schemas.microsoft.com/office/drawing/2010/main" val="0"/>
-                </a:ext>
-              </a:extLst>
-            </a:blip>
-            <a:stretch>
-              <a:fillRect/>
-            </a:stretch>
-          </p:blipFill>
-          <p:spPr>
-            <a:xfrm flipH="1">
-              <a:off x="7814650" y="1484784"/>
-              <a:ext cx="2373175" cy="4221088"/>
-            </a:xfrm>
-            <a:prstGeom prst="rect">
-              <a:avLst/>
-            </a:prstGeom>
-            <a:noFill/>
-            <a:ln>
-              <a:solidFill>
-                <a:schemeClr val="accent1"/>
-              </a:solidFill>
-            </a:ln>
-          </p:spPr>
-        </p:pic>
-        <p:grpSp>
-          <p:nvGrpSpPr>
-            <p:cNvPr id="4" name="Group 3"/>
-            <p:cNvGrpSpPr/>
-            <p:nvPr/>
-          </p:nvGrpSpPr>
-          <p:grpSpPr>
-            <a:xfrm>
-              <a:off x="7968208" y="5661248"/>
-              <a:ext cx="2160240" cy="625901"/>
-              <a:chOff x="8686700" y="6044672"/>
-              <a:chExt cx="2160240" cy="625901"/>
-            </a:xfrm>
-          </p:grpSpPr>
-          <p:sp>
-            <p:nvSpPr>
-              <p:cNvPr id="3" name="TextBox 2"/>
-              <p:cNvSpPr txBox="1"/>
-              <p:nvPr/>
-            </p:nvSpPr>
-            <p:spPr>
-              <a:xfrm>
-                <a:off x="9262764" y="6165304"/>
-                <a:ext cx="1584176" cy="369332"/>
-              </a:xfrm>
-              <a:prstGeom prst="rect">
-                <a:avLst/>
-              </a:prstGeom>
-              <a:noFill/>
-            </p:spPr>
-            <p:txBody>
-              <a:bodyPr wrap="square" rtlCol="0">
-                <a:spAutoFit/>
-              </a:bodyPr>
-              <a:lstStyle/>
-              <a:p>
-                <a:r>
-                  <a:rPr lang="fr-FR" dirty="0">
-                    <a:solidFill>
-                      <a:schemeClr val="accent1"/>
-                    </a:solidFill>
-                    <a:latin typeface="Arial Narrow" panose="020B0606020202030204" pitchFamily="34" charset="0"/>
-                  </a:rPr>
-                  <a:t>@</a:t>
-                </a:r>
-                <a:r>
-                  <a:rPr lang="fr-FR" dirty="0" err="1">
-                    <a:solidFill>
-                      <a:schemeClr val="accent1"/>
-                    </a:solidFill>
-                    <a:latin typeface="Arial Narrow" panose="020B0606020202030204" pitchFamily="34" charset="0"/>
-                  </a:rPr>
-                  <a:t>tpierrain</a:t>
-                </a:r>
-                <a:endParaRPr lang="fr-FR" dirty="0">
-                  <a:solidFill>
-                    <a:schemeClr val="accent1"/>
-                  </a:solidFill>
-                  <a:latin typeface="Arial Narrow" panose="020B0606020202030204" pitchFamily="34" charset="0"/>
-                </a:endParaRPr>
-              </a:p>
-            </p:txBody>
-          </p:sp>
-          <p:pic>
-            <p:nvPicPr>
-              <p:cNvPr id="1028" name="Picture 4" descr="Afficher l'image d'origine"/>
-              <p:cNvPicPr>
-                <a:picLocks noChangeAspect="1" noChangeArrowheads="1"/>
-              </p:cNvPicPr>
-              <p:nvPr/>
-            </p:nvPicPr>
-            <p:blipFill>
-              <a:blip r:embed="rId3" cstate="print">
-                <a:clrChange>
-                  <a:clrFrom>
-                    <a:srgbClr val="FFFFFF"/>
-                  </a:clrFrom>
-                  <a:clrTo>
-                    <a:srgbClr val="FFFFFF">
-                      <a:alpha val="0"/>
-                    </a:srgbClr>
-                  </a:clrTo>
-                </a:clrChange>
-                <a:extLst>
-                  <a:ext uri="{28A0092B-C50C-407E-A947-70E740481C1C}">
-                    <a14:useLocalDpi xmlns:a14="http://schemas.microsoft.com/office/drawing/2010/main" val="0"/>
-                  </a:ext>
-                </a:extLst>
-              </a:blip>
-              <a:srcRect/>
-              <a:stretch>
-                <a:fillRect/>
-              </a:stretch>
-            </p:blipFill>
-            <p:spPr bwMode="auto">
-              <a:xfrm>
-                <a:off x="8686700" y="6044672"/>
-                <a:ext cx="625901" cy="625901"/>
-              </a:xfrm>
-              <a:prstGeom prst="rect">
-                <a:avLst/>
-              </a:prstGeom>
-              <a:noFill/>
-              <a:extLst>
-                <a:ext uri="{909E8E84-426E-40DD-AFC4-6F175D3DCCD1}">
-                  <a14:hiddenFill xmlns:a14="http://schemas.microsoft.com/office/drawing/2010/main">
-                    <a:solidFill>
-                      <a:srgbClr val="FFFFFF"/>
-                    </a:solidFill>
-                  </a14:hiddenFill>
-                </a:ext>
-              </a:extLst>
-            </p:spPr>
-          </p:pic>
-        </p:grpSp>
-      </p:grpSp>
-      <p:pic>
-        <p:nvPicPr>
-          <p:cNvPr id="1026" name="Picture 2" descr="http://n-fluent.net/img/NFluent.png"/>
-          <p:cNvPicPr>
-            <a:picLocks noChangeAspect="1" noChangeArrowheads="1"/>
-          </p:cNvPicPr>
-          <p:nvPr/>
-        </p:nvPicPr>
-        <p:blipFill>
-          <a:blip r:embed="rId4">
-            <a:extLst>
-              <a:ext uri="{28A0092B-C50C-407E-A947-70E740481C1C}">
-                <a14:useLocalDpi xmlns:a14="http://schemas.microsoft.com/office/drawing/2010/main" val="0"/>
-              </a:ext>
-            </a:extLst>
-          </a:blip>
-          <a:srcRect/>
-          <a:stretch>
-            <a:fillRect/>
-          </a:stretch>
-        </p:blipFill>
-        <p:spPr bwMode="auto">
-          <a:xfrm>
-            <a:off x="5993067" y="4357325"/>
-            <a:ext cx="849064" cy="979101"/>
-          </a:xfrm>
-          <a:prstGeom prst="rect">
-            <a:avLst/>
-          </a:prstGeom>
-          <a:noFill/>
-          <a:ln>
-            <a:solidFill>
-              <a:schemeClr val="accent1"/>
-            </a:solidFill>
-          </a:ln>
-          <a:extLst>
-            <a:ext uri="{909E8E84-426E-40DD-AFC4-6F175D3DCCD1}">
-              <a14:hiddenFill xmlns:a14="http://schemas.microsoft.com/office/drawing/2010/main">
-                <a:solidFill>
-                  <a:srgbClr val="FFFFFF"/>
-                </a:solidFill>
-              </a14:hiddenFill>
-            </a:ext>
-          </a:extLst>
-        </p:spPr>
-      </p:pic>
-      <p:sp>
-        <p:nvSpPr>
-          <p:cNvPr id="10" name="TextBox 9"/>
-          <p:cNvSpPr txBox="1"/>
-          <p:nvPr/>
-        </p:nvSpPr>
-        <p:spPr>
-          <a:xfrm>
-            <a:off x="5951984" y="5336426"/>
-            <a:ext cx="890147" cy="369332"/>
-          </a:xfrm>
-          <a:prstGeom prst="rect">
-            <a:avLst/>
-          </a:prstGeom>
-          <a:noFill/>
-        </p:spPr>
-        <p:txBody>
-          <a:bodyPr wrap="square" rtlCol="0" anchor="ctr">
-            <a:spAutoFit/>
-          </a:bodyPr>
-          <a:lstStyle/>
-          <a:p>
-            <a:pPr algn="ctr"/>
-            <a:r>
-              <a:rPr lang="fr-FR" dirty="0" err="1">
-                <a:solidFill>
-                  <a:schemeClr val="accent1"/>
-                </a:solidFill>
-                <a:latin typeface="Arial Narrow" panose="020B0606020202030204" pitchFamily="34" charset="0"/>
-              </a:rPr>
-              <a:t>NFluent</a:t>
-            </a:r>
-            <a:endParaRPr lang="fr-FR" dirty="0">
-              <a:solidFill>
-                <a:schemeClr val="accent1"/>
-              </a:solidFill>
-              <a:latin typeface="Arial Narrow" panose="020B0606020202030204" pitchFamily="34" charset="0"/>
-            </a:endParaRPr>
-          </a:p>
-        </p:txBody>
-      </p:sp>
-      <p:pic>
-        <p:nvPicPr>
-          <p:cNvPr id="1030" name="Picture 6" descr="Value"/>
-          <p:cNvPicPr>
-            <a:picLocks noChangeAspect="1" noChangeArrowheads="1"/>
-          </p:cNvPicPr>
-          <p:nvPr/>
-        </p:nvPicPr>
-        <p:blipFill>
-          <a:blip r:embed="rId5" cstate="print">
-            <a:extLst>
-              <a:ext uri="{28A0092B-C50C-407E-A947-70E740481C1C}">
-                <a14:useLocalDpi xmlns:a14="http://schemas.microsoft.com/office/drawing/2010/main" val="0"/>
-              </a:ext>
-            </a:extLst>
-          </a:blip>
-          <a:srcRect/>
-          <a:stretch>
-            <a:fillRect/>
-          </a:stretch>
-        </p:blipFill>
-        <p:spPr bwMode="auto">
-          <a:xfrm>
-            <a:off x="7225440" y="4363532"/>
-            <a:ext cx="1492616" cy="972894"/>
-          </a:xfrm>
-          <a:prstGeom prst="rect">
-            <a:avLst/>
-          </a:prstGeom>
-          <a:noFill/>
-          <a:ln>
-            <a:solidFill>
-              <a:schemeClr val="accent1"/>
-            </a:solidFill>
-          </a:ln>
-          <a:extLst>
-            <a:ext uri="{909E8E84-426E-40DD-AFC4-6F175D3DCCD1}">
-              <a14:hiddenFill xmlns:a14="http://schemas.microsoft.com/office/drawing/2010/main">
-                <a:solidFill>
-                  <a:srgbClr val="FFFFFF"/>
-                </a:solidFill>
-              </a14:hiddenFill>
-            </a:ext>
-          </a:extLst>
-        </p:spPr>
-      </p:pic>
-      <p:sp>
-        <p:nvSpPr>
-          <p:cNvPr id="11" name="TextBox 10"/>
-          <p:cNvSpPr txBox="1"/>
-          <p:nvPr/>
-        </p:nvSpPr>
-        <p:spPr>
-          <a:xfrm>
-            <a:off x="7247099" y="5336426"/>
-            <a:ext cx="1470957" cy="369332"/>
-          </a:xfrm>
-          <a:prstGeom prst="rect">
-            <a:avLst/>
-          </a:prstGeom>
-          <a:noFill/>
-        </p:spPr>
-        <p:txBody>
-          <a:bodyPr wrap="square" rtlCol="0" anchor="ctr">
-            <a:spAutoFit/>
-          </a:bodyPr>
-          <a:lstStyle/>
-          <a:p>
-            <a:pPr algn="ctr"/>
-            <a:r>
-              <a:rPr lang="fr-FR" dirty="0">
-                <a:solidFill>
-                  <a:schemeClr val="accent1"/>
-                </a:solidFill>
-                <a:latin typeface="Arial Narrow" panose="020B0606020202030204" pitchFamily="34" charset="0"/>
-              </a:rPr>
-              <a:t>Value (DDD)</a:t>
-            </a:r>
-          </a:p>
-        </p:txBody>
-      </p:sp>
-      <p:pic>
-        <p:nvPicPr>
-          <p:cNvPr id="1032" name="Picture 8" descr="Afficher l'image d'origine"/>
-          <p:cNvPicPr>
-            <a:picLocks noChangeAspect="1" noChangeArrowheads="1"/>
-          </p:cNvPicPr>
-          <p:nvPr/>
-        </p:nvPicPr>
-        <p:blipFill>
-          <a:blip r:embed="rId6" cstate="print">
-            <a:lum bright="70000" contrast="-70000"/>
-            <a:extLst>
-              <a:ext uri="{28A0092B-C50C-407E-A947-70E740481C1C}">
-                <a14:useLocalDpi xmlns:a14="http://schemas.microsoft.com/office/drawing/2010/main" val="0"/>
-              </a:ext>
-            </a:extLst>
-          </a:blip>
-          <a:srcRect/>
-          <a:stretch>
-            <a:fillRect/>
-          </a:stretch>
-        </p:blipFill>
-        <p:spPr bwMode="auto">
-          <a:xfrm>
-            <a:off x="4799856" y="4502348"/>
-            <a:ext cx="1378112" cy="689056"/>
-          </a:xfrm>
-          <a:prstGeom prst="rect">
-            <a:avLst/>
-          </a:prstGeom>
-          <a:noFill/>
-          <a:extLst>
-            <a:ext uri="{909E8E84-426E-40DD-AFC4-6F175D3DCCD1}">
-              <a14:hiddenFill xmlns:a14="http://schemas.microsoft.com/office/drawing/2010/main">
-                <a:solidFill>
-                  <a:srgbClr val="FFFFFF"/>
-                </a:solidFill>
-              </a14:hiddenFill>
-            </a:ext>
-          </a:extLst>
-        </p:spPr>
-      </p:pic>
-    </p:spTree>
-    <p:extLst>
-      <p:ext uri="{BB962C8B-B14F-4D97-AF65-F5344CB8AC3E}">
-        <p14:creationId xmlns:p14="http://schemas.microsoft.com/office/powerpoint/2010/main" val="2139132589"/>
-      </p:ext>
-    </p:extLst>
-  </p:cSld>
-  <p:clrMapOvr>
-    <a:masterClrMapping/>
-  </p:clrMapOvr>
-  <mc:AlternateContent xmlns:mc="http://schemas.openxmlformats.org/markup-compatibility/2006" xmlns:p14="http://schemas.microsoft.com/office/powerpoint/2010/main">
-    <mc:Choice Requires="p14">
-      <p:transition spd="med" p14:dur="700">
-        <p:fade/>
-      </p:transition>
-    </mc:Choice>
-    <mc:Fallback xmlns="">
-      <p:transition spd="med">
-        <p:fade/>
-      </p:transition>
-    </mc:Fallback>
-  </mc:AlternateContent>
-</p:sld>
-</file>
-
-<file path=ppt/slides/slide20.xml><?xml version="1.0" encoding="utf-8"?>
+<file path=ppt/slides/slide24.xml><?xml version="1.0" encoding="utf-8"?>
 <p:sld xmlns:a="http://schemas.openxmlformats.org/drawingml/2006/main" xmlns:r="http://schemas.openxmlformats.org/officeDocument/2006/relationships" xmlns:p="http://schemas.openxmlformats.org/presentationml/2006/main">
   <p:cSld>
     <p:spTree>
@@ -14566,38 +15593,233 @@
           </a:p>
         </p:txBody>
       </p:sp>
+      <p:pic>
+        <p:nvPicPr>
+          <p:cNvPr id="9" name="Picture 8"/>
+          <p:cNvPicPr>
+            <a:picLocks noChangeAspect="1"/>
+          </p:cNvPicPr>
+          <p:nvPr/>
+        </p:nvPicPr>
+        <p:blipFill rotWithShape="1">
+          <a:blip r:embed="rId3"/>
+          <a:srcRect l="17865" t="49279" r="33058" b="45230"/>
+          <a:stretch/>
+        </p:blipFill>
+        <p:spPr>
+          <a:xfrm>
+            <a:off x="3168000" y="3528000"/>
+            <a:ext cx="5760640" cy="360040"/>
+          </a:xfrm>
+          <a:prstGeom prst="rect">
+            <a:avLst/>
+          </a:prstGeom>
+          <a:noFill/>
+          <a:ln>
+            <a:noFill/>
+          </a:ln>
+        </p:spPr>
+      </p:pic>
       <p:sp>
         <p:nvSpPr>
-          <p:cNvPr id="14" name="Content Placeholder 13"/>
+          <p:cNvPr id="10" name="Arrow: Right 9"/>
+          <p:cNvSpPr/>
+          <p:nvPr/>
+        </p:nvSpPr>
+        <p:spPr>
+          <a:xfrm>
+            <a:off x="2423592" y="2572105"/>
+            <a:ext cx="324000" cy="280831"/>
+          </a:xfrm>
+          <a:prstGeom prst="rightArrow">
+            <a:avLst/>
+          </a:prstGeom>
+          <a:solidFill>
+            <a:srgbClr val="FFFF00"/>
+          </a:solidFill>
+          <a:ln>
+            <a:solidFill>
+              <a:srgbClr val="FFC000"/>
+            </a:solidFill>
+          </a:ln>
+        </p:spPr>
+        <p:style>
+          <a:lnRef idx="2">
+            <a:schemeClr val="accent1">
+              <a:shade val="50000"/>
+            </a:schemeClr>
+          </a:lnRef>
+          <a:fillRef idx="1">
+            <a:schemeClr val="accent1"/>
+          </a:fillRef>
+          <a:effectRef idx="0">
+            <a:schemeClr val="accent1"/>
+          </a:effectRef>
+          <a:fontRef idx="minor">
+            <a:schemeClr val="lt1"/>
+          </a:fontRef>
+        </p:style>
+        <p:txBody>
+          <a:bodyPr rtlCol="0" anchor="ctr"/>
+          <a:lstStyle/>
+          <a:p>
+            <a:pPr algn="ctr"/>
+            <a:endParaRPr lang="fr-FR"/>
+          </a:p>
+        </p:txBody>
+      </p:sp>
+    </p:spTree>
+    <p:extLst>
+      <p:ext uri="{BB962C8B-B14F-4D97-AF65-F5344CB8AC3E}">
+        <p14:creationId xmlns:p14="http://schemas.microsoft.com/office/powerpoint/2010/main" val="2607785895"/>
+      </p:ext>
+    </p:extLst>
+  </p:cSld>
+  <p:clrMapOvr>
+    <a:masterClrMapping/>
+  </p:clrMapOvr>
+  <mc:AlternateContent xmlns:mc="http://schemas.openxmlformats.org/markup-compatibility/2006" xmlns:p14="http://schemas.microsoft.com/office/powerpoint/2010/main">
+    <mc:Choice Requires="p14">
+      <p:transition spd="med" p14:dur="700">
+        <p:fade/>
+      </p:transition>
+    </mc:Choice>
+    <mc:Fallback xmlns="">
+      <p:transition spd="med">
+        <p:fade/>
+      </p:transition>
+    </mc:Fallback>
+  </mc:AlternateContent>
+</p:sld>
+</file>
+
+<file path=ppt/slides/slide25.xml><?xml version="1.0" encoding="utf-8"?>
+<p:sld xmlns:a="http://schemas.openxmlformats.org/drawingml/2006/main" xmlns:r="http://schemas.openxmlformats.org/officeDocument/2006/relationships" xmlns:p="http://schemas.openxmlformats.org/presentationml/2006/main">
+  <p:cSld>
+    <p:spTree>
+      <p:nvGrpSpPr>
+        <p:cNvPr id="1" name=""/>
+        <p:cNvGrpSpPr/>
+        <p:nvPr/>
+      </p:nvGrpSpPr>
+      <p:grpSpPr>
+        <a:xfrm>
+          <a:off x="0" y="0"/>
+          <a:ext cx="0" cy="0"/>
+          <a:chOff x="0" y="0"/>
+          <a:chExt cx="0" cy="0"/>
+        </a:xfrm>
+      </p:grpSpPr>
+      <p:grpSp>
+        <p:nvGrpSpPr>
+          <p:cNvPr id="6" name="Group 5"/>
+          <p:cNvGrpSpPr/>
+          <p:nvPr/>
+        </p:nvGrpSpPr>
+        <p:grpSpPr>
+          <a:xfrm>
+            <a:off x="1415480" y="1066800"/>
+            <a:ext cx="9361040" cy="5437627"/>
+            <a:chOff x="1415480" y="1066800"/>
+            <a:chExt cx="9361040" cy="5437627"/>
+          </a:xfrm>
+        </p:grpSpPr>
+        <p:pic>
+          <p:nvPicPr>
+            <p:cNvPr id="4" name="Picture 3"/>
+            <p:cNvPicPr>
+              <a:picLocks noChangeAspect="1"/>
+            </p:cNvPicPr>
+            <p:nvPr/>
+          </p:nvPicPr>
+          <p:blipFill rotWithShape="1">
+            <a:blip r:embed="rId2"/>
+            <a:srcRect l="1506" t="11264" r="14126" b="1835"/>
+            <a:stretch/>
+          </p:blipFill>
+          <p:spPr>
+            <a:xfrm>
+              <a:off x="1415480" y="1066800"/>
+              <a:ext cx="9361040" cy="5437627"/>
+            </a:xfrm>
+            <a:prstGeom prst="rect">
+              <a:avLst/>
+            </a:prstGeom>
+            <a:noFill/>
+            <a:ln>
+              <a:solidFill>
+                <a:schemeClr val="accent1"/>
+              </a:solidFill>
+            </a:ln>
+          </p:spPr>
+        </p:pic>
+        <p:sp>
+          <p:nvSpPr>
+            <p:cNvPr id="5" name="Rectangle 4"/>
+            <p:cNvSpPr/>
+            <p:nvPr/>
+          </p:nvSpPr>
+          <p:spPr>
+            <a:xfrm>
+              <a:off x="1919536" y="5877272"/>
+              <a:ext cx="792088" cy="560320"/>
+            </a:xfrm>
+            <a:prstGeom prst="rect">
+              <a:avLst/>
+            </a:prstGeom>
+            <a:solidFill>
+              <a:schemeClr val="bg1"/>
+            </a:solidFill>
+            <a:ln>
+              <a:solidFill>
+                <a:schemeClr val="bg1"/>
+              </a:solidFill>
+            </a:ln>
+          </p:spPr>
+          <p:style>
+            <a:lnRef idx="2">
+              <a:schemeClr val="accent1">
+                <a:shade val="50000"/>
+              </a:schemeClr>
+            </a:lnRef>
+            <a:fillRef idx="1">
+              <a:schemeClr val="accent1"/>
+            </a:fillRef>
+            <a:effectRef idx="0">
+              <a:schemeClr val="accent1"/>
+            </a:effectRef>
+            <a:fontRef idx="minor">
+              <a:schemeClr val="lt1"/>
+            </a:fontRef>
+          </p:style>
+          <p:txBody>
+            <a:bodyPr rtlCol="0" anchor="ctr"/>
+            <a:lstStyle/>
+            <a:p>
+              <a:pPr algn="ctr"/>
+              <a:endParaRPr lang="fr-FR"/>
+            </a:p>
+          </p:txBody>
+        </p:sp>
+      </p:grpSp>
+      <p:sp>
+        <p:nvSpPr>
+          <p:cNvPr id="13" name="Title 12"/>
           <p:cNvSpPr>
             <a:spLocks noGrp="1"/>
           </p:cNvSpPr>
           <p:nvPr>
-            <p:ph idx="1"/>
+            <p:ph type="title"/>
           </p:nvPr>
         </p:nvSpPr>
-        <p:spPr>
-          <a:xfrm>
-            <a:off x="4652319" y="5944107"/>
-            <a:ext cx="6006340" cy="581237"/>
-          </a:xfrm>
-        </p:spPr>
+        <p:spPr/>
         <p:txBody>
-          <a:bodyPr anchor="ctr">
-            <a:normAutofit/>
-          </a:bodyPr>
+          <a:bodyPr anchor="t"/>
           <a:lstStyle/>
           <a:p>
-            <a:pPr marL="0" indent="0" algn="r">
-              <a:buNone/>
-            </a:pPr>
             <a:r>
-              <a:rPr lang="en-US" sz="2200" dirty="0">
-                <a:solidFill>
-                  <a:schemeClr val="accent1"/>
-                </a:solidFill>
-              </a:rPr>
-              <a:t>Q: What happens line 24,  when await occurs?</a:t>
+              <a:rPr lang="en-US" dirty="0"/>
+              <a:t>Let’s start with A question…</a:t>
             </a:r>
           </a:p>
         </p:txBody>
@@ -14680,7 +15902,252 @@
     </p:spTree>
     <p:extLst>
       <p:ext uri="{BB962C8B-B14F-4D97-AF65-F5344CB8AC3E}">
-        <p14:creationId xmlns:p14="http://schemas.microsoft.com/office/powerpoint/2010/main" val="2607785895"/>
+        <p14:creationId xmlns:p14="http://schemas.microsoft.com/office/powerpoint/2010/main" val="2346893381"/>
+      </p:ext>
+    </p:extLst>
+  </p:cSld>
+  <p:clrMapOvr>
+    <a:masterClrMapping/>
+  </p:clrMapOvr>
+  <mc:AlternateContent xmlns:mc="http://schemas.openxmlformats.org/markup-compatibility/2006" xmlns:p14="http://schemas.microsoft.com/office/powerpoint/2010/main">
+    <mc:Choice Requires="p14">
+      <p:transition spd="med" p14:dur="700">
+        <p:fade/>
+      </p:transition>
+    </mc:Choice>
+    <mc:Fallback xmlns="">
+      <p:transition spd="med">
+        <p:fade/>
+      </p:transition>
+    </mc:Fallback>
+  </mc:AlternateContent>
+  <p:timing>
+    <p:tnLst>
+      <p:par>
+        <p:cTn id="1" dur="indefinite" restart="never" nodeType="tmRoot">
+          <p:childTnLst>
+            <p:seq concurrent="1" nextAc="seek">
+              <p:cTn id="2" dur="indefinite" nodeType="mainSeq">
+                <p:childTnLst>
+                  <p:par>
+                    <p:cTn id="3" fill="hold">
+                      <p:stCondLst>
+                        <p:cond delay="indefinite"/>
+                        <p:cond evt="onBegin" delay="0">
+                          <p:tn val="2"/>
+                        </p:cond>
+                      </p:stCondLst>
+                      <p:childTnLst>
+                        <p:par>
+                          <p:cTn id="4" fill="hold">
+                            <p:stCondLst>
+                              <p:cond delay="0"/>
+                            </p:stCondLst>
+                            <p:childTnLst>
+                              <p:par>
+                                <p:cTn id="5" presetID="53" presetClass="exit" presetSubtype="32" fill="hold" grpId="0" nodeType="withEffect">
+                                  <p:stCondLst>
+                                    <p:cond delay="0"/>
+                                  </p:stCondLst>
+                                  <p:childTnLst>
+                                    <p:anim calcmode="lin" valueType="num">
+                                      <p:cBhvr>
+                                        <p:cTn id="6" dur="500"/>
+                                        <p:tgtEl>
+                                          <p:spTgt spid="10"/>
+                                        </p:tgtEl>
+                                        <p:attrNameLst>
+                                          <p:attrName>ppt_w</p:attrName>
+                                        </p:attrNameLst>
+                                      </p:cBhvr>
+                                      <p:tavLst>
+                                        <p:tav tm="0">
+                                          <p:val>
+                                            <p:strVal val="ppt_w"/>
+                                          </p:val>
+                                        </p:tav>
+                                        <p:tav tm="100000">
+                                          <p:val>
+                                            <p:fltVal val="0"/>
+                                          </p:val>
+                                        </p:tav>
+                                      </p:tavLst>
+                                    </p:anim>
+                                    <p:anim calcmode="lin" valueType="num">
+                                      <p:cBhvr>
+                                        <p:cTn id="7" dur="500"/>
+                                        <p:tgtEl>
+                                          <p:spTgt spid="10"/>
+                                        </p:tgtEl>
+                                        <p:attrNameLst>
+                                          <p:attrName>ppt_h</p:attrName>
+                                        </p:attrNameLst>
+                                      </p:cBhvr>
+                                      <p:tavLst>
+                                        <p:tav tm="0">
+                                          <p:val>
+                                            <p:strVal val="ppt_h"/>
+                                          </p:val>
+                                        </p:tav>
+                                        <p:tav tm="100000">
+                                          <p:val>
+                                            <p:fltVal val="0"/>
+                                          </p:val>
+                                        </p:tav>
+                                      </p:tavLst>
+                                    </p:anim>
+                                    <p:animEffect transition="out" filter="fade">
+                                      <p:cBhvr>
+                                        <p:cTn id="8" dur="500"/>
+                                        <p:tgtEl>
+                                          <p:spTgt spid="10"/>
+                                        </p:tgtEl>
+                                      </p:cBhvr>
+                                    </p:animEffect>
+                                    <p:set>
+                                      <p:cBhvr>
+                                        <p:cTn id="9" dur="1" fill="hold">
+                                          <p:stCondLst>
+                                            <p:cond delay="499"/>
+                                          </p:stCondLst>
+                                        </p:cTn>
+                                        <p:tgtEl>
+                                          <p:spTgt spid="10"/>
+                                        </p:tgtEl>
+                                        <p:attrNameLst>
+                                          <p:attrName>style.visibility</p:attrName>
+                                        </p:attrNameLst>
+                                      </p:cBhvr>
+                                      <p:to>
+                                        <p:strVal val="hidden"/>
+                                      </p:to>
+                                    </p:set>
+                                  </p:childTnLst>
+                                </p:cTn>
+                              </p:par>
+                            </p:childTnLst>
+                          </p:cTn>
+                        </p:par>
+                      </p:childTnLst>
+                    </p:cTn>
+                  </p:par>
+                </p:childTnLst>
+              </p:cTn>
+              <p:prevCondLst>
+                <p:cond evt="onPrev" delay="0">
+                  <p:tgtEl>
+                    <p:sldTgt/>
+                  </p:tgtEl>
+                </p:cond>
+              </p:prevCondLst>
+              <p:nextCondLst>
+                <p:cond evt="onNext" delay="0">
+                  <p:tgtEl>
+                    <p:sldTgt/>
+                  </p:tgtEl>
+                </p:cond>
+              </p:nextCondLst>
+            </p:seq>
+          </p:childTnLst>
+        </p:cTn>
+      </p:par>
+    </p:tnLst>
+    <p:bldLst>
+      <p:bldP spid="10" grpId="0" animBg="1"/>
+    </p:bldLst>
+  </p:timing>
+</p:sld>
+</file>
+
+<file path=ppt/slides/slide26.xml><?xml version="1.0" encoding="utf-8"?>
+<p:sld xmlns:a="http://schemas.openxmlformats.org/drawingml/2006/main" xmlns:r="http://schemas.openxmlformats.org/officeDocument/2006/relationships" xmlns:p="http://schemas.openxmlformats.org/presentationml/2006/main">
+  <p:cSld>
+    <p:spTree>
+      <p:nvGrpSpPr>
+        <p:cNvPr id="1" name=""/>
+        <p:cNvGrpSpPr/>
+        <p:nvPr/>
+      </p:nvGrpSpPr>
+      <p:grpSpPr>
+        <a:xfrm>
+          <a:off x="0" y="0"/>
+          <a:ext cx="0" cy="0"/>
+          <a:chOff x="0" y="0"/>
+          <a:chExt cx="0" cy="0"/>
+        </a:xfrm>
+      </p:grpSpPr>
+      <p:sp>
+        <p:nvSpPr>
+          <p:cNvPr id="13" name="Title 12"/>
+          <p:cNvSpPr>
+            <a:spLocks noGrp="1"/>
+          </p:cNvSpPr>
+          <p:nvPr>
+            <p:ph type="title"/>
+          </p:nvPr>
+        </p:nvSpPr>
+        <p:spPr/>
+        <p:txBody>
+          <a:bodyPr anchor="t"/>
+          <a:lstStyle/>
+          <a:p>
+            <a:r>
+              <a:rPr lang="en-US" dirty="0"/>
+              <a:t>Was your first answer correct?</a:t>
+            </a:r>
+          </a:p>
+        </p:txBody>
+      </p:sp>
+      <p:pic>
+        <p:nvPicPr>
+          <p:cNvPr id="1026" name="Picture 2" descr="Afficher l'image d'origine"/>
+          <p:cNvPicPr>
+            <a:picLocks noChangeAspect="1" noChangeArrowheads="1"/>
+          </p:cNvPicPr>
+          <p:nvPr/>
+        </p:nvPicPr>
+        <p:blipFill>
+          <a:blip r:embed="rId3">
+            <a:extLst>
+              <a:ext uri="{28A0092B-C50C-407E-A947-70E740481C1C}">
+                <a14:useLocalDpi xmlns:a14="http://schemas.microsoft.com/office/drawing/2010/main" val="0"/>
+              </a:ext>
+            </a:extLst>
+          </a:blip>
+          <a:srcRect/>
+          <a:stretch>
+            <a:fillRect/>
+          </a:stretch>
+        </p:blipFill>
+        <p:spPr bwMode="auto">
+          <a:xfrm>
+            <a:off x="2867025" y="1412776"/>
+            <a:ext cx="6457950" cy="4305300"/>
+          </a:xfrm>
+          <a:prstGeom prst="rect">
+            <a:avLst/>
+          </a:prstGeom>
+          <a:noFill/>
+          <a:ln>
+            <a:solidFill>
+              <a:schemeClr val="accent1"/>
+            </a:solidFill>
+          </a:ln>
+          <a:extLst>
+            <a:ext uri="{909E8E84-426E-40DD-AFC4-6F175D3DCCD1}">
+              <a14:hiddenFill xmlns:a14="http://schemas.microsoft.com/office/drawing/2010/main">
+                <a:solidFill>
+                  <a:srgbClr val="FFFFFF"/>
+                </a:solidFill>
+              </a14:hiddenFill>
+            </a:ext>
+          </a:extLst>
+        </p:spPr>
+      </p:pic>
+    </p:spTree>
+    <p:extLst>
+      <p:ext uri="{BB962C8B-B14F-4D97-AF65-F5344CB8AC3E}">
+        <p14:creationId xmlns:p14="http://schemas.microsoft.com/office/powerpoint/2010/main" val="2680392148"/>
       </p:ext>
     </p:extLst>
   </p:cSld>
@@ -14702,7 +16169,7 @@
 </p:sld>
 </file>
 
-<file path=ppt/slides/slide21.xml><?xml version="1.0" encoding="utf-8"?>
+<file path=ppt/slides/slide27.xml><?xml version="1.0" encoding="utf-8"?>
 <p:sld xmlns:a="http://schemas.openxmlformats.org/drawingml/2006/main" xmlns:r="http://schemas.openxmlformats.org/officeDocument/2006/relationships" xmlns:p="http://schemas.openxmlformats.org/presentationml/2006/main">
   <p:cSld>
     <p:spTree>
@@ -14766,7 +16233,79 @@
 </p:sld>
 </file>
 
-<file path=ppt/slides/slide22.xml><?xml version="1.0" encoding="utf-8"?>
+<file path=ppt/slides/slide28.xml><?xml version="1.0" encoding="utf-8"?>
+<p:sld xmlns:a="http://schemas.openxmlformats.org/drawingml/2006/main" xmlns:r="http://schemas.openxmlformats.org/officeDocument/2006/relationships" xmlns:p="http://schemas.openxmlformats.org/presentationml/2006/main">
+  <p:cSld>
+    <p:spTree>
+      <p:nvGrpSpPr>
+        <p:cNvPr id="1" name=""/>
+        <p:cNvGrpSpPr/>
+        <p:nvPr/>
+      </p:nvGrpSpPr>
+      <p:grpSpPr>
+        <a:xfrm>
+          <a:off x="0" y="0"/>
+          <a:ext cx="0" cy="0"/>
+          <a:chOff x="0" y="0"/>
+          <a:chExt cx="0" cy="0"/>
+        </a:xfrm>
+      </p:grpSpPr>
+      <p:sp>
+        <p:nvSpPr>
+          <p:cNvPr id="4" name="Title 3"/>
+          <p:cNvSpPr>
+            <a:spLocks noGrp="1"/>
+          </p:cNvSpPr>
+          <p:nvPr>
+            <p:ph type="title"/>
+          </p:nvPr>
+        </p:nvSpPr>
+        <p:spPr/>
+        <p:txBody>
+          <a:bodyPr/>
+          <a:lstStyle/>
+          <a:p>
+            <a:r>
+              <a:rPr lang="en-GB" dirty="0"/>
+              <a:t>Back to Basics: </a:t>
+            </a:r>
+            <a:r>
+              <a:rPr lang="en-GB" dirty="0">
+                <a:solidFill>
+                  <a:schemeClr val="tx2"/>
+                </a:solidFill>
+              </a:rPr>
+              <a:t>WHY ASYNC</a:t>
+            </a:r>
+          </a:p>
+        </p:txBody>
+      </p:sp>
+    </p:spTree>
+    <p:extLst>
+      <p:ext uri="{BB962C8B-B14F-4D97-AF65-F5344CB8AC3E}">
+        <p14:creationId xmlns:p14="http://schemas.microsoft.com/office/powerpoint/2010/main" val="1066059200"/>
+      </p:ext>
+    </p:extLst>
+  </p:cSld>
+  <p:clrMapOvr>
+    <a:masterClrMapping/>
+  </p:clrMapOvr>
+  <mc:AlternateContent xmlns:mc="http://schemas.openxmlformats.org/markup-compatibility/2006" xmlns:p14="http://schemas.microsoft.com/office/powerpoint/2010/main">
+    <mc:Choice Requires="p14">
+      <p:transition spd="med" p14:dur="700">
+        <p:fade/>
+      </p:transition>
+    </mc:Choice>
+    <mc:Fallback xmlns="">
+      <p:transition spd="med">
+        <p:fade/>
+      </p:transition>
+    </mc:Fallback>
+  </mc:AlternateContent>
+</p:sld>
+</file>
+
+<file path=ppt/slides/slide29.xml><?xml version="1.0" encoding="utf-8"?>
 <p:sld xmlns:a="http://schemas.openxmlformats.org/drawingml/2006/main" xmlns:r="http://schemas.openxmlformats.org/officeDocument/2006/relationships" xmlns:p="http://schemas.openxmlformats.org/presentationml/2006/main">
   <p:cSld>
     <p:spTree>
@@ -14800,7 +16339,7 @@
           <a:p>
             <a:r>
               <a:rPr lang="en-US" dirty="0"/>
-              <a:t>I don’t like Waste</a:t>
+              <a:t>Like me, You don’t like Waste?</a:t>
             </a:r>
           </a:p>
         </p:txBody>
@@ -14855,780 +16394,6 @@
     <p:extLst>
       <p:ext uri="{BB962C8B-B14F-4D97-AF65-F5344CB8AC3E}">
         <p14:creationId xmlns:p14="http://schemas.microsoft.com/office/powerpoint/2010/main" val="1631955462"/>
-      </p:ext>
-    </p:extLst>
-  </p:cSld>
-  <p:clrMapOvr>
-    <a:masterClrMapping/>
-  </p:clrMapOvr>
-  <mc:AlternateContent xmlns:mc="http://schemas.openxmlformats.org/markup-compatibility/2006" xmlns:p14="http://schemas.microsoft.com/office/powerpoint/2010/main">
-    <mc:Choice Requires="p14">
-      <p:transition spd="med" p14:dur="700">
-        <p:fade/>
-      </p:transition>
-    </mc:Choice>
-    <mc:Fallback xmlns="">
-      <p:transition spd="med">
-        <p:fade/>
-      </p:transition>
-    </mc:Fallback>
-  </mc:AlternateContent>
-</p:sld>
-</file>
-
-<file path=ppt/slides/slide23.xml><?xml version="1.0" encoding="utf-8"?>
-<p:sld xmlns:a="http://schemas.openxmlformats.org/drawingml/2006/main" xmlns:r="http://schemas.openxmlformats.org/officeDocument/2006/relationships" xmlns:p="http://schemas.openxmlformats.org/presentationml/2006/main">
-  <p:cSld>
-    <p:spTree>
-      <p:nvGrpSpPr>
-        <p:cNvPr id="1" name=""/>
-        <p:cNvGrpSpPr/>
-        <p:nvPr/>
-      </p:nvGrpSpPr>
-      <p:grpSpPr>
-        <a:xfrm>
-          <a:off x="0" y="0"/>
-          <a:ext cx="0" cy="0"/>
-          <a:chOff x="0" y="0"/>
-          <a:chExt cx="0" cy="0"/>
-        </a:xfrm>
-      </p:grpSpPr>
-      <p:sp>
-        <p:nvSpPr>
-          <p:cNvPr id="13" name="Title 12"/>
-          <p:cNvSpPr>
-            <a:spLocks noGrp="1"/>
-          </p:cNvSpPr>
-          <p:nvPr>
-            <p:ph type="title"/>
-          </p:nvPr>
-        </p:nvSpPr>
-        <p:spPr/>
-        <p:txBody>
-          <a:bodyPr anchor="t"/>
-          <a:lstStyle/>
-          <a:p>
-            <a:r>
-              <a:rPr lang="en-US" dirty="0"/>
-              <a:t>A simple rule to avoid waste of CPU:</a:t>
-            </a:r>
-          </a:p>
-        </p:txBody>
-      </p:sp>
-      <p:pic>
-        <p:nvPicPr>
-          <p:cNvPr id="2050" name="Picture 2" descr="Afficher l'image d'origine"/>
-          <p:cNvPicPr>
-            <a:picLocks noChangeAspect="1" noChangeArrowheads="1"/>
-          </p:cNvPicPr>
-          <p:nvPr/>
-        </p:nvPicPr>
-        <p:blipFill>
-          <a:blip r:embed="rId2">
-            <a:extLst>
-              <a:ext uri="{28A0092B-C50C-407E-A947-70E740481C1C}">
-                <a14:useLocalDpi xmlns:a14="http://schemas.microsoft.com/office/drawing/2010/main" val="0"/>
-              </a:ext>
-            </a:extLst>
-          </a:blip>
-          <a:srcRect/>
-          <a:stretch>
-            <a:fillRect/>
-          </a:stretch>
-        </p:blipFill>
-        <p:spPr bwMode="auto">
-          <a:xfrm>
-            <a:off x="2985492" y="1756210"/>
-            <a:ext cx="6221018" cy="4063440"/>
-          </a:xfrm>
-          <a:prstGeom prst="rect">
-            <a:avLst/>
-          </a:prstGeom>
-          <a:noFill/>
-          <a:ln>
-            <a:solidFill>
-              <a:schemeClr val="accent1"/>
-            </a:solidFill>
-          </a:ln>
-          <a:extLst>
-            <a:ext uri="{909E8E84-426E-40DD-AFC4-6F175D3DCCD1}">
-              <a14:hiddenFill xmlns:a14="http://schemas.microsoft.com/office/drawing/2010/main">
-                <a:solidFill>
-                  <a:srgbClr val="FFFFFF"/>
-                </a:solidFill>
-              </a14:hiddenFill>
-            </a:ext>
-          </a:extLst>
-        </p:spPr>
-      </p:pic>
-    </p:spTree>
-    <p:extLst>
-      <p:ext uri="{BB962C8B-B14F-4D97-AF65-F5344CB8AC3E}">
-        <p14:creationId xmlns:p14="http://schemas.microsoft.com/office/powerpoint/2010/main" val="1946517075"/>
-      </p:ext>
-    </p:extLst>
-  </p:cSld>
-  <p:clrMapOvr>
-    <a:masterClrMapping/>
-  </p:clrMapOvr>
-  <mc:AlternateContent xmlns:mc="http://schemas.openxmlformats.org/markup-compatibility/2006" xmlns:p14="http://schemas.microsoft.com/office/powerpoint/2010/main">
-    <mc:Choice Requires="p14">
-      <p:transition spd="med" p14:dur="700">
-        <p:fade/>
-      </p:transition>
-    </mc:Choice>
-    <mc:Fallback xmlns="">
-      <p:transition spd="med">
-        <p:fade/>
-      </p:transition>
-    </mc:Fallback>
-  </mc:AlternateContent>
-</p:sld>
-</file>
-
-<file path=ppt/slides/slide24.xml><?xml version="1.0" encoding="utf-8"?>
-<p:sld xmlns:a="http://schemas.openxmlformats.org/drawingml/2006/main" xmlns:r="http://schemas.openxmlformats.org/officeDocument/2006/relationships" xmlns:p="http://schemas.openxmlformats.org/presentationml/2006/main">
-  <p:cSld>
-    <p:spTree>
-      <p:nvGrpSpPr>
-        <p:cNvPr id="1" name=""/>
-        <p:cNvGrpSpPr/>
-        <p:nvPr/>
-      </p:nvGrpSpPr>
-      <p:grpSpPr>
-        <a:xfrm>
-          <a:off x="0" y="0"/>
-          <a:ext cx="0" cy="0"/>
-          <a:chOff x="0" y="0"/>
-          <a:chExt cx="0" cy="0"/>
-        </a:xfrm>
-      </p:grpSpPr>
-      <p:sp>
-        <p:nvSpPr>
-          <p:cNvPr id="13" name="Title 12"/>
-          <p:cNvSpPr>
-            <a:spLocks noGrp="1"/>
-          </p:cNvSpPr>
-          <p:nvPr>
-            <p:ph type="title"/>
-          </p:nvPr>
-        </p:nvSpPr>
-        <p:spPr/>
-        <p:txBody>
-          <a:bodyPr anchor="t">
-            <a:normAutofit/>
-          </a:bodyPr>
-          <a:lstStyle/>
-          <a:p>
-            <a:r>
-              <a:rPr lang="en-US" dirty="0"/>
-              <a:t>Concurrent, Parallel, Asynchronous…</a:t>
-            </a:r>
-          </a:p>
-        </p:txBody>
-      </p:sp>
-      <p:sp>
-        <p:nvSpPr>
-          <p:cNvPr id="14" name="Content Placeholder 13"/>
-          <p:cNvSpPr>
-            <a:spLocks noGrp="1"/>
-          </p:cNvSpPr>
-          <p:nvPr>
-            <p:ph idx="1"/>
-          </p:nvPr>
-        </p:nvSpPr>
-        <p:spPr>
-          <a:xfrm>
-            <a:off x="3424054" y="5518720"/>
-            <a:ext cx="5334279" cy="718592"/>
-          </a:xfrm>
-        </p:spPr>
-        <p:txBody>
-          <a:bodyPr anchor="ctr"/>
-          <a:lstStyle/>
-          <a:p>
-            <a:pPr marL="0" indent="0" algn="ctr">
-              <a:buNone/>
-            </a:pPr>
-            <a:r>
-              <a:rPr lang="en-US" dirty="0"/>
-              <a:t>Need clarification?</a:t>
-            </a:r>
-          </a:p>
-        </p:txBody>
-      </p:sp>
-      <p:pic>
-        <p:nvPicPr>
-          <p:cNvPr id="4098" name="Picture 2" descr="Afficher l'image d'origine"/>
-          <p:cNvPicPr>
-            <a:picLocks noChangeAspect="1" noChangeArrowheads="1"/>
-          </p:cNvPicPr>
-          <p:nvPr/>
-        </p:nvPicPr>
-        <p:blipFill>
-          <a:blip r:embed="rId3">
-            <a:extLst>
-              <a:ext uri="{BEBA8EAE-BF5A-486C-A8C5-ECC9F3942E4B}">
-                <a14:imgProps xmlns:a14="http://schemas.microsoft.com/office/drawing/2010/main">
-                  <a14:imgLayer r:embed="rId4">
-                    <a14:imgEffect>
-                      <a14:colorTemperature colorTemp="11200"/>
-                    </a14:imgEffect>
-                  </a14:imgLayer>
-                </a14:imgProps>
-              </a:ext>
-              <a:ext uri="{28A0092B-C50C-407E-A947-70E740481C1C}">
-                <a14:useLocalDpi xmlns:a14="http://schemas.microsoft.com/office/drawing/2010/main" val="0"/>
-              </a:ext>
-            </a:extLst>
-          </a:blip>
-          <a:srcRect/>
-          <a:stretch>
-            <a:fillRect/>
-          </a:stretch>
-        </p:blipFill>
-        <p:spPr bwMode="auto">
-          <a:xfrm>
-            <a:off x="2957474" y="1733802"/>
-            <a:ext cx="6277052" cy="3783429"/>
-          </a:xfrm>
-          <a:prstGeom prst="rect">
-            <a:avLst/>
-          </a:prstGeom>
-          <a:noFill/>
-          <a:ln>
-            <a:solidFill>
-              <a:schemeClr val="accent1"/>
-            </a:solidFill>
-          </a:ln>
-          <a:extLst>
-            <a:ext uri="{909E8E84-426E-40DD-AFC4-6F175D3DCCD1}">
-              <a14:hiddenFill xmlns:a14="http://schemas.microsoft.com/office/drawing/2010/main">
-                <a:solidFill>
-                  <a:srgbClr val="FFFFFF"/>
-                </a:solidFill>
-              </a14:hiddenFill>
-            </a:ext>
-          </a:extLst>
-        </p:spPr>
-      </p:pic>
-    </p:spTree>
-    <p:extLst>
-      <p:ext uri="{BB962C8B-B14F-4D97-AF65-F5344CB8AC3E}">
-        <p14:creationId xmlns:p14="http://schemas.microsoft.com/office/powerpoint/2010/main" val="775599736"/>
-      </p:ext>
-    </p:extLst>
-  </p:cSld>
-  <p:clrMapOvr>
-    <a:masterClrMapping/>
-  </p:clrMapOvr>
-  <mc:AlternateContent xmlns:mc="http://schemas.openxmlformats.org/markup-compatibility/2006" xmlns:p14="http://schemas.microsoft.com/office/powerpoint/2010/main">
-    <mc:Choice Requires="p14">
-      <p:transition spd="med" p14:dur="700">
-        <p:fade/>
-      </p:transition>
-    </mc:Choice>
-    <mc:Fallback xmlns="">
-      <p:transition spd="med">
-        <p:fade/>
-      </p:transition>
-    </mc:Fallback>
-  </mc:AlternateContent>
-</p:sld>
-</file>
-
-<file path=ppt/slides/slide25.xml><?xml version="1.0" encoding="utf-8"?>
-<p:sld xmlns:a="http://schemas.openxmlformats.org/drawingml/2006/main" xmlns:r="http://schemas.openxmlformats.org/officeDocument/2006/relationships" xmlns:p="http://schemas.openxmlformats.org/presentationml/2006/main">
-  <p:cSld>
-    <p:spTree>
-      <p:nvGrpSpPr>
-        <p:cNvPr id="1" name=""/>
-        <p:cNvGrpSpPr/>
-        <p:nvPr/>
-      </p:nvGrpSpPr>
-      <p:grpSpPr>
-        <a:xfrm>
-          <a:off x="0" y="0"/>
-          <a:ext cx="0" cy="0"/>
-          <a:chOff x="0" y="0"/>
-          <a:chExt cx="0" cy="0"/>
-        </a:xfrm>
-      </p:grpSpPr>
-      <p:sp>
-        <p:nvSpPr>
-          <p:cNvPr id="13" name="Title 12"/>
-          <p:cNvSpPr>
-            <a:spLocks noGrp="1"/>
-          </p:cNvSpPr>
-          <p:nvPr>
-            <p:ph type="title"/>
-          </p:nvPr>
-        </p:nvSpPr>
-        <p:spPr/>
-        <p:txBody>
-          <a:bodyPr anchor="t">
-            <a:normAutofit/>
-          </a:bodyPr>
-          <a:lstStyle/>
-          <a:p>
-            <a:r>
-              <a:rPr lang="en-US" dirty="0" err="1"/>
-              <a:t>DeadlockS</a:t>
-            </a:r>
-            <a:endParaRPr lang="en-US" dirty="0"/>
-          </a:p>
-        </p:txBody>
-      </p:sp>
-      <p:pic>
-        <p:nvPicPr>
-          <p:cNvPr id="7174" name="Picture 6" descr="Afficher l'image d'origine"/>
-          <p:cNvPicPr>
-            <a:picLocks noChangeAspect="1" noChangeArrowheads="1"/>
-          </p:cNvPicPr>
-          <p:nvPr/>
-        </p:nvPicPr>
-        <p:blipFill>
-          <a:blip r:embed="rId3">
-            <a:extLst>
-              <a:ext uri="{28A0092B-C50C-407E-A947-70E740481C1C}">
-                <a14:useLocalDpi xmlns:a14="http://schemas.microsoft.com/office/drawing/2010/main" val="0"/>
-              </a:ext>
-            </a:extLst>
-          </a:blip>
-          <a:srcRect/>
-          <a:stretch>
-            <a:fillRect/>
-          </a:stretch>
-        </p:blipFill>
-        <p:spPr bwMode="auto">
-          <a:xfrm>
-            <a:off x="2935635" y="1752600"/>
-            <a:ext cx="6320730" cy="3626895"/>
-          </a:xfrm>
-          <a:prstGeom prst="rect">
-            <a:avLst/>
-          </a:prstGeom>
-          <a:noFill/>
-          <a:ln>
-            <a:solidFill>
-              <a:schemeClr val="accent1"/>
-            </a:solidFill>
-          </a:ln>
-          <a:extLst>
-            <a:ext uri="{909E8E84-426E-40DD-AFC4-6F175D3DCCD1}">
-              <a14:hiddenFill xmlns:a14="http://schemas.microsoft.com/office/drawing/2010/main">
-                <a:solidFill>
-                  <a:srgbClr val="FFFFFF"/>
-                </a:solidFill>
-              </a14:hiddenFill>
-            </a:ext>
-          </a:extLst>
-        </p:spPr>
-      </p:pic>
-    </p:spTree>
-    <p:extLst>
-      <p:ext uri="{BB962C8B-B14F-4D97-AF65-F5344CB8AC3E}">
-        <p14:creationId xmlns:p14="http://schemas.microsoft.com/office/powerpoint/2010/main" val="118184237"/>
-      </p:ext>
-    </p:extLst>
-  </p:cSld>
-  <p:clrMapOvr>
-    <a:masterClrMapping/>
-  </p:clrMapOvr>
-  <mc:AlternateContent xmlns:mc="http://schemas.openxmlformats.org/markup-compatibility/2006" xmlns:p14="http://schemas.microsoft.com/office/powerpoint/2010/main">
-    <mc:Choice Requires="p14">
-      <p:transition spd="med" p14:dur="700">
-        <p:fade/>
-      </p:transition>
-    </mc:Choice>
-    <mc:Fallback xmlns="">
-      <p:transition spd="med">
-        <p:fade/>
-      </p:transition>
-    </mc:Fallback>
-  </mc:AlternateContent>
-</p:sld>
-</file>
-
-<file path=ppt/slides/slide26.xml><?xml version="1.0" encoding="utf-8"?>
-<p:sld xmlns:a="http://schemas.openxmlformats.org/drawingml/2006/main" xmlns:r="http://schemas.openxmlformats.org/officeDocument/2006/relationships" xmlns:p="http://schemas.openxmlformats.org/presentationml/2006/main">
-  <p:cSld>
-    <p:spTree>
-      <p:nvGrpSpPr>
-        <p:cNvPr id="1" name=""/>
-        <p:cNvGrpSpPr/>
-        <p:nvPr/>
-      </p:nvGrpSpPr>
-      <p:grpSpPr>
-        <a:xfrm>
-          <a:off x="0" y="0"/>
-          <a:ext cx="0" cy="0"/>
-          <a:chOff x="0" y="0"/>
-          <a:chExt cx="0" cy="0"/>
-        </a:xfrm>
-      </p:grpSpPr>
-      <p:sp>
-        <p:nvSpPr>
-          <p:cNvPr id="13" name="Title 12"/>
-          <p:cNvSpPr>
-            <a:spLocks noGrp="1"/>
-          </p:cNvSpPr>
-          <p:nvPr>
-            <p:ph type="title"/>
-          </p:nvPr>
-        </p:nvSpPr>
-        <p:spPr/>
-        <p:txBody>
-          <a:bodyPr anchor="t">
-            <a:normAutofit/>
-          </a:bodyPr>
-          <a:lstStyle/>
-          <a:p>
-            <a:r>
-              <a:rPr lang="en-US" dirty="0"/>
-              <a:t>Deadlock Meme</a:t>
-            </a:r>
-          </a:p>
-        </p:txBody>
-      </p:sp>
-      <p:pic>
-        <p:nvPicPr>
-          <p:cNvPr id="7172" name="Picture 4" descr="https://i.imgflip.com/1eulxp.jpg"/>
-          <p:cNvPicPr>
-            <a:picLocks noChangeAspect="1" noChangeArrowheads="1"/>
-          </p:cNvPicPr>
-          <p:nvPr/>
-        </p:nvPicPr>
-        <p:blipFill>
-          <a:blip r:embed="rId3">
-            <a:extLst>
-              <a:ext uri="{28A0092B-C50C-407E-A947-70E740481C1C}">
-                <a14:useLocalDpi xmlns:a14="http://schemas.microsoft.com/office/drawing/2010/main" val="0"/>
-              </a:ext>
-            </a:extLst>
-          </a:blip>
-          <a:srcRect/>
-          <a:stretch>
-            <a:fillRect/>
-          </a:stretch>
-        </p:blipFill>
-        <p:spPr bwMode="auto">
-          <a:xfrm>
-            <a:off x="3506400" y="1267200"/>
-            <a:ext cx="5179535" cy="5011200"/>
-          </a:xfrm>
-          <a:prstGeom prst="rect">
-            <a:avLst/>
-          </a:prstGeom>
-          <a:noFill/>
-          <a:ln>
-            <a:solidFill>
-              <a:schemeClr val="accent1"/>
-            </a:solidFill>
-          </a:ln>
-          <a:extLst>
-            <a:ext uri="{909E8E84-426E-40DD-AFC4-6F175D3DCCD1}">
-              <a14:hiddenFill xmlns:a14="http://schemas.microsoft.com/office/drawing/2010/main">
-                <a:solidFill>
-                  <a:srgbClr val="FFFFFF"/>
-                </a:solidFill>
-              </a14:hiddenFill>
-            </a:ext>
-          </a:extLst>
-        </p:spPr>
-      </p:pic>
-    </p:spTree>
-    <p:extLst>
-      <p:ext uri="{BB962C8B-B14F-4D97-AF65-F5344CB8AC3E}">
-        <p14:creationId xmlns:p14="http://schemas.microsoft.com/office/powerpoint/2010/main" val="2351673736"/>
-      </p:ext>
-    </p:extLst>
-  </p:cSld>
-  <p:clrMapOvr>
-    <a:masterClrMapping/>
-  </p:clrMapOvr>
-  <mc:AlternateContent xmlns:mc="http://schemas.openxmlformats.org/markup-compatibility/2006" xmlns:p14="http://schemas.microsoft.com/office/powerpoint/2010/main">
-    <mc:Choice Requires="p14">
-      <p:transition spd="med" p14:dur="700">
-        <p:fade/>
-      </p:transition>
-    </mc:Choice>
-    <mc:Fallback xmlns="">
-      <p:transition spd="med">
-        <p:fade/>
-      </p:transition>
-    </mc:Fallback>
-  </mc:AlternateContent>
-</p:sld>
-</file>
-
-<file path=ppt/slides/slide27.xml><?xml version="1.0" encoding="utf-8"?>
-<p:sld xmlns:a="http://schemas.openxmlformats.org/drawingml/2006/main" xmlns:r="http://schemas.openxmlformats.org/officeDocument/2006/relationships" xmlns:p="http://schemas.openxmlformats.org/presentationml/2006/main">
-  <p:cSld>
-    <p:spTree>
-      <p:nvGrpSpPr>
-        <p:cNvPr id="1" name=""/>
-        <p:cNvGrpSpPr/>
-        <p:nvPr/>
-      </p:nvGrpSpPr>
-      <p:grpSpPr>
-        <a:xfrm>
-          <a:off x="0" y="0"/>
-          <a:ext cx="0" cy="0"/>
-          <a:chOff x="0" y="0"/>
-          <a:chExt cx="0" cy="0"/>
-        </a:xfrm>
-      </p:grpSpPr>
-      <p:sp>
-        <p:nvSpPr>
-          <p:cNvPr id="13" name="Title 12"/>
-          <p:cNvSpPr>
-            <a:spLocks noGrp="1"/>
-          </p:cNvSpPr>
-          <p:nvPr>
-            <p:ph type="title"/>
-          </p:nvPr>
-        </p:nvSpPr>
-        <p:spPr/>
-        <p:txBody>
-          <a:bodyPr anchor="t">
-            <a:normAutofit/>
-          </a:bodyPr>
-          <a:lstStyle/>
-          <a:p>
-            <a:r>
-              <a:rPr lang="en-US" dirty="0"/>
-              <a:t>Deadlock Meme</a:t>
-            </a:r>
-          </a:p>
-        </p:txBody>
-      </p:sp>
-      <p:pic>
-        <p:nvPicPr>
-          <p:cNvPr id="7170" name="Picture 2" descr="https://i.imgflip.com/1eulqt.jpg"/>
-          <p:cNvPicPr>
-            <a:picLocks noChangeAspect="1" noChangeArrowheads="1"/>
-          </p:cNvPicPr>
-          <p:nvPr/>
-        </p:nvPicPr>
-        <p:blipFill>
-          <a:blip r:embed="rId3">
-            <a:extLst>
-              <a:ext uri="{28A0092B-C50C-407E-A947-70E740481C1C}">
-                <a14:useLocalDpi xmlns:a14="http://schemas.microsoft.com/office/drawing/2010/main" val="0"/>
-              </a:ext>
-            </a:extLst>
-          </a:blip>
-          <a:srcRect/>
-          <a:stretch>
-            <a:fillRect/>
-          </a:stretch>
-        </p:blipFill>
-        <p:spPr bwMode="auto">
-          <a:xfrm>
-            <a:off x="3506109" y="1268760"/>
-            <a:ext cx="5179783" cy="5011440"/>
-          </a:xfrm>
-          <a:prstGeom prst="rect">
-            <a:avLst/>
-          </a:prstGeom>
-          <a:noFill/>
-          <a:ln>
-            <a:solidFill>
-              <a:schemeClr val="accent1"/>
-            </a:solidFill>
-          </a:ln>
-          <a:extLst>
-            <a:ext uri="{909E8E84-426E-40DD-AFC4-6F175D3DCCD1}">
-              <a14:hiddenFill xmlns:a14="http://schemas.microsoft.com/office/drawing/2010/main">
-                <a:solidFill>
-                  <a:srgbClr val="FFFFFF"/>
-                </a:solidFill>
-              </a14:hiddenFill>
-            </a:ext>
-          </a:extLst>
-        </p:spPr>
-      </p:pic>
-    </p:spTree>
-    <p:extLst>
-      <p:ext uri="{BB962C8B-B14F-4D97-AF65-F5344CB8AC3E}">
-        <p14:creationId xmlns:p14="http://schemas.microsoft.com/office/powerpoint/2010/main" val="1546639905"/>
-      </p:ext>
-    </p:extLst>
-  </p:cSld>
-  <p:clrMapOvr>
-    <a:masterClrMapping/>
-  </p:clrMapOvr>
-  <mc:AlternateContent xmlns:mc="http://schemas.openxmlformats.org/markup-compatibility/2006" xmlns:p14="http://schemas.microsoft.com/office/powerpoint/2010/main">
-    <mc:Choice Requires="p14">
-      <p:transition spd="med" p14:dur="700">
-        <p:fade/>
-      </p:transition>
-    </mc:Choice>
-    <mc:Fallback xmlns="">
-      <p:transition spd="med">
-        <p:fade/>
-      </p:transition>
-    </mc:Fallback>
-  </mc:AlternateContent>
-</p:sld>
-</file>
-
-<file path=ppt/slides/slide28.xml><?xml version="1.0" encoding="utf-8"?>
-<p:sld xmlns:a="http://schemas.openxmlformats.org/drawingml/2006/main" xmlns:r="http://schemas.openxmlformats.org/officeDocument/2006/relationships" xmlns:p="http://schemas.openxmlformats.org/presentationml/2006/main">
-  <p:cSld>
-    <p:spTree>
-      <p:nvGrpSpPr>
-        <p:cNvPr id="1" name=""/>
-        <p:cNvGrpSpPr/>
-        <p:nvPr/>
-      </p:nvGrpSpPr>
-      <p:grpSpPr>
-        <a:xfrm>
-          <a:off x="0" y="0"/>
-          <a:ext cx="0" cy="0"/>
-          <a:chOff x="0" y="0"/>
-          <a:chExt cx="0" cy="0"/>
-        </a:xfrm>
-      </p:grpSpPr>
-      <p:sp>
-        <p:nvSpPr>
-          <p:cNvPr id="13" name="Title 12"/>
-          <p:cNvSpPr>
-            <a:spLocks noGrp="1"/>
-          </p:cNvSpPr>
-          <p:nvPr>
-            <p:ph type="title"/>
-          </p:nvPr>
-        </p:nvSpPr>
-        <p:spPr/>
-        <p:txBody>
-          <a:bodyPr anchor="t">
-            <a:normAutofit/>
-          </a:bodyPr>
-          <a:lstStyle/>
-          <a:p>
-            <a:r>
-              <a:rPr lang="en-US" dirty="0"/>
-              <a:t>Deadlock Meme</a:t>
-            </a:r>
-          </a:p>
-        </p:txBody>
-      </p:sp>
-      <p:pic>
-        <p:nvPicPr>
-          <p:cNvPr id="9218" name="Picture 2" descr="https://i.imgflip.com/1eum9y.jpg"/>
-          <p:cNvPicPr>
-            <a:picLocks noChangeAspect="1" noChangeArrowheads="1"/>
-          </p:cNvPicPr>
-          <p:nvPr/>
-        </p:nvPicPr>
-        <p:blipFill>
-          <a:blip r:embed="rId3">
-            <a:extLst>
-              <a:ext uri="{28A0092B-C50C-407E-A947-70E740481C1C}">
-                <a14:useLocalDpi xmlns:a14="http://schemas.microsoft.com/office/drawing/2010/main" val="0"/>
-              </a:ext>
-            </a:extLst>
-          </a:blip>
-          <a:srcRect/>
-          <a:stretch>
-            <a:fillRect/>
-          </a:stretch>
-        </p:blipFill>
-        <p:spPr bwMode="auto">
-          <a:xfrm>
-            <a:off x="3506400" y="1267200"/>
-            <a:ext cx="5179535" cy="5011200"/>
-          </a:xfrm>
-          <a:prstGeom prst="rect">
-            <a:avLst/>
-          </a:prstGeom>
-          <a:noFill/>
-          <a:ln>
-            <a:solidFill>
-              <a:schemeClr val="accent1"/>
-            </a:solidFill>
-          </a:ln>
-          <a:extLst>
-            <a:ext uri="{909E8E84-426E-40DD-AFC4-6F175D3DCCD1}">
-              <a14:hiddenFill xmlns:a14="http://schemas.microsoft.com/office/drawing/2010/main">
-                <a:solidFill>
-                  <a:srgbClr val="FFFFFF"/>
-                </a:solidFill>
-              </a14:hiddenFill>
-            </a:ext>
-          </a:extLst>
-        </p:spPr>
-      </p:pic>
-    </p:spTree>
-    <p:extLst>
-      <p:ext uri="{BB962C8B-B14F-4D97-AF65-F5344CB8AC3E}">
-        <p14:creationId xmlns:p14="http://schemas.microsoft.com/office/powerpoint/2010/main" val="3016117138"/>
-      </p:ext>
-    </p:extLst>
-  </p:cSld>
-  <p:clrMapOvr>
-    <a:masterClrMapping/>
-  </p:clrMapOvr>
-  <mc:AlternateContent xmlns:mc="http://schemas.openxmlformats.org/markup-compatibility/2006" xmlns:p14="http://schemas.microsoft.com/office/powerpoint/2010/main">
-    <mc:Choice Requires="p14">
-      <p:transition spd="med" p14:dur="700">
-        <p:fade/>
-      </p:transition>
-    </mc:Choice>
-    <mc:Fallback xmlns="">
-      <p:transition spd="med">
-        <p:fade/>
-      </p:transition>
-    </mc:Fallback>
-  </mc:AlternateContent>
-</p:sld>
-</file>
-
-<file path=ppt/slides/slide29.xml><?xml version="1.0" encoding="utf-8"?>
-<p:sld xmlns:a="http://schemas.openxmlformats.org/drawingml/2006/main" xmlns:r="http://schemas.openxmlformats.org/officeDocument/2006/relationships" xmlns:p="http://schemas.openxmlformats.org/presentationml/2006/main">
-  <p:cSld>
-    <p:spTree>
-      <p:nvGrpSpPr>
-        <p:cNvPr id="1" name=""/>
-        <p:cNvGrpSpPr/>
-        <p:nvPr/>
-      </p:nvGrpSpPr>
-      <p:grpSpPr>
-        <a:xfrm>
-          <a:off x="0" y="0"/>
-          <a:ext cx="0" cy="0"/>
-          <a:chOff x="0" y="0"/>
-          <a:chExt cx="0" cy="0"/>
-        </a:xfrm>
-      </p:grpSpPr>
-      <p:sp>
-        <p:nvSpPr>
-          <p:cNvPr id="4" name="Title 3"/>
-          <p:cNvSpPr>
-            <a:spLocks noGrp="1"/>
-          </p:cNvSpPr>
-          <p:nvPr>
-            <p:ph type="title"/>
-          </p:nvPr>
-        </p:nvSpPr>
-        <p:spPr/>
-        <p:txBody>
-          <a:bodyPr/>
-          <a:lstStyle/>
-          <a:p>
-            <a:r>
-              <a:rPr lang="en-GB" dirty="0"/>
-              <a:t>Appendix</a:t>
-            </a:r>
-          </a:p>
-        </p:txBody>
-      </p:sp>
-    </p:spTree>
-    <p:extLst>
-      <p:ext uri="{BB962C8B-B14F-4D97-AF65-F5344CB8AC3E}">
-        <p14:creationId xmlns:p14="http://schemas.microsoft.com/office/powerpoint/2010/main" val="1255273533"/>
       </p:ext>
     </p:extLst>
   </p:cSld>
@@ -15867,78 +16632,61 @@
           <a:p>
             <a:r>
               <a:rPr lang="en-US" dirty="0"/>
-              <a:t>Async method GC impact</a:t>
+              <a:t>A simple rule to avoid waste of CPU</a:t>
             </a:r>
           </a:p>
         </p:txBody>
       </p:sp>
-      <p:sp>
-        <p:nvSpPr>
-          <p:cNvPr id="14" name="Content Placeholder 13"/>
-          <p:cNvSpPr>
-            <a:spLocks noGrp="1"/>
-          </p:cNvSpPr>
-          <p:nvPr>
-            <p:ph idx="1"/>
-          </p:nvPr>
-        </p:nvSpPr>
-        <p:spPr>
+      <p:pic>
+        <p:nvPicPr>
+          <p:cNvPr id="2050" name="Picture 2" descr="Afficher l'image d'origine"/>
+          <p:cNvPicPr>
+            <a:picLocks noChangeAspect="1" noChangeArrowheads="1"/>
+          </p:cNvPicPr>
+          <p:nvPr/>
+        </p:nvPicPr>
+        <p:blipFill>
+          <a:blip r:embed="rId2">
+            <a:extLst>
+              <a:ext uri="{28A0092B-C50C-407E-A947-70E740481C1C}">
+                <a14:useLocalDpi xmlns:a14="http://schemas.microsoft.com/office/drawing/2010/main" val="0"/>
+              </a:ext>
+            </a:extLst>
+          </a:blip>
+          <a:srcRect/>
+          <a:stretch>
+            <a:fillRect/>
+          </a:stretch>
+        </p:blipFill>
+        <p:spPr bwMode="auto">
           <a:xfrm>
-            <a:off x="2135560" y="1844824"/>
-            <a:ext cx="8640960" cy="4248472"/>
+            <a:off x="2985492" y="1756210"/>
+            <a:ext cx="6221018" cy="4063440"/>
           </a:xfrm>
+          <a:prstGeom prst="rect">
+            <a:avLst/>
+          </a:prstGeom>
+          <a:noFill/>
+          <a:ln>
+            <a:solidFill>
+              <a:schemeClr val="accent1"/>
+            </a:solidFill>
+          </a:ln>
+          <a:extLst>
+            <a:ext uri="{909E8E84-426E-40DD-AFC4-6F175D3DCCD1}">
+              <a14:hiddenFill xmlns:a14="http://schemas.microsoft.com/office/drawing/2010/main">
+                <a:solidFill>
+                  <a:srgbClr val="FFFFFF"/>
+                </a:solidFill>
+              </a14:hiddenFill>
+            </a:ext>
+          </a:extLst>
         </p:spPr>
-        <p:txBody>
-          <a:bodyPr anchor="t">
-            <a:normAutofit/>
-          </a:bodyPr>
-          <a:lstStyle/>
-          <a:p>
-            <a:r>
-              <a:rPr lang="en-US" dirty="0"/>
-              <a:t>3 allocations for every Async method</a:t>
-            </a:r>
-          </a:p>
-          <a:p>
-            <a:pPr lvl="1"/>
-            <a:r>
-              <a:rPr lang="en-US" dirty="0"/>
-              <a:t>Heap-allocated state machine</a:t>
-            </a:r>
-          </a:p>
-          <a:p>
-            <a:pPr lvl="2"/>
-            <a:r>
-              <a:rPr lang="en-US" dirty="0"/>
-              <a:t>With a field for every local variable in your method</a:t>
-            </a:r>
-          </a:p>
-          <a:p>
-            <a:pPr lvl="1"/>
-            <a:r>
-              <a:rPr lang="en-US" dirty="0"/>
-              <a:t>Completion delegate</a:t>
-            </a:r>
-          </a:p>
-          <a:p>
-            <a:pPr lvl="1"/>
-            <a:r>
-              <a:rPr lang="en-US" dirty="0"/>
-              <a:t>Task</a:t>
-            </a:r>
-            <a:endParaRPr lang="en-US" sz="1600" dirty="0">
-              <a:solidFill>
-                <a:schemeClr val="accent1"/>
-              </a:solidFill>
-              <a:latin typeface="Arial Narrow" panose="020B0606020202030204" pitchFamily="34" charset="0"/>
-            </a:endParaRPr>
-          </a:p>
-        </p:txBody>
-      </p:sp>
+      </p:pic>
     </p:spTree>
     <p:extLst>
       <p:ext uri="{BB962C8B-B14F-4D97-AF65-F5344CB8AC3E}">
-        <p14:creationId xmlns:p14="http://schemas.microsoft.com/office/powerpoint/2010/main" val="789624704"/>
+        <p14:creationId xmlns:p14="http://schemas.microsoft.com/office/powerpoint/2010/main" val="1946517075"/>
       </p:ext>
     </p:extLst>
   </p:cSld>
@@ -15957,6 +16705,89 @@
       </p:transition>
     </mc:Fallback>
   </mc:AlternateContent>
+  <p:timing>
+    <p:tnLst>
+      <p:par>
+        <p:cTn id="1" dur="indefinite" restart="never" nodeType="tmRoot">
+          <p:childTnLst>
+            <p:seq concurrent="1" nextAc="seek">
+              <p:cTn id="2" dur="indefinite" nodeType="mainSeq">
+                <p:childTnLst>
+                  <p:par>
+                    <p:cTn id="3" fill="hold">
+                      <p:stCondLst>
+                        <p:cond delay="indefinite"/>
+                      </p:stCondLst>
+                      <p:childTnLst>
+                        <p:par>
+                          <p:cTn id="4" fill="hold">
+                            <p:stCondLst>
+                              <p:cond delay="0"/>
+                            </p:stCondLst>
+                            <p:childTnLst>
+                              <p:par>
+                                <p:cTn id="5" presetID="10" presetClass="entr" presetSubtype="0" fill="hold" nodeType="clickEffect">
+                                  <p:stCondLst>
+                                    <p:cond delay="0"/>
+                                  </p:stCondLst>
+                                  <p:childTnLst>
+                                    <p:set>
+                                      <p:cBhvr>
+                                        <p:cTn id="6" dur="1" fill="hold">
+                                          <p:stCondLst>
+                                            <p:cond delay="0"/>
+                                          </p:stCondLst>
+                                        </p:cTn>
+                                        <p:tgtEl>
+                                          <p:spTgt spid="2050"/>
+                                        </p:tgtEl>
+                                        <p:attrNameLst>
+                                          <p:attrName>style.visibility</p:attrName>
+                                        </p:attrNameLst>
+                                      </p:cBhvr>
+                                      <p:to>
+                                        <p:strVal val="visible"/>
+                                      </p:to>
+                                    </p:set>
+                                    <p:animEffect transition="in" filter="fade">
+                                      <p:cBhvr>
+                                        <p:cTn id="7" dur="500"/>
+                                        <p:tgtEl>
+                                          <p:spTgt spid="2050"/>
+                                        </p:tgtEl>
+                                      </p:cBhvr>
+                                    </p:animEffect>
+                                  </p:childTnLst>
+                                </p:cTn>
+                              </p:par>
+                            </p:childTnLst>
+                          </p:cTn>
+                        </p:par>
+                      </p:childTnLst>
+                    </p:cTn>
+                  </p:par>
+                </p:childTnLst>
+              </p:cTn>
+              <p:prevCondLst>
+                <p:cond evt="onPrev" delay="0">
+                  <p:tgtEl>
+                    <p:sldTgt/>
+                  </p:tgtEl>
+                </p:cond>
+              </p:prevCondLst>
+              <p:nextCondLst>
+                <p:cond evt="onNext" delay="0">
+                  <p:tgtEl>
+                    <p:sldTgt/>
+                  </p:tgtEl>
+                </p:cond>
+              </p:nextCondLst>
+            </p:seq>
+          </p:childTnLst>
+        </p:cTn>
+      </p:par>
+    </p:tnLst>
+  </p:timing>
 </p:sld>
 </file>
 
@@ -15989,6 +16820,767 @@
         </p:nvSpPr>
         <p:spPr/>
         <p:txBody>
+          <a:bodyPr anchor="t">
+            <a:normAutofit/>
+          </a:bodyPr>
+          <a:lstStyle/>
+          <a:p>
+            <a:r>
+              <a:rPr lang="en-US" dirty="0"/>
+              <a:t>Concurrent, Parallel, Asynchronous…</a:t>
+            </a:r>
+          </a:p>
+        </p:txBody>
+      </p:sp>
+      <p:pic>
+        <p:nvPicPr>
+          <p:cNvPr id="4098" name="Picture 2" descr="Afficher l'image d'origine"/>
+          <p:cNvPicPr>
+            <a:picLocks noChangeAspect="1" noChangeArrowheads="1"/>
+          </p:cNvPicPr>
+          <p:nvPr/>
+        </p:nvPicPr>
+        <p:blipFill>
+          <a:blip r:embed="rId3">
+            <a:extLst>
+              <a:ext uri="{BEBA8EAE-BF5A-486C-A8C5-ECC9F3942E4B}">
+                <a14:imgProps xmlns:a14="http://schemas.microsoft.com/office/drawing/2010/main">
+                  <a14:imgLayer r:embed="rId4">
+                    <a14:imgEffect>
+                      <a14:colorTemperature colorTemp="11200"/>
+                    </a14:imgEffect>
+                  </a14:imgLayer>
+                </a14:imgProps>
+              </a:ext>
+              <a:ext uri="{28A0092B-C50C-407E-A947-70E740481C1C}">
+                <a14:useLocalDpi xmlns:a14="http://schemas.microsoft.com/office/drawing/2010/main" val="0"/>
+              </a:ext>
+            </a:extLst>
+          </a:blip>
+          <a:srcRect/>
+          <a:stretch>
+            <a:fillRect/>
+          </a:stretch>
+        </p:blipFill>
+        <p:spPr bwMode="auto">
+          <a:xfrm>
+            <a:off x="2957474" y="1733802"/>
+            <a:ext cx="6277052" cy="3783429"/>
+          </a:xfrm>
+          <a:prstGeom prst="rect">
+            <a:avLst/>
+          </a:prstGeom>
+          <a:noFill/>
+          <a:ln>
+            <a:solidFill>
+              <a:schemeClr val="accent1"/>
+            </a:solidFill>
+          </a:ln>
+          <a:extLst>
+            <a:ext uri="{909E8E84-426E-40DD-AFC4-6F175D3DCCD1}">
+              <a14:hiddenFill xmlns:a14="http://schemas.microsoft.com/office/drawing/2010/main">
+                <a:solidFill>
+                  <a:srgbClr val="FFFFFF"/>
+                </a:solidFill>
+              </a14:hiddenFill>
+            </a:ext>
+          </a:extLst>
+        </p:spPr>
+      </p:pic>
+    </p:spTree>
+    <p:extLst>
+      <p:ext uri="{BB962C8B-B14F-4D97-AF65-F5344CB8AC3E}">
+        <p14:creationId xmlns:p14="http://schemas.microsoft.com/office/powerpoint/2010/main" val="775599736"/>
+      </p:ext>
+    </p:extLst>
+  </p:cSld>
+  <p:clrMapOvr>
+    <a:masterClrMapping/>
+  </p:clrMapOvr>
+  <mc:AlternateContent xmlns:mc="http://schemas.openxmlformats.org/markup-compatibility/2006" xmlns:p14="http://schemas.microsoft.com/office/powerpoint/2010/main">
+    <mc:Choice Requires="p14">
+      <p:transition spd="med" p14:dur="700">
+        <p:fade/>
+      </p:transition>
+    </mc:Choice>
+    <mc:Fallback xmlns="">
+      <p:transition spd="med">
+        <p:fade/>
+      </p:transition>
+    </mc:Fallback>
+  </mc:AlternateContent>
+</p:sld>
+</file>
+
+<file path=ppt/slides/slide32.xml><?xml version="1.0" encoding="utf-8"?>
+<p:sld xmlns:a="http://schemas.openxmlformats.org/drawingml/2006/main" xmlns:r="http://schemas.openxmlformats.org/officeDocument/2006/relationships" xmlns:p="http://schemas.openxmlformats.org/presentationml/2006/main">
+  <p:cSld>
+    <p:spTree>
+      <p:nvGrpSpPr>
+        <p:cNvPr id="1" name=""/>
+        <p:cNvGrpSpPr/>
+        <p:nvPr/>
+      </p:nvGrpSpPr>
+      <p:grpSpPr>
+        <a:xfrm>
+          <a:off x="0" y="0"/>
+          <a:ext cx="0" cy="0"/>
+          <a:chOff x="0" y="0"/>
+          <a:chExt cx="0" cy="0"/>
+        </a:xfrm>
+      </p:grpSpPr>
+      <p:sp>
+        <p:nvSpPr>
+          <p:cNvPr id="13" name="Title 12"/>
+          <p:cNvSpPr>
+            <a:spLocks noGrp="1"/>
+          </p:cNvSpPr>
+          <p:nvPr>
+            <p:ph type="title"/>
+          </p:nvPr>
+        </p:nvSpPr>
+        <p:spPr/>
+        <p:txBody>
+          <a:bodyPr anchor="t">
+            <a:normAutofit/>
+          </a:bodyPr>
+          <a:lstStyle/>
+          <a:p>
+            <a:r>
+              <a:rPr lang="en-US" dirty="0" err="1"/>
+              <a:t>DeadlockS</a:t>
+            </a:r>
+            <a:endParaRPr lang="en-US" dirty="0"/>
+          </a:p>
+        </p:txBody>
+      </p:sp>
+      <p:pic>
+        <p:nvPicPr>
+          <p:cNvPr id="7174" name="Picture 6" descr="Afficher l'image d'origine"/>
+          <p:cNvPicPr>
+            <a:picLocks noChangeAspect="1" noChangeArrowheads="1"/>
+          </p:cNvPicPr>
+          <p:nvPr/>
+        </p:nvPicPr>
+        <p:blipFill>
+          <a:blip r:embed="rId3">
+            <a:extLst>
+              <a:ext uri="{28A0092B-C50C-407E-A947-70E740481C1C}">
+                <a14:useLocalDpi xmlns:a14="http://schemas.microsoft.com/office/drawing/2010/main" val="0"/>
+              </a:ext>
+            </a:extLst>
+          </a:blip>
+          <a:srcRect/>
+          <a:stretch>
+            <a:fillRect/>
+          </a:stretch>
+        </p:blipFill>
+        <p:spPr bwMode="auto">
+          <a:xfrm>
+            <a:off x="2935635" y="1752600"/>
+            <a:ext cx="6320730" cy="3626895"/>
+          </a:xfrm>
+          <a:prstGeom prst="rect">
+            <a:avLst/>
+          </a:prstGeom>
+          <a:noFill/>
+          <a:ln>
+            <a:solidFill>
+              <a:schemeClr val="accent1"/>
+            </a:solidFill>
+          </a:ln>
+          <a:extLst>
+            <a:ext uri="{909E8E84-426E-40DD-AFC4-6F175D3DCCD1}">
+              <a14:hiddenFill xmlns:a14="http://schemas.microsoft.com/office/drawing/2010/main">
+                <a:solidFill>
+                  <a:srgbClr val="FFFFFF"/>
+                </a:solidFill>
+              </a14:hiddenFill>
+            </a:ext>
+          </a:extLst>
+        </p:spPr>
+      </p:pic>
+    </p:spTree>
+    <p:extLst>
+      <p:ext uri="{BB962C8B-B14F-4D97-AF65-F5344CB8AC3E}">
+        <p14:creationId xmlns:p14="http://schemas.microsoft.com/office/powerpoint/2010/main" val="118184237"/>
+      </p:ext>
+    </p:extLst>
+  </p:cSld>
+  <p:clrMapOvr>
+    <a:masterClrMapping/>
+  </p:clrMapOvr>
+  <mc:AlternateContent xmlns:mc="http://schemas.openxmlformats.org/markup-compatibility/2006" xmlns:p14="http://schemas.microsoft.com/office/powerpoint/2010/main">
+    <mc:Choice Requires="p14">
+      <p:transition spd="med" p14:dur="700">
+        <p:fade/>
+      </p:transition>
+    </mc:Choice>
+    <mc:Fallback xmlns="">
+      <p:transition spd="med">
+        <p:fade/>
+      </p:transition>
+    </mc:Fallback>
+  </mc:AlternateContent>
+</p:sld>
+</file>
+
+<file path=ppt/slides/slide33.xml><?xml version="1.0" encoding="utf-8"?>
+<p:sld xmlns:a="http://schemas.openxmlformats.org/drawingml/2006/main" xmlns:r="http://schemas.openxmlformats.org/officeDocument/2006/relationships" xmlns:p="http://schemas.openxmlformats.org/presentationml/2006/main">
+  <p:cSld>
+    <p:spTree>
+      <p:nvGrpSpPr>
+        <p:cNvPr id="1" name=""/>
+        <p:cNvGrpSpPr/>
+        <p:nvPr/>
+      </p:nvGrpSpPr>
+      <p:grpSpPr>
+        <a:xfrm>
+          <a:off x="0" y="0"/>
+          <a:ext cx="0" cy="0"/>
+          <a:chOff x="0" y="0"/>
+          <a:chExt cx="0" cy="0"/>
+        </a:xfrm>
+      </p:grpSpPr>
+      <p:sp>
+        <p:nvSpPr>
+          <p:cNvPr id="13" name="Title 12"/>
+          <p:cNvSpPr>
+            <a:spLocks noGrp="1"/>
+          </p:cNvSpPr>
+          <p:nvPr>
+            <p:ph type="title"/>
+          </p:nvPr>
+        </p:nvSpPr>
+        <p:spPr/>
+        <p:txBody>
+          <a:bodyPr anchor="t">
+            <a:normAutofit/>
+          </a:bodyPr>
+          <a:lstStyle/>
+          <a:p>
+            <a:r>
+              <a:rPr lang="en-US" dirty="0"/>
+              <a:t>Deadlock Meme</a:t>
+            </a:r>
+          </a:p>
+        </p:txBody>
+      </p:sp>
+      <p:pic>
+        <p:nvPicPr>
+          <p:cNvPr id="7172" name="Picture 4" descr="https://i.imgflip.com/1eulxp.jpg"/>
+          <p:cNvPicPr>
+            <a:picLocks noChangeAspect="1" noChangeArrowheads="1"/>
+          </p:cNvPicPr>
+          <p:nvPr/>
+        </p:nvPicPr>
+        <p:blipFill>
+          <a:blip r:embed="rId3">
+            <a:extLst>
+              <a:ext uri="{28A0092B-C50C-407E-A947-70E740481C1C}">
+                <a14:useLocalDpi xmlns:a14="http://schemas.microsoft.com/office/drawing/2010/main" val="0"/>
+              </a:ext>
+            </a:extLst>
+          </a:blip>
+          <a:srcRect/>
+          <a:stretch>
+            <a:fillRect/>
+          </a:stretch>
+        </p:blipFill>
+        <p:spPr bwMode="auto">
+          <a:xfrm>
+            <a:off x="3506400" y="1267200"/>
+            <a:ext cx="5179535" cy="5011200"/>
+          </a:xfrm>
+          <a:prstGeom prst="rect">
+            <a:avLst/>
+          </a:prstGeom>
+          <a:noFill/>
+          <a:ln>
+            <a:solidFill>
+              <a:schemeClr val="accent1"/>
+            </a:solidFill>
+          </a:ln>
+          <a:extLst>
+            <a:ext uri="{909E8E84-426E-40DD-AFC4-6F175D3DCCD1}">
+              <a14:hiddenFill xmlns:a14="http://schemas.microsoft.com/office/drawing/2010/main">
+                <a:solidFill>
+                  <a:srgbClr val="FFFFFF"/>
+                </a:solidFill>
+              </a14:hiddenFill>
+            </a:ext>
+          </a:extLst>
+        </p:spPr>
+      </p:pic>
+    </p:spTree>
+    <p:extLst>
+      <p:ext uri="{BB962C8B-B14F-4D97-AF65-F5344CB8AC3E}">
+        <p14:creationId xmlns:p14="http://schemas.microsoft.com/office/powerpoint/2010/main" val="2351673736"/>
+      </p:ext>
+    </p:extLst>
+  </p:cSld>
+  <p:clrMapOvr>
+    <a:masterClrMapping/>
+  </p:clrMapOvr>
+  <mc:AlternateContent xmlns:mc="http://schemas.openxmlformats.org/markup-compatibility/2006" xmlns:p14="http://schemas.microsoft.com/office/powerpoint/2010/main">
+    <mc:Choice Requires="p14">
+      <p:transition spd="med" p14:dur="700">
+        <p:fade/>
+      </p:transition>
+    </mc:Choice>
+    <mc:Fallback xmlns="">
+      <p:transition spd="med">
+        <p:fade/>
+      </p:transition>
+    </mc:Fallback>
+  </mc:AlternateContent>
+</p:sld>
+</file>
+
+<file path=ppt/slides/slide34.xml><?xml version="1.0" encoding="utf-8"?>
+<p:sld xmlns:a="http://schemas.openxmlformats.org/drawingml/2006/main" xmlns:r="http://schemas.openxmlformats.org/officeDocument/2006/relationships" xmlns:p="http://schemas.openxmlformats.org/presentationml/2006/main">
+  <p:cSld>
+    <p:spTree>
+      <p:nvGrpSpPr>
+        <p:cNvPr id="1" name=""/>
+        <p:cNvGrpSpPr/>
+        <p:nvPr/>
+      </p:nvGrpSpPr>
+      <p:grpSpPr>
+        <a:xfrm>
+          <a:off x="0" y="0"/>
+          <a:ext cx="0" cy="0"/>
+          <a:chOff x="0" y="0"/>
+          <a:chExt cx="0" cy="0"/>
+        </a:xfrm>
+      </p:grpSpPr>
+      <p:sp>
+        <p:nvSpPr>
+          <p:cNvPr id="13" name="Title 12"/>
+          <p:cNvSpPr>
+            <a:spLocks noGrp="1"/>
+          </p:cNvSpPr>
+          <p:nvPr>
+            <p:ph type="title"/>
+          </p:nvPr>
+        </p:nvSpPr>
+        <p:spPr/>
+        <p:txBody>
+          <a:bodyPr anchor="t">
+            <a:normAutofit/>
+          </a:bodyPr>
+          <a:lstStyle/>
+          <a:p>
+            <a:r>
+              <a:rPr lang="en-US" dirty="0"/>
+              <a:t>Deadlock Meme</a:t>
+            </a:r>
+          </a:p>
+        </p:txBody>
+      </p:sp>
+      <p:pic>
+        <p:nvPicPr>
+          <p:cNvPr id="7170" name="Picture 2" descr="https://i.imgflip.com/1eulqt.jpg"/>
+          <p:cNvPicPr>
+            <a:picLocks noChangeAspect="1" noChangeArrowheads="1"/>
+          </p:cNvPicPr>
+          <p:nvPr/>
+        </p:nvPicPr>
+        <p:blipFill>
+          <a:blip r:embed="rId3">
+            <a:extLst>
+              <a:ext uri="{28A0092B-C50C-407E-A947-70E740481C1C}">
+                <a14:useLocalDpi xmlns:a14="http://schemas.microsoft.com/office/drawing/2010/main" val="0"/>
+              </a:ext>
+            </a:extLst>
+          </a:blip>
+          <a:srcRect/>
+          <a:stretch>
+            <a:fillRect/>
+          </a:stretch>
+        </p:blipFill>
+        <p:spPr bwMode="auto">
+          <a:xfrm>
+            <a:off x="3506109" y="1268760"/>
+            <a:ext cx="5179783" cy="5011440"/>
+          </a:xfrm>
+          <a:prstGeom prst="rect">
+            <a:avLst/>
+          </a:prstGeom>
+          <a:noFill/>
+          <a:ln>
+            <a:solidFill>
+              <a:schemeClr val="accent1"/>
+            </a:solidFill>
+          </a:ln>
+          <a:extLst>
+            <a:ext uri="{909E8E84-426E-40DD-AFC4-6F175D3DCCD1}">
+              <a14:hiddenFill xmlns:a14="http://schemas.microsoft.com/office/drawing/2010/main">
+                <a:solidFill>
+                  <a:srgbClr val="FFFFFF"/>
+                </a:solidFill>
+              </a14:hiddenFill>
+            </a:ext>
+          </a:extLst>
+        </p:spPr>
+      </p:pic>
+    </p:spTree>
+    <p:extLst>
+      <p:ext uri="{BB962C8B-B14F-4D97-AF65-F5344CB8AC3E}">
+        <p14:creationId xmlns:p14="http://schemas.microsoft.com/office/powerpoint/2010/main" val="1546639905"/>
+      </p:ext>
+    </p:extLst>
+  </p:cSld>
+  <p:clrMapOvr>
+    <a:masterClrMapping/>
+  </p:clrMapOvr>
+  <mc:AlternateContent xmlns:mc="http://schemas.openxmlformats.org/markup-compatibility/2006" xmlns:p14="http://schemas.microsoft.com/office/powerpoint/2010/main">
+    <mc:Choice Requires="p14">
+      <p:transition spd="med" p14:dur="700">
+        <p:fade/>
+      </p:transition>
+    </mc:Choice>
+    <mc:Fallback xmlns="">
+      <p:transition spd="med">
+        <p:fade/>
+      </p:transition>
+    </mc:Fallback>
+  </mc:AlternateContent>
+</p:sld>
+</file>
+
+<file path=ppt/slides/slide35.xml><?xml version="1.0" encoding="utf-8"?>
+<p:sld xmlns:a="http://schemas.openxmlformats.org/drawingml/2006/main" xmlns:r="http://schemas.openxmlformats.org/officeDocument/2006/relationships" xmlns:p="http://schemas.openxmlformats.org/presentationml/2006/main">
+  <p:cSld>
+    <p:spTree>
+      <p:nvGrpSpPr>
+        <p:cNvPr id="1" name=""/>
+        <p:cNvGrpSpPr/>
+        <p:nvPr/>
+      </p:nvGrpSpPr>
+      <p:grpSpPr>
+        <a:xfrm>
+          <a:off x="0" y="0"/>
+          <a:ext cx="0" cy="0"/>
+          <a:chOff x="0" y="0"/>
+          <a:chExt cx="0" cy="0"/>
+        </a:xfrm>
+      </p:grpSpPr>
+      <p:sp>
+        <p:nvSpPr>
+          <p:cNvPr id="13" name="Title 12"/>
+          <p:cNvSpPr>
+            <a:spLocks noGrp="1"/>
+          </p:cNvSpPr>
+          <p:nvPr>
+            <p:ph type="title"/>
+          </p:nvPr>
+        </p:nvSpPr>
+        <p:spPr/>
+        <p:txBody>
+          <a:bodyPr anchor="t">
+            <a:normAutofit/>
+          </a:bodyPr>
+          <a:lstStyle/>
+          <a:p>
+            <a:r>
+              <a:rPr lang="en-US" dirty="0"/>
+              <a:t>Deadlock Meme</a:t>
+            </a:r>
+          </a:p>
+        </p:txBody>
+      </p:sp>
+      <p:pic>
+        <p:nvPicPr>
+          <p:cNvPr id="9218" name="Picture 2" descr="https://i.imgflip.com/1eum9y.jpg"/>
+          <p:cNvPicPr>
+            <a:picLocks noChangeAspect="1" noChangeArrowheads="1"/>
+          </p:cNvPicPr>
+          <p:nvPr/>
+        </p:nvPicPr>
+        <p:blipFill>
+          <a:blip r:embed="rId3">
+            <a:extLst>
+              <a:ext uri="{28A0092B-C50C-407E-A947-70E740481C1C}">
+                <a14:useLocalDpi xmlns:a14="http://schemas.microsoft.com/office/drawing/2010/main" val="0"/>
+              </a:ext>
+            </a:extLst>
+          </a:blip>
+          <a:srcRect/>
+          <a:stretch>
+            <a:fillRect/>
+          </a:stretch>
+        </p:blipFill>
+        <p:spPr bwMode="auto">
+          <a:xfrm>
+            <a:off x="3506400" y="1267200"/>
+            <a:ext cx="5179535" cy="5011200"/>
+          </a:xfrm>
+          <a:prstGeom prst="rect">
+            <a:avLst/>
+          </a:prstGeom>
+          <a:noFill/>
+          <a:ln>
+            <a:solidFill>
+              <a:schemeClr val="accent1"/>
+            </a:solidFill>
+          </a:ln>
+          <a:extLst>
+            <a:ext uri="{909E8E84-426E-40DD-AFC4-6F175D3DCCD1}">
+              <a14:hiddenFill xmlns:a14="http://schemas.microsoft.com/office/drawing/2010/main">
+                <a:solidFill>
+                  <a:srgbClr val="FFFFFF"/>
+                </a:solidFill>
+              </a14:hiddenFill>
+            </a:ext>
+          </a:extLst>
+        </p:spPr>
+      </p:pic>
+    </p:spTree>
+    <p:extLst>
+      <p:ext uri="{BB962C8B-B14F-4D97-AF65-F5344CB8AC3E}">
+        <p14:creationId xmlns:p14="http://schemas.microsoft.com/office/powerpoint/2010/main" val="3016117138"/>
+      </p:ext>
+    </p:extLst>
+  </p:cSld>
+  <p:clrMapOvr>
+    <a:masterClrMapping/>
+  </p:clrMapOvr>
+  <mc:AlternateContent xmlns:mc="http://schemas.openxmlformats.org/markup-compatibility/2006" xmlns:p14="http://schemas.microsoft.com/office/powerpoint/2010/main">
+    <mc:Choice Requires="p14">
+      <p:transition spd="med" p14:dur="700">
+        <p:fade/>
+      </p:transition>
+    </mc:Choice>
+    <mc:Fallback xmlns="">
+      <p:transition spd="med">
+        <p:fade/>
+      </p:transition>
+    </mc:Fallback>
+  </mc:AlternateContent>
+</p:sld>
+</file>
+
+<file path=ppt/slides/slide36.xml><?xml version="1.0" encoding="utf-8"?>
+<p:sld xmlns:a="http://schemas.openxmlformats.org/drawingml/2006/main" xmlns:r="http://schemas.openxmlformats.org/officeDocument/2006/relationships" xmlns:p="http://schemas.openxmlformats.org/presentationml/2006/main">
+  <p:cSld>
+    <p:spTree>
+      <p:nvGrpSpPr>
+        <p:cNvPr id="1" name=""/>
+        <p:cNvGrpSpPr/>
+        <p:nvPr/>
+      </p:nvGrpSpPr>
+      <p:grpSpPr>
+        <a:xfrm>
+          <a:off x="0" y="0"/>
+          <a:ext cx="0" cy="0"/>
+          <a:chOff x="0" y="0"/>
+          <a:chExt cx="0" cy="0"/>
+        </a:xfrm>
+      </p:grpSpPr>
+      <p:sp>
+        <p:nvSpPr>
+          <p:cNvPr id="4" name="Title 3"/>
+          <p:cNvSpPr>
+            <a:spLocks noGrp="1"/>
+          </p:cNvSpPr>
+          <p:nvPr>
+            <p:ph type="title"/>
+          </p:nvPr>
+        </p:nvSpPr>
+        <p:spPr/>
+        <p:txBody>
+          <a:bodyPr/>
+          <a:lstStyle/>
+          <a:p>
+            <a:r>
+              <a:rPr lang="en-GB" dirty="0"/>
+              <a:t>Appendix</a:t>
+            </a:r>
+          </a:p>
+        </p:txBody>
+      </p:sp>
+    </p:spTree>
+    <p:extLst>
+      <p:ext uri="{BB962C8B-B14F-4D97-AF65-F5344CB8AC3E}">
+        <p14:creationId xmlns:p14="http://schemas.microsoft.com/office/powerpoint/2010/main" val="1255273533"/>
+      </p:ext>
+    </p:extLst>
+  </p:cSld>
+  <p:clrMapOvr>
+    <a:masterClrMapping/>
+  </p:clrMapOvr>
+  <mc:AlternateContent xmlns:mc="http://schemas.openxmlformats.org/markup-compatibility/2006" xmlns:p14="http://schemas.microsoft.com/office/powerpoint/2010/main">
+    <mc:Choice Requires="p14">
+      <p:transition spd="med" p14:dur="700">
+        <p:fade/>
+      </p:transition>
+    </mc:Choice>
+    <mc:Fallback xmlns="">
+      <p:transition spd="med">
+        <p:fade/>
+      </p:transition>
+    </mc:Fallback>
+  </mc:AlternateContent>
+</p:sld>
+</file>
+
+<file path=ppt/slides/slide37.xml><?xml version="1.0" encoding="utf-8"?>
+<p:sld xmlns:a="http://schemas.openxmlformats.org/drawingml/2006/main" xmlns:r="http://schemas.openxmlformats.org/officeDocument/2006/relationships" xmlns:p="http://schemas.openxmlformats.org/presentationml/2006/main">
+  <p:cSld>
+    <p:spTree>
+      <p:nvGrpSpPr>
+        <p:cNvPr id="1" name=""/>
+        <p:cNvGrpSpPr/>
+        <p:nvPr/>
+      </p:nvGrpSpPr>
+      <p:grpSpPr>
+        <a:xfrm>
+          <a:off x="0" y="0"/>
+          <a:ext cx="0" cy="0"/>
+          <a:chOff x="0" y="0"/>
+          <a:chExt cx="0" cy="0"/>
+        </a:xfrm>
+      </p:grpSpPr>
+      <p:sp>
+        <p:nvSpPr>
+          <p:cNvPr id="13" name="Title 12"/>
+          <p:cNvSpPr>
+            <a:spLocks noGrp="1"/>
+          </p:cNvSpPr>
+          <p:nvPr>
+            <p:ph type="title"/>
+          </p:nvPr>
+        </p:nvSpPr>
+        <p:spPr/>
+        <p:txBody>
+          <a:bodyPr anchor="t"/>
+          <a:lstStyle/>
+          <a:p>
+            <a:r>
+              <a:rPr lang="en-US" dirty="0"/>
+              <a:t>Async method GC impact</a:t>
+            </a:r>
+          </a:p>
+        </p:txBody>
+      </p:sp>
+      <p:sp>
+        <p:nvSpPr>
+          <p:cNvPr id="14" name="Content Placeholder 13"/>
+          <p:cNvSpPr>
+            <a:spLocks noGrp="1"/>
+          </p:cNvSpPr>
+          <p:nvPr>
+            <p:ph idx="1"/>
+          </p:nvPr>
+        </p:nvSpPr>
+        <p:spPr>
+          <a:xfrm>
+            <a:off x="2135560" y="1844824"/>
+            <a:ext cx="8640960" cy="4248472"/>
+          </a:xfrm>
+        </p:spPr>
+        <p:txBody>
+          <a:bodyPr anchor="t">
+            <a:normAutofit/>
+          </a:bodyPr>
+          <a:lstStyle/>
+          <a:p>
+            <a:r>
+              <a:rPr lang="en-US" dirty="0"/>
+              <a:t>3 allocations for every Async method</a:t>
+            </a:r>
+          </a:p>
+          <a:p>
+            <a:pPr lvl="1"/>
+            <a:r>
+              <a:rPr lang="en-US" dirty="0"/>
+              <a:t>Heap-allocated state machine</a:t>
+            </a:r>
+          </a:p>
+          <a:p>
+            <a:pPr lvl="2"/>
+            <a:r>
+              <a:rPr lang="en-US" dirty="0"/>
+              <a:t>With a field for every local variable in your method</a:t>
+            </a:r>
+          </a:p>
+          <a:p>
+            <a:pPr lvl="1"/>
+            <a:r>
+              <a:rPr lang="en-US" dirty="0"/>
+              <a:t>Completion delegate</a:t>
+            </a:r>
+          </a:p>
+          <a:p>
+            <a:pPr lvl="1"/>
+            <a:r>
+              <a:rPr lang="en-US" dirty="0"/>
+              <a:t>Task</a:t>
+            </a:r>
+            <a:endParaRPr lang="en-US" sz="1600" dirty="0">
+              <a:solidFill>
+                <a:schemeClr val="accent1"/>
+              </a:solidFill>
+              <a:latin typeface="Arial Narrow" panose="020B0606020202030204" pitchFamily="34" charset="0"/>
+            </a:endParaRPr>
+          </a:p>
+        </p:txBody>
+      </p:sp>
+    </p:spTree>
+    <p:extLst>
+      <p:ext uri="{BB962C8B-B14F-4D97-AF65-F5344CB8AC3E}">
+        <p14:creationId xmlns:p14="http://schemas.microsoft.com/office/powerpoint/2010/main" val="789624704"/>
+      </p:ext>
+    </p:extLst>
+  </p:cSld>
+  <p:clrMapOvr>
+    <a:masterClrMapping/>
+  </p:clrMapOvr>
+  <mc:AlternateContent xmlns:mc="http://schemas.openxmlformats.org/markup-compatibility/2006" xmlns:p14="http://schemas.microsoft.com/office/powerpoint/2010/main">
+    <mc:Choice Requires="p14">
+      <p:transition spd="med" p14:dur="700">
+        <p:fade/>
+      </p:transition>
+    </mc:Choice>
+    <mc:Fallback xmlns="">
+      <p:transition spd="med">
+        <p:fade/>
+      </p:transition>
+    </mc:Fallback>
+  </mc:AlternateContent>
+</p:sld>
+</file>
+
+<file path=ppt/slides/slide38.xml><?xml version="1.0" encoding="utf-8"?>
+<p:sld xmlns:a="http://schemas.openxmlformats.org/drawingml/2006/main" xmlns:r="http://schemas.openxmlformats.org/officeDocument/2006/relationships" xmlns:p="http://schemas.openxmlformats.org/presentationml/2006/main">
+  <p:cSld>
+    <p:spTree>
+      <p:nvGrpSpPr>
+        <p:cNvPr id="1" name=""/>
+        <p:cNvGrpSpPr/>
+        <p:nvPr/>
+      </p:nvGrpSpPr>
+      <p:grpSpPr>
+        <a:xfrm>
+          <a:off x="0" y="0"/>
+          <a:ext cx="0" cy="0"/>
+          <a:chOff x="0" y="0"/>
+          <a:chExt cx="0" cy="0"/>
+        </a:xfrm>
+      </p:grpSpPr>
+      <p:sp>
+        <p:nvSpPr>
+          <p:cNvPr id="13" name="Title 12"/>
+          <p:cNvSpPr>
+            <a:spLocks noGrp="1"/>
+          </p:cNvSpPr>
+          <p:nvPr>
+            <p:ph type="title"/>
+          </p:nvPr>
+        </p:nvSpPr>
+        <p:spPr/>
+        <p:txBody>
           <a:bodyPr anchor="t"/>
           <a:lstStyle/>
           <a:p>
@@ -16067,7 +17659,7 @@
 </p:sld>
 </file>
 
-<file path=ppt/slides/slide32.xml><?xml version="1.0" encoding="utf-8"?>
+<file path=ppt/slides/slide39.xml><?xml version="1.0" encoding="utf-8"?>
 <p:sld xmlns:a="http://schemas.openxmlformats.org/drawingml/2006/main" xmlns:r="http://schemas.openxmlformats.org/officeDocument/2006/relationships" xmlns:p="http://schemas.openxmlformats.org/presentationml/2006/main">
   <p:cSld>
     <p:spTree>
@@ -16156,7 +17748,199 @@
 </p:sld>
 </file>
 
-<file path=ppt/slides/slide33.xml><?xml version="1.0" encoding="utf-8"?>
+<file path=ppt/slides/slide4.xml><?xml version="1.0" encoding="utf-8"?>
+<p:sld xmlns:a="http://schemas.openxmlformats.org/drawingml/2006/main" xmlns:r="http://schemas.openxmlformats.org/officeDocument/2006/relationships" xmlns:p="http://schemas.openxmlformats.org/presentationml/2006/main">
+  <p:cSld>
+    <p:spTree>
+      <p:nvGrpSpPr>
+        <p:cNvPr id="1" name=""/>
+        <p:cNvGrpSpPr/>
+        <p:nvPr/>
+      </p:nvGrpSpPr>
+      <p:grpSpPr>
+        <a:xfrm>
+          <a:off x="0" y="0"/>
+          <a:ext cx="0" cy="0"/>
+          <a:chOff x="0" y="0"/>
+          <a:chExt cx="0" cy="0"/>
+        </a:xfrm>
+      </p:grpSpPr>
+      <p:grpSp>
+        <p:nvGrpSpPr>
+          <p:cNvPr id="6" name="Group 5"/>
+          <p:cNvGrpSpPr/>
+          <p:nvPr/>
+        </p:nvGrpSpPr>
+        <p:grpSpPr>
+          <a:xfrm>
+            <a:off x="1415480" y="1066800"/>
+            <a:ext cx="9361040" cy="5437627"/>
+            <a:chOff x="1415480" y="1066800"/>
+            <a:chExt cx="9361040" cy="5437627"/>
+          </a:xfrm>
+        </p:grpSpPr>
+        <p:pic>
+          <p:nvPicPr>
+            <p:cNvPr id="4" name="Picture 3"/>
+            <p:cNvPicPr>
+              <a:picLocks noChangeAspect="1"/>
+            </p:cNvPicPr>
+            <p:nvPr/>
+          </p:nvPicPr>
+          <p:blipFill rotWithShape="1">
+            <a:blip r:embed="rId2"/>
+            <a:srcRect l="1506" t="11264" r="14126" b="1835"/>
+            <a:stretch/>
+          </p:blipFill>
+          <p:spPr>
+            <a:xfrm>
+              <a:off x="1415480" y="1066800"/>
+              <a:ext cx="9361040" cy="5437627"/>
+            </a:xfrm>
+            <a:prstGeom prst="rect">
+              <a:avLst/>
+            </a:prstGeom>
+            <a:noFill/>
+            <a:ln>
+              <a:solidFill>
+                <a:schemeClr val="accent1"/>
+              </a:solidFill>
+            </a:ln>
+          </p:spPr>
+        </p:pic>
+        <p:sp>
+          <p:nvSpPr>
+            <p:cNvPr id="5" name="Rectangle 4"/>
+            <p:cNvSpPr/>
+            <p:nvPr/>
+          </p:nvSpPr>
+          <p:spPr>
+            <a:xfrm>
+              <a:off x="1919536" y="5877272"/>
+              <a:ext cx="792088" cy="560320"/>
+            </a:xfrm>
+            <a:prstGeom prst="rect">
+              <a:avLst/>
+            </a:prstGeom>
+            <a:solidFill>
+              <a:schemeClr val="bg1"/>
+            </a:solidFill>
+            <a:ln>
+              <a:solidFill>
+                <a:schemeClr val="bg1"/>
+              </a:solidFill>
+            </a:ln>
+          </p:spPr>
+          <p:style>
+            <a:lnRef idx="2">
+              <a:schemeClr val="accent1">
+                <a:shade val="50000"/>
+              </a:schemeClr>
+            </a:lnRef>
+            <a:fillRef idx="1">
+              <a:schemeClr val="accent1"/>
+            </a:fillRef>
+            <a:effectRef idx="0">
+              <a:schemeClr val="accent1"/>
+            </a:effectRef>
+            <a:fontRef idx="minor">
+              <a:schemeClr val="lt1"/>
+            </a:fontRef>
+          </p:style>
+          <p:txBody>
+            <a:bodyPr rtlCol="0" anchor="ctr"/>
+            <a:lstStyle/>
+            <a:p>
+              <a:pPr algn="ctr"/>
+              <a:endParaRPr lang="fr-FR"/>
+            </a:p>
+          </p:txBody>
+        </p:sp>
+      </p:grpSp>
+      <p:sp>
+        <p:nvSpPr>
+          <p:cNvPr id="13" name="Title 12"/>
+          <p:cNvSpPr>
+            <a:spLocks noGrp="1"/>
+          </p:cNvSpPr>
+          <p:nvPr>
+            <p:ph type="title"/>
+          </p:nvPr>
+        </p:nvSpPr>
+        <p:spPr/>
+        <p:txBody>
+          <a:bodyPr anchor="t"/>
+          <a:lstStyle/>
+          <a:p>
+            <a:r>
+              <a:rPr lang="en-US" dirty="0"/>
+              <a:t>Let’s start with A question…</a:t>
+            </a:r>
+          </a:p>
+        </p:txBody>
+      </p:sp>
+      <p:sp>
+        <p:nvSpPr>
+          <p:cNvPr id="14" name="Content Placeholder 13"/>
+          <p:cNvSpPr>
+            <a:spLocks noGrp="1"/>
+          </p:cNvSpPr>
+          <p:nvPr>
+            <p:ph idx="1"/>
+          </p:nvPr>
+        </p:nvSpPr>
+        <p:spPr>
+          <a:xfrm>
+            <a:off x="4652319" y="5944107"/>
+            <a:ext cx="6006340" cy="581237"/>
+          </a:xfrm>
+        </p:spPr>
+        <p:txBody>
+          <a:bodyPr anchor="ctr">
+            <a:normAutofit/>
+          </a:bodyPr>
+          <a:lstStyle/>
+          <a:p>
+            <a:pPr marL="0" indent="0" algn="r">
+              <a:buNone/>
+            </a:pPr>
+            <a:r>
+              <a:rPr lang="en-US" sz="2200" dirty="0">
+                <a:solidFill>
+                  <a:schemeClr val="accent1"/>
+                </a:solidFill>
+              </a:rPr>
+              <a:t>Q: What happens line 24,  when await occurs?</a:t>
+            </a:r>
+          </a:p>
+        </p:txBody>
+      </p:sp>
+    </p:spTree>
+    <p:extLst>
+      <p:ext uri="{BB962C8B-B14F-4D97-AF65-F5344CB8AC3E}">
+        <p14:creationId xmlns:p14="http://schemas.microsoft.com/office/powerpoint/2010/main" val="2339834365"/>
+      </p:ext>
+    </p:extLst>
+  </p:cSld>
+  <p:clrMapOvr>
+    <a:masterClrMapping/>
+  </p:clrMapOvr>
+  <mc:AlternateContent xmlns:mc="http://schemas.openxmlformats.org/markup-compatibility/2006" xmlns:p14="http://schemas.microsoft.com/office/powerpoint/2010/main">
+    <mc:Choice Requires="p14">
+      <p:transition spd="med" p14:dur="700">
+        <p:fade/>
+      </p:transition>
+    </mc:Choice>
+    <mc:Fallback xmlns="">
+      <p:transition spd="med">
+        <p:fade/>
+      </p:transition>
+    </mc:Fallback>
+  </mc:AlternateContent>
+</p:sld>
+</file>
+
+<file path=ppt/slides/slide40.xml><?xml version="1.0" encoding="utf-8"?>
 <p:sld xmlns:a="http://schemas.openxmlformats.org/drawingml/2006/main" xmlns:r="http://schemas.openxmlformats.org/officeDocument/2006/relationships" xmlns:p="http://schemas.openxmlformats.org/presentationml/2006/main">
   <p:cSld>
     <p:spTree>
@@ -16505,7 +18289,7 @@
 </p:sld>
 </file>
 
-<file path=ppt/slides/slide34.xml><?xml version="1.0" encoding="utf-8"?>
+<file path=ppt/slides/slide41.xml><?xml version="1.0" encoding="utf-8"?>
 <p:sld xmlns:a="http://schemas.openxmlformats.org/drawingml/2006/main" xmlns:r="http://schemas.openxmlformats.org/officeDocument/2006/relationships" xmlns:p="http://schemas.openxmlformats.org/presentationml/2006/main">
   <p:cSld>
     <p:spTree>
@@ -16594,7 +18378,7 @@
 </p:sld>
 </file>
 
-<file path=ppt/slides/slide35.xml><?xml version="1.0" encoding="utf-8"?>
+<file path=ppt/slides/slide42.xml><?xml version="1.0" encoding="utf-8"?>
 <p:sld xmlns:a="http://schemas.openxmlformats.org/drawingml/2006/main" xmlns:r="http://schemas.openxmlformats.org/officeDocument/2006/relationships" xmlns:p="http://schemas.openxmlformats.org/presentationml/2006/main">
   <p:cSld>
     <p:spTree>
@@ -16677,7 +18461,7 @@
 </p:sld>
 </file>
 
-<file path=ppt/slides/slide36.xml><?xml version="1.0" encoding="utf-8"?>
+<file path=ppt/slides/slide43.xml><?xml version="1.0" encoding="utf-8"?>
 <p:sld xmlns:a="http://schemas.openxmlformats.org/drawingml/2006/main" xmlns:r="http://schemas.openxmlformats.org/officeDocument/2006/relationships" xmlns:p="http://schemas.openxmlformats.org/presentationml/2006/main">
   <p:cSld>
     <p:spTree>
@@ -16817,7 +18601,7 @@
 </p:sld>
 </file>
 
-<file path=ppt/slides/slide37.xml><?xml version="1.0" encoding="utf-8"?>
+<file path=ppt/slides/slide44.xml><?xml version="1.0" encoding="utf-8"?>
 <p:sld xmlns:a="http://schemas.openxmlformats.org/drawingml/2006/main" xmlns:r="http://schemas.openxmlformats.org/officeDocument/2006/relationships" xmlns:p="http://schemas.openxmlformats.org/presentationml/2006/main">
   <p:cSld>
     <p:spTree>
@@ -16881,7 +18665,7 @@
 </p:sld>
 </file>
 
-<file path=ppt/slides/slide38.xml><?xml version="1.0" encoding="utf-8"?>
+<file path=ppt/slides/slide45.xml><?xml version="1.0" encoding="utf-8"?>
 <p:sld xmlns:a="http://schemas.openxmlformats.org/drawingml/2006/main" xmlns:r="http://schemas.openxmlformats.org/officeDocument/2006/relationships" xmlns:p="http://schemas.openxmlformats.org/presentationml/2006/main">
   <p:cSld>
     <p:spTree>
@@ -16923,7 +18707,7 @@
 </p:sld>
 </file>
 
-<file path=ppt/slides/slide39.xml><?xml version="1.0" encoding="utf-8"?>
+<file path=ppt/slides/slide46.xml><?xml version="1.0" encoding="utf-8"?>
 <p:sld xmlns:a="http://schemas.openxmlformats.org/drawingml/2006/main" xmlns:r="http://schemas.openxmlformats.org/officeDocument/2006/relationships" xmlns:p="http://schemas.openxmlformats.org/presentationml/2006/main">
   <p:cSld>
     <p:spTree>
@@ -17025,199 +18809,7 @@
 </p:sld>
 </file>
 
-<file path=ppt/slides/slide4.xml><?xml version="1.0" encoding="utf-8"?>
-<p:sld xmlns:a="http://schemas.openxmlformats.org/drawingml/2006/main" xmlns:r="http://schemas.openxmlformats.org/officeDocument/2006/relationships" xmlns:p="http://schemas.openxmlformats.org/presentationml/2006/main">
-  <p:cSld>
-    <p:spTree>
-      <p:nvGrpSpPr>
-        <p:cNvPr id="1" name=""/>
-        <p:cNvGrpSpPr/>
-        <p:nvPr/>
-      </p:nvGrpSpPr>
-      <p:grpSpPr>
-        <a:xfrm>
-          <a:off x="0" y="0"/>
-          <a:ext cx="0" cy="0"/>
-          <a:chOff x="0" y="0"/>
-          <a:chExt cx="0" cy="0"/>
-        </a:xfrm>
-      </p:grpSpPr>
-      <p:grpSp>
-        <p:nvGrpSpPr>
-          <p:cNvPr id="6" name="Group 5"/>
-          <p:cNvGrpSpPr/>
-          <p:nvPr/>
-        </p:nvGrpSpPr>
-        <p:grpSpPr>
-          <a:xfrm>
-            <a:off x="1415480" y="1066800"/>
-            <a:ext cx="9361040" cy="5437627"/>
-            <a:chOff x="1415480" y="1066800"/>
-            <a:chExt cx="9361040" cy="5437627"/>
-          </a:xfrm>
-        </p:grpSpPr>
-        <p:pic>
-          <p:nvPicPr>
-            <p:cNvPr id="4" name="Picture 3"/>
-            <p:cNvPicPr>
-              <a:picLocks noChangeAspect="1"/>
-            </p:cNvPicPr>
-            <p:nvPr/>
-          </p:nvPicPr>
-          <p:blipFill rotWithShape="1">
-            <a:blip r:embed="rId2"/>
-            <a:srcRect l="1506" t="11264" r="14126" b="1835"/>
-            <a:stretch/>
-          </p:blipFill>
-          <p:spPr>
-            <a:xfrm>
-              <a:off x="1415480" y="1066800"/>
-              <a:ext cx="9361040" cy="5437627"/>
-            </a:xfrm>
-            <a:prstGeom prst="rect">
-              <a:avLst/>
-            </a:prstGeom>
-            <a:noFill/>
-            <a:ln>
-              <a:solidFill>
-                <a:schemeClr val="accent1"/>
-              </a:solidFill>
-            </a:ln>
-          </p:spPr>
-        </p:pic>
-        <p:sp>
-          <p:nvSpPr>
-            <p:cNvPr id="5" name="Rectangle 4"/>
-            <p:cNvSpPr/>
-            <p:nvPr/>
-          </p:nvSpPr>
-          <p:spPr>
-            <a:xfrm>
-              <a:off x="1919536" y="5877272"/>
-              <a:ext cx="792088" cy="560320"/>
-            </a:xfrm>
-            <a:prstGeom prst="rect">
-              <a:avLst/>
-            </a:prstGeom>
-            <a:solidFill>
-              <a:schemeClr val="bg1"/>
-            </a:solidFill>
-            <a:ln>
-              <a:solidFill>
-                <a:schemeClr val="bg1"/>
-              </a:solidFill>
-            </a:ln>
-          </p:spPr>
-          <p:style>
-            <a:lnRef idx="2">
-              <a:schemeClr val="accent1">
-                <a:shade val="50000"/>
-              </a:schemeClr>
-            </a:lnRef>
-            <a:fillRef idx="1">
-              <a:schemeClr val="accent1"/>
-            </a:fillRef>
-            <a:effectRef idx="0">
-              <a:schemeClr val="accent1"/>
-            </a:effectRef>
-            <a:fontRef idx="minor">
-              <a:schemeClr val="lt1"/>
-            </a:fontRef>
-          </p:style>
-          <p:txBody>
-            <a:bodyPr rtlCol="0" anchor="ctr"/>
-            <a:lstStyle/>
-            <a:p>
-              <a:pPr algn="ctr"/>
-              <a:endParaRPr lang="fr-FR"/>
-            </a:p>
-          </p:txBody>
-        </p:sp>
-      </p:grpSp>
-      <p:sp>
-        <p:nvSpPr>
-          <p:cNvPr id="13" name="Title 12"/>
-          <p:cNvSpPr>
-            <a:spLocks noGrp="1"/>
-          </p:cNvSpPr>
-          <p:nvPr>
-            <p:ph type="title"/>
-          </p:nvPr>
-        </p:nvSpPr>
-        <p:spPr/>
-        <p:txBody>
-          <a:bodyPr anchor="t"/>
-          <a:lstStyle/>
-          <a:p>
-            <a:r>
-              <a:rPr lang="en-US" dirty="0"/>
-              <a:t>Let’s start with A question…</a:t>
-            </a:r>
-          </a:p>
-        </p:txBody>
-      </p:sp>
-      <p:sp>
-        <p:nvSpPr>
-          <p:cNvPr id="14" name="Content Placeholder 13"/>
-          <p:cNvSpPr>
-            <a:spLocks noGrp="1"/>
-          </p:cNvSpPr>
-          <p:nvPr>
-            <p:ph idx="1"/>
-          </p:nvPr>
-        </p:nvSpPr>
-        <p:spPr>
-          <a:xfrm>
-            <a:off x="4652319" y="5944107"/>
-            <a:ext cx="6006340" cy="581237"/>
-          </a:xfrm>
-        </p:spPr>
-        <p:txBody>
-          <a:bodyPr anchor="ctr">
-            <a:normAutofit/>
-          </a:bodyPr>
-          <a:lstStyle/>
-          <a:p>
-            <a:pPr marL="0" indent="0" algn="r">
-              <a:buNone/>
-            </a:pPr>
-            <a:r>
-              <a:rPr lang="en-US" sz="2200" dirty="0">
-                <a:solidFill>
-                  <a:schemeClr val="accent1"/>
-                </a:solidFill>
-              </a:rPr>
-              <a:t>Q: What happens line 24,  when await occurs?</a:t>
-            </a:r>
-          </a:p>
-        </p:txBody>
-      </p:sp>
-    </p:spTree>
-    <p:extLst>
-      <p:ext uri="{BB962C8B-B14F-4D97-AF65-F5344CB8AC3E}">
-        <p14:creationId xmlns:p14="http://schemas.microsoft.com/office/powerpoint/2010/main" val="2339834365"/>
-      </p:ext>
-    </p:extLst>
-  </p:cSld>
-  <p:clrMapOvr>
-    <a:masterClrMapping/>
-  </p:clrMapOvr>
-  <mc:AlternateContent xmlns:mc="http://schemas.openxmlformats.org/markup-compatibility/2006" xmlns:p14="http://schemas.microsoft.com/office/powerpoint/2010/main">
-    <mc:Choice Requires="p14">
-      <p:transition spd="med" p14:dur="700">
-        <p:fade/>
-      </p:transition>
-    </mc:Choice>
-    <mc:Fallback xmlns="">
-      <p:transition spd="med">
-        <p:fade/>
-      </p:transition>
-    </mc:Fallback>
-  </mc:AlternateContent>
-</p:sld>
-</file>
-
-<file path=ppt/slides/slide40.xml><?xml version="1.0" encoding="utf-8"?>
+<file path=ppt/slides/slide47.xml><?xml version="1.0" encoding="utf-8"?>
 <p:sld xmlns:a="http://schemas.openxmlformats.org/drawingml/2006/main" xmlns:r="http://schemas.openxmlformats.org/officeDocument/2006/relationships" xmlns:p="http://schemas.openxmlformats.org/presentationml/2006/main">
   <p:cSld>
     <p:spTree>
@@ -17439,42 +19031,6 @@
             <a:r>
               <a:rPr lang="en-US" dirty="0"/>
               <a:t>Let’s start with A question…</a:t>
-            </a:r>
-          </a:p>
-        </p:txBody>
-      </p:sp>
-      <p:sp>
-        <p:nvSpPr>
-          <p:cNvPr id="14" name="Content Placeholder 13"/>
-          <p:cNvSpPr>
-            <a:spLocks noGrp="1"/>
-          </p:cNvSpPr>
-          <p:nvPr>
-            <p:ph idx="1"/>
-          </p:nvPr>
-        </p:nvSpPr>
-        <p:spPr>
-          <a:xfrm>
-            <a:off x="4652319" y="5944107"/>
-            <a:ext cx="6006340" cy="581237"/>
-          </a:xfrm>
-        </p:spPr>
-        <p:txBody>
-          <a:bodyPr anchor="ctr">
-            <a:normAutofit/>
-          </a:bodyPr>
-          <a:lstStyle/>
-          <a:p>
-            <a:pPr marL="0" indent="0" algn="r">
-              <a:buNone/>
-            </a:pPr>
-            <a:r>
-              <a:rPr lang="en-US" sz="2200" dirty="0">
-                <a:solidFill>
-                  <a:schemeClr val="accent1"/>
-                </a:solidFill>
-              </a:rPr>
-              <a:t>Q: What happens line 24,  when await occurs?</a:t>
             </a:r>
           </a:p>
         </p:txBody>
@@ -17712,49 +19268,13 @@
       </p:sp>
       <p:sp>
         <p:nvSpPr>
-          <p:cNvPr id="14" name="Content Placeholder 13"/>
-          <p:cNvSpPr>
-            <a:spLocks noGrp="1"/>
-          </p:cNvSpPr>
-          <p:nvPr>
-            <p:ph idx="1"/>
-          </p:nvPr>
-        </p:nvSpPr>
-        <p:spPr>
-          <a:xfrm>
-            <a:off x="4652319" y="5944107"/>
-            <a:ext cx="6006340" cy="581237"/>
-          </a:xfrm>
-        </p:spPr>
-        <p:txBody>
-          <a:bodyPr anchor="ctr">
-            <a:normAutofit/>
-          </a:bodyPr>
-          <a:lstStyle/>
-          <a:p>
-            <a:pPr marL="0" indent="0" algn="r">
-              <a:buNone/>
-            </a:pPr>
-            <a:r>
-              <a:rPr lang="en-US" sz="2200" dirty="0">
-                <a:solidFill>
-                  <a:schemeClr val="accent1"/>
-                </a:solidFill>
-              </a:rPr>
-              <a:t>Q: What happens line 24,  when await occurs?</a:t>
-            </a:r>
-          </a:p>
-        </p:txBody>
-      </p:sp>
-      <p:sp>
-        <p:nvSpPr>
           <p:cNvPr id="7" name="Arrow: Right 6"/>
           <p:cNvSpPr/>
           <p:nvPr/>
         </p:nvSpPr>
         <p:spPr>
           <a:xfrm>
-            <a:off x="2423592" y="3528000"/>
+            <a:off x="2423592" y="3076161"/>
             <a:ext cx="324000" cy="280831"/>
           </a:xfrm>
           <a:prstGeom prst="rightArrow">
@@ -17824,7 +19344,7 @@
     </p:spTree>
     <p:extLst>
       <p:ext uri="{BB962C8B-B14F-4D97-AF65-F5344CB8AC3E}">
-        <p14:creationId xmlns:p14="http://schemas.microsoft.com/office/powerpoint/2010/main" val="736748935"/>
+        <p14:creationId xmlns:p14="http://schemas.microsoft.com/office/powerpoint/2010/main" val="1315550813"/>
       </p:ext>
     </p:extLst>
   </p:cSld>
@@ -17979,49 +19499,13 @@
       </p:sp>
       <p:sp>
         <p:nvSpPr>
-          <p:cNvPr id="14" name="Content Placeholder 13"/>
-          <p:cNvSpPr>
-            <a:spLocks noGrp="1"/>
-          </p:cNvSpPr>
-          <p:nvPr>
-            <p:ph idx="1"/>
-          </p:nvPr>
-        </p:nvSpPr>
-        <p:spPr>
-          <a:xfrm>
-            <a:off x="4652319" y="5944107"/>
-            <a:ext cx="6006340" cy="581237"/>
-          </a:xfrm>
-        </p:spPr>
-        <p:txBody>
-          <a:bodyPr anchor="ctr">
-            <a:normAutofit/>
-          </a:bodyPr>
-          <a:lstStyle/>
-          <a:p>
-            <a:pPr marL="0" indent="0" algn="r">
-              <a:buNone/>
-            </a:pPr>
-            <a:r>
-              <a:rPr lang="en-US" sz="2200" dirty="0">
-                <a:solidFill>
-                  <a:schemeClr val="accent1"/>
-                </a:solidFill>
-              </a:rPr>
-              <a:t>Q: What happens line 24,  when await occurs?</a:t>
-            </a:r>
-          </a:p>
-        </p:txBody>
-      </p:sp>
-      <p:sp>
-        <p:nvSpPr>
           <p:cNvPr id="7" name="Arrow: Right 6"/>
           <p:cNvSpPr/>
           <p:nvPr/>
         </p:nvSpPr>
         <p:spPr>
           <a:xfrm>
-            <a:off x="2423592" y="5256000"/>
+            <a:off x="2423592" y="3528000"/>
             <a:ext cx="324000" cy="280831"/>
           </a:xfrm>
           <a:prstGeom prst="rightArrow">
@@ -18091,7 +19575,7 @@
     </p:spTree>
     <p:extLst>
       <p:ext uri="{BB962C8B-B14F-4D97-AF65-F5344CB8AC3E}">
-        <p14:creationId xmlns:p14="http://schemas.microsoft.com/office/powerpoint/2010/main" val="615572151"/>
+        <p14:creationId xmlns:p14="http://schemas.microsoft.com/office/powerpoint/2010/main" val="736748935"/>
       </p:ext>
     </p:extLst>
   </p:cSld>
@@ -18246,63 +19730,24 @@
       </p:sp>
       <p:sp>
         <p:nvSpPr>
-          <p:cNvPr id="14" name="Content Placeholder 13"/>
-          <p:cNvSpPr>
-            <a:spLocks noGrp="1"/>
-          </p:cNvSpPr>
-          <p:nvPr>
-            <p:ph idx="1"/>
-          </p:nvPr>
-        </p:nvSpPr>
-        <p:spPr>
-          <a:xfrm>
-            <a:off x="4652319" y="5944107"/>
-            <a:ext cx="6006340" cy="581237"/>
-          </a:xfrm>
-        </p:spPr>
-        <p:txBody>
-          <a:bodyPr anchor="ctr">
-            <a:normAutofit/>
-          </a:bodyPr>
-          <a:lstStyle/>
-          <a:p>
-            <a:pPr marL="0" indent="0" algn="r">
-              <a:buNone/>
-            </a:pPr>
-            <a:r>
-              <a:rPr lang="en-US" sz="2200" dirty="0">
-                <a:solidFill>
-                  <a:schemeClr val="accent1"/>
-                </a:solidFill>
-              </a:rPr>
-              <a:t>Q: What happens line 24,  when await occurs?</a:t>
-            </a:r>
-          </a:p>
-        </p:txBody>
-      </p:sp>
-      <p:sp>
-        <p:nvSpPr>
           <p:cNvPr id="7" name="Arrow: Right 6"/>
           <p:cNvSpPr/>
           <p:nvPr/>
         </p:nvSpPr>
         <p:spPr>
           <a:xfrm>
-            <a:off x="2891680" y="5292000"/>
+            <a:off x="2423592" y="4797152"/>
             <a:ext cx="324000" cy="280831"/>
           </a:xfrm>
           <a:prstGeom prst="rightArrow">
             <a:avLst/>
           </a:prstGeom>
           <a:solidFill>
-            <a:schemeClr val="accent2">
-              <a:lumMod val="60000"/>
-              <a:lumOff val="40000"/>
-            </a:schemeClr>
+            <a:srgbClr val="FFFF00"/>
           </a:solidFill>
           <a:ln>
             <a:solidFill>
-              <a:srgbClr val="00B050"/>
+              <a:srgbClr val="FFC000"/>
             </a:solidFill>
           </a:ln>
         </p:spPr>
@@ -18358,62 +19803,10 @@
           </a:ln>
         </p:spPr>
       </p:pic>
-      <p:pic>
-        <p:nvPicPr>
-          <p:cNvPr id="1028" name="Picture 4" descr="Afficher l'image d'origine"/>
-          <p:cNvPicPr>
-            <a:picLocks noChangeAspect="1" noChangeArrowheads="1"/>
-          </p:cNvPicPr>
-          <p:nvPr/>
-        </p:nvPicPr>
-        <p:blipFill>
-          <a:blip r:embed="rId4" cstate="print">
-            <a:clrChange>
-              <a:clrFrom>
-                <a:srgbClr val="FFFFFF"/>
-              </a:clrFrom>
-              <a:clrTo>
-                <a:srgbClr val="FFFFFF">
-                  <a:alpha val="0"/>
-                </a:srgbClr>
-              </a:clrTo>
-            </a:clrChange>
-            <a:lum bright="70000" contrast="-70000"/>
-            <a:extLst>
-              <a:ext uri="{28A0092B-C50C-407E-A947-70E740481C1C}">
-                <a14:useLocalDpi xmlns:a14="http://schemas.microsoft.com/office/drawing/2010/main" val="0"/>
-              </a:ext>
-            </a:extLst>
-          </a:blip>
-          <a:srcRect/>
-          <a:stretch>
-            <a:fillRect/>
-          </a:stretch>
-        </p:blipFill>
-        <p:spPr bwMode="auto">
-          <a:xfrm>
-            <a:off x="2495600" y="5274000"/>
-            <a:ext cx="288032" cy="288032"/>
-          </a:xfrm>
-          <a:prstGeom prst="rect">
-            <a:avLst/>
-          </a:prstGeom>
-          <a:noFill/>
-          <a:extLst>
-            <a:ext uri="{909E8E84-426E-40DD-AFC4-6F175D3DCCD1}">
-              <a14:hiddenFill xmlns:a14="http://schemas.microsoft.com/office/drawing/2010/main">
-                <a:solidFill>
-                  <a:srgbClr val="FFFFFF"/>
-                </a:solidFill>
-              </a14:hiddenFill>
-            </a:ext>
-          </a:extLst>
-        </p:spPr>
-      </p:pic>
     </p:spTree>
     <p:extLst>
       <p:ext uri="{BB962C8B-B14F-4D97-AF65-F5344CB8AC3E}">
-        <p14:creationId xmlns:p14="http://schemas.microsoft.com/office/powerpoint/2010/main" val="4023432389"/>
+        <p14:creationId xmlns:p14="http://schemas.microsoft.com/office/powerpoint/2010/main" val="615572151"/>
       </p:ext>
     </p:extLst>
   </p:cSld>
@@ -18568,49 +19961,13 @@
       </p:sp>
       <p:sp>
         <p:nvSpPr>
-          <p:cNvPr id="14" name="Content Placeholder 13"/>
-          <p:cNvSpPr>
-            <a:spLocks noGrp="1"/>
-          </p:cNvSpPr>
-          <p:nvPr>
-            <p:ph idx="1"/>
-          </p:nvPr>
-        </p:nvSpPr>
-        <p:spPr>
-          <a:xfrm>
-            <a:off x="4652319" y="5944107"/>
-            <a:ext cx="6006340" cy="581237"/>
-          </a:xfrm>
-        </p:spPr>
-        <p:txBody>
-          <a:bodyPr anchor="ctr">
-            <a:normAutofit/>
-          </a:bodyPr>
-          <a:lstStyle/>
-          <a:p>
-            <a:pPr marL="0" indent="0" algn="r">
-              <a:buNone/>
-            </a:pPr>
-            <a:r>
-              <a:rPr lang="en-US" sz="2200" dirty="0">
-                <a:solidFill>
-                  <a:schemeClr val="accent1"/>
-                </a:solidFill>
-              </a:rPr>
-              <a:t>Q: What happens line 24,  when await occurs?</a:t>
-            </a:r>
-          </a:p>
-        </p:txBody>
-      </p:sp>
-      <p:sp>
-        <p:nvSpPr>
           <p:cNvPr id="7" name="Arrow: Right 6"/>
           <p:cNvSpPr/>
           <p:nvPr/>
         </p:nvSpPr>
         <p:spPr>
           <a:xfrm>
-            <a:off x="2423592" y="3573016"/>
+            <a:off x="2423592" y="5256000"/>
             <a:ext cx="324000" cy="280831"/>
           </a:xfrm>
           <a:prstGeom prst="rightArrow">
@@ -18677,113 +20034,10 @@
           </a:ln>
         </p:spPr>
       </p:pic>
-      <p:sp>
-        <p:nvSpPr>
-          <p:cNvPr id="11" name="Arrow: Right 10"/>
-          <p:cNvSpPr/>
-          <p:nvPr/>
-        </p:nvSpPr>
-        <p:spPr>
-          <a:xfrm>
-            <a:off x="2891680" y="5292000"/>
-            <a:ext cx="324000" cy="280831"/>
-          </a:xfrm>
-          <a:prstGeom prst="rightArrow">
-            <a:avLst/>
-          </a:prstGeom>
-          <a:solidFill>
-            <a:schemeClr val="accent2">
-              <a:lumMod val="60000"/>
-              <a:lumOff val="40000"/>
-            </a:schemeClr>
-          </a:solidFill>
-          <a:ln>
-            <a:solidFill>
-              <a:srgbClr val="00B050"/>
-            </a:solidFill>
-          </a:ln>
-        </p:spPr>
-        <p:style>
-          <a:lnRef idx="2">
-            <a:schemeClr val="accent1">
-              <a:shade val="50000"/>
-            </a:schemeClr>
-          </a:lnRef>
-          <a:fillRef idx="1">
-            <a:schemeClr val="accent1"/>
-          </a:fillRef>
-          <a:effectRef idx="0">
-            <a:schemeClr val="accent1"/>
-          </a:effectRef>
-          <a:fontRef idx="minor">
-            <a:schemeClr val="lt1"/>
-          </a:fontRef>
-        </p:style>
-        <p:txBody>
-          <a:bodyPr rtlCol="0" anchor="ctr"/>
-          <a:lstStyle/>
-          <a:p>
-            <a:pPr algn="ctr"/>
-            <a:endParaRPr lang="fr-FR"/>
-          </a:p>
-        </p:txBody>
-      </p:sp>
-      <p:pic>
-        <p:nvPicPr>
-          <p:cNvPr id="12" name="Picture 4" descr="Afficher l'image d'origine"/>
-          <p:cNvPicPr>
-            <a:picLocks noChangeAspect="1" noChangeArrowheads="1"/>
-          </p:cNvPicPr>
-          <p:nvPr/>
-        </p:nvPicPr>
-        <p:blipFill>
-          <a:blip r:embed="rId4" cstate="print">
-            <a:clrChange>
-              <a:clrFrom>
-                <a:srgbClr val="FFFFFF"/>
-              </a:clrFrom>
-              <a:clrTo>
-                <a:srgbClr val="FFFFFF">
-                  <a:alpha val="0"/>
-                </a:srgbClr>
-              </a:clrTo>
-            </a:clrChange>
-            <a:lum bright="70000" contrast="-70000"/>
-            <a:extLst>
-              <a:ext uri="{28A0092B-C50C-407E-A947-70E740481C1C}">
-                <a14:useLocalDpi xmlns:a14="http://schemas.microsoft.com/office/drawing/2010/main" val="0"/>
-              </a:ext>
-            </a:extLst>
-          </a:blip>
-          <a:srcRect/>
-          <a:stretch>
-            <a:fillRect/>
-          </a:stretch>
-        </p:blipFill>
-        <p:spPr bwMode="auto">
-          <a:xfrm>
-            <a:off x="2495600" y="5274000"/>
-            <a:ext cx="288032" cy="288032"/>
-          </a:xfrm>
-          <a:prstGeom prst="rect">
-            <a:avLst/>
-          </a:prstGeom>
-          <a:noFill/>
-          <a:extLst>
-            <a:ext uri="{909E8E84-426E-40DD-AFC4-6F175D3DCCD1}">
-              <a14:hiddenFill xmlns:a14="http://schemas.microsoft.com/office/drawing/2010/main">
-                <a:solidFill>
-                  <a:srgbClr val="FFFFFF"/>
-                </a:solidFill>
-              </a14:hiddenFill>
-            </a:ext>
-          </a:extLst>
-        </p:spPr>
-      </p:pic>
     </p:spTree>
     <p:extLst>
       <p:ext uri="{BB962C8B-B14F-4D97-AF65-F5344CB8AC3E}">
-        <p14:creationId xmlns:p14="http://schemas.microsoft.com/office/powerpoint/2010/main" val="1879403580"/>
+        <p14:creationId xmlns:p14="http://schemas.microsoft.com/office/powerpoint/2010/main" val="1122969333"/>
       </p:ext>
     </p:extLst>
   </p:cSld>
@@ -19585,6 +20839,15 @@
 </file>
 
 <file path=customXml/item1.xml><?xml version="1.0" encoding="utf-8"?>
+<?mso-contentType ?>
+<FormTemplates xmlns="http://schemas.microsoft.com/sharepoint/v3/contenttype/forms">
+  <Display>DocumentLibraryForm</Display>
+  <Edit>AssetEditForm</Edit>
+  <New>DocumentLibraryForm</New>
+</FormTemplates>
+</file>
+
+<file path=customXml/item2.xml><?xml version="1.0" encoding="utf-8"?>
 <ct:contentTypeSchema xmlns:ct="http://schemas.microsoft.com/office/2006/metadata/contentType" xmlns:ma="http://schemas.microsoft.com/office/2006/metadata/properties/metaAttributes" ct:_="" ma:_="" ma:contentTypeName="TemplateFile" ma:contentTypeID="0x0101006EDDDB5EE6D98C44930B742096920B300400F5B6D36B3EF94B4E9A635CDF2A18F5B8" ma:contentTypeVersion="72" ma:contentTypeDescription="Create a new document." ma:contentTypeScope="" ma:versionID="a23e56308344d904b51738559c3d67c9">
   <xsd:schema xmlns:xsd="http://www.w3.org/2001/XMLSchema" xmlns:xs="http://www.w3.org/2001/XMLSchema" xmlns:p="http://schemas.microsoft.com/office/2006/metadata/properties" xmlns:ns2="4873beb7-5857-4685-be1f-d57550cc96cc" targetNamespace="http://schemas.microsoft.com/office/2006/metadata/properties" ma:root="true" ma:fieldsID="cd0908cc4600e77bf5da051303e00c8d" ns2:_="">
     <xsd:import namespace="4873beb7-5857-4685-be1f-d57550cc96cc"/>
@@ -20624,15 +21887,6 @@
 </ct:contentTypeSchema>
 </file>
 
-<file path=customXml/item2.xml><?xml version="1.0" encoding="utf-8"?>
-<?mso-contentType ?>
-<FormTemplates xmlns="http://schemas.microsoft.com/sharepoint/v3/contenttype/forms">
-  <Display>DocumentLibraryForm</Display>
-  <Edit>AssetEditForm</Edit>
-  <New>DocumentLibraryForm</New>
-</FormTemplates>
-</file>
-
 <file path=customXml/item3.xml><?xml version="1.0" encoding="utf-8"?>
 <p:properties xmlns:p="http://schemas.microsoft.com/office/2006/metadata/properties" xmlns:xsi="http://www.w3.org/2001/XMLSchema-instance" xmlns:pc="http://schemas.microsoft.com/office/infopath/2007/PartnerControls">
   <documentManagement>
@@ -20761,6 +22015,14 @@
 </file>
 
 <file path=customXml/itemProps1.xml><?xml version="1.0" encoding="utf-8"?>
+<ds:datastoreItem xmlns:ds="http://schemas.openxmlformats.org/officeDocument/2006/customXml" ds:itemID="{74228E6B-D70C-44BB-A81F-A245495F612B}">
+  <ds:schemaRefs>
+    <ds:schemaRef ds:uri="http://schemas.microsoft.com/sharepoint/v3/contenttype/forms"/>
+  </ds:schemaRefs>
+</ds:datastoreItem>
+</file>
+
+<file path=customXml/itemProps2.xml><?xml version="1.0" encoding="utf-8"?>
 <ds:datastoreItem xmlns:ds="http://schemas.openxmlformats.org/officeDocument/2006/customXml" ds:itemID="{22CCB507-0646-4A50-A4F7-7F385079D589}">
   <ds:schemaRefs>
     <ds:schemaRef ds:uri="http://schemas.microsoft.com/office/2006/metadata/contentType"/>
@@ -20774,14 +22036,6 @@
     <ds:schemaRef ds:uri="http://purl.org/dc/elements/1.1/"/>
     <ds:schemaRef ds:uri="http://purl.org/dc/terms/"/>
     <ds:schemaRef ds:uri="http://schemas.microsoft.com/internal/obd"/>
-  </ds:schemaRefs>
-</ds:datastoreItem>
-</file>
-
-<file path=customXml/itemProps2.xml><?xml version="1.0" encoding="utf-8"?>
-<ds:datastoreItem xmlns:ds="http://schemas.openxmlformats.org/officeDocument/2006/customXml" ds:itemID="{74228E6B-D70C-44BB-A81F-A245495F612B}">
-  <ds:schemaRefs>
-    <ds:schemaRef ds:uri="http://schemas.microsoft.com/sharepoint/v3/contenttype/forms"/>
   </ds:schemaRefs>
 </ds:datastoreItem>
 </file>

--- a/AsyncAwait...ohWait.pptx
+++ b/AsyncAwait...ohWait.pptx
@@ -5,10 +5,10 @@
     <p:sldMasterId id="2147483648" r:id="rId4"/>
   </p:sldMasterIdLst>
   <p:notesMasterIdLst>
-    <p:notesMasterId r:id="rId52"/>
+    <p:notesMasterId r:id="rId55"/>
   </p:notesMasterIdLst>
   <p:handoutMasterIdLst>
-    <p:handoutMasterId r:id="rId53"/>
+    <p:handoutMasterId r:id="rId56"/>
   </p:handoutMasterIdLst>
   <p:sldIdLst>
     <p:sldId id="265" r:id="rId5"/>
@@ -16,53 +16,56 @@
     <p:sldId id="348" r:id="rId7"/>
     <p:sldId id="322" r:id="rId8"/>
     <p:sldId id="347" r:id="rId9"/>
-    <p:sldId id="352" r:id="rId10"/>
-    <p:sldId id="333" r:id="rId11"/>
-    <p:sldId id="334" r:id="rId12"/>
-    <p:sldId id="353" r:id="rId13"/>
-    <p:sldId id="349" r:id="rId14"/>
-    <p:sldId id="335" r:id="rId15"/>
-    <p:sldId id="354" r:id="rId16"/>
-    <p:sldId id="355" r:id="rId17"/>
-    <p:sldId id="336" r:id="rId18"/>
-    <p:sldId id="337" r:id="rId19"/>
-    <p:sldId id="345" r:id="rId20"/>
-    <p:sldId id="351" r:id="rId21"/>
-    <p:sldId id="350" r:id="rId22"/>
-    <p:sldId id="338" r:id="rId23"/>
-    <p:sldId id="339" r:id="rId24"/>
-    <p:sldId id="340" r:id="rId25"/>
-    <p:sldId id="341" r:id="rId26"/>
-    <p:sldId id="346" r:id="rId27"/>
-    <p:sldId id="343" r:id="rId28"/>
-    <p:sldId id="356" r:id="rId29"/>
-    <p:sldId id="357" r:id="rId30"/>
-    <p:sldId id="329" r:id="rId31"/>
-    <p:sldId id="358" r:id="rId32"/>
-    <p:sldId id="330" r:id="rId33"/>
-    <p:sldId id="323" r:id="rId34"/>
-    <p:sldId id="321" r:id="rId35"/>
-    <p:sldId id="324" r:id="rId36"/>
-    <p:sldId id="327" r:id="rId37"/>
-    <p:sldId id="325" r:id="rId38"/>
-    <p:sldId id="326" r:id="rId39"/>
-    <p:sldId id="331" r:id="rId40"/>
-    <p:sldId id="328" r:id="rId41"/>
-    <p:sldId id="332" r:id="rId42"/>
-    <p:sldId id="311" r:id="rId43"/>
-    <p:sldId id="313" r:id="rId44"/>
-    <p:sldId id="312" r:id="rId45"/>
-    <p:sldId id="314" r:id="rId46"/>
-    <p:sldId id="315" r:id="rId47"/>
-    <p:sldId id="316" r:id="rId48"/>
-    <p:sldId id="317" r:id="rId49"/>
-    <p:sldId id="318" r:id="rId50"/>
-    <p:sldId id="319" r:id="rId51"/>
+    <p:sldId id="359" r:id="rId10"/>
+    <p:sldId id="352" r:id="rId11"/>
+    <p:sldId id="333" r:id="rId12"/>
+    <p:sldId id="334" r:id="rId13"/>
+    <p:sldId id="353" r:id="rId14"/>
+    <p:sldId id="349" r:id="rId15"/>
+    <p:sldId id="335" r:id="rId16"/>
+    <p:sldId id="354" r:id="rId17"/>
+    <p:sldId id="355" r:id="rId18"/>
+    <p:sldId id="336" r:id="rId19"/>
+    <p:sldId id="337" r:id="rId20"/>
+    <p:sldId id="345" r:id="rId21"/>
+    <p:sldId id="351" r:id="rId22"/>
+    <p:sldId id="350" r:id="rId23"/>
+    <p:sldId id="338" r:id="rId24"/>
+    <p:sldId id="339" r:id="rId25"/>
+    <p:sldId id="340" r:id="rId26"/>
+    <p:sldId id="341" r:id="rId27"/>
+    <p:sldId id="346" r:id="rId28"/>
+    <p:sldId id="343" r:id="rId29"/>
+    <p:sldId id="356" r:id="rId30"/>
+    <p:sldId id="357" r:id="rId31"/>
+    <p:sldId id="329" r:id="rId32"/>
+    <p:sldId id="358" r:id="rId33"/>
+    <p:sldId id="330" r:id="rId34"/>
+    <p:sldId id="323" r:id="rId35"/>
+    <p:sldId id="321" r:id="rId36"/>
+    <p:sldId id="360" r:id="rId37"/>
+    <p:sldId id="361" r:id="rId38"/>
+    <p:sldId id="324" r:id="rId39"/>
+    <p:sldId id="327" r:id="rId40"/>
+    <p:sldId id="325" r:id="rId41"/>
+    <p:sldId id="326" r:id="rId42"/>
+    <p:sldId id="331" r:id="rId43"/>
+    <p:sldId id="328" r:id="rId44"/>
+    <p:sldId id="332" r:id="rId45"/>
+    <p:sldId id="311" r:id="rId46"/>
+    <p:sldId id="313" r:id="rId47"/>
+    <p:sldId id="312" r:id="rId48"/>
+    <p:sldId id="314" r:id="rId49"/>
+    <p:sldId id="315" r:id="rId50"/>
+    <p:sldId id="316" r:id="rId51"/>
+    <p:sldId id="317" r:id="rId52"/>
+    <p:sldId id="318" r:id="rId53"/>
+    <p:sldId id="319" r:id="rId54"/>
   </p:sldIdLst>
   <p:sldSz cx="12192000" cy="6858000"/>
   <p:notesSz cx="6858000" cy="9144000"/>
   <p:custDataLst>
-    <p:tags r:id="rId54"/>
+    <p:tags r:id="rId57"/>
   </p:custDataLst>
   <p:defaultTextStyle>
     <a:defPPr>
@@ -5222,11 +5225,7 @@
             </a:r>
             <a:r>
               <a:rPr lang="fr-FR"/>
-              <a:t>: </a:t>
-            </a:r>
-            <a:r>
-              <a:rPr lang="fr-FR"/>
-              <a:t>http://images.martechadvisor.com/images/uploads/content_images/cbc928ab5eb5e7f00676992442650b40.jpg</a:t>
+              <a:t>: http://images.martechadvisor.com/images/uploads/content_images/cbc928ab5eb5e7f00676992442650b40.jpg</a:t>
             </a:r>
             <a:endParaRPr lang="fr-FR" dirty="0"/>
           </a:p>
@@ -5249,7 +5248,7 @@
           <a:p>
             <a:fld id="{F93199CD-3E1B-4AE6-990F-76F925F5EA9F}" type="slidenum">
               <a:rPr lang="fr-FR" smtClean="0"/>
-              <a:t>26</a:t>
+              <a:t>27</a:t>
             </a:fld>
             <a:endParaRPr lang="fr-FR"/>
           </a:p>
@@ -5340,7 +5339,7 @@
           <a:p>
             <a:fld id="{F93199CD-3E1B-4AE6-990F-76F925F5EA9F}" type="slidenum">
               <a:rPr lang="fr-FR" smtClean="0"/>
-              <a:t>29</a:t>
+              <a:t>30</a:t>
             </a:fld>
             <a:endParaRPr lang="fr-FR"/>
           </a:p>
@@ -5431,7 +5430,7 @@
           <a:p>
             <a:fld id="{F93199CD-3E1B-4AE6-990F-76F925F5EA9F}" type="slidenum">
               <a:rPr lang="fr-FR" smtClean="0"/>
-              <a:t>31</a:t>
+              <a:t>32</a:t>
             </a:fld>
             <a:endParaRPr lang="fr-FR"/>
           </a:p>
@@ -5451,6 +5450,218 @@
 </file>
 
 <file path=ppt/notesSlides/notesSlide4.xml><?xml version="1.0" encoding="utf-8"?>
+<p:notes xmlns:a="http://schemas.openxmlformats.org/drawingml/2006/main" xmlns:r="http://schemas.openxmlformats.org/officeDocument/2006/relationships" xmlns:p="http://schemas.openxmlformats.org/presentationml/2006/main">
+  <p:cSld>
+    <p:spTree>
+      <p:nvGrpSpPr>
+        <p:cNvPr id="1" name=""/>
+        <p:cNvGrpSpPr/>
+        <p:nvPr/>
+      </p:nvGrpSpPr>
+      <p:grpSpPr>
+        <a:xfrm>
+          <a:off x="0" y="0"/>
+          <a:ext cx="0" cy="0"/>
+          <a:chOff x="0" y="0"/>
+          <a:chExt cx="0" cy="0"/>
+        </a:xfrm>
+      </p:grpSpPr>
+      <p:sp>
+        <p:nvSpPr>
+          <p:cNvPr id="2" name="Slide Image Placeholder 1"/>
+          <p:cNvSpPr>
+            <a:spLocks noGrp="1" noRot="1" noChangeAspect="1"/>
+          </p:cNvSpPr>
+          <p:nvPr>
+            <p:ph type="sldImg"/>
+          </p:nvPr>
+        </p:nvSpPr>
+        <p:spPr/>
+      </p:sp>
+      <p:sp>
+        <p:nvSpPr>
+          <p:cNvPr id="3" name="Notes Placeholder 2"/>
+          <p:cNvSpPr>
+            <a:spLocks noGrp="1"/>
+          </p:cNvSpPr>
+          <p:nvPr>
+            <p:ph type="body" idx="1"/>
+          </p:nvPr>
+        </p:nvSpPr>
+        <p:spPr/>
+        <p:txBody>
+          <a:bodyPr/>
+          <a:lstStyle/>
+          <a:p>
+            <a:r>
+              <a:rPr lang="fr-FR" dirty="0" err="1"/>
+              <a:t>Refs</a:t>
+            </a:r>
+            <a:r>
+              <a:rPr lang="fr-FR" dirty="0"/>
+              <a:t> :</a:t>
+            </a:r>
+            <a:r>
+              <a:rPr lang="fr-FR" baseline="0" dirty="0"/>
+              <a:t> </a:t>
+            </a:r>
+          </a:p>
+          <a:p>
+            <a:r>
+              <a:rPr lang="fr-FR" baseline="0" dirty="0"/>
+              <a:t>- https://cdn3.iconfinder.com/data/icons/basic-mobile-part-3/512/prisoner-512.png</a:t>
+            </a:r>
+          </a:p>
+          <a:p>
+            <a:r>
+              <a:rPr lang="fr-FR" baseline="0" dirty="0"/>
+              <a:t>- https://d30y9cdsu7xlg0.cloudfront.net/png/89995-200.png</a:t>
+            </a:r>
+          </a:p>
+          <a:p>
+            <a:endParaRPr lang="fr-FR" dirty="0"/>
+          </a:p>
+        </p:txBody>
+      </p:sp>
+      <p:sp>
+        <p:nvSpPr>
+          <p:cNvPr id="4" name="Slide Number Placeholder 3"/>
+          <p:cNvSpPr>
+            <a:spLocks noGrp="1"/>
+          </p:cNvSpPr>
+          <p:nvPr>
+            <p:ph type="sldNum" sz="quarter" idx="10"/>
+          </p:nvPr>
+        </p:nvSpPr>
+        <p:spPr/>
+        <p:txBody>
+          <a:bodyPr/>
+          <a:lstStyle/>
+          <a:p>
+            <a:fld id="{F93199CD-3E1B-4AE6-990F-76F925F5EA9F}" type="slidenum">
+              <a:rPr lang="fr-FR" smtClean="0"/>
+              <a:t>33</a:t>
+            </a:fld>
+            <a:endParaRPr lang="fr-FR"/>
+          </a:p>
+        </p:txBody>
+      </p:sp>
+    </p:spTree>
+    <p:extLst>
+      <p:ext uri="{BB962C8B-B14F-4D97-AF65-F5344CB8AC3E}">
+        <p14:creationId xmlns:p14="http://schemas.microsoft.com/office/powerpoint/2010/main" val="3054193495"/>
+      </p:ext>
+    </p:extLst>
+  </p:cSld>
+  <p:clrMapOvr>
+    <a:masterClrMapping/>
+  </p:clrMapOvr>
+</p:notes>
+</file>
+
+<file path=ppt/notesSlides/notesSlide5.xml><?xml version="1.0" encoding="utf-8"?>
+<p:notes xmlns:a="http://schemas.openxmlformats.org/drawingml/2006/main" xmlns:r="http://schemas.openxmlformats.org/officeDocument/2006/relationships" xmlns:p="http://schemas.openxmlformats.org/presentationml/2006/main">
+  <p:cSld>
+    <p:spTree>
+      <p:nvGrpSpPr>
+        <p:cNvPr id="1" name=""/>
+        <p:cNvGrpSpPr/>
+        <p:nvPr/>
+      </p:nvGrpSpPr>
+      <p:grpSpPr>
+        <a:xfrm>
+          <a:off x="0" y="0"/>
+          <a:ext cx="0" cy="0"/>
+          <a:chOff x="0" y="0"/>
+          <a:chExt cx="0" cy="0"/>
+        </a:xfrm>
+      </p:grpSpPr>
+      <p:sp>
+        <p:nvSpPr>
+          <p:cNvPr id="2" name="Slide Image Placeholder 1"/>
+          <p:cNvSpPr>
+            <a:spLocks noGrp="1" noRot="1" noChangeAspect="1"/>
+          </p:cNvSpPr>
+          <p:nvPr>
+            <p:ph type="sldImg"/>
+          </p:nvPr>
+        </p:nvSpPr>
+        <p:spPr/>
+      </p:sp>
+      <p:sp>
+        <p:nvSpPr>
+          <p:cNvPr id="3" name="Notes Placeholder 2"/>
+          <p:cNvSpPr>
+            <a:spLocks noGrp="1"/>
+          </p:cNvSpPr>
+          <p:nvPr>
+            <p:ph type="body" idx="1"/>
+          </p:nvPr>
+        </p:nvSpPr>
+        <p:spPr/>
+        <p:txBody>
+          <a:bodyPr/>
+          <a:lstStyle/>
+          <a:p>
+            <a:r>
+              <a:rPr lang="fr-FR" dirty="0" err="1"/>
+              <a:t>Ref</a:t>
+            </a:r>
+            <a:r>
+              <a:rPr lang="fr-FR" dirty="0"/>
+              <a:t> :</a:t>
+            </a:r>
+            <a:r>
+              <a:rPr lang="fr-FR" baseline="0" dirty="0"/>
+              <a:t> </a:t>
+            </a:r>
+            <a:r>
+              <a:rPr lang="fr-FR" baseline="0" dirty="0"/>
+              <a:t>https://cdn3.iconfinder.com/data/icons/basic-mobile-part-3/512/prisoner-512.png</a:t>
+            </a:r>
+          </a:p>
+          <a:p>
+            <a:endParaRPr lang="fr-FR" dirty="0"/>
+          </a:p>
+        </p:txBody>
+      </p:sp>
+      <p:sp>
+        <p:nvSpPr>
+          <p:cNvPr id="4" name="Slide Number Placeholder 3"/>
+          <p:cNvSpPr>
+            <a:spLocks noGrp="1"/>
+          </p:cNvSpPr>
+          <p:nvPr>
+            <p:ph type="sldNum" sz="quarter" idx="10"/>
+          </p:nvPr>
+        </p:nvSpPr>
+        <p:spPr/>
+        <p:txBody>
+          <a:bodyPr/>
+          <a:lstStyle/>
+          <a:p>
+            <a:fld id="{F93199CD-3E1B-4AE6-990F-76F925F5EA9F}" type="slidenum">
+              <a:rPr lang="fr-FR" smtClean="0"/>
+              <a:t>34</a:t>
+            </a:fld>
+            <a:endParaRPr lang="fr-FR"/>
+          </a:p>
+        </p:txBody>
+      </p:sp>
+    </p:spTree>
+    <p:extLst>
+      <p:ext uri="{BB962C8B-B14F-4D97-AF65-F5344CB8AC3E}">
+        <p14:creationId xmlns:p14="http://schemas.microsoft.com/office/powerpoint/2010/main" val="3190378971"/>
+      </p:ext>
+    </p:extLst>
+  </p:cSld>
+  <p:clrMapOvr>
+    <a:masterClrMapping/>
+  </p:clrMapOvr>
+</p:notes>
+</file>
+
+<file path=ppt/notesSlides/notesSlide6.xml><?xml version="1.0" encoding="utf-8"?>
 <p:notes xmlns:a="http://schemas.openxmlformats.org/drawingml/2006/main" xmlns:r="http://schemas.openxmlformats.org/officeDocument/2006/relationships" xmlns:p="http://schemas.openxmlformats.org/presentationml/2006/main">
   <p:cSld>
     <p:spTree>
@@ -5515,7 +5726,7 @@
           <a:p>
             <a:fld id="{F93199CD-3E1B-4AE6-990F-76F925F5EA9F}" type="slidenum">
               <a:rPr lang="fr-FR" smtClean="0"/>
-              <a:t>32</a:t>
+              <a:t>35</a:t>
             </a:fld>
             <a:endParaRPr lang="fr-FR"/>
           </a:p>
@@ -5525,188 +5736,6 @@
     <p:extLst>
       <p:ext uri="{BB962C8B-B14F-4D97-AF65-F5344CB8AC3E}">
         <p14:creationId xmlns:p14="http://schemas.microsoft.com/office/powerpoint/2010/main" val="3270049000"/>
-      </p:ext>
-    </p:extLst>
-  </p:cSld>
-  <p:clrMapOvr>
-    <a:masterClrMapping/>
-  </p:clrMapOvr>
-</p:notes>
-</file>
-
-<file path=ppt/notesSlides/notesSlide5.xml><?xml version="1.0" encoding="utf-8"?>
-<p:notes xmlns:a="http://schemas.openxmlformats.org/drawingml/2006/main" xmlns:r="http://schemas.openxmlformats.org/officeDocument/2006/relationships" xmlns:p="http://schemas.openxmlformats.org/presentationml/2006/main">
-  <p:cSld>
-    <p:spTree>
-      <p:nvGrpSpPr>
-        <p:cNvPr id="1" name=""/>
-        <p:cNvGrpSpPr/>
-        <p:nvPr/>
-      </p:nvGrpSpPr>
-      <p:grpSpPr>
-        <a:xfrm>
-          <a:off x="0" y="0"/>
-          <a:ext cx="0" cy="0"/>
-          <a:chOff x="0" y="0"/>
-          <a:chExt cx="0" cy="0"/>
-        </a:xfrm>
-      </p:grpSpPr>
-      <p:sp>
-        <p:nvSpPr>
-          <p:cNvPr id="2" name="Slide Image Placeholder 1"/>
-          <p:cNvSpPr>
-            <a:spLocks noGrp="1" noRot="1" noChangeAspect="1"/>
-          </p:cNvSpPr>
-          <p:nvPr>
-            <p:ph type="sldImg"/>
-          </p:nvPr>
-        </p:nvSpPr>
-        <p:spPr/>
-      </p:sp>
-      <p:sp>
-        <p:nvSpPr>
-          <p:cNvPr id="3" name="Notes Placeholder 2"/>
-          <p:cNvSpPr>
-            <a:spLocks noGrp="1"/>
-          </p:cNvSpPr>
-          <p:nvPr>
-            <p:ph type="body" idx="1"/>
-          </p:nvPr>
-        </p:nvSpPr>
-        <p:spPr/>
-        <p:txBody>
-          <a:bodyPr/>
-          <a:lstStyle/>
-          <a:p>
-            <a:r>
-              <a:rPr lang="fr-FR" dirty="0" err="1"/>
-              <a:t>Ref</a:t>
-            </a:r>
-            <a:r>
-              <a:rPr lang="fr-FR" dirty="0"/>
-              <a:t>: http://ci.memecdn.com/7869512.jpg</a:t>
-            </a:r>
-          </a:p>
-        </p:txBody>
-      </p:sp>
-      <p:sp>
-        <p:nvSpPr>
-          <p:cNvPr id="4" name="Slide Number Placeholder 3"/>
-          <p:cNvSpPr>
-            <a:spLocks noGrp="1"/>
-          </p:cNvSpPr>
-          <p:nvPr>
-            <p:ph type="sldNum" sz="quarter" idx="10"/>
-          </p:nvPr>
-        </p:nvSpPr>
-        <p:spPr/>
-        <p:txBody>
-          <a:bodyPr/>
-          <a:lstStyle/>
-          <a:p>
-            <a:fld id="{F93199CD-3E1B-4AE6-990F-76F925F5EA9F}" type="slidenum">
-              <a:rPr lang="fr-FR" smtClean="0"/>
-              <a:t>33</a:t>
-            </a:fld>
-            <a:endParaRPr lang="fr-FR"/>
-          </a:p>
-        </p:txBody>
-      </p:sp>
-    </p:spTree>
-    <p:extLst>
-      <p:ext uri="{BB962C8B-B14F-4D97-AF65-F5344CB8AC3E}">
-        <p14:creationId xmlns:p14="http://schemas.microsoft.com/office/powerpoint/2010/main" val="256620184"/>
-      </p:ext>
-    </p:extLst>
-  </p:cSld>
-  <p:clrMapOvr>
-    <a:masterClrMapping/>
-  </p:clrMapOvr>
-</p:notes>
-</file>
-
-<file path=ppt/notesSlides/notesSlide6.xml><?xml version="1.0" encoding="utf-8"?>
-<p:notes xmlns:a="http://schemas.openxmlformats.org/drawingml/2006/main" xmlns:r="http://schemas.openxmlformats.org/officeDocument/2006/relationships" xmlns:p="http://schemas.openxmlformats.org/presentationml/2006/main">
-  <p:cSld>
-    <p:spTree>
-      <p:nvGrpSpPr>
-        <p:cNvPr id="1" name=""/>
-        <p:cNvGrpSpPr/>
-        <p:nvPr/>
-      </p:nvGrpSpPr>
-      <p:grpSpPr>
-        <a:xfrm>
-          <a:off x="0" y="0"/>
-          <a:ext cx="0" cy="0"/>
-          <a:chOff x="0" y="0"/>
-          <a:chExt cx="0" cy="0"/>
-        </a:xfrm>
-      </p:grpSpPr>
-      <p:sp>
-        <p:nvSpPr>
-          <p:cNvPr id="2" name="Slide Image Placeholder 1"/>
-          <p:cNvSpPr>
-            <a:spLocks noGrp="1" noRot="1" noChangeAspect="1"/>
-          </p:cNvSpPr>
-          <p:nvPr>
-            <p:ph type="sldImg"/>
-          </p:nvPr>
-        </p:nvSpPr>
-        <p:spPr/>
-      </p:sp>
-      <p:sp>
-        <p:nvSpPr>
-          <p:cNvPr id="3" name="Notes Placeholder 2"/>
-          <p:cNvSpPr>
-            <a:spLocks noGrp="1"/>
-          </p:cNvSpPr>
-          <p:nvPr>
-            <p:ph type="body" idx="1"/>
-          </p:nvPr>
-        </p:nvSpPr>
-        <p:spPr/>
-        <p:txBody>
-          <a:bodyPr/>
-          <a:lstStyle/>
-          <a:p>
-            <a:r>
-              <a:rPr lang="fr-FR" dirty="0" err="1"/>
-              <a:t>Ref</a:t>
-            </a:r>
-            <a:r>
-              <a:rPr lang="fr-FR" dirty="0"/>
-              <a:t>: http://ci.memecdn.com/7869512.jpg</a:t>
-            </a:r>
-          </a:p>
-        </p:txBody>
-      </p:sp>
-      <p:sp>
-        <p:nvSpPr>
-          <p:cNvPr id="4" name="Slide Number Placeholder 3"/>
-          <p:cNvSpPr>
-            <a:spLocks noGrp="1"/>
-          </p:cNvSpPr>
-          <p:nvPr>
-            <p:ph type="sldNum" sz="quarter" idx="10"/>
-          </p:nvPr>
-        </p:nvSpPr>
-        <p:spPr/>
-        <p:txBody>
-          <a:bodyPr/>
-          <a:lstStyle/>
-          <a:p>
-            <a:fld id="{F93199CD-3E1B-4AE6-990F-76F925F5EA9F}" type="slidenum">
-              <a:rPr lang="fr-FR" smtClean="0"/>
-              <a:t>34</a:t>
-            </a:fld>
-            <a:endParaRPr lang="fr-FR"/>
-          </a:p>
-        </p:txBody>
-      </p:sp>
-    </p:spTree>
-    <p:extLst>
-      <p:ext uri="{BB962C8B-B14F-4D97-AF65-F5344CB8AC3E}">
-        <p14:creationId xmlns:p14="http://schemas.microsoft.com/office/powerpoint/2010/main" val="1539803929"/>
       </p:ext>
     </p:extLst>
   </p:cSld>
@@ -5788,7 +5817,189 @@
           <a:p>
             <a:fld id="{F93199CD-3E1B-4AE6-990F-76F925F5EA9F}" type="slidenum">
               <a:rPr lang="fr-FR" smtClean="0"/>
-              <a:t>35</a:t>
+              <a:t>36</a:t>
+            </a:fld>
+            <a:endParaRPr lang="fr-FR"/>
+          </a:p>
+        </p:txBody>
+      </p:sp>
+    </p:spTree>
+    <p:extLst>
+      <p:ext uri="{BB962C8B-B14F-4D97-AF65-F5344CB8AC3E}">
+        <p14:creationId xmlns:p14="http://schemas.microsoft.com/office/powerpoint/2010/main" val="256620184"/>
+      </p:ext>
+    </p:extLst>
+  </p:cSld>
+  <p:clrMapOvr>
+    <a:masterClrMapping/>
+  </p:clrMapOvr>
+</p:notes>
+</file>
+
+<file path=ppt/notesSlides/notesSlide8.xml><?xml version="1.0" encoding="utf-8"?>
+<p:notes xmlns:a="http://schemas.openxmlformats.org/drawingml/2006/main" xmlns:r="http://schemas.openxmlformats.org/officeDocument/2006/relationships" xmlns:p="http://schemas.openxmlformats.org/presentationml/2006/main">
+  <p:cSld>
+    <p:spTree>
+      <p:nvGrpSpPr>
+        <p:cNvPr id="1" name=""/>
+        <p:cNvGrpSpPr/>
+        <p:nvPr/>
+      </p:nvGrpSpPr>
+      <p:grpSpPr>
+        <a:xfrm>
+          <a:off x="0" y="0"/>
+          <a:ext cx="0" cy="0"/>
+          <a:chOff x="0" y="0"/>
+          <a:chExt cx="0" cy="0"/>
+        </a:xfrm>
+      </p:grpSpPr>
+      <p:sp>
+        <p:nvSpPr>
+          <p:cNvPr id="2" name="Slide Image Placeholder 1"/>
+          <p:cNvSpPr>
+            <a:spLocks noGrp="1" noRot="1" noChangeAspect="1"/>
+          </p:cNvSpPr>
+          <p:nvPr>
+            <p:ph type="sldImg"/>
+          </p:nvPr>
+        </p:nvSpPr>
+        <p:spPr/>
+      </p:sp>
+      <p:sp>
+        <p:nvSpPr>
+          <p:cNvPr id="3" name="Notes Placeholder 2"/>
+          <p:cNvSpPr>
+            <a:spLocks noGrp="1"/>
+          </p:cNvSpPr>
+          <p:nvPr>
+            <p:ph type="body" idx="1"/>
+          </p:nvPr>
+        </p:nvSpPr>
+        <p:spPr/>
+        <p:txBody>
+          <a:bodyPr/>
+          <a:lstStyle/>
+          <a:p>
+            <a:r>
+              <a:rPr lang="fr-FR" dirty="0" err="1"/>
+              <a:t>Ref</a:t>
+            </a:r>
+            <a:r>
+              <a:rPr lang="fr-FR" dirty="0"/>
+              <a:t>: http://ci.memecdn.com/7869512.jpg</a:t>
+            </a:r>
+          </a:p>
+        </p:txBody>
+      </p:sp>
+      <p:sp>
+        <p:nvSpPr>
+          <p:cNvPr id="4" name="Slide Number Placeholder 3"/>
+          <p:cNvSpPr>
+            <a:spLocks noGrp="1"/>
+          </p:cNvSpPr>
+          <p:nvPr>
+            <p:ph type="sldNum" sz="quarter" idx="10"/>
+          </p:nvPr>
+        </p:nvSpPr>
+        <p:spPr/>
+        <p:txBody>
+          <a:bodyPr/>
+          <a:lstStyle/>
+          <a:p>
+            <a:fld id="{F93199CD-3E1B-4AE6-990F-76F925F5EA9F}" type="slidenum">
+              <a:rPr lang="fr-FR" smtClean="0"/>
+              <a:t>37</a:t>
+            </a:fld>
+            <a:endParaRPr lang="fr-FR"/>
+          </a:p>
+        </p:txBody>
+      </p:sp>
+    </p:spTree>
+    <p:extLst>
+      <p:ext uri="{BB962C8B-B14F-4D97-AF65-F5344CB8AC3E}">
+        <p14:creationId xmlns:p14="http://schemas.microsoft.com/office/powerpoint/2010/main" val="1539803929"/>
+      </p:ext>
+    </p:extLst>
+  </p:cSld>
+  <p:clrMapOvr>
+    <a:masterClrMapping/>
+  </p:clrMapOvr>
+</p:notes>
+</file>
+
+<file path=ppt/notesSlides/notesSlide9.xml><?xml version="1.0" encoding="utf-8"?>
+<p:notes xmlns:a="http://schemas.openxmlformats.org/drawingml/2006/main" xmlns:r="http://schemas.openxmlformats.org/officeDocument/2006/relationships" xmlns:p="http://schemas.openxmlformats.org/presentationml/2006/main">
+  <p:cSld>
+    <p:spTree>
+      <p:nvGrpSpPr>
+        <p:cNvPr id="1" name=""/>
+        <p:cNvGrpSpPr/>
+        <p:nvPr/>
+      </p:nvGrpSpPr>
+      <p:grpSpPr>
+        <a:xfrm>
+          <a:off x="0" y="0"/>
+          <a:ext cx="0" cy="0"/>
+          <a:chOff x="0" y="0"/>
+          <a:chExt cx="0" cy="0"/>
+        </a:xfrm>
+      </p:grpSpPr>
+      <p:sp>
+        <p:nvSpPr>
+          <p:cNvPr id="2" name="Slide Image Placeholder 1"/>
+          <p:cNvSpPr>
+            <a:spLocks noGrp="1" noRot="1" noChangeAspect="1"/>
+          </p:cNvSpPr>
+          <p:nvPr>
+            <p:ph type="sldImg"/>
+          </p:nvPr>
+        </p:nvSpPr>
+        <p:spPr/>
+      </p:sp>
+      <p:sp>
+        <p:nvSpPr>
+          <p:cNvPr id="3" name="Notes Placeholder 2"/>
+          <p:cNvSpPr>
+            <a:spLocks noGrp="1"/>
+          </p:cNvSpPr>
+          <p:nvPr>
+            <p:ph type="body" idx="1"/>
+          </p:nvPr>
+        </p:nvSpPr>
+        <p:spPr/>
+        <p:txBody>
+          <a:bodyPr/>
+          <a:lstStyle/>
+          <a:p>
+            <a:r>
+              <a:rPr lang="fr-FR" dirty="0" err="1"/>
+              <a:t>Ref</a:t>
+            </a:r>
+            <a:r>
+              <a:rPr lang="fr-FR" dirty="0"/>
+              <a:t>: http://ci.memecdn.com/7869512.jpg</a:t>
+            </a:r>
+          </a:p>
+        </p:txBody>
+      </p:sp>
+      <p:sp>
+        <p:nvSpPr>
+          <p:cNvPr id="4" name="Slide Number Placeholder 3"/>
+          <p:cNvSpPr>
+            <a:spLocks noGrp="1"/>
+          </p:cNvSpPr>
+          <p:nvPr>
+            <p:ph type="sldNum" sz="quarter" idx="10"/>
+          </p:nvPr>
+        </p:nvSpPr>
+        <p:spPr/>
+        <p:txBody>
+          <a:bodyPr/>
+          <a:lstStyle/>
+          <a:p>
+            <a:fld id="{F93199CD-3E1B-4AE6-990F-76F925F5EA9F}" type="slidenum">
+              <a:rPr lang="fr-FR" smtClean="0"/>
+              <a:t>38</a:t>
             </a:fld>
             <a:endParaRPr lang="fr-FR"/>
           </a:p>
@@ -9470,6 +9681,237 @@
         </p:nvSpPr>
         <p:spPr>
           <a:xfrm>
+            <a:off x="2423592" y="5256000"/>
+            <a:ext cx="324000" cy="280831"/>
+          </a:xfrm>
+          <a:prstGeom prst="rightArrow">
+            <a:avLst/>
+          </a:prstGeom>
+          <a:solidFill>
+            <a:srgbClr val="FFFF00"/>
+          </a:solidFill>
+          <a:ln>
+            <a:solidFill>
+              <a:srgbClr val="FFC000"/>
+            </a:solidFill>
+          </a:ln>
+        </p:spPr>
+        <p:style>
+          <a:lnRef idx="2">
+            <a:schemeClr val="accent1">
+              <a:shade val="50000"/>
+            </a:schemeClr>
+          </a:lnRef>
+          <a:fillRef idx="1">
+            <a:schemeClr val="accent1"/>
+          </a:fillRef>
+          <a:effectRef idx="0">
+            <a:schemeClr val="accent1"/>
+          </a:effectRef>
+          <a:fontRef idx="minor">
+            <a:schemeClr val="lt1"/>
+          </a:fontRef>
+        </p:style>
+        <p:txBody>
+          <a:bodyPr rtlCol="0" anchor="ctr"/>
+          <a:lstStyle/>
+          <a:p>
+            <a:pPr algn="ctr"/>
+            <a:endParaRPr lang="fr-FR"/>
+          </a:p>
+        </p:txBody>
+      </p:sp>
+      <p:pic>
+        <p:nvPicPr>
+          <p:cNvPr id="8" name="Picture 7"/>
+          <p:cNvPicPr>
+            <a:picLocks noChangeAspect="1"/>
+          </p:cNvPicPr>
+          <p:nvPr/>
+        </p:nvPicPr>
+        <p:blipFill rotWithShape="1">
+          <a:blip r:embed="rId3"/>
+          <a:srcRect l="17865" t="49279" r="33058" b="45230"/>
+          <a:stretch/>
+        </p:blipFill>
+        <p:spPr>
+          <a:xfrm>
+            <a:off x="3168000" y="3528000"/>
+            <a:ext cx="5760640" cy="360040"/>
+          </a:xfrm>
+          <a:prstGeom prst="rect">
+            <a:avLst/>
+          </a:prstGeom>
+          <a:noFill/>
+          <a:ln>
+            <a:noFill/>
+          </a:ln>
+        </p:spPr>
+      </p:pic>
+    </p:spTree>
+    <p:extLst>
+      <p:ext uri="{BB962C8B-B14F-4D97-AF65-F5344CB8AC3E}">
+        <p14:creationId xmlns:p14="http://schemas.microsoft.com/office/powerpoint/2010/main" val="1122969333"/>
+      </p:ext>
+    </p:extLst>
+  </p:cSld>
+  <p:clrMapOvr>
+    <a:masterClrMapping/>
+  </p:clrMapOvr>
+  <mc:AlternateContent xmlns:mc="http://schemas.openxmlformats.org/markup-compatibility/2006" xmlns:p14="http://schemas.microsoft.com/office/powerpoint/2010/main">
+    <mc:Choice Requires="p14">
+      <p:transition spd="med" p14:dur="700">
+        <p:fade/>
+      </p:transition>
+    </mc:Choice>
+    <mc:Fallback xmlns="">
+      <p:transition spd="med">
+        <p:fade/>
+      </p:transition>
+    </mc:Fallback>
+  </mc:AlternateContent>
+</p:sld>
+</file>
+
+<file path=ppt/slides/slide11.xml><?xml version="1.0" encoding="utf-8"?>
+<p:sld xmlns:a="http://schemas.openxmlformats.org/drawingml/2006/main" xmlns:r="http://schemas.openxmlformats.org/officeDocument/2006/relationships" xmlns:p="http://schemas.openxmlformats.org/presentationml/2006/main">
+  <p:cSld>
+    <p:spTree>
+      <p:nvGrpSpPr>
+        <p:cNvPr id="1" name=""/>
+        <p:cNvGrpSpPr/>
+        <p:nvPr/>
+      </p:nvGrpSpPr>
+      <p:grpSpPr>
+        <a:xfrm>
+          <a:off x="0" y="0"/>
+          <a:ext cx="0" cy="0"/>
+          <a:chOff x="0" y="0"/>
+          <a:chExt cx="0" cy="0"/>
+        </a:xfrm>
+      </p:grpSpPr>
+      <p:grpSp>
+        <p:nvGrpSpPr>
+          <p:cNvPr id="6" name="Group 5"/>
+          <p:cNvGrpSpPr/>
+          <p:nvPr/>
+        </p:nvGrpSpPr>
+        <p:grpSpPr>
+          <a:xfrm>
+            <a:off x="1415480" y="1066800"/>
+            <a:ext cx="9361040" cy="5437627"/>
+            <a:chOff x="1415480" y="1066800"/>
+            <a:chExt cx="9361040" cy="5437627"/>
+          </a:xfrm>
+        </p:grpSpPr>
+        <p:pic>
+          <p:nvPicPr>
+            <p:cNvPr id="4" name="Picture 3"/>
+            <p:cNvPicPr>
+              <a:picLocks noChangeAspect="1"/>
+            </p:cNvPicPr>
+            <p:nvPr/>
+          </p:nvPicPr>
+          <p:blipFill rotWithShape="1">
+            <a:blip r:embed="rId2"/>
+            <a:srcRect l="1506" t="11264" r="14126" b="1835"/>
+            <a:stretch/>
+          </p:blipFill>
+          <p:spPr>
+            <a:xfrm>
+              <a:off x="1415480" y="1066800"/>
+              <a:ext cx="9361040" cy="5437627"/>
+            </a:xfrm>
+            <a:prstGeom prst="rect">
+              <a:avLst/>
+            </a:prstGeom>
+            <a:noFill/>
+            <a:ln>
+              <a:solidFill>
+                <a:schemeClr val="accent1"/>
+              </a:solidFill>
+            </a:ln>
+          </p:spPr>
+        </p:pic>
+        <p:sp>
+          <p:nvSpPr>
+            <p:cNvPr id="5" name="Rectangle 4"/>
+            <p:cNvSpPr/>
+            <p:nvPr/>
+          </p:nvSpPr>
+          <p:spPr>
+            <a:xfrm>
+              <a:off x="1919536" y="5877272"/>
+              <a:ext cx="792088" cy="560320"/>
+            </a:xfrm>
+            <a:prstGeom prst="rect">
+              <a:avLst/>
+            </a:prstGeom>
+            <a:solidFill>
+              <a:schemeClr val="bg1"/>
+            </a:solidFill>
+            <a:ln>
+              <a:solidFill>
+                <a:schemeClr val="bg1"/>
+              </a:solidFill>
+            </a:ln>
+          </p:spPr>
+          <p:style>
+            <a:lnRef idx="2">
+              <a:schemeClr val="accent1">
+                <a:shade val="50000"/>
+              </a:schemeClr>
+            </a:lnRef>
+            <a:fillRef idx="1">
+              <a:schemeClr val="accent1"/>
+            </a:fillRef>
+            <a:effectRef idx="0">
+              <a:schemeClr val="accent1"/>
+            </a:effectRef>
+            <a:fontRef idx="minor">
+              <a:schemeClr val="lt1"/>
+            </a:fontRef>
+          </p:style>
+          <p:txBody>
+            <a:bodyPr rtlCol="0" anchor="ctr"/>
+            <a:lstStyle/>
+            <a:p>
+              <a:pPr algn="ctr"/>
+              <a:endParaRPr lang="fr-FR"/>
+            </a:p>
+          </p:txBody>
+        </p:sp>
+      </p:grpSp>
+      <p:sp>
+        <p:nvSpPr>
+          <p:cNvPr id="13" name="Title 12"/>
+          <p:cNvSpPr>
+            <a:spLocks noGrp="1"/>
+          </p:cNvSpPr>
+          <p:nvPr>
+            <p:ph type="title"/>
+          </p:nvPr>
+        </p:nvSpPr>
+        <p:spPr/>
+        <p:txBody>
+          <a:bodyPr anchor="t"/>
+          <a:lstStyle/>
+          <a:p>
+            <a:r>
+              <a:rPr lang="en-US" dirty="0"/>
+              <a:t>Let’s start with A question…</a:t>
+            </a:r>
+          </a:p>
+        </p:txBody>
+      </p:sp>
+      <p:sp>
+        <p:nvSpPr>
+          <p:cNvPr id="7" name="Arrow: Right 6"/>
+          <p:cNvSpPr/>
+          <p:nvPr/>
+        </p:nvSpPr>
+        <p:spPr>
+          <a:xfrm>
             <a:off x="2891680" y="5292000"/>
             <a:ext cx="324000" cy="280831"/>
           </a:xfrm>
@@ -9592,6 +10034,49 @@
           </a:extLst>
         </p:spPr>
       </p:pic>
+      <p:cxnSp>
+        <p:nvCxnSpPr>
+          <p:cNvPr id="9" name="Straight Connector 8"/>
+          <p:cNvCxnSpPr/>
+          <p:nvPr/>
+        </p:nvCxnSpPr>
+        <p:spPr>
+          <a:xfrm>
+            <a:off x="3863752" y="5544000"/>
+            <a:ext cx="2304256" cy="0"/>
+          </a:xfrm>
+          <a:prstGeom prst="line">
+            <a:avLst/>
+          </a:prstGeom>
+          <a:solidFill>
+            <a:schemeClr val="accent2">
+              <a:lumMod val="60000"/>
+              <a:lumOff val="40000"/>
+            </a:schemeClr>
+          </a:solidFill>
+          <a:ln w="25400">
+            <a:solidFill>
+              <a:srgbClr val="00B050"/>
+            </a:solidFill>
+          </a:ln>
+        </p:spPr>
+        <p:style>
+          <a:lnRef idx="2">
+            <a:schemeClr val="accent1">
+              <a:shade val="50000"/>
+            </a:schemeClr>
+          </a:lnRef>
+          <a:fillRef idx="1">
+            <a:schemeClr val="accent1"/>
+          </a:fillRef>
+          <a:effectRef idx="0">
+            <a:schemeClr val="accent1"/>
+          </a:effectRef>
+          <a:fontRef idx="minor">
+            <a:schemeClr val="lt1"/>
+          </a:fontRef>
+        </p:style>
+      </p:cxnSp>
     </p:spTree>
     <p:extLst>
       <p:ext uri="{BB962C8B-B14F-4D97-AF65-F5344CB8AC3E}">
@@ -9617,7 +10102,7 @@
 </p:sld>
 </file>
 
-<file path=ppt/slides/slide11.xml><?xml version="1.0" encoding="utf-8"?>
+<file path=ppt/slides/slide12.xml><?xml version="1.0" encoding="utf-8"?>
 <p:sld xmlns:a="http://schemas.openxmlformats.org/drawingml/2006/main" xmlns:r="http://schemas.openxmlformats.org/officeDocument/2006/relationships" xmlns:p="http://schemas.openxmlformats.org/presentationml/2006/main">
   <p:cSld>
     <p:spTree>
@@ -9924,6 +10409,92 @@
           </a:p>
         </p:txBody>
       </p:sp>
+      <p:cxnSp>
+        <p:nvCxnSpPr>
+          <p:cNvPr id="7" name="Straight Connector 6"/>
+          <p:cNvCxnSpPr/>
+          <p:nvPr/>
+        </p:nvCxnSpPr>
+        <p:spPr>
+          <a:xfrm>
+            <a:off x="3204000" y="5544000"/>
+            <a:ext cx="576064" cy="0"/>
+          </a:xfrm>
+          <a:prstGeom prst="line">
+            <a:avLst/>
+          </a:prstGeom>
+          <a:noFill/>
+          <a:ln w="34925">
+            <a:solidFill>
+              <a:srgbClr val="FFC000"/>
+            </a:solidFill>
+          </a:ln>
+        </p:spPr>
+        <p:style>
+          <a:lnRef idx="2">
+            <a:schemeClr val="accent1">
+              <a:shade val="50000"/>
+            </a:schemeClr>
+          </a:lnRef>
+          <a:fillRef idx="1">
+            <a:schemeClr val="accent1"/>
+          </a:fillRef>
+          <a:effectRef idx="0">
+            <a:schemeClr val="accent1"/>
+          </a:effectRef>
+          <a:fontRef idx="minor">
+            <a:schemeClr val="lt1"/>
+          </a:fontRef>
+        </p:style>
+      </p:cxnSp>
+      <p:sp>
+        <p:nvSpPr>
+          <p:cNvPr id="15" name="Arrow: Right 14"/>
+          <p:cNvSpPr/>
+          <p:nvPr/>
+        </p:nvSpPr>
+        <p:spPr>
+          <a:xfrm>
+            <a:off x="2099592" y="5308409"/>
+            <a:ext cx="324000" cy="280831"/>
+          </a:xfrm>
+          <a:prstGeom prst="rightArrow">
+            <a:avLst/>
+          </a:prstGeom>
+          <a:solidFill>
+            <a:srgbClr val="FFFF00"/>
+          </a:solidFill>
+          <a:ln>
+            <a:solidFill>
+              <a:srgbClr val="FFC000"/>
+            </a:solidFill>
+          </a:ln>
+        </p:spPr>
+        <p:style>
+          <a:lnRef idx="2">
+            <a:schemeClr val="accent1">
+              <a:shade val="50000"/>
+            </a:schemeClr>
+          </a:lnRef>
+          <a:fillRef idx="1">
+            <a:schemeClr val="accent1"/>
+          </a:fillRef>
+          <a:effectRef idx="0">
+            <a:schemeClr val="accent1"/>
+          </a:effectRef>
+          <a:fontRef idx="minor">
+            <a:schemeClr val="lt1"/>
+          </a:fontRef>
+        </p:style>
+        <p:txBody>
+          <a:bodyPr rtlCol="0" anchor="ctr"/>
+          <a:lstStyle/>
+          <a:p>
+            <a:pPr algn="ctr"/>
+            <a:endParaRPr lang="fr-FR"/>
+          </a:p>
+        </p:txBody>
+      </p:sp>
     </p:spTree>
     <p:extLst>
       <p:ext uri="{BB962C8B-B14F-4D97-AF65-F5344CB8AC3E}">
@@ -9949,7 +10520,7 @@
 </p:sld>
 </file>
 
-<file path=ppt/slides/slide12.xml><?xml version="1.0" encoding="utf-8"?>
+<file path=ppt/slides/slide13.xml><?xml version="1.0" encoding="utf-8"?>
 <p:sld xmlns:a="http://schemas.openxmlformats.org/drawingml/2006/main" xmlns:r="http://schemas.openxmlformats.org/officeDocument/2006/relationships" xmlns:p="http://schemas.openxmlformats.org/presentationml/2006/main">
   <p:cSld>
     <p:spTree>
@@ -10258,6 +10829,44 @@
           </a:extLst>
         </p:spPr>
       </p:pic>
+      <p:cxnSp>
+        <p:nvCxnSpPr>
+          <p:cNvPr id="10" name="Straight Connector 9"/>
+          <p:cNvCxnSpPr/>
+          <p:nvPr/>
+        </p:nvCxnSpPr>
+        <p:spPr>
+          <a:xfrm>
+            <a:off x="4896000" y="3880326"/>
+            <a:ext cx="576064" cy="0"/>
+          </a:xfrm>
+          <a:prstGeom prst="line">
+            <a:avLst/>
+          </a:prstGeom>
+          <a:noFill/>
+          <a:ln w="34925">
+            <a:solidFill>
+              <a:srgbClr val="FFC000"/>
+            </a:solidFill>
+          </a:ln>
+        </p:spPr>
+        <p:style>
+          <a:lnRef idx="2">
+            <a:schemeClr val="accent1">
+              <a:shade val="50000"/>
+            </a:schemeClr>
+          </a:lnRef>
+          <a:fillRef idx="1">
+            <a:schemeClr val="accent1"/>
+          </a:fillRef>
+          <a:effectRef idx="0">
+            <a:schemeClr val="accent1"/>
+          </a:effectRef>
+          <a:fontRef idx="minor">
+            <a:schemeClr val="lt1"/>
+          </a:fontRef>
+        </p:style>
+      </p:cxnSp>
     </p:spTree>
     <p:extLst>
       <p:ext uri="{BB962C8B-B14F-4D97-AF65-F5344CB8AC3E}">
@@ -10283,7 +10892,7 @@
 </p:sld>
 </file>
 
-<file path=ppt/slides/slide13.xml><?xml version="1.0" encoding="utf-8"?>
+<file path=ppt/slides/slide14.xml><?xml version="1.0" encoding="utf-8"?>
 <p:sld xmlns:a="http://schemas.openxmlformats.org/drawingml/2006/main" xmlns:r="http://schemas.openxmlformats.org/officeDocument/2006/relationships" xmlns:p="http://schemas.openxmlformats.org/presentationml/2006/main">
   <p:cSld>
     <p:spTree>
@@ -10590,6 +11199,92 @@
           </a:p>
         </p:txBody>
       </p:sp>
+      <p:cxnSp>
+        <p:nvCxnSpPr>
+          <p:cNvPr id="10" name="Straight Connector 9"/>
+          <p:cNvCxnSpPr/>
+          <p:nvPr/>
+        </p:nvCxnSpPr>
+        <p:spPr>
+          <a:xfrm>
+            <a:off x="4896000" y="3880326"/>
+            <a:ext cx="576064" cy="0"/>
+          </a:xfrm>
+          <a:prstGeom prst="line">
+            <a:avLst/>
+          </a:prstGeom>
+          <a:noFill/>
+          <a:ln w="34925">
+            <a:solidFill>
+              <a:srgbClr val="FFC000"/>
+            </a:solidFill>
+          </a:ln>
+        </p:spPr>
+        <p:style>
+          <a:lnRef idx="2">
+            <a:schemeClr val="accent1">
+              <a:shade val="50000"/>
+            </a:schemeClr>
+          </a:lnRef>
+          <a:fillRef idx="1">
+            <a:schemeClr val="accent1"/>
+          </a:fillRef>
+          <a:effectRef idx="0">
+            <a:schemeClr val="accent1"/>
+          </a:effectRef>
+          <a:fontRef idx="minor">
+            <a:schemeClr val="lt1"/>
+          </a:fontRef>
+        </p:style>
+      </p:cxnSp>
+      <p:sp>
+        <p:nvSpPr>
+          <p:cNvPr id="14" name="Arrow: Right 13"/>
+          <p:cNvSpPr/>
+          <p:nvPr/>
+        </p:nvSpPr>
+        <p:spPr>
+          <a:xfrm>
+            <a:off x="2423592" y="3573016"/>
+            <a:ext cx="324000" cy="280831"/>
+          </a:xfrm>
+          <a:prstGeom prst="rightArrow">
+            <a:avLst/>
+          </a:prstGeom>
+          <a:solidFill>
+            <a:srgbClr val="FFFF00"/>
+          </a:solidFill>
+          <a:ln>
+            <a:solidFill>
+              <a:srgbClr val="FFC000"/>
+            </a:solidFill>
+          </a:ln>
+        </p:spPr>
+        <p:style>
+          <a:lnRef idx="2">
+            <a:schemeClr val="accent1">
+              <a:shade val="50000"/>
+            </a:schemeClr>
+          </a:lnRef>
+          <a:fillRef idx="1">
+            <a:schemeClr val="accent1"/>
+          </a:fillRef>
+          <a:effectRef idx="0">
+            <a:schemeClr val="accent1"/>
+          </a:effectRef>
+          <a:fontRef idx="minor">
+            <a:schemeClr val="lt1"/>
+          </a:fontRef>
+        </p:style>
+        <p:txBody>
+          <a:bodyPr rtlCol="0" anchor="ctr"/>
+          <a:lstStyle/>
+          <a:p>
+            <a:pPr algn="ctr"/>
+            <a:endParaRPr lang="fr-FR"/>
+          </a:p>
+        </p:txBody>
+      </p:sp>
     </p:spTree>
     <p:extLst>
       <p:ext uri="{BB962C8B-B14F-4D97-AF65-F5344CB8AC3E}">
@@ -10615,7 +11310,7 @@
 </p:sld>
 </file>
 
-<file path=ppt/slides/slide14.xml><?xml version="1.0" encoding="utf-8"?>
+<file path=ppt/slides/slide15.xml><?xml version="1.0" encoding="utf-8"?>
 <p:sld xmlns:a="http://schemas.openxmlformats.org/drawingml/2006/main" xmlns:r="http://schemas.openxmlformats.org/officeDocument/2006/relationships" xmlns:p="http://schemas.openxmlformats.org/presentationml/2006/main">
   <p:cSld>
     <p:spTree>
@@ -10949,7 +11644,7 @@
 </p:sld>
 </file>
 
-<file path=ppt/slides/slide15.xml><?xml version="1.0" encoding="utf-8"?>
+<file path=ppt/slides/slide16.xml><?xml version="1.0" encoding="utf-8"?>
 <p:sld xmlns:a="http://schemas.openxmlformats.org/drawingml/2006/main" xmlns:r="http://schemas.openxmlformats.org/officeDocument/2006/relationships" xmlns:p="http://schemas.openxmlformats.org/presentationml/2006/main">
   <p:cSld>
     <p:spTree>
@@ -11262,470 +11957,6 @@
     <p:extLst>
       <p:ext uri="{BB962C8B-B14F-4D97-AF65-F5344CB8AC3E}">
         <p14:creationId xmlns:p14="http://schemas.microsoft.com/office/powerpoint/2010/main" val="2688029138"/>
-      </p:ext>
-    </p:extLst>
-  </p:cSld>
-  <p:clrMapOvr>
-    <a:masterClrMapping/>
-  </p:clrMapOvr>
-  <mc:AlternateContent xmlns:mc="http://schemas.openxmlformats.org/markup-compatibility/2006" xmlns:p14="http://schemas.microsoft.com/office/powerpoint/2010/main">
-    <mc:Choice Requires="p14">
-      <p:transition spd="med" p14:dur="700">
-        <p:fade/>
-      </p:transition>
-    </mc:Choice>
-    <mc:Fallback xmlns="">
-      <p:transition spd="med">
-        <p:fade/>
-      </p:transition>
-    </mc:Fallback>
-  </mc:AlternateContent>
-</p:sld>
-</file>
-
-<file path=ppt/slides/slide16.xml><?xml version="1.0" encoding="utf-8"?>
-<p:sld xmlns:a="http://schemas.openxmlformats.org/drawingml/2006/main" xmlns:r="http://schemas.openxmlformats.org/officeDocument/2006/relationships" xmlns:p="http://schemas.openxmlformats.org/presentationml/2006/main">
-  <p:cSld>
-    <p:spTree>
-      <p:nvGrpSpPr>
-        <p:cNvPr id="1" name=""/>
-        <p:cNvGrpSpPr/>
-        <p:nvPr/>
-      </p:nvGrpSpPr>
-      <p:grpSpPr>
-        <a:xfrm>
-          <a:off x="0" y="0"/>
-          <a:ext cx="0" cy="0"/>
-          <a:chOff x="0" y="0"/>
-          <a:chExt cx="0" cy="0"/>
-        </a:xfrm>
-      </p:grpSpPr>
-      <p:grpSp>
-        <p:nvGrpSpPr>
-          <p:cNvPr id="6" name="Group 5"/>
-          <p:cNvGrpSpPr/>
-          <p:nvPr/>
-        </p:nvGrpSpPr>
-        <p:grpSpPr>
-          <a:xfrm>
-            <a:off x="1415480" y="1066800"/>
-            <a:ext cx="9361040" cy="5437627"/>
-            <a:chOff x="1415480" y="1066800"/>
-            <a:chExt cx="9361040" cy="5437627"/>
-          </a:xfrm>
-        </p:grpSpPr>
-        <p:pic>
-          <p:nvPicPr>
-            <p:cNvPr id="4" name="Picture 3"/>
-            <p:cNvPicPr>
-              <a:picLocks noChangeAspect="1"/>
-            </p:cNvPicPr>
-            <p:nvPr/>
-          </p:nvPicPr>
-          <p:blipFill rotWithShape="1">
-            <a:blip r:embed="rId2"/>
-            <a:srcRect l="1506" t="11264" r="14126" b="1835"/>
-            <a:stretch/>
-          </p:blipFill>
-          <p:spPr>
-            <a:xfrm>
-              <a:off x="1415480" y="1066800"/>
-              <a:ext cx="9361040" cy="5437627"/>
-            </a:xfrm>
-            <a:prstGeom prst="rect">
-              <a:avLst/>
-            </a:prstGeom>
-            <a:noFill/>
-            <a:ln>
-              <a:solidFill>
-                <a:schemeClr val="accent1"/>
-              </a:solidFill>
-            </a:ln>
-          </p:spPr>
-        </p:pic>
-        <p:sp>
-          <p:nvSpPr>
-            <p:cNvPr id="5" name="Rectangle 4"/>
-            <p:cNvSpPr/>
-            <p:nvPr/>
-          </p:nvSpPr>
-          <p:spPr>
-            <a:xfrm>
-              <a:off x="1919536" y="5877272"/>
-              <a:ext cx="792088" cy="560320"/>
-            </a:xfrm>
-            <a:prstGeom prst="rect">
-              <a:avLst/>
-            </a:prstGeom>
-            <a:solidFill>
-              <a:schemeClr val="bg1"/>
-            </a:solidFill>
-            <a:ln>
-              <a:solidFill>
-                <a:schemeClr val="bg1"/>
-              </a:solidFill>
-            </a:ln>
-          </p:spPr>
-          <p:style>
-            <a:lnRef idx="2">
-              <a:schemeClr val="accent1">
-                <a:shade val="50000"/>
-              </a:schemeClr>
-            </a:lnRef>
-            <a:fillRef idx="1">
-              <a:schemeClr val="accent1"/>
-            </a:fillRef>
-            <a:effectRef idx="0">
-              <a:schemeClr val="accent1"/>
-            </a:effectRef>
-            <a:fontRef idx="minor">
-              <a:schemeClr val="lt1"/>
-            </a:fontRef>
-          </p:style>
-          <p:txBody>
-            <a:bodyPr rtlCol="0" anchor="ctr"/>
-            <a:lstStyle/>
-            <a:p>
-              <a:pPr algn="ctr"/>
-              <a:endParaRPr lang="fr-FR"/>
-            </a:p>
-          </p:txBody>
-        </p:sp>
-      </p:grpSp>
-      <p:sp>
-        <p:nvSpPr>
-          <p:cNvPr id="13" name="Title 12"/>
-          <p:cNvSpPr>
-            <a:spLocks noGrp="1"/>
-          </p:cNvSpPr>
-          <p:nvPr>
-            <p:ph type="title"/>
-          </p:nvPr>
-        </p:nvSpPr>
-        <p:spPr/>
-        <p:txBody>
-          <a:bodyPr anchor="t"/>
-          <a:lstStyle/>
-          <a:p>
-            <a:r>
-              <a:rPr lang="en-US" dirty="0"/>
-              <a:t>Let’s start with A question…</a:t>
-            </a:r>
-          </a:p>
-        </p:txBody>
-      </p:sp>
-      <p:grpSp>
-        <p:nvGrpSpPr>
-          <p:cNvPr id="3" name="Group 2"/>
-          <p:cNvGrpSpPr/>
-          <p:nvPr/>
-        </p:nvGrpSpPr>
-        <p:grpSpPr>
-          <a:xfrm>
-            <a:off x="2423592" y="2304000"/>
-            <a:ext cx="576064" cy="280831"/>
-            <a:chOff x="2423592" y="2304000"/>
-            <a:chExt cx="576064" cy="280831"/>
-          </a:xfrm>
-        </p:grpSpPr>
-        <p:sp>
-          <p:nvSpPr>
-            <p:cNvPr id="7" name="Arrow: Right 6"/>
-            <p:cNvSpPr/>
-            <p:nvPr/>
-          </p:nvSpPr>
-          <p:spPr>
-            <a:xfrm>
-              <a:off x="2423592" y="2304000"/>
-              <a:ext cx="324000" cy="280831"/>
-            </a:xfrm>
-            <a:prstGeom prst="rightArrow">
-              <a:avLst/>
-            </a:prstGeom>
-            <a:solidFill>
-              <a:srgbClr val="FF6600"/>
-            </a:solidFill>
-            <a:ln>
-              <a:solidFill>
-                <a:srgbClr val="C00000"/>
-              </a:solidFill>
-            </a:ln>
-          </p:spPr>
-          <p:style>
-            <a:lnRef idx="2">
-              <a:schemeClr val="accent1">
-                <a:shade val="50000"/>
-              </a:schemeClr>
-            </a:lnRef>
-            <a:fillRef idx="1">
-              <a:schemeClr val="accent1"/>
-            </a:fillRef>
-            <a:effectRef idx="0">
-              <a:schemeClr val="accent1"/>
-            </a:effectRef>
-            <a:fontRef idx="minor">
-              <a:schemeClr val="lt1"/>
-            </a:fontRef>
-          </p:style>
-          <p:txBody>
-            <a:bodyPr rtlCol="0" anchor="ctr"/>
-            <a:lstStyle/>
-            <a:p>
-              <a:pPr algn="ctr"/>
-              <a:endParaRPr lang="fr-FR"/>
-            </a:p>
-          </p:txBody>
-        </p:sp>
-        <p:cxnSp>
-          <p:nvCxnSpPr>
-            <p:cNvPr id="8" name="Straight Connector 7"/>
-            <p:cNvCxnSpPr/>
-            <p:nvPr/>
-          </p:nvCxnSpPr>
-          <p:spPr>
-            <a:xfrm>
-              <a:off x="2855640" y="2304000"/>
-              <a:ext cx="0" cy="252000"/>
-            </a:xfrm>
-            <a:prstGeom prst="line">
-              <a:avLst/>
-            </a:prstGeom>
-            <a:ln w="44450">
-              <a:solidFill>
-                <a:srgbClr val="C00000"/>
-              </a:solidFill>
-            </a:ln>
-          </p:spPr>
-          <p:style>
-            <a:lnRef idx="1">
-              <a:schemeClr val="accent1"/>
-            </a:lnRef>
-            <a:fillRef idx="0">
-              <a:schemeClr val="accent1"/>
-            </a:fillRef>
-            <a:effectRef idx="0">
-              <a:schemeClr val="accent1"/>
-            </a:effectRef>
-            <a:fontRef idx="minor">
-              <a:schemeClr val="tx1"/>
-            </a:fontRef>
-          </p:style>
-        </p:cxnSp>
-        <p:cxnSp>
-          <p:nvCxnSpPr>
-            <p:cNvPr id="11" name="Straight Connector 10"/>
-            <p:cNvCxnSpPr/>
-            <p:nvPr/>
-          </p:nvCxnSpPr>
-          <p:spPr>
-            <a:xfrm>
-              <a:off x="2999656" y="2304000"/>
-              <a:ext cx="0" cy="252000"/>
-            </a:xfrm>
-            <a:prstGeom prst="line">
-              <a:avLst/>
-            </a:prstGeom>
-            <a:ln w="44450">
-              <a:solidFill>
-                <a:srgbClr val="C00000"/>
-              </a:solidFill>
-            </a:ln>
-          </p:spPr>
-          <p:style>
-            <a:lnRef idx="1">
-              <a:schemeClr val="accent1"/>
-            </a:lnRef>
-            <a:fillRef idx="0">
-              <a:schemeClr val="accent1"/>
-            </a:fillRef>
-            <a:effectRef idx="0">
-              <a:schemeClr val="accent1"/>
-            </a:effectRef>
-            <a:fontRef idx="minor">
-              <a:schemeClr val="tx1"/>
-            </a:fontRef>
-          </p:style>
-        </p:cxnSp>
-      </p:grpSp>
-      <p:pic>
-        <p:nvPicPr>
-          <p:cNvPr id="15" name="Picture 14"/>
-          <p:cNvPicPr>
-            <a:picLocks noChangeAspect="1"/>
-          </p:cNvPicPr>
-          <p:nvPr/>
-        </p:nvPicPr>
-        <p:blipFill rotWithShape="1">
-          <a:blip r:embed="rId3"/>
-          <a:srcRect l="17865" t="49279" r="33058" b="45230"/>
-          <a:stretch/>
-        </p:blipFill>
-        <p:spPr>
-          <a:xfrm>
-            <a:off x="3168000" y="3528000"/>
-            <a:ext cx="5760640" cy="360040"/>
-          </a:xfrm>
-          <a:prstGeom prst="rect">
-            <a:avLst/>
-          </a:prstGeom>
-          <a:noFill/>
-          <a:ln>
-            <a:noFill/>
-          </a:ln>
-        </p:spPr>
-      </p:pic>
-      <p:pic>
-        <p:nvPicPr>
-          <p:cNvPr id="19" name="Picture 18"/>
-          <p:cNvPicPr>
-            <a:picLocks noChangeAspect="1"/>
-          </p:cNvPicPr>
-          <p:nvPr/>
-        </p:nvPicPr>
-        <p:blipFill rotWithShape="1">
-          <a:blip r:embed="rId2">
-            <a:clrChange>
-              <a:clrFrom>
-                <a:srgbClr val="000000"/>
-              </a:clrFrom>
-              <a:clrTo>
-                <a:srgbClr val="000000">
-                  <a:alpha val="0"/>
-                </a:srgbClr>
-              </a:clrTo>
-            </a:clrChange>
-            <a:duotone>
-              <a:schemeClr val="accent5">
-                <a:shade val="45000"/>
-                <a:satMod val="135000"/>
-              </a:schemeClr>
-              <a:prstClr val="white"/>
-            </a:duotone>
-          </a:blip>
-          <a:srcRect l="55372" t="31036" r="35542" b="61342"/>
-          <a:stretch/>
-        </p:blipFill>
-        <p:spPr>
-          <a:xfrm>
-            <a:off x="7392144" y="2304001"/>
-            <a:ext cx="1008112" cy="476928"/>
-          </a:xfrm>
-          <a:prstGeom prst="rect">
-            <a:avLst/>
-          </a:prstGeom>
-          <a:noFill/>
-          <a:ln>
-            <a:noFill/>
-          </a:ln>
-        </p:spPr>
-      </p:pic>
-      <p:sp>
-        <p:nvSpPr>
-          <p:cNvPr id="20" name="Arrow: Right 19"/>
-          <p:cNvSpPr/>
-          <p:nvPr/>
-        </p:nvSpPr>
-        <p:spPr>
-          <a:xfrm>
-            <a:off x="2891680" y="5292000"/>
-            <a:ext cx="324000" cy="280831"/>
-          </a:xfrm>
-          <a:prstGeom prst="rightArrow">
-            <a:avLst/>
-          </a:prstGeom>
-          <a:solidFill>
-            <a:schemeClr val="accent2">
-              <a:lumMod val="60000"/>
-              <a:lumOff val="40000"/>
-            </a:schemeClr>
-          </a:solidFill>
-          <a:ln>
-            <a:solidFill>
-              <a:srgbClr val="00B050"/>
-            </a:solidFill>
-          </a:ln>
-        </p:spPr>
-        <p:style>
-          <a:lnRef idx="2">
-            <a:schemeClr val="accent1">
-              <a:shade val="50000"/>
-            </a:schemeClr>
-          </a:lnRef>
-          <a:fillRef idx="1">
-            <a:schemeClr val="accent1"/>
-          </a:fillRef>
-          <a:effectRef idx="0">
-            <a:schemeClr val="accent1"/>
-          </a:effectRef>
-          <a:fontRef idx="minor">
-            <a:schemeClr val="lt1"/>
-          </a:fontRef>
-        </p:style>
-        <p:txBody>
-          <a:bodyPr rtlCol="0" anchor="ctr"/>
-          <a:lstStyle/>
-          <a:p>
-            <a:pPr algn="ctr"/>
-            <a:endParaRPr lang="fr-FR"/>
-          </a:p>
-        </p:txBody>
-      </p:sp>
-      <p:pic>
-        <p:nvPicPr>
-          <p:cNvPr id="21" name="Picture 4" descr="Afficher l'image d'origine"/>
-          <p:cNvPicPr>
-            <a:picLocks noChangeAspect="1" noChangeArrowheads="1"/>
-          </p:cNvPicPr>
-          <p:nvPr/>
-        </p:nvPicPr>
-        <p:blipFill>
-          <a:blip r:embed="rId4" cstate="print">
-            <a:clrChange>
-              <a:clrFrom>
-                <a:srgbClr val="FFFFFF"/>
-              </a:clrFrom>
-              <a:clrTo>
-                <a:srgbClr val="FFFFFF">
-                  <a:alpha val="0"/>
-                </a:srgbClr>
-              </a:clrTo>
-            </a:clrChange>
-            <a:lum bright="70000" contrast="-70000"/>
-            <a:extLst>
-              <a:ext uri="{28A0092B-C50C-407E-A947-70E740481C1C}">
-                <a14:useLocalDpi xmlns:a14="http://schemas.microsoft.com/office/drawing/2010/main" val="0"/>
-              </a:ext>
-            </a:extLst>
-          </a:blip>
-          <a:srcRect/>
-          <a:stretch>
-            <a:fillRect/>
-          </a:stretch>
-        </p:blipFill>
-        <p:spPr bwMode="auto">
-          <a:xfrm>
-            <a:off x="2495600" y="5274000"/>
-            <a:ext cx="288032" cy="288032"/>
-          </a:xfrm>
-          <a:prstGeom prst="rect">
-            <a:avLst/>
-          </a:prstGeom>
-          <a:noFill/>
-          <a:extLst>
-            <a:ext uri="{909E8E84-426E-40DD-AFC4-6F175D3DCCD1}">
-              <a14:hiddenFill xmlns:a14="http://schemas.microsoft.com/office/drawing/2010/main">
-                <a:solidFill>
-                  <a:srgbClr val="FFFFFF"/>
-                </a:solidFill>
-              </a14:hiddenFill>
-            </a:ext>
-          </a:extLst>
-        </p:spPr>
-      </p:pic>
-    </p:spTree>
-    <p:extLst>
-      <p:ext uri="{BB962C8B-B14F-4D97-AF65-F5344CB8AC3E}">
-        <p14:creationId xmlns:p14="http://schemas.microsoft.com/office/powerpoint/2010/main" val="2575319725"/>
       </p:ext>
     </p:extLst>
   </p:cSld>
@@ -12186,6 +12417,540 @@
           </a:extLst>
         </p:spPr>
       </p:pic>
+      <p:cxnSp>
+        <p:nvCxnSpPr>
+          <p:cNvPr id="14" name="Straight Connector 13"/>
+          <p:cNvCxnSpPr/>
+          <p:nvPr/>
+        </p:nvCxnSpPr>
+        <p:spPr>
+          <a:xfrm>
+            <a:off x="7392144" y="2636912"/>
+            <a:ext cx="864096" cy="0"/>
+          </a:xfrm>
+          <a:prstGeom prst="line">
+            <a:avLst/>
+          </a:prstGeom>
+          <a:ln w="44450">
+            <a:solidFill>
+              <a:srgbClr val="C00000"/>
+            </a:solidFill>
+          </a:ln>
+        </p:spPr>
+        <p:style>
+          <a:lnRef idx="1">
+            <a:schemeClr val="accent1"/>
+          </a:lnRef>
+          <a:fillRef idx="0">
+            <a:schemeClr val="accent1"/>
+          </a:fillRef>
+          <a:effectRef idx="0">
+            <a:schemeClr val="accent1"/>
+          </a:effectRef>
+          <a:fontRef idx="minor">
+            <a:schemeClr val="tx1"/>
+          </a:fontRef>
+        </p:style>
+      </p:cxnSp>
+    </p:spTree>
+    <p:extLst>
+      <p:ext uri="{BB962C8B-B14F-4D97-AF65-F5344CB8AC3E}">
+        <p14:creationId xmlns:p14="http://schemas.microsoft.com/office/powerpoint/2010/main" val="2575319725"/>
+      </p:ext>
+    </p:extLst>
+  </p:cSld>
+  <p:clrMapOvr>
+    <a:masterClrMapping/>
+  </p:clrMapOvr>
+  <mc:AlternateContent xmlns:mc="http://schemas.openxmlformats.org/markup-compatibility/2006" xmlns:p14="http://schemas.microsoft.com/office/powerpoint/2010/main">
+    <mc:Choice Requires="p14">
+      <p:transition spd="med" p14:dur="700">
+        <p:fade/>
+      </p:transition>
+    </mc:Choice>
+    <mc:Fallback xmlns="">
+      <p:transition spd="med">
+        <p:fade/>
+      </p:transition>
+    </mc:Fallback>
+  </mc:AlternateContent>
+</p:sld>
+</file>
+
+<file path=ppt/slides/slide18.xml><?xml version="1.0" encoding="utf-8"?>
+<p:sld xmlns:a="http://schemas.openxmlformats.org/drawingml/2006/main" xmlns:r="http://schemas.openxmlformats.org/officeDocument/2006/relationships" xmlns:p="http://schemas.openxmlformats.org/presentationml/2006/main">
+  <p:cSld>
+    <p:spTree>
+      <p:nvGrpSpPr>
+        <p:cNvPr id="1" name=""/>
+        <p:cNvGrpSpPr/>
+        <p:nvPr/>
+      </p:nvGrpSpPr>
+      <p:grpSpPr>
+        <a:xfrm>
+          <a:off x="0" y="0"/>
+          <a:ext cx="0" cy="0"/>
+          <a:chOff x="0" y="0"/>
+          <a:chExt cx="0" cy="0"/>
+        </a:xfrm>
+      </p:grpSpPr>
+      <p:grpSp>
+        <p:nvGrpSpPr>
+          <p:cNvPr id="6" name="Group 5"/>
+          <p:cNvGrpSpPr/>
+          <p:nvPr/>
+        </p:nvGrpSpPr>
+        <p:grpSpPr>
+          <a:xfrm>
+            <a:off x="1415480" y="1066800"/>
+            <a:ext cx="9361040" cy="5437627"/>
+            <a:chOff x="1415480" y="1066800"/>
+            <a:chExt cx="9361040" cy="5437627"/>
+          </a:xfrm>
+        </p:grpSpPr>
+        <p:pic>
+          <p:nvPicPr>
+            <p:cNvPr id="4" name="Picture 3"/>
+            <p:cNvPicPr>
+              <a:picLocks noChangeAspect="1"/>
+            </p:cNvPicPr>
+            <p:nvPr/>
+          </p:nvPicPr>
+          <p:blipFill rotWithShape="1">
+            <a:blip r:embed="rId2"/>
+            <a:srcRect l="1506" t="11264" r="14126" b="1835"/>
+            <a:stretch/>
+          </p:blipFill>
+          <p:spPr>
+            <a:xfrm>
+              <a:off x="1415480" y="1066800"/>
+              <a:ext cx="9361040" cy="5437627"/>
+            </a:xfrm>
+            <a:prstGeom prst="rect">
+              <a:avLst/>
+            </a:prstGeom>
+            <a:noFill/>
+            <a:ln>
+              <a:solidFill>
+                <a:schemeClr val="accent1"/>
+              </a:solidFill>
+            </a:ln>
+          </p:spPr>
+        </p:pic>
+        <p:sp>
+          <p:nvSpPr>
+            <p:cNvPr id="5" name="Rectangle 4"/>
+            <p:cNvSpPr/>
+            <p:nvPr/>
+          </p:nvSpPr>
+          <p:spPr>
+            <a:xfrm>
+              <a:off x="1919536" y="5877272"/>
+              <a:ext cx="792088" cy="560320"/>
+            </a:xfrm>
+            <a:prstGeom prst="rect">
+              <a:avLst/>
+            </a:prstGeom>
+            <a:solidFill>
+              <a:schemeClr val="bg1"/>
+            </a:solidFill>
+            <a:ln>
+              <a:solidFill>
+                <a:schemeClr val="bg1"/>
+              </a:solidFill>
+            </a:ln>
+          </p:spPr>
+          <p:style>
+            <a:lnRef idx="2">
+              <a:schemeClr val="accent1">
+                <a:shade val="50000"/>
+              </a:schemeClr>
+            </a:lnRef>
+            <a:fillRef idx="1">
+              <a:schemeClr val="accent1"/>
+            </a:fillRef>
+            <a:effectRef idx="0">
+              <a:schemeClr val="accent1"/>
+            </a:effectRef>
+            <a:fontRef idx="minor">
+              <a:schemeClr val="lt1"/>
+            </a:fontRef>
+          </p:style>
+          <p:txBody>
+            <a:bodyPr rtlCol="0" anchor="ctr"/>
+            <a:lstStyle/>
+            <a:p>
+              <a:pPr algn="ctr"/>
+              <a:endParaRPr lang="fr-FR"/>
+            </a:p>
+          </p:txBody>
+        </p:sp>
+      </p:grpSp>
+      <p:sp>
+        <p:nvSpPr>
+          <p:cNvPr id="13" name="Title 12"/>
+          <p:cNvSpPr>
+            <a:spLocks noGrp="1"/>
+          </p:cNvSpPr>
+          <p:nvPr>
+            <p:ph type="title"/>
+          </p:nvPr>
+        </p:nvSpPr>
+        <p:spPr/>
+        <p:txBody>
+          <a:bodyPr anchor="t"/>
+          <a:lstStyle/>
+          <a:p>
+            <a:r>
+              <a:rPr lang="en-US" dirty="0"/>
+              <a:t>Let’s start with A question…</a:t>
+            </a:r>
+          </a:p>
+        </p:txBody>
+      </p:sp>
+      <p:grpSp>
+        <p:nvGrpSpPr>
+          <p:cNvPr id="3" name="Group 2"/>
+          <p:cNvGrpSpPr/>
+          <p:nvPr/>
+        </p:nvGrpSpPr>
+        <p:grpSpPr>
+          <a:xfrm>
+            <a:off x="2423592" y="2304000"/>
+            <a:ext cx="576064" cy="280831"/>
+            <a:chOff x="2423592" y="2304000"/>
+            <a:chExt cx="576064" cy="280831"/>
+          </a:xfrm>
+        </p:grpSpPr>
+        <p:sp>
+          <p:nvSpPr>
+            <p:cNvPr id="7" name="Arrow: Right 6"/>
+            <p:cNvSpPr/>
+            <p:nvPr/>
+          </p:nvSpPr>
+          <p:spPr>
+            <a:xfrm>
+              <a:off x="2423592" y="2304000"/>
+              <a:ext cx="324000" cy="280831"/>
+            </a:xfrm>
+            <a:prstGeom prst="rightArrow">
+              <a:avLst/>
+            </a:prstGeom>
+            <a:solidFill>
+              <a:srgbClr val="FF6600"/>
+            </a:solidFill>
+            <a:ln>
+              <a:solidFill>
+                <a:srgbClr val="C00000"/>
+              </a:solidFill>
+            </a:ln>
+          </p:spPr>
+          <p:style>
+            <a:lnRef idx="2">
+              <a:schemeClr val="accent1">
+                <a:shade val="50000"/>
+              </a:schemeClr>
+            </a:lnRef>
+            <a:fillRef idx="1">
+              <a:schemeClr val="accent1"/>
+            </a:fillRef>
+            <a:effectRef idx="0">
+              <a:schemeClr val="accent1"/>
+            </a:effectRef>
+            <a:fontRef idx="minor">
+              <a:schemeClr val="lt1"/>
+            </a:fontRef>
+          </p:style>
+          <p:txBody>
+            <a:bodyPr rtlCol="0" anchor="ctr"/>
+            <a:lstStyle/>
+            <a:p>
+              <a:pPr algn="ctr"/>
+              <a:endParaRPr lang="fr-FR"/>
+            </a:p>
+          </p:txBody>
+        </p:sp>
+        <p:cxnSp>
+          <p:nvCxnSpPr>
+            <p:cNvPr id="8" name="Straight Connector 7"/>
+            <p:cNvCxnSpPr/>
+            <p:nvPr/>
+          </p:nvCxnSpPr>
+          <p:spPr>
+            <a:xfrm>
+              <a:off x="2855640" y="2304000"/>
+              <a:ext cx="0" cy="252000"/>
+            </a:xfrm>
+            <a:prstGeom prst="line">
+              <a:avLst/>
+            </a:prstGeom>
+            <a:ln w="44450">
+              <a:solidFill>
+                <a:srgbClr val="C00000"/>
+              </a:solidFill>
+            </a:ln>
+          </p:spPr>
+          <p:style>
+            <a:lnRef idx="1">
+              <a:schemeClr val="accent1"/>
+            </a:lnRef>
+            <a:fillRef idx="0">
+              <a:schemeClr val="accent1"/>
+            </a:fillRef>
+            <a:effectRef idx="0">
+              <a:schemeClr val="accent1"/>
+            </a:effectRef>
+            <a:fontRef idx="minor">
+              <a:schemeClr val="tx1"/>
+            </a:fontRef>
+          </p:style>
+        </p:cxnSp>
+        <p:cxnSp>
+          <p:nvCxnSpPr>
+            <p:cNvPr id="11" name="Straight Connector 10"/>
+            <p:cNvCxnSpPr/>
+            <p:nvPr/>
+          </p:nvCxnSpPr>
+          <p:spPr>
+            <a:xfrm>
+              <a:off x="2999656" y="2304000"/>
+              <a:ext cx="0" cy="252000"/>
+            </a:xfrm>
+            <a:prstGeom prst="line">
+              <a:avLst/>
+            </a:prstGeom>
+            <a:ln w="44450">
+              <a:solidFill>
+                <a:srgbClr val="C00000"/>
+              </a:solidFill>
+            </a:ln>
+          </p:spPr>
+          <p:style>
+            <a:lnRef idx="1">
+              <a:schemeClr val="accent1"/>
+            </a:lnRef>
+            <a:fillRef idx="0">
+              <a:schemeClr val="accent1"/>
+            </a:fillRef>
+            <a:effectRef idx="0">
+              <a:schemeClr val="accent1"/>
+            </a:effectRef>
+            <a:fontRef idx="minor">
+              <a:schemeClr val="tx1"/>
+            </a:fontRef>
+          </p:style>
+        </p:cxnSp>
+      </p:grpSp>
+      <p:pic>
+        <p:nvPicPr>
+          <p:cNvPr id="15" name="Picture 14"/>
+          <p:cNvPicPr>
+            <a:picLocks noChangeAspect="1"/>
+          </p:cNvPicPr>
+          <p:nvPr/>
+        </p:nvPicPr>
+        <p:blipFill rotWithShape="1">
+          <a:blip r:embed="rId3"/>
+          <a:srcRect l="17865" t="49279" r="33058" b="45230"/>
+          <a:stretch/>
+        </p:blipFill>
+        <p:spPr>
+          <a:xfrm>
+            <a:off x="3168000" y="3528000"/>
+            <a:ext cx="5760640" cy="360040"/>
+          </a:xfrm>
+          <a:prstGeom prst="rect">
+            <a:avLst/>
+          </a:prstGeom>
+          <a:noFill/>
+          <a:ln>
+            <a:noFill/>
+          </a:ln>
+        </p:spPr>
+      </p:pic>
+      <p:pic>
+        <p:nvPicPr>
+          <p:cNvPr id="19" name="Picture 18"/>
+          <p:cNvPicPr>
+            <a:picLocks noChangeAspect="1"/>
+          </p:cNvPicPr>
+          <p:nvPr/>
+        </p:nvPicPr>
+        <p:blipFill rotWithShape="1">
+          <a:blip r:embed="rId2">
+            <a:clrChange>
+              <a:clrFrom>
+                <a:srgbClr val="000000"/>
+              </a:clrFrom>
+              <a:clrTo>
+                <a:srgbClr val="000000">
+                  <a:alpha val="0"/>
+                </a:srgbClr>
+              </a:clrTo>
+            </a:clrChange>
+            <a:duotone>
+              <a:schemeClr val="accent5">
+                <a:shade val="45000"/>
+                <a:satMod val="135000"/>
+              </a:schemeClr>
+              <a:prstClr val="white"/>
+            </a:duotone>
+          </a:blip>
+          <a:srcRect l="55372" t="31036" r="35542" b="61342"/>
+          <a:stretch/>
+        </p:blipFill>
+        <p:spPr>
+          <a:xfrm>
+            <a:off x="7392144" y="2304001"/>
+            <a:ext cx="1008112" cy="476928"/>
+          </a:xfrm>
+          <a:prstGeom prst="rect">
+            <a:avLst/>
+          </a:prstGeom>
+          <a:noFill/>
+          <a:ln>
+            <a:noFill/>
+          </a:ln>
+        </p:spPr>
+      </p:pic>
+      <p:sp>
+        <p:nvSpPr>
+          <p:cNvPr id="20" name="Arrow: Right 19"/>
+          <p:cNvSpPr/>
+          <p:nvPr/>
+        </p:nvSpPr>
+        <p:spPr>
+          <a:xfrm>
+            <a:off x="2891680" y="5292000"/>
+            <a:ext cx="324000" cy="280831"/>
+          </a:xfrm>
+          <a:prstGeom prst="rightArrow">
+            <a:avLst/>
+          </a:prstGeom>
+          <a:solidFill>
+            <a:schemeClr val="accent2">
+              <a:lumMod val="60000"/>
+              <a:lumOff val="40000"/>
+            </a:schemeClr>
+          </a:solidFill>
+          <a:ln>
+            <a:solidFill>
+              <a:srgbClr val="00B050"/>
+            </a:solidFill>
+          </a:ln>
+        </p:spPr>
+        <p:style>
+          <a:lnRef idx="2">
+            <a:schemeClr val="accent1">
+              <a:shade val="50000"/>
+            </a:schemeClr>
+          </a:lnRef>
+          <a:fillRef idx="1">
+            <a:schemeClr val="accent1"/>
+          </a:fillRef>
+          <a:effectRef idx="0">
+            <a:schemeClr val="accent1"/>
+          </a:effectRef>
+          <a:fontRef idx="minor">
+            <a:schemeClr val="lt1"/>
+          </a:fontRef>
+        </p:style>
+        <p:txBody>
+          <a:bodyPr rtlCol="0" anchor="ctr"/>
+          <a:lstStyle/>
+          <a:p>
+            <a:pPr algn="ctr"/>
+            <a:endParaRPr lang="fr-FR"/>
+          </a:p>
+        </p:txBody>
+      </p:sp>
+      <p:pic>
+        <p:nvPicPr>
+          <p:cNvPr id="21" name="Picture 4" descr="Afficher l'image d'origine"/>
+          <p:cNvPicPr>
+            <a:picLocks noChangeAspect="1" noChangeArrowheads="1"/>
+          </p:cNvPicPr>
+          <p:nvPr/>
+        </p:nvPicPr>
+        <p:blipFill>
+          <a:blip r:embed="rId4" cstate="print">
+            <a:clrChange>
+              <a:clrFrom>
+                <a:srgbClr val="FFFFFF"/>
+              </a:clrFrom>
+              <a:clrTo>
+                <a:srgbClr val="FFFFFF">
+                  <a:alpha val="0"/>
+                </a:srgbClr>
+              </a:clrTo>
+            </a:clrChange>
+            <a:lum bright="70000" contrast="-70000"/>
+            <a:extLst>
+              <a:ext uri="{28A0092B-C50C-407E-A947-70E740481C1C}">
+                <a14:useLocalDpi xmlns:a14="http://schemas.microsoft.com/office/drawing/2010/main" val="0"/>
+              </a:ext>
+            </a:extLst>
+          </a:blip>
+          <a:srcRect/>
+          <a:stretch>
+            <a:fillRect/>
+          </a:stretch>
+        </p:blipFill>
+        <p:spPr bwMode="auto">
+          <a:xfrm>
+            <a:off x="2495600" y="5274000"/>
+            <a:ext cx="288032" cy="288032"/>
+          </a:xfrm>
+          <a:prstGeom prst="rect">
+            <a:avLst/>
+          </a:prstGeom>
+          <a:noFill/>
+          <a:extLst>
+            <a:ext uri="{909E8E84-426E-40DD-AFC4-6F175D3DCCD1}">
+              <a14:hiddenFill xmlns:a14="http://schemas.microsoft.com/office/drawing/2010/main">
+                <a:solidFill>
+                  <a:srgbClr val="FFFFFF"/>
+                </a:solidFill>
+              </a14:hiddenFill>
+            </a:ext>
+          </a:extLst>
+        </p:spPr>
+      </p:pic>
+      <p:cxnSp>
+        <p:nvCxnSpPr>
+          <p:cNvPr id="14" name="Straight Connector 13"/>
+          <p:cNvCxnSpPr/>
+          <p:nvPr/>
+        </p:nvCxnSpPr>
+        <p:spPr>
+          <a:xfrm>
+            <a:off x="7392144" y="2636912"/>
+            <a:ext cx="864096" cy="0"/>
+          </a:xfrm>
+          <a:prstGeom prst="line">
+            <a:avLst/>
+          </a:prstGeom>
+          <a:ln w="44450">
+            <a:solidFill>
+              <a:srgbClr val="C00000"/>
+            </a:solidFill>
+          </a:ln>
+        </p:spPr>
+        <p:style>
+          <a:lnRef idx="1">
+            <a:schemeClr val="accent1"/>
+          </a:lnRef>
+          <a:fillRef idx="0">
+            <a:schemeClr val="accent1"/>
+          </a:fillRef>
+          <a:effectRef idx="0">
+            <a:schemeClr val="accent1"/>
+          </a:effectRef>
+          <a:fontRef idx="minor">
+            <a:schemeClr val="tx1"/>
+          </a:fontRef>
+        </p:style>
+      </p:cxnSp>
     </p:spTree>
     <p:extLst>
       <p:ext uri="{BB962C8B-B14F-4D97-AF65-F5344CB8AC3E}">
@@ -12340,7 +13105,7 @@
 </p:sld>
 </file>
 
-<file path=ppt/slides/slide18.xml><?xml version="1.0" encoding="utf-8"?>
+<file path=ppt/slides/slide19.xml><?xml version="1.0" encoding="utf-8"?>
 <p:sld xmlns:a="http://schemas.openxmlformats.org/drawingml/2006/main" xmlns:r="http://schemas.openxmlformats.org/officeDocument/2006/relationships" xmlns:p="http://schemas.openxmlformats.org/presentationml/2006/main">
   <p:cSld>
     <p:spTree>
@@ -12727,422 +13492,45 @@
           </a:p>
         </p:txBody>
       </p:sp>
-    </p:spTree>
-    <p:extLst>
-      <p:ext uri="{BB962C8B-B14F-4D97-AF65-F5344CB8AC3E}">
-        <p14:creationId xmlns:p14="http://schemas.microsoft.com/office/powerpoint/2010/main" val="2254351038"/>
-      </p:ext>
-    </p:extLst>
-  </p:cSld>
-  <p:clrMapOvr>
-    <a:masterClrMapping/>
-  </p:clrMapOvr>
-  <mc:AlternateContent xmlns:mc="http://schemas.openxmlformats.org/markup-compatibility/2006" xmlns:p14="http://schemas.microsoft.com/office/powerpoint/2010/main">
-    <mc:Choice Requires="p14">
-      <p:transition spd="med" p14:dur="700">
-        <p:fade/>
-      </p:transition>
-    </mc:Choice>
-    <mc:Fallback xmlns="">
-      <p:transition spd="med">
-        <p:fade/>
-      </p:transition>
-    </mc:Fallback>
-  </mc:AlternateContent>
-</p:sld>
-</file>
-
-<file path=ppt/slides/slide19.xml><?xml version="1.0" encoding="utf-8"?>
-<p:sld xmlns:a="http://schemas.openxmlformats.org/drawingml/2006/main" xmlns:r="http://schemas.openxmlformats.org/officeDocument/2006/relationships" xmlns:p="http://schemas.openxmlformats.org/presentationml/2006/main">
-  <p:cSld>
-    <p:spTree>
-      <p:nvGrpSpPr>
-        <p:cNvPr id="1" name=""/>
-        <p:cNvGrpSpPr/>
-        <p:nvPr/>
-      </p:nvGrpSpPr>
-      <p:grpSpPr>
-        <a:xfrm>
-          <a:off x="0" y="0"/>
-          <a:ext cx="0" cy="0"/>
-          <a:chOff x="0" y="0"/>
-          <a:chExt cx="0" cy="0"/>
-        </a:xfrm>
-      </p:grpSpPr>
-      <p:grpSp>
-        <p:nvGrpSpPr>
-          <p:cNvPr id="6" name="Group 5"/>
-          <p:cNvGrpSpPr/>
+      <p:cxnSp>
+        <p:nvCxnSpPr>
+          <p:cNvPr id="14" name="Straight Connector 13"/>
+          <p:cNvCxnSpPr/>
           <p:nvPr/>
-        </p:nvGrpSpPr>
-        <p:grpSpPr>
-          <a:xfrm>
-            <a:off x="1415480" y="1066800"/>
-            <a:ext cx="9361040" cy="5437627"/>
-            <a:chOff x="1415480" y="1066800"/>
-            <a:chExt cx="9361040" cy="5437627"/>
-          </a:xfrm>
-        </p:grpSpPr>
-        <p:pic>
-          <p:nvPicPr>
-            <p:cNvPr id="4" name="Picture 3"/>
-            <p:cNvPicPr>
-              <a:picLocks noChangeAspect="1"/>
-            </p:cNvPicPr>
-            <p:nvPr/>
-          </p:nvPicPr>
-          <p:blipFill rotWithShape="1">
-            <a:blip r:embed="rId2"/>
-            <a:srcRect l="1506" t="11264" r="14126" b="1835"/>
-            <a:stretch/>
-          </p:blipFill>
-          <p:spPr>
-            <a:xfrm>
-              <a:off x="1415480" y="1066800"/>
-              <a:ext cx="9361040" cy="5437627"/>
-            </a:xfrm>
-            <a:prstGeom prst="rect">
-              <a:avLst/>
-            </a:prstGeom>
-            <a:noFill/>
-            <a:ln>
-              <a:solidFill>
-                <a:schemeClr val="accent1"/>
-              </a:solidFill>
-            </a:ln>
-          </p:spPr>
-        </p:pic>
-        <p:sp>
-          <p:nvSpPr>
-            <p:cNvPr id="5" name="Rectangle 4"/>
-            <p:cNvSpPr/>
-            <p:nvPr/>
-          </p:nvSpPr>
-          <p:spPr>
-            <a:xfrm>
-              <a:off x="1919536" y="5877272"/>
-              <a:ext cx="792088" cy="560320"/>
-            </a:xfrm>
-            <a:prstGeom prst="rect">
-              <a:avLst/>
-            </a:prstGeom>
-            <a:solidFill>
-              <a:schemeClr val="bg1"/>
-            </a:solidFill>
-            <a:ln>
-              <a:solidFill>
-                <a:schemeClr val="bg1"/>
-              </a:solidFill>
-            </a:ln>
-          </p:spPr>
-          <p:style>
-            <a:lnRef idx="2">
-              <a:schemeClr val="accent1">
-                <a:shade val="50000"/>
-              </a:schemeClr>
-            </a:lnRef>
-            <a:fillRef idx="1">
-              <a:schemeClr val="accent1"/>
-            </a:fillRef>
-            <a:effectRef idx="0">
-              <a:schemeClr val="accent1"/>
-            </a:effectRef>
-            <a:fontRef idx="minor">
-              <a:schemeClr val="lt1"/>
-            </a:fontRef>
-          </p:style>
-          <p:txBody>
-            <a:bodyPr rtlCol="0" anchor="ctr"/>
-            <a:lstStyle/>
-            <a:p>
-              <a:pPr algn="ctr"/>
-              <a:endParaRPr lang="fr-FR"/>
-            </a:p>
-          </p:txBody>
-        </p:sp>
-      </p:grpSp>
-      <p:sp>
-        <p:nvSpPr>
-          <p:cNvPr id="13" name="Title 12"/>
-          <p:cNvSpPr>
-            <a:spLocks noGrp="1"/>
-          </p:cNvSpPr>
-          <p:nvPr>
-            <p:ph type="title"/>
-          </p:nvPr>
-        </p:nvSpPr>
-        <p:spPr/>
-        <p:txBody>
-          <a:bodyPr anchor="t"/>
-          <a:lstStyle/>
-          <a:p>
-            <a:r>
-              <a:rPr lang="en-US" dirty="0"/>
-              <a:t>Let’s start with A question…</a:t>
-            </a:r>
-          </a:p>
-        </p:txBody>
-      </p:sp>
-      <p:sp>
-        <p:nvSpPr>
-          <p:cNvPr id="8" name="Arrow: Right 7"/>
-          <p:cNvSpPr/>
-          <p:nvPr/>
-        </p:nvSpPr>
+        </p:nvCxnSpPr>
         <p:spPr>
           <a:xfrm>
-            <a:off x="2423592" y="5529606"/>
-            <a:ext cx="324000" cy="280831"/>
+            <a:off x="7392144" y="2636912"/>
+            <a:ext cx="864096" cy="0"/>
           </a:xfrm>
-          <a:prstGeom prst="rightArrow">
+          <a:prstGeom prst="line">
             <a:avLst/>
           </a:prstGeom>
-          <a:solidFill>
-            <a:schemeClr val="accent2">
-              <a:lumMod val="60000"/>
-              <a:lumOff val="40000"/>
-            </a:schemeClr>
-          </a:solidFill>
-          <a:ln>
+          <a:ln w="44450">
             <a:solidFill>
-              <a:srgbClr val="00B050"/>
+              <a:srgbClr val="C00000"/>
             </a:solidFill>
           </a:ln>
         </p:spPr>
         <p:style>
-          <a:lnRef idx="2">
-            <a:schemeClr val="accent1">
-              <a:shade val="50000"/>
-            </a:schemeClr>
+          <a:lnRef idx="1">
+            <a:schemeClr val="accent1"/>
           </a:lnRef>
-          <a:fillRef idx="1">
+          <a:fillRef idx="0">
             <a:schemeClr val="accent1"/>
           </a:fillRef>
           <a:effectRef idx="0">
             <a:schemeClr val="accent1"/>
           </a:effectRef>
           <a:fontRef idx="minor">
-            <a:schemeClr val="lt1"/>
+            <a:schemeClr val="tx1"/>
           </a:fontRef>
         </p:style>
-        <p:txBody>
-          <a:bodyPr rtlCol="0" anchor="ctr"/>
-          <a:lstStyle/>
-          <a:p>
-            <a:pPr algn="ctr"/>
-            <a:endParaRPr lang="fr-FR"/>
-          </a:p>
-        </p:txBody>
-      </p:sp>
-      <p:grpSp>
-        <p:nvGrpSpPr>
-          <p:cNvPr id="12" name="Group 11"/>
-          <p:cNvGrpSpPr/>
-          <p:nvPr/>
-        </p:nvGrpSpPr>
-        <p:grpSpPr>
-          <a:xfrm>
-            <a:off x="2423592" y="2304000"/>
-            <a:ext cx="576064" cy="280831"/>
-            <a:chOff x="2423592" y="2304000"/>
-            <a:chExt cx="576064" cy="280831"/>
-          </a:xfrm>
-        </p:grpSpPr>
-        <p:sp>
-          <p:nvSpPr>
-            <p:cNvPr id="15" name="Arrow: Right 14"/>
-            <p:cNvSpPr/>
-            <p:nvPr/>
-          </p:nvSpPr>
-          <p:spPr>
-            <a:xfrm>
-              <a:off x="2423592" y="2304000"/>
-              <a:ext cx="324000" cy="280831"/>
-            </a:xfrm>
-            <a:prstGeom prst="rightArrow">
-              <a:avLst/>
-            </a:prstGeom>
-            <a:solidFill>
-              <a:srgbClr val="FF6600"/>
-            </a:solidFill>
-            <a:ln>
-              <a:solidFill>
-                <a:srgbClr val="C00000"/>
-              </a:solidFill>
-            </a:ln>
-          </p:spPr>
-          <p:style>
-            <a:lnRef idx="2">
-              <a:schemeClr val="accent1">
-                <a:shade val="50000"/>
-              </a:schemeClr>
-            </a:lnRef>
-            <a:fillRef idx="1">
-              <a:schemeClr val="accent1"/>
-            </a:fillRef>
-            <a:effectRef idx="0">
-              <a:schemeClr val="accent1"/>
-            </a:effectRef>
-            <a:fontRef idx="minor">
-              <a:schemeClr val="lt1"/>
-            </a:fontRef>
-          </p:style>
-          <p:txBody>
-            <a:bodyPr rtlCol="0" anchor="ctr"/>
-            <a:lstStyle/>
-            <a:p>
-              <a:pPr algn="ctr"/>
-              <a:endParaRPr lang="fr-FR"/>
-            </a:p>
-          </p:txBody>
-        </p:sp>
-        <p:cxnSp>
-          <p:nvCxnSpPr>
-            <p:cNvPr id="16" name="Straight Connector 15"/>
-            <p:cNvCxnSpPr/>
-            <p:nvPr/>
-          </p:nvCxnSpPr>
-          <p:spPr>
-            <a:xfrm>
-              <a:off x="2855640" y="2304000"/>
-              <a:ext cx="0" cy="252000"/>
-            </a:xfrm>
-            <a:prstGeom prst="line">
-              <a:avLst/>
-            </a:prstGeom>
-            <a:ln w="44450">
-              <a:solidFill>
-                <a:srgbClr val="C00000"/>
-              </a:solidFill>
-            </a:ln>
-          </p:spPr>
-          <p:style>
-            <a:lnRef idx="1">
-              <a:schemeClr val="accent1"/>
-            </a:lnRef>
-            <a:fillRef idx="0">
-              <a:schemeClr val="accent1"/>
-            </a:fillRef>
-            <a:effectRef idx="0">
-              <a:schemeClr val="accent1"/>
-            </a:effectRef>
-            <a:fontRef idx="minor">
-              <a:schemeClr val="tx1"/>
-            </a:fontRef>
-          </p:style>
-        </p:cxnSp>
-        <p:cxnSp>
-          <p:nvCxnSpPr>
-            <p:cNvPr id="17" name="Straight Connector 16"/>
-            <p:cNvCxnSpPr/>
-            <p:nvPr/>
-          </p:nvCxnSpPr>
-          <p:spPr>
-            <a:xfrm>
-              <a:off x="2999656" y="2304000"/>
-              <a:ext cx="0" cy="252000"/>
-            </a:xfrm>
-            <a:prstGeom prst="line">
-              <a:avLst/>
-            </a:prstGeom>
-            <a:ln w="44450">
-              <a:solidFill>
-                <a:srgbClr val="C00000"/>
-              </a:solidFill>
-            </a:ln>
-          </p:spPr>
-          <p:style>
-            <a:lnRef idx="1">
-              <a:schemeClr val="accent1"/>
-            </a:lnRef>
-            <a:fillRef idx="0">
-              <a:schemeClr val="accent1"/>
-            </a:fillRef>
-            <a:effectRef idx="0">
-              <a:schemeClr val="accent1"/>
-            </a:effectRef>
-            <a:fontRef idx="minor">
-              <a:schemeClr val="tx1"/>
-            </a:fontRef>
-          </p:style>
-        </p:cxnSp>
-      </p:grpSp>
-      <p:pic>
-        <p:nvPicPr>
-          <p:cNvPr id="18" name="Picture 17"/>
-          <p:cNvPicPr>
-            <a:picLocks noChangeAspect="1"/>
-          </p:cNvPicPr>
-          <p:nvPr/>
-        </p:nvPicPr>
-        <p:blipFill rotWithShape="1">
-          <a:blip r:embed="rId3"/>
-          <a:srcRect l="17865" t="49279" r="33058" b="45230"/>
-          <a:stretch/>
-        </p:blipFill>
-        <p:spPr>
-          <a:xfrm>
-            <a:off x="3168000" y="3528000"/>
-            <a:ext cx="5760640" cy="360040"/>
-          </a:xfrm>
-          <a:prstGeom prst="rect">
-            <a:avLst/>
-          </a:prstGeom>
-          <a:noFill/>
-          <a:ln>
-            <a:noFill/>
-          </a:ln>
-        </p:spPr>
-      </p:pic>
-      <p:pic>
-        <p:nvPicPr>
-          <p:cNvPr id="19" name="Picture 18"/>
-          <p:cNvPicPr>
-            <a:picLocks noChangeAspect="1"/>
-          </p:cNvPicPr>
-          <p:nvPr/>
-        </p:nvPicPr>
-        <p:blipFill rotWithShape="1">
-          <a:blip r:embed="rId2">
-            <a:clrChange>
-              <a:clrFrom>
-                <a:srgbClr val="000000"/>
-              </a:clrFrom>
-              <a:clrTo>
-                <a:srgbClr val="000000">
-                  <a:alpha val="0"/>
-                </a:srgbClr>
-              </a:clrTo>
-            </a:clrChange>
-            <a:duotone>
-              <a:schemeClr val="accent5">
-                <a:shade val="45000"/>
-                <a:satMod val="135000"/>
-              </a:schemeClr>
-              <a:prstClr val="white"/>
-            </a:duotone>
-          </a:blip>
-          <a:srcRect l="55372" t="31036" r="35542" b="61342"/>
-          <a:stretch/>
-        </p:blipFill>
-        <p:spPr>
-          <a:xfrm>
-            <a:off x="7392144" y="2304001"/>
-            <a:ext cx="1008112" cy="476928"/>
-          </a:xfrm>
-          <a:prstGeom prst="rect">
-            <a:avLst/>
-          </a:prstGeom>
-          <a:noFill/>
-          <a:ln>
-            <a:noFill/>
-          </a:ln>
-        </p:spPr>
-      </p:pic>
+      </p:cxnSp>
     </p:spTree>
     <p:extLst>
       <p:ext uri="{BB962C8B-B14F-4D97-AF65-F5344CB8AC3E}">
-        <p14:creationId xmlns:p14="http://schemas.microsoft.com/office/powerpoint/2010/main" val="73806927"/>
+        <p14:creationId xmlns:p14="http://schemas.microsoft.com/office/powerpoint/2010/main" val="2254351038"/>
       </p:ext>
     </p:extLst>
   </p:cSld>
@@ -13832,6 +14220,453 @@
         </p:nvSpPr>
         <p:spPr>
           <a:xfrm>
+            <a:off x="2423592" y="5529606"/>
+            <a:ext cx="324000" cy="280831"/>
+          </a:xfrm>
+          <a:prstGeom prst="rightArrow">
+            <a:avLst/>
+          </a:prstGeom>
+          <a:solidFill>
+            <a:schemeClr val="accent2">
+              <a:lumMod val="60000"/>
+              <a:lumOff val="40000"/>
+            </a:schemeClr>
+          </a:solidFill>
+          <a:ln>
+            <a:solidFill>
+              <a:srgbClr val="00B050"/>
+            </a:solidFill>
+          </a:ln>
+        </p:spPr>
+        <p:style>
+          <a:lnRef idx="2">
+            <a:schemeClr val="accent1">
+              <a:shade val="50000"/>
+            </a:schemeClr>
+          </a:lnRef>
+          <a:fillRef idx="1">
+            <a:schemeClr val="accent1"/>
+          </a:fillRef>
+          <a:effectRef idx="0">
+            <a:schemeClr val="accent1"/>
+          </a:effectRef>
+          <a:fontRef idx="minor">
+            <a:schemeClr val="lt1"/>
+          </a:fontRef>
+        </p:style>
+        <p:txBody>
+          <a:bodyPr rtlCol="0" anchor="ctr"/>
+          <a:lstStyle/>
+          <a:p>
+            <a:pPr algn="ctr"/>
+            <a:endParaRPr lang="fr-FR"/>
+          </a:p>
+        </p:txBody>
+      </p:sp>
+      <p:grpSp>
+        <p:nvGrpSpPr>
+          <p:cNvPr id="12" name="Group 11"/>
+          <p:cNvGrpSpPr/>
+          <p:nvPr/>
+        </p:nvGrpSpPr>
+        <p:grpSpPr>
+          <a:xfrm>
+            <a:off x="2423592" y="2304000"/>
+            <a:ext cx="576064" cy="280831"/>
+            <a:chOff x="2423592" y="2304000"/>
+            <a:chExt cx="576064" cy="280831"/>
+          </a:xfrm>
+        </p:grpSpPr>
+        <p:sp>
+          <p:nvSpPr>
+            <p:cNvPr id="15" name="Arrow: Right 14"/>
+            <p:cNvSpPr/>
+            <p:nvPr/>
+          </p:nvSpPr>
+          <p:spPr>
+            <a:xfrm>
+              <a:off x="2423592" y="2304000"/>
+              <a:ext cx="324000" cy="280831"/>
+            </a:xfrm>
+            <a:prstGeom prst="rightArrow">
+              <a:avLst/>
+            </a:prstGeom>
+            <a:solidFill>
+              <a:srgbClr val="FF6600"/>
+            </a:solidFill>
+            <a:ln>
+              <a:solidFill>
+                <a:srgbClr val="C00000"/>
+              </a:solidFill>
+            </a:ln>
+          </p:spPr>
+          <p:style>
+            <a:lnRef idx="2">
+              <a:schemeClr val="accent1">
+                <a:shade val="50000"/>
+              </a:schemeClr>
+            </a:lnRef>
+            <a:fillRef idx="1">
+              <a:schemeClr val="accent1"/>
+            </a:fillRef>
+            <a:effectRef idx="0">
+              <a:schemeClr val="accent1"/>
+            </a:effectRef>
+            <a:fontRef idx="minor">
+              <a:schemeClr val="lt1"/>
+            </a:fontRef>
+          </p:style>
+          <p:txBody>
+            <a:bodyPr rtlCol="0" anchor="ctr"/>
+            <a:lstStyle/>
+            <a:p>
+              <a:pPr algn="ctr"/>
+              <a:endParaRPr lang="fr-FR"/>
+            </a:p>
+          </p:txBody>
+        </p:sp>
+        <p:cxnSp>
+          <p:nvCxnSpPr>
+            <p:cNvPr id="16" name="Straight Connector 15"/>
+            <p:cNvCxnSpPr/>
+            <p:nvPr/>
+          </p:nvCxnSpPr>
+          <p:spPr>
+            <a:xfrm>
+              <a:off x="2855640" y="2304000"/>
+              <a:ext cx="0" cy="252000"/>
+            </a:xfrm>
+            <a:prstGeom prst="line">
+              <a:avLst/>
+            </a:prstGeom>
+            <a:ln w="44450">
+              <a:solidFill>
+                <a:srgbClr val="C00000"/>
+              </a:solidFill>
+            </a:ln>
+          </p:spPr>
+          <p:style>
+            <a:lnRef idx="1">
+              <a:schemeClr val="accent1"/>
+            </a:lnRef>
+            <a:fillRef idx="0">
+              <a:schemeClr val="accent1"/>
+            </a:fillRef>
+            <a:effectRef idx="0">
+              <a:schemeClr val="accent1"/>
+            </a:effectRef>
+            <a:fontRef idx="minor">
+              <a:schemeClr val="tx1"/>
+            </a:fontRef>
+          </p:style>
+        </p:cxnSp>
+        <p:cxnSp>
+          <p:nvCxnSpPr>
+            <p:cNvPr id="17" name="Straight Connector 16"/>
+            <p:cNvCxnSpPr/>
+            <p:nvPr/>
+          </p:nvCxnSpPr>
+          <p:spPr>
+            <a:xfrm>
+              <a:off x="2999656" y="2304000"/>
+              <a:ext cx="0" cy="252000"/>
+            </a:xfrm>
+            <a:prstGeom prst="line">
+              <a:avLst/>
+            </a:prstGeom>
+            <a:ln w="44450">
+              <a:solidFill>
+                <a:srgbClr val="C00000"/>
+              </a:solidFill>
+            </a:ln>
+          </p:spPr>
+          <p:style>
+            <a:lnRef idx="1">
+              <a:schemeClr val="accent1"/>
+            </a:lnRef>
+            <a:fillRef idx="0">
+              <a:schemeClr val="accent1"/>
+            </a:fillRef>
+            <a:effectRef idx="0">
+              <a:schemeClr val="accent1"/>
+            </a:effectRef>
+            <a:fontRef idx="minor">
+              <a:schemeClr val="tx1"/>
+            </a:fontRef>
+          </p:style>
+        </p:cxnSp>
+      </p:grpSp>
+      <p:pic>
+        <p:nvPicPr>
+          <p:cNvPr id="18" name="Picture 17"/>
+          <p:cNvPicPr>
+            <a:picLocks noChangeAspect="1"/>
+          </p:cNvPicPr>
+          <p:nvPr/>
+        </p:nvPicPr>
+        <p:blipFill rotWithShape="1">
+          <a:blip r:embed="rId3"/>
+          <a:srcRect l="17865" t="49279" r="33058" b="45230"/>
+          <a:stretch/>
+        </p:blipFill>
+        <p:spPr>
+          <a:xfrm>
+            <a:off x="3168000" y="3528000"/>
+            <a:ext cx="5760640" cy="360040"/>
+          </a:xfrm>
+          <a:prstGeom prst="rect">
+            <a:avLst/>
+          </a:prstGeom>
+          <a:noFill/>
+          <a:ln>
+            <a:noFill/>
+          </a:ln>
+        </p:spPr>
+      </p:pic>
+      <p:pic>
+        <p:nvPicPr>
+          <p:cNvPr id="19" name="Picture 18"/>
+          <p:cNvPicPr>
+            <a:picLocks noChangeAspect="1"/>
+          </p:cNvPicPr>
+          <p:nvPr/>
+        </p:nvPicPr>
+        <p:blipFill rotWithShape="1">
+          <a:blip r:embed="rId2">
+            <a:clrChange>
+              <a:clrFrom>
+                <a:srgbClr val="000000"/>
+              </a:clrFrom>
+              <a:clrTo>
+                <a:srgbClr val="000000">
+                  <a:alpha val="0"/>
+                </a:srgbClr>
+              </a:clrTo>
+            </a:clrChange>
+            <a:duotone>
+              <a:schemeClr val="accent5">
+                <a:shade val="45000"/>
+                <a:satMod val="135000"/>
+              </a:schemeClr>
+              <a:prstClr val="white"/>
+            </a:duotone>
+          </a:blip>
+          <a:srcRect l="55372" t="31036" r="35542" b="61342"/>
+          <a:stretch/>
+        </p:blipFill>
+        <p:spPr>
+          <a:xfrm>
+            <a:off x="7392144" y="2304001"/>
+            <a:ext cx="1008112" cy="476928"/>
+          </a:xfrm>
+          <a:prstGeom prst="rect">
+            <a:avLst/>
+          </a:prstGeom>
+          <a:noFill/>
+          <a:ln>
+            <a:noFill/>
+          </a:ln>
+        </p:spPr>
+      </p:pic>
+      <p:cxnSp>
+        <p:nvCxnSpPr>
+          <p:cNvPr id="14" name="Straight Connector 13"/>
+          <p:cNvCxnSpPr/>
+          <p:nvPr/>
+        </p:nvCxnSpPr>
+        <p:spPr>
+          <a:xfrm>
+            <a:off x="7392144" y="2636912"/>
+            <a:ext cx="864096" cy="0"/>
+          </a:xfrm>
+          <a:prstGeom prst="line">
+            <a:avLst/>
+          </a:prstGeom>
+          <a:ln w="44450">
+            <a:solidFill>
+              <a:srgbClr val="C00000"/>
+            </a:solidFill>
+          </a:ln>
+        </p:spPr>
+        <p:style>
+          <a:lnRef idx="1">
+            <a:schemeClr val="accent1"/>
+          </a:lnRef>
+          <a:fillRef idx="0">
+            <a:schemeClr val="accent1"/>
+          </a:fillRef>
+          <a:effectRef idx="0">
+            <a:schemeClr val="accent1"/>
+          </a:effectRef>
+          <a:fontRef idx="minor">
+            <a:schemeClr val="tx1"/>
+          </a:fontRef>
+        </p:style>
+      </p:cxnSp>
+    </p:spTree>
+    <p:extLst>
+      <p:ext uri="{BB962C8B-B14F-4D97-AF65-F5344CB8AC3E}">
+        <p14:creationId xmlns:p14="http://schemas.microsoft.com/office/powerpoint/2010/main" val="73806927"/>
+      </p:ext>
+    </p:extLst>
+  </p:cSld>
+  <p:clrMapOvr>
+    <a:masterClrMapping/>
+  </p:clrMapOvr>
+  <mc:AlternateContent xmlns:mc="http://schemas.openxmlformats.org/markup-compatibility/2006" xmlns:p14="http://schemas.microsoft.com/office/powerpoint/2010/main">
+    <mc:Choice Requires="p14">
+      <p:transition spd="med" p14:dur="700">
+        <p:fade/>
+      </p:transition>
+    </mc:Choice>
+    <mc:Fallback xmlns="">
+      <p:transition spd="med">
+        <p:fade/>
+      </p:transition>
+    </mc:Fallback>
+  </mc:AlternateContent>
+</p:sld>
+</file>
+
+<file path=ppt/slides/slide21.xml><?xml version="1.0" encoding="utf-8"?>
+<p:sld xmlns:a="http://schemas.openxmlformats.org/drawingml/2006/main" xmlns:r="http://schemas.openxmlformats.org/officeDocument/2006/relationships" xmlns:p="http://schemas.openxmlformats.org/presentationml/2006/main">
+  <p:cSld>
+    <p:spTree>
+      <p:nvGrpSpPr>
+        <p:cNvPr id="1" name=""/>
+        <p:cNvGrpSpPr/>
+        <p:nvPr/>
+      </p:nvGrpSpPr>
+      <p:grpSpPr>
+        <a:xfrm>
+          <a:off x="0" y="0"/>
+          <a:ext cx="0" cy="0"/>
+          <a:chOff x="0" y="0"/>
+          <a:chExt cx="0" cy="0"/>
+        </a:xfrm>
+      </p:grpSpPr>
+      <p:grpSp>
+        <p:nvGrpSpPr>
+          <p:cNvPr id="6" name="Group 5"/>
+          <p:cNvGrpSpPr/>
+          <p:nvPr/>
+        </p:nvGrpSpPr>
+        <p:grpSpPr>
+          <a:xfrm>
+            <a:off x="1415480" y="1066800"/>
+            <a:ext cx="9361040" cy="5437627"/>
+            <a:chOff x="1415480" y="1066800"/>
+            <a:chExt cx="9361040" cy="5437627"/>
+          </a:xfrm>
+        </p:grpSpPr>
+        <p:pic>
+          <p:nvPicPr>
+            <p:cNvPr id="4" name="Picture 3"/>
+            <p:cNvPicPr>
+              <a:picLocks noChangeAspect="1"/>
+            </p:cNvPicPr>
+            <p:nvPr/>
+          </p:nvPicPr>
+          <p:blipFill rotWithShape="1">
+            <a:blip r:embed="rId2"/>
+            <a:srcRect l="1506" t="11264" r="14126" b="1835"/>
+            <a:stretch/>
+          </p:blipFill>
+          <p:spPr>
+            <a:xfrm>
+              <a:off x="1415480" y="1066800"/>
+              <a:ext cx="9361040" cy="5437627"/>
+            </a:xfrm>
+            <a:prstGeom prst="rect">
+              <a:avLst/>
+            </a:prstGeom>
+            <a:noFill/>
+            <a:ln>
+              <a:solidFill>
+                <a:schemeClr val="accent1"/>
+              </a:solidFill>
+            </a:ln>
+          </p:spPr>
+        </p:pic>
+        <p:sp>
+          <p:nvSpPr>
+            <p:cNvPr id="5" name="Rectangle 4"/>
+            <p:cNvSpPr/>
+            <p:nvPr/>
+          </p:nvSpPr>
+          <p:spPr>
+            <a:xfrm>
+              <a:off x="1919536" y="5877272"/>
+              <a:ext cx="792088" cy="560320"/>
+            </a:xfrm>
+            <a:prstGeom prst="rect">
+              <a:avLst/>
+            </a:prstGeom>
+            <a:solidFill>
+              <a:schemeClr val="bg1"/>
+            </a:solidFill>
+            <a:ln>
+              <a:solidFill>
+                <a:schemeClr val="bg1"/>
+              </a:solidFill>
+            </a:ln>
+          </p:spPr>
+          <p:style>
+            <a:lnRef idx="2">
+              <a:schemeClr val="accent1">
+                <a:shade val="50000"/>
+              </a:schemeClr>
+            </a:lnRef>
+            <a:fillRef idx="1">
+              <a:schemeClr val="accent1"/>
+            </a:fillRef>
+            <a:effectRef idx="0">
+              <a:schemeClr val="accent1"/>
+            </a:effectRef>
+            <a:fontRef idx="minor">
+              <a:schemeClr val="lt1"/>
+            </a:fontRef>
+          </p:style>
+          <p:txBody>
+            <a:bodyPr rtlCol="0" anchor="ctr"/>
+            <a:lstStyle/>
+            <a:p>
+              <a:pPr algn="ctr"/>
+              <a:endParaRPr lang="fr-FR"/>
+            </a:p>
+          </p:txBody>
+        </p:sp>
+      </p:grpSp>
+      <p:sp>
+        <p:nvSpPr>
+          <p:cNvPr id="13" name="Title 12"/>
+          <p:cNvSpPr>
+            <a:spLocks noGrp="1"/>
+          </p:cNvSpPr>
+          <p:nvPr>
+            <p:ph type="title"/>
+          </p:nvPr>
+        </p:nvSpPr>
+        <p:spPr/>
+        <p:txBody>
+          <a:bodyPr anchor="t"/>
+          <a:lstStyle/>
+          <a:p>
+            <a:r>
+              <a:rPr lang="en-US" dirty="0"/>
+              <a:t>Let’s start with A question…</a:t>
+            </a:r>
+          </a:p>
+        </p:txBody>
+      </p:sp>
+      <p:sp>
+        <p:nvSpPr>
+          <p:cNvPr id="8" name="Arrow: Right 7"/>
+          <p:cNvSpPr/>
+          <p:nvPr/>
+        </p:nvSpPr>
+        <p:spPr>
+          <a:xfrm>
             <a:off x="2423592" y="3580217"/>
             <a:ext cx="324000" cy="280831"/>
           </a:xfrm>
@@ -14035,6 +14870,86 @@
           </a:ln>
         </p:spPr>
       </p:pic>
+      <p:cxnSp>
+        <p:nvCxnSpPr>
+          <p:cNvPr id="12" name="Straight Connector 11"/>
+          <p:cNvCxnSpPr/>
+          <p:nvPr/>
+        </p:nvCxnSpPr>
+        <p:spPr>
+          <a:xfrm>
+            <a:off x="7392144" y="2636912"/>
+            <a:ext cx="864096" cy="0"/>
+          </a:xfrm>
+          <a:prstGeom prst="line">
+            <a:avLst/>
+          </a:prstGeom>
+          <a:ln w="44450">
+            <a:solidFill>
+              <a:srgbClr val="C00000"/>
+            </a:solidFill>
+          </a:ln>
+        </p:spPr>
+        <p:style>
+          <a:lnRef idx="1">
+            <a:schemeClr val="accent1"/>
+          </a:lnRef>
+          <a:fillRef idx="0">
+            <a:schemeClr val="accent1"/>
+          </a:fillRef>
+          <a:effectRef idx="0">
+            <a:schemeClr val="accent1"/>
+          </a:effectRef>
+          <a:fontRef idx="minor">
+            <a:schemeClr val="tx1"/>
+          </a:fontRef>
+        </p:style>
+      </p:cxnSp>
+      <p:pic>
+        <p:nvPicPr>
+          <p:cNvPr id="14" name="Picture 13"/>
+          <p:cNvPicPr>
+            <a:picLocks noChangeAspect="1"/>
+          </p:cNvPicPr>
+          <p:nvPr/>
+        </p:nvPicPr>
+        <p:blipFill rotWithShape="1">
+          <a:blip r:embed="rId2">
+            <a:clrChange>
+              <a:clrFrom>
+                <a:srgbClr val="000000"/>
+              </a:clrFrom>
+              <a:clrTo>
+                <a:srgbClr val="000000">
+                  <a:alpha val="0"/>
+                </a:srgbClr>
+              </a:clrTo>
+            </a:clrChange>
+            <a:duotone>
+              <a:schemeClr val="accent5">
+                <a:shade val="45000"/>
+                <a:satMod val="135000"/>
+              </a:schemeClr>
+              <a:prstClr val="white"/>
+            </a:duotone>
+          </a:blip>
+          <a:srcRect l="55372" t="31036" r="35542" b="61342"/>
+          <a:stretch/>
+        </p:blipFill>
+        <p:spPr>
+          <a:xfrm>
+            <a:off x="7392144" y="2304001"/>
+            <a:ext cx="1008112" cy="476928"/>
+          </a:xfrm>
+          <a:prstGeom prst="rect">
+            <a:avLst/>
+          </a:prstGeom>
+          <a:noFill/>
+          <a:ln>
+            <a:noFill/>
+          </a:ln>
+        </p:spPr>
+      </p:pic>
     </p:spTree>
     <p:extLst>
       <p:ext uri="{BB962C8B-B14F-4D97-AF65-F5344CB8AC3E}">
@@ -14060,7 +14975,7 @@
 </p:sld>
 </file>
 
-<file path=ppt/slides/slide21.xml><?xml version="1.0" encoding="utf-8"?>
+<file path=ppt/slides/slide22.xml><?xml version="1.0" encoding="utf-8"?>
 <p:sld xmlns:a="http://schemas.openxmlformats.org/drawingml/2006/main" xmlns:r="http://schemas.openxmlformats.org/officeDocument/2006/relationships" xmlns:p="http://schemas.openxmlformats.org/presentationml/2006/main">
   <p:cSld>
     <p:spTree>
@@ -14402,6 +15317,86 @@
           </a:ln>
         </p:spPr>
       </p:pic>
+      <p:cxnSp>
+        <p:nvCxnSpPr>
+          <p:cNvPr id="12" name="Straight Connector 11"/>
+          <p:cNvCxnSpPr/>
+          <p:nvPr/>
+        </p:nvCxnSpPr>
+        <p:spPr>
+          <a:xfrm>
+            <a:off x="7392144" y="2636912"/>
+            <a:ext cx="864096" cy="0"/>
+          </a:xfrm>
+          <a:prstGeom prst="line">
+            <a:avLst/>
+          </a:prstGeom>
+          <a:ln w="44450">
+            <a:solidFill>
+              <a:srgbClr val="C00000"/>
+            </a:solidFill>
+          </a:ln>
+        </p:spPr>
+        <p:style>
+          <a:lnRef idx="1">
+            <a:schemeClr val="accent1"/>
+          </a:lnRef>
+          <a:fillRef idx="0">
+            <a:schemeClr val="accent1"/>
+          </a:fillRef>
+          <a:effectRef idx="0">
+            <a:schemeClr val="accent1"/>
+          </a:effectRef>
+          <a:fontRef idx="minor">
+            <a:schemeClr val="tx1"/>
+          </a:fontRef>
+        </p:style>
+      </p:cxnSp>
+      <p:pic>
+        <p:nvPicPr>
+          <p:cNvPr id="14" name="Picture 13"/>
+          <p:cNvPicPr>
+            <a:picLocks noChangeAspect="1"/>
+          </p:cNvPicPr>
+          <p:nvPr/>
+        </p:nvPicPr>
+        <p:blipFill rotWithShape="1">
+          <a:blip r:embed="rId2">
+            <a:clrChange>
+              <a:clrFrom>
+                <a:srgbClr val="000000"/>
+              </a:clrFrom>
+              <a:clrTo>
+                <a:srgbClr val="000000">
+                  <a:alpha val="0"/>
+                </a:srgbClr>
+              </a:clrTo>
+            </a:clrChange>
+            <a:duotone>
+              <a:schemeClr val="accent5">
+                <a:shade val="45000"/>
+                <a:satMod val="135000"/>
+              </a:schemeClr>
+              <a:prstClr val="white"/>
+            </a:duotone>
+          </a:blip>
+          <a:srcRect l="55372" t="31036" r="35542" b="61342"/>
+          <a:stretch/>
+        </p:blipFill>
+        <p:spPr>
+          <a:xfrm>
+            <a:off x="7392144" y="2304001"/>
+            <a:ext cx="1008112" cy="476928"/>
+          </a:xfrm>
+          <a:prstGeom prst="rect">
+            <a:avLst/>
+          </a:prstGeom>
+          <a:noFill/>
+          <a:ln>
+            <a:noFill/>
+          </a:ln>
+        </p:spPr>
+      </p:pic>
     </p:spTree>
     <p:extLst>
       <p:ext uri="{BB962C8B-B14F-4D97-AF65-F5344CB8AC3E}">
@@ -14427,7 +15422,7 @@
 </p:sld>
 </file>
 
-<file path=ppt/slides/slide22.xml><?xml version="1.0" encoding="utf-8"?>
+<file path=ppt/slides/slide23.xml><?xml version="1.0" encoding="utf-8"?>
 <p:sld xmlns:a="http://schemas.openxmlformats.org/drawingml/2006/main" xmlns:r="http://schemas.openxmlformats.org/officeDocument/2006/relationships" xmlns:p="http://schemas.openxmlformats.org/presentationml/2006/main">
   <p:cSld>
     <p:spTree>
@@ -14769,6 +15764,86 @@
           </a:ln>
         </p:spPr>
       </p:pic>
+      <p:cxnSp>
+        <p:nvCxnSpPr>
+          <p:cNvPr id="12" name="Straight Connector 11"/>
+          <p:cNvCxnSpPr/>
+          <p:nvPr/>
+        </p:nvCxnSpPr>
+        <p:spPr>
+          <a:xfrm>
+            <a:off x="7392144" y="2636912"/>
+            <a:ext cx="864096" cy="0"/>
+          </a:xfrm>
+          <a:prstGeom prst="line">
+            <a:avLst/>
+          </a:prstGeom>
+          <a:ln w="44450">
+            <a:solidFill>
+              <a:srgbClr val="C00000"/>
+            </a:solidFill>
+          </a:ln>
+        </p:spPr>
+        <p:style>
+          <a:lnRef idx="1">
+            <a:schemeClr val="accent1"/>
+          </a:lnRef>
+          <a:fillRef idx="0">
+            <a:schemeClr val="accent1"/>
+          </a:fillRef>
+          <a:effectRef idx="0">
+            <a:schemeClr val="accent1"/>
+          </a:effectRef>
+          <a:fontRef idx="minor">
+            <a:schemeClr val="tx1"/>
+          </a:fontRef>
+        </p:style>
+      </p:cxnSp>
+      <p:pic>
+        <p:nvPicPr>
+          <p:cNvPr id="14" name="Picture 13"/>
+          <p:cNvPicPr>
+            <a:picLocks noChangeAspect="1"/>
+          </p:cNvPicPr>
+          <p:nvPr/>
+        </p:nvPicPr>
+        <p:blipFill rotWithShape="1">
+          <a:blip r:embed="rId2">
+            <a:clrChange>
+              <a:clrFrom>
+                <a:srgbClr val="000000"/>
+              </a:clrFrom>
+              <a:clrTo>
+                <a:srgbClr val="000000">
+                  <a:alpha val="0"/>
+                </a:srgbClr>
+              </a:clrTo>
+            </a:clrChange>
+            <a:duotone>
+              <a:schemeClr val="accent5">
+                <a:shade val="45000"/>
+                <a:satMod val="135000"/>
+              </a:schemeClr>
+              <a:prstClr val="white"/>
+            </a:duotone>
+          </a:blip>
+          <a:srcRect l="55372" t="31036" r="35542" b="61342"/>
+          <a:stretch/>
+        </p:blipFill>
+        <p:spPr>
+          <a:xfrm>
+            <a:off x="7392144" y="2304001"/>
+            <a:ext cx="1008112" cy="476928"/>
+          </a:xfrm>
+          <a:prstGeom prst="rect">
+            <a:avLst/>
+          </a:prstGeom>
+          <a:noFill/>
+          <a:ln>
+            <a:noFill/>
+          </a:ln>
+        </p:spPr>
+      </p:pic>
     </p:spTree>
     <p:extLst>
       <p:ext uri="{BB962C8B-B14F-4D97-AF65-F5344CB8AC3E}">
@@ -14794,7 +15869,7 @@
 </p:sld>
 </file>
 
-<file path=ppt/slides/slide23.xml><?xml version="1.0" encoding="utf-8"?>
+<file path=ppt/slides/slide24.xml><?xml version="1.0" encoding="utf-8"?>
 <p:sld xmlns:a="http://schemas.openxmlformats.org/drawingml/2006/main" xmlns:r="http://schemas.openxmlformats.org/officeDocument/2006/relationships" xmlns:p="http://schemas.openxmlformats.org/presentationml/2006/main">
   <p:cSld>
     <p:spTree>
@@ -15184,6 +16259,86 @@
           </a:p>
         </p:txBody>
       </p:sp>
+      <p:pic>
+        <p:nvPicPr>
+          <p:cNvPr id="14" name="Picture 13"/>
+          <p:cNvPicPr>
+            <a:picLocks noChangeAspect="1"/>
+          </p:cNvPicPr>
+          <p:nvPr/>
+        </p:nvPicPr>
+        <p:blipFill rotWithShape="1">
+          <a:blip r:embed="rId2">
+            <a:clrChange>
+              <a:clrFrom>
+                <a:srgbClr val="000000"/>
+              </a:clrFrom>
+              <a:clrTo>
+                <a:srgbClr val="000000">
+                  <a:alpha val="0"/>
+                </a:srgbClr>
+              </a:clrTo>
+            </a:clrChange>
+            <a:duotone>
+              <a:schemeClr val="accent5">
+                <a:shade val="45000"/>
+                <a:satMod val="135000"/>
+              </a:schemeClr>
+              <a:prstClr val="white"/>
+            </a:duotone>
+          </a:blip>
+          <a:srcRect l="55372" t="31036" r="35542" b="61342"/>
+          <a:stretch/>
+        </p:blipFill>
+        <p:spPr>
+          <a:xfrm>
+            <a:off x="7392144" y="2304001"/>
+            <a:ext cx="1008112" cy="476928"/>
+          </a:xfrm>
+          <a:prstGeom prst="rect">
+            <a:avLst/>
+          </a:prstGeom>
+          <a:noFill/>
+          <a:ln>
+            <a:noFill/>
+          </a:ln>
+        </p:spPr>
+      </p:pic>
+      <p:cxnSp>
+        <p:nvCxnSpPr>
+          <p:cNvPr id="16" name="Straight Connector 15"/>
+          <p:cNvCxnSpPr/>
+          <p:nvPr/>
+        </p:nvCxnSpPr>
+        <p:spPr>
+          <a:xfrm>
+            <a:off x="7392144" y="2636912"/>
+            <a:ext cx="864096" cy="0"/>
+          </a:xfrm>
+          <a:prstGeom prst="line">
+            <a:avLst/>
+          </a:prstGeom>
+          <a:ln w="44450">
+            <a:solidFill>
+              <a:srgbClr val="C00000"/>
+            </a:solidFill>
+          </a:ln>
+        </p:spPr>
+        <p:style>
+          <a:lnRef idx="1">
+            <a:schemeClr val="accent1"/>
+          </a:lnRef>
+          <a:fillRef idx="0">
+            <a:schemeClr val="accent1"/>
+          </a:fillRef>
+          <a:effectRef idx="0">
+            <a:schemeClr val="accent1"/>
+          </a:effectRef>
+          <a:fontRef idx="minor">
+            <a:schemeClr val="tx1"/>
+          </a:fontRef>
+        </p:style>
+      </p:cxnSp>
     </p:spTree>
     <p:extLst>
       <p:ext uri="{BB962C8B-B14F-4D97-AF65-F5344CB8AC3E}">
@@ -15427,6 +16582,168 @@
                                   </p:childTnLst>
                                 </p:cTn>
                               </p:par>
+                              <p:par>
+                                <p:cTn id="18" presetID="53" presetClass="exit" presetSubtype="32" fill="hold" nodeType="withEffect">
+                                  <p:stCondLst>
+                                    <p:cond delay="0"/>
+                                  </p:stCondLst>
+                                  <p:childTnLst>
+                                    <p:anim calcmode="lin" valueType="num">
+                                      <p:cBhvr>
+                                        <p:cTn id="19" dur="500"/>
+                                        <p:tgtEl>
+                                          <p:spTgt spid="14"/>
+                                        </p:tgtEl>
+                                        <p:attrNameLst>
+                                          <p:attrName>ppt_w</p:attrName>
+                                        </p:attrNameLst>
+                                      </p:cBhvr>
+                                      <p:tavLst>
+                                        <p:tav tm="0">
+                                          <p:val>
+                                            <p:strVal val="ppt_w"/>
+                                          </p:val>
+                                        </p:tav>
+                                        <p:tav tm="100000">
+                                          <p:val>
+                                            <p:fltVal val="0"/>
+                                          </p:val>
+                                        </p:tav>
+                                      </p:tavLst>
+                                    </p:anim>
+                                    <p:anim calcmode="lin" valueType="num">
+                                      <p:cBhvr>
+                                        <p:cTn id="20" dur="500"/>
+                                        <p:tgtEl>
+                                          <p:spTgt spid="14"/>
+                                        </p:tgtEl>
+                                        <p:attrNameLst>
+                                          <p:attrName>ppt_h</p:attrName>
+                                        </p:attrNameLst>
+                                      </p:cBhvr>
+                                      <p:tavLst>
+                                        <p:tav tm="0">
+                                          <p:val>
+                                            <p:strVal val="ppt_h"/>
+                                          </p:val>
+                                        </p:tav>
+                                        <p:tav tm="100000">
+                                          <p:val>
+                                            <p:fltVal val="0"/>
+                                          </p:val>
+                                        </p:tav>
+                                      </p:tavLst>
+                                    </p:anim>
+                                    <p:animEffect transition="out" filter="fade">
+                                      <p:cBhvr>
+                                        <p:cTn id="21" dur="500"/>
+                                        <p:tgtEl>
+                                          <p:spTgt spid="14"/>
+                                        </p:tgtEl>
+                                      </p:cBhvr>
+                                    </p:animEffect>
+                                    <p:set>
+                                      <p:cBhvr>
+                                        <p:cTn id="22" dur="1" fill="hold">
+                                          <p:stCondLst>
+                                            <p:cond delay="499"/>
+                                          </p:stCondLst>
+                                        </p:cTn>
+                                        <p:tgtEl>
+                                          <p:spTgt spid="14"/>
+                                        </p:tgtEl>
+                                        <p:attrNameLst>
+                                          <p:attrName>style.visibility</p:attrName>
+                                        </p:attrNameLst>
+                                      </p:cBhvr>
+                                      <p:to>
+                                        <p:strVal val="hidden"/>
+                                      </p:to>
+                                    </p:set>
+                                  </p:childTnLst>
+                                </p:cTn>
+                              </p:par>
+                              <p:par>
+                                <p:cTn id="23" presetID="53" presetClass="exit" presetSubtype="32" fill="hold" nodeType="withEffect">
+                                  <p:stCondLst>
+                                    <p:cond delay="0"/>
+                                  </p:stCondLst>
+                                  <p:childTnLst>
+                                    <p:anim calcmode="lin" valueType="num">
+                                      <p:cBhvr>
+                                        <p:cTn id="24" dur="500"/>
+                                        <p:tgtEl>
+                                          <p:spTgt spid="16"/>
+                                        </p:tgtEl>
+                                        <p:attrNameLst>
+                                          <p:attrName>ppt_w</p:attrName>
+                                        </p:attrNameLst>
+                                      </p:cBhvr>
+                                      <p:tavLst>
+                                        <p:tav tm="0">
+                                          <p:val>
+                                            <p:strVal val="ppt_w"/>
+                                          </p:val>
+                                        </p:tav>
+                                        <p:tav tm="100000">
+                                          <p:val>
+                                            <p:fltVal val="0"/>
+                                          </p:val>
+                                        </p:tav>
+                                      </p:tavLst>
+                                    </p:anim>
+                                    <p:anim calcmode="lin" valueType="num">
+                                      <p:cBhvr>
+                                        <p:cTn id="25" dur="500"/>
+                                        <p:tgtEl>
+                                          <p:spTgt spid="16"/>
+                                        </p:tgtEl>
+                                        <p:attrNameLst>
+                                          <p:attrName>ppt_h</p:attrName>
+                                        </p:attrNameLst>
+                                      </p:cBhvr>
+                                      <p:tavLst>
+                                        <p:tav tm="0">
+                                          <p:val>
+                                            <p:strVal val="ppt_h"/>
+                                          </p:val>
+                                        </p:tav>
+                                        <p:tav tm="100000">
+                                          <p:val>
+                                            <p:fltVal val="0"/>
+                                          </p:val>
+                                        </p:tav>
+                                      </p:tavLst>
+                                    </p:anim>
+                                    <p:animEffect transition="out" filter="fade">
+                                      <p:cBhvr>
+                                        <p:cTn id="26" dur="500"/>
+                                        <p:tgtEl>
+                                          <p:spTgt spid="16"/>
+                                        </p:tgtEl>
+                                      </p:cBhvr>
+                                    </p:animEffect>
+                                    <p:set>
+                                      <p:cBhvr>
+                                        <p:cTn id="27" dur="1" fill="hold">
+                                          <p:stCondLst>
+                                            <p:cond delay="499"/>
+                                          </p:stCondLst>
+                                        </p:cTn>
+                                        <p:tgtEl>
+                                          <p:spTgt spid="16"/>
+                                        </p:tgtEl>
+                                        <p:attrNameLst>
+                                          <p:attrName>style.visibility</p:attrName>
+                                        </p:attrNameLst>
+                                      </p:cBhvr>
+                                      <p:to>
+                                        <p:strVal val="hidden"/>
+                                      </p:to>
+                                    </p:set>
+                                  </p:childTnLst>
+                                </p:cTn>
+                              </p:par>
                             </p:childTnLst>
                           </p:cTn>
                         </p:par>
@@ -15462,7 +16779,7 @@
 </p:sld>
 </file>
 
-<file path=ppt/slides/slide24.xml><?xml version="1.0" encoding="utf-8"?>
+<file path=ppt/slides/slide25.xml><?xml version="1.0" encoding="utf-8"?>
 <p:sld xmlns:a="http://schemas.openxmlformats.org/drawingml/2006/main" xmlns:r="http://schemas.openxmlformats.org/officeDocument/2006/relationships" xmlns:p="http://schemas.openxmlformats.org/presentationml/2006/main">
   <p:cSld>
     <p:spTree>
@@ -15693,7 +17010,7 @@
 </p:sld>
 </file>
 
-<file path=ppt/slides/slide25.xml><?xml version="1.0" encoding="utf-8"?>
+<file path=ppt/slides/slide26.xml><?xml version="1.0" encoding="utf-8"?>
 <p:sld xmlns:a="http://schemas.openxmlformats.org/drawingml/2006/main" xmlns:r="http://schemas.openxmlformats.org/officeDocument/2006/relationships" xmlns:p="http://schemas.openxmlformats.org/presentationml/2006/main">
   <p:cSld>
     <p:spTree>
@@ -16059,7 +17376,7 @@
 </p:sld>
 </file>
 
-<file path=ppt/slides/slide26.xml><?xml version="1.0" encoding="utf-8"?>
+<file path=ppt/slides/slide27.xml><?xml version="1.0" encoding="utf-8"?>
 <p:sld xmlns:a="http://schemas.openxmlformats.org/drawingml/2006/main" xmlns:r="http://schemas.openxmlformats.org/officeDocument/2006/relationships" xmlns:p="http://schemas.openxmlformats.org/presentationml/2006/main">
   <p:cSld>
     <p:spTree>
@@ -16169,7 +17486,7 @@
 </p:sld>
 </file>
 
-<file path=ppt/slides/slide27.xml><?xml version="1.0" encoding="utf-8"?>
+<file path=ppt/slides/slide28.xml><?xml version="1.0" encoding="utf-8"?>
 <p:sld xmlns:a="http://schemas.openxmlformats.org/drawingml/2006/main" xmlns:r="http://schemas.openxmlformats.org/officeDocument/2006/relationships" xmlns:p="http://schemas.openxmlformats.org/presentationml/2006/main">
   <p:cSld>
     <p:spTree>
@@ -16233,7 +17550,7 @@
 </p:sld>
 </file>
 
-<file path=ppt/slides/slide28.xml><?xml version="1.0" encoding="utf-8"?>
+<file path=ppt/slides/slide29.xml><?xml version="1.0" encoding="utf-8"?>
 <p:sld xmlns:a="http://schemas.openxmlformats.org/drawingml/2006/main" xmlns:r="http://schemas.openxmlformats.org/officeDocument/2006/relationships" xmlns:p="http://schemas.openxmlformats.org/presentationml/2006/main">
   <p:cSld>
     <p:spTree>
@@ -16284,116 +17601,6 @@
     <p:extLst>
       <p:ext uri="{BB962C8B-B14F-4D97-AF65-F5344CB8AC3E}">
         <p14:creationId xmlns:p14="http://schemas.microsoft.com/office/powerpoint/2010/main" val="1066059200"/>
-      </p:ext>
-    </p:extLst>
-  </p:cSld>
-  <p:clrMapOvr>
-    <a:masterClrMapping/>
-  </p:clrMapOvr>
-  <mc:AlternateContent xmlns:mc="http://schemas.openxmlformats.org/markup-compatibility/2006" xmlns:p14="http://schemas.microsoft.com/office/powerpoint/2010/main">
-    <mc:Choice Requires="p14">
-      <p:transition spd="med" p14:dur="700">
-        <p:fade/>
-      </p:transition>
-    </mc:Choice>
-    <mc:Fallback xmlns="">
-      <p:transition spd="med">
-        <p:fade/>
-      </p:transition>
-    </mc:Fallback>
-  </mc:AlternateContent>
-</p:sld>
-</file>
-
-<file path=ppt/slides/slide29.xml><?xml version="1.0" encoding="utf-8"?>
-<p:sld xmlns:a="http://schemas.openxmlformats.org/drawingml/2006/main" xmlns:r="http://schemas.openxmlformats.org/officeDocument/2006/relationships" xmlns:p="http://schemas.openxmlformats.org/presentationml/2006/main">
-  <p:cSld>
-    <p:spTree>
-      <p:nvGrpSpPr>
-        <p:cNvPr id="1" name=""/>
-        <p:cNvGrpSpPr/>
-        <p:nvPr/>
-      </p:nvGrpSpPr>
-      <p:grpSpPr>
-        <a:xfrm>
-          <a:off x="0" y="0"/>
-          <a:ext cx="0" cy="0"/>
-          <a:chOff x="0" y="0"/>
-          <a:chExt cx="0" cy="0"/>
-        </a:xfrm>
-      </p:grpSpPr>
-      <p:sp>
-        <p:nvSpPr>
-          <p:cNvPr id="13" name="Title 12"/>
-          <p:cNvSpPr>
-            <a:spLocks noGrp="1"/>
-          </p:cNvSpPr>
-          <p:nvPr>
-            <p:ph type="title"/>
-          </p:nvPr>
-        </p:nvSpPr>
-        <p:spPr/>
-        <p:txBody>
-          <a:bodyPr anchor="t"/>
-          <a:lstStyle/>
-          <a:p>
-            <a:r>
-              <a:rPr lang="en-US" dirty="0"/>
-              <a:t>Like me, You don’t like Waste?</a:t>
-            </a:r>
-          </a:p>
-        </p:txBody>
-      </p:sp>
-      <p:pic>
-        <p:nvPicPr>
-          <p:cNvPr id="2052" name="Picture 4" descr="Afficher l'image d'origine"/>
-          <p:cNvPicPr>
-            <a:picLocks noChangeAspect="1" noChangeArrowheads="1"/>
-          </p:cNvPicPr>
-          <p:nvPr/>
-        </p:nvPicPr>
-        <p:blipFill>
-          <a:blip r:embed="rId3">
-            <a:extLst>
-              <a:ext uri="{28A0092B-C50C-407E-A947-70E740481C1C}">
-                <a14:useLocalDpi xmlns:a14="http://schemas.microsoft.com/office/drawing/2010/main" val="0"/>
-              </a:ext>
-            </a:extLst>
-          </a:blip>
-          <a:srcRect/>
-          <a:stretch>
-            <a:fillRect/>
-          </a:stretch>
-        </p:blipFill>
-        <p:spPr bwMode="auto">
-          <a:xfrm>
-            <a:off x="4097363" y="1340768"/>
-            <a:ext cx="3997275" cy="5008443"/>
-          </a:xfrm>
-          <a:prstGeom prst="rect">
-            <a:avLst/>
-          </a:prstGeom>
-          <a:noFill/>
-          <a:ln>
-            <a:solidFill>
-              <a:schemeClr val="accent1"/>
-            </a:solidFill>
-          </a:ln>
-          <a:extLst>
-            <a:ext uri="{909E8E84-426E-40DD-AFC4-6F175D3DCCD1}">
-              <a14:hiddenFill xmlns:a14="http://schemas.microsoft.com/office/drawing/2010/main">
-                <a:solidFill>
-                  <a:srgbClr val="FFFFFF"/>
-                </a:solidFill>
-              </a14:hiddenFill>
-            </a:ext>
-          </a:extLst>
-        </p:spPr>
-      </p:pic>
-    </p:spTree>
-    <p:extLst>
-      <p:ext uri="{BB962C8B-B14F-4D97-AF65-F5344CB8AC3E}">
-        <p14:creationId xmlns:p14="http://schemas.microsoft.com/office/powerpoint/2010/main" val="1631955462"/>
       </p:ext>
     </p:extLst>
   </p:cSld>
@@ -16632,6 +17839,116 @@
           <a:p>
             <a:r>
               <a:rPr lang="en-US" dirty="0"/>
+              <a:t>Like me, You don’t like Waste?</a:t>
+            </a:r>
+          </a:p>
+        </p:txBody>
+      </p:sp>
+      <p:pic>
+        <p:nvPicPr>
+          <p:cNvPr id="2052" name="Picture 4" descr="Afficher l'image d'origine"/>
+          <p:cNvPicPr>
+            <a:picLocks noChangeAspect="1" noChangeArrowheads="1"/>
+          </p:cNvPicPr>
+          <p:nvPr/>
+        </p:nvPicPr>
+        <p:blipFill>
+          <a:blip r:embed="rId3">
+            <a:extLst>
+              <a:ext uri="{28A0092B-C50C-407E-A947-70E740481C1C}">
+                <a14:useLocalDpi xmlns:a14="http://schemas.microsoft.com/office/drawing/2010/main" val="0"/>
+              </a:ext>
+            </a:extLst>
+          </a:blip>
+          <a:srcRect/>
+          <a:stretch>
+            <a:fillRect/>
+          </a:stretch>
+        </p:blipFill>
+        <p:spPr bwMode="auto">
+          <a:xfrm>
+            <a:off x="4097363" y="1340768"/>
+            <a:ext cx="3997275" cy="5008443"/>
+          </a:xfrm>
+          <a:prstGeom prst="rect">
+            <a:avLst/>
+          </a:prstGeom>
+          <a:noFill/>
+          <a:ln>
+            <a:solidFill>
+              <a:schemeClr val="accent1"/>
+            </a:solidFill>
+          </a:ln>
+          <a:extLst>
+            <a:ext uri="{909E8E84-426E-40DD-AFC4-6F175D3DCCD1}">
+              <a14:hiddenFill xmlns:a14="http://schemas.microsoft.com/office/drawing/2010/main">
+                <a:solidFill>
+                  <a:srgbClr val="FFFFFF"/>
+                </a:solidFill>
+              </a14:hiddenFill>
+            </a:ext>
+          </a:extLst>
+        </p:spPr>
+      </p:pic>
+    </p:spTree>
+    <p:extLst>
+      <p:ext uri="{BB962C8B-B14F-4D97-AF65-F5344CB8AC3E}">
+        <p14:creationId xmlns:p14="http://schemas.microsoft.com/office/powerpoint/2010/main" val="1631955462"/>
+      </p:ext>
+    </p:extLst>
+  </p:cSld>
+  <p:clrMapOvr>
+    <a:masterClrMapping/>
+  </p:clrMapOvr>
+  <mc:AlternateContent xmlns:mc="http://schemas.openxmlformats.org/markup-compatibility/2006" xmlns:p14="http://schemas.microsoft.com/office/powerpoint/2010/main">
+    <mc:Choice Requires="p14">
+      <p:transition spd="med" p14:dur="700">
+        <p:fade/>
+      </p:transition>
+    </mc:Choice>
+    <mc:Fallback xmlns="">
+      <p:transition spd="med">
+        <p:fade/>
+      </p:transition>
+    </mc:Fallback>
+  </mc:AlternateContent>
+</p:sld>
+</file>
+
+<file path=ppt/slides/slide31.xml><?xml version="1.0" encoding="utf-8"?>
+<p:sld xmlns:a="http://schemas.openxmlformats.org/drawingml/2006/main" xmlns:r="http://schemas.openxmlformats.org/officeDocument/2006/relationships" xmlns:p="http://schemas.openxmlformats.org/presentationml/2006/main">
+  <p:cSld>
+    <p:spTree>
+      <p:nvGrpSpPr>
+        <p:cNvPr id="1" name=""/>
+        <p:cNvGrpSpPr/>
+        <p:nvPr/>
+      </p:nvGrpSpPr>
+      <p:grpSpPr>
+        <a:xfrm>
+          <a:off x="0" y="0"/>
+          <a:ext cx="0" cy="0"/>
+          <a:chOff x="0" y="0"/>
+          <a:chExt cx="0" cy="0"/>
+        </a:xfrm>
+      </p:grpSpPr>
+      <p:sp>
+        <p:nvSpPr>
+          <p:cNvPr id="13" name="Title 12"/>
+          <p:cNvSpPr>
+            <a:spLocks noGrp="1"/>
+          </p:cNvSpPr>
+          <p:nvPr>
+            <p:ph type="title"/>
+          </p:nvPr>
+        </p:nvSpPr>
+        <p:spPr/>
+        <p:txBody>
+          <a:bodyPr anchor="t"/>
+          <a:lstStyle/>
+          <a:p>
+            <a:r>
+              <a:rPr lang="en-US" dirty="0"/>
               <a:t>A simple rule to avoid waste of CPU</a:t>
             </a:r>
           </a:p>
@@ -16791,7 +18108,7 @@
 </p:sld>
 </file>
 
-<file path=ppt/slides/slide31.xml><?xml version="1.0" encoding="utf-8"?>
+<file path=ppt/slides/slide32.xml><?xml version="1.0" encoding="utf-8"?>
 <p:sld xmlns:a="http://schemas.openxmlformats.org/drawingml/2006/main" xmlns:r="http://schemas.openxmlformats.org/officeDocument/2006/relationships" xmlns:p="http://schemas.openxmlformats.org/presentationml/2006/main">
   <p:cSld>
     <p:spTree>
@@ -16912,7 +18229,1633 @@
 </p:sld>
 </file>
 
-<file path=ppt/slides/slide32.xml><?xml version="1.0" encoding="utf-8"?>
+<file path=ppt/slides/slide33.xml><?xml version="1.0" encoding="utf-8"?>
+<p:sld xmlns:a="http://schemas.openxmlformats.org/drawingml/2006/main" xmlns:r="http://schemas.openxmlformats.org/officeDocument/2006/relationships" xmlns:p="http://schemas.openxmlformats.org/presentationml/2006/main">
+  <p:cSld>
+    <p:spTree>
+      <p:nvGrpSpPr>
+        <p:cNvPr id="1" name=""/>
+        <p:cNvGrpSpPr/>
+        <p:nvPr/>
+      </p:nvGrpSpPr>
+      <p:grpSpPr>
+        <a:xfrm>
+          <a:off x="0" y="0"/>
+          <a:ext cx="0" cy="0"/>
+          <a:chOff x="0" y="0"/>
+          <a:chExt cx="0" cy="0"/>
+        </a:xfrm>
+      </p:grpSpPr>
+      <p:sp>
+        <p:nvSpPr>
+          <p:cNvPr id="13" name="Title 12"/>
+          <p:cNvSpPr>
+            <a:spLocks noGrp="1"/>
+          </p:cNvSpPr>
+          <p:nvPr>
+            <p:ph type="title"/>
+          </p:nvPr>
+        </p:nvSpPr>
+        <p:spPr>
+          <a:xfrm>
+            <a:off x="1008534" y="1029072"/>
+            <a:ext cx="4501182" cy="743744"/>
+          </a:xfrm>
+        </p:spPr>
+        <p:txBody>
+          <a:bodyPr anchor="t"/>
+          <a:lstStyle/>
+          <a:p>
+            <a:r>
+              <a:rPr lang="en-US" dirty="0"/>
+              <a:t>synchronous</a:t>
+            </a:r>
+          </a:p>
+        </p:txBody>
+      </p:sp>
+      <p:sp>
+        <p:nvSpPr>
+          <p:cNvPr id="14" name="Content Placeholder 13"/>
+          <p:cNvSpPr>
+            <a:spLocks noGrp="1"/>
+          </p:cNvSpPr>
+          <p:nvPr>
+            <p:ph idx="1"/>
+          </p:nvPr>
+        </p:nvSpPr>
+        <p:spPr>
+          <a:xfrm>
+            <a:off x="983432" y="1772816"/>
+            <a:ext cx="4310259" cy="2520280"/>
+          </a:xfrm>
+        </p:spPr>
+        <p:txBody>
+          <a:bodyPr anchor="t">
+            <a:normAutofit/>
+          </a:bodyPr>
+          <a:lstStyle/>
+          <a:p>
+            <a:pPr lvl="0"/>
+            <a:r>
+              <a:rPr lang="en-US" b="1" cap="all" dirty="0">
+                <a:solidFill>
+                  <a:schemeClr val="accent1"/>
+                </a:solidFill>
+              </a:rPr>
+              <a:t>Perform</a:t>
+            </a:r>
+            <a:r>
+              <a:rPr lang="en-US" b="1" dirty="0"/>
+              <a:t> </a:t>
+            </a:r>
+            <a:r>
+              <a:rPr lang="en-US" dirty="0"/>
+              <a:t>something here and now.</a:t>
+            </a:r>
+          </a:p>
+          <a:p>
+            <a:pPr lvl="0"/>
+            <a:r>
+              <a:rPr lang="en-US" dirty="0"/>
+              <a:t>The caller thread will be blocked until it’s done</a:t>
+            </a:r>
+          </a:p>
+        </p:txBody>
+      </p:sp>
+      <p:sp>
+        <p:nvSpPr>
+          <p:cNvPr id="6" name="Content Placeholder 13"/>
+          <p:cNvSpPr txBox="1">
+            <a:spLocks/>
+          </p:cNvSpPr>
+          <p:nvPr/>
+        </p:nvSpPr>
+        <p:spPr>
+          <a:xfrm>
+            <a:off x="2606167" y="5157192"/>
+            <a:ext cx="6979666" cy="1486966"/>
+          </a:xfrm>
+          <a:prstGeom prst="rect">
+            <a:avLst/>
+          </a:prstGeom>
+        </p:spPr>
+        <p:txBody>
+          <a:bodyPr vert="horz" lIns="91440" tIns="45720" rIns="91440" bIns="45720" rtlCol="0" anchor="t">
+            <a:normAutofit/>
+          </a:bodyPr>
+          <a:lstStyle>
+            <a:lvl1pPr marL="223838" indent="-223838" algn="l" defTabSz="914400" rtl="0" eaLnBrk="1" latinLnBrk="0" hangingPunct="1">
+              <a:lnSpc>
+                <a:spcPct val="90000"/>
+              </a:lnSpc>
+              <a:spcBef>
+                <a:spcPts val="1800"/>
+              </a:spcBef>
+              <a:buClr>
+                <a:schemeClr val="accent1"/>
+              </a:buClr>
+              <a:buSzPct val="100000"/>
+              <a:buFont typeface="Arial" pitchFamily="34" charset="0"/>
+              <a:buChar char="•"/>
+              <a:defRPr sz="2400" kern="1200">
+                <a:solidFill>
+                  <a:schemeClr val="tx1"/>
+                </a:solidFill>
+                <a:latin typeface="+mn-lt"/>
+                <a:ea typeface="+mn-ea"/>
+                <a:cs typeface="+mn-cs"/>
+              </a:defRPr>
+            </a:lvl1pPr>
+            <a:lvl2pPr marL="463550" indent="-231775" algn="l" defTabSz="914400" rtl="0" eaLnBrk="1" latinLnBrk="0" hangingPunct="1">
+              <a:lnSpc>
+                <a:spcPct val="90000"/>
+              </a:lnSpc>
+              <a:spcBef>
+                <a:spcPts val="1200"/>
+              </a:spcBef>
+              <a:buClr>
+                <a:schemeClr val="accent1"/>
+              </a:buClr>
+              <a:buSzPct val="100000"/>
+              <a:buFont typeface="Arial" pitchFamily="34" charset="0"/>
+              <a:buChar char="•"/>
+              <a:defRPr sz="2000" kern="1200">
+                <a:solidFill>
+                  <a:schemeClr val="tx1"/>
+                </a:solidFill>
+                <a:latin typeface="+mn-lt"/>
+                <a:ea typeface="+mn-ea"/>
+                <a:cs typeface="+mn-cs"/>
+              </a:defRPr>
+            </a:lvl2pPr>
+            <a:lvl3pPr marL="682625" indent="-219075" algn="l" defTabSz="914400" rtl="0" eaLnBrk="1" latinLnBrk="0" hangingPunct="1">
+              <a:lnSpc>
+                <a:spcPct val="90000"/>
+              </a:lnSpc>
+              <a:spcBef>
+                <a:spcPts val="600"/>
+              </a:spcBef>
+              <a:buClr>
+                <a:schemeClr val="accent1"/>
+              </a:buClr>
+              <a:buSzPct val="100000"/>
+              <a:buFont typeface="Arial" pitchFamily="34" charset="0"/>
+              <a:buChar char="•"/>
+              <a:defRPr sz="1800" kern="1200">
+                <a:solidFill>
+                  <a:schemeClr val="tx1"/>
+                </a:solidFill>
+                <a:latin typeface="+mn-lt"/>
+                <a:ea typeface="+mn-ea"/>
+                <a:cs typeface="+mn-cs"/>
+              </a:defRPr>
+            </a:lvl3pPr>
+            <a:lvl4pPr marL="857250" indent="-174625" algn="l" defTabSz="914400" rtl="0" eaLnBrk="1" latinLnBrk="0" hangingPunct="1">
+              <a:lnSpc>
+                <a:spcPct val="90000"/>
+              </a:lnSpc>
+              <a:spcBef>
+                <a:spcPts val="600"/>
+              </a:spcBef>
+              <a:buClr>
+                <a:schemeClr val="accent1"/>
+              </a:buClr>
+              <a:buSzPct val="100000"/>
+              <a:buFont typeface="Arial" pitchFamily="34" charset="0"/>
+              <a:buChar char="•"/>
+              <a:defRPr sz="1600" kern="1200">
+                <a:solidFill>
+                  <a:schemeClr val="tx1"/>
+                </a:solidFill>
+                <a:latin typeface="+mn-lt"/>
+                <a:ea typeface="+mn-ea"/>
+                <a:cs typeface="+mn-cs"/>
+              </a:defRPr>
+            </a:lvl4pPr>
+            <a:lvl5pPr marL="1030288" indent="-173038" algn="l" defTabSz="914400" rtl="0" eaLnBrk="1" latinLnBrk="0" hangingPunct="1">
+              <a:lnSpc>
+                <a:spcPct val="90000"/>
+              </a:lnSpc>
+              <a:spcBef>
+                <a:spcPts val="600"/>
+              </a:spcBef>
+              <a:buClr>
+                <a:schemeClr val="accent1"/>
+              </a:buClr>
+              <a:buSzPct val="100000"/>
+              <a:buFont typeface="Arial" pitchFamily="34" charset="0"/>
+              <a:buChar char="•"/>
+              <a:defRPr sz="1600" kern="1200">
+                <a:solidFill>
+                  <a:schemeClr val="tx1"/>
+                </a:solidFill>
+                <a:latin typeface="+mn-lt"/>
+                <a:ea typeface="+mn-ea"/>
+                <a:cs typeface="+mn-cs"/>
+              </a:defRPr>
+            </a:lvl5pPr>
+            <a:lvl6pPr marL="1207008" indent="-173736" algn="l" defTabSz="914400" rtl="0" eaLnBrk="1" latinLnBrk="0" hangingPunct="1">
+              <a:spcBef>
+                <a:spcPts val="600"/>
+              </a:spcBef>
+              <a:buClr>
+                <a:schemeClr val="accent1"/>
+              </a:buClr>
+              <a:buFont typeface="Arial" pitchFamily="34" charset="0"/>
+              <a:buChar char="•"/>
+              <a:defRPr sz="1600" kern="1200">
+                <a:solidFill>
+                  <a:schemeClr val="tx1"/>
+                </a:solidFill>
+                <a:latin typeface="+mn-lt"/>
+                <a:ea typeface="+mn-ea"/>
+                <a:cs typeface="+mn-cs"/>
+              </a:defRPr>
+            </a:lvl6pPr>
+            <a:lvl7pPr marL="1380744" indent="-173736" algn="l" defTabSz="914400" rtl="0" eaLnBrk="1" latinLnBrk="0" hangingPunct="1">
+              <a:spcBef>
+                <a:spcPts val="600"/>
+              </a:spcBef>
+              <a:buClr>
+                <a:schemeClr val="accent1"/>
+              </a:buClr>
+              <a:buFont typeface="Arial" pitchFamily="34" charset="0"/>
+              <a:buChar char="•"/>
+              <a:defRPr sz="1600" kern="1200">
+                <a:solidFill>
+                  <a:schemeClr val="tx1"/>
+                </a:solidFill>
+                <a:latin typeface="+mn-lt"/>
+                <a:ea typeface="+mn-ea"/>
+                <a:cs typeface="+mn-cs"/>
+              </a:defRPr>
+            </a:lvl7pPr>
+            <a:lvl8pPr marL="1554480" indent="-173736" algn="l" defTabSz="914400" rtl="0" eaLnBrk="1" latinLnBrk="0" hangingPunct="1">
+              <a:spcBef>
+                <a:spcPts val="600"/>
+              </a:spcBef>
+              <a:buClr>
+                <a:schemeClr val="accent1"/>
+              </a:buClr>
+              <a:buFont typeface="Arial" pitchFamily="34" charset="0"/>
+              <a:buChar char="•"/>
+              <a:defRPr sz="1600" kern="1200">
+                <a:solidFill>
+                  <a:schemeClr val="tx1"/>
+                </a:solidFill>
+                <a:latin typeface="+mn-lt"/>
+                <a:ea typeface="+mn-ea"/>
+                <a:cs typeface="+mn-cs"/>
+              </a:defRPr>
+            </a:lvl8pPr>
+            <a:lvl9pPr marL="1728216" indent="-173736" algn="l" defTabSz="914400" rtl="0" eaLnBrk="1" latinLnBrk="0" hangingPunct="1">
+              <a:spcBef>
+                <a:spcPts val="600"/>
+              </a:spcBef>
+              <a:buClr>
+                <a:schemeClr val="accent1"/>
+              </a:buClr>
+              <a:buFont typeface="Arial" pitchFamily="34" charset="0"/>
+              <a:buChar char="•"/>
+              <a:defRPr sz="1600" kern="1200">
+                <a:solidFill>
+                  <a:schemeClr val="tx1"/>
+                </a:solidFill>
+                <a:latin typeface="+mn-lt"/>
+                <a:ea typeface="+mn-ea"/>
+                <a:cs typeface="+mn-cs"/>
+              </a:defRPr>
+            </a:lvl9pPr>
+          </a:lstStyle>
+          <a:p>
+            <a:pPr marL="0" indent="0" algn="ctr">
+              <a:buNone/>
+            </a:pPr>
+            <a:r>
+              <a:rPr lang="en-US" sz="3600" cap="all" dirty="0">
+                <a:solidFill>
+                  <a:schemeClr val="accent4"/>
+                </a:solidFill>
+              </a:rPr>
+              <a:t>This is about invocation!</a:t>
+            </a:r>
+            <a:br>
+              <a:rPr lang="en-US" cap="all" dirty="0">
+                <a:solidFill>
+                  <a:schemeClr val="accent4"/>
+                </a:solidFill>
+              </a:rPr>
+            </a:br>
+            <a:r>
+              <a:rPr lang="en-US" sz="2000" b="1" cap="all" dirty="0">
+                <a:solidFill>
+                  <a:schemeClr val="tx2"/>
+                </a:solidFill>
+              </a:rPr>
+              <a:t>(not about how the Goddamn thing is executed)</a:t>
+            </a:r>
+            <a:endParaRPr lang="en-US" dirty="0">
+              <a:solidFill>
+                <a:schemeClr val="tx2"/>
+              </a:solidFill>
+            </a:endParaRPr>
+          </a:p>
+        </p:txBody>
+      </p:sp>
+      <p:pic>
+        <p:nvPicPr>
+          <p:cNvPr id="1026" name="Picture 2" descr="Afficher l'image d'origine"/>
+          <p:cNvPicPr>
+            <a:picLocks noChangeAspect="1" noChangeArrowheads="1"/>
+          </p:cNvPicPr>
+          <p:nvPr/>
+        </p:nvPicPr>
+        <p:blipFill>
+          <a:blip r:embed="rId3" cstate="print">
+            <a:duotone>
+              <a:schemeClr val="accent1">
+                <a:shade val="45000"/>
+                <a:satMod val="135000"/>
+              </a:schemeClr>
+              <a:prstClr val="white"/>
+            </a:duotone>
+            <a:extLst>
+              <a:ext uri="{28A0092B-C50C-407E-A947-70E740481C1C}">
+                <a14:useLocalDpi xmlns:a14="http://schemas.microsoft.com/office/drawing/2010/main" val="0"/>
+              </a:ext>
+            </a:extLst>
+          </a:blip>
+          <a:srcRect/>
+          <a:stretch>
+            <a:fillRect/>
+          </a:stretch>
+        </p:blipFill>
+        <p:spPr bwMode="auto">
+          <a:xfrm>
+            <a:off x="4604865" y="934988"/>
+            <a:ext cx="710208" cy="710208"/>
+          </a:xfrm>
+          <a:prstGeom prst="rect">
+            <a:avLst/>
+          </a:prstGeom>
+          <a:noFill/>
+          <a:extLst>
+            <a:ext uri="{909E8E84-426E-40DD-AFC4-6F175D3DCCD1}">
+              <a14:hiddenFill xmlns:a14="http://schemas.microsoft.com/office/drawing/2010/main">
+                <a:solidFill>
+                  <a:srgbClr val="FFFFFF"/>
+                </a:solidFill>
+              </a14:hiddenFill>
+            </a:ext>
+          </a:extLst>
+        </p:spPr>
+      </p:pic>
+      <p:grpSp>
+        <p:nvGrpSpPr>
+          <p:cNvPr id="3" name="Group 2"/>
+          <p:cNvGrpSpPr/>
+          <p:nvPr/>
+        </p:nvGrpSpPr>
+        <p:grpSpPr>
+          <a:xfrm>
+            <a:off x="6600056" y="820316"/>
+            <a:ext cx="4991630" cy="3472780"/>
+            <a:chOff x="6816081" y="820316"/>
+            <a:chExt cx="4991630" cy="3472780"/>
+          </a:xfrm>
+        </p:grpSpPr>
+        <p:grpSp>
+          <p:nvGrpSpPr>
+            <p:cNvPr id="2" name="Group 1"/>
+            <p:cNvGrpSpPr/>
+            <p:nvPr/>
+          </p:nvGrpSpPr>
+          <p:grpSpPr>
+            <a:xfrm>
+              <a:off x="6816081" y="1029072"/>
+              <a:ext cx="4526284" cy="3264024"/>
+              <a:chOff x="6816081" y="1029072"/>
+              <a:chExt cx="4526284" cy="3264024"/>
+            </a:xfrm>
+          </p:grpSpPr>
+          <p:sp>
+            <p:nvSpPr>
+              <p:cNvPr id="4" name="Title 12"/>
+              <p:cNvSpPr txBox="1">
+                <a:spLocks/>
+              </p:cNvSpPr>
+              <p:nvPr/>
+            </p:nvSpPr>
+            <p:spPr>
+              <a:xfrm>
+                <a:off x="6841182" y="1029072"/>
+                <a:ext cx="4501182" cy="743744"/>
+              </a:xfrm>
+              <a:prstGeom prst="rect">
+                <a:avLst/>
+              </a:prstGeom>
+            </p:spPr>
+            <p:txBody>
+              <a:bodyPr vert="horz" lIns="91440" tIns="45720" rIns="91440" bIns="45720" rtlCol="0" anchor="t">
+                <a:normAutofit/>
+              </a:bodyPr>
+              <a:lstStyle>
+                <a:lvl1pPr algn="l" defTabSz="914400" rtl="0" eaLnBrk="1" latinLnBrk="0" hangingPunct="1">
+                  <a:lnSpc>
+                    <a:spcPct val="90000"/>
+                  </a:lnSpc>
+                  <a:spcBef>
+                    <a:spcPct val="0"/>
+                  </a:spcBef>
+                  <a:buNone/>
+                  <a:defRPr sz="3600" kern="1200" cap="all" spc="100" baseline="0">
+                    <a:solidFill>
+                      <a:schemeClr val="accent1"/>
+                    </a:solidFill>
+                    <a:latin typeface="+mj-lt"/>
+                    <a:ea typeface="+mj-ea"/>
+                    <a:cs typeface="+mj-cs"/>
+                  </a:defRPr>
+                </a:lvl1pPr>
+              </a:lstStyle>
+              <a:p>
+                <a:r>
+                  <a:rPr lang="en-US" dirty="0"/>
+                  <a:t>Asynchronous</a:t>
+                </a:r>
+              </a:p>
+            </p:txBody>
+          </p:sp>
+          <p:sp>
+            <p:nvSpPr>
+              <p:cNvPr id="5" name="Content Placeholder 13"/>
+              <p:cNvSpPr txBox="1">
+                <a:spLocks/>
+              </p:cNvSpPr>
+              <p:nvPr/>
+            </p:nvSpPr>
+            <p:spPr>
+              <a:xfrm>
+                <a:off x="6816081" y="1772816"/>
+                <a:ext cx="4526284" cy="2520280"/>
+              </a:xfrm>
+              <a:prstGeom prst="rect">
+                <a:avLst/>
+              </a:prstGeom>
+            </p:spPr>
+            <p:txBody>
+              <a:bodyPr vert="horz" lIns="91440" tIns="45720" rIns="91440" bIns="45720" rtlCol="0" anchor="t">
+                <a:normAutofit fontScale="92500"/>
+              </a:bodyPr>
+              <a:lstStyle>
+                <a:lvl1pPr marL="223838" indent="-223838" algn="l" defTabSz="914400" rtl="0" eaLnBrk="1" latinLnBrk="0" hangingPunct="1">
+                  <a:lnSpc>
+                    <a:spcPct val="90000"/>
+                  </a:lnSpc>
+                  <a:spcBef>
+                    <a:spcPts val="1800"/>
+                  </a:spcBef>
+                  <a:buClr>
+                    <a:schemeClr val="accent1"/>
+                  </a:buClr>
+                  <a:buSzPct val="100000"/>
+                  <a:buFont typeface="Arial" pitchFamily="34" charset="0"/>
+                  <a:buChar char="•"/>
+                  <a:defRPr sz="2400" kern="1200">
+                    <a:solidFill>
+                      <a:schemeClr val="tx1"/>
+                    </a:solidFill>
+                    <a:latin typeface="+mn-lt"/>
+                    <a:ea typeface="+mn-ea"/>
+                    <a:cs typeface="+mn-cs"/>
+                  </a:defRPr>
+                </a:lvl1pPr>
+                <a:lvl2pPr marL="463550" indent="-231775" algn="l" defTabSz="914400" rtl="0" eaLnBrk="1" latinLnBrk="0" hangingPunct="1">
+                  <a:lnSpc>
+                    <a:spcPct val="90000"/>
+                  </a:lnSpc>
+                  <a:spcBef>
+                    <a:spcPts val="1200"/>
+                  </a:spcBef>
+                  <a:buClr>
+                    <a:schemeClr val="accent1"/>
+                  </a:buClr>
+                  <a:buSzPct val="100000"/>
+                  <a:buFont typeface="Arial" pitchFamily="34" charset="0"/>
+                  <a:buChar char="•"/>
+                  <a:defRPr sz="2000" kern="1200">
+                    <a:solidFill>
+                      <a:schemeClr val="tx1"/>
+                    </a:solidFill>
+                    <a:latin typeface="+mn-lt"/>
+                    <a:ea typeface="+mn-ea"/>
+                    <a:cs typeface="+mn-cs"/>
+                  </a:defRPr>
+                </a:lvl2pPr>
+                <a:lvl3pPr marL="682625" indent="-219075" algn="l" defTabSz="914400" rtl="0" eaLnBrk="1" latinLnBrk="0" hangingPunct="1">
+                  <a:lnSpc>
+                    <a:spcPct val="90000"/>
+                  </a:lnSpc>
+                  <a:spcBef>
+                    <a:spcPts val="600"/>
+                  </a:spcBef>
+                  <a:buClr>
+                    <a:schemeClr val="accent1"/>
+                  </a:buClr>
+                  <a:buSzPct val="100000"/>
+                  <a:buFont typeface="Arial" pitchFamily="34" charset="0"/>
+                  <a:buChar char="•"/>
+                  <a:defRPr sz="1800" kern="1200">
+                    <a:solidFill>
+                      <a:schemeClr val="tx1"/>
+                    </a:solidFill>
+                    <a:latin typeface="+mn-lt"/>
+                    <a:ea typeface="+mn-ea"/>
+                    <a:cs typeface="+mn-cs"/>
+                  </a:defRPr>
+                </a:lvl3pPr>
+                <a:lvl4pPr marL="857250" indent="-174625" algn="l" defTabSz="914400" rtl="0" eaLnBrk="1" latinLnBrk="0" hangingPunct="1">
+                  <a:lnSpc>
+                    <a:spcPct val="90000"/>
+                  </a:lnSpc>
+                  <a:spcBef>
+                    <a:spcPts val="600"/>
+                  </a:spcBef>
+                  <a:buClr>
+                    <a:schemeClr val="accent1"/>
+                  </a:buClr>
+                  <a:buSzPct val="100000"/>
+                  <a:buFont typeface="Arial" pitchFamily="34" charset="0"/>
+                  <a:buChar char="•"/>
+                  <a:defRPr sz="1600" kern="1200">
+                    <a:solidFill>
+                      <a:schemeClr val="tx1"/>
+                    </a:solidFill>
+                    <a:latin typeface="+mn-lt"/>
+                    <a:ea typeface="+mn-ea"/>
+                    <a:cs typeface="+mn-cs"/>
+                  </a:defRPr>
+                </a:lvl4pPr>
+                <a:lvl5pPr marL="1030288" indent="-173038" algn="l" defTabSz="914400" rtl="0" eaLnBrk="1" latinLnBrk="0" hangingPunct="1">
+                  <a:lnSpc>
+                    <a:spcPct val="90000"/>
+                  </a:lnSpc>
+                  <a:spcBef>
+                    <a:spcPts val="600"/>
+                  </a:spcBef>
+                  <a:buClr>
+                    <a:schemeClr val="accent1"/>
+                  </a:buClr>
+                  <a:buSzPct val="100000"/>
+                  <a:buFont typeface="Arial" pitchFamily="34" charset="0"/>
+                  <a:buChar char="•"/>
+                  <a:defRPr sz="1600" kern="1200">
+                    <a:solidFill>
+                      <a:schemeClr val="tx1"/>
+                    </a:solidFill>
+                    <a:latin typeface="+mn-lt"/>
+                    <a:ea typeface="+mn-ea"/>
+                    <a:cs typeface="+mn-cs"/>
+                  </a:defRPr>
+                </a:lvl5pPr>
+                <a:lvl6pPr marL="1207008" indent="-173736" algn="l" defTabSz="914400" rtl="0" eaLnBrk="1" latinLnBrk="0" hangingPunct="1">
+                  <a:spcBef>
+                    <a:spcPts val="600"/>
+                  </a:spcBef>
+                  <a:buClr>
+                    <a:schemeClr val="accent1"/>
+                  </a:buClr>
+                  <a:buFont typeface="Arial" pitchFamily="34" charset="0"/>
+                  <a:buChar char="•"/>
+                  <a:defRPr sz="1600" kern="1200">
+                    <a:solidFill>
+                      <a:schemeClr val="tx1"/>
+                    </a:solidFill>
+                    <a:latin typeface="+mn-lt"/>
+                    <a:ea typeface="+mn-ea"/>
+                    <a:cs typeface="+mn-cs"/>
+                  </a:defRPr>
+                </a:lvl6pPr>
+                <a:lvl7pPr marL="1380744" indent="-173736" algn="l" defTabSz="914400" rtl="0" eaLnBrk="1" latinLnBrk="0" hangingPunct="1">
+                  <a:spcBef>
+                    <a:spcPts val="600"/>
+                  </a:spcBef>
+                  <a:buClr>
+                    <a:schemeClr val="accent1"/>
+                  </a:buClr>
+                  <a:buFont typeface="Arial" pitchFamily="34" charset="0"/>
+                  <a:buChar char="•"/>
+                  <a:defRPr sz="1600" kern="1200">
+                    <a:solidFill>
+                      <a:schemeClr val="tx1"/>
+                    </a:solidFill>
+                    <a:latin typeface="+mn-lt"/>
+                    <a:ea typeface="+mn-ea"/>
+                    <a:cs typeface="+mn-cs"/>
+                  </a:defRPr>
+                </a:lvl7pPr>
+                <a:lvl8pPr marL="1554480" indent="-173736" algn="l" defTabSz="914400" rtl="0" eaLnBrk="1" latinLnBrk="0" hangingPunct="1">
+                  <a:spcBef>
+                    <a:spcPts val="600"/>
+                  </a:spcBef>
+                  <a:buClr>
+                    <a:schemeClr val="accent1"/>
+                  </a:buClr>
+                  <a:buFont typeface="Arial" pitchFamily="34" charset="0"/>
+                  <a:buChar char="•"/>
+                  <a:defRPr sz="1600" kern="1200">
+                    <a:solidFill>
+                      <a:schemeClr val="tx1"/>
+                    </a:solidFill>
+                    <a:latin typeface="+mn-lt"/>
+                    <a:ea typeface="+mn-ea"/>
+                    <a:cs typeface="+mn-cs"/>
+                  </a:defRPr>
+                </a:lvl8pPr>
+                <a:lvl9pPr marL="1728216" indent="-173736" algn="l" defTabSz="914400" rtl="0" eaLnBrk="1" latinLnBrk="0" hangingPunct="1">
+                  <a:spcBef>
+                    <a:spcPts val="600"/>
+                  </a:spcBef>
+                  <a:buClr>
+                    <a:schemeClr val="accent1"/>
+                  </a:buClr>
+                  <a:buFont typeface="Arial" pitchFamily="34" charset="0"/>
+                  <a:buChar char="•"/>
+                  <a:defRPr sz="1600" kern="1200">
+                    <a:solidFill>
+                      <a:schemeClr val="tx1"/>
+                    </a:solidFill>
+                    <a:latin typeface="+mn-lt"/>
+                    <a:ea typeface="+mn-ea"/>
+                    <a:cs typeface="+mn-cs"/>
+                  </a:defRPr>
+                </a:lvl9pPr>
+              </a:lstStyle>
+              <a:p>
+                <a:r>
+                  <a:rPr lang="en-US" b="1" cap="all" dirty="0">
+                    <a:solidFill>
+                      <a:schemeClr val="accent1"/>
+                    </a:solidFill>
+                  </a:rPr>
+                  <a:t>Initiate</a:t>
+                </a:r>
+                <a:r>
+                  <a:rPr lang="en-US" b="1" dirty="0"/>
+                  <a:t> </a:t>
+                </a:r>
+                <a:r>
+                  <a:rPr lang="en-US" dirty="0"/>
+                  <a:t>something here and now.</a:t>
+                </a:r>
+              </a:p>
+              <a:p>
+                <a:r>
+                  <a:rPr lang="en-US" dirty="0"/>
+                  <a:t>The caller thread is released immediately </a:t>
+                </a:r>
+              </a:p>
+              <a:p>
+                <a:pPr lvl="1"/>
+                <a:r>
+                  <a:rPr lang="en-US" dirty="0"/>
+                  <a:t>I can use it for something else right now</a:t>
+                </a:r>
+              </a:p>
+              <a:p>
+                <a:pPr lvl="1"/>
+                <a:r>
+                  <a:rPr lang="en-US" dirty="0">
+                    <a:solidFill>
+                      <a:schemeClr val="accent4"/>
+                    </a:solidFill>
+                  </a:rPr>
+                  <a:t>No waste of  CPU resource ;-)</a:t>
+                </a:r>
+              </a:p>
+            </p:txBody>
+          </p:sp>
+        </p:grpSp>
+        <p:pic>
+          <p:nvPicPr>
+            <p:cNvPr id="1028" name="Picture 4" descr="Afficher l'image d'origine"/>
+            <p:cNvPicPr>
+              <a:picLocks noChangeAspect="1" noChangeArrowheads="1"/>
+            </p:cNvPicPr>
+            <p:nvPr/>
+          </p:nvPicPr>
+          <p:blipFill>
+            <a:blip r:embed="rId4">
+              <a:duotone>
+                <a:schemeClr val="accent1">
+                  <a:shade val="45000"/>
+                  <a:satMod val="135000"/>
+                </a:schemeClr>
+                <a:prstClr val="white"/>
+              </a:duotone>
+              <a:extLst>
+                <a:ext uri="{28A0092B-C50C-407E-A947-70E740481C1C}">
+                  <a14:useLocalDpi xmlns:a14="http://schemas.microsoft.com/office/drawing/2010/main" val="0"/>
+                </a:ext>
+              </a:extLst>
+            </a:blip>
+            <a:srcRect/>
+            <a:stretch>
+              <a:fillRect/>
+            </a:stretch>
+          </p:blipFill>
+          <p:spPr bwMode="auto">
+            <a:xfrm>
+              <a:off x="10927219" y="820316"/>
+              <a:ext cx="880492" cy="880492"/>
+            </a:xfrm>
+            <a:prstGeom prst="rect">
+              <a:avLst/>
+            </a:prstGeom>
+            <a:noFill/>
+            <a:extLst>
+              <a:ext uri="{909E8E84-426E-40DD-AFC4-6F175D3DCCD1}">
+                <a14:hiddenFill xmlns:a14="http://schemas.microsoft.com/office/drawing/2010/main">
+                  <a:solidFill>
+                    <a:srgbClr val="FFFFFF"/>
+                  </a:solidFill>
+                </a14:hiddenFill>
+              </a:ext>
+            </a:extLst>
+          </p:spPr>
+        </p:pic>
+      </p:grpSp>
+    </p:spTree>
+    <p:extLst>
+      <p:ext uri="{BB962C8B-B14F-4D97-AF65-F5344CB8AC3E}">
+        <p14:creationId xmlns:p14="http://schemas.microsoft.com/office/powerpoint/2010/main" val="755226353"/>
+      </p:ext>
+    </p:extLst>
+  </p:cSld>
+  <p:clrMapOvr>
+    <a:masterClrMapping/>
+  </p:clrMapOvr>
+  <mc:AlternateContent xmlns:mc="http://schemas.openxmlformats.org/markup-compatibility/2006" xmlns:p14="http://schemas.microsoft.com/office/powerpoint/2010/main">
+    <mc:Choice Requires="p14">
+      <p:transition spd="med" p14:dur="700">
+        <p:fade/>
+      </p:transition>
+    </mc:Choice>
+    <mc:Fallback xmlns="">
+      <p:transition spd="med">
+        <p:fade/>
+      </p:transition>
+    </mc:Fallback>
+  </mc:AlternateContent>
+  <p:timing>
+    <p:tnLst>
+      <p:par>
+        <p:cTn id="1" dur="indefinite" restart="never" nodeType="tmRoot">
+          <p:childTnLst>
+            <p:seq concurrent="1" nextAc="seek">
+              <p:cTn id="2" dur="indefinite" nodeType="mainSeq">
+                <p:childTnLst>
+                  <p:par>
+                    <p:cTn id="3" fill="hold">
+                      <p:stCondLst>
+                        <p:cond delay="indefinite"/>
+                      </p:stCondLst>
+                      <p:childTnLst>
+                        <p:par>
+                          <p:cTn id="4" fill="hold">
+                            <p:stCondLst>
+                              <p:cond delay="0"/>
+                            </p:stCondLst>
+                            <p:childTnLst>
+                              <p:par>
+                                <p:cTn id="5" presetID="10" presetClass="entr" presetSubtype="0" fill="hold" nodeType="clickEffect">
+                                  <p:stCondLst>
+                                    <p:cond delay="0"/>
+                                  </p:stCondLst>
+                                  <p:childTnLst>
+                                    <p:set>
+                                      <p:cBhvr>
+                                        <p:cTn id="6" dur="1" fill="hold">
+                                          <p:stCondLst>
+                                            <p:cond delay="0"/>
+                                          </p:stCondLst>
+                                        </p:cTn>
+                                        <p:tgtEl>
+                                          <p:spTgt spid="3"/>
+                                        </p:tgtEl>
+                                        <p:attrNameLst>
+                                          <p:attrName>style.visibility</p:attrName>
+                                        </p:attrNameLst>
+                                      </p:cBhvr>
+                                      <p:to>
+                                        <p:strVal val="visible"/>
+                                      </p:to>
+                                    </p:set>
+                                    <p:animEffect transition="in" filter="fade">
+                                      <p:cBhvr>
+                                        <p:cTn id="7" dur="500"/>
+                                        <p:tgtEl>
+                                          <p:spTgt spid="3"/>
+                                        </p:tgtEl>
+                                      </p:cBhvr>
+                                    </p:animEffect>
+                                  </p:childTnLst>
+                                </p:cTn>
+                              </p:par>
+                            </p:childTnLst>
+                          </p:cTn>
+                        </p:par>
+                      </p:childTnLst>
+                    </p:cTn>
+                  </p:par>
+                  <p:par>
+                    <p:cTn id="8" fill="hold">
+                      <p:stCondLst>
+                        <p:cond delay="indefinite"/>
+                      </p:stCondLst>
+                      <p:childTnLst>
+                        <p:par>
+                          <p:cTn id="9" fill="hold">
+                            <p:stCondLst>
+                              <p:cond delay="0"/>
+                            </p:stCondLst>
+                            <p:childTnLst>
+                              <p:par>
+                                <p:cTn id="10" presetID="10" presetClass="entr" presetSubtype="0" fill="hold" grpId="0" nodeType="clickEffect">
+                                  <p:stCondLst>
+                                    <p:cond delay="0"/>
+                                  </p:stCondLst>
+                                  <p:childTnLst>
+                                    <p:set>
+                                      <p:cBhvr>
+                                        <p:cTn id="11" dur="1" fill="hold">
+                                          <p:stCondLst>
+                                            <p:cond delay="0"/>
+                                          </p:stCondLst>
+                                        </p:cTn>
+                                        <p:tgtEl>
+                                          <p:spTgt spid="6"/>
+                                        </p:tgtEl>
+                                        <p:attrNameLst>
+                                          <p:attrName>style.visibility</p:attrName>
+                                        </p:attrNameLst>
+                                      </p:cBhvr>
+                                      <p:to>
+                                        <p:strVal val="visible"/>
+                                      </p:to>
+                                    </p:set>
+                                    <p:animEffect transition="in" filter="fade">
+                                      <p:cBhvr>
+                                        <p:cTn id="12" dur="500"/>
+                                        <p:tgtEl>
+                                          <p:spTgt spid="6"/>
+                                        </p:tgtEl>
+                                      </p:cBhvr>
+                                    </p:animEffect>
+                                  </p:childTnLst>
+                                </p:cTn>
+                              </p:par>
+                            </p:childTnLst>
+                          </p:cTn>
+                        </p:par>
+                      </p:childTnLst>
+                    </p:cTn>
+                  </p:par>
+                </p:childTnLst>
+              </p:cTn>
+              <p:prevCondLst>
+                <p:cond evt="onPrev" delay="0">
+                  <p:tgtEl>
+                    <p:sldTgt/>
+                  </p:tgtEl>
+                </p:cond>
+              </p:prevCondLst>
+              <p:nextCondLst>
+                <p:cond evt="onNext" delay="0">
+                  <p:tgtEl>
+                    <p:sldTgt/>
+                  </p:tgtEl>
+                </p:cond>
+              </p:nextCondLst>
+            </p:seq>
+          </p:childTnLst>
+        </p:cTn>
+      </p:par>
+    </p:tnLst>
+    <p:bldLst>
+      <p:bldP spid="6" grpId="0"/>
+    </p:bldLst>
+  </p:timing>
+</p:sld>
+</file>
+
+<file path=ppt/slides/slide34.xml><?xml version="1.0" encoding="utf-8"?>
+<p:sld xmlns:a="http://schemas.openxmlformats.org/drawingml/2006/main" xmlns:r="http://schemas.openxmlformats.org/officeDocument/2006/relationships" xmlns:p="http://schemas.openxmlformats.org/presentationml/2006/main">
+  <p:cSld>
+    <p:spTree>
+      <p:nvGrpSpPr>
+        <p:cNvPr id="1" name=""/>
+        <p:cNvGrpSpPr/>
+        <p:nvPr/>
+      </p:nvGrpSpPr>
+      <p:grpSpPr>
+        <a:xfrm>
+          <a:off x="0" y="0"/>
+          <a:ext cx="0" cy="0"/>
+          <a:chOff x="0" y="0"/>
+          <a:chExt cx="0" cy="0"/>
+        </a:xfrm>
+      </p:grpSpPr>
+      <p:sp>
+        <p:nvSpPr>
+          <p:cNvPr id="13" name="Title 12"/>
+          <p:cNvSpPr>
+            <a:spLocks noGrp="1"/>
+          </p:cNvSpPr>
+          <p:nvPr>
+            <p:ph type="title"/>
+          </p:nvPr>
+        </p:nvSpPr>
+        <p:spPr>
+          <a:xfrm>
+            <a:off x="1008534" y="1029072"/>
+            <a:ext cx="4501182" cy="743744"/>
+          </a:xfrm>
+        </p:spPr>
+        <p:txBody>
+          <a:bodyPr anchor="t"/>
+          <a:lstStyle/>
+          <a:p>
+            <a:r>
+              <a:rPr lang="en-US" dirty="0"/>
+              <a:t>Concurrent</a:t>
+            </a:r>
+          </a:p>
+        </p:txBody>
+      </p:sp>
+      <p:sp>
+        <p:nvSpPr>
+          <p:cNvPr id="14" name="Content Placeholder 13"/>
+          <p:cNvSpPr>
+            <a:spLocks noGrp="1"/>
+          </p:cNvSpPr>
+          <p:nvPr>
+            <p:ph idx="1"/>
+          </p:nvPr>
+        </p:nvSpPr>
+        <p:spPr>
+          <a:xfrm>
+            <a:off x="983432" y="1772816"/>
+            <a:ext cx="4310259" cy="2520280"/>
+          </a:xfrm>
+        </p:spPr>
+        <p:txBody>
+          <a:bodyPr anchor="t">
+            <a:normAutofit/>
+          </a:bodyPr>
+          <a:lstStyle/>
+          <a:p>
+            <a:pPr lvl="0"/>
+            <a:r>
+              <a:rPr lang="en-US" dirty="0"/>
+              <a:t>TBD</a:t>
+            </a:r>
+          </a:p>
+        </p:txBody>
+      </p:sp>
+      <p:grpSp>
+        <p:nvGrpSpPr>
+          <p:cNvPr id="2" name="Group 1"/>
+          <p:cNvGrpSpPr/>
+          <p:nvPr/>
+        </p:nvGrpSpPr>
+        <p:grpSpPr>
+          <a:xfrm>
+            <a:off x="6600056" y="1029072"/>
+            <a:ext cx="4526284" cy="3264024"/>
+            <a:chOff x="6816081" y="1029072"/>
+            <a:chExt cx="4526284" cy="3264024"/>
+          </a:xfrm>
+        </p:grpSpPr>
+        <p:sp>
+          <p:nvSpPr>
+            <p:cNvPr id="4" name="Title 12"/>
+            <p:cNvSpPr txBox="1">
+              <a:spLocks/>
+            </p:cNvSpPr>
+            <p:nvPr/>
+          </p:nvSpPr>
+          <p:spPr>
+            <a:xfrm>
+              <a:off x="6841182" y="1029072"/>
+              <a:ext cx="4501182" cy="743744"/>
+            </a:xfrm>
+            <a:prstGeom prst="rect">
+              <a:avLst/>
+            </a:prstGeom>
+          </p:spPr>
+          <p:txBody>
+            <a:bodyPr vert="horz" lIns="91440" tIns="45720" rIns="91440" bIns="45720" rtlCol="0" anchor="t">
+              <a:normAutofit/>
+            </a:bodyPr>
+            <a:lstStyle>
+              <a:lvl1pPr algn="l" defTabSz="914400" rtl="0" eaLnBrk="1" latinLnBrk="0" hangingPunct="1">
+                <a:lnSpc>
+                  <a:spcPct val="90000"/>
+                </a:lnSpc>
+                <a:spcBef>
+                  <a:spcPct val="0"/>
+                </a:spcBef>
+                <a:buNone/>
+                <a:defRPr sz="3600" kern="1200" cap="all" spc="100" baseline="0">
+                  <a:solidFill>
+                    <a:schemeClr val="accent1"/>
+                  </a:solidFill>
+                  <a:latin typeface="+mj-lt"/>
+                  <a:ea typeface="+mj-ea"/>
+                  <a:cs typeface="+mj-cs"/>
+                </a:defRPr>
+              </a:lvl1pPr>
+            </a:lstStyle>
+            <a:p>
+              <a:r>
+                <a:rPr lang="en-US" dirty="0"/>
+                <a:t>Parallel</a:t>
+              </a:r>
+            </a:p>
+          </p:txBody>
+        </p:sp>
+        <p:sp>
+          <p:nvSpPr>
+            <p:cNvPr id="5" name="Content Placeholder 13"/>
+            <p:cNvSpPr txBox="1">
+              <a:spLocks/>
+            </p:cNvSpPr>
+            <p:nvPr/>
+          </p:nvSpPr>
+          <p:spPr>
+            <a:xfrm>
+              <a:off x="6816081" y="1772816"/>
+              <a:ext cx="4526284" cy="2520280"/>
+            </a:xfrm>
+            <a:prstGeom prst="rect">
+              <a:avLst/>
+            </a:prstGeom>
+          </p:spPr>
+          <p:txBody>
+            <a:bodyPr vert="horz" lIns="91440" tIns="45720" rIns="91440" bIns="45720" rtlCol="0" anchor="t">
+              <a:normAutofit/>
+            </a:bodyPr>
+            <a:lstStyle>
+              <a:lvl1pPr marL="223838" indent="-223838" algn="l" defTabSz="914400" rtl="0" eaLnBrk="1" latinLnBrk="0" hangingPunct="1">
+                <a:lnSpc>
+                  <a:spcPct val="90000"/>
+                </a:lnSpc>
+                <a:spcBef>
+                  <a:spcPts val="1800"/>
+                </a:spcBef>
+                <a:buClr>
+                  <a:schemeClr val="accent1"/>
+                </a:buClr>
+                <a:buSzPct val="100000"/>
+                <a:buFont typeface="Arial" pitchFamily="34" charset="0"/>
+                <a:buChar char="•"/>
+                <a:defRPr sz="2400" kern="1200">
+                  <a:solidFill>
+                    <a:schemeClr val="tx1"/>
+                  </a:solidFill>
+                  <a:latin typeface="+mn-lt"/>
+                  <a:ea typeface="+mn-ea"/>
+                  <a:cs typeface="+mn-cs"/>
+                </a:defRPr>
+              </a:lvl1pPr>
+              <a:lvl2pPr marL="463550" indent="-231775" algn="l" defTabSz="914400" rtl="0" eaLnBrk="1" latinLnBrk="0" hangingPunct="1">
+                <a:lnSpc>
+                  <a:spcPct val="90000"/>
+                </a:lnSpc>
+                <a:spcBef>
+                  <a:spcPts val="1200"/>
+                </a:spcBef>
+                <a:buClr>
+                  <a:schemeClr val="accent1"/>
+                </a:buClr>
+                <a:buSzPct val="100000"/>
+                <a:buFont typeface="Arial" pitchFamily="34" charset="0"/>
+                <a:buChar char="•"/>
+                <a:defRPr sz="2000" kern="1200">
+                  <a:solidFill>
+                    <a:schemeClr val="tx1"/>
+                  </a:solidFill>
+                  <a:latin typeface="+mn-lt"/>
+                  <a:ea typeface="+mn-ea"/>
+                  <a:cs typeface="+mn-cs"/>
+                </a:defRPr>
+              </a:lvl2pPr>
+              <a:lvl3pPr marL="682625" indent="-219075" algn="l" defTabSz="914400" rtl="0" eaLnBrk="1" latinLnBrk="0" hangingPunct="1">
+                <a:lnSpc>
+                  <a:spcPct val="90000"/>
+                </a:lnSpc>
+                <a:spcBef>
+                  <a:spcPts val="600"/>
+                </a:spcBef>
+                <a:buClr>
+                  <a:schemeClr val="accent1"/>
+                </a:buClr>
+                <a:buSzPct val="100000"/>
+                <a:buFont typeface="Arial" pitchFamily="34" charset="0"/>
+                <a:buChar char="•"/>
+                <a:defRPr sz="1800" kern="1200">
+                  <a:solidFill>
+                    <a:schemeClr val="tx1"/>
+                  </a:solidFill>
+                  <a:latin typeface="+mn-lt"/>
+                  <a:ea typeface="+mn-ea"/>
+                  <a:cs typeface="+mn-cs"/>
+                </a:defRPr>
+              </a:lvl3pPr>
+              <a:lvl4pPr marL="857250" indent="-174625" algn="l" defTabSz="914400" rtl="0" eaLnBrk="1" latinLnBrk="0" hangingPunct="1">
+                <a:lnSpc>
+                  <a:spcPct val="90000"/>
+                </a:lnSpc>
+                <a:spcBef>
+                  <a:spcPts val="600"/>
+                </a:spcBef>
+                <a:buClr>
+                  <a:schemeClr val="accent1"/>
+                </a:buClr>
+                <a:buSzPct val="100000"/>
+                <a:buFont typeface="Arial" pitchFamily="34" charset="0"/>
+                <a:buChar char="•"/>
+                <a:defRPr sz="1600" kern="1200">
+                  <a:solidFill>
+                    <a:schemeClr val="tx1"/>
+                  </a:solidFill>
+                  <a:latin typeface="+mn-lt"/>
+                  <a:ea typeface="+mn-ea"/>
+                  <a:cs typeface="+mn-cs"/>
+                </a:defRPr>
+              </a:lvl4pPr>
+              <a:lvl5pPr marL="1030288" indent="-173038" algn="l" defTabSz="914400" rtl="0" eaLnBrk="1" latinLnBrk="0" hangingPunct="1">
+                <a:lnSpc>
+                  <a:spcPct val="90000"/>
+                </a:lnSpc>
+                <a:spcBef>
+                  <a:spcPts val="600"/>
+                </a:spcBef>
+                <a:buClr>
+                  <a:schemeClr val="accent1"/>
+                </a:buClr>
+                <a:buSzPct val="100000"/>
+                <a:buFont typeface="Arial" pitchFamily="34" charset="0"/>
+                <a:buChar char="•"/>
+                <a:defRPr sz="1600" kern="1200">
+                  <a:solidFill>
+                    <a:schemeClr val="tx1"/>
+                  </a:solidFill>
+                  <a:latin typeface="+mn-lt"/>
+                  <a:ea typeface="+mn-ea"/>
+                  <a:cs typeface="+mn-cs"/>
+                </a:defRPr>
+              </a:lvl5pPr>
+              <a:lvl6pPr marL="1207008" indent="-173736" algn="l" defTabSz="914400" rtl="0" eaLnBrk="1" latinLnBrk="0" hangingPunct="1">
+                <a:spcBef>
+                  <a:spcPts val="600"/>
+                </a:spcBef>
+                <a:buClr>
+                  <a:schemeClr val="accent1"/>
+                </a:buClr>
+                <a:buFont typeface="Arial" pitchFamily="34" charset="0"/>
+                <a:buChar char="•"/>
+                <a:defRPr sz="1600" kern="1200">
+                  <a:solidFill>
+                    <a:schemeClr val="tx1"/>
+                  </a:solidFill>
+                  <a:latin typeface="+mn-lt"/>
+                  <a:ea typeface="+mn-ea"/>
+                  <a:cs typeface="+mn-cs"/>
+                </a:defRPr>
+              </a:lvl6pPr>
+              <a:lvl7pPr marL="1380744" indent="-173736" algn="l" defTabSz="914400" rtl="0" eaLnBrk="1" latinLnBrk="0" hangingPunct="1">
+                <a:spcBef>
+                  <a:spcPts val="600"/>
+                </a:spcBef>
+                <a:buClr>
+                  <a:schemeClr val="accent1"/>
+                </a:buClr>
+                <a:buFont typeface="Arial" pitchFamily="34" charset="0"/>
+                <a:buChar char="•"/>
+                <a:defRPr sz="1600" kern="1200">
+                  <a:solidFill>
+                    <a:schemeClr val="tx1"/>
+                  </a:solidFill>
+                  <a:latin typeface="+mn-lt"/>
+                  <a:ea typeface="+mn-ea"/>
+                  <a:cs typeface="+mn-cs"/>
+                </a:defRPr>
+              </a:lvl7pPr>
+              <a:lvl8pPr marL="1554480" indent="-173736" algn="l" defTabSz="914400" rtl="0" eaLnBrk="1" latinLnBrk="0" hangingPunct="1">
+                <a:spcBef>
+                  <a:spcPts val="600"/>
+                </a:spcBef>
+                <a:buClr>
+                  <a:schemeClr val="accent1"/>
+                </a:buClr>
+                <a:buFont typeface="Arial" pitchFamily="34" charset="0"/>
+                <a:buChar char="•"/>
+                <a:defRPr sz="1600" kern="1200">
+                  <a:solidFill>
+                    <a:schemeClr val="tx1"/>
+                  </a:solidFill>
+                  <a:latin typeface="+mn-lt"/>
+                  <a:ea typeface="+mn-ea"/>
+                  <a:cs typeface="+mn-cs"/>
+                </a:defRPr>
+              </a:lvl8pPr>
+              <a:lvl9pPr marL="1728216" indent="-173736" algn="l" defTabSz="914400" rtl="0" eaLnBrk="1" latinLnBrk="0" hangingPunct="1">
+                <a:spcBef>
+                  <a:spcPts val="600"/>
+                </a:spcBef>
+                <a:buClr>
+                  <a:schemeClr val="accent1"/>
+                </a:buClr>
+                <a:buFont typeface="Arial" pitchFamily="34" charset="0"/>
+                <a:buChar char="•"/>
+                <a:defRPr sz="1600" kern="1200">
+                  <a:solidFill>
+                    <a:schemeClr val="tx1"/>
+                  </a:solidFill>
+                  <a:latin typeface="+mn-lt"/>
+                  <a:ea typeface="+mn-ea"/>
+                  <a:cs typeface="+mn-cs"/>
+                </a:defRPr>
+              </a:lvl9pPr>
+            </a:lstStyle>
+            <a:p>
+              <a:r>
+                <a:rPr lang="en-US" dirty="0"/>
+                <a:t>TBD.</a:t>
+              </a:r>
+              <a:endParaRPr lang="en-US" dirty="0">
+                <a:solidFill>
+                  <a:schemeClr val="accent4"/>
+                </a:solidFill>
+              </a:endParaRPr>
+            </a:p>
+          </p:txBody>
+        </p:sp>
+      </p:grpSp>
+      <p:sp>
+        <p:nvSpPr>
+          <p:cNvPr id="11" name="Content Placeholder 13"/>
+          <p:cNvSpPr txBox="1">
+            <a:spLocks/>
+          </p:cNvSpPr>
+          <p:nvPr/>
+        </p:nvSpPr>
+        <p:spPr>
+          <a:xfrm>
+            <a:off x="2606167" y="5157192"/>
+            <a:ext cx="6979666" cy="1486966"/>
+          </a:xfrm>
+          <a:prstGeom prst="rect">
+            <a:avLst/>
+          </a:prstGeom>
+        </p:spPr>
+        <p:txBody>
+          <a:bodyPr vert="horz" lIns="91440" tIns="45720" rIns="91440" bIns="45720" rtlCol="0" anchor="t">
+            <a:normAutofit/>
+          </a:bodyPr>
+          <a:lstStyle>
+            <a:lvl1pPr marL="223838" indent="-223838" algn="l" defTabSz="914400" rtl="0" eaLnBrk="1" latinLnBrk="0" hangingPunct="1">
+              <a:lnSpc>
+                <a:spcPct val="90000"/>
+              </a:lnSpc>
+              <a:spcBef>
+                <a:spcPts val="1800"/>
+              </a:spcBef>
+              <a:buClr>
+                <a:schemeClr val="accent1"/>
+              </a:buClr>
+              <a:buSzPct val="100000"/>
+              <a:buFont typeface="Arial" pitchFamily="34" charset="0"/>
+              <a:buChar char="•"/>
+              <a:defRPr sz="2400" kern="1200">
+                <a:solidFill>
+                  <a:schemeClr val="tx1"/>
+                </a:solidFill>
+                <a:latin typeface="+mn-lt"/>
+                <a:ea typeface="+mn-ea"/>
+                <a:cs typeface="+mn-cs"/>
+              </a:defRPr>
+            </a:lvl1pPr>
+            <a:lvl2pPr marL="463550" indent="-231775" algn="l" defTabSz="914400" rtl="0" eaLnBrk="1" latinLnBrk="0" hangingPunct="1">
+              <a:lnSpc>
+                <a:spcPct val="90000"/>
+              </a:lnSpc>
+              <a:spcBef>
+                <a:spcPts val="1200"/>
+              </a:spcBef>
+              <a:buClr>
+                <a:schemeClr val="accent1"/>
+              </a:buClr>
+              <a:buSzPct val="100000"/>
+              <a:buFont typeface="Arial" pitchFamily="34" charset="0"/>
+              <a:buChar char="•"/>
+              <a:defRPr sz="2000" kern="1200">
+                <a:solidFill>
+                  <a:schemeClr val="tx1"/>
+                </a:solidFill>
+                <a:latin typeface="+mn-lt"/>
+                <a:ea typeface="+mn-ea"/>
+                <a:cs typeface="+mn-cs"/>
+              </a:defRPr>
+            </a:lvl2pPr>
+            <a:lvl3pPr marL="682625" indent="-219075" algn="l" defTabSz="914400" rtl="0" eaLnBrk="1" latinLnBrk="0" hangingPunct="1">
+              <a:lnSpc>
+                <a:spcPct val="90000"/>
+              </a:lnSpc>
+              <a:spcBef>
+                <a:spcPts val="600"/>
+              </a:spcBef>
+              <a:buClr>
+                <a:schemeClr val="accent1"/>
+              </a:buClr>
+              <a:buSzPct val="100000"/>
+              <a:buFont typeface="Arial" pitchFamily="34" charset="0"/>
+              <a:buChar char="•"/>
+              <a:defRPr sz="1800" kern="1200">
+                <a:solidFill>
+                  <a:schemeClr val="tx1"/>
+                </a:solidFill>
+                <a:latin typeface="+mn-lt"/>
+                <a:ea typeface="+mn-ea"/>
+                <a:cs typeface="+mn-cs"/>
+              </a:defRPr>
+            </a:lvl3pPr>
+            <a:lvl4pPr marL="857250" indent="-174625" algn="l" defTabSz="914400" rtl="0" eaLnBrk="1" latinLnBrk="0" hangingPunct="1">
+              <a:lnSpc>
+                <a:spcPct val="90000"/>
+              </a:lnSpc>
+              <a:spcBef>
+                <a:spcPts val="600"/>
+              </a:spcBef>
+              <a:buClr>
+                <a:schemeClr val="accent1"/>
+              </a:buClr>
+              <a:buSzPct val="100000"/>
+              <a:buFont typeface="Arial" pitchFamily="34" charset="0"/>
+              <a:buChar char="•"/>
+              <a:defRPr sz="1600" kern="1200">
+                <a:solidFill>
+                  <a:schemeClr val="tx1"/>
+                </a:solidFill>
+                <a:latin typeface="+mn-lt"/>
+                <a:ea typeface="+mn-ea"/>
+                <a:cs typeface="+mn-cs"/>
+              </a:defRPr>
+            </a:lvl4pPr>
+            <a:lvl5pPr marL="1030288" indent="-173038" algn="l" defTabSz="914400" rtl="0" eaLnBrk="1" latinLnBrk="0" hangingPunct="1">
+              <a:lnSpc>
+                <a:spcPct val="90000"/>
+              </a:lnSpc>
+              <a:spcBef>
+                <a:spcPts val="600"/>
+              </a:spcBef>
+              <a:buClr>
+                <a:schemeClr val="accent1"/>
+              </a:buClr>
+              <a:buSzPct val="100000"/>
+              <a:buFont typeface="Arial" pitchFamily="34" charset="0"/>
+              <a:buChar char="•"/>
+              <a:defRPr sz="1600" kern="1200">
+                <a:solidFill>
+                  <a:schemeClr val="tx1"/>
+                </a:solidFill>
+                <a:latin typeface="+mn-lt"/>
+                <a:ea typeface="+mn-ea"/>
+                <a:cs typeface="+mn-cs"/>
+              </a:defRPr>
+            </a:lvl5pPr>
+            <a:lvl6pPr marL="1207008" indent="-173736" algn="l" defTabSz="914400" rtl="0" eaLnBrk="1" latinLnBrk="0" hangingPunct="1">
+              <a:spcBef>
+                <a:spcPts val="600"/>
+              </a:spcBef>
+              <a:buClr>
+                <a:schemeClr val="accent1"/>
+              </a:buClr>
+              <a:buFont typeface="Arial" pitchFamily="34" charset="0"/>
+              <a:buChar char="•"/>
+              <a:defRPr sz="1600" kern="1200">
+                <a:solidFill>
+                  <a:schemeClr val="tx1"/>
+                </a:solidFill>
+                <a:latin typeface="+mn-lt"/>
+                <a:ea typeface="+mn-ea"/>
+                <a:cs typeface="+mn-cs"/>
+              </a:defRPr>
+            </a:lvl6pPr>
+            <a:lvl7pPr marL="1380744" indent="-173736" algn="l" defTabSz="914400" rtl="0" eaLnBrk="1" latinLnBrk="0" hangingPunct="1">
+              <a:spcBef>
+                <a:spcPts val="600"/>
+              </a:spcBef>
+              <a:buClr>
+                <a:schemeClr val="accent1"/>
+              </a:buClr>
+              <a:buFont typeface="Arial" pitchFamily="34" charset="0"/>
+              <a:buChar char="•"/>
+              <a:defRPr sz="1600" kern="1200">
+                <a:solidFill>
+                  <a:schemeClr val="tx1"/>
+                </a:solidFill>
+                <a:latin typeface="+mn-lt"/>
+                <a:ea typeface="+mn-ea"/>
+                <a:cs typeface="+mn-cs"/>
+              </a:defRPr>
+            </a:lvl7pPr>
+            <a:lvl8pPr marL="1554480" indent="-173736" algn="l" defTabSz="914400" rtl="0" eaLnBrk="1" latinLnBrk="0" hangingPunct="1">
+              <a:spcBef>
+                <a:spcPts val="600"/>
+              </a:spcBef>
+              <a:buClr>
+                <a:schemeClr val="accent1"/>
+              </a:buClr>
+              <a:buFont typeface="Arial" pitchFamily="34" charset="0"/>
+              <a:buChar char="•"/>
+              <a:defRPr sz="1600" kern="1200">
+                <a:solidFill>
+                  <a:schemeClr val="tx1"/>
+                </a:solidFill>
+                <a:latin typeface="+mn-lt"/>
+                <a:ea typeface="+mn-ea"/>
+                <a:cs typeface="+mn-cs"/>
+              </a:defRPr>
+            </a:lvl8pPr>
+            <a:lvl9pPr marL="1728216" indent="-173736" algn="l" defTabSz="914400" rtl="0" eaLnBrk="1" latinLnBrk="0" hangingPunct="1">
+              <a:spcBef>
+                <a:spcPts val="600"/>
+              </a:spcBef>
+              <a:buClr>
+                <a:schemeClr val="accent1"/>
+              </a:buClr>
+              <a:buFont typeface="Arial" pitchFamily="34" charset="0"/>
+              <a:buChar char="•"/>
+              <a:defRPr sz="1600" kern="1200">
+                <a:solidFill>
+                  <a:schemeClr val="tx1"/>
+                </a:solidFill>
+                <a:latin typeface="+mn-lt"/>
+                <a:ea typeface="+mn-ea"/>
+                <a:cs typeface="+mn-cs"/>
+              </a:defRPr>
+            </a:lvl9pPr>
+          </a:lstStyle>
+          <a:p>
+            <a:pPr marL="0" indent="0" algn="ctr">
+              <a:buNone/>
+            </a:pPr>
+            <a:r>
+              <a:rPr lang="en-US" sz="3600" cap="all" dirty="0">
+                <a:solidFill>
+                  <a:schemeClr val="accent4"/>
+                </a:solidFill>
+              </a:rPr>
+              <a:t>This is about Execution!</a:t>
+            </a:r>
+            <a:br>
+              <a:rPr lang="en-US" cap="all" dirty="0">
+                <a:solidFill>
+                  <a:schemeClr val="accent4"/>
+                </a:solidFill>
+              </a:rPr>
+            </a:br>
+            <a:r>
+              <a:rPr lang="en-US" sz="2000" b="1" cap="all" dirty="0">
+                <a:solidFill>
+                  <a:schemeClr val="tx2"/>
+                </a:solidFill>
+              </a:rPr>
+              <a:t>(of the Goddamn thing ;-)</a:t>
+            </a:r>
+            <a:endParaRPr lang="en-US" dirty="0">
+              <a:solidFill>
+                <a:schemeClr val="tx2"/>
+              </a:solidFill>
+            </a:endParaRPr>
+          </a:p>
+        </p:txBody>
+      </p:sp>
+    </p:spTree>
+    <p:extLst>
+      <p:ext uri="{BB962C8B-B14F-4D97-AF65-F5344CB8AC3E}">
+        <p14:creationId xmlns:p14="http://schemas.microsoft.com/office/powerpoint/2010/main" val="4120368072"/>
+      </p:ext>
+    </p:extLst>
+  </p:cSld>
+  <p:clrMapOvr>
+    <a:masterClrMapping/>
+  </p:clrMapOvr>
+  <mc:AlternateContent xmlns:mc="http://schemas.openxmlformats.org/markup-compatibility/2006" xmlns:p14="http://schemas.microsoft.com/office/powerpoint/2010/main">
+    <mc:Choice Requires="p14">
+      <p:transition spd="med" p14:dur="700">
+        <p:fade/>
+      </p:transition>
+    </mc:Choice>
+    <mc:Fallback xmlns="">
+      <p:transition spd="med">
+        <p:fade/>
+      </p:transition>
+    </mc:Fallback>
+  </mc:AlternateContent>
+  <p:timing>
+    <p:tnLst>
+      <p:par>
+        <p:cTn id="1" dur="indefinite" restart="never" nodeType="tmRoot">
+          <p:childTnLst>
+            <p:seq concurrent="1" nextAc="seek">
+              <p:cTn id="2" dur="indefinite" nodeType="mainSeq">
+                <p:childTnLst>
+                  <p:par>
+                    <p:cTn id="3" fill="hold">
+                      <p:stCondLst>
+                        <p:cond delay="indefinite"/>
+                      </p:stCondLst>
+                      <p:childTnLst>
+                        <p:par>
+                          <p:cTn id="4" fill="hold">
+                            <p:stCondLst>
+                              <p:cond delay="0"/>
+                            </p:stCondLst>
+                            <p:childTnLst>
+                              <p:par>
+                                <p:cTn id="5" presetID="10" presetClass="entr" presetSubtype="0" fill="hold" grpId="0" nodeType="clickEffect">
+                                  <p:stCondLst>
+                                    <p:cond delay="0"/>
+                                  </p:stCondLst>
+                                  <p:childTnLst>
+                                    <p:set>
+                                      <p:cBhvr>
+                                        <p:cTn id="6" dur="1" fill="hold">
+                                          <p:stCondLst>
+                                            <p:cond delay="0"/>
+                                          </p:stCondLst>
+                                        </p:cTn>
+                                        <p:tgtEl>
+                                          <p:spTgt spid="11"/>
+                                        </p:tgtEl>
+                                        <p:attrNameLst>
+                                          <p:attrName>style.visibility</p:attrName>
+                                        </p:attrNameLst>
+                                      </p:cBhvr>
+                                      <p:to>
+                                        <p:strVal val="visible"/>
+                                      </p:to>
+                                    </p:set>
+                                    <p:animEffect transition="in" filter="fade">
+                                      <p:cBhvr>
+                                        <p:cTn id="7" dur="500"/>
+                                        <p:tgtEl>
+                                          <p:spTgt spid="11"/>
+                                        </p:tgtEl>
+                                      </p:cBhvr>
+                                    </p:animEffect>
+                                  </p:childTnLst>
+                                </p:cTn>
+                              </p:par>
+                            </p:childTnLst>
+                          </p:cTn>
+                        </p:par>
+                      </p:childTnLst>
+                    </p:cTn>
+                  </p:par>
+                </p:childTnLst>
+              </p:cTn>
+              <p:prevCondLst>
+                <p:cond evt="onPrev" delay="0">
+                  <p:tgtEl>
+                    <p:sldTgt/>
+                  </p:tgtEl>
+                </p:cond>
+              </p:prevCondLst>
+              <p:nextCondLst>
+                <p:cond evt="onNext" delay="0">
+                  <p:tgtEl>
+                    <p:sldTgt/>
+                  </p:tgtEl>
+                </p:cond>
+              </p:nextCondLst>
+            </p:seq>
+          </p:childTnLst>
+        </p:cTn>
+      </p:par>
+    </p:tnLst>
+    <p:bldLst>
+      <p:bldP spid="11" grpId="0"/>
+    </p:bldLst>
+  </p:timing>
+</p:sld>
+</file>
+
+<file path=ppt/slides/slide35.xml><?xml version="1.0" encoding="utf-8"?>
 <p:sld xmlns:a="http://schemas.openxmlformats.org/drawingml/2006/main" xmlns:r="http://schemas.openxmlformats.org/officeDocument/2006/relationships" xmlns:p="http://schemas.openxmlformats.org/presentationml/2006/main">
   <p:cSld>
     <p:spTree>
@@ -17025,7 +19968,7 @@
 </p:sld>
 </file>
 
-<file path=ppt/slides/slide33.xml><?xml version="1.0" encoding="utf-8"?>
+<file path=ppt/slides/slide36.xml><?xml version="1.0" encoding="utf-8"?>
 <p:sld xmlns:a="http://schemas.openxmlformats.org/drawingml/2006/main" xmlns:r="http://schemas.openxmlformats.org/officeDocument/2006/relationships" xmlns:p="http://schemas.openxmlformats.org/presentationml/2006/main">
   <p:cSld>
     <p:spTree>
@@ -17137,7 +20080,7 @@
 </p:sld>
 </file>
 
-<file path=ppt/slides/slide34.xml><?xml version="1.0" encoding="utf-8"?>
+<file path=ppt/slides/slide37.xml><?xml version="1.0" encoding="utf-8"?>
 <p:sld xmlns:a="http://schemas.openxmlformats.org/drawingml/2006/main" xmlns:r="http://schemas.openxmlformats.org/officeDocument/2006/relationships" xmlns:p="http://schemas.openxmlformats.org/presentationml/2006/main">
   <p:cSld>
     <p:spTree>
@@ -17249,7 +20192,7 @@
 </p:sld>
 </file>
 
-<file path=ppt/slides/slide35.xml><?xml version="1.0" encoding="utf-8"?>
+<file path=ppt/slides/slide38.xml><?xml version="1.0" encoding="utf-8"?>
 <p:sld xmlns:a="http://schemas.openxmlformats.org/drawingml/2006/main" xmlns:r="http://schemas.openxmlformats.org/officeDocument/2006/relationships" xmlns:p="http://schemas.openxmlformats.org/presentationml/2006/main">
   <p:cSld>
     <p:spTree>
@@ -17361,7 +20304,7 @@
 </p:sld>
 </file>
 
-<file path=ppt/slides/slide36.xml><?xml version="1.0" encoding="utf-8"?>
+<file path=ppt/slides/slide39.xml><?xml version="1.0" encoding="utf-8"?>
 <p:sld xmlns:a="http://schemas.openxmlformats.org/drawingml/2006/main" xmlns:r="http://schemas.openxmlformats.org/officeDocument/2006/relationships" xmlns:p="http://schemas.openxmlformats.org/presentationml/2006/main">
   <p:cSld>
     <p:spTree>
@@ -17404,329 +20347,6 @@
     <p:extLst>
       <p:ext uri="{BB962C8B-B14F-4D97-AF65-F5344CB8AC3E}">
         <p14:creationId xmlns:p14="http://schemas.microsoft.com/office/powerpoint/2010/main" val="1255273533"/>
-      </p:ext>
-    </p:extLst>
-  </p:cSld>
-  <p:clrMapOvr>
-    <a:masterClrMapping/>
-  </p:clrMapOvr>
-  <mc:AlternateContent xmlns:mc="http://schemas.openxmlformats.org/markup-compatibility/2006" xmlns:p14="http://schemas.microsoft.com/office/powerpoint/2010/main">
-    <mc:Choice Requires="p14">
-      <p:transition spd="med" p14:dur="700">
-        <p:fade/>
-      </p:transition>
-    </mc:Choice>
-    <mc:Fallback xmlns="">
-      <p:transition spd="med">
-        <p:fade/>
-      </p:transition>
-    </mc:Fallback>
-  </mc:AlternateContent>
-</p:sld>
-</file>
-
-<file path=ppt/slides/slide37.xml><?xml version="1.0" encoding="utf-8"?>
-<p:sld xmlns:a="http://schemas.openxmlformats.org/drawingml/2006/main" xmlns:r="http://schemas.openxmlformats.org/officeDocument/2006/relationships" xmlns:p="http://schemas.openxmlformats.org/presentationml/2006/main">
-  <p:cSld>
-    <p:spTree>
-      <p:nvGrpSpPr>
-        <p:cNvPr id="1" name=""/>
-        <p:cNvGrpSpPr/>
-        <p:nvPr/>
-      </p:nvGrpSpPr>
-      <p:grpSpPr>
-        <a:xfrm>
-          <a:off x="0" y="0"/>
-          <a:ext cx="0" cy="0"/>
-          <a:chOff x="0" y="0"/>
-          <a:chExt cx="0" cy="0"/>
-        </a:xfrm>
-      </p:grpSpPr>
-      <p:sp>
-        <p:nvSpPr>
-          <p:cNvPr id="13" name="Title 12"/>
-          <p:cNvSpPr>
-            <a:spLocks noGrp="1"/>
-          </p:cNvSpPr>
-          <p:nvPr>
-            <p:ph type="title"/>
-          </p:nvPr>
-        </p:nvSpPr>
-        <p:spPr/>
-        <p:txBody>
-          <a:bodyPr anchor="t"/>
-          <a:lstStyle/>
-          <a:p>
-            <a:r>
-              <a:rPr lang="en-US" dirty="0"/>
-              <a:t>Async method GC impact</a:t>
-            </a:r>
-          </a:p>
-        </p:txBody>
-      </p:sp>
-      <p:sp>
-        <p:nvSpPr>
-          <p:cNvPr id="14" name="Content Placeholder 13"/>
-          <p:cNvSpPr>
-            <a:spLocks noGrp="1"/>
-          </p:cNvSpPr>
-          <p:nvPr>
-            <p:ph idx="1"/>
-          </p:nvPr>
-        </p:nvSpPr>
-        <p:spPr>
-          <a:xfrm>
-            <a:off x="2135560" y="1844824"/>
-            <a:ext cx="8640960" cy="4248472"/>
-          </a:xfrm>
-        </p:spPr>
-        <p:txBody>
-          <a:bodyPr anchor="t">
-            <a:normAutofit/>
-          </a:bodyPr>
-          <a:lstStyle/>
-          <a:p>
-            <a:r>
-              <a:rPr lang="en-US" dirty="0"/>
-              <a:t>3 allocations for every Async method</a:t>
-            </a:r>
-          </a:p>
-          <a:p>
-            <a:pPr lvl="1"/>
-            <a:r>
-              <a:rPr lang="en-US" dirty="0"/>
-              <a:t>Heap-allocated state machine</a:t>
-            </a:r>
-          </a:p>
-          <a:p>
-            <a:pPr lvl="2"/>
-            <a:r>
-              <a:rPr lang="en-US" dirty="0"/>
-              <a:t>With a field for every local variable in your method</a:t>
-            </a:r>
-          </a:p>
-          <a:p>
-            <a:pPr lvl="1"/>
-            <a:r>
-              <a:rPr lang="en-US" dirty="0"/>
-              <a:t>Completion delegate</a:t>
-            </a:r>
-          </a:p>
-          <a:p>
-            <a:pPr lvl="1"/>
-            <a:r>
-              <a:rPr lang="en-US" dirty="0"/>
-              <a:t>Task</a:t>
-            </a:r>
-            <a:endParaRPr lang="en-US" sz="1600" dirty="0">
-              <a:solidFill>
-                <a:schemeClr val="accent1"/>
-              </a:solidFill>
-              <a:latin typeface="Arial Narrow" panose="020B0606020202030204" pitchFamily="34" charset="0"/>
-            </a:endParaRPr>
-          </a:p>
-        </p:txBody>
-      </p:sp>
-    </p:spTree>
-    <p:extLst>
-      <p:ext uri="{BB962C8B-B14F-4D97-AF65-F5344CB8AC3E}">
-        <p14:creationId xmlns:p14="http://schemas.microsoft.com/office/powerpoint/2010/main" val="789624704"/>
-      </p:ext>
-    </p:extLst>
-  </p:cSld>
-  <p:clrMapOvr>
-    <a:masterClrMapping/>
-  </p:clrMapOvr>
-  <mc:AlternateContent xmlns:mc="http://schemas.openxmlformats.org/markup-compatibility/2006" xmlns:p14="http://schemas.microsoft.com/office/powerpoint/2010/main">
-    <mc:Choice Requires="p14">
-      <p:transition spd="med" p14:dur="700">
-        <p:fade/>
-      </p:transition>
-    </mc:Choice>
-    <mc:Fallback xmlns="">
-      <p:transition spd="med">
-        <p:fade/>
-      </p:transition>
-    </mc:Fallback>
-  </mc:AlternateContent>
-</p:sld>
-</file>
-
-<file path=ppt/slides/slide38.xml><?xml version="1.0" encoding="utf-8"?>
-<p:sld xmlns:a="http://schemas.openxmlformats.org/drawingml/2006/main" xmlns:r="http://schemas.openxmlformats.org/officeDocument/2006/relationships" xmlns:p="http://schemas.openxmlformats.org/presentationml/2006/main">
-  <p:cSld>
-    <p:spTree>
-      <p:nvGrpSpPr>
-        <p:cNvPr id="1" name=""/>
-        <p:cNvGrpSpPr/>
-        <p:nvPr/>
-      </p:nvGrpSpPr>
-      <p:grpSpPr>
-        <a:xfrm>
-          <a:off x="0" y="0"/>
-          <a:ext cx="0" cy="0"/>
-          <a:chOff x="0" y="0"/>
-          <a:chExt cx="0" cy="0"/>
-        </a:xfrm>
-      </p:grpSpPr>
-      <p:sp>
-        <p:nvSpPr>
-          <p:cNvPr id="13" name="Title 12"/>
-          <p:cNvSpPr>
-            <a:spLocks noGrp="1"/>
-          </p:cNvSpPr>
-          <p:nvPr>
-            <p:ph type="title"/>
-          </p:nvPr>
-        </p:nvSpPr>
-        <p:spPr/>
-        <p:txBody>
-          <a:bodyPr anchor="t"/>
-          <a:lstStyle/>
-          <a:p>
-            <a:r>
-              <a:rPr lang="en-US" dirty="0"/>
-              <a:t>Few refs</a:t>
-            </a:r>
-          </a:p>
-        </p:txBody>
-      </p:sp>
-      <p:sp>
-        <p:nvSpPr>
-          <p:cNvPr id="14" name="Content Placeholder 13"/>
-          <p:cNvSpPr>
-            <a:spLocks noGrp="1"/>
-          </p:cNvSpPr>
-          <p:nvPr>
-            <p:ph idx="1"/>
-          </p:nvPr>
-        </p:nvSpPr>
-        <p:spPr>
-          <a:xfrm>
-            <a:off x="2135560" y="1844824"/>
-            <a:ext cx="8640960" cy="4248472"/>
-          </a:xfrm>
-        </p:spPr>
-        <p:txBody>
-          <a:bodyPr anchor="t">
-            <a:normAutofit/>
-          </a:bodyPr>
-          <a:lstStyle/>
-          <a:p>
-            <a:r>
-              <a:rPr lang="en-US" dirty="0">
-                <a:hlinkClick r:id="rId2"/>
-              </a:rPr>
-              <a:t>Compiler error: http://stackoverflow.com/questions/12115168/why-does-this-async-await-code-generate-not-all-code-paths-return-a-value</a:t>
-            </a:r>
-            <a:endParaRPr lang="en-US" dirty="0"/>
-          </a:p>
-          <a:p>
-            <a:endParaRPr lang="en-US" dirty="0"/>
-          </a:p>
-          <a:p>
-            <a:endParaRPr lang="en-US" sz="1600" dirty="0">
-              <a:solidFill>
-                <a:schemeClr val="accent1"/>
-              </a:solidFill>
-              <a:latin typeface="Arial Narrow" panose="020B0606020202030204" pitchFamily="34" charset="0"/>
-            </a:endParaRPr>
-          </a:p>
-        </p:txBody>
-      </p:sp>
-    </p:spTree>
-    <p:extLst>
-      <p:ext uri="{BB962C8B-B14F-4D97-AF65-F5344CB8AC3E}">
-        <p14:creationId xmlns:p14="http://schemas.microsoft.com/office/powerpoint/2010/main" val="1603796909"/>
-      </p:ext>
-    </p:extLst>
-  </p:cSld>
-  <p:clrMapOvr>
-    <a:masterClrMapping/>
-  </p:clrMapOvr>
-  <mc:AlternateContent xmlns:mc="http://schemas.openxmlformats.org/markup-compatibility/2006" xmlns:p14="http://schemas.microsoft.com/office/powerpoint/2010/main">
-    <mc:Choice Requires="p14">
-      <p:transition spd="med" p14:dur="700">
-        <p:fade/>
-      </p:transition>
-    </mc:Choice>
-    <mc:Fallback xmlns="">
-      <p:transition spd="med">
-        <p:fade/>
-      </p:transition>
-    </mc:Fallback>
-  </mc:AlternateContent>
-</p:sld>
-</file>
-
-<file path=ppt/slides/slide39.xml><?xml version="1.0" encoding="utf-8"?>
-<p:sld xmlns:a="http://schemas.openxmlformats.org/drawingml/2006/main" xmlns:r="http://schemas.openxmlformats.org/officeDocument/2006/relationships" xmlns:p="http://schemas.openxmlformats.org/presentationml/2006/main">
-  <p:cSld>
-    <p:spTree>
-      <p:nvGrpSpPr>
-        <p:cNvPr id="1" name=""/>
-        <p:cNvGrpSpPr/>
-        <p:nvPr/>
-      </p:nvGrpSpPr>
-      <p:grpSpPr>
-        <a:xfrm>
-          <a:off x="0" y="0"/>
-          <a:ext cx="0" cy="0"/>
-          <a:chOff x="0" y="0"/>
-          <a:chExt cx="0" cy="0"/>
-        </a:xfrm>
-      </p:grpSpPr>
-      <p:sp>
-        <p:nvSpPr>
-          <p:cNvPr id="13" name="Title 12"/>
-          <p:cNvSpPr>
-            <a:spLocks noGrp="1"/>
-          </p:cNvSpPr>
-          <p:nvPr>
-            <p:ph type="title"/>
-          </p:nvPr>
-        </p:nvSpPr>
-        <p:spPr/>
-        <p:txBody>
-          <a:bodyPr/>
-          <a:lstStyle/>
-          <a:p>
-            <a:r>
-              <a:rPr lang="en-US" dirty="0"/>
-              <a:t>Title and Content Layout with Chart</a:t>
-            </a:r>
-          </a:p>
-        </p:txBody>
-      </p:sp>
-      <p:graphicFrame>
-        <p:nvGraphicFramePr>
-          <p:cNvPr id="6" name="Content Placeholder 5" descr="Clustered Column – Line Combination chart showing the values of 3 series for 4 categories. The first 2 series are columns and the 3rd series is the line."/>
-          <p:cNvGraphicFramePr>
-            <a:graphicFrameLocks noGrp="1"/>
-          </p:cNvGraphicFramePr>
-          <p:nvPr>
-            <p:ph idx="1"/>
-            <p:extLst>
-              <p:ext uri="{D42A27DB-BD31-4B8C-83A1-F6EECF244321}">
-                <p14:modId xmlns:p14="http://schemas.microsoft.com/office/powerpoint/2010/main" val="426050944"/>
-              </p:ext>
-            </p:extLst>
-          </p:nvPr>
-        </p:nvGraphicFramePr>
-        <p:xfrm>
-          <a:off x="1524002" y="1905000"/>
-          <a:ext cx="9134475" cy="4114800"/>
-        </p:xfrm>
-        <a:graphic>
-          <a:graphicData uri="http://schemas.openxmlformats.org/drawingml/2006/chart">
-            <c:chart xmlns:c="http://schemas.openxmlformats.org/drawingml/2006/chart" xmlns:r="http://schemas.openxmlformats.org/officeDocument/2006/relationships" r:id="rId2"/>
-          </a:graphicData>
-        </a:graphic>
-      </p:graphicFrame>
-    </p:spTree>
-    <p:extLst>
-      <p:ext uri="{BB962C8B-B14F-4D97-AF65-F5344CB8AC3E}">
-        <p14:creationId xmlns:p14="http://schemas.microsoft.com/office/powerpoint/2010/main" val="3106206852"/>
       </p:ext>
     </p:extLst>
   </p:cSld>
@@ -17941,6 +20561,329 @@
 </file>
 
 <file path=ppt/slides/slide40.xml><?xml version="1.0" encoding="utf-8"?>
+<p:sld xmlns:a="http://schemas.openxmlformats.org/drawingml/2006/main" xmlns:r="http://schemas.openxmlformats.org/officeDocument/2006/relationships" xmlns:p="http://schemas.openxmlformats.org/presentationml/2006/main">
+  <p:cSld>
+    <p:spTree>
+      <p:nvGrpSpPr>
+        <p:cNvPr id="1" name=""/>
+        <p:cNvGrpSpPr/>
+        <p:nvPr/>
+      </p:nvGrpSpPr>
+      <p:grpSpPr>
+        <a:xfrm>
+          <a:off x="0" y="0"/>
+          <a:ext cx="0" cy="0"/>
+          <a:chOff x="0" y="0"/>
+          <a:chExt cx="0" cy="0"/>
+        </a:xfrm>
+      </p:grpSpPr>
+      <p:sp>
+        <p:nvSpPr>
+          <p:cNvPr id="13" name="Title 12"/>
+          <p:cNvSpPr>
+            <a:spLocks noGrp="1"/>
+          </p:cNvSpPr>
+          <p:nvPr>
+            <p:ph type="title"/>
+          </p:nvPr>
+        </p:nvSpPr>
+        <p:spPr/>
+        <p:txBody>
+          <a:bodyPr anchor="t"/>
+          <a:lstStyle/>
+          <a:p>
+            <a:r>
+              <a:rPr lang="en-US" dirty="0"/>
+              <a:t>Async method GC impact</a:t>
+            </a:r>
+          </a:p>
+        </p:txBody>
+      </p:sp>
+      <p:sp>
+        <p:nvSpPr>
+          <p:cNvPr id="14" name="Content Placeholder 13"/>
+          <p:cNvSpPr>
+            <a:spLocks noGrp="1"/>
+          </p:cNvSpPr>
+          <p:nvPr>
+            <p:ph idx="1"/>
+          </p:nvPr>
+        </p:nvSpPr>
+        <p:spPr>
+          <a:xfrm>
+            <a:off x="2135560" y="1844824"/>
+            <a:ext cx="8640960" cy="4248472"/>
+          </a:xfrm>
+        </p:spPr>
+        <p:txBody>
+          <a:bodyPr anchor="t">
+            <a:normAutofit/>
+          </a:bodyPr>
+          <a:lstStyle/>
+          <a:p>
+            <a:r>
+              <a:rPr lang="en-US" dirty="0"/>
+              <a:t>3 allocations for every Async method</a:t>
+            </a:r>
+          </a:p>
+          <a:p>
+            <a:pPr lvl="1"/>
+            <a:r>
+              <a:rPr lang="en-US" dirty="0"/>
+              <a:t>Heap-allocated state machine</a:t>
+            </a:r>
+          </a:p>
+          <a:p>
+            <a:pPr lvl="2"/>
+            <a:r>
+              <a:rPr lang="en-US" dirty="0"/>
+              <a:t>With a field for every local variable in your method</a:t>
+            </a:r>
+          </a:p>
+          <a:p>
+            <a:pPr lvl="1"/>
+            <a:r>
+              <a:rPr lang="en-US" dirty="0"/>
+              <a:t>Completion delegate</a:t>
+            </a:r>
+          </a:p>
+          <a:p>
+            <a:pPr lvl="1"/>
+            <a:r>
+              <a:rPr lang="en-US" dirty="0"/>
+              <a:t>Task</a:t>
+            </a:r>
+            <a:endParaRPr lang="en-US" sz="1600" dirty="0">
+              <a:solidFill>
+                <a:schemeClr val="accent1"/>
+              </a:solidFill>
+              <a:latin typeface="Arial Narrow" panose="020B0606020202030204" pitchFamily="34" charset="0"/>
+            </a:endParaRPr>
+          </a:p>
+        </p:txBody>
+      </p:sp>
+    </p:spTree>
+    <p:extLst>
+      <p:ext uri="{BB962C8B-B14F-4D97-AF65-F5344CB8AC3E}">
+        <p14:creationId xmlns:p14="http://schemas.microsoft.com/office/powerpoint/2010/main" val="789624704"/>
+      </p:ext>
+    </p:extLst>
+  </p:cSld>
+  <p:clrMapOvr>
+    <a:masterClrMapping/>
+  </p:clrMapOvr>
+  <mc:AlternateContent xmlns:mc="http://schemas.openxmlformats.org/markup-compatibility/2006" xmlns:p14="http://schemas.microsoft.com/office/powerpoint/2010/main">
+    <mc:Choice Requires="p14">
+      <p:transition spd="med" p14:dur="700">
+        <p:fade/>
+      </p:transition>
+    </mc:Choice>
+    <mc:Fallback xmlns="">
+      <p:transition spd="med">
+        <p:fade/>
+      </p:transition>
+    </mc:Fallback>
+  </mc:AlternateContent>
+</p:sld>
+</file>
+
+<file path=ppt/slides/slide41.xml><?xml version="1.0" encoding="utf-8"?>
+<p:sld xmlns:a="http://schemas.openxmlformats.org/drawingml/2006/main" xmlns:r="http://schemas.openxmlformats.org/officeDocument/2006/relationships" xmlns:p="http://schemas.openxmlformats.org/presentationml/2006/main">
+  <p:cSld>
+    <p:spTree>
+      <p:nvGrpSpPr>
+        <p:cNvPr id="1" name=""/>
+        <p:cNvGrpSpPr/>
+        <p:nvPr/>
+      </p:nvGrpSpPr>
+      <p:grpSpPr>
+        <a:xfrm>
+          <a:off x="0" y="0"/>
+          <a:ext cx="0" cy="0"/>
+          <a:chOff x="0" y="0"/>
+          <a:chExt cx="0" cy="0"/>
+        </a:xfrm>
+      </p:grpSpPr>
+      <p:sp>
+        <p:nvSpPr>
+          <p:cNvPr id="13" name="Title 12"/>
+          <p:cNvSpPr>
+            <a:spLocks noGrp="1"/>
+          </p:cNvSpPr>
+          <p:nvPr>
+            <p:ph type="title"/>
+          </p:nvPr>
+        </p:nvSpPr>
+        <p:spPr/>
+        <p:txBody>
+          <a:bodyPr anchor="t"/>
+          <a:lstStyle/>
+          <a:p>
+            <a:r>
+              <a:rPr lang="en-US" dirty="0"/>
+              <a:t>Few refs</a:t>
+            </a:r>
+          </a:p>
+        </p:txBody>
+      </p:sp>
+      <p:sp>
+        <p:nvSpPr>
+          <p:cNvPr id="14" name="Content Placeholder 13"/>
+          <p:cNvSpPr>
+            <a:spLocks noGrp="1"/>
+          </p:cNvSpPr>
+          <p:nvPr>
+            <p:ph idx="1"/>
+          </p:nvPr>
+        </p:nvSpPr>
+        <p:spPr>
+          <a:xfrm>
+            <a:off x="2135560" y="1844824"/>
+            <a:ext cx="8640960" cy="4248472"/>
+          </a:xfrm>
+        </p:spPr>
+        <p:txBody>
+          <a:bodyPr anchor="t">
+            <a:normAutofit/>
+          </a:bodyPr>
+          <a:lstStyle/>
+          <a:p>
+            <a:r>
+              <a:rPr lang="en-US" dirty="0">
+                <a:hlinkClick r:id="rId2"/>
+              </a:rPr>
+              <a:t>Compiler error: http://stackoverflow.com/questions/12115168/why-does-this-async-await-code-generate-not-all-code-paths-return-a-value</a:t>
+            </a:r>
+            <a:endParaRPr lang="en-US" dirty="0"/>
+          </a:p>
+          <a:p>
+            <a:endParaRPr lang="en-US" dirty="0"/>
+          </a:p>
+          <a:p>
+            <a:endParaRPr lang="en-US" sz="1600" dirty="0">
+              <a:solidFill>
+                <a:schemeClr val="accent1"/>
+              </a:solidFill>
+              <a:latin typeface="Arial Narrow" panose="020B0606020202030204" pitchFamily="34" charset="0"/>
+            </a:endParaRPr>
+          </a:p>
+        </p:txBody>
+      </p:sp>
+    </p:spTree>
+    <p:extLst>
+      <p:ext uri="{BB962C8B-B14F-4D97-AF65-F5344CB8AC3E}">
+        <p14:creationId xmlns:p14="http://schemas.microsoft.com/office/powerpoint/2010/main" val="1603796909"/>
+      </p:ext>
+    </p:extLst>
+  </p:cSld>
+  <p:clrMapOvr>
+    <a:masterClrMapping/>
+  </p:clrMapOvr>
+  <mc:AlternateContent xmlns:mc="http://schemas.openxmlformats.org/markup-compatibility/2006" xmlns:p14="http://schemas.microsoft.com/office/powerpoint/2010/main">
+    <mc:Choice Requires="p14">
+      <p:transition spd="med" p14:dur="700">
+        <p:fade/>
+      </p:transition>
+    </mc:Choice>
+    <mc:Fallback xmlns="">
+      <p:transition spd="med">
+        <p:fade/>
+      </p:transition>
+    </mc:Fallback>
+  </mc:AlternateContent>
+</p:sld>
+</file>
+
+<file path=ppt/slides/slide42.xml><?xml version="1.0" encoding="utf-8"?>
+<p:sld xmlns:a="http://schemas.openxmlformats.org/drawingml/2006/main" xmlns:r="http://schemas.openxmlformats.org/officeDocument/2006/relationships" xmlns:p="http://schemas.openxmlformats.org/presentationml/2006/main">
+  <p:cSld>
+    <p:spTree>
+      <p:nvGrpSpPr>
+        <p:cNvPr id="1" name=""/>
+        <p:cNvGrpSpPr/>
+        <p:nvPr/>
+      </p:nvGrpSpPr>
+      <p:grpSpPr>
+        <a:xfrm>
+          <a:off x="0" y="0"/>
+          <a:ext cx="0" cy="0"/>
+          <a:chOff x="0" y="0"/>
+          <a:chExt cx="0" cy="0"/>
+        </a:xfrm>
+      </p:grpSpPr>
+      <p:sp>
+        <p:nvSpPr>
+          <p:cNvPr id="13" name="Title 12"/>
+          <p:cNvSpPr>
+            <a:spLocks noGrp="1"/>
+          </p:cNvSpPr>
+          <p:nvPr>
+            <p:ph type="title"/>
+          </p:nvPr>
+        </p:nvSpPr>
+        <p:spPr/>
+        <p:txBody>
+          <a:bodyPr/>
+          <a:lstStyle/>
+          <a:p>
+            <a:r>
+              <a:rPr lang="en-US" dirty="0"/>
+              <a:t>Title and Content Layout with Chart</a:t>
+            </a:r>
+          </a:p>
+        </p:txBody>
+      </p:sp>
+      <p:graphicFrame>
+        <p:nvGraphicFramePr>
+          <p:cNvPr id="6" name="Content Placeholder 5" descr="Clustered Column – Line Combination chart showing the values of 3 series for 4 categories. The first 2 series are columns and the 3rd series is the line."/>
+          <p:cNvGraphicFramePr>
+            <a:graphicFrameLocks noGrp="1"/>
+          </p:cNvGraphicFramePr>
+          <p:nvPr>
+            <p:ph idx="1"/>
+            <p:extLst>
+              <p:ext uri="{D42A27DB-BD31-4B8C-83A1-F6EECF244321}">
+                <p14:modId xmlns:p14="http://schemas.microsoft.com/office/powerpoint/2010/main" val="426050944"/>
+              </p:ext>
+            </p:extLst>
+          </p:nvPr>
+        </p:nvGraphicFramePr>
+        <p:xfrm>
+          <a:off x="1524002" y="1905000"/>
+          <a:ext cx="9134475" cy="4114800"/>
+        </p:xfrm>
+        <a:graphic>
+          <a:graphicData uri="http://schemas.openxmlformats.org/drawingml/2006/chart">
+            <c:chart xmlns:c="http://schemas.openxmlformats.org/drawingml/2006/chart" xmlns:r="http://schemas.openxmlformats.org/officeDocument/2006/relationships" r:id="rId2"/>
+          </a:graphicData>
+        </a:graphic>
+      </p:graphicFrame>
+    </p:spTree>
+    <p:extLst>
+      <p:ext uri="{BB962C8B-B14F-4D97-AF65-F5344CB8AC3E}">
+        <p14:creationId xmlns:p14="http://schemas.microsoft.com/office/powerpoint/2010/main" val="3106206852"/>
+      </p:ext>
+    </p:extLst>
+  </p:cSld>
+  <p:clrMapOvr>
+    <a:masterClrMapping/>
+  </p:clrMapOvr>
+  <mc:AlternateContent xmlns:mc="http://schemas.openxmlformats.org/markup-compatibility/2006" xmlns:p14="http://schemas.microsoft.com/office/powerpoint/2010/main">
+    <mc:Choice Requires="p14">
+      <p:transition spd="med" p14:dur="700">
+        <p:fade/>
+      </p:transition>
+    </mc:Choice>
+    <mc:Fallback xmlns="">
+      <p:transition spd="med">
+        <p:fade/>
+      </p:transition>
+    </mc:Fallback>
+  </mc:AlternateContent>
+</p:sld>
+</file>
+
+<file path=ppt/slides/slide43.xml><?xml version="1.0" encoding="utf-8"?>
 <p:sld xmlns:a="http://schemas.openxmlformats.org/drawingml/2006/main" xmlns:r="http://schemas.openxmlformats.org/officeDocument/2006/relationships" xmlns:p="http://schemas.openxmlformats.org/presentationml/2006/main">
   <p:cSld>
     <p:spTree>
@@ -18289,7 +21232,7 @@
 </p:sld>
 </file>
 
-<file path=ppt/slides/slide41.xml><?xml version="1.0" encoding="utf-8"?>
+<file path=ppt/slides/slide44.xml><?xml version="1.0" encoding="utf-8"?>
 <p:sld xmlns:a="http://schemas.openxmlformats.org/drawingml/2006/main" xmlns:r="http://schemas.openxmlformats.org/officeDocument/2006/relationships" xmlns:p="http://schemas.openxmlformats.org/presentationml/2006/main">
   <p:cSld>
     <p:spTree>
@@ -18378,7 +21321,7 @@
 </p:sld>
 </file>
 
-<file path=ppt/slides/slide42.xml><?xml version="1.0" encoding="utf-8"?>
+<file path=ppt/slides/slide45.xml><?xml version="1.0" encoding="utf-8"?>
 <p:sld xmlns:a="http://schemas.openxmlformats.org/drawingml/2006/main" xmlns:r="http://schemas.openxmlformats.org/officeDocument/2006/relationships" xmlns:p="http://schemas.openxmlformats.org/presentationml/2006/main">
   <p:cSld>
     <p:spTree>
@@ -18461,7 +21404,7 @@
 </p:sld>
 </file>
 
-<file path=ppt/slides/slide43.xml><?xml version="1.0" encoding="utf-8"?>
+<file path=ppt/slides/slide46.xml><?xml version="1.0" encoding="utf-8"?>
 <p:sld xmlns:a="http://schemas.openxmlformats.org/drawingml/2006/main" xmlns:r="http://schemas.openxmlformats.org/officeDocument/2006/relationships" xmlns:p="http://schemas.openxmlformats.org/presentationml/2006/main">
   <p:cSld>
     <p:spTree>
@@ -18601,7 +21544,7 @@
 </p:sld>
 </file>
 
-<file path=ppt/slides/slide44.xml><?xml version="1.0" encoding="utf-8"?>
+<file path=ppt/slides/slide47.xml><?xml version="1.0" encoding="utf-8"?>
 <p:sld xmlns:a="http://schemas.openxmlformats.org/drawingml/2006/main" xmlns:r="http://schemas.openxmlformats.org/officeDocument/2006/relationships" xmlns:p="http://schemas.openxmlformats.org/presentationml/2006/main">
   <p:cSld>
     <p:spTree>
@@ -18665,7 +21608,7 @@
 </p:sld>
 </file>
 
-<file path=ppt/slides/slide45.xml><?xml version="1.0" encoding="utf-8"?>
+<file path=ppt/slides/slide48.xml><?xml version="1.0" encoding="utf-8"?>
 <p:sld xmlns:a="http://schemas.openxmlformats.org/drawingml/2006/main" xmlns:r="http://schemas.openxmlformats.org/officeDocument/2006/relationships" xmlns:p="http://schemas.openxmlformats.org/presentationml/2006/main">
   <p:cSld>
     <p:spTree>
@@ -18707,7 +21650,7 @@
 </p:sld>
 </file>
 
-<file path=ppt/slides/slide46.xml><?xml version="1.0" encoding="utf-8"?>
+<file path=ppt/slides/slide49.xml><?xml version="1.0" encoding="utf-8"?>
 <p:sld xmlns:a="http://schemas.openxmlformats.org/drawingml/2006/main" xmlns:r="http://schemas.openxmlformats.org/officeDocument/2006/relationships" xmlns:p="http://schemas.openxmlformats.org/presentationml/2006/main">
   <p:cSld>
     <p:spTree>
@@ -18809,7 +21752,238 @@
 </p:sld>
 </file>
 
-<file path=ppt/slides/slide47.xml><?xml version="1.0" encoding="utf-8"?>
+<file path=ppt/slides/slide5.xml><?xml version="1.0" encoding="utf-8"?>
+<p:sld xmlns:a="http://schemas.openxmlformats.org/drawingml/2006/main" xmlns:r="http://schemas.openxmlformats.org/officeDocument/2006/relationships" xmlns:p="http://schemas.openxmlformats.org/presentationml/2006/main">
+  <p:cSld>
+    <p:spTree>
+      <p:nvGrpSpPr>
+        <p:cNvPr id="1" name=""/>
+        <p:cNvGrpSpPr/>
+        <p:nvPr/>
+      </p:nvGrpSpPr>
+      <p:grpSpPr>
+        <a:xfrm>
+          <a:off x="0" y="0"/>
+          <a:ext cx="0" cy="0"/>
+          <a:chOff x="0" y="0"/>
+          <a:chExt cx="0" cy="0"/>
+        </a:xfrm>
+      </p:grpSpPr>
+      <p:grpSp>
+        <p:nvGrpSpPr>
+          <p:cNvPr id="6" name="Group 5"/>
+          <p:cNvGrpSpPr/>
+          <p:nvPr/>
+        </p:nvGrpSpPr>
+        <p:grpSpPr>
+          <a:xfrm>
+            <a:off x="1415480" y="1066800"/>
+            <a:ext cx="9361040" cy="5437627"/>
+            <a:chOff x="1415480" y="1066800"/>
+            <a:chExt cx="9361040" cy="5437627"/>
+          </a:xfrm>
+        </p:grpSpPr>
+        <p:pic>
+          <p:nvPicPr>
+            <p:cNvPr id="4" name="Picture 3"/>
+            <p:cNvPicPr>
+              <a:picLocks noChangeAspect="1"/>
+            </p:cNvPicPr>
+            <p:nvPr/>
+          </p:nvPicPr>
+          <p:blipFill rotWithShape="1">
+            <a:blip r:embed="rId2"/>
+            <a:srcRect l="1506" t="11264" r="14126" b="1835"/>
+            <a:stretch/>
+          </p:blipFill>
+          <p:spPr>
+            <a:xfrm>
+              <a:off x="1415480" y="1066800"/>
+              <a:ext cx="9361040" cy="5437627"/>
+            </a:xfrm>
+            <a:prstGeom prst="rect">
+              <a:avLst/>
+            </a:prstGeom>
+            <a:noFill/>
+            <a:ln>
+              <a:solidFill>
+                <a:schemeClr val="accent1"/>
+              </a:solidFill>
+            </a:ln>
+          </p:spPr>
+        </p:pic>
+        <p:sp>
+          <p:nvSpPr>
+            <p:cNvPr id="5" name="Rectangle 4"/>
+            <p:cNvSpPr/>
+            <p:nvPr/>
+          </p:nvSpPr>
+          <p:spPr>
+            <a:xfrm>
+              <a:off x="1919536" y="5877272"/>
+              <a:ext cx="792088" cy="560320"/>
+            </a:xfrm>
+            <a:prstGeom prst="rect">
+              <a:avLst/>
+            </a:prstGeom>
+            <a:solidFill>
+              <a:schemeClr val="bg1"/>
+            </a:solidFill>
+            <a:ln>
+              <a:solidFill>
+                <a:schemeClr val="bg1"/>
+              </a:solidFill>
+            </a:ln>
+          </p:spPr>
+          <p:style>
+            <a:lnRef idx="2">
+              <a:schemeClr val="accent1">
+                <a:shade val="50000"/>
+              </a:schemeClr>
+            </a:lnRef>
+            <a:fillRef idx="1">
+              <a:schemeClr val="accent1"/>
+            </a:fillRef>
+            <a:effectRef idx="0">
+              <a:schemeClr val="accent1"/>
+            </a:effectRef>
+            <a:fontRef idx="minor">
+              <a:schemeClr val="lt1"/>
+            </a:fontRef>
+          </p:style>
+          <p:txBody>
+            <a:bodyPr rtlCol="0" anchor="ctr"/>
+            <a:lstStyle/>
+            <a:p>
+              <a:pPr algn="ctr"/>
+              <a:endParaRPr lang="fr-FR"/>
+            </a:p>
+          </p:txBody>
+        </p:sp>
+      </p:grpSp>
+      <p:sp>
+        <p:nvSpPr>
+          <p:cNvPr id="13" name="Title 12"/>
+          <p:cNvSpPr>
+            <a:spLocks noGrp="1"/>
+          </p:cNvSpPr>
+          <p:nvPr>
+            <p:ph type="title"/>
+          </p:nvPr>
+        </p:nvSpPr>
+        <p:spPr/>
+        <p:txBody>
+          <a:bodyPr anchor="t"/>
+          <a:lstStyle/>
+          <a:p>
+            <a:r>
+              <a:rPr lang="en-US" dirty="0"/>
+              <a:t>Let’s start with A question…</a:t>
+            </a:r>
+          </a:p>
+        </p:txBody>
+      </p:sp>
+      <p:sp>
+        <p:nvSpPr>
+          <p:cNvPr id="7" name="Arrow: Right 6"/>
+          <p:cNvSpPr/>
+          <p:nvPr/>
+        </p:nvSpPr>
+        <p:spPr>
+          <a:xfrm>
+            <a:off x="2423592" y="1124744"/>
+            <a:ext cx="324000" cy="280831"/>
+          </a:xfrm>
+          <a:prstGeom prst="rightArrow">
+            <a:avLst/>
+          </a:prstGeom>
+          <a:solidFill>
+            <a:srgbClr val="FFFF00"/>
+          </a:solidFill>
+          <a:ln>
+            <a:solidFill>
+              <a:srgbClr val="FFC000"/>
+            </a:solidFill>
+          </a:ln>
+        </p:spPr>
+        <p:style>
+          <a:lnRef idx="2">
+            <a:schemeClr val="accent1">
+              <a:shade val="50000"/>
+            </a:schemeClr>
+          </a:lnRef>
+          <a:fillRef idx="1">
+            <a:schemeClr val="accent1"/>
+          </a:fillRef>
+          <a:effectRef idx="0">
+            <a:schemeClr val="accent1"/>
+          </a:effectRef>
+          <a:fontRef idx="minor">
+            <a:schemeClr val="lt1"/>
+          </a:fontRef>
+        </p:style>
+        <p:txBody>
+          <a:bodyPr rtlCol="0" anchor="ctr"/>
+          <a:lstStyle/>
+          <a:p>
+            <a:pPr algn="ctr"/>
+            <a:endParaRPr lang="fr-FR"/>
+          </a:p>
+        </p:txBody>
+      </p:sp>
+      <p:pic>
+        <p:nvPicPr>
+          <p:cNvPr id="8" name="Picture 7"/>
+          <p:cNvPicPr>
+            <a:picLocks noChangeAspect="1"/>
+          </p:cNvPicPr>
+          <p:nvPr/>
+        </p:nvPicPr>
+        <p:blipFill rotWithShape="1">
+          <a:blip r:embed="rId3"/>
+          <a:srcRect l="17865" t="49279" r="33058" b="45230"/>
+          <a:stretch/>
+        </p:blipFill>
+        <p:spPr>
+          <a:xfrm>
+            <a:off x="3168000" y="3528000"/>
+            <a:ext cx="5760640" cy="360040"/>
+          </a:xfrm>
+          <a:prstGeom prst="rect">
+            <a:avLst/>
+          </a:prstGeom>
+          <a:noFill/>
+          <a:ln>
+            <a:noFill/>
+          </a:ln>
+        </p:spPr>
+      </p:pic>
+    </p:spTree>
+    <p:extLst>
+      <p:ext uri="{BB962C8B-B14F-4D97-AF65-F5344CB8AC3E}">
+        <p14:creationId xmlns:p14="http://schemas.microsoft.com/office/powerpoint/2010/main" val="743610532"/>
+      </p:ext>
+    </p:extLst>
+  </p:cSld>
+  <p:clrMapOvr>
+    <a:masterClrMapping/>
+  </p:clrMapOvr>
+  <mc:AlternateContent xmlns:mc="http://schemas.openxmlformats.org/markup-compatibility/2006" xmlns:p14="http://schemas.microsoft.com/office/powerpoint/2010/main">
+    <mc:Choice Requires="p14">
+      <p:transition spd="med" p14:dur="700">
+        <p:fade/>
+      </p:transition>
+    </mc:Choice>
+    <mc:Fallback xmlns="">
+      <p:transition spd="med">
+        <p:fade/>
+      </p:transition>
+    </mc:Fallback>
+  </mc:AlternateContent>
+</p:sld>
+</file>
+
+<file path=ppt/slides/slide50.xml><?xml version="1.0" encoding="utf-8"?>
 <p:sld xmlns:a="http://schemas.openxmlformats.org/drawingml/2006/main" xmlns:r="http://schemas.openxmlformats.org/officeDocument/2006/relationships" xmlns:p="http://schemas.openxmlformats.org/presentationml/2006/main">
   <p:cSld>
     <p:spTree>
@@ -18904,7 +22078,7 @@
 </p:sld>
 </file>
 
-<file path=ppt/slides/slide5.xml><?xml version="1.0" encoding="utf-8"?>
+<file path=ppt/slides/slide6.xml><?xml version="1.0" encoding="utf-8"?>
 <p:sld xmlns:a="http://schemas.openxmlformats.org/drawingml/2006/main" xmlns:r="http://schemas.openxmlformats.org/officeDocument/2006/relationships" xmlns:p="http://schemas.openxmlformats.org/presentationml/2006/main">
   <p:cSld>
     <p:spTree>
@@ -19113,7 +22287,7 @@
     </p:spTree>
     <p:extLst>
       <p:ext uri="{BB962C8B-B14F-4D97-AF65-F5344CB8AC3E}">
-        <p14:creationId xmlns:p14="http://schemas.microsoft.com/office/powerpoint/2010/main" val="743610532"/>
+        <p14:creationId xmlns:p14="http://schemas.microsoft.com/office/powerpoint/2010/main" val="816065562"/>
       </p:ext>
     </p:extLst>
   </p:cSld>
@@ -19135,7 +22309,7 @@
 </p:sld>
 </file>
 
-<file path=ppt/slides/slide6.xml><?xml version="1.0" encoding="utf-8"?>
+<file path=ppt/slides/slide7.xml><?xml version="1.0" encoding="utf-8"?>
 <p:sld xmlns:a="http://schemas.openxmlformats.org/drawingml/2006/main" xmlns:r="http://schemas.openxmlformats.org/officeDocument/2006/relationships" xmlns:p="http://schemas.openxmlformats.org/presentationml/2006/main">
   <p:cSld>
     <p:spTree>
@@ -19366,7 +22540,7 @@
 </p:sld>
 </file>
 
-<file path=ppt/slides/slide7.xml><?xml version="1.0" encoding="utf-8"?>
+<file path=ppt/slides/slide8.xml><?xml version="1.0" encoding="utf-8"?>
 <p:sld xmlns:a="http://schemas.openxmlformats.org/drawingml/2006/main" xmlns:r="http://schemas.openxmlformats.org/officeDocument/2006/relationships" xmlns:p="http://schemas.openxmlformats.org/presentationml/2006/main">
   <p:cSld>
     <p:spTree>
@@ -19597,7 +22771,7 @@
 </p:sld>
 </file>
 
-<file path=ppt/slides/slide8.xml><?xml version="1.0" encoding="utf-8"?>
+<file path=ppt/slides/slide9.xml><?xml version="1.0" encoding="utf-8"?>
 <p:sld xmlns:a="http://schemas.openxmlformats.org/drawingml/2006/main" xmlns:r="http://schemas.openxmlformats.org/officeDocument/2006/relationships" xmlns:p="http://schemas.openxmlformats.org/presentationml/2006/main">
   <p:cSld>
     <p:spTree>
@@ -19807,237 +22981,6 @@
     <p:extLst>
       <p:ext uri="{BB962C8B-B14F-4D97-AF65-F5344CB8AC3E}">
         <p14:creationId xmlns:p14="http://schemas.microsoft.com/office/powerpoint/2010/main" val="615572151"/>
-      </p:ext>
-    </p:extLst>
-  </p:cSld>
-  <p:clrMapOvr>
-    <a:masterClrMapping/>
-  </p:clrMapOvr>
-  <mc:AlternateContent xmlns:mc="http://schemas.openxmlformats.org/markup-compatibility/2006" xmlns:p14="http://schemas.microsoft.com/office/powerpoint/2010/main">
-    <mc:Choice Requires="p14">
-      <p:transition spd="med" p14:dur="700">
-        <p:fade/>
-      </p:transition>
-    </mc:Choice>
-    <mc:Fallback xmlns="">
-      <p:transition spd="med">
-        <p:fade/>
-      </p:transition>
-    </mc:Fallback>
-  </mc:AlternateContent>
-</p:sld>
-</file>
-
-<file path=ppt/slides/slide9.xml><?xml version="1.0" encoding="utf-8"?>
-<p:sld xmlns:a="http://schemas.openxmlformats.org/drawingml/2006/main" xmlns:r="http://schemas.openxmlformats.org/officeDocument/2006/relationships" xmlns:p="http://schemas.openxmlformats.org/presentationml/2006/main">
-  <p:cSld>
-    <p:spTree>
-      <p:nvGrpSpPr>
-        <p:cNvPr id="1" name=""/>
-        <p:cNvGrpSpPr/>
-        <p:nvPr/>
-      </p:nvGrpSpPr>
-      <p:grpSpPr>
-        <a:xfrm>
-          <a:off x="0" y="0"/>
-          <a:ext cx="0" cy="0"/>
-          <a:chOff x="0" y="0"/>
-          <a:chExt cx="0" cy="0"/>
-        </a:xfrm>
-      </p:grpSpPr>
-      <p:grpSp>
-        <p:nvGrpSpPr>
-          <p:cNvPr id="6" name="Group 5"/>
-          <p:cNvGrpSpPr/>
-          <p:nvPr/>
-        </p:nvGrpSpPr>
-        <p:grpSpPr>
-          <a:xfrm>
-            <a:off x="1415480" y="1066800"/>
-            <a:ext cx="9361040" cy="5437627"/>
-            <a:chOff x="1415480" y="1066800"/>
-            <a:chExt cx="9361040" cy="5437627"/>
-          </a:xfrm>
-        </p:grpSpPr>
-        <p:pic>
-          <p:nvPicPr>
-            <p:cNvPr id="4" name="Picture 3"/>
-            <p:cNvPicPr>
-              <a:picLocks noChangeAspect="1"/>
-            </p:cNvPicPr>
-            <p:nvPr/>
-          </p:nvPicPr>
-          <p:blipFill rotWithShape="1">
-            <a:blip r:embed="rId2"/>
-            <a:srcRect l="1506" t="11264" r="14126" b="1835"/>
-            <a:stretch/>
-          </p:blipFill>
-          <p:spPr>
-            <a:xfrm>
-              <a:off x="1415480" y="1066800"/>
-              <a:ext cx="9361040" cy="5437627"/>
-            </a:xfrm>
-            <a:prstGeom prst="rect">
-              <a:avLst/>
-            </a:prstGeom>
-            <a:noFill/>
-            <a:ln>
-              <a:solidFill>
-                <a:schemeClr val="accent1"/>
-              </a:solidFill>
-            </a:ln>
-          </p:spPr>
-        </p:pic>
-        <p:sp>
-          <p:nvSpPr>
-            <p:cNvPr id="5" name="Rectangle 4"/>
-            <p:cNvSpPr/>
-            <p:nvPr/>
-          </p:nvSpPr>
-          <p:spPr>
-            <a:xfrm>
-              <a:off x="1919536" y="5877272"/>
-              <a:ext cx="792088" cy="560320"/>
-            </a:xfrm>
-            <a:prstGeom prst="rect">
-              <a:avLst/>
-            </a:prstGeom>
-            <a:solidFill>
-              <a:schemeClr val="bg1"/>
-            </a:solidFill>
-            <a:ln>
-              <a:solidFill>
-                <a:schemeClr val="bg1"/>
-              </a:solidFill>
-            </a:ln>
-          </p:spPr>
-          <p:style>
-            <a:lnRef idx="2">
-              <a:schemeClr val="accent1">
-                <a:shade val="50000"/>
-              </a:schemeClr>
-            </a:lnRef>
-            <a:fillRef idx="1">
-              <a:schemeClr val="accent1"/>
-            </a:fillRef>
-            <a:effectRef idx="0">
-              <a:schemeClr val="accent1"/>
-            </a:effectRef>
-            <a:fontRef idx="minor">
-              <a:schemeClr val="lt1"/>
-            </a:fontRef>
-          </p:style>
-          <p:txBody>
-            <a:bodyPr rtlCol="0" anchor="ctr"/>
-            <a:lstStyle/>
-            <a:p>
-              <a:pPr algn="ctr"/>
-              <a:endParaRPr lang="fr-FR"/>
-            </a:p>
-          </p:txBody>
-        </p:sp>
-      </p:grpSp>
-      <p:sp>
-        <p:nvSpPr>
-          <p:cNvPr id="13" name="Title 12"/>
-          <p:cNvSpPr>
-            <a:spLocks noGrp="1"/>
-          </p:cNvSpPr>
-          <p:nvPr>
-            <p:ph type="title"/>
-          </p:nvPr>
-        </p:nvSpPr>
-        <p:spPr/>
-        <p:txBody>
-          <a:bodyPr anchor="t"/>
-          <a:lstStyle/>
-          <a:p>
-            <a:r>
-              <a:rPr lang="en-US" dirty="0"/>
-              <a:t>Let’s start with A question…</a:t>
-            </a:r>
-          </a:p>
-        </p:txBody>
-      </p:sp>
-      <p:sp>
-        <p:nvSpPr>
-          <p:cNvPr id="7" name="Arrow: Right 6"/>
-          <p:cNvSpPr/>
-          <p:nvPr/>
-        </p:nvSpPr>
-        <p:spPr>
-          <a:xfrm>
-            <a:off x="2423592" y="5256000"/>
-            <a:ext cx="324000" cy="280831"/>
-          </a:xfrm>
-          <a:prstGeom prst="rightArrow">
-            <a:avLst/>
-          </a:prstGeom>
-          <a:solidFill>
-            <a:srgbClr val="FFFF00"/>
-          </a:solidFill>
-          <a:ln>
-            <a:solidFill>
-              <a:srgbClr val="FFC000"/>
-            </a:solidFill>
-          </a:ln>
-        </p:spPr>
-        <p:style>
-          <a:lnRef idx="2">
-            <a:schemeClr val="accent1">
-              <a:shade val="50000"/>
-            </a:schemeClr>
-          </a:lnRef>
-          <a:fillRef idx="1">
-            <a:schemeClr val="accent1"/>
-          </a:fillRef>
-          <a:effectRef idx="0">
-            <a:schemeClr val="accent1"/>
-          </a:effectRef>
-          <a:fontRef idx="minor">
-            <a:schemeClr val="lt1"/>
-          </a:fontRef>
-        </p:style>
-        <p:txBody>
-          <a:bodyPr rtlCol="0" anchor="ctr"/>
-          <a:lstStyle/>
-          <a:p>
-            <a:pPr algn="ctr"/>
-            <a:endParaRPr lang="fr-FR"/>
-          </a:p>
-        </p:txBody>
-      </p:sp>
-      <p:pic>
-        <p:nvPicPr>
-          <p:cNvPr id="8" name="Picture 7"/>
-          <p:cNvPicPr>
-            <a:picLocks noChangeAspect="1"/>
-          </p:cNvPicPr>
-          <p:nvPr/>
-        </p:nvPicPr>
-        <p:blipFill rotWithShape="1">
-          <a:blip r:embed="rId3"/>
-          <a:srcRect l="17865" t="49279" r="33058" b="45230"/>
-          <a:stretch/>
-        </p:blipFill>
-        <p:spPr>
-          <a:xfrm>
-            <a:off x="3168000" y="3528000"/>
-            <a:ext cx="5760640" cy="360040"/>
-          </a:xfrm>
-          <a:prstGeom prst="rect">
-            <a:avLst/>
-          </a:prstGeom>
-          <a:noFill/>
-          <a:ln>
-            <a:noFill/>
-          </a:ln>
-        </p:spPr>
-      </p:pic>
-    </p:spTree>
-    <p:extLst>
-      <p:ext uri="{BB962C8B-B14F-4D97-AF65-F5344CB8AC3E}">
-        <p14:creationId xmlns:p14="http://schemas.microsoft.com/office/powerpoint/2010/main" val="1122969333"/>
       </p:ext>
     </p:extLst>
   </p:cSld>
@@ -20839,15 +23782,6 @@
 </file>
 
 <file path=customXml/item1.xml><?xml version="1.0" encoding="utf-8"?>
-<?mso-contentType ?>
-<FormTemplates xmlns="http://schemas.microsoft.com/sharepoint/v3/contenttype/forms">
-  <Display>DocumentLibraryForm</Display>
-  <Edit>AssetEditForm</Edit>
-  <New>DocumentLibraryForm</New>
-</FormTemplates>
-</file>
-
-<file path=customXml/item2.xml><?xml version="1.0" encoding="utf-8"?>
 <ct:contentTypeSchema xmlns:ct="http://schemas.microsoft.com/office/2006/metadata/contentType" xmlns:ma="http://schemas.microsoft.com/office/2006/metadata/properties/metaAttributes" ct:_="" ma:_="" ma:contentTypeName="TemplateFile" ma:contentTypeID="0x0101006EDDDB5EE6D98C44930B742096920B300400F5B6D36B3EF94B4E9A635CDF2A18F5B8" ma:contentTypeVersion="72" ma:contentTypeDescription="Create a new document." ma:contentTypeScope="" ma:versionID="a23e56308344d904b51738559c3d67c9">
   <xsd:schema xmlns:xsd="http://www.w3.org/2001/XMLSchema" xmlns:xs="http://www.w3.org/2001/XMLSchema" xmlns:p="http://schemas.microsoft.com/office/2006/metadata/properties" xmlns:ns2="4873beb7-5857-4685-be1f-d57550cc96cc" targetNamespace="http://schemas.microsoft.com/office/2006/metadata/properties" ma:root="true" ma:fieldsID="cd0908cc4600e77bf5da051303e00c8d" ns2:_="">
     <xsd:import namespace="4873beb7-5857-4685-be1f-d57550cc96cc"/>
@@ -21887,6 +24821,15 @@
 </ct:contentTypeSchema>
 </file>
 
+<file path=customXml/item2.xml><?xml version="1.0" encoding="utf-8"?>
+<?mso-contentType ?>
+<FormTemplates xmlns="http://schemas.microsoft.com/sharepoint/v3/contenttype/forms">
+  <Display>DocumentLibraryForm</Display>
+  <Edit>AssetEditForm</Edit>
+  <New>DocumentLibraryForm</New>
+</FormTemplates>
+</file>
+
 <file path=customXml/item3.xml><?xml version="1.0" encoding="utf-8"?>
 <p:properties xmlns:p="http://schemas.microsoft.com/office/2006/metadata/properties" xmlns:xsi="http://www.w3.org/2001/XMLSchema-instance" xmlns:pc="http://schemas.microsoft.com/office/infopath/2007/PartnerControls">
   <documentManagement>
@@ -22015,14 +24958,6 @@
 </file>
 
 <file path=customXml/itemProps1.xml><?xml version="1.0" encoding="utf-8"?>
-<ds:datastoreItem xmlns:ds="http://schemas.openxmlformats.org/officeDocument/2006/customXml" ds:itemID="{74228E6B-D70C-44BB-A81F-A245495F612B}">
-  <ds:schemaRefs>
-    <ds:schemaRef ds:uri="http://schemas.microsoft.com/sharepoint/v3/contenttype/forms"/>
-  </ds:schemaRefs>
-</ds:datastoreItem>
-</file>
-
-<file path=customXml/itemProps2.xml><?xml version="1.0" encoding="utf-8"?>
 <ds:datastoreItem xmlns:ds="http://schemas.openxmlformats.org/officeDocument/2006/customXml" ds:itemID="{22CCB507-0646-4A50-A4F7-7F385079D589}">
   <ds:schemaRefs>
     <ds:schemaRef ds:uri="http://schemas.microsoft.com/office/2006/metadata/contentType"/>
@@ -22036,6 +24971,14 @@
     <ds:schemaRef ds:uri="http://purl.org/dc/elements/1.1/"/>
     <ds:schemaRef ds:uri="http://purl.org/dc/terms/"/>
     <ds:schemaRef ds:uri="http://schemas.microsoft.com/internal/obd"/>
+  </ds:schemaRefs>
+</ds:datastoreItem>
+</file>
+
+<file path=customXml/itemProps2.xml><?xml version="1.0" encoding="utf-8"?>
+<ds:datastoreItem xmlns:ds="http://schemas.openxmlformats.org/officeDocument/2006/customXml" ds:itemID="{74228E6B-D70C-44BB-A81F-A245495F612B}">
+  <ds:schemaRefs>
+    <ds:schemaRef ds:uri="http://schemas.microsoft.com/sharepoint/v3/contenttype/forms"/>
   </ds:schemaRefs>
 </ds:datastoreItem>
 </file>

--- a/AsyncAwait...ohWait.pptx
+++ b/AsyncAwait...ohWait.pptx
@@ -5,10 +5,10 @@
     <p:sldMasterId id="2147483648" r:id="rId4"/>
   </p:sldMasterIdLst>
   <p:notesMasterIdLst>
-    <p:notesMasterId r:id="rId55"/>
+    <p:notesMasterId r:id="rId59"/>
   </p:notesMasterIdLst>
   <p:handoutMasterIdLst>
-    <p:handoutMasterId r:id="rId56"/>
+    <p:handoutMasterId r:id="rId60"/>
   </p:handoutMasterIdLst>
   <p:sldIdLst>
     <p:sldId id="265" r:id="rId5"/>
@@ -21,51 +21,55 @@
     <p:sldId id="333" r:id="rId12"/>
     <p:sldId id="334" r:id="rId13"/>
     <p:sldId id="353" r:id="rId14"/>
-    <p:sldId id="349" r:id="rId15"/>
-    <p:sldId id="335" r:id="rId16"/>
-    <p:sldId id="354" r:id="rId17"/>
-    <p:sldId id="355" r:id="rId18"/>
-    <p:sldId id="336" r:id="rId19"/>
-    <p:sldId id="337" r:id="rId20"/>
-    <p:sldId id="345" r:id="rId21"/>
-    <p:sldId id="351" r:id="rId22"/>
-    <p:sldId id="350" r:id="rId23"/>
-    <p:sldId id="338" r:id="rId24"/>
-    <p:sldId id="339" r:id="rId25"/>
-    <p:sldId id="340" r:id="rId26"/>
-    <p:sldId id="341" r:id="rId27"/>
-    <p:sldId id="346" r:id="rId28"/>
-    <p:sldId id="343" r:id="rId29"/>
-    <p:sldId id="356" r:id="rId30"/>
-    <p:sldId id="357" r:id="rId31"/>
-    <p:sldId id="329" r:id="rId32"/>
-    <p:sldId id="358" r:id="rId33"/>
-    <p:sldId id="330" r:id="rId34"/>
-    <p:sldId id="323" r:id="rId35"/>
-    <p:sldId id="321" r:id="rId36"/>
-    <p:sldId id="360" r:id="rId37"/>
-    <p:sldId id="361" r:id="rId38"/>
-    <p:sldId id="324" r:id="rId39"/>
-    <p:sldId id="327" r:id="rId40"/>
-    <p:sldId id="325" r:id="rId41"/>
-    <p:sldId id="326" r:id="rId42"/>
-    <p:sldId id="331" r:id="rId43"/>
-    <p:sldId id="328" r:id="rId44"/>
-    <p:sldId id="332" r:id="rId45"/>
-    <p:sldId id="311" r:id="rId46"/>
-    <p:sldId id="313" r:id="rId47"/>
-    <p:sldId id="312" r:id="rId48"/>
-    <p:sldId id="314" r:id="rId49"/>
-    <p:sldId id="315" r:id="rId50"/>
-    <p:sldId id="316" r:id="rId51"/>
-    <p:sldId id="317" r:id="rId52"/>
-    <p:sldId id="318" r:id="rId53"/>
-    <p:sldId id="319" r:id="rId54"/>
+    <p:sldId id="365" r:id="rId15"/>
+    <p:sldId id="349" r:id="rId16"/>
+    <p:sldId id="335" r:id="rId17"/>
+    <p:sldId id="362" r:id="rId18"/>
+    <p:sldId id="354" r:id="rId19"/>
+    <p:sldId id="355" r:id="rId20"/>
+    <p:sldId id="336" r:id="rId21"/>
+    <p:sldId id="337" r:id="rId22"/>
+    <p:sldId id="351" r:id="rId23"/>
+    <p:sldId id="350" r:id="rId24"/>
+    <p:sldId id="338" r:id="rId25"/>
+    <p:sldId id="339" r:id="rId26"/>
+    <p:sldId id="340" r:id="rId27"/>
+    <p:sldId id="341" r:id="rId28"/>
+    <p:sldId id="346" r:id="rId29"/>
+    <p:sldId id="343" r:id="rId30"/>
+    <p:sldId id="356" r:id="rId31"/>
+    <p:sldId id="357" r:id="rId32"/>
+    <p:sldId id="329" r:id="rId33"/>
+    <p:sldId id="358" r:id="rId34"/>
+    <p:sldId id="330" r:id="rId35"/>
+    <p:sldId id="323" r:id="rId36"/>
+    <p:sldId id="321" r:id="rId37"/>
+    <p:sldId id="360" r:id="rId38"/>
+    <p:sldId id="364" r:id="rId39"/>
+    <p:sldId id="361" r:id="rId40"/>
+    <p:sldId id="366" r:id="rId41"/>
+    <p:sldId id="324" r:id="rId42"/>
+    <p:sldId id="363" r:id="rId43"/>
+    <p:sldId id="327" r:id="rId44"/>
+    <p:sldId id="325" r:id="rId45"/>
+    <p:sldId id="326" r:id="rId46"/>
+    <p:sldId id="331" r:id="rId47"/>
+    <p:sldId id="328" r:id="rId48"/>
+    <p:sldId id="332" r:id="rId49"/>
+    <p:sldId id="311" r:id="rId50"/>
+    <p:sldId id="313" r:id="rId51"/>
+    <p:sldId id="312" r:id="rId52"/>
+    <p:sldId id="314" r:id="rId53"/>
+    <p:sldId id="315" r:id="rId54"/>
+    <p:sldId id="316" r:id="rId55"/>
+    <p:sldId id="317" r:id="rId56"/>
+    <p:sldId id="318" r:id="rId57"/>
+    <p:sldId id="319" r:id="rId58"/>
   </p:sldIdLst>
   <p:sldSz cx="12192000" cy="6858000"/>
   <p:notesSz cx="6858000" cy="9144000"/>
   <p:custDataLst>
-    <p:tags r:id="rId57"/>
+    <p:tags r:id="rId61"/>
   </p:custDataLst>
   <p:defaultTextStyle>
     <a:defPPr>
@@ -5248,7 +5252,7 @@
           <a:p>
             <a:fld id="{F93199CD-3E1B-4AE6-990F-76F925F5EA9F}" type="slidenum">
               <a:rPr lang="fr-FR" smtClean="0"/>
-              <a:t>27</a:t>
+              <a:t>28</a:t>
             </a:fld>
             <a:endParaRPr lang="fr-FR"/>
           </a:p>
@@ -5258,6 +5262,188 @@
     <p:extLst>
       <p:ext uri="{BB962C8B-B14F-4D97-AF65-F5344CB8AC3E}">
         <p14:creationId xmlns:p14="http://schemas.microsoft.com/office/powerpoint/2010/main" val="2607931271"/>
+      </p:ext>
+    </p:extLst>
+  </p:cSld>
+  <p:clrMapOvr>
+    <a:masterClrMapping/>
+  </p:clrMapOvr>
+</p:notes>
+</file>
+
+<file path=ppt/notesSlides/notesSlide10.xml><?xml version="1.0" encoding="utf-8"?>
+<p:notes xmlns:a="http://schemas.openxmlformats.org/drawingml/2006/main" xmlns:r="http://schemas.openxmlformats.org/officeDocument/2006/relationships" xmlns:p="http://schemas.openxmlformats.org/presentationml/2006/main">
+  <p:cSld>
+    <p:spTree>
+      <p:nvGrpSpPr>
+        <p:cNvPr id="1" name=""/>
+        <p:cNvGrpSpPr/>
+        <p:nvPr/>
+      </p:nvGrpSpPr>
+      <p:grpSpPr>
+        <a:xfrm>
+          <a:off x="0" y="0"/>
+          <a:ext cx="0" cy="0"/>
+          <a:chOff x="0" y="0"/>
+          <a:chExt cx="0" cy="0"/>
+        </a:xfrm>
+      </p:grpSpPr>
+      <p:sp>
+        <p:nvSpPr>
+          <p:cNvPr id="2" name="Slide Image Placeholder 1"/>
+          <p:cNvSpPr>
+            <a:spLocks noGrp="1" noRot="1" noChangeAspect="1"/>
+          </p:cNvSpPr>
+          <p:nvPr>
+            <p:ph type="sldImg"/>
+          </p:nvPr>
+        </p:nvSpPr>
+        <p:spPr/>
+      </p:sp>
+      <p:sp>
+        <p:nvSpPr>
+          <p:cNvPr id="3" name="Notes Placeholder 2"/>
+          <p:cNvSpPr>
+            <a:spLocks noGrp="1"/>
+          </p:cNvSpPr>
+          <p:nvPr>
+            <p:ph type="body" idx="1"/>
+          </p:nvPr>
+        </p:nvSpPr>
+        <p:spPr/>
+        <p:txBody>
+          <a:bodyPr/>
+          <a:lstStyle/>
+          <a:p>
+            <a:r>
+              <a:rPr lang="fr-FR" dirty="0" err="1"/>
+              <a:t>Ref</a:t>
+            </a:r>
+            <a:r>
+              <a:rPr lang="fr-FR" dirty="0"/>
+              <a:t>: http://ci.memecdn.com/7869512.jpg</a:t>
+            </a:r>
+          </a:p>
+        </p:txBody>
+      </p:sp>
+      <p:sp>
+        <p:nvSpPr>
+          <p:cNvPr id="4" name="Slide Number Placeholder 3"/>
+          <p:cNvSpPr>
+            <a:spLocks noGrp="1"/>
+          </p:cNvSpPr>
+          <p:nvPr>
+            <p:ph type="sldNum" sz="quarter" idx="10"/>
+          </p:nvPr>
+        </p:nvSpPr>
+        <p:spPr/>
+        <p:txBody>
+          <a:bodyPr/>
+          <a:lstStyle/>
+          <a:p>
+            <a:fld id="{F93199CD-3E1B-4AE6-990F-76F925F5EA9F}" type="slidenum">
+              <a:rPr lang="fr-FR" smtClean="0"/>
+              <a:t>41</a:t>
+            </a:fld>
+            <a:endParaRPr lang="fr-FR"/>
+          </a:p>
+        </p:txBody>
+      </p:sp>
+    </p:spTree>
+    <p:extLst>
+      <p:ext uri="{BB962C8B-B14F-4D97-AF65-F5344CB8AC3E}">
+        <p14:creationId xmlns:p14="http://schemas.microsoft.com/office/powerpoint/2010/main" val="1539803929"/>
+      </p:ext>
+    </p:extLst>
+  </p:cSld>
+  <p:clrMapOvr>
+    <a:masterClrMapping/>
+  </p:clrMapOvr>
+</p:notes>
+</file>
+
+<file path=ppt/notesSlides/notesSlide11.xml><?xml version="1.0" encoding="utf-8"?>
+<p:notes xmlns:a="http://schemas.openxmlformats.org/drawingml/2006/main" xmlns:r="http://schemas.openxmlformats.org/officeDocument/2006/relationships" xmlns:p="http://schemas.openxmlformats.org/presentationml/2006/main">
+  <p:cSld>
+    <p:spTree>
+      <p:nvGrpSpPr>
+        <p:cNvPr id="1" name=""/>
+        <p:cNvGrpSpPr/>
+        <p:nvPr/>
+      </p:nvGrpSpPr>
+      <p:grpSpPr>
+        <a:xfrm>
+          <a:off x="0" y="0"/>
+          <a:ext cx="0" cy="0"/>
+          <a:chOff x="0" y="0"/>
+          <a:chExt cx="0" cy="0"/>
+        </a:xfrm>
+      </p:grpSpPr>
+      <p:sp>
+        <p:nvSpPr>
+          <p:cNvPr id="2" name="Slide Image Placeholder 1"/>
+          <p:cNvSpPr>
+            <a:spLocks noGrp="1" noRot="1" noChangeAspect="1"/>
+          </p:cNvSpPr>
+          <p:nvPr>
+            <p:ph type="sldImg"/>
+          </p:nvPr>
+        </p:nvSpPr>
+        <p:spPr/>
+      </p:sp>
+      <p:sp>
+        <p:nvSpPr>
+          <p:cNvPr id="3" name="Notes Placeholder 2"/>
+          <p:cNvSpPr>
+            <a:spLocks noGrp="1"/>
+          </p:cNvSpPr>
+          <p:nvPr>
+            <p:ph type="body" idx="1"/>
+          </p:nvPr>
+        </p:nvSpPr>
+        <p:spPr/>
+        <p:txBody>
+          <a:bodyPr/>
+          <a:lstStyle/>
+          <a:p>
+            <a:r>
+              <a:rPr lang="fr-FR" dirty="0" err="1"/>
+              <a:t>Ref</a:t>
+            </a:r>
+            <a:r>
+              <a:rPr lang="fr-FR" dirty="0"/>
+              <a:t>: http://ci.memecdn.com/7869512.jpg</a:t>
+            </a:r>
+          </a:p>
+        </p:txBody>
+      </p:sp>
+      <p:sp>
+        <p:nvSpPr>
+          <p:cNvPr id="4" name="Slide Number Placeholder 3"/>
+          <p:cNvSpPr>
+            <a:spLocks noGrp="1"/>
+          </p:cNvSpPr>
+          <p:nvPr>
+            <p:ph type="sldNum" sz="quarter" idx="10"/>
+          </p:nvPr>
+        </p:nvSpPr>
+        <p:spPr/>
+        <p:txBody>
+          <a:bodyPr/>
+          <a:lstStyle/>
+          <a:p>
+            <a:fld id="{F93199CD-3E1B-4AE6-990F-76F925F5EA9F}" type="slidenum">
+              <a:rPr lang="fr-FR" smtClean="0"/>
+              <a:t>42</a:t>
+            </a:fld>
+            <a:endParaRPr lang="fr-FR"/>
+          </a:p>
+        </p:txBody>
+      </p:sp>
+    </p:spTree>
+    <p:extLst>
+      <p:ext uri="{BB962C8B-B14F-4D97-AF65-F5344CB8AC3E}">
+        <p14:creationId xmlns:p14="http://schemas.microsoft.com/office/powerpoint/2010/main" val="1095001042"/>
       </p:ext>
     </p:extLst>
   </p:cSld>
@@ -5339,7 +5525,7 @@
           <a:p>
             <a:fld id="{F93199CD-3E1B-4AE6-990F-76F925F5EA9F}" type="slidenum">
               <a:rPr lang="fr-FR" smtClean="0"/>
-              <a:t>30</a:t>
+              <a:t>31</a:t>
             </a:fld>
             <a:endParaRPr lang="fr-FR"/>
           </a:p>
@@ -5430,7 +5616,7 @@
           <a:p>
             <a:fld id="{F93199CD-3E1B-4AE6-990F-76F925F5EA9F}" type="slidenum">
               <a:rPr lang="fr-FR" smtClean="0"/>
-              <a:t>32</a:t>
+              <a:t>33</a:t>
             </a:fld>
             <a:endParaRPr lang="fr-FR"/>
           </a:p>
@@ -5540,7 +5726,7 @@
           <a:p>
             <a:fld id="{F93199CD-3E1B-4AE6-990F-76F925F5EA9F}" type="slidenum">
               <a:rPr lang="fr-FR" smtClean="0"/>
-              <a:t>33</a:t>
+              <a:t>34</a:t>
             </a:fld>
             <a:endParaRPr lang="fr-FR"/>
           </a:p>
@@ -5605,7 +5791,7 @@
           <a:p>
             <a:r>
               <a:rPr lang="fr-FR" dirty="0" err="1"/>
-              <a:t>Ref</a:t>
+              <a:t>Refs</a:t>
             </a:r>
             <a:r>
               <a:rPr lang="fr-FR" dirty="0"/>
@@ -5615,9 +5801,17 @@
               <a:rPr lang="fr-FR" baseline="0" dirty="0"/>
               <a:t> </a:t>
             </a:r>
+          </a:p>
+          <a:p>
             <a:r>
               <a:rPr lang="fr-FR" baseline="0" dirty="0"/>
-              <a:t>https://cdn3.iconfinder.com/data/icons/basic-mobile-part-3/512/prisoner-512.png</a:t>
+              <a:t>- https://cdn3.iconfinder.com/data/icons/basic-mobile-part-3/512/prisoner-512.png</a:t>
+            </a:r>
+          </a:p>
+          <a:p>
+            <a:r>
+              <a:rPr lang="fr-FR" baseline="0" dirty="0"/>
+              <a:t>- https://d30y9cdsu7xlg0.cloudfront.net/png/89995-200.png</a:t>
             </a:r>
           </a:p>
           <a:p>
@@ -5642,7 +5836,7 @@
           <a:p>
             <a:fld id="{F93199CD-3E1B-4AE6-990F-76F925F5EA9F}" type="slidenum">
               <a:rPr lang="fr-FR" smtClean="0"/>
-              <a:t>34</a:t>
+              <a:t>35</a:t>
             </a:fld>
             <a:endParaRPr lang="fr-FR"/>
           </a:p>
@@ -5651,7 +5845,7 @@
     </p:spTree>
     <p:extLst>
       <p:ext uri="{BB962C8B-B14F-4D97-AF65-F5344CB8AC3E}">
-        <p14:creationId xmlns:p14="http://schemas.microsoft.com/office/powerpoint/2010/main" val="3190378971"/>
+        <p14:creationId xmlns:p14="http://schemas.microsoft.com/office/powerpoint/2010/main" val="495707233"/>
       </p:ext>
     </p:extLst>
   </p:cSld>
@@ -5726,7 +5920,7 @@
           <a:p>
             <a:fld id="{F93199CD-3E1B-4AE6-990F-76F925F5EA9F}" type="slidenum">
               <a:rPr lang="fr-FR" smtClean="0"/>
-              <a:t>35</a:t>
+              <a:t>36</a:t>
             </a:fld>
             <a:endParaRPr lang="fr-FR"/>
           </a:p>
@@ -5735,7 +5929,7 @@
     </p:spTree>
     <p:extLst>
       <p:ext uri="{BB962C8B-B14F-4D97-AF65-F5344CB8AC3E}">
-        <p14:creationId xmlns:p14="http://schemas.microsoft.com/office/powerpoint/2010/main" val="3270049000"/>
+        <p14:creationId xmlns:p14="http://schemas.microsoft.com/office/powerpoint/2010/main" val="3190378971"/>
       </p:ext>
     </p:extLst>
   </p:cSld>
@@ -5795,7 +5989,7 @@
             </a:r>
             <a:r>
               <a:rPr lang="fr-FR" dirty="0"/>
-              <a:t>: http://ci.memecdn.com/7869512.jpg</a:t>
+              <a:t>: http://www.designnation.de/Media/Galerie/50cf9c1d197e0,Houston-we-have-a-problem.jpg</a:t>
             </a:r>
           </a:p>
         </p:txBody>
@@ -5817,7 +6011,7 @@
           <a:p>
             <a:fld id="{F93199CD-3E1B-4AE6-990F-76F925F5EA9F}" type="slidenum">
               <a:rPr lang="fr-FR" smtClean="0"/>
-              <a:t>36</a:t>
+              <a:t>38</a:t>
             </a:fld>
             <a:endParaRPr lang="fr-FR"/>
           </a:p>
@@ -5826,7 +6020,7 @@
     </p:spTree>
     <p:extLst>
       <p:ext uri="{BB962C8B-B14F-4D97-AF65-F5344CB8AC3E}">
-        <p14:creationId xmlns:p14="http://schemas.microsoft.com/office/powerpoint/2010/main" val="256620184"/>
+        <p14:creationId xmlns:p14="http://schemas.microsoft.com/office/powerpoint/2010/main" val="3270049000"/>
       </p:ext>
     </p:extLst>
   </p:cSld>
@@ -5880,14 +6074,7 @@
           <a:bodyPr/>
           <a:lstStyle/>
           <a:p>
-            <a:r>
-              <a:rPr lang="fr-FR" dirty="0" err="1"/>
-              <a:t>Ref</a:t>
-            </a:r>
-            <a:r>
-              <a:rPr lang="fr-FR" dirty="0"/>
-              <a:t>: http://ci.memecdn.com/7869512.jpg</a:t>
-            </a:r>
+            <a:endParaRPr lang="fr-FR" dirty="0"/>
           </a:p>
         </p:txBody>
       </p:sp>
@@ -5908,7 +6095,7 @@
           <a:p>
             <a:fld id="{F93199CD-3E1B-4AE6-990F-76F925F5EA9F}" type="slidenum">
               <a:rPr lang="fr-FR" smtClean="0"/>
-              <a:t>37</a:t>
+              <a:t>39</a:t>
             </a:fld>
             <a:endParaRPr lang="fr-FR"/>
           </a:p>
@@ -5917,7 +6104,7 @@
     </p:spTree>
     <p:extLst>
       <p:ext uri="{BB962C8B-B14F-4D97-AF65-F5344CB8AC3E}">
-        <p14:creationId xmlns:p14="http://schemas.microsoft.com/office/powerpoint/2010/main" val="1539803929"/>
+        <p14:creationId xmlns:p14="http://schemas.microsoft.com/office/powerpoint/2010/main" val="3997955718"/>
       </p:ext>
     </p:extLst>
   </p:cSld>
@@ -5999,7 +6186,7 @@
           <a:p>
             <a:fld id="{F93199CD-3E1B-4AE6-990F-76F925F5EA9F}" type="slidenum">
               <a:rPr lang="fr-FR" smtClean="0"/>
-              <a:t>38</a:t>
+              <a:t>40</a:t>
             </a:fld>
             <a:endParaRPr lang="fr-FR"/>
           </a:p>
@@ -6008,7 +6195,7 @@
     </p:spTree>
     <p:extLst>
       <p:ext uri="{BB962C8B-B14F-4D97-AF65-F5344CB8AC3E}">
-        <p14:creationId xmlns:p14="http://schemas.microsoft.com/office/powerpoint/2010/main" val="1095001042"/>
+        <p14:creationId xmlns:p14="http://schemas.microsoft.com/office/powerpoint/2010/main" val="256620184"/>
       </p:ext>
     </p:extLst>
   </p:cSld>
@@ -9717,7 +9904,16 @@
           <a:lstStyle/>
           <a:p>
             <a:pPr algn="ctr"/>
-            <a:endParaRPr lang="fr-FR"/>
+            <a:r>
+              <a:rPr lang="fr-FR" sz="1100" dirty="0">
+                <a:solidFill>
+                  <a:srgbClr val="C00000"/>
+                </a:solidFill>
+                <a:latin typeface="Arial" panose="020B0604020202020204" pitchFamily="34" charset="0"/>
+                <a:cs typeface="Arial" panose="020B0604020202020204" pitchFamily="34" charset="0"/>
+              </a:rPr>
+              <a:t>1</a:t>
+            </a:r>
           </a:p>
         </p:txBody>
       </p:sp>
@@ -9912,21 +10108,18 @@
         </p:nvSpPr>
         <p:spPr>
           <a:xfrm>
-            <a:off x="2891680" y="5292000"/>
+            <a:off x="2423592" y="5256000"/>
             <a:ext cx="324000" cy="280831"/>
           </a:xfrm>
           <a:prstGeom prst="rightArrow">
             <a:avLst/>
           </a:prstGeom>
           <a:solidFill>
-            <a:schemeClr val="accent2">
-              <a:lumMod val="60000"/>
-              <a:lumOff val="40000"/>
-            </a:schemeClr>
+            <a:srgbClr val="FFFF00"/>
           </a:solidFill>
           <a:ln>
             <a:solidFill>
-              <a:srgbClr val="00B050"/>
+              <a:srgbClr val="FFC000"/>
             </a:solidFill>
           </a:ln>
         </p:spPr>
@@ -9951,7 +10144,16 @@
           <a:lstStyle/>
           <a:p>
             <a:pPr algn="ctr"/>
-            <a:endParaRPr lang="fr-FR"/>
+            <a:r>
+              <a:rPr lang="fr-FR" sz="1100" dirty="0">
+                <a:solidFill>
+                  <a:srgbClr val="C00000"/>
+                </a:solidFill>
+                <a:latin typeface="Arial" panose="020B0604020202020204" pitchFamily="34" charset="0"/>
+                <a:cs typeface="Arial" panose="020B0604020202020204" pitchFamily="34" charset="0"/>
+              </a:rPr>
+              <a:t>1</a:t>
+            </a:r>
           </a:p>
         </p:txBody>
       </p:sp>
@@ -9982,58 +10184,6 @@
           </a:ln>
         </p:spPr>
       </p:pic>
-      <p:pic>
-        <p:nvPicPr>
-          <p:cNvPr id="1028" name="Picture 4" descr="Afficher l'image d'origine"/>
-          <p:cNvPicPr>
-            <a:picLocks noChangeAspect="1" noChangeArrowheads="1"/>
-          </p:cNvPicPr>
-          <p:nvPr/>
-        </p:nvPicPr>
-        <p:blipFill>
-          <a:blip r:embed="rId4" cstate="print">
-            <a:clrChange>
-              <a:clrFrom>
-                <a:srgbClr val="FFFFFF"/>
-              </a:clrFrom>
-              <a:clrTo>
-                <a:srgbClr val="FFFFFF">
-                  <a:alpha val="0"/>
-                </a:srgbClr>
-              </a:clrTo>
-            </a:clrChange>
-            <a:lum bright="70000" contrast="-70000"/>
-            <a:extLst>
-              <a:ext uri="{28A0092B-C50C-407E-A947-70E740481C1C}">
-                <a14:useLocalDpi xmlns:a14="http://schemas.microsoft.com/office/drawing/2010/main" val="0"/>
-              </a:ext>
-            </a:extLst>
-          </a:blip>
-          <a:srcRect/>
-          <a:stretch>
-            <a:fillRect/>
-          </a:stretch>
-        </p:blipFill>
-        <p:spPr bwMode="auto">
-          <a:xfrm>
-            <a:off x="2495600" y="5274000"/>
-            <a:ext cx="288032" cy="288032"/>
-          </a:xfrm>
-          <a:prstGeom prst="rect">
-            <a:avLst/>
-          </a:prstGeom>
-          <a:noFill/>
-          <a:extLst>
-            <a:ext uri="{909E8E84-426E-40DD-AFC4-6F175D3DCCD1}">
-              <a14:hiddenFill xmlns:a14="http://schemas.microsoft.com/office/drawing/2010/main">
-                <a:solidFill>
-                  <a:srgbClr val="FFFFFF"/>
-                </a:solidFill>
-              </a14:hiddenFill>
-            </a:ext>
-          </a:extLst>
-        </p:spPr>
-      </p:pic>
       <p:cxnSp>
         <p:nvCxnSpPr>
           <p:cNvPr id="9" name="Straight Connector 8"/>
@@ -10042,21 +10192,16 @@
         </p:nvCxnSpPr>
         <p:spPr>
           <a:xfrm>
-            <a:off x="3863752" y="5544000"/>
-            <a:ext cx="2304256" cy="0"/>
+            <a:off x="3204000" y="5544000"/>
+            <a:ext cx="576064" cy="0"/>
           </a:xfrm>
           <a:prstGeom prst="line">
             <a:avLst/>
           </a:prstGeom>
-          <a:solidFill>
-            <a:schemeClr val="accent2">
-              <a:lumMod val="60000"/>
-              <a:lumOff val="40000"/>
-            </a:schemeClr>
-          </a:solidFill>
-          <a:ln w="25400">
+          <a:noFill/>
+          <a:ln w="34925">
             <a:solidFill>
-              <a:srgbClr val="00B050"/>
+              <a:srgbClr val="FFC000"/>
             </a:solidFill>
           </a:ln>
         </p:spPr>
@@ -10080,7 +10225,7 @@
     </p:spTree>
     <p:extLst>
       <p:ext uri="{BB962C8B-B14F-4D97-AF65-F5344CB8AC3E}">
-        <p14:creationId xmlns:p14="http://schemas.microsoft.com/office/powerpoint/2010/main" val="4023432389"/>
+        <p14:creationId xmlns:p14="http://schemas.microsoft.com/office/powerpoint/2010/main" val="705841724"/>
       </p:ext>
     </p:extLst>
   </p:cSld>
@@ -10233,36 +10378,9 @@
           </a:p>
         </p:txBody>
       </p:sp>
-      <p:pic>
-        <p:nvPicPr>
-          <p:cNvPr id="8" name="Picture 7"/>
-          <p:cNvPicPr>
-            <a:picLocks noChangeAspect="1"/>
-          </p:cNvPicPr>
-          <p:nvPr/>
-        </p:nvPicPr>
-        <p:blipFill rotWithShape="1">
-          <a:blip r:embed="rId3"/>
-          <a:srcRect l="17865" t="49279" r="33058" b="45230"/>
-          <a:stretch/>
-        </p:blipFill>
-        <p:spPr>
-          <a:xfrm>
-            <a:off x="3168000" y="3528000"/>
-            <a:ext cx="5760640" cy="360040"/>
-          </a:xfrm>
-          <a:prstGeom prst="rect">
-            <a:avLst/>
-          </a:prstGeom>
-          <a:noFill/>
-          <a:ln>
-            <a:noFill/>
-          </a:ln>
-        </p:spPr>
-      </p:pic>
       <p:sp>
         <p:nvSpPr>
-          <p:cNvPr id="11" name="Arrow: Right 10"/>
+          <p:cNvPr id="7" name="Arrow: Right 6"/>
           <p:cNvSpPr/>
           <p:nvPr/>
         </p:nvSpPr>
@@ -10307,13 +10425,51 @@
           <a:lstStyle/>
           <a:p>
             <a:pPr algn="ctr"/>
-            <a:endParaRPr lang="fr-FR"/>
+            <a:r>
+              <a:rPr lang="fr-FR" sz="1100" dirty="0">
+                <a:solidFill>
+                  <a:schemeClr val="accent2">
+                    <a:lumMod val="50000"/>
+                  </a:schemeClr>
+                </a:solidFill>
+                <a:latin typeface="Arial" panose="020B0604020202020204" pitchFamily="34" charset="0"/>
+                <a:cs typeface="Arial" panose="020B0604020202020204" pitchFamily="34" charset="0"/>
+              </a:rPr>
+              <a:t>2</a:t>
+            </a:r>
           </a:p>
         </p:txBody>
       </p:sp>
       <p:pic>
         <p:nvPicPr>
-          <p:cNvPr id="12" name="Picture 4" descr="Afficher l'image d'origine"/>
+          <p:cNvPr id="8" name="Picture 7"/>
+          <p:cNvPicPr>
+            <a:picLocks noChangeAspect="1"/>
+          </p:cNvPicPr>
+          <p:nvPr/>
+        </p:nvPicPr>
+        <p:blipFill rotWithShape="1">
+          <a:blip r:embed="rId3"/>
+          <a:srcRect l="17865" t="49279" r="33058" b="45230"/>
+          <a:stretch/>
+        </p:blipFill>
+        <p:spPr>
+          <a:xfrm>
+            <a:off x="3168000" y="3528000"/>
+            <a:ext cx="5760640" cy="360040"/>
+          </a:xfrm>
+          <a:prstGeom prst="rect">
+            <a:avLst/>
+          </a:prstGeom>
+          <a:noFill/>
+          <a:ln>
+            <a:noFill/>
+          </a:ln>
+        </p:spPr>
+      </p:pic>
+      <p:pic>
+        <p:nvPicPr>
+          <p:cNvPr id="1028" name="Picture 4" descr="Afficher l'image d'origine"/>
           <p:cNvPicPr>
             <a:picLocks noChangeAspect="1" noChangeArrowheads="1"/>
           </p:cNvPicPr>
@@ -10363,70 +10519,29 @@
           </a:extLst>
         </p:spPr>
       </p:pic>
-      <p:sp>
-        <p:nvSpPr>
-          <p:cNvPr id="2" name="Rectangle 1"/>
-          <p:cNvSpPr/>
-          <p:nvPr/>
-        </p:nvSpPr>
-        <p:spPr>
-          <a:xfrm>
-            <a:off x="4367808" y="4725144"/>
-            <a:ext cx="1008112" cy="360040"/>
-          </a:xfrm>
-          <a:prstGeom prst="rect">
-            <a:avLst/>
-          </a:prstGeom>
-          <a:noFill/>
-          <a:ln w="34925">
-            <a:solidFill>
-              <a:srgbClr val="FFC000"/>
-            </a:solidFill>
-          </a:ln>
-        </p:spPr>
-        <p:style>
-          <a:lnRef idx="2">
-            <a:schemeClr val="accent1">
-              <a:shade val="50000"/>
-            </a:schemeClr>
-          </a:lnRef>
-          <a:fillRef idx="1">
-            <a:schemeClr val="accent1"/>
-          </a:fillRef>
-          <a:effectRef idx="0">
-            <a:schemeClr val="accent1"/>
-          </a:effectRef>
-          <a:fontRef idx="minor">
-            <a:schemeClr val="lt1"/>
-          </a:fontRef>
-        </p:style>
-        <p:txBody>
-          <a:bodyPr rtlCol="0" anchor="ctr"/>
-          <a:lstStyle/>
-          <a:p>
-            <a:pPr algn="ctr"/>
-            <a:endParaRPr lang="fr-FR"/>
-          </a:p>
-        </p:txBody>
-      </p:sp>
       <p:cxnSp>
         <p:nvCxnSpPr>
-          <p:cNvPr id="7" name="Straight Connector 6"/>
+          <p:cNvPr id="9" name="Straight Connector 8"/>
           <p:cNvCxnSpPr/>
           <p:nvPr/>
         </p:nvCxnSpPr>
         <p:spPr>
           <a:xfrm>
-            <a:off x="3204000" y="5544000"/>
-            <a:ext cx="576064" cy="0"/>
+            <a:off x="3863752" y="5544000"/>
+            <a:ext cx="2304256" cy="0"/>
           </a:xfrm>
           <a:prstGeom prst="line">
             <a:avLst/>
           </a:prstGeom>
-          <a:noFill/>
-          <a:ln w="34925">
+          <a:solidFill>
+            <a:schemeClr val="accent2">
+              <a:lumMod val="60000"/>
+              <a:lumOff val="40000"/>
+            </a:schemeClr>
+          </a:solidFill>
+          <a:ln w="25400">
             <a:solidFill>
-              <a:srgbClr val="FFC000"/>
+              <a:srgbClr val="00B050"/>
             </a:solidFill>
           </a:ln>
         </p:spPr>
@@ -10449,7 +10564,7 @@
       </p:cxnSp>
       <p:sp>
         <p:nvSpPr>
-          <p:cNvPr id="15" name="Arrow: Right 14"/>
+          <p:cNvPr id="11" name="Arrow: Right 10"/>
           <p:cNvSpPr/>
           <p:nvPr/>
         </p:nvSpPr>
@@ -10491,14 +10606,23 @@
           <a:lstStyle/>
           <a:p>
             <a:pPr algn="ctr"/>
-            <a:endParaRPr lang="fr-FR"/>
+            <a:r>
+              <a:rPr lang="fr-FR" sz="1100" dirty="0">
+                <a:solidFill>
+                  <a:srgbClr val="C00000"/>
+                </a:solidFill>
+                <a:latin typeface="Arial" panose="020B0604020202020204" pitchFamily="34" charset="0"/>
+                <a:cs typeface="Arial" panose="020B0604020202020204" pitchFamily="34" charset="0"/>
+              </a:rPr>
+              <a:t>1</a:t>
+            </a:r>
           </a:p>
         </p:txBody>
       </p:sp>
     </p:spTree>
     <p:extLst>
       <p:ext uri="{BB962C8B-B14F-4D97-AF65-F5344CB8AC3E}">
-        <p14:creationId xmlns:p14="http://schemas.microsoft.com/office/powerpoint/2010/main" val="1879403580"/>
+        <p14:creationId xmlns:p14="http://schemas.microsoft.com/office/powerpoint/2010/main" val="4023432389"/>
       </p:ext>
     </p:extLst>
   </p:cSld>
@@ -10651,54 +10775,6 @@
           </a:p>
         </p:txBody>
       </p:sp>
-      <p:sp>
-        <p:nvSpPr>
-          <p:cNvPr id="7" name="Arrow: Right 6"/>
-          <p:cNvSpPr/>
-          <p:nvPr/>
-        </p:nvSpPr>
-        <p:spPr>
-          <a:xfrm>
-            <a:off x="2423592" y="3573016"/>
-            <a:ext cx="324000" cy="280831"/>
-          </a:xfrm>
-          <a:prstGeom prst="rightArrow">
-            <a:avLst/>
-          </a:prstGeom>
-          <a:solidFill>
-            <a:srgbClr val="FFFF00"/>
-          </a:solidFill>
-          <a:ln>
-            <a:solidFill>
-              <a:srgbClr val="FFC000"/>
-            </a:solidFill>
-          </a:ln>
-        </p:spPr>
-        <p:style>
-          <a:lnRef idx="2">
-            <a:schemeClr val="accent1">
-              <a:shade val="50000"/>
-            </a:schemeClr>
-          </a:lnRef>
-          <a:fillRef idx="1">
-            <a:schemeClr val="accent1"/>
-          </a:fillRef>
-          <a:effectRef idx="0">
-            <a:schemeClr val="accent1"/>
-          </a:effectRef>
-          <a:fontRef idx="minor">
-            <a:schemeClr val="lt1"/>
-          </a:fontRef>
-        </p:style>
-        <p:txBody>
-          <a:bodyPr rtlCol="0" anchor="ctr"/>
-          <a:lstStyle/>
-          <a:p>
-            <a:pPr algn="ctr"/>
-            <a:endParaRPr lang="fr-FR"/>
-          </a:p>
-        </p:txBody>
-      </p:sp>
       <p:pic>
         <p:nvPicPr>
           <p:cNvPr id="8" name="Picture 7"/>
@@ -10773,7 +10849,18 @@
           <a:lstStyle/>
           <a:p>
             <a:pPr algn="ctr"/>
-            <a:endParaRPr lang="fr-FR"/>
+            <a:r>
+              <a:rPr lang="fr-FR" sz="1100" dirty="0">
+                <a:solidFill>
+                  <a:schemeClr val="accent2">
+                    <a:lumMod val="50000"/>
+                  </a:schemeClr>
+                </a:solidFill>
+                <a:latin typeface="Arial" panose="020B0604020202020204" pitchFamily="34" charset="0"/>
+                <a:cs typeface="Arial" panose="020B0604020202020204" pitchFamily="34" charset="0"/>
+              </a:rPr>
+              <a:t>2</a:t>
+            </a:r>
           </a:p>
         </p:txBody>
       </p:sp>
@@ -10831,13 +10918,13 @@
       </p:pic>
       <p:cxnSp>
         <p:nvCxnSpPr>
-          <p:cNvPr id="10" name="Straight Connector 9"/>
+          <p:cNvPr id="7" name="Straight Connector 6"/>
           <p:cNvCxnSpPr/>
           <p:nvPr/>
         </p:nvCxnSpPr>
         <p:spPr>
           <a:xfrm>
-            <a:off x="4896000" y="3880326"/>
+            <a:off x="3204000" y="5544000"/>
             <a:ext cx="576064" cy="0"/>
           </a:xfrm>
           <a:prstGeom prst="line">
@@ -10867,10 +10954,67 @@
           </a:fontRef>
         </p:style>
       </p:cxnSp>
+      <p:sp>
+        <p:nvSpPr>
+          <p:cNvPr id="15" name="Arrow: Right 14"/>
+          <p:cNvSpPr/>
+          <p:nvPr/>
+        </p:nvSpPr>
+        <p:spPr>
+          <a:xfrm>
+            <a:off x="2099592" y="5308409"/>
+            <a:ext cx="324000" cy="280831"/>
+          </a:xfrm>
+          <a:prstGeom prst="rightArrow">
+            <a:avLst/>
+          </a:prstGeom>
+          <a:solidFill>
+            <a:srgbClr val="FFFF00"/>
+          </a:solidFill>
+          <a:ln>
+            <a:solidFill>
+              <a:srgbClr val="FFC000"/>
+            </a:solidFill>
+          </a:ln>
+        </p:spPr>
+        <p:style>
+          <a:lnRef idx="2">
+            <a:schemeClr val="accent1">
+              <a:shade val="50000"/>
+            </a:schemeClr>
+          </a:lnRef>
+          <a:fillRef idx="1">
+            <a:schemeClr val="accent1"/>
+          </a:fillRef>
+          <a:effectRef idx="0">
+            <a:schemeClr val="accent1"/>
+          </a:effectRef>
+          <a:fontRef idx="minor">
+            <a:schemeClr val="lt1"/>
+          </a:fontRef>
+        </p:style>
+        <p:txBody>
+          <a:bodyPr rtlCol="0" anchor="ctr"/>
+          <a:lstStyle/>
+          <a:p>
+            <a:pPr algn="ctr"/>
+            <a:r>
+              <a:rPr lang="fr-FR" sz="1100" dirty="0">
+                <a:solidFill>
+                  <a:srgbClr val="C00000"/>
+                </a:solidFill>
+                <a:latin typeface="Arial" panose="020B0604020202020204" pitchFamily="34" charset="0"/>
+                <a:cs typeface="Arial" panose="020B0604020202020204" pitchFamily="34" charset="0"/>
+              </a:rPr>
+              <a:t>1</a:t>
+            </a:r>
+          </a:p>
+        </p:txBody>
+      </p:sp>
     </p:spTree>
     <p:extLst>
       <p:ext uri="{BB962C8B-B14F-4D97-AF65-F5344CB8AC3E}">
-        <p14:creationId xmlns:p14="http://schemas.microsoft.com/office/powerpoint/2010/main" val="1702592545"/>
+        <p14:creationId xmlns:p14="http://schemas.microsoft.com/office/powerpoint/2010/main" val="1879403580"/>
       </p:ext>
     </p:extLst>
   </p:cSld>
@@ -11097,7 +11241,18 @@
           <a:lstStyle/>
           <a:p>
             <a:pPr algn="ctr"/>
-            <a:endParaRPr lang="fr-FR"/>
+            <a:r>
+              <a:rPr lang="fr-FR" sz="1100" dirty="0">
+                <a:solidFill>
+                  <a:schemeClr val="accent2">
+                    <a:lumMod val="50000"/>
+                  </a:schemeClr>
+                </a:solidFill>
+                <a:latin typeface="Arial" panose="020B0604020202020204" pitchFamily="34" charset="0"/>
+                <a:cs typeface="Arial" panose="020B0604020202020204" pitchFamily="34" charset="0"/>
+              </a:rPr>
+              <a:t>2</a:t>
+            </a:r>
           </a:p>
         </p:txBody>
       </p:sp>
@@ -11155,14 +11310,14 @@
       </p:pic>
       <p:sp>
         <p:nvSpPr>
-          <p:cNvPr id="15" name="Rectangle 14"/>
+          <p:cNvPr id="2" name="Rectangle 1"/>
           <p:cNvSpPr/>
           <p:nvPr/>
         </p:nvSpPr>
         <p:spPr>
           <a:xfrm>
-            <a:off x="4223792" y="3014533"/>
-            <a:ext cx="1080120" cy="360040"/>
+            <a:off x="4367808" y="4725144"/>
+            <a:ext cx="1008112" cy="360040"/>
           </a:xfrm>
           <a:prstGeom prst="rect">
             <a:avLst/>
@@ -11199,53 +11354,15 @@
           </a:p>
         </p:txBody>
       </p:sp>
-      <p:cxnSp>
-        <p:nvCxnSpPr>
-          <p:cNvPr id="10" name="Straight Connector 9"/>
-          <p:cNvCxnSpPr/>
-          <p:nvPr/>
-        </p:nvCxnSpPr>
-        <p:spPr>
-          <a:xfrm>
-            <a:off x="4896000" y="3880326"/>
-            <a:ext cx="576064" cy="0"/>
-          </a:xfrm>
-          <a:prstGeom prst="line">
-            <a:avLst/>
-          </a:prstGeom>
-          <a:noFill/>
-          <a:ln w="34925">
-            <a:solidFill>
-              <a:srgbClr val="FFC000"/>
-            </a:solidFill>
-          </a:ln>
-        </p:spPr>
-        <p:style>
-          <a:lnRef idx="2">
-            <a:schemeClr val="accent1">
-              <a:shade val="50000"/>
-            </a:schemeClr>
-          </a:lnRef>
-          <a:fillRef idx="1">
-            <a:schemeClr val="accent1"/>
-          </a:fillRef>
-          <a:effectRef idx="0">
-            <a:schemeClr val="accent1"/>
-          </a:effectRef>
-          <a:fontRef idx="minor">
-            <a:schemeClr val="lt1"/>
-          </a:fontRef>
-        </p:style>
-      </p:cxnSp>
       <p:sp>
         <p:nvSpPr>
-          <p:cNvPr id="14" name="Arrow: Right 13"/>
+          <p:cNvPr id="15" name="Arrow: Right 14"/>
           <p:cNvSpPr/>
           <p:nvPr/>
         </p:nvSpPr>
         <p:spPr>
           <a:xfrm>
-            <a:off x="2423592" y="3573016"/>
+            <a:off x="2099592" y="4797152"/>
             <a:ext cx="324000" cy="280831"/>
           </a:xfrm>
           <a:prstGeom prst="rightArrow">
@@ -11281,14 +11398,23 @@
           <a:lstStyle/>
           <a:p>
             <a:pPr algn="ctr"/>
-            <a:endParaRPr lang="fr-FR"/>
+            <a:r>
+              <a:rPr lang="fr-FR" sz="1100" dirty="0">
+                <a:solidFill>
+                  <a:srgbClr val="C00000"/>
+                </a:solidFill>
+                <a:latin typeface="Arial" panose="020B0604020202020204" pitchFamily="34" charset="0"/>
+                <a:cs typeface="Arial" panose="020B0604020202020204" pitchFamily="34" charset="0"/>
+              </a:rPr>
+              <a:t>1</a:t>
+            </a:r>
           </a:p>
         </p:txBody>
       </p:sp>
     </p:spTree>
     <p:extLst>
       <p:ext uri="{BB962C8B-B14F-4D97-AF65-F5344CB8AC3E}">
-        <p14:creationId xmlns:p14="http://schemas.microsoft.com/office/powerpoint/2010/main" val="3007779111"/>
+        <p14:creationId xmlns:p14="http://schemas.microsoft.com/office/powerpoint/2010/main" val="807357998"/>
       </p:ext>
     </p:extLst>
   </p:cSld>
@@ -11449,7 +11575,7 @@
         </p:nvSpPr>
         <p:spPr>
           <a:xfrm>
-            <a:off x="2423592" y="1844824"/>
+            <a:off x="2423592" y="3573016"/>
             <a:ext cx="324000" cy="280831"/>
           </a:xfrm>
           <a:prstGeom prst="rightArrow">
@@ -11485,7 +11611,16 @@
           <a:lstStyle/>
           <a:p>
             <a:pPr algn="ctr"/>
-            <a:endParaRPr lang="fr-FR"/>
+            <a:r>
+              <a:rPr lang="fr-FR" sz="1100" dirty="0">
+                <a:solidFill>
+                  <a:srgbClr val="C00000"/>
+                </a:solidFill>
+                <a:latin typeface="Arial" panose="020B0604020202020204" pitchFamily="34" charset="0"/>
+                <a:cs typeface="Arial" panose="020B0604020202020204" pitchFamily="34" charset="0"/>
+              </a:rPr>
+              <a:t>1</a:t>
+            </a:r>
           </a:p>
         </p:txBody>
       </p:sp>
@@ -11516,60 +11651,9 @@
           </a:ln>
         </p:spPr>
       </p:pic>
-      <p:sp>
-        <p:nvSpPr>
-          <p:cNvPr id="9" name="Arrow: Right 8"/>
-          <p:cNvSpPr/>
-          <p:nvPr/>
-        </p:nvSpPr>
-        <p:spPr>
-          <a:xfrm>
-            <a:off x="2891680" y="5292000"/>
-            <a:ext cx="324000" cy="280831"/>
-          </a:xfrm>
-          <a:prstGeom prst="rightArrow">
-            <a:avLst/>
-          </a:prstGeom>
-          <a:solidFill>
-            <a:schemeClr val="accent2">
-              <a:lumMod val="60000"/>
-              <a:lumOff val="40000"/>
-            </a:schemeClr>
-          </a:solidFill>
-          <a:ln>
-            <a:solidFill>
-              <a:srgbClr val="00B050"/>
-            </a:solidFill>
-          </a:ln>
-        </p:spPr>
-        <p:style>
-          <a:lnRef idx="2">
-            <a:schemeClr val="accent1">
-              <a:shade val="50000"/>
-            </a:schemeClr>
-          </a:lnRef>
-          <a:fillRef idx="1">
-            <a:schemeClr val="accent1"/>
-          </a:fillRef>
-          <a:effectRef idx="0">
-            <a:schemeClr val="accent1"/>
-          </a:effectRef>
-          <a:fontRef idx="minor">
-            <a:schemeClr val="lt1"/>
-          </a:fontRef>
-        </p:style>
-        <p:txBody>
-          <a:bodyPr rtlCol="0" anchor="ctr"/>
-          <a:lstStyle/>
-          <a:p>
-            <a:pPr algn="ctr"/>
-            <a:endParaRPr lang="fr-FR"/>
-          </a:p>
-        </p:txBody>
-      </p:sp>
       <p:pic>
         <p:nvPicPr>
-          <p:cNvPr id="10" name="Picture 4" descr="Afficher l'image d'origine"/>
+          <p:cNvPr id="12" name="Picture 4" descr="Afficher l'image d'origine"/>
           <p:cNvPicPr>
             <a:picLocks noChangeAspect="1" noChangeArrowheads="1"/>
           </p:cNvPicPr>
@@ -11619,10 +11703,110 @@
           </a:extLst>
         </p:spPr>
       </p:pic>
+      <p:cxnSp>
+        <p:nvCxnSpPr>
+          <p:cNvPr id="10" name="Straight Connector 9"/>
+          <p:cNvCxnSpPr/>
+          <p:nvPr/>
+        </p:nvCxnSpPr>
+        <p:spPr>
+          <a:xfrm>
+            <a:off x="4896000" y="3880326"/>
+            <a:ext cx="576064" cy="0"/>
+          </a:xfrm>
+          <a:prstGeom prst="line">
+            <a:avLst/>
+          </a:prstGeom>
+          <a:noFill/>
+          <a:ln w="34925">
+            <a:solidFill>
+              <a:srgbClr val="FFC000"/>
+            </a:solidFill>
+          </a:ln>
+        </p:spPr>
+        <p:style>
+          <a:lnRef idx="2">
+            <a:schemeClr val="accent1">
+              <a:shade val="50000"/>
+            </a:schemeClr>
+          </a:lnRef>
+          <a:fillRef idx="1">
+            <a:schemeClr val="accent1"/>
+          </a:fillRef>
+          <a:effectRef idx="0">
+            <a:schemeClr val="accent1"/>
+          </a:effectRef>
+          <a:fontRef idx="minor">
+            <a:schemeClr val="lt1"/>
+          </a:fontRef>
+        </p:style>
+      </p:cxnSp>
+      <p:sp>
+        <p:nvSpPr>
+          <p:cNvPr id="14" name="Arrow: Right 13"/>
+          <p:cNvSpPr/>
+          <p:nvPr/>
+        </p:nvSpPr>
+        <p:spPr>
+          <a:xfrm>
+            <a:off x="2891680" y="5292000"/>
+            <a:ext cx="324000" cy="280831"/>
+          </a:xfrm>
+          <a:prstGeom prst="rightArrow">
+            <a:avLst/>
+          </a:prstGeom>
+          <a:solidFill>
+            <a:schemeClr val="accent2">
+              <a:lumMod val="60000"/>
+              <a:lumOff val="40000"/>
+            </a:schemeClr>
+          </a:solidFill>
+          <a:ln>
+            <a:solidFill>
+              <a:srgbClr val="00B050"/>
+            </a:solidFill>
+          </a:ln>
+        </p:spPr>
+        <p:style>
+          <a:lnRef idx="2">
+            <a:schemeClr val="accent1">
+              <a:shade val="50000"/>
+            </a:schemeClr>
+          </a:lnRef>
+          <a:fillRef idx="1">
+            <a:schemeClr val="accent1"/>
+          </a:fillRef>
+          <a:effectRef idx="0">
+            <a:schemeClr val="accent1"/>
+          </a:effectRef>
+          <a:fontRef idx="minor">
+            <a:schemeClr val="lt1"/>
+          </a:fontRef>
+        </p:style>
+        <p:txBody>
+          <a:bodyPr rtlCol="0" anchor="ctr"/>
+          <a:lstStyle/>
+          <a:p>
+            <a:pPr algn="ctr"/>
+            <a:r>
+              <a:rPr lang="fr-FR" sz="1100" dirty="0">
+                <a:solidFill>
+                  <a:schemeClr val="accent2">
+                    <a:lumMod val="50000"/>
+                  </a:schemeClr>
+                </a:solidFill>
+                <a:latin typeface="Arial" panose="020B0604020202020204" pitchFamily="34" charset="0"/>
+                <a:cs typeface="Arial" panose="020B0604020202020204" pitchFamily="34" charset="0"/>
+              </a:rPr>
+              <a:t>2</a:t>
+            </a:r>
+          </a:p>
+        </p:txBody>
+      </p:sp>
     </p:spTree>
     <p:extLst>
       <p:ext uri="{BB962C8B-B14F-4D97-AF65-F5344CB8AC3E}">
-        <p14:creationId xmlns:p14="http://schemas.microsoft.com/office/powerpoint/2010/main" val="880329635"/>
+        <p14:creationId xmlns:p14="http://schemas.microsoft.com/office/powerpoint/2010/main" val="1702592545"/>
       </p:ext>
     </p:extLst>
   </p:cSld>
@@ -11775,57 +11959,9 @@
           </a:p>
         </p:txBody>
       </p:sp>
-      <p:sp>
-        <p:nvSpPr>
-          <p:cNvPr id="10" name="Arrow: Right 9"/>
-          <p:cNvSpPr/>
-          <p:nvPr/>
-        </p:nvSpPr>
-        <p:spPr>
-          <a:xfrm>
-            <a:off x="2423592" y="2304000"/>
-            <a:ext cx="324000" cy="280831"/>
-          </a:xfrm>
-          <a:prstGeom prst="rightArrow">
-            <a:avLst/>
-          </a:prstGeom>
-          <a:solidFill>
-            <a:srgbClr val="FFFF00"/>
-          </a:solidFill>
-          <a:ln>
-            <a:solidFill>
-              <a:srgbClr val="FFC000"/>
-            </a:solidFill>
-          </a:ln>
-        </p:spPr>
-        <p:style>
-          <a:lnRef idx="2">
-            <a:schemeClr val="accent1">
-              <a:shade val="50000"/>
-            </a:schemeClr>
-          </a:lnRef>
-          <a:fillRef idx="1">
-            <a:schemeClr val="accent1"/>
-          </a:fillRef>
-          <a:effectRef idx="0">
-            <a:schemeClr val="accent1"/>
-          </a:effectRef>
-          <a:fontRef idx="minor">
-            <a:schemeClr val="lt1"/>
-          </a:fontRef>
-        </p:style>
-        <p:txBody>
-          <a:bodyPr rtlCol="0" anchor="ctr"/>
-          <a:lstStyle/>
-          <a:p>
-            <a:pPr algn="ctr"/>
-            <a:endParaRPr lang="fr-FR"/>
-          </a:p>
-        </p:txBody>
-      </p:sp>
       <p:pic>
         <p:nvPicPr>
-          <p:cNvPr id="15" name="Picture 14"/>
+          <p:cNvPr id="8" name="Picture 7"/>
           <p:cNvPicPr>
             <a:picLocks noChangeAspect="1"/>
           </p:cNvPicPr>
@@ -11850,60 +11986,9 @@
           </a:ln>
         </p:spPr>
       </p:pic>
-      <p:sp>
-        <p:nvSpPr>
-          <p:cNvPr id="16" name="Arrow: Right 15"/>
-          <p:cNvSpPr/>
-          <p:nvPr/>
-        </p:nvSpPr>
-        <p:spPr>
-          <a:xfrm>
-            <a:off x="2891680" y="5292000"/>
-            <a:ext cx="324000" cy="280831"/>
-          </a:xfrm>
-          <a:prstGeom prst="rightArrow">
-            <a:avLst/>
-          </a:prstGeom>
-          <a:solidFill>
-            <a:schemeClr val="accent2">
-              <a:lumMod val="60000"/>
-              <a:lumOff val="40000"/>
-            </a:schemeClr>
-          </a:solidFill>
-          <a:ln>
-            <a:solidFill>
-              <a:srgbClr val="00B050"/>
-            </a:solidFill>
-          </a:ln>
-        </p:spPr>
-        <p:style>
-          <a:lnRef idx="2">
-            <a:schemeClr val="accent1">
-              <a:shade val="50000"/>
-            </a:schemeClr>
-          </a:lnRef>
-          <a:fillRef idx="1">
-            <a:schemeClr val="accent1"/>
-          </a:fillRef>
-          <a:effectRef idx="0">
-            <a:schemeClr val="accent1"/>
-          </a:effectRef>
-          <a:fontRef idx="minor">
-            <a:schemeClr val="lt1"/>
-          </a:fontRef>
-        </p:style>
-        <p:txBody>
-          <a:bodyPr rtlCol="0" anchor="ctr"/>
-          <a:lstStyle/>
-          <a:p>
-            <a:pPr algn="ctr"/>
-            <a:endParaRPr lang="fr-FR"/>
-          </a:p>
-        </p:txBody>
-      </p:sp>
       <p:pic>
         <p:nvPicPr>
-          <p:cNvPr id="17" name="Picture 4" descr="Afficher l'image d'origine"/>
+          <p:cNvPr id="12" name="Picture 4" descr="Afficher l'image d'origine"/>
           <p:cNvPicPr>
             <a:picLocks noChangeAspect="1" noChangeArrowheads="1"/>
           </p:cNvPicPr>
@@ -11953,10 +12038,175 @@
           </a:extLst>
         </p:spPr>
       </p:pic>
+      <p:sp>
+        <p:nvSpPr>
+          <p:cNvPr id="15" name="Rectangle 14"/>
+          <p:cNvSpPr/>
+          <p:nvPr/>
+        </p:nvSpPr>
+        <p:spPr>
+          <a:xfrm>
+            <a:off x="4223792" y="3014533"/>
+            <a:ext cx="1080120" cy="360040"/>
+          </a:xfrm>
+          <a:prstGeom prst="rect">
+            <a:avLst/>
+          </a:prstGeom>
+          <a:noFill/>
+          <a:ln w="34925">
+            <a:solidFill>
+              <a:srgbClr val="FFC000"/>
+            </a:solidFill>
+          </a:ln>
+        </p:spPr>
+        <p:style>
+          <a:lnRef idx="2">
+            <a:schemeClr val="accent1">
+              <a:shade val="50000"/>
+            </a:schemeClr>
+          </a:lnRef>
+          <a:fillRef idx="1">
+            <a:schemeClr val="accent1"/>
+          </a:fillRef>
+          <a:effectRef idx="0">
+            <a:schemeClr val="accent1"/>
+          </a:effectRef>
+          <a:fontRef idx="minor">
+            <a:schemeClr val="lt1"/>
+          </a:fontRef>
+        </p:style>
+        <p:txBody>
+          <a:bodyPr rtlCol="0" anchor="ctr"/>
+          <a:lstStyle/>
+          <a:p>
+            <a:pPr algn="ctr"/>
+            <a:endParaRPr lang="fr-FR"/>
+          </a:p>
+        </p:txBody>
+      </p:sp>
+      <p:sp>
+        <p:nvSpPr>
+          <p:cNvPr id="14" name="Arrow: Right 13"/>
+          <p:cNvSpPr/>
+          <p:nvPr/>
+        </p:nvSpPr>
+        <p:spPr>
+          <a:xfrm>
+            <a:off x="2423592" y="3068960"/>
+            <a:ext cx="324000" cy="280831"/>
+          </a:xfrm>
+          <a:prstGeom prst="rightArrow">
+            <a:avLst/>
+          </a:prstGeom>
+          <a:solidFill>
+            <a:srgbClr val="FFFF00"/>
+          </a:solidFill>
+          <a:ln>
+            <a:solidFill>
+              <a:srgbClr val="FFC000"/>
+            </a:solidFill>
+          </a:ln>
+        </p:spPr>
+        <p:style>
+          <a:lnRef idx="2">
+            <a:schemeClr val="accent1">
+              <a:shade val="50000"/>
+            </a:schemeClr>
+          </a:lnRef>
+          <a:fillRef idx="1">
+            <a:schemeClr val="accent1"/>
+          </a:fillRef>
+          <a:effectRef idx="0">
+            <a:schemeClr val="accent1"/>
+          </a:effectRef>
+          <a:fontRef idx="minor">
+            <a:schemeClr val="lt1"/>
+          </a:fontRef>
+        </p:style>
+        <p:txBody>
+          <a:bodyPr rtlCol="0" anchor="ctr"/>
+          <a:lstStyle/>
+          <a:p>
+            <a:pPr algn="ctr"/>
+            <a:r>
+              <a:rPr lang="fr-FR" sz="1100" dirty="0">
+                <a:solidFill>
+                  <a:srgbClr val="C00000"/>
+                </a:solidFill>
+                <a:latin typeface="Arial" panose="020B0604020202020204" pitchFamily="34" charset="0"/>
+                <a:cs typeface="Arial" panose="020B0604020202020204" pitchFamily="34" charset="0"/>
+              </a:rPr>
+              <a:t>1</a:t>
+            </a:r>
+          </a:p>
+        </p:txBody>
+      </p:sp>
+      <p:sp>
+        <p:nvSpPr>
+          <p:cNvPr id="16" name="Arrow: Right 15"/>
+          <p:cNvSpPr/>
+          <p:nvPr/>
+        </p:nvSpPr>
+        <p:spPr>
+          <a:xfrm>
+            <a:off x="2891680" y="5292000"/>
+            <a:ext cx="324000" cy="280831"/>
+          </a:xfrm>
+          <a:prstGeom prst="rightArrow">
+            <a:avLst/>
+          </a:prstGeom>
+          <a:solidFill>
+            <a:schemeClr val="accent2">
+              <a:lumMod val="60000"/>
+              <a:lumOff val="40000"/>
+            </a:schemeClr>
+          </a:solidFill>
+          <a:ln>
+            <a:solidFill>
+              <a:srgbClr val="00B050"/>
+            </a:solidFill>
+          </a:ln>
+        </p:spPr>
+        <p:style>
+          <a:lnRef idx="2">
+            <a:schemeClr val="accent1">
+              <a:shade val="50000"/>
+            </a:schemeClr>
+          </a:lnRef>
+          <a:fillRef idx="1">
+            <a:schemeClr val="accent1"/>
+          </a:fillRef>
+          <a:effectRef idx="0">
+            <a:schemeClr val="accent1"/>
+          </a:effectRef>
+          <a:fontRef idx="minor">
+            <a:schemeClr val="lt1"/>
+          </a:fontRef>
+        </p:style>
+        <p:txBody>
+          <a:bodyPr rtlCol="0" anchor="ctr"/>
+          <a:lstStyle/>
+          <a:p>
+            <a:pPr algn="ctr"/>
+            <a:r>
+              <a:rPr lang="fr-FR" sz="1100" dirty="0">
+                <a:solidFill>
+                  <a:schemeClr val="accent2">
+                    <a:lumMod val="50000"/>
+                  </a:schemeClr>
+                </a:solidFill>
+                <a:latin typeface="Arial" panose="020B0604020202020204" pitchFamily="34" charset="0"/>
+                <a:cs typeface="Arial" panose="020B0604020202020204" pitchFamily="34" charset="0"/>
+              </a:rPr>
+              <a:t>2</a:t>
+            </a:r>
+          </a:p>
+        </p:txBody>
+      </p:sp>
     </p:spTree>
     <p:extLst>
       <p:ext uri="{BB962C8B-B14F-4D97-AF65-F5344CB8AC3E}">
-        <p14:creationId xmlns:p14="http://schemas.microsoft.com/office/powerpoint/2010/main" val="2688029138"/>
+        <p14:creationId xmlns:p14="http://schemas.microsoft.com/office/powerpoint/2010/main" val="3007779111"/>
       </p:ext>
     </p:extLst>
   </p:cSld>
@@ -12109,6 +12359,703 @@
           </a:p>
         </p:txBody>
       </p:sp>
+      <p:sp>
+        <p:nvSpPr>
+          <p:cNvPr id="7" name="Arrow: Right 6"/>
+          <p:cNvSpPr/>
+          <p:nvPr/>
+        </p:nvSpPr>
+        <p:spPr>
+          <a:xfrm>
+            <a:off x="2423592" y="1844824"/>
+            <a:ext cx="324000" cy="280831"/>
+          </a:xfrm>
+          <a:prstGeom prst="rightArrow">
+            <a:avLst/>
+          </a:prstGeom>
+          <a:solidFill>
+            <a:srgbClr val="FFFF00"/>
+          </a:solidFill>
+          <a:ln>
+            <a:solidFill>
+              <a:srgbClr val="FFC000"/>
+            </a:solidFill>
+          </a:ln>
+        </p:spPr>
+        <p:style>
+          <a:lnRef idx="2">
+            <a:schemeClr val="accent1">
+              <a:shade val="50000"/>
+            </a:schemeClr>
+          </a:lnRef>
+          <a:fillRef idx="1">
+            <a:schemeClr val="accent1"/>
+          </a:fillRef>
+          <a:effectRef idx="0">
+            <a:schemeClr val="accent1"/>
+          </a:effectRef>
+          <a:fontRef idx="minor">
+            <a:schemeClr val="lt1"/>
+          </a:fontRef>
+        </p:style>
+        <p:txBody>
+          <a:bodyPr rtlCol="0" anchor="ctr"/>
+          <a:lstStyle/>
+          <a:p>
+            <a:pPr algn="ctr"/>
+            <a:r>
+              <a:rPr lang="fr-FR" sz="1100" dirty="0">
+                <a:solidFill>
+                  <a:srgbClr val="C00000"/>
+                </a:solidFill>
+                <a:latin typeface="Arial" panose="020B0604020202020204" pitchFamily="34" charset="0"/>
+                <a:cs typeface="Arial" panose="020B0604020202020204" pitchFamily="34" charset="0"/>
+              </a:rPr>
+              <a:t>1</a:t>
+            </a:r>
+          </a:p>
+        </p:txBody>
+      </p:sp>
+      <p:pic>
+        <p:nvPicPr>
+          <p:cNvPr id="8" name="Picture 7"/>
+          <p:cNvPicPr>
+            <a:picLocks noChangeAspect="1"/>
+          </p:cNvPicPr>
+          <p:nvPr/>
+        </p:nvPicPr>
+        <p:blipFill rotWithShape="1">
+          <a:blip r:embed="rId3"/>
+          <a:srcRect l="17865" t="49279" r="33058" b="45230"/>
+          <a:stretch/>
+        </p:blipFill>
+        <p:spPr>
+          <a:xfrm>
+            <a:off x="3168000" y="3528000"/>
+            <a:ext cx="5760640" cy="360040"/>
+          </a:xfrm>
+          <a:prstGeom prst="rect">
+            <a:avLst/>
+          </a:prstGeom>
+          <a:noFill/>
+          <a:ln>
+            <a:noFill/>
+          </a:ln>
+        </p:spPr>
+      </p:pic>
+      <p:pic>
+        <p:nvPicPr>
+          <p:cNvPr id="10" name="Picture 4" descr="Afficher l'image d'origine"/>
+          <p:cNvPicPr>
+            <a:picLocks noChangeAspect="1" noChangeArrowheads="1"/>
+          </p:cNvPicPr>
+          <p:nvPr/>
+        </p:nvPicPr>
+        <p:blipFill>
+          <a:blip r:embed="rId4" cstate="print">
+            <a:clrChange>
+              <a:clrFrom>
+                <a:srgbClr val="FFFFFF"/>
+              </a:clrFrom>
+              <a:clrTo>
+                <a:srgbClr val="FFFFFF">
+                  <a:alpha val="0"/>
+                </a:srgbClr>
+              </a:clrTo>
+            </a:clrChange>
+            <a:lum bright="70000" contrast="-70000"/>
+            <a:extLst>
+              <a:ext uri="{28A0092B-C50C-407E-A947-70E740481C1C}">
+                <a14:useLocalDpi xmlns:a14="http://schemas.microsoft.com/office/drawing/2010/main" val="0"/>
+              </a:ext>
+            </a:extLst>
+          </a:blip>
+          <a:srcRect/>
+          <a:stretch>
+            <a:fillRect/>
+          </a:stretch>
+        </p:blipFill>
+        <p:spPr bwMode="auto">
+          <a:xfrm>
+            <a:off x="2495600" y="5274000"/>
+            <a:ext cx="288032" cy="288032"/>
+          </a:xfrm>
+          <a:prstGeom prst="rect">
+            <a:avLst/>
+          </a:prstGeom>
+          <a:noFill/>
+          <a:extLst>
+            <a:ext uri="{909E8E84-426E-40DD-AFC4-6F175D3DCCD1}">
+              <a14:hiddenFill xmlns:a14="http://schemas.microsoft.com/office/drawing/2010/main">
+                <a:solidFill>
+                  <a:srgbClr val="FFFFFF"/>
+                </a:solidFill>
+              </a14:hiddenFill>
+            </a:ext>
+          </a:extLst>
+        </p:spPr>
+      </p:pic>
+      <p:sp>
+        <p:nvSpPr>
+          <p:cNvPr id="11" name="Arrow: Right 10"/>
+          <p:cNvSpPr/>
+          <p:nvPr/>
+        </p:nvSpPr>
+        <p:spPr>
+          <a:xfrm>
+            <a:off x="2891680" y="5292000"/>
+            <a:ext cx="324000" cy="280831"/>
+          </a:xfrm>
+          <a:prstGeom prst="rightArrow">
+            <a:avLst/>
+          </a:prstGeom>
+          <a:solidFill>
+            <a:schemeClr val="accent2">
+              <a:lumMod val="60000"/>
+              <a:lumOff val="40000"/>
+            </a:schemeClr>
+          </a:solidFill>
+          <a:ln>
+            <a:solidFill>
+              <a:srgbClr val="00B050"/>
+            </a:solidFill>
+          </a:ln>
+        </p:spPr>
+        <p:style>
+          <a:lnRef idx="2">
+            <a:schemeClr val="accent1">
+              <a:shade val="50000"/>
+            </a:schemeClr>
+          </a:lnRef>
+          <a:fillRef idx="1">
+            <a:schemeClr val="accent1"/>
+          </a:fillRef>
+          <a:effectRef idx="0">
+            <a:schemeClr val="accent1"/>
+          </a:effectRef>
+          <a:fontRef idx="minor">
+            <a:schemeClr val="lt1"/>
+          </a:fontRef>
+        </p:style>
+        <p:txBody>
+          <a:bodyPr rtlCol="0" anchor="ctr"/>
+          <a:lstStyle/>
+          <a:p>
+            <a:pPr algn="ctr"/>
+            <a:r>
+              <a:rPr lang="fr-FR" sz="1100" dirty="0">
+                <a:solidFill>
+                  <a:schemeClr val="accent2">
+                    <a:lumMod val="50000"/>
+                  </a:schemeClr>
+                </a:solidFill>
+                <a:latin typeface="Arial" panose="020B0604020202020204" pitchFamily="34" charset="0"/>
+                <a:cs typeface="Arial" panose="020B0604020202020204" pitchFamily="34" charset="0"/>
+              </a:rPr>
+              <a:t>2</a:t>
+            </a:r>
+          </a:p>
+        </p:txBody>
+      </p:sp>
+    </p:spTree>
+    <p:extLst>
+      <p:ext uri="{BB962C8B-B14F-4D97-AF65-F5344CB8AC3E}">
+        <p14:creationId xmlns:p14="http://schemas.microsoft.com/office/powerpoint/2010/main" val="880329635"/>
+      </p:ext>
+    </p:extLst>
+  </p:cSld>
+  <p:clrMapOvr>
+    <a:masterClrMapping/>
+  </p:clrMapOvr>
+  <mc:AlternateContent xmlns:mc="http://schemas.openxmlformats.org/markup-compatibility/2006" xmlns:p14="http://schemas.microsoft.com/office/powerpoint/2010/main">
+    <mc:Choice Requires="p14">
+      <p:transition spd="med" p14:dur="700">
+        <p:fade/>
+      </p:transition>
+    </mc:Choice>
+    <mc:Fallback xmlns="">
+      <p:transition spd="med">
+        <p:fade/>
+      </p:transition>
+    </mc:Fallback>
+  </mc:AlternateContent>
+</p:sld>
+</file>
+
+<file path=ppt/slides/slide18.xml><?xml version="1.0" encoding="utf-8"?>
+<p:sld xmlns:a="http://schemas.openxmlformats.org/drawingml/2006/main" xmlns:r="http://schemas.openxmlformats.org/officeDocument/2006/relationships" xmlns:p="http://schemas.openxmlformats.org/presentationml/2006/main">
+  <p:cSld>
+    <p:spTree>
+      <p:nvGrpSpPr>
+        <p:cNvPr id="1" name=""/>
+        <p:cNvGrpSpPr/>
+        <p:nvPr/>
+      </p:nvGrpSpPr>
+      <p:grpSpPr>
+        <a:xfrm>
+          <a:off x="0" y="0"/>
+          <a:ext cx="0" cy="0"/>
+          <a:chOff x="0" y="0"/>
+          <a:chExt cx="0" cy="0"/>
+        </a:xfrm>
+      </p:grpSpPr>
+      <p:grpSp>
+        <p:nvGrpSpPr>
+          <p:cNvPr id="6" name="Group 5"/>
+          <p:cNvGrpSpPr/>
+          <p:nvPr/>
+        </p:nvGrpSpPr>
+        <p:grpSpPr>
+          <a:xfrm>
+            <a:off x="1415480" y="1066800"/>
+            <a:ext cx="9361040" cy="5437627"/>
+            <a:chOff x="1415480" y="1066800"/>
+            <a:chExt cx="9361040" cy="5437627"/>
+          </a:xfrm>
+        </p:grpSpPr>
+        <p:pic>
+          <p:nvPicPr>
+            <p:cNvPr id="4" name="Picture 3"/>
+            <p:cNvPicPr>
+              <a:picLocks noChangeAspect="1"/>
+            </p:cNvPicPr>
+            <p:nvPr/>
+          </p:nvPicPr>
+          <p:blipFill rotWithShape="1">
+            <a:blip r:embed="rId2"/>
+            <a:srcRect l="1506" t="11264" r="14126" b="1835"/>
+            <a:stretch/>
+          </p:blipFill>
+          <p:spPr>
+            <a:xfrm>
+              <a:off x="1415480" y="1066800"/>
+              <a:ext cx="9361040" cy="5437627"/>
+            </a:xfrm>
+            <a:prstGeom prst="rect">
+              <a:avLst/>
+            </a:prstGeom>
+            <a:noFill/>
+            <a:ln>
+              <a:solidFill>
+                <a:schemeClr val="accent1"/>
+              </a:solidFill>
+            </a:ln>
+          </p:spPr>
+        </p:pic>
+        <p:sp>
+          <p:nvSpPr>
+            <p:cNvPr id="5" name="Rectangle 4"/>
+            <p:cNvSpPr/>
+            <p:nvPr/>
+          </p:nvSpPr>
+          <p:spPr>
+            <a:xfrm>
+              <a:off x="1919536" y="5877272"/>
+              <a:ext cx="792088" cy="560320"/>
+            </a:xfrm>
+            <a:prstGeom prst="rect">
+              <a:avLst/>
+            </a:prstGeom>
+            <a:solidFill>
+              <a:schemeClr val="bg1"/>
+            </a:solidFill>
+            <a:ln>
+              <a:solidFill>
+                <a:schemeClr val="bg1"/>
+              </a:solidFill>
+            </a:ln>
+          </p:spPr>
+          <p:style>
+            <a:lnRef idx="2">
+              <a:schemeClr val="accent1">
+                <a:shade val="50000"/>
+              </a:schemeClr>
+            </a:lnRef>
+            <a:fillRef idx="1">
+              <a:schemeClr val="accent1"/>
+            </a:fillRef>
+            <a:effectRef idx="0">
+              <a:schemeClr val="accent1"/>
+            </a:effectRef>
+            <a:fontRef idx="minor">
+              <a:schemeClr val="lt1"/>
+            </a:fontRef>
+          </p:style>
+          <p:txBody>
+            <a:bodyPr rtlCol="0" anchor="ctr"/>
+            <a:lstStyle/>
+            <a:p>
+              <a:pPr algn="ctr"/>
+              <a:endParaRPr lang="fr-FR"/>
+            </a:p>
+          </p:txBody>
+        </p:sp>
+      </p:grpSp>
+      <p:sp>
+        <p:nvSpPr>
+          <p:cNvPr id="13" name="Title 12"/>
+          <p:cNvSpPr>
+            <a:spLocks noGrp="1"/>
+          </p:cNvSpPr>
+          <p:nvPr>
+            <p:ph type="title"/>
+          </p:nvPr>
+        </p:nvSpPr>
+        <p:spPr/>
+        <p:txBody>
+          <a:bodyPr anchor="t"/>
+          <a:lstStyle/>
+          <a:p>
+            <a:r>
+              <a:rPr lang="en-US" dirty="0"/>
+              <a:t>Let’s start with A question…</a:t>
+            </a:r>
+          </a:p>
+        </p:txBody>
+      </p:sp>
+      <p:sp>
+        <p:nvSpPr>
+          <p:cNvPr id="10" name="Arrow: Right 9"/>
+          <p:cNvSpPr/>
+          <p:nvPr/>
+        </p:nvSpPr>
+        <p:spPr>
+          <a:xfrm>
+            <a:off x="2423592" y="2304000"/>
+            <a:ext cx="324000" cy="280831"/>
+          </a:xfrm>
+          <a:prstGeom prst="rightArrow">
+            <a:avLst/>
+          </a:prstGeom>
+          <a:solidFill>
+            <a:srgbClr val="FFFF00"/>
+          </a:solidFill>
+          <a:ln>
+            <a:solidFill>
+              <a:srgbClr val="FFC000"/>
+            </a:solidFill>
+          </a:ln>
+        </p:spPr>
+        <p:style>
+          <a:lnRef idx="2">
+            <a:schemeClr val="accent1">
+              <a:shade val="50000"/>
+            </a:schemeClr>
+          </a:lnRef>
+          <a:fillRef idx="1">
+            <a:schemeClr val="accent1"/>
+          </a:fillRef>
+          <a:effectRef idx="0">
+            <a:schemeClr val="accent1"/>
+          </a:effectRef>
+          <a:fontRef idx="minor">
+            <a:schemeClr val="lt1"/>
+          </a:fontRef>
+        </p:style>
+        <p:txBody>
+          <a:bodyPr rtlCol="0" anchor="ctr"/>
+          <a:lstStyle/>
+          <a:p>
+            <a:pPr algn="ctr"/>
+            <a:r>
+              <a:rPr lang="fr-FR" sz="1100" dirty="0">
+                <a:solidFill>
+                  <a:srgbClr val="C00000"/>
+                </a:solidFill>
+                <a:latin typeface="Arial" panose="020B0604020202020204" pitchFamily="34" charset="0"/>
+                <a:cs typeface="Arial" panose="020B0604020202020204" pitchFamily="34" charset="0"/>
+              </a:rPr>
+              <a:t>1</a:t>
+            </a:r>
+          </a:p>
+        </p:txBody>
+      </p:sp>
+      <p:pic>
+        <p:nvPicPr>
+          <p:cNvPr id="15" name="Picture 14"/>
+          <p:cNvPicPr>
+            <a:picLocks noChangeAspect="1"/>
+          </p:cNvPicPr>
+          <p:nvPr/>
+        </p:nvPicPr>
+        <p:blipFill rotWithShape="1">
+          <a:blip r:embed="rId3"/>
+          <a:srcRect l="17865" t="49279" r="33058" b="45230"/>
+          <a:stretch/>
+        </p:blipFill>
+        <p:spPr>
+          <a:xfrm>
+            <a:off x="3168000" y="3528000"/>
+            <a:ext cx="5760640" cy="360040"/>
+          </a:xfrm>
+          <a:prstGeom prst="rect">
+            <a:avLst/>
+          </a:prstGeom>
+          <a:noFill/>
+          <a:ln>
+            <a:noFill/>
+          </a:ln>
+        </p:spPr>
+      </p:pic>
+      <p:sp>
+        <p:nvSpPr>
+          <p:cNvPr id="16" name="Arrow: Right 15"/>
+          <p:cNvSpPr/>
+          <p:nvPr/>
+        </p:nvSpPr>
+        <p:spPr>
+          <a:xfrm>
+            <a:off x="2891680" y="5292000"/>
+            <a:ext cx="324000" cy="280831"/>
+          </a:xfrm>
+          <a:prstGeom prst="rightArrow">
+            <a:avLst/>
+          </a:prstGeom>
+          <a:solidFill>
+            <a:schemeClr val="accent2">
+              <a:lumMod val="60000"/>
+              <a:lumOff val="40000"/>
+            </a:schemeClr>
+          </a:solidFill>
+          <a:ln>
+            <a:solidFill>
+              <a:srgbClr val="00B050"/>
+            </a:solidFill>
+          </a:ln>
+        </p:spPr>
+        <p:style>
+          <a:lnRef idx="2">
+            <a:schemeClr val="accent1">
+              <a:shade val="50000"/>
+            </a:schemeClr>
+          </a:lnRef>
+          <a:fillRef idx="1">
+            <a:schemeClr val="accent1"/>
+          </a:fillRef>
+          <a:effectRef idx="0">
+            <a:schemeClr val="accent1"/>
+          </a:effectRef>
+          <a:fontRef idx="minor">
+            <a:schemeClr val="lt1"/>
+          </a:fontRef>
+        </p:style>
+        <p:txBody>
+          <a:bodyPr rtlCol="0" anchor="ctr"/>
+          <a:lstStyle/>
+          <a:p>
+            <a:pPr algn="ctr"/>
+            <a:endParaRPr lang="fr-FR"/>
+          </a:p>
+        </p:txBody>
+      </p:sp>
+      <p:pic>
+        <p:nvPicPr>
+          <p:cNvPr id="17" name="Picture 4" descr="Afficher l'image d'origine"/>
+          <p:cNvPicPr>
+            <a:picLocks noChangeAspect="1" noChangeArrowheads="1"/>
+          </p:cNvPicPr>
+          <p:nvPr/>
+        </p:nvPicPr>
+        <p:blipFill>
+          <a:blip r:embed="rId4" cstate="print">
+            <a:clrChange>
+              <a:clrFrom>
+                <a:srgbClr val="FFFFFF"/>
+              </a:clrFrom>
+              <a:clrTo>
+                <a:srgbClr val="FFFFFF">
+                  <a:alpha val="0"/>
+                </a:srgbClr>
+              </a:clrTo>
+            </a:clrChange>
+            <a:lum bright="70000" contrast="-70000"/>
+            <a:extLst>
+              <a:ext uri="{28A0092B-C50C-407E-A947-70E740481C1C}">
+                <a14:useLocalDpi xmlns:a14="http://schemas.microsoft.com/office/drawing/2010/main" val="0"/>
+              </a:ext>
+            </a:extLst>
+          </a:blip>
+          <a:srcRect/>
+          <a:stretch>
+            <a:fillRect/>
+          </a:stretch>
+        </p:blipFill>
+        <p:spPr bwMode="auto">
+          <a:xfrm>
+            <a:off x="2495600" y="5274000"/>
+            <a:ext cx="288032" cy="288032"/>
+          </a:xfrm>
+          <a:prstGeom prst="rect">
+            <a:avLst/>
+          </a:prstGeom>
+          <a:noFill/>
+          <a:extLst>
+            <a:ext uri="{909E8E84-426E-40DD-AFC4-6F175D3DCCD1}">
+              <a14:hiddenFill xmlns:a14="http://schemas.microsoft.com/office/drawing/2010/main">
+                <a:solidFill>
+                  <a:srgbClr val="FFFFFF"/>
+                </a:solidFill>
+              </a14:hiddenFill>
+            </a:ext>
+          </a:extLst>
+        </p:spPr>
+      </p:pic>
+    </p:spTree>
+    <p:extLst>
+      <p:ext uri="{BB962C8B-B14F-4D97-AF65-F5344CB8AC3E}">
+        <p14:creationId xmlns:p14="http://schemas.microsoft.com/office/powerpoint/2010/main" val="2688029138"/>
+      </p:ext>
+    </p:extLst>
+  </p:cSld>
+  <p:clrMapOvr>
+    <a:masterClrMapping/>
+  </p:clrMapOvr>
+  <mc:AlternateContent xmlns:mc="http://schemas.openxmlformats.org/markup-compatibility/2006" xmlns:p14="http://schemas.microsoft.com/office/powerpoint/2010/main">
+    <mc:Choice Requires="p14">
+      <p:transition spd="med" p14:dur="700">
+        <p:fade/>
+      </p:transition>
+    </mc:Choice>
+    <mc:Fallback xmlns="">
+      <p:transition spd="med">
+        <p:fade/>
+      </p:transition>
+    </mc:Fallback>
+  </mc:AlternateContent>
+</p:sld>
+</file>
+
+<file path=ppt/slides/slide19.xml><?xml version="1.0" encoding="utf-8"?>
+<p:sld xmlns:a="http://schemas.openxmlformats.org/drawingml/2006/main" xmlns:r="http://schemas.openxmlformats.org/officeDocument/2006/relationships" xmlns:p="http://schemas.openxmlformats.org/presentationml/2006/main">
+  <p:cSld>
+    <p:spTree>
+      <p:nvGrpSpPr>
+        <p:cNvPr id="1" name=""/>
+        <p:cNvGrpSpPr/>
+        <p:nvPr/>
+      </p:nvGrpSpPr>
+      <p:grpSpPr>
+        <a:xfrm>
+          <a:off x="0" y="0"/>
+          <a:ext cx="0" cy="0"/>
+          <a:chOff x="0" y="0"/>
+          <a:chExt cx="0" cy="0"/>
+        </a:xfrm>
+      </p:grpSpPr>
+      <p:grpSp>
+        <p:nvGrpSpPr>
+          <p:cNvPr id="6" name="Group 5"/>
+          <p:cNvGrpSpPr/>
+          <p:nvPr/>
+        </p:nvGrpSpPr>
+        <p:grpSpPr>
+          <a:xfrm>
+            <a:off x="1415480" y="1066800"/>
+            <a:ext cx="9361040" cy="5437627"/>
+            <a:chOff x="1415480" y="1066800"/>
+            <a:chExt cx="9361040" cy="5437627"/>
+          </a:xfrm>
+        </p:grpSpPr>
+        <p:pic>
+          <p:nvPicPr>
+            <p:cNvPr id="4" name="Picture 3"/>
+            <p:cNvPicPr>
+              <a:picLocks noChangeAspect="1"/>
+            </p:cNvPicPr>
+            <p:nvPr/>
+          </p:nvPicPr>
+          <p:blipFill rotWithShape="1">
+            <a:blip r:embed="rId2"/>
+            <a:srcRect l="1506" t="11264" r="14126" b="1835"/>
+            <a:stretch/>
+          </p:blipFill>
+          <p:spPr>
+            <a:xfrm>
+              <a:off x="1415480" y="1066800"/>
+              <a:ext cx="9361040" cy="5437627"/>
+            </a:xfrm>
+            <a:prstGeom prst="rect">
+              <a:avLst/>
+            </a:prstGeom>
+            <a:noFill/>
+            <a:ln>
+              <a:solidFill>
+                <a:schemeClr val="accent1"/>
+              </a:solidFill>
+            </a:ln>
+          </p:spPr>
+        </p:pic>
+        <p:sp>
+          <p:nvSpPr>
+            <p:cNvPr id="5" name="Rectangle 4"/>
+            <p:cNvSpPr/>
+            <p:nvPr/>
+          </p:nvSpPr>
+          <p:spPr>
+            <a:xfrm>
+              <a:off x="1919536" y="5877272"/>
+              <a:ext cx="792088" cy="560320"/>
+            </a:xfrm>
+            <a:prstGeom prst="rect">
+              <a:avLst/>
+            </a:prstGeom>
+            <a:solidFill>
+              <a:schemeClr val="bg1"/>
+            </a:solidFill>
+            <a:ln>
+              <a:solidFill>
+                <a:schemeClr val="bg1"/>
+              </a:solidFill>
+            </a:ln>
+          </p:spPr>
+          <p:style>
+            <a:lnRef idx="2">
+              <a:schemeClr val="accent1">
+                <a:shade val="50000"/>
+              </a:schemeClr>
+            </a:lnRef>
+            <a:fillRef idx="1">
+              <a:schemeClr val="accent1"/>
+            </a:fillRef>
+            <a:effectRef idx="0">
+              <a:schemeClr val="accent1"/>
+            </a:effectRef>
+            <a:fontRef idx="minor">
+              <a:schemeClr val="lt1"/>
+            </a:fontRef>
+          </p:style>
+          <p:txBody>
+            <a:bodyPr rtlCol="0" anchor="ctr"/>
+            <a:lstStyle/>
+            <a:p>
+              <a:pPr algn="ctr"/>
+              <a:endParaRPr lang="fr-FR"/>
+            </a:p>
+          </p:txBody>
+        </p:sp>
+      </p:grpSp>
+      <p:sp>
+        <p:nvSpPr>
+          <p:cNvPr id="13" name="Title 12"/>
+          <p:cNvSpPr>
+            <a:spLocks noGrp="1"/>
+          </p:cNvSpPr>
+          <p:nvPr>
+            <p:ph type="title"/>
+          </p:nvPr>
+        </p:nvSpPr>
+        <p:spPr/>
+        <p:txBody>
+          <a:bodyPr anchor="t"/>
+          <a:lstStyle/>
+          <a:p>
+            <a:r>
+              <a:rPr lang="en-US" dirty="0"/>
+              <a:t>Let’s start with A question…</a:t>
+            </a:r>
+          </a:p>
+        </p:txBody>
+      </p:sp>
       <p:grpSp>
         <p:nvGrpSpPr>
           <p:cNvPr id="3" name="Group 2"/>
@@ -12167,7 +13114,16 @@
             <a:lstStyle/>
             <a:p>
               <a:pPr algn="ctr"/>
-              <a:endParaRPr lang="fr-FR"/>
+              <a:r>
+                <a:rPr lang="fr-FR" sz="1100" dirty="0">
+                  <a:solidFill>
+                    <a:schemeClr val="bg1"/>
+                  </a:solidFill>
+                  <a:latin typeface="Arial" panose="020B0604020202020204" pitchFamily="34" charset="0"/>
+                  <a:cs typeface="Arial" panose="020B0604020202020204" pitchFamily="34" charset="0"/>
+                </a:rPr>
+                <a:t>1</a:t>
+              </a:r>
             </a:p>
           </p:txBody>
         </p:sp>
@@ -12314,57 +13270,6 @@
           </a:ln>
         </p:spPr>
       </p:pic>
-      <p:sp>
-        <p:nvSpPr>
-          <p:cNvPr id="20" name="Arrow: Right 19"/>
-          <p:cNvSpPr/>
-          <p:nvPr/>
-        </p:nvSpPr>
-        <p:spPr>
-          <a:xfrm>
-            <a:off x="2891680" y="5292000"/>
-            <a:ext cx="324000" cy="280831"/>
-          </a:xfrm>
-          <a:prstGeom prst="rightArrow">
-            <a:avLst/>
-          </a:prstGeom>
-          <a:solidFill>
-            <a:schemeClr val="accent2">
-              <a:lumMod val="60000"/>
-              <a:lumOff val="40000"/>
-            </a:schemeClr>
-          </a:solidFill>
-          <a:ln>
-            <a:solidFill>
-              <a:srgbClr val="00B050"/>
-            </a:solidFill>
-          </a:ln>
-        </p:spPr>
-        <p:style>
-          <a:lnRef idx="2">
-            <a:schemeClr val="accent1">
-              <a:shade val="50000"/>
-            </a:schemeClr>
-          </a:lnRef>
-          <a:fillRef idx="1">
-            <a:schemeClr val="accent1"/>
-          </a:fillRef>
-          <a:effectRef idx="0">
-            <a:schemeClr val="accent1"/>
-          </a:effectRef>
-          <a:fontRef idx="minor">
-            <a:schemeClr val="lt1"/>
-          </a:fontRef>
-        </p:style>
-        <p:txBody>
-          <a:bodyPr rtlCol="0" anchor="ctr"/>
-          <a:lstStyle/>
-          <a:p>
-            <a:pPr algn="ctr"/>
-            <a:endParaRPr lang="fr-FR"/>
-          </a:p>
-        </p:txBody>
-      </p:sp>
       <p:pic>
         <p:nvPicPr>
           <p:cNvPr id="21" name="Picture 4" descr="Afficher l'image d'origine"/>
@@ -12452,370 +13357,9 @@
           </a:fontRef>
         </p:style>
       </p:cxnSp>
-    </p:spTree>
-    <p:extLst>
-      <p:ext uri="{BB962C8B-B14F-4D97-AF65-F5344CB8AC3E}">
-        <p14:creationId xmlns:p14="http://schemas.microsoft.com/office/powerpoint/2010/main" val="2575319725"/>
-      </p:ext>
-    </p:extLst>
-  </p:cSld>
-  <p:clrMapOvr>
-    <a:masterClrMapping/>
-  </p:clrMapOvr>
-  <mc:AlternateContent xmlns:mc="http://schemas.openxmlformats.org/markup-compatibility/2006" xmlns:p14="http://schemas.microsoft.com/office/powerpoint/2010/main">
-    <mc:Choice Requires="p14">
-      <p:transition spd="med" p14:dur="700">
-        <p:fade/>
-      </p:transition>
-    </mc:Choice>
-    <mc:Fallback xmlns="">
-      <p:transition spd="med">
-        <p:fade/>
-      </p:transition>
-    </mc:Fallback>
-  </mc:AlternateContent>
-</p:sld>
-</file>
-
-<file path=ppt/slides/slide18.xml><?xml version="1.0" encoding="utf-8"?>
-<p:sld xmlns:a="http://schemas.openxmlformats.org/drawingml/2006/main" xmlns:r="http://schemas.openxmlformats.org/officeDocument/2006/relationships" xmlns:p="http://schemas.openxmlformats.org/presentationml/2006/main">
-  <p:cSld>
-    <p:spTree>
-      <p:nvGrpSpPr>
-        <p:cNvPr id="1" name=""/>
-        <p:cNvGrpSpPr/>
-        <p:nvPr/>
-      </p:nvGrpSpPr>
-      <p:grpSpPr>
-        <a:xfrm>
-          <a:off x="0" y="0"/>
-          <a:ext cx="0" cy="0"/>
-          <a:chOff x="0" y="0"/>
-          <a:chExt cx="0" cy="0"/>
-        </a:xfrm>
-      </p:grpSpPr>
-      <p:grpSp>
-        <p:nvGrpSpPr>
-          <p:cNvPr id="6" name="Group 5"/>
-          <p:cNvGrpSpPr/>
-          <p:nvPr/>
-        </p:nvGrpSpPr>
-        <p:grpSpPr>
-          <a:xfrm>
-            <a:off x="1415480" y="1066800"/>
-            <a:ext cx="9361040" cy="5437627"/>
-            <a:chOff x="1415480" y="1066800"/>
-            <a:chExt cx="9361040" cy="5437627"/>
-          </a:xfrm>
-        </p:grpSpPr>
-        <p:pic>
-          <p:nvPicPr>
-            <p:cNvPr id="4" name="Picture 3"/>
-            <p:cNvPicPr>
-              <a:picLocks noChangeAspect="1"/>
-            </p:cNvPicPr>
-            <p:nvPr/>
-          </p:nvPicPr>
-          <p:blipFill rotWithShape="1">
-            <a:blip r:embed="rId2"/>
-            <a:srcRect l="1506" t="11264" r="14126" b="1835"/>
-            <a:stretch/>
-          </p:blipFill>
-          <p:spPr>
-            <a:xfrm>
-              <a:off x="1415480" y="1066800"/>
-              <a:ext cx="9361040" cy="5437627"/>
-            </a:xfrm>
-            <a:prstGeom prst="rect">
-              <a:avLst/>
-            </a:prstGeom>
-            <a:noFill/>
-            <a:ln>
-              <a:solidFill>
-                <a:schemeClr val="accent1"/>
-              </a:solidFill>
-            </a:ln>
-          </p:spPr>
-        </p:pic>
-        <p:sp>
-          <p:nvSpPr>
-            <p:cNvPr id="5" name="Rectangle 4"/>
-            <p:cNvSpPr/>
-            <p:nvPr/>
-          </p:nvSpPr>
-          <p:spPr>
-            <a:xfrm>
-              <a:off x="1919536" y="5877272"/>
-              <a:ext cx="792088" cy="560320"/>
-            </a:xfrm>
-            <a:prstGeom prst="rect">
-              <a:avLst/>
-            </a:prstGeom>
-            <a:solidFill>
-              <a:schemeClr val="bg1"/>
-            </a:solidFill>
-            <a:ln>
-              <a:solidFill>
-                <a:schemeClr val="bg1"/>
-              </a:solidFill>
-            </a:ln>
-          </p:spPr>
-          <p:style>
-            <a:lnRef idx="2">
-              <a:schemeClr val="accent1">
-                <a:shade val="50000"/>
-              </a:schemeClr>
-            </a:lnRef>
-            <a:fillRef idx="1">
-              <a:schemeClr val="accent1"/>
-            </a:fillRef>
-            <a:effectRef idx="0">
-              <a:schemeClr val="accent1"/>
-            </a:effectRef>
-            <a:fontRef idx="minor">
-              <a:schemeClr val="lt1"/>
-            </a:fontRef>
-          </p:style>
-          <p:txBody>
-            <a:bodyPr rtlCol="0" anchor="ctr"/>
-            <a:lstStyle/>
-            <a:p>
-              <a:pPr algn="ctr"/>
-              <a:endParaRPr lang="fr-FR"/>
-            </a:p>
-          </p:txBody>
-        </p:sp>
-      </p:grpSp>
       <p:sp>
         <p:nvSpPr>
-          <p:cNvPr id="13" name="Title 12"/>
-          <p:cNvSpPr>
-            <a:spLocks noGrp="1"/>
-          </p:cNvSpPr>
-          <p:nvPr>
-            <p:ph type="title"/>
-          </p:nvPr>
-        </p:nvSpPr>
-        <p:spPr/>
-        <p:txBody>
-          <a:bodyPr anchor="t"/>
-          <a:lstStyle/>
-          <a:p>
-            <a:r>
-              <a:rPr lang="en-US" dirty="0"/>
-              <a:t>Let’s start with A question…</a:t>
-            </a:r>
-          </a:p>
-        </p:txBody>
-      </p:sp>
-      <p:grpSp>
-        <p:nvGrpSpPr>
-          <p:cNvPr id="3" name="Group 2"/>
-          <p:cNvGrpSpPr/>
-          <p:nvPr/>
-        </p:nvGrpSpPr>
-        <p:grpSpPr>
-          <a:xfrm>
-            <a:off x="2423592" y="2304000"/>
-            <a:ext cx="576064" cy="280831"/>
-            <a:chOff x="2423592" y="2304000"/>
-            <a:chExt cx="576064" cy="280831"/>
-          </a:xfrm>
-        </p:grpSpPr>
-        <p:sp>
-          <p:nvSpPr>
-            <p:cNvPr id="7" name="Arrow: Right 6"/>
-            <p:cNvSpPr/>
-            <p:nvPr/>
-          </p:nvSpPr>
-          <p:spPr>
-            <a:xfrm>
-              <a:off x="2423592" y="2304000"/>
-              <a:ext cx="324000" cy="280831"/>
-            </a:xfrm>
-            <a:prstGeom prst="rightArrow">
-              <a:avLst/>
-            </a:prstGeom>
-            <a:solidFill>
-              <a:srgbClr val="FF6600"/>
-            </a:solidFill>
-            <a:ln>
-              <a:solidFill>
-                <a:srgbClr val="C00000"/>
-              </a:solidFill>
-            </a:ln>
-          </p:spPr>
-          <p:style>
-            <a:lnRef idx="2">
-              <a:schemeClr val="accent1">
-                <a:shade val="50000"/>
-              </a:schemeClr>
-            </a:lnRef>
-            <a:fillRef idx="1">
-              <a:schemeClr val="accent1"/>
-            </a:fillRef>
-            <a:effectRef idx="0">
-              <a:schemeClr val="accent1"/>
-            </a:effectRef>
-            <a:fontRef idx="minor">
-              <a:schemeClr val="lt1"/>
-            </a:fontRef>
-          </p:style>
-          <p:txBody>
-            <a:bodyPr rtlCol="0" anchor="ctr"/>
-            <a:lstStyle/>
-            <a:p>
-              <a:pPr algn="ctr"/>
-              <a:endParaRPr lang="fr-FR"/>
-            </a:p>
-          </p:txBody>
-        </p:sp>
-        <p:cxnSp>
-          <p:nvCxnSpPr>
-            <p:cNvPr id="8" name="Straight Connector 7"/>
-            <p:cNvCxnSpPr/>
-            <p:nvPr/>
-          </p:nvCxnSpPr>
-          <p:spPr>
-            <a:xfrm>
-              <a:off x="2855640" y="2304000"/>
-              <a:ext cx="0" cy="252000"/>
-            </a:xfrm>
-            <a:prstGeom prst="line">
-              <a:avLst/>
-            </a:prstGeom>
-            <a:ln w="44450">
-              <a:solidFill>
-                <a:srgbClr val="C00000"/>
-              </a:solidFill>
-            </a:ln>
-          </p:spPr>
-          <p:style>
-            <a:lnRef idx="1">
-              <a:schemeClr val="accent1"/>
-            </a:lnRef>
-            <a:fillRef idx="0">
-              <a:schemeClr val="accent1"/>
-            </a:fillRef>
-            <a:effectRef idx="0">
-              <a:schemeClr val="accent1"/>
-            </a:effectRef>
-            <a:fontRef idx="minor">
-              <a:schemeClr val="tx1"/>
-            </a:fontRef>
-          </p:style>
-        </p:cxnSp>
-        <p:cxnSp>
-          <p:nvCxnSpPr>
-            <p:cNvPr id="11" name="Straight Connector 10"/>
-            <p:cNvCxnSpPr/>
-            <p:nvPr/>
-          </p:nvCxnSpPr>
-          <p:spPr>
-            <a:xfrm>
-              <a:off x="2999656" y="2304000"/>
-              <a:ext cx="0" cy="252000"/>
-            </a:xfrm>
-            <a:prstGeom prst="line">
-              <a:avLst/>
-            </a:prstGeom>
-            <a:ln w="44450">
-              <a:solidFill>
-                <a:srgbClr val="C00000"/>
-              </a:solidFill>
-            </a:ln>
-          </p:spPr>
-          <p:style>
-            <a:lnRef idx="1">
-              <a:schemeClr val="accent1"/>
-            </a:lnRef>
-            <a:fillRef idx="0">
-              <a:schemeClr val="accent1"/>
-            </a:fillRef>
-            <a:effectRef idx="0">
-              <a:schemeClr val="accent1"/>
-            </a:effectRef>
-            <a:fontRef idx="minor">
-              <a:schemeClr val="tx1"/>
-            </a:fontRef>
-          </p:style>
-        </p:cxnSp>
-      </p:grpSp>
-      <p:pic>
-        <p:nvPicPr>
-          <p:cNvPr id="15" name="Picture 14"/>
-          <p:cNvPicPr>
-            <a:picLocks noChangeAspect="1"/>
-          </p:cNvPicPr>
-          <p:nvPr/>
-        </p:nvPicPr>
-        <p:blipFill rotWithShape="1">
-          <a:blip r:embed="rId3"/>
-          <a:srcRect l="17865" t="49279" r="33058" b="45230"/>
-          <a:stretch/>
-        </p:blipFill>
-        <p:spPr>
-          <a:xfrm>
-            <a:off x="3168000" y="3528000"/>
-            <a:ext cx="5760640" cy="360040"/>
-          </a:xfrm>
-          <a:prstGeom prst="rect">
-            <a:avLst/>
-          </a:prstGeom>
-          <a:noFill/>
-          <a:ln>
-            <a:noFill/>
-          </a:ln>
-        </p:spPr>
-      </p:pic>
-      <p:pic>
-        <p:nvPicPr>
-          <p:cNvPr id="19" name="Picture 18"/>
-          <p:cNvPicPr>
-            <a:picLocks noChangeAspect="1"/>
-          </p:cNvPicPr>
-          <p:nvPr/>
-        </p:nvPicPr>
-        <p:blipFill rotWithShape="1">
-          <a:blip r:embed="rId2">
-            <a:clrChange>
-              <a:clrFrom>
-                <a:srgbClr val="000000"/>
-              </a:clrFrom>
-              <a:clrTo>
-                <a:srgbClr val="000000">
-                  <a:alpha val="0"/>
-                </a:srgbClr>
-              </a:clrTo>
-            </a:clrChange>
-            <a:duotone>
-              <a:schemeClr val="accent5">
-                <a:shade val="45000"/>
-                <a:satMod val="135000"/>
-              </a:schemeClr>
-              <a:prstClr val="white"/>
-            </a:duotone>
-          </a:blip>
-          <a:srcRect l="55372" t="31036" r="35542" b="61342"/>
-          <a:stretch/>
-        </p:blipFill>
-        <p:spPr>
-          <a:xfrm>
-            <a:off x="7392144" y="2304001"/>
-            <a:ext cx="1008112" cy="476928"/>
-          </a:xfrm>
-          <a:prstGeom prst="rect">
-            <a:avLst/>
-          </a:prstGeom>
-          <a:noFill/>
-          <a:ln>
-            <a:noFill/>
-          </a:ln>
-        </p:spPr>
-      </p:pic>
-      <p:sp>
-        <p:nvSpPr>
-          <p:cNvPr id="20" name="Arrow: Right 19"/>
+          <p:cNvPr id="16" name="Arrow: Right 15"/>
           <p:cNvSpPr/>
           <p:nvPr/>
         </p:nvSpPr>
@@ -12860,97 +13404,21 @@
           <a:lstStyle/>
           <a:p>
             <a:pPr algn="ctr"/>
-            <a:endParaRPr lang="fr-FR"/>
+            <a:r>
+              <a:rPr lang="fr-FR" sz="1100" dirty="0">
+                <a:solidFill>
+                  <a:schemeClr val="accent2">
+                    <a:lumMod val="50000"/>
+                  </a:schemeClr>
+                </a:solidFill>
+                <a:latin typeface="Arial" panose="020B0604020202020204" pitchFamily="34" charset="0"/>
+                <a:cs typeface="Arial" panose="020B0604020202020204" pitchFamily="34" charset="0"/>
+              </a:rPr>
+              <a:t>2</a:t>
+            </a:r>
           </a:p>
         </p:txBody>
       </p:sp>
-      <p:pic>
-        <p:nvPicPr>
-          <p:cNvPr id="21" name="Picture 4" descr="Afficher l'image d'origine"/>
-          <p:cNvPicPr>
-            <a:picLocks noChangeAspect="1" noChangeArrowheads="1"/>
-          </p:cNvPicPr>
-          <p:nvPr/>
-        </p:nvPicPr>
-        <p:blipFill>
-          <a:blip r:embed="rId4" cstate="print">
-            <a:clrChange>
-              <a:clrFrom>
-                <a:srgbClr val="FFFFFF"/>
-              </a:clrFrom>
-              <a:clrTo>
-                <a:srgbClr val="FFFFFF">
-                  <a:alpha val="0"/>
-                </a:srgbClr>
-              </a:clrTo>
-            </a:clrChange>
-            <a:lum bright="70000" contrast="-70000"/>
-            <a:extLst>
-              <a:ext uri="{28A0092B-C50C-407E-A947-70E740481C1C}">
-                <a14:useLocalDpi xmlns:a14="http://schemas.microsoft.com/office/drawing/2010/main" val="0"/>
-              </a:ext>
-            </a:extLst>
-          </a:blip>
-          <a:srcRect/>
-          <a:stretch>
-            <a:fillRect/>
-          </a:stretch>
-        </p:blipFill>
-        <p:spPr bwMode="auto">
-          <a:xfrm>
-            <a:off x="2495600" y="5274000"/>
-            <a:ext cx="288032" cy="288032"/>
-          </a:xfrm>
-          <a:prstGeom prst="rect">
-            <a:avLst/>
-          </a:prstGeom>
-          <a:noFill/>
-          <a:extLst>
-            <a:ext uri="{909E8E84-426E-40DD-AFC4-6F175D3DCCD1}">
-              <a14:hiddenFill xmlns:a14="http://schemas.microsoft.com/office/drawing/2010/main">
-                <a:solidFill>
-                  <a:srgbClr val="FFFFFF"/>
-                </a:solidFill>
-              </a14:hiddenFill>
-            </a:ext>
-          </a:extLst>
-        </p:spPr>
-      </p:pic>
-      <p:cxnSp>
-        <p:nvCxnSpPr>
-          <p:cNvPr id="14" name="Straight Connector 13"/>
-          <p:cNvCxnSpPr/>
-          <p:nvPr/>
-        </p:nvCxnSpPr>
-        <p:spPr>
-          <a:xfrm>
-            <a:off x="7392144" y="2636912"/>
-            <a:ext cx="864096" cy="0"/>
-          </a:xfrm>
-          <a:prstGeom prst="line">
-            <a:avLst/>
-          </a:prstGeom>
-          <a:ln w="44450">
-            <a:solidFill>
-              <a:srgbClr val="C00000"/>
-            </a:solidFill>
-          </a:ln>
-        </p:spPr>
-        <p:style>
-          <a:lnRef idx="1">
-            <a:schemeClr val="accent1"/>
-          </a:lnRef>
-          <a:fillRef idx="0">
-            <a:schemeClr val="accent1"/>
-          </a:fillRef>
-          <a:effectRef idx="0">
-            <a:schemeClr val="accent1"/>
-          </a:effectRef>
-          <a:fontRef idx="minor">
-            <a:schemeClr val="tx1"/>
-          </a:fontRef>
-        </p:style>
-      </p:cxnSp>
     </p:spTree>
     <p:extLst>
       <p:ext uri="{BB962C8B-B14F-4D97-AF65-F5344CB8AC3E}">
@@ -13102,453 +13570,6 @@
       </p:par>
     </p:tnLst>
   </p:timing>
-</p:sld>
-</file>
-
-<file path=ppt/slides/slide19.xml><?xml version="1.0" encoding="utf-8"?>
-<p:sld xmlns:a="http://schemas.openxmlformats.org/drawingml/2006/main" xmlns:r="http://schemas.openxmlformats.org/officeDocument/2006/relationships" xmlns:p="http://schemas.openxmlformats.org/presentationml/2006/main">
-  <p:cSld>
-    <p:spTree>
-      <p:nvGrpSpPr>
-        <p:cNvPr id="1" name=""/>
-        <p:cNvGrpSpPr/>
-        <p:nvPr/>
-      </p:nvGrpSpPr>
-      <p:grpSpPr>
-        <a:xfrm>
-          <a:off x="0" y="0"/>
-          <a:ext cx="0" cy="0"/>
-          <a:chOff x="0" y="0"/>
-          <a:chExt cx="0" cy="0"/>
-        </a:xfrm>
-      </p:grpSpPr>
-      <p:grpSp>
-        <p:nvGrpSpPr>
-          <p:cNvPr id="6" name="Group 5"/>
-          <p:cNvGrpSpPr/>
-          <p:nvPr/>
-        </p:nvGrpSpPr>
-        <p:grpSpPr>
-          <a:xfrm>
-            <a:off x="1415480" y="1066800"/>
-            <a:ext cx="9361040" cy="5437627"/>
-            <a:chOff x="1415480" y="1066800"/>
-            <a:chExt cx="9361040" cy="5437627"/>
-          </a:xfrm>
-        </p:grpSpPr>
-        <p:pic>
-          <p:nvPicPr>
-            <p:cNvPr id="4" name="Picture 3"/>
-            <p:cNvPicPr>
-              <a:picLocks noChangeAspect="1"/>
-            </p:cNvPicPr>
-            <p:nvPr/>
-          </p:nvPicPr>
-          <p:blipFill rotWithShape="1">
-            <a:blip r:embed="rId2"/>
-            <a:srcRect l="1506" t="11264" r="14126" b="1835"/>
-            <a:stretch/>
-          </p:blipFill>
-          <p:spPr>
-            <a:xfrm>
-              <a:off x="1415480" y="1066800"/>
-              <a:ext cx="9361040" cy="5437627"/>
-            </a:xfrm>
-            <a:prstGeom prst="rect">
-              <a:avLst/>
-            </a:prstGeom>
-            <a:noFill/>
-            <a:ln>
-              <a:solidFill>
-                <a:schemeClr val="accent1"/>
-              </a:solidFill>
-            </a:ln>
-          </p:spPr>
-        </p:pic>
-        <p:sp>
-          <p:nvSpPr>
-            <p:cNvPr id="5" name="Rectangle 4"/>
-            <p:cNvSpPr/>
-            <p:nvPr/>
-          </p:nvSpPr>
-          <p:spPr>
-            <a:xfrm>
-              <a:off x="1919536" y="5877272"/>
-              <a:ext cx="792088" cy="560320"/>
-            </a:xfrm>
-            <a:prstGeom prst="rect">
-              <a:avLst/>
-            </a:prstGeom>
-            <a:solidFill>
-              <a:schemeClr val="bg1"/>
-            </a:solidFill>
-            <a:ln>
-              <a:solidFill>
-                <a:schemeClr val="bg1"/>
-              </a:solidFill>
-            </a:ln>
-          </p:spPr>
-          <p:style>
-            <a:lnRef idx="2">
-              <a:schemeClr val="accent1">
-                <a:shade val="50000"/>
-              </a:schemeClr>
-            </a:lnRef>
-            <a:fillRef idx="1">
-              <a:schemeClr val="accent1"/>
-            </a:fillRef>
-            <a:effectRef idx="0">
-              <a:schemeClr val="accent1"/>
-            </a:effectRef>
-            <a:fontRef idx="minor">
-              <a:schemeClr val="lt1"/>
-            </a:fontRef>
-          </p:style>
-          <p:txBody>
-            <a:bodyPr rtlCol="0" anchor="ctr"/>
-            <a:lstStyle/>
-            <a:p>
-              <a:pPr algn="ctr"/>
-              <a:endParaRPr lang="fr-FR"/>
-            </a:p>
-          </p:txBody>
-        </p:sp>
-      </p:grpSp>
-      <p:sp>
-        <p:nvSpPr>
-          <p:cNvPr id="13" name="Title 12"/>
-          <p:cNvSpPr>
-            <a:spLocks noGrp="1"/>
-          </p:cNvSpPr>
-          <p:nvPr>
-            <p:ph type="title"/>
-          </p:nvPr>
-        </p:nvSpPr>
-        <p:spPr/>
-        <p:txBody>
-          <a:bodyPr anchor="t"/>
-          <a:lstStyle/>
-          <a:p>
-            <a:r>
-              <a:rPr lang="en-US" dirty="0"/>
-              <a:t>Let’s start with A question…</a:t>
-            </a:r>
-          </a:p>
-        </p:txBody>
-      </p:sp>
-      <p:grpSp>
-        <p:nvGrpSpPr>
-          <p:cNvPr id="3" name="Group 2"/>
-          <p:cNvGrpSpPr/>
-          <p:nvPr/>
-        </p:nvGrpSpPr>
-        <p:grpSpPr>
-          <a:xfrm>
-            <a:off x="2423592" y="2304000"/>
-            <a:ext cx="576064" cy="280831"/>
-            <a:chOff x="2423592" y="2304000"/>
-            <a:chExt cx="576064" cy="280831"/>
-          </a:xfrm>
-        </p:grpSpPr>
-        <p:sp>
-          <p:nvSpPr>
-            <p:cNvPr id="7" name="Arrow: Right 6"/>
-            <p:cNvSpPr/>
-            <p:nvPr/>
-          </p:nvSpPr>
-          <p:spPr>
-            <a:xfrm>
-              <a:off x="2423592" y="2304000"/>
-              <a:ext cx="324000" cy="280831"/>
-            </a:xfrm>
-            <a:prstGeom prst="rightArrow">
-              <a:avLst/>
-            </a:prstGeom>
-            <a:solidFill>
-              <a:srgbClr val="FF6600"/>
-            </a:solidFill>
-            <a:ln>
-              <a:solidFill>
-                <a:srgbClr val="C00000"/>
-              </a:solidFill>
-            </a:ln>
-          </p:spPr>
-          <p:style>
-            <a:lnRef idx="2">
-              <a:schemeClr val="accent1">
-                <a:shade val="50000"/>
-              </a:schemeClr>
-            </a:lnRef>
-            <a:fillRef idx="1">
-              <a:schemeClr val="accent1"/>
-            </a:fillRef>
-            <a:effectRef idx="0">
-              <a:schemeClr val="accent1"/>
-            </a:effectRef>
-            <a:fontRef idx="minor">
-              <a:schemeClr val="lt1"/>
-            </a:fontRef>
-          </p:style>
-          <p:txBody>
-            <a:bodyPr rtlCol="0" anchor="ctr"/>
-            <a:lstStyle/>
-            <a:p>
-              <a:pPr algn="ctr"/>
-              <a:endParaRPr lang="fr-FR"/>
-            </a:p>
-          </p:txBody>
-        </p:sp>
-        <p:cxnSp>
-          <p:nvCxnSpPr>
-            <p:cNvPr id="8" name="Straight Connector 7"/>
-            <p:cNvCxnSpPr/>
-            <p:nvPr/>
-          </p:nvCxnSpPr>
-          <p:spPr>
-            <a:xfrm>
-              <a:off x="2855640" y="2304000"/>
-              <a:ext cx="0" cy="252000"/>
-            </a:xfrm>
-            <a:prstGeom prst="line">
-              <a:avLst/>
-            </a:prstGeom>
-            <a:ln w="44450">
-              <a:solidFill>
-                <a:srgbClr val="C00000"/>
-              </a:solidFill>
-            </a:ln>
-          </p:spPr>
-          <p:style>
-            <a:lnRef idx="1">
-              <a:schemeClr val="accent1"/>
-            </a:lnRef>
-            <a:fillRef idx="0">
-              <a:schemeClr val="accent1"/>
-            </a:fillRef>
-            <a:effectRef idx="0">
-              <a:schemeClr val="accent1"/>
-            </a:effectRef>
-            <a:fontRef idx="minor">
-              <a:schemeClr val="tx1"/>
-            </a:fontRef>
-          </p:style>
-        </p:cxnSp>
-        <p:cxnSp>
-          <p:nvCxnSpPr>
-            <p:cNvPr id="11" name="Straight Connector 10"/>
-            <p:cNvCxnSpPr/>
-            <p:nvPr/>
-          </p:nvCxnSpPr>
-          <p:spPr>
-            <a:xfrm>
-              <a:off x="2999656" y="2304000"/>
-              <a:ext cx="0" cy="252000"/>
-            </a:xfrm>
-            <a:prstGeom prst="line">
-              <a:avLst/>
-            </a:prstGeom>
-            <a:ln w="44450">
-              <a:solidFill>
-                <a:srgbClr val="C00000"/>
-              </a:solidFill>
-            </a:ln>
-          </p:spPr>
-          <p:style>
-            <a:lnRef idx="1">
-              <a:schemeClr val="accent1"/>
-            </a:lnRef>
-            <a:fillRef idx="0">
-              <a:schemeClr val="accent1"/>
-            </a:fillRef>
-            <a:effectRef idx="0">
-              <a:schemeClr val="accent1"/>
-            </a:effectRef>
-            <a:fontRef idx="minor">
-              <a:schemeClr val="tx1"/>
-            </a:fontRef>
-          </p:style>
-        </p:cxnSp>
-      </p:grpSp>
-      <p:pic>
-        <p:nvPicPr>
-          <p:cNvPr id="15" name="Picture 14"/>
-          <p:cNvPicPr>
-            <a:picLocks noChangeAspect="1"/>
-          </p:cNvPicPr>
-          <p:nvPr/>
-        </p:nvPicPr>
-        <p:blipFill rotWithShape="1">
-          <a:blip r:embed="rId3"/>
-          <a:srcRect l="17865" t="49279" r="33058" b="45230"/>
-          <a:stretch/>
-        </p:blipFill>
-        <p:spPr>
-          <a:xfrm>
-            <a:off x="3168000" y="3528000"/>
-            <a:ext cx="5760640" cy="360040"/>
-          </a:xfrm>
-          <a:prstGeom prst="rect">
-            <a:avLst/>
-          </a:prstGeom>
-          <a:noFill/>
-          <a:ln>
-            <a:noFill/>
-          </a:ln>
-        </p:spPr>
-      </p:pic>
-      <p:pic>
-        <p:nvPicPr>
-          <p:cNvPr id="19" name="Picture 18"/>
-          <p:cNvPicPr>
-            <a:picLocks noChangeAspect="1"/>
-          </p:cNvPicPr>
-          <p:nvPr/>
-        </p:nvPicPr>
-        <p:blipFill rotWithShape="1">
-          <a:blip r:embed="rId2">
-            <a:clrChange>
-              <a:clrFrom>
-                <a:srgbClr val="000000"/>
-              </a:clrFrom>
-              <a:clrTo>
-                <a:srgbClr val="000000">
-                  <a:alpha val="0"/>
-                </a:srgbClr>
-              </a:clrTo>
-            </a:clrChange>
-            <a:duotone>
-              <a:schemeClr val="accent5">
-                <a:shade val="45000"/>
-                <a:satMod val="135000"/>
-              </a:schemeClr>
-              <a:prstClr val="white"/>
-            </a:duotone>
-          </a:blip>
-          <a:srcRect l="55372" t="31036" r="35542" b="61342"/>
-          <a:stretch/>
-        </p:blipFill>
-        <p:spPr>
-          <a:xfrm>
-            <a:off x="7392144" y="2304001"/>
-            <a:ext cx="1008112" cy="476928"/>
-          </a:xfrm>
-          <a:prstGeom prst="rect">
-            <a:avLst/>
-          </a:prstGeom>
-          <a:noFill/>
-          <a:ln>
-            <a:noFill/>
-          </a:ln>
-        </p:spPr>
-      </p:pic>
-      <p:sp>
-        <p:nvSpPr>
-          <p:cNvPr id="20" name="Arrow: Right 19"/>
-          <p:cNvSpPr/>
-          <p:nvPr/>
-        </p:nvSpPr>
-        <p:spPr>
-          <a:xfrm>
-            <a:off x="2891680" y="5517232"/>
-            <a:ext cx="324000" cy="280831"/>
-          </a:xfrm>
-          <a:prstGeom prst="rightArrow">
-            <a:avLst/>
-          </a:prstGeom>
-          <a:solidFill>
-            <a:schemeClr val="accent2">
-              <a:lumMod val="60000"/>
-              <a:lumOff val="40000"/>
-            </a:schemeClr>
-          </a:solidFill>
-          <a:ln>
-            <a:solidFill>
-              <a:srgbClr val="00B050"/>
-            </a:solidFill>
-          </a:ln>
-        </p:spPr>
-        <p:style>
-          <a:lnRef idx="2">
-            <a:schemeClr val="accent1">
-              <a:shade val="50000"/>
-            </a:schemeClr>
-          </a:lnRef>
-          <a:fillRef idx="1">
-            <a:schemeClr val="accent1"/>
-          </a:fillRef>
-          <a:effectRef idx="0">
-            <a:schemeClr val="accent1"/>
-          </a:effectRef>
-          <a:fontRef idx="minor">
-            <a:schemeClr val="lt1"/>
-          </a:fontRef>
-        </p:style>
-        <p:txBody>
-          <a:bodyPr rtlCol="0" anchor="ctr"/>
-          <a:lstStyle/>
-          <a:p>
-            <a:pPr algn="ctr"/>
-            <a:endParaRPr lang="fr-FR"/>
-          </a:p>
-        </p:txBody>
-      </p:sp>
-      <p:cxnSp>
-        <p:nvCxnSpPr>
-          <p:cNvPr id="14" name="Straight Connector 13"/>
-          <p:cNvCxnSpPr/>
-          <p:nvPr/>
-        </p:nvCxnSpPr>
-        <p:spPr>
-          <a:xfrm>
-            <a:off x="7392144" y="2636912"/>
-            <a:ext cx="864096" cy="0"/>
-          </a:xfrm>
-          <a:prstGeom prst="line">
-            <a:avLst/>
-          </a:prstGeom>
-          <a:ln w="44450">
-            <a:solidFill>
-              <a:srgbClr val="C00000"/>
-            </a:solidFill>
-          </a:ln>
-        </p:spPr>
-        <p:style>
-          <a:lnRef idx="1">
-            <a:schemeClr val="accent1"/>
-          </a:lnRef>
-          <a:fillRef idx="0">
-            <a:schemeClr val="accent1"/>
-          </a:fillRef>
-          <a:effectRef idx="0">
-            <a:schemeClr val="accent1"/>
-          </a:effectRef>
-          <a:fontRef idx="minor">
-            <a:schemeClr val="tx1"/>
-          </a:fontRef>
-        </p:style>
-      </p:cxnSp>
-    </p:spTree>
-    <p:extLst>
-      <p:ext uri="{BB962C8B-B14F-4D97-AF65-F5344CB8AC3E}">
-        <p14:creationId xmlns:p14="http://schemas.microsoft.com/office/powerpoint/2010/main" val="2254351038"/>
-      </p:ext>
-    </p:extLst>
-  </p:cSld>
-  <p:clrMapOvr>
-    <a:masterClrMapping/>
-  </p:clrMapOvr>
-  <mc:AlternateContent xmlns:mc="http://schemas.openxmlformats.org/markup-compatibility/2006" xmlns:p14="http://schemas.microsoft.com/office/powerpoint/2010/main">
-    <mc:Choice Requires="p14">
-      <p:transition spd="med" p14:dur="700">
-        <p:fade/>
-      </p:transition>
-    </mc:Choice>
-    <mc:Fallback xmlns="">
-      <p:transition spd="med">
-        <p:fade/>
-      </p:transition>
-    </mc:Fallback>
-  </mc:AlternateContent>
 </p:sld>
 </file>
 
@@ -14212,193 +14233,9 @@
           </a:p>
         </p:txBody>
       </p:sp>
-      <p:sp>
-        <p:nvSpPr>
-          <p:cNvPr id="8" name="Arrow: Right 7"/>
-          <p:cNvSpPr/>
-          <p:nvPr/>
-        </p:nvSpPr>
-        <p:spPr>
-          <a:xfrm>
-            <a:off x="2423592" y="5529606"/>
-            <a:ext cx="324000" cy="280831"/>
-          </a:xfrm>
-          <a:prstGeom prst="rightArrow">
-            <a:avLst/>
-          </a:prstGeom>
-          <a:solidFill>
-            <a:schemeClr val="accent2">
-              <a:lumMod val="60000"/>
-              <a:lumOff val="40000"/>
-            </a:schemeClr>
-          </a:solidFill>
-          <a:ln>
-            <a:solidFill>
-              <a:srgbClr val="00B050"/>
-            </a:solidFill>
-          </a:ln>
-        </p:spPr>
-        <p:style>
-          <a:lnRef idx="2">
-            <a:schemeClr val="accent1">
-              <a:shade val="50000"/>
-            </a:schemeClr>
-          </a:lnRef>
-          <a:fillRef idx="1">
-            <a:schemeClr val="accent1"/>
-          </a:fillRef>
-          <a:effectRef idx="0">
-            <a:schemeClr val="accent1"/>
-          </a:effectRef>
-          <a:fontRef idx="minor">
-            <a:schemeClr val="lt1"/>
-          </a:fontRef>
-        </p:style>
-        <p:txBody>
-          <a:bodyPr rtlCol="0" anchor="ctr"/>
-          <a:lstStyle/>
-          <a:p>
-            <a:pPr algn="ctr"/>
-            <a:endParaRPr lang="fr-FR"/>
-          </a:p>
-        </p:txBody>
-      </p:sp>
-      <p:grpSp>
-        <p:nvGrpSpPr>
-          <p:cNvPr id="12" name="Group 11"/>
-          <p:cNvGrpSpPr/>
-          <p:nvPr/>
-        </p:nvGrpSpPr>
-        <p:grpSpPr>
-          <a:xfrm>
-            <a:off x="2423592" y="2304000"/>
-            <a:ext cx="576064" cy="280831"/>
-            <a:chOff x="2423592" y="2304000"/>
-            <a:chExt cx="576064" cy="280831"/>
-          </a:xfrm>
-        </p:grpSpPr>
-        <p:sp>
-          <p:nvSpPr>
-            <p:cNvPr id="15" name="Arrow: Right 14"/>
-            <p:cNvSpPr/>
-            <p:nvPr/>
-          </p:nvSpPr>
-          <p:spPr>
-            <a:xfrm>
-              <a:off x="2423592" y="2304000"/>
-              <a:ext cx="324000" cy="280831"/>
-            </a:xfrm>
-            <a:prstGeom prst="rightArrow">
-              <a:avLst/>
-            </a:prstGeom>
-            <a:solidFill>
-              <a:srgbClr val="FF6600"/>
-            </a:solidFill>
-            <a:ln>
-              <a:solidFill>
-                <a:srgbClr val="C00000"/>
-              </a:solidFill>
-            </a:ln>
-          </p:spPr>
-          <p:style>
-            <a:lnRef idx="2">
-              <a:schemeClr val="accent1">
-                <a:shade val="50000"/>
-              </a:schemeClr>
-            </a:lnRef>
-            <a:fillRef idx="1">
-              <a:schemeClr val="accent1"/>
-            </a:fillRef>
-            <a:effectRef idx="0">
-              <a:schemeClr val="accent1"/>
-            </a:effectRef>
-            <a:fontRef idx="minor">
-              <a:schemeClr val="lt1"/>
-            </a:fontRef>
-          </p:style>
-          <p:txBody>
-            <a:bodyPr rtlCol="0" anchor="ctr"/>
-            <a:lstStyle/>
-            <a:p>
-              <a:pPr algn="ctr"/>
-              <a:endParaRPr lang="fr-FR"/>
-            </a:p>
-          </p:txBody>
-        </p:sp>
-        <p:cxnSp>
-          <p:nvCxnSpPr>
-            <p:cNvPr id="16" name="Straight Connector 15"/>
-            <p:cNvCxnSpPr/>
-            <p:nvPr/>
-          </p:nvCxnSpPr>
-          <p:spPr>
-            <a:xfrm>
-              <a:off x="2855640" y="2304000"/>
-              <a:ext cx="0" cy="252000"/>
-            </a:xfrm>
-            <a:prstGeom prst="line">
-              <a:avLst/>
-            </a:prstGeom>
-            <a:ln w="44450">
-              <a:solidFill>
-                <a:srgbClr val="C00000"/>
-              </a:solidFill>
-            </a:ln>
-          </p:spPr>
-          <p:style>
-            <a:lnRef idx="1">
-              <a:schemeClr val="accent1"/>
-            </a:lnRef>
-            <a:fillRef idx="0">
-              <a:schemeClr val="accent1"/>
-            </a:fillRef>
-            <a:effectRef idx="0">
-              <a:schemeClr val="accent1"/>
-            </a:effectRef>
-            <a:fontRef idx="minor">
-              <a:schemeClr val="tx1"/>
-            </a:fontRef>
-          </p:style>
-        </p:cxnSp>
-        <p:cxnSp>
-          <p:nvCxnSpPr>
-            <p:cNvPr id="17" name="Straight Connector 16"/>
-            <p:cNvCxnSpPr/>
-            <p:nvPr/>
-          </p:nvCxnSpPr>
-          <p:spPr>
-            <a:xfrm>
-              <a:off x="2999656" y="2304000"/>
-              <a:ext cx="0" cy="252000"/>
-            </a:xfrm>
-            <a:prstGeom prst="line">
-              <a:avLst/>
-            </a:prstGeom>
-            <a:ln w="44450">
-              <a:solidFill>
-                <a:srgbClr val="C00000"/>
-              </a:solidFill>
-            </a:ln>
-          </p:spPr>
-          <p:style>
-            <a:lnRef idx="1">
-              <a:schemeClr val="accent1"/>
-            </a:lnRef>
-            <a:fillRef idx="0">
-              <a:schemeClr val="accent1"/>
-            </a:fillRef>
-            <a:effectRef idx="0">
-              <a:schemeClr val="accent1"/>
-            </a:effectRef>
-            <a:fontRef idx="minor">
-              <a:schemeClr val="tx1"/>
-            </a:fontRef>
-          </p:style>
-        </p:cxnSp>
-      </p:grpSp>
       <p:pic>
         <p:nvPicPr>
-          <p:cNvPr id="18" name="Picture 17"/>
+          <p:cNvPr id="15" name="Picture 14"/>
           <p:cNvPicPr>
             <a:picLocks noChangeAspect="1"/>
           </p:cNvPicPr>
@@ -14503,10 +14340,214 @@
           </a:fontRef>
         </p:style>
       </p:cxnSp>
+      <p:sp>
+        <p:nvSpPr>
+          <p:cNvPr id="22" name="Arrow: Right 21"/>
+          <p:cNvSpPr/>
+          <p:nvPr/>
+        </p:nvSpPr>
+        <p:spPr>
+          <a:xfrm>
+            <a:off x="2891680" y="5524433"/>
+            <a:ext cx="324000" cy="280831"/>
+          </a:xfrm>
+          <a:prstGeom prst="rightArrow">
+            <a:avLst/>
+          </a:prstGeom>
+          <a:solidFill>
+            <a:schemeClr val="accent2">
+              <a:lumMod val="60000"/>
+              <a:lumOff val="40000"/>
+            </a:schemeClr>
+          </a:solidFill>
+          <a:ln>
+            <a:solidFill>
+              <a:srgbClr val="00B050"/>
+            </a:solidFill>
+          </a:ln>
+        </p:spPr>
+        <p:style>
+          <a:lnRef idx="2">
+            <a:schemeClr val="accent1">
+              <a:shade val="50000"/>
+            </a:schemeClr>
+          </a:lnRef>
+          <a:fillRef idx="1">
+            <a:schemeClr val="accent1"/>
+          </a:fillRef>
+          <a:effectRef idx="0">
+            <a:schemeClr val="accent1"/>
+          </a:effectRef>
+          <a:fontRef idx="minor">
+            <a:schemeClr val="lt1"/>
+          </a:fontRef>
+        </p:style>
+        <p:txBody>
+          <a:bodyPr rtlCol="0" anchor="ctr"/>
+          <a:lstStyle/>
+          <a:p>
+            <a:pPr algn="ctr"/>
+            <a:r>
+              <a:rPr lang="fr-FR" sz="1100" dirty="0">
+                <a:solidFill>
+                  <a:schemeClr val="accent2">
+                    <a:lumMod val="50000"/>
+                  </a:schemeClr>
+                </a:solidFill>
+                <a:latin typeface="Arial" panose="020B0604020202020204" pitchFamily="34" charset="0"/>
+                <a:cs typeface="Arial" panose="020B0604020202020204" pitchFamily="34" charset="0"/>
+              </a:rPr>
+              <a:t>2</a:t>
+            </a:r>
+          </a:p>
+        </p:txBody>
+      </p:sp>
+      <p:grpSp>
+        <p:nvGrpSpPr>
+          <p:cNvPr id="23" name="Group 22"/>
+          <p:cNvGrpSpPr/>
+          <p:nvPr/>
+        </p:nvGrpSpPr>
+        <p:grpSpPr>
+          <a:xfrm>
+            <a:off x="2423592" y="2304000"/>
+            <a:ext cx="576064" cy="280831"/>
+            <a:chOff x="2423592" y="2304000"/>
+            <a:chExt cx="576064" cy="280831"/>
+          </a:xfrm>
+        </p:grpSpPr>
+        <p:sp>
+          <p:nvSpPr>
+            <p:cNvPr id="24" name="Arrow: Right 23"/>
+            <p:cNvSpPr/>
+            <p:nvPr/>
+          </p:nvSpPr>
+          <p:spPr>
+            <a:xfrm>
+              <a:off x="2423592" y="2304000"/>
+              <a:ext cx="324000" cy="280831"/>
+            </a:xfrm>
+            <a:prstGeom prst="rightArrow">
+              <a:avLst/>
+            </a:prstGeom>
+            <a:solidFill>
+              <a:srgbClr val="FF6600"/>
+            </a:solidFill>
+            <a:ln>
+              <a:solidFill>
+                <a:srgbClr val="C00000"/>
+              </a:solidFill>
+            </a:ln>
+          </p:spPr>
+          <p:style>
+            <a:lnRef idx="2">
+              <a:schemeClr val="accent1">
+                <a:shade val="50000"/>
+              </a:schemeClr>
+            </a:lnRef>
+            <a:fillRef idx="1">
+              <a:schemeClr val="accent1"/>
+            </a:fillRef>
+            <a:effectRef idx="0">
+              <a:schemeClr val="accent1"/>
+            </a:effectRef>
+            <a:fontRef idx="minor">
+              <a:schemeClr val="lt1"/>
+            </a:fontRef>
+          </p:style>
+          <p:txBody>
+            <a:bodyPr rtlCol="0" anchor="ctr"/>
+            <a:lstStyle/>
+            <a:p>
+              <a:pPr algn="ctr"/>
+              <a:r>
+                <a:rPr lang="fr-FR" sz="1100" dirty="0">
+                  <a:solidFill>
+                    <a:schemeClr val="bg1"/>
+                  </a:solidFill>
+                  <a:latin typeface="Arial" panose="020B0604020202020204" pitchFamily="34" charset="0"/>
+                  <a:cs typeface="Arial" panose="020B0604020202020204" pitchFamily="34" charset="0"/>
+                </a:rPr>
+                <a:t>1</a:t>
+              </a:r>
+            </a:p>
+          </p:txBody>
+        </p:sp>
+        <p:cxnSp>
+          <p:nvCxnSpPr>
+            <p:cNvPr id="25" name="Straight Connector 24"/>
+            <p:cNvCxnSpPr/>
+            <p:nvPr/>
+          </p:nvCxnSpPr>
+          <p:spPr>
+            <a:xfrm>
+              <a:off x="2855640" y="2304000"/>
+              <a:ext cx="0" cy="252000"/>
+            </a:xfrm>
+            <a:prstGeom prst="line">
+              <a:avLst/>
+            </a:prstGeom>
+            <a:ln w="44450">
+              <a:solidFill>
+                <a:srgbClr val="C00000"/>
+              </a:solidFill>
+            </a:ln>
+          </p:spPr>
+          <p:style>
+            <a:lnRef idx="1">
+              <a:schemeClr val="accent1"/>
+            </a:lnRef>
+            <a:fillRef idx="0">
+              <a:schemeClr val="accent1"/>
+            </a:fillRef>
+            <a:effectRef idx="0">
+              <a:schemeClr val="accent1"/>
+            </a:effectRef>
+            <a:fontRef idx="minor">
+              <a:schemeClr val="tx1"/>
+            </a:fontRef>
+          </p:style>
+        </p:cxnSp>
+        <p:cxnSp>
+          <p:nvCxnSpPr>
+            <p:cNvPr id="26" name="Straight Connector 25"/>
+            <p:cNvCxnSpPr/>
+            <p:nvPr/>
+          </p:nvCxnSpPr>
+          <p:spPr>
+            <a:xfrm>
+              <a:off x="2999656" y="2304000"/>
+              <a:ext cx="0" cy="252000"/>
+            </a:xfrm>
+            <a:prstGeom prst="line">
+              <a:avLst/>
+            </a:prstGeom>
+            <a:ln w="44450">
+              <a:solidFill>
+                <a:srgbClr val="C00000"/>
+              </a:solidFill>
+            </a:ln>
+          </p:spPr>
+          <p:style>
+            <a:lnRef idx="1">
+              <a:schemeClr val="accent1"/>
+            </a:lnRef>
+            <a:fillRef idx="0">
+              <a:schemeClr val="accent1"/>
+            </a:fillRef>
+            <a:effectRef idx="0">
+              <a:schemeClr val="accent1"/>
+            </a:effectRef>
+            <a:fontRef idx="minor">
+              <a:schemeClr val="tx1"/>
+            </a:fontRef>
+          </p:style>
+        </p:cxnSp>
+      </p:grpSp>
     </p:spTree>
     <p:extLst>
       <p:ext uri="{BB962C8B-B14F-4D97-AF65-F5344CB8AC3E}">
-        <p14:creationId xmlns:p14="http://schemas.microsoft.com/office/powerpoint/2010/main" val="73806927"/>
+        <p14:creationId xmlns:p14="http://schemas.microsoft.com/office/powerpoint/2010/main" val="2254351038"/>
       </p:ext>
     </p:extLst>
   </p:cSld>
@@ -14659,193 +14700,9 @@
           </a:p>
         </p:txBody>
       </p:sp>
-      <p:sp>
-        <p:nvSpPr>
-          <p:cNvPr id="8" name="Arrow: Right 7"/>
-          <p:cNvSpPr/>
-          <p:nvPr/>
-        </p:nvSpPr>
-        <p:spPr>
-          <a:xfrm>
-            <a:off x="2423592" y="3580217"/>
-            <a:ext cx="324000" cy="280831"/>
-          </a:xfrm>
-          <a:prstGeom prst="rightArrow">
-            <a:avLst/>
-          </a:prstGeom>
-          <a:solidFill>
-            <a:schemeClr val="accent2">
-              <a:lumMod val="60000"/>
-              <a:lumOff val="40000"/>
-            </a:schemeClr>
-          </a:solidFill>
-          <a:ln>
-            <a:solidFill>
-              <a:srgbClr val="00B050"/>
-            </a:solidFill>
-          </a:ln>
-        </p:spPr>
-        <p:style>
-          <a:lnRef idx="2">
-            <a:schemeClr val="accent1">
-              <a:shade val="50000"/>
-            </a:schemeClr>
-          </a:lnRef>
-          <a:fillRef idx="1">
-            <a:schemeClr val="accent1"/>
-          </a:fillRef>
-          <a:effectRef idx="0">
-            <a:schemeClr val="accent1"/>
-          </a:effectRef>
-          <a:fontRef idx="minor">
-            <a:schemeClr val="lt1"/>
-          </a:fontRef>
-        </p:style>
-        <p:txBody>
-          <a:bodyPr rtlCol="0" anchor="ctr"/>
-          <a:lstStyle/>
-          <a:p>
-            <a:pPr algn="ctr"/>
-            <a:endParaRPr lang="fr-FR"/>
-          </a:p>
-        </p:txBody>
-      </p:sp>
-      <p:grpSp>
-        <p:nvGrpSpPr>
-          <p:cNvPr id="16" name="Group 15"/>
-          <p:cNvGrpSpPr/>
-          <p:nvPr/>
-        </p:nvGrpSpPr>
-        <p:grpSpPr>
-          <a:xfrm>
-            <a:off x="2423592" y="2304000"/>
-            <a:ext cx="576064" cy="280831"/>
-            <a:chOff x="2423592" y="2304000"/>
-            <a:chExt cx="576064" cy="280831"/>
-          </a:xfrm>
-        </p:grpSpPr>
-        <p:sp>
-          <p:nvSpPr>
-            <p:cNvPr id="17" name="Arrow: Right 16"/>
-            <p:cNvSpPr/>
-            <p:nvPr/>
-          </p:nvSpPr>
-          <p:spPr>
-            <a:xfrm>
-              <a:off x="2423592" y="2304000"/>
-              <a:ext cx="324000" cy="280831"/>
-            </a:xfrm>
-            <a:prstGeom prst="rightArrow">
-              <a:avLst/>
-            </a:prstGeom>
-            <a:solidFill>
-              <a:srgbClr val="FF6600"/>
-            </a:solidFill>
-            <a:ln>
-              <a:solidFill>
-                <a:srgbClr val="C00000"/>
-              </a:solidFill>
-            </a:ln>
-          </p:spPr>
-          <p:style>
-            <a:lnRef idx="2">
-              <a:schemeClr val="accent1">
-                <a:shade val="50000"/>
-              </a:schemeClr>
-            </a:lnRef>
-            <a:fillRef idx="1">
-              <a:schemeClr val="accent1"/>
-            </a:fillRef>
-            <a:effectRef idx="0">
-              <a:schemeClr val="accent1"/>
-            </a:effectRef>
-            <a:fontRef idx="minor">
-              <a:schemeClr val="lt1"/>
-            </a:fontRef>
-          </p:style>
-          <p:txBody>
-            <a:bodyPr rtlCol="0" anchor="ctr"/>
-            <a:lstStyle/>
-            <a:p>
-              <a:pPr algn="ctr"/>
-              <a:endParaRPr lang="fr-FR"/>
-            </a:p>
-          </p:txBody>
-        </p:sp>
-        <p:cxnSp>
-          <p:nvCxnSpPr>
-            <p:cNvPr id="18" name="Straight Connector 17"/>
-            <p:cNvCxnSpPr/>
-            <p:nvPr/>
-          </p:nvCxnSpPr>
-          <p:spPr>
-            <a:xfrm>
-              <a:off x="2855640" y="2304000"/>
-              <a:ext cx="0" cy="252000"/>
-            </a:xfrm>
-            <a:prstGeom prst="line">
-              <a:avLst/>
-            </a:prstGeom>
-            <a:ln w="44450">
-              <a:solidFill>
-                <a:srgbClr val="C00000"/>
-              </a:solidFill>
-            </a:ln>
-          </p:spPr>
-          <p:style>
-            <a:lnRef idx="1">
-              <a:schemeClr val="accent1"/>
-            </a:lnRef>
-            <a:fillRef idx="0">
-              <a:schemeClr val="accent1"/>
-            </a:fillRef>
-            <a:effectRef idx="0">
-              <a:schemeClr val="accent1"/>
-            </a:effectRef>
-            <a:fontRef idx="minor">
-              <a:schemeClr val="tx1"/>
-            </a:fontRef>
-          </p:style>
-        </p:cxnSp>
-        <p:cxnSp>
-          <p:nvCxnSpPr>
-            <p:cNvPr id="19" name="Straight Connector 18"/>
-            <p:cNvCxnSpPr/>
-            <p:nvPr/>
-          </p:nvCxnSpPr>
-          <p:spPr>
-            <a:xfrm>
-              <a:off x="2999656" y="2304000"/>
-              <a:ext cx="0" cy="252000"/>
-            </a:xfrm>
-            <a:prstGeom prst="line">
-              <a:avLst/>
-            </a:prstGeom>
-            <a:ln w="44450">
-              <a:solidFill>
-                <a:srgbClr val="C00000"/>
-              </a:solidFill>
-            </a:ln>
-          </p:spPr>
-          <p:style>
-            <a:lnRef idx="1">
-              <a:schemeClr val="accent1"/>
-            </a:lnRef>
-            <a:fillRef idx="0">
-              <a:schemeClr val="accent1"/>
-            </a:fillRef>
-            <a:effectRef idx="0">
-              <a:schemeClr val="accent1"/>
-            </a:effectRef>
-            <a:fontRef idx="minor">
-              <a:schemeClr val="tx1"/>
-            </a:fontRef>
-          </p:style>
-        </p:cxnSp>
-      </p:grpSp>
       <p:pic>
         <p:nvPicPr>
-          <p:cNvPr id="20" name="Picture 19"/>
+          <p:cNvPr id="18" name="Picture 17"/>
           <p:cNvPicPr>
             <a:picLocks noChangeAspect="1"/>
           </p:cNvPicPr>
@@ -14870,44 +14727,9 @@
           </a:ln>
         </p:spPr>
       </p:pic>
-      <p:cxnSp>
-        <p:nvCxnSpPr>
-          <p:cNvPr id="12" name="Straight Connector 11"/>
-          <p:cNvCxnSpPr/>
-          <p:nvPr/>
-        </p:nvCxnSpPr>
-        <p:spPr>
-          <a:xfrm>
-            <a:off x="7392144" y="2636912"/>
-            <a:ext cx="864096" cy="0"/>
-          </a:xfrm>
-          <a:prstGeom prst="line">
-            <a:avLst/>
-          </a:prstGeom>
-          <a:ln w="44450">
-            <a:solidFill>
-              <a:srgbClr val="C00000"/>
-            </a:solidFill>
-          </a:ln>
-        </p:spPr>
-        <p:style>
-          <a:lnRef idx="1">
-            <a:schemeClr val="accent1"/>
-          </a:lnRef>
-          <a:fillRef idx="0">
-            <a:schemeClr val="accent1"/>
-          </a:fillRef>
-          <a:effectRef idx="0">
-            <a:schemeClr val="accent1"/>
-          </a:effectRef>
-          <a:fontRef idx="minor">
-            <a:schemeClr val="tx1"/>
-          </a:fontRef>
-        </p:style>
-      </p:cxnSp>
       <p:pic>
         <p:nvPicPr>
-          <p:cNvPr id="14" name="Picture 13"/>
+          <p:cNvPr id="19" name="Picture 18"/>
           <p:cNvPicPr>
             <a:picLocks noChangeAspect="1"/>
           </p:cNvPicPr>
@@ -14950,10 +14772,249 @@
           </a:ln>
         </p:spPr>
       </p:pic>
+      <p:cxnSp>
+        <p:nvCxnSpPr>
+          <p:cNvPr id="14" name="Straight Connector 13"/>
+          <p:cNvCxnSpPr/>
+          <p:nvPr/>
+        </p:nvCxnSpPr>
+        <p:spPr>
+          <a:xfrm>
+            <a:off x="7392144" y="2636912"/>
+            <a:ext cx="864096" cy="0"/>
+          </a:xfrm>
+          <a:prstGeom prst="line">
+            <a:avLst/>
+          </a:prstGeom>
+          <a:ln w="44450">
+            <a:solidFill>
+              <a:srgbClr val="C00000"/>
+            </a:solidFill>
+          </a:ln>
+        </p:spPr>
+        <p:style>
+          <a:lnRef idx="1">
+            <a:schemeClr val="accent1"/>
+          </a:lnRef>
+          <a:fillRef idx="0">
+            <a:schemeClr val="accent1"/>
+          </a:fillRef>
+          <a:effectRef idx="0">
+            <a:schemeClr val="accent1"/>
+          </a:effectRef>
+          <a:fontRef idx="minor">
+            <a:schemeClr val="tx1"/>
+          </a:fontRef>
+        </p:style>
+      </p:cxnSp>
+      <p:sp>
+        <p:nvSpPr>
+          <p:cNvPr id="24" name="Arrow: Right 23"/>
+          <p:cNvSpPr/>
+          <p:nvPr/>
+        </p:nvSpPr>
+        <p:spPr>
+          <a:xfrm>
+            <a:off x="2423592" y="5524433"/>
+            <a:ext cx="324000" cy="280831"/>
+          </a:xfrm>
+          <a:prstGeom prst="rightArrow">
+            <a:avLst/>
+          </a:prstGeom>
+          <a:solidFill>
+            <a:schemeClr val="accent2">
+              <a:lumMod val="60000"/>
+              <a:lumOff val="40000"/>
+            </a:schemeClr>
+          </a:solidFill>
+          <a:ln>
+            <a:solidFill>
+              <a:srgbClr val="00B050"/>
+            </a:solidFill>
+          </a:ln>
+        </p:spPr>
+        <p:style>
+          <a:lnRef idx="2">
+            <a:schemeClr val="accent1">
+              <a:shade val="50000"/>
+            </a:schemeClr>
+          </a:lnRef>
+          <a:fillRef idx="1">
+            <a:schemeClr val="accent1"/>
+          </a:fillRef>
+          <a:effectRef idx="0">
+            <a:schemeClr val="accent1"/>
+          </a:effectRef>
+          <a:fontRef idx="minor">
+            <a:schemeClr val="lt1"/>
+          </a:fontRef>
+        </p:style>
+        <p:txBody>
+          <a:bodyPr rtlCol="0" anchor="ctr"/>
+          <a:lstStyle/>
+          <a:p>
+            <a:pPr algn="ctr"/>
+            <a:r>
+              <a:rPr lang="fr-FR" sz="1100" dirty="0">
+                <a:solidFill>
+                  <a:schemeClr val="accent2">
+                    <a:lumMod val="50000"/>
+                  </a:schemeClr>
+                </a:solidFill>
+                <a:latin typeface="Arial" panose="020B0604020202020204" pitchFamily="34" charset="0"/>
+                <a:cs typeface="Arial" panose="020B0604020202020204" pitchFamily="34" charset="0"/>
+              </a:rPr>
+              <a:t>2</a:t>
+            </a:r>
+          </a:p>
+        </p:txBody>
+      </p:sp>
+      <p:grpSp>
+        <p:nvGrpSpPr>
+          <p:cNvPr id="25" name="Group 24"/>
+          <p:cNvGrpSpPr/>
+          <p:nvPr/>
+        </p:nvGrpSpPr>
+        <p:grpSpPr>
+          <a:xfrm>
+            <a:off x="2423592" y="2304000"/>
+            <a:ext cx="576064" cy="280831"/>
+            <a:chOff x="2423592" y="2304000"/>
+            <a:chExt cx="576064" cy="280831"/>
+          </a:xfrm>
+        </p:grpSpPr>
+        <p:sp>
+          <p:nvSpPr>
+            <p:cNvPr id="26" name="Arrow: Right 25"/>
+            <p:cNvSpPr/>
+            <p:nvPr/>
+          </p:nvSpPr>
+          <p:spPr>
+            <a:xfrm>
+              <a:off x="2423592" y="2304000"/>
+              <a:ext cx="324000" cy="280831"/>
+            </a:xfrm>
+            <a:prstGeom prst="rightArrow">
+              <a:avLst/>
+            </a:prstGeom>
+            <a:solidFill>
+              <a:srgbClr val="FF6600"/>
+            </a:solidFill>
+            <a:ln>
+              <a:solidFill>
+                <a:srgbClr val="C00000"/>
+              </a:solidFill>
+            </a:ln>
+          </p:spPr>
+          <p:style>
+            <a:lnRef idx="2">
+              <a:schemeClr val="accent1">
+                <a:shade val="50000"/>
+              </a:schemeClr>
+            </a:lnRef>
+            <a:fillRef idx="1">
+              <a:schemeClr val="accent1"/>
+            </a:fillRef>
+            <a:effectRef idx="0">
+              <a:schemeClr val="accent1"/>
+            </a:effectRef>
+            <a:fontRef idx="minor">
+              <a:schemeClr val="lt1"/>
+            </a:fontRef>
+          </p:style>
+          <p:txBody>
+            <a:bodyPr rtlCol="0" anchor="ctr"/>
+            <a:lstStyle/>
+            <a:p>
+              <a:pPr algn="ctr"/>
+              <a:r>
+                <a:rPr lang="fr-FR" sz="1100" dirty="0">
+                  <a:solidFill>
+                    <a:schemeClr val="bg1"/>
+                  </a:solidFill>
+                  <a:latin typeface="Arial" panose="020B0604020202020204" pitchFamily="34" charset="0"/>
+                  <a:cs typeface="Arial" panose="020B0604020202020204" pitchFamily="34" charset="0"/>
+                </a:rPr>
+                <a:t>1</a:t>
+              </a:r>
+            </a:p>
+          </p:txBody>
+        </p:sp>
+        <p:cxnSp>
+          <p:nvCxnSpPr>
+            <p:cNvPr id="27" name="Straight Connector 26"/>
+            <p:cNvCxnSpPr/>
+            <p:nvPr/>
+          </p:nvCxnSpPr>
+          <p:spPr>
+            <a:xfrm>
+              <a:off x="2855640" y="2304000"/>
+              <a:ext cx="0" cy="252000"/>
+            </a:xfrm>
+            <a:prstGeom prst="line">
+              <a:avLst/>
+            </a:prstGeom>
+            <a:ln w="44450">
+              <a:solidFill>
+                <a:srgbClr val="C00000"/>
+              </a:solidFill>
+            </a:ln>
+          </p:spPr>
+          <p:style>
+            <a:lnRef idx="1">
+              <a:schemeClr val="accent1"/>
+            </a:lnRef>
+            <a:fillRef idx="0">
+              <a:schemeClr val="accent1"/>
+            </a:fillRef>
+            <a:effectRef idx="0">
+              <a:schemeClr val="accent1"/>
+            </a:effectRef>
+            <a:fontRef idx="minor">
+              <a:schemeClr val="tx1"/>
+            </a:fontRef>
+          </p:style>
+        </p:cxnSp>
+        <p:cxnSp>
+          <p:nvCxnSpPr>
+            <p:cNvPr id="28" name="Straight Connector 27"/>
+            <p:cNvCxnSpPr/>
+            <p:nvPr/>
+          </p:nvCxnSpPr>
+          <p:spPr>
+            <a:xfrm>
+              <a:off x="2999656" y="2304000"/>
+              <a:ext cx="0" cy="252000"/>
+            </a:xfrm>
+            <a:prstGeom prst="line">
+              <a:avLst/>
+            </a:prstGeom>
+            <a:ln w="44450">
+              <a:solidFill>
+                <a:srgbClr val="C00000"/>
+              </a:solidFill>
+            </a:ln>
+          </p:spPr>
+          <p:style>
+            <a:lnRef idx="1">
+              <a:schemeClr val="accent1"/>
+            </a:lnRef>
+            <a:fillRef idx="0">
+              <a:schemeClr val="accent1"/>
+            </a:fillRef>
+            <a:effectRef idx="0">
+              <a:schemeClr val="accent1"/>
+            </a:effectRef>
+            <a:fontRef idx="minor">
+              <a:schemeClr val="tx1"/>
+            </a:fontRef>
+          </p:style>
+        </p:cxnSp>
+      </p:grpSp>
     </p:spTree>
     <p:extLst>
       <p:ext uri="{BB962C8B-B14F-4D97-AF65-F5344CB8AC3E}">
-        <p14:creationId xmlns:p14="http://schemas.microsoft.com/office/powerpoint/2010/main" val="3491898977"/>
+        <p14:creationId xmlns:p14="http://schemas.microsoft.com/office/powerpoint/2010/main" val="73806927"/>
       </p:ext>
     </p:extLst>
   </p:cSld>
@@ -15114,7 +15175,7 @@
         </p:nvSpPr>
         <p:spPr>
           <a:xfrm>
-            <a:off x="2423592" y="4032000"/>
+            <a:off x="2423592" y="3580217"/>
             <a:ext cx="324000" cy="280831"/>
           </a:xfrm>
           <a:prstGeom prst="rightArrow">
@@ -15153,143 +15214,21 @@
           <a:lstStyle/>
           <a:p>
             <a:pPr algn="ctr"/>
-            <a:endParaRPr lang="fr-FR"/>
+            <a:r>
+              <a:rPr lang="fr-FR" sz="1100" dirty="0">
+                <a:solidFill>
+                  <a:schemeClr val="accent2">
+                    <a:lumMod val="50000"/>
+                  </a:schemeClr>
+                </a:solidFill>
+                <a:latin typeface="Arial" panose="020B0604020202020204" pitchFamily="34" charset="0"/>
+                <a:cs typeface="Arial" panose="020B0604020202020204" pitchFamily="34" charset="0"/>
+              </a:rPr>
+              <a:t>2</a:t>
+            </a:r>
           </a:p>
         </p:txBody>
       </p:sp>
-      <p:grpSp>
-        <p:nvGrpSpPr>
-          <p:cNvPr id="16" name="Group 15"/>
-          <p:cNvGrpSpPr/>
-          <p:nvPr/>
-        </p:nvGrpSpPr>
-        <p:grpSpPr>
-          <a:xfrm>
-            <a:off x="2423592" y="2304000"/>
-            <a:ext cx="576064" cy="280831"/>
-            <a:chOff x="2423592" y="2304000"/>
-            <a:chExt cx="576064" cy="280831"/>
-          </a:xfrm>
-        </p:grpSpPr>
-        <p:sp>
-          <p:nvSpPr>
-            <p:cNvPr id="17" name="Arrow: Right 16"/>
-            <p:cNvSpPr/>
-            <p:nvPr/>
-          </p:nvSpPr>
-          <p:spPr>
-            <a:xfrm>
-              <a:off x="2423592" y="2304000"/>
-              <a:ext cx="324000" cy="280831"/>
-            </a:xfrm>
-            <a:prstGeom prst="rightArrow">
-              <a:avLst/>
-            </a:prstGeom>
-            <a:solidFill>
-              <a:srgbClr val="FF6600"/>
-            </a:solidFill>
-            <a:ln>
-              <a:solidFill>
-                <a:srgbClr val="C00000"/>
-              </a:solidFill>
-            </a:ln>
-          </p:spPr>
-          <p:style>
-            <a:lnRef idx="2">
-              <a:schemeClr val="accent1">
-                <a:shade val="50000"/>
-              </a:schemeClr>
-            </a:lnRef>
-            <a:fillRef idx="1">
-              <a:schemeClr val="accent1"/>
-            </a:fillRef>
-            <a:effectRef idx="0">
-              <a:schemeClr val="accent1"/>
-            </a:effectRef>
-            <a:fontRef idx="minor">
-              <a:schemeClr val="lt1"/>
-            </a:fontRef>
-          </p:style>
-          <p:txBody>
-            <a:bodyPr rtlCol="0" anchor="ctr"/>
-            <a:lstStyle/>
-            <a:p>
-              <a:pPr algn="ctr"/>
-              <a:endParaRPr lang="fr-FR"/>
-            </a:p>
-          </p:txBody>
-        </p:sp>
-        <p:cxnSp>
-          <p:nvCxnSpPr>
-            <p:cNvPr id="18" name="Straight Connector 17"/>
-            <p:cNvCxnSpPr/>
-            <p:nvPr/>
-          </p:nvCxnSpPr>
-          <p:spPr>
-            <a:xfrm>
-              <a:off x="2855640" y="2304000"/>
-              <a:ext cx="0" cy="252000"/>
-            </a:xfrm>
-            <a:prstGeom prst="line">
-              <a:avLst/>
-            </a:prstGeom>
-            <a:ln w="44450">
-              <a:solidFill>
-                <a:srgbClr val="C00000"/>
-              </a:solidFill>
-            </a:ln>
-          </p:spPr>
-          <p:style>
-            <a:lnRef idx="1">
-              <a:schemeClr val="accent1"/>
-            </a:lnRef>
-            <a:fillRef idx="0">
-              <a:schemeClr val="accent1"/>
-            </a:fillRef>
-            <a:effectRef idx="0">
-              <a:schemeClr val="accent1"/>
-            </a:effectRef>
-            <a:fontRef idx="minor">
-              <a:schemeClr val="tx1"/>
-            </a:fontRef>
-          </p:style>
-        </p:cxnSp>
-        <p:cxnSp>
-          <p:nvCxnSpPr>
-            <p:cNvPr id="19" name="Straight Connector 18"/>
-            <p:cNvCxnSpPr/>
-            <p:nvPr/>
-          </p:nvCxnSpPr>
-          <p:spPr>
-            <a:xfrm>
-              <a:off x="2999656" y="2304000"/>
-              <a:ext cx="0" cy="252000"/>
-            </a:xfrm>
-            <a:prstGeom prst="line">
-              <a:avLst/>
-            </a:prstGeom>
-            <a:ln w="44450">
-              <a:solidFill>
-                <a:srgbClr val="C00000"/>
-              </a:solidFill>
-            </a:ln>
-          </p:spPr>
-          <p:style>
-            <a:lnRef idx="1">
-              <a:schemeClr val="accent1"/>
-            </a:lnRef>
-            <a:fillRef idx="0">
-              <a:schemeClr val="accent1"/>
-            </a:fillRef>
-            <a:effectRef idx="0">
-              <a:schemeClr val="accent1"/>
-            </a:effectRef>
-            <a:fontRef idx="minor">
-              <a:schemeClr val="tx1"/>
-            </a:fontRef>
-          </p:style>
-        </p:cxnSp>
-      </p:grpSp>
       <p:pic>
         <p:nvPicPr>
           <p:cNvPr id="20" name="Picture 19"/>
@@ -15397,10 +15336,152 @@
           </a:ln>
         </p:spPr>
       </p:pic>
+      <p:grpSp>
+        <p:nvGrpSpPr>
+          <p:cNvPr id="24" name="Group 23"/>
+          <p:cNvGrpSpPr/>
+          <p:nvPr/>
+        </p:nvGrpSpPr>
+        <p:grpSpPr>
+          <a:xfrm>
+            <a:off x="2423592" y="2304000"/>
+            <a:ext cx="576064" cy="280831"/>
+            <a:chOff x="2423592" y="2304000"/>
+            <a:chExt cx="576064" cy="280831"/>
+          </a:xfrm>
+        </p:grpSpPr>
+        <p:sp>
+          <p:nvSpPr>
+            <p:cNvPr id="25" name="Arrow: Right 24"/>
+            <p:cNvSpPr/>
+            <p:nvPr/>
+          </p:nvSpPr>
+          <p:spPr>
+            <a:xfrm>
+              <a:off x="2423592" y="2304000"/>
+              <a:ext cx="324000" cy="280831"/>
+            </a:xfrm>
+            <a:prstGeom prst="rightArrow">
+              <a:avLst/>
+            </a:prstGeom>
+            <a:solidFill>
+              <a:srgbClr val="FF6600"/>
+            </a:solidFill>
+            <a:ln>
+              <a:solidFill>
+                <a:srgbClr val="C00000"/>
+              </a:solidFill>
+            </a:ln>
+          </p:spPr>
+          <p:style>
+            <a:lnRef idx="2">
+              <a:schemeClr val="accent1">
+                <a:shade val="50000"/>
+              </a:schemeClr>
+            </a:lnRef>
+            <a:fillRef idx="1">
+              <a:schemeClr val="accent1"/>
+            </a:fillRef>
+            <a:effectRef idx="0">
+              <a:schemeClr val="accent1"/>
+            </a:effectRef>
+            <a:fontRef idx="minor">
+              <a:schemeClr val="lt1"/>
+            </a:fontRef>
+          </p:style>
+          <p:txBody>
+            <a:bodyPr rtlCol="0" anchor="ctr"/>
+            <a:lstStyle/>
+            <a:p>
+              <a:pPr algn="ctr"/>
+              <a:r>
+                <a:rPr lang="fr-FR" sz="1100" dirty="0">
+                  <a:solidFill>
+                    <a:schemeClr val="bg1"/>
+                  </a:solidFill>
+                  <a:latin typeface="Arial" panose="020B0604020202020204" pitchFamily="34" charset="0"/>
+                  <a:cs typeface="Arial" panose="020B0604020202020204" pitchFamily="34" charset="0"/>
+                </a:rPr>
+                <a:t>1</a:t>
+              </a:r>
+            </a:p>
+          </p:txBody>
+        </p:sp>
+        <p:cxnSp>
+          <p:nvCxnSpPr>
+            <p:cNvPr id="26" name="Straight Connector 25"/>
+            <p:cNvCxnSpPr/>
+            <p:nvPr/>
+          </p:nvCxnSpPr>
+          <p:spPr>
+            <a:xfrm>
+              <a:off x="2855640" y="2304000"/>
+              <a:ext cx="0" cy="252000"/>
+            </a:xfrm>
+            <a:prstGeom prst="line">
+              <a:avLst/>
+            </a:prstGeom>
+            <a:ln w="44450">
+              <a:solidFill>
+                <a:srgbClr val="C00000"/>
+              </a:solidFill>
+            </a:ln>
+          </p:spPr>
+          <p:style>
+            <a:lnRef idx="1">
+              <a:schemeClr val="accent1"/>
+            </a:lnRef>
+            <a:fillRef idx="0">
+              <a:schemeClr val="accent1"/>
+            </a:fillRef>
+            <a:effectRef idx="0">
+              <a:schemeClr val="accent1"/>
+            </a:effectRef>
+            <a:fontRef idx="minor">
+              <a:schemeClr val="tx1"/>
+            </a:fontRef>
+          </p:style>
+        </p:cxnSp>
+        <p:cxnSp>
+          <p:nvCxnSpPr>
+            <p:cNvPr id="27" name="Straight Connector 26"/>
+            <p:cNvCxnSpPr/>
+            <p:nvPr/>
+          </p:nvCxnSpPr>
+          <p:spPr>
+            <a:xfrm>
+              <a:off x="2999656" y="2304000"/>
+              <a:ext cx="0" cy="252000"/>
+            </a:xfrm>
+            <a:prstGeom prst="line">
+              <a:avLst/>
+            </a:prstGeom>
+            <a:ln w="44450">
+              <a:solidFill>
+                <a:srgbClr val="C00000"/>
+              </a:solidFill>
+            </a:ln>
+          </p:spPr>
+          <p:style>
+            <a:lnRef idx="1">
+              <a:schemeClr val="accent1"/>
+            </a:lnRef>
+            <a:fillRef idx="0">
+              <a:schemeClr val="accent1"/>
+            </a:fillRef>
+            <a:effectRef idx="0">
+              <a:schemeClr val="accent1"/>
+            </a:effectRef>
+            <a:fontRef idx="minor">
+              <a:schemeClr val="tx1"/>
+            </a:fontRef>
+          </p:style>
+        </p:cxnSp>
+      </p:grpSp>
     </p:spTree>
     <p:extLst>
       <p:ext uri="{BB962C8B-B14F-4D97-AF65-F5344CB8AC3E}">
-        <p14:creationId xmlns:p14="http://schemas.microsoft.com/office/powerpoint/2010/main" val="3144679443"/>
+        <p14:creationId xmlns:p14="http://schemas.microsoft.com/office/powerpoint/2010/main" val="3491898977"/>
       </p:ext>
     </p:extLst>
   </p:cSld>
@@ -15561,6 +15642,473 @@
         </p:nvSpPr>
         <p:spPr>
           <a:xfrm>
+            <a:off x="2423592" y="4032000"/>
+            <a:ext cx="324000" cy="280831"/>
+          </a:xfrm>
+          <a:prstGeom prst="rightArrow">
+            <a:avLst/>
+          </a:prstGeom>
+          <a:solidFill>
+            <a:schemeClr val="accent2">
+              <a:lumMod val="60000"/>
+              <a:lumOff val="40000"/>
+            </a:schemeClr>
+          </a:solidFill>
+          <a:ln>
+            <a:solidFill>
+              <a:srgbClr val="00B050"/>
+            </a:solidFill>
+          </a:ln>
+        </p:spPr>
+        <p:style>
+          <a:lnRef idx="2">
+            <a:schemeClr val="accent1">
+              <a:shade val="50000"/>
+            </a:schemeClr>
+          </a:lnRef>
+          <a:fillRef idx="1">
+            <a:schemeClr val="accent1"/>
+          </a:fillRef>
+          <a:effectRef idx="0">
+            <a:schemeClr val="accent1"/>
+          </a:effectRef>
+          <a:fontRef idx="minor">
+            <a:schemeClr val="lt1"/>
+          </a:fontRef>
+        </p:style>
+        <p:txBody>
+          <a:bodyPr rtlCol="0" anchor="ctr"/>
+          <a:lstStyle/>
+          <a:p>
+            <a:pPr algn="ctr"/>
+            <a:r>
+              <a:rPr lang="fr-FR" sz="1100" dirty="0">
+                <a:solidFill>
+                  <a:schemeClr val="accent2">
+                    <a:lumMod val="50000"/>
+                  </a:schemeClr>
+                </a:solidFill>
+                <a:latin typeface="Arial" panose="020B0604020202020204" pitchFamily="34" charset="0"/>
+                <a:cs typeface="Arial" panose="020B0604020202020204" pitchFamily="34" charset="0"/>
+              </a:rPr>
+              <a:t>2</a:t>
+            </a:r>
+          </a:p>
+        </p:txBody>
+      </p:sp>
+      <p:pic>
+        <p:nvPicPr>
+          <p:cNvPr id="20" name="Picture 19"/>
+          <p:cNvPicPr>
+            <a:picLocks noChangeAspect="1"/>
+          </p:cNvPicPr>
+          <p:nvPr/>
+        </p:nvPicPr>
+        <p:blipFill rotWithShape="1">
+          <a:blip r:embed="rId3"/>
+          <a:srcRect l="17865" t="49279" r="33058" b="45230"/>
+          <a:stretch/>
+        </p:blipFill>
+        <p:spPr>
+          <a:xfrm>
+            <a:off x="3168000" y="3528000"/>
+            <a:ext cx="5760640" cy="360040"/>
+          </a:xfrm>
+          <a:prstGeom prst="rect">
+            <a:avLst/>
+          </a:prstGeom>
+          <a:noFill/>
+          <a:ln>
+            <a:noFill/>
+          </a:ln>
+        </p:spPr>
+      </p:pic>
+      <p:cxnSp>
+        <p:nvCxnSpPr>
+          <p:cNvPr id="12" name="Straight Connector 11"/>
+          <p:cNvCxnSpPr/>
+          <p:nvPr/>
+        </p:nvCxnSpPr>
+        <p:spPr>
+          <a:xfrm>
+            <a:off x="7392144" y="2636912"/>
+            <a:ext cx="864096" cy="0"/>
+          </a:xfrm>
+          <a:prstGeom prst="line">
+            <a:avLst/>
+          </a:prstGeom>
+          <a:ln w="44450">
+            <a:solidFill>
+              <a:srgbClr val="C00000"/>
+            </a:solidFill>
+          </a:ln>
+        </p:spPr>
+        <p:style>
+          <a:lnRef idx="1">
+            <a:schemeClr val="accent1"/>
+          </a:lnRef>
+          <a:fillRef idx="0">
+            <a:schemeClr val="accent1"/>
+          </a:fillRef>
+          <a:effectRef idx="0">
+            <a:schemeClr val="accent1"/>
+          </a:effectRef>
+          <a:fontRef idx="minor">
+            <a:schemeClr val="tx1"/>
+          </a:fontRef>
+        </p:style>
+      </p:cxnSp>
+      <p:pic>
+        <p:nvPicPr>
+          <p:cNvPr id="14" name="Picture 13"/>
+          <p:cNvPicPr>
+            <a:picLocks noChangeAspect="1"/>
+          </p:cNvPicPr>
+          <p:nvPr/>
+        </p:nvPicPr>
+        <p:blipFill rotWithShape="1">
+          <a:blip r:embed="rId2">
+            <a:clrChange>
+              <a:clrFrom>
+                <a:srgbClr val="000000"/>
+              </a:clrFrom>
+              <a:clrTo>
+                <a:srgbClr val="000000">
+                  <a:alpha val="0"/>
+                </a:srgbClr>
+              </a:clrTo>
+            </a:clrChange>
+            <a:duotone>
+              <a:schemeClr val="accent5">
+                <a:shade val="45000"/>
+                <a:satMod val="135000"/>
+              </a:schemeClr>
+              <a:prstClr val="white"/>
+            </a:duotone>
+          </a:blip>
+          <a:srcRect l="55372" t="31036" r="35542" b="61342"/>
+          <a:stretch/>
+        </p:blipFill>
+        <p:spPr>
+          <a:xfrm>
+            <a:off x="7392144" y="2304001"/>
+            <a:ext cx="1008112" cy="476928"/>
+          </a:xfrm>
+          <a:prstGeom prst="rect">
+            <a:avLst/>
+          </a:prstGeom>
+          <a:noFill/>
+          <a:ln>
+            <a:noFill/>
+          </a:ln>
+        </p:spPr>
+      </p:pic>
+      <p:grpSp>
+        <p:nvGrpSpPr>
+          <p:cNvPr id="24" name="Group 23"/>
+          <p:cNvGrpSpPr/>
+          <p:nvPr/>
+        </p:nvGrpSpPr>
+        <p:grpSpPr>
+          <a:xfrm>
+            <a:off x="2423592" y="2304000"/>
+            <a:ext cx="576064" cy="280831"/>
+            <a:chOff x="2423592" y="2304000"/>
+            <a:chExt cx="576064" cy="280831"/>
+          </a:xfrm>
+        </p:grpSpPr>
+        <p:sp>
+          <p:nvSpPr>
+            <p:cNvPr id="25" name="Arrow: Right 24"/>
+            <p:cNvSpPr/>
+            <p:nvPr/>
+          </p:nvSpPr>
+          <p:spPr>
+            <a:xfrm>
+              <a:off x="2423592" y="2304000"/>
+              <a:ext cx="324000" cy="280831"/>
+            </a:xfrm>
+            <a:prstGeom prst="rightArrow">
+              <a:avLst/>
+            </a:prstGeom>
+            <a:solidFill>
+              <a:srgbClr val="FF6600"/>
+            </a:solidFill>
+            <a:ln>
+              <a:solidFill>
+                <a:srgbClr val="C00000"/>
+              </a:solidFill>
+            </a:ln>
+          </p:spPr>
+          <p:style>
+            <a:lnRef idx="2">
+              <a:schemeClr val="accent1">
+                <a:shade val="50000"/>
+              </a:schemeClr>
+            </a:lnRef>
+            <a:fillRef idx="1">
+              <a:schemeClr val="accent1"/>
+            </a:fillRef>
+            <a:effectRef idx="0">
+              <a:schemeClr val="accent1"/>
+            </a:effectRef>
+            <a:fontRef idx="minor">
+              <a:schemeClr val="lt1"/>
+            </a:fontRef>
+          </p:style>
+          <p:txBody>
+            <a:bodyPr rtlCol="0" anchor="ctr"/>
+            <a:lstStyle/>
+            <a:p>
+              <a:pPr algn="ctr"/>
+              <a:r>
+                <a:rPr lang="fr-FR" sz="1100" dirty="0">
+                  <a:solidFill>
+                    <a:schemeClr val="bg1"/>
+                  </a:solidFill>
+                  <a:latin typeface="Arial" panose="020B0604020202020204" pitchFamily="34" charset="0"/>
+                  <a:cs typeface="Arial" panose="020B0604020202020204" pitchFamily="34" charset="0"/>
+                </a:rPr>
+                <a:t>1</a:t>
+              </a:r>
+            </a:p>
+          </p:txBody>
+        </p:sp>
+        <p:cxnSp>
+          <p:nvCxnSpPr>
+            <p:cNvPr id="26" name="Straight Connector 25"/>
+            <p:cNvCxnSpPr/>
+            <p:nvPr/>
+          </p:nvCxnSpPr>
+          <p:spPr>
+            <a:xfrm>
+              <a:off x="2855640" y="2304000"/>
+              <a:ext cx="0" cy="252000"/>
+            </a:xfrm>
+            <a:prstGeom prst="line">
+              <a:avLst/>
+            </a:prstGeom>
+            <a:ln w="44450">
+              <a:solidFill>
+                <a:srgbClr val="C00000"/>
+              </a:solidFill>
+            </a:ln>
+          </p:spPr>
+          <p:style>
+            <a:lnRef idx="1">
+              <a:schemeClr val="accent1"/>
+            </a:lnRef>
+            <a:fillRef idx="0">
+              <a:schemeClr val="accent1"/>
+            </a:fillRef>
+            <a:effectRef idx="0">
+              <a:schemeClr val="accent1"/>
+            </a:effectRef>
+            <a:fontRef idx="minor">
+              <a:schemeClr val="tx1"/>
+            </a:fontRef>
+          </p:style>
+        </p:cxnSp>
+        <p:cxnSp>
+          <p:nvCxnSpPr>
+            <p:cNvPr id="27" name="Straight Connector 26"/>
+            <p:cNvCxnSpPr/>
+            <p:nvPr/>
+          </p:nvCxnSpPr>
+          <p:spPr>
+            <a:xfrm>
+              <a:off x="2999656" y="2304000"/>
+              <a:ext cx="0" cy="252000"/>
+            </a:xfrm>
+            <a:prstGeom prst="line">
+              <a:avLst/>
+            </a:prstGeom>
+            <a:ln w="44450">
+              <a:solidFill>
+                <a:srgbClr val="C00000"/>
+              </a:solidFill>
+            </a:ln>
+          </p:spPr>
+          <p:style>
+            <a:lnRef idx="1">
+              <a:schemeClr val="accent1"/>
+            </a:lnRef>
+            <a:fillRef idx="0">
+              <a:schemeClr val="accent1"/>
+            </a:fillRef>
+            <a:effectRef idx="0">
+              <a:schemeClr val="accent1"/>
+            </a:effectRef>
+            <a:fontRef idx="minor">
+              <a:schemeClr val="tx1"/>
+            </a:fontRef>
+          </p:style>
+        </p:cxnSp>
+      </p:grpSp>
+    </p:spTree>
+    <p:extLst>
+      <p:ext uri="{BB962C8B-B14F-4D97-AF65-F5344CB8AC3E}">
+        <p14:creationId xmlns:p14="http://schemas.microsoft.com/office/powerpoint/2010/main" val="3144679443"/>
+      </p:ext>
+    </p:extLst>
+  </p:cSld>
+  <p:clrMapOvr>
+    <a:masterClrMapping/>
+  </p:clrMapOvr>
+  <mc:AlternateContent xmlns:mc="http://schemas.openxmlformats.org/markup-compatibility/2006" xmlns:p14="http://schemas.microsoft.com/office/powerpoint/2010/main">
+    <mc:Choice Requires="p14">
+      <p:transition spd="med" p14:dur="700">
+        <p:fade/>
+      </p:transition>
+    </mc:Choice>
+    <mc:Fallback xmlns="">
+      <p:transition spd="med">
+        <p:fade/>
+      </p:transition>
+    </mc:Fallback>
+  </mc:AlternateContent>
+</p:sld>
+</file>
+
+<file path=ppt/slides/slide24.xml><?xml version="1.0" encoding="utf-8"?>
+<p:sld xmlns:a="http://schemas.openxmlformats.org/drawingml/2006/main" xmlns:r="http://schemas.openxmlformats.org/officeDocument/2006/relationships" xmlns:p="http://schemas.openxmlformats.org/presentationml/2006/main">
+  <p:cSld>
+    <p:spTree>
+      <p:nvGrpSpPr>
+        <p:cNvPr id="1" name=""/>
+        <p:cNvGrpSpPr/>
+        <p:nvPr/>
+      </p:nvGrpSpPr>
+      <p:grpSpPr>
+        <a:xfrm>
+          <a:off x="0" y="0"/>
+          <a:ext cx="0" cy="0"/>
+          <a:chOff x="0" y="0"/>
+          <a:chExt cx="0" cy="0"/>
+        </a:xfrm>
+      </p:grpSpPr>
+      <p:grpSp>
+        <p:nvGrpSpPr>
+          <p:cNvPr id="6" name="Group 5"/>
+          <p:cNvGrpSpPr/>
+          <p:nvPr/>
+        </p:nvGrpSpPr>
+        <p:grpSpPr>
+          <a:xfrm>
+            <a:off x="1415480" y="1066800"/>
+            <a:ext cx="9361040" cy="5437627"/>
+            <a:chOff x="1415480" y="1066800"/>
+            <a:chExt cx="9361040" cy="5437627"/>
+          </a:xfrm>
+        </p:grpSpPr>
+        <p:pic>
+          <p:nvPicPr>
+            <p:cNvPr id="4" name="Picture 3"/>
+            <p:cNvPicPr>
+              <a:picLocks noChangeAspect="1"/>
+            </p:cNvPicPr>
+            <p:nvPr/>
+          </p:nvPicPr>
+          <p:blipFill rotWithShape="1">
+            <a:blip r:embed="rId2"/>
+            <a:srcRect l="1506" t="11264" r="14126" b="1835"/>
+            <a:stretch/>
+          </p:blipFill>
+          <p:spPr>
+            <a:xfrm>
+              <a:off x="1415480" y="1066800"/>
+              <a:ext cx="9361040" cy="5437627"/>
+            </a:xfrm>
+            <a:prstGeom prst="rect">
+              <a:avLst/>
+            </a:prstGeom>
+            <a:noFill/>
+            <a:ln>
+              <a:solidFill>
+                <a:schemeClr val="accent1"/>
+              </a:solidFill>
+            </a:ln>
+          </p:spPr>
+        </p:pic>
+        <p:sp>
+          <p:nvSpPr>
+            <p:cNvPr id="5" name="Rectangle 4"/>
+            <p:cNvSpPr/>
+            <p:nvPr/>
+          </p:nvSpPr>
+          <p:spPr>
+            <a:xfrm>
+              <a:off x="1919536" y="5877272"/>
+              <a:ext cx="792088" cy="560320"/>
+            </a:xfrm>
+            <a:prstGeom prst="rect">
+              <a:avLst/>
+            </a:prstGeom>
+            <a:solidFill>
+              <a:schemeClr val="bg1"/>
+            </a:solidFill>
+            <a:ln>
+              <a:solidFill>
+                <a:schemeClr val="bg1"/>
+              </a:solidFill>
+            </a:ln>
+          </p:spPr>
+          <p:style>
+            <a:lnRef idx="2">
+              <a:schemeClr val="accent1">
+                <a:shade val="50000"/>
+              </a:schemeClr>
+            </a:lnRef>
+            <a:fillRef idx="1">
+              <a:schemeClr val="accent1"/>
+            </a:fillRef>
+            <a:effectRef idx="0">
+              <a:schemeClr val="accent1"/>
+            </a:effectRef>
+            <a:fontRef idx="minor">
+              <a:schemeClr val="lt1"/>
+            </a:fontRef>
+          </p:style>
+          <p:txBody>
+            <a:bodyPr rtlCol="0" anchor="ctr"/>
+            <a:lstStyle/>
+            <a:p>
+              <a:pPr algn="ctr"/>
+              <a:endParaRPr lang="fr-FR"/>
+            </a:p>
+          </p:txBody>
+        </p:sp>
+      </p:grpSp>
+      <p:sp>
+        <p:nvSpPr>
+          <p:cNvPr id="13" name="Title 12"/>
+          <p:cNvSpPr>
+            <a:spLocks noGrp="1"/>
+          </p:cNvSpPr>
+          <p:nvPr>
+            <p:ph type="title"/>
+          </p:nvPr>
+        </p:nvSpPr>
+        <p:spPr/>
+        <p:txBody>
+          <a:bodyPr anchor="t"/>
+          <a:lstStyle/>
+          <a:p>
+            <a:r>
+              <a:rPr lang="en-US" dirty="0"/>
+              <a:t>Let’s start with A question…</a:t>
+            </a:r>
+          </a:p>
+        </p:txBody>
+      </p:sp>
+      <p:sp>
+        <p:nvSpPr>
+          <p:cNvPr id="8" name="Arrow: Right 7"/>
+          <p:cNvSpPr/>
+          <p:nvPr/>
+        </p:nvSpPr>
+        <p:spPr>
+          <a:xfrm>
             <a:off x="2016000" y="2304000"/>
             <a:ext cx="324000" cy="280831"/>
           </a:xfrm>
@@ -15600,7 +16148,18 @@
           <a:lstStyle/>
           <a:p>
             <a:pPr algn="ctr"/>
-            <a:endParaRPr lang="fr-FR"/>
+            <a:r>
+              <a:rPr lang="fr-FR" sz="1100" dirty="0">
+                <a:solidFill>
+                  <a:schemeClr val="accent2">
+                    <a:lumMod val="50000"/>
+                  </a:schemeClr>
+                </a:solidFill>
+                <a:latin typeface="Arial" panose="020B0604020202020204" pitchFamily="34" charset="0"/>
+                <a:cs typeface="Arial" panose="020B0604020202020204" pitchFamily="34" charset="0"/>
+              </a:rPr>
+              <a:t>2</a:t>
+            </a:r>
           </a:p>
         </p:txBody>
       </p:sp>
@@ -15662,7 +16221,16 @@
             <a:lstStyle/>
             <a:p>
               <a:pPr algn="ctr"/>
-              <a:endParaRPr lang="fr-FR"/>
+              <a:r>
+                <a:rPr lang="fr-FR" sz="1100" dirty="0">
+                  <a:solidFill>
+                    <a:schemeClr val="bg1"/>
+                  </a:solidFill>
+                  <a:latin typeface="Arial" panose="020B0604020202020204" pitchFamily="34" charset="0"/>
+                  <a:cs typeface="Arial" panose="020B0604020202020204" pitchFamily="34" charset="0"/>
+                </a:rPr>
+                <a:t>1</a:t>
+              </a:r>
             </a:p>
           </p:txBody>
         </p:sp>
@@ -15869,7 +16437,7 @@
 </p:sld>
 </file>
 
-<file path=ppt/slides/slide24.xml><?xml version="1.0" encoding="utf-8"?>
+<file path=ppt/slides/slide25.xml><?xml version="1.0" encoding="utf-8"?>
 <p:sld xmlns:a="http://schemas.openxmlformats.org/drawingml/2006/main" xmlns:r="http://schemas.openxmlformats.org/officeDocument/2006/relationships" xmlns:p="http://schemas.openxmlformats.org/presentationml/2006/main">
   <p:cSld>
     <p:spTree>
@@ -16047,7 +16615,18 @@
           <a:lstStyle/>
           <a:p>
             <a:pPr algn="ctr"/>
-            <a:endParaRPr lang="fr-FR"/>
+            <a:r>
+              <a:rPr lang="fr-FR" sz="1100" dirty="0">
+                <a:solidFill>
+                  <a:schemeClr val="accent2">
+                    <a:lumMod val="50000"/>
+                  </a:schemeClr>
+                </a:solidFill>
+                <a:latin typeface="Arial" panose="020B0604020202020204" pitchFamily="34" charset="0"/>
+                <a:cs typeface="Arial" panose="020B0604020202020204" pitchFamily="34" charset="0"/>
+              </a:rPr>
+              <a:t>2</a:t>
+            </a:r>
           </a:p>
         </p:txBody>
       </p:sp>
@@ -16095,7 +16674,16 @@
           <a:lstStyle/>
           <a:p>
             <a:pPr algn="ctr"/>
-            <a:endParaRPr lang="fr-FR"/>
+            <a:r>
+              <a:rPr lang="fr-FR" sz="1100" dirty="0">
+                <a:solidFill>
+                  <a:schemeClr val="bg1"/>
+                </a:solidFill>
+                <a:latin typeface="Arial" panose="020B0604020202020204" pitchFamily="34" charset="0"/>
+                <a:cs typeface="Arial" panose="020B0604020202020204" pitchFamily="34" charset="0"/>
+              </a:rPr>
+              <a:t>1</a:t>
+            </a:r>
           </a:p>
         </p:txBody>
       </p:sp>
@@ -16255,7 +16843,16 @@
           <a:lstStyle/>
           <a:p>
             <a:pPr algn="ctr"/>
-            <a:endParaRPr lang="fr-FR"/>
+            <a:r>
+              <a:rPr lang="fr-FR" sz="1100" dirty="0">
+                <a:solidFill>
+                  <a:srgbClr val="C00000"/>
+                </a:solidFill>
+                <a:latin typeface="Arial" panose="020B0604020202020204" pitchFamily="34" charset="0"/>
+                <a:cs typeface="Arial" panose="020B0604020202020204" pitchFamily="34" charset="0"/>
+              </a:rPr>
+              <a:t>1</a:t>
+            </a:r>
           </a:p>
         </p:txBody>
       </p:sp>
@@ -16779,237 +17376,6 @@
 </p:sld>
 </file>
 
-<file path=ppt/slides/slide25.xml><?xml version="1.0" encoding="utf-8"?>
-<p:sld xmlns:a="http://schemas.openxmlformats.org/drawingml/2006/main" xmlns:r="http://schemas.openxmlformats.org/officeDocument/2006/relationships" xmlns:p="http://schemas.openxmlformats.org/presentationml/2006/main">
-  <p:cSld>
-    <p:spTree>
-      <p:nvGrpSpPr>
-        <p:cNvPr id="1" name=""/>
-        <p:cNvGrpSpPr/>
-        <p:nvPr/>
-      </p:nvGrpSpPr>
-      <p:grpSpPr>
-        <a:xfrm>
-          <a:off x="0" y="0"/>
-          <a:ext cx="0" cy="0"/>
-          <a:chOff x="0" y="0"/>
-          <a:chExt cx="0" cy="0"/>
-        </a:xfrm>
-      </p:grpSpPr>
-      <p:grpSp>
-        <p:nvGrpSpPr>
-          <p:cNvPr id="6" name="Group 5"/>
-          <p:cNvGrpSpPr/>
-          <p:nvPr/>
-        </p:nvGrpSpPr>
-        <p:grpSpPr>
-          <a:xfrm>
-            <a:off x="1415480" y="1066800"/>
-            <a:ext cx="9361040" cy="5437627"/>
-            <a:chOff x="1415480" y="1066800"/>
-            <a:chExt cx="9361040" cy="5437627"/>
-          </a:xfrm>
-        </p:grpSpPr>
-        <p:pic>
-          <p:nvPicPr>
-            <p:cNvPr id="4" name="Picture 3"/>
-            <p:cNvPicPr>
-              <a:picLocks noChangeAspect="1"/>
-            </p:cNvPicPr>
-            <p:nvPr/>
-          </p:nvPicPr>
-          <p:blipFill rotWithShape="1">
-            <a:blip r:embed="rId2"/>
-            <a:srcRect l="1506" t="11264" r="14126" b="1835"/>
-            <a:stretch/>
-          </p:blipFill>
-          <p:spPr>
-            <a:xfrm>
-              <a:off x="1415480" y="1066800"/>
-              <a:ext cx="9361040" cy="5437627"/>
-            </a:xfrm>
-            <a:prstGeom prst="rect">
-              <a:avLst/>
-            </a:prstGeom>
-            <a:noFill/>
-            <a:ln>
-              <a:solidFill>
-                <a:schemeClr val="accent1"/>
-              </a:solidFill>
-            </a:ln>
-          </p:spPr>
-        </p:pic>
-        <p:sp>
-          <p:nvSpPr>
-            <p:cNvPr id="5" name="Rectangle 4"/>
-            <p:cNvSpPr/>
-            <p:nvPr/>
-          </p:nvSpPr>
-          <p:spPr>
-            <a:xfrm>
-              <a:off x="1919536" y="5877272"/>
-              <a:ext cx="792088" cy="560320"/>
-            </a:xfrm>
-            <a:prstGeom prst="rect">
-              <a:avLst/>
-            </a:prstGeom>
-            <a:solidFill>
-              <a:schemeClr val="bg1"/>
-            </a:solidFill>
-            <a:ln>
-              <a:solidFill>
-                <a:schemeClr val="bg1"/>
-              </a:solidFill>
-            </a:ln>
-          </p:spPr>
-          <p:style>
-            <a:lnRef idx="2">
-              <a:schemeClr val="accent1">
-                <a:shade val="50000"/>
-              </a:schemeClr>
-            </a:lnRef>
-            <a:fillRef idx="1">
-              <a:schemeClr val="accent1"/>
-            </a:fillRef>
-            <a:effectRef idx="0">
-              <a:schemeClr val="accent1"/>
-            </a:effectRef>
-            <a:fontRef idx="minor">
-              <a:schemeClr val="lt1"/>
-            </a:fontRef>
-          </p:style>
-          <p:txBody>
-            <a:bodyPr rtlCol="0" anchor="ctr"/>
-            <a:lstStyle/>
-            <a:p>
-              <a:pPr algn="ctr"/>
-              <a:endParaRPr lang="fr-FR"/>
-            </a:p>
-          </p:txBody>
-        </p:sp>
-      </p:grpSp>
-      <p:sp>
-        <p:nvSpPr>
-          <p:cNvPr id="13" name="Title 12"/>
-          <p:cNvSpPr>
-            <a:spLocks noGrp="1"/>
-          </p:cNvSpPr>
-          <p:nvPr>
-            <p:ph type="title"/>
-          </p:nvPr>
-        </p:nvSpPr>
-        <p:spPr/>
-        <p:txBody>
-          <a:bodyPr anchor="t"/>
-          <a:lstStyle/>
-          <a:p>
-            <a:r>
-              <a:rPr lang="en-US" dirty="0"/>
-              <a:t>Let’s start with A question…</a:t>
-            </a:r>
-          </a:p>
-        </p:txBody>
-      </p:sp>
-      <p:pic>
-        <p:nvPicPr>
-          <p:cNvPr id="9" name="Picture 8"/>
-          <p:cNvPicPr>
-            <a:picLocks noChangeAspect="1"/>
-          </p:cNvPicPr>
-          <p:nvPr/>
-        </p:nvPicPr>
-        <p:blipFill rotWithShape="1">
-          <a:blip r:embed="rId3"/>
-          <a:srcRect l="17865" t="49279" r="33058" b="45230"/>
-          <a:stretch/>
-        </p:blipFill>
-        <p:spPr>
-          <a:xfrm>
-            <a:off x="3168000" y="3528000"/>
-            <a:ext cx="5760640" cy="360040"/>
-          </a:xfrm>
-          <a:prstGeom prst="rect">
-            <a:avLst/>
-          </a:prstGeom>
-          <a:noFill/>
-          <a:ln>
-            <a:noFill/>
-          </a:ln>
-        </p:spPr>
-      </p:pic>
-      <p:sp>
-        <p:nvSpPr>
-          <p:cNvPr id="10" name="Arrow: Right 9"/>
-          <p:cNvSpPr/>
-          <p:nvPr/>
-        </p:nvSpPr>
-        <p:spPr>
-          <a:xfrm>
-            <a:off x="2423592" y="2572105"/>
-            <a:ext cx="324000" cy="280831"/>
-          </a:xfrm>
-          <a:prstGeom prst="rightArrow">
-            <a:avLst/>
-          </a:prstGeom>
-          <a:solidFill>
-            <a:srgbClr val="FFFF00"/>
-          </a:solidFill>
-          <a:ln>
-            <a:solidFill>
-              <a:srgbClr val="FFC000"/>
-            </a:solidFill>
-          </a:ln>
-        </p:spPr>
-        <p:style>
-          <a:lnRef idx="2">
-            <a:schemeClr val="accent1">
-              <a:shade val="50000"/>
-            </a:schemeClr>
-          </a:lnRef>
-          <a:fillRef idx="1">
-            <a:schemeClr val="accent1"/>
-          </a:fillRef>
-          <a:effectRef idx="0">
-            <a:schemeClr val="accent1"/>
-          </a:effectRef>
-          <a:fontRef idx="minor">
-            <a:schemeClr val="lt1"/>
-          </a:fontRef>
-        </p:style>
-        <p:txBody>
-          <a:bodyPr rtlCol="0" anchor="ctr"/>
-          <a:lstStyle/>
-          <a:p>
-            <a:pPr algn="ctr"/>
-            <a:endParaRPr lang="fr-FR"/>
-          </a:p>
-        </p:txBody>
-      </p:sp>
-    </p:spTree>
-    <p:extLst>
-      <p:ext uri="{BB962C8B-B14F-4D97-AF65-F5344CB8AC3E}">
-        <p14:creationId xmlns:p14="http://schemas.microsoft.com/office/powerpoint/2010/main" val="2607785895"/>
-      </p:ext>
-    </p:extLst>
-  </p:cSld>
-  <p:clrMapOvr>
-    <a:masterClrMapping/>
-  </p:clrMapOvr>
-  <mc:AlternateContent xmlns:mc="http://schemas.openxmlformats.org/markup-compatibility/2006" xmlns:p14="http://schemas.microsoft.com/office/powerpoint/2010/main">
-    <mc:Choice Requires="p14">
-      <p:transition spd="med" p14:dur="700">
-        <p:fade/>
-      </p:transition>
-    </mc:Choice>
-    <mc:Fallback xmlns="">
-      <p:transition spd="med">
-        <p:fade/>
-      </p:transition>
-    </mc:Fallback>
-  </mc:AlternateContent>
-</p:sld>
-</file>
-
 <file path=ppt/slides/slide26.xml><?xml version="1.0" encoding="utf-8"?>
 <p:sld xmlns:a="http://schemas.openxmlformats.org/drawingml/2006/main" xmlns:r="http://schemas.openxmlformats.org/officeDocument/2006/relationships" xmlns:p="http://schemas.openxmlformats.org/presentationml/2006/main">
   <p:cSld>
@@ -17212,7 +17578,256 @@
           <a:lstStyle/>
           <a:p>
             <a:pPr algn="ctr"/>
-            <a:endParaRPr lang="fr-FR"/>
+            <a:r>
+              <a:rPr lang="fr-FR" sz="1100" dirty="0">
+                <a:solidFill>
+                  <a:srgbClr val="C00000"/>
+                </a:solidFill>
+                <a:latin typeface="Arial" panose="020B0604020202020204" pitchFamily="34" charset="0"/>
+                <a:cs typeface="Arial" panose="020B0604020202020204" pitchFamily="34" charset="0"/>
+              </a:rPr>
+              <a:t>1</a:t>
+            </a:r>
+          </a:p>
+        </p:txBody>
+      </p:sp>
+    </p:spTree>
+    <p:extLst>
+      <p:ext uri="{BB962C8B-B14F-4D97-AF65-F5344CB8AC3E}">
+        <p14:creationId xmlns:p14="http://schemas.microsoft.com/office/powerpoint/2010/main" val="2607785895"/>
+      </p:ext>
+    </p:extLst>
+  </p:cSld>
+  <p:clrMapOvr>
+    <a:masterClrMapping/>
+  </p:clrMapOvr>
+  <mc:AlternateContent xmlns:mc="http://schemas.openxmlformats.org/markup-compatibility/2006" xmlns:p14="http://schemas.microsoft.com/office/powerpoint/2010/main">
+    <mc:Choice Requires="p14">
+      <p:transition spd="med" p14:dur="700">
+        <p:fade/>
+      </p:transition>
+    </mc:Choice>
+    <mc:Fallback xmlns="">
+      <p:transition spd="med">
+        <p:fade/>
+      </p:transition>
+    </mc:Fallback>
+  </mc:AlternateContent>
+</p:sld>
+</file>
+
+<file path=ppt/slides/slide27.xml><?xml version="1.0" encoding="utf-8"?>
+<p:sld xmlns:a="http://schemas.openxmlformats.org/drawingml/2006/main" xmlns:r="http://schemas.openxmlformats.org/officeDocument/2006/relationships" xmlns:p="http://schemas.openxmlformats.org/presentationml/2006/main">
+  <p:cSld>
+    <p:spTree>
+      <p:nvGrpSpPr>
+        <p:cNvPr id="1" name=""/>
+        <p:cNvGrpSpPr/>
+        <p:nvPr/>
+      </p:nvGrpSpPr>
+      <p:grpSpPr>
+        <a:xfrm>
+          <a:off x="0" y="0"/>
+          <a:ext cx="0" cy="0"/>
+          <a:chOff x="0" y="0"/>
+          <a:chExt cx="0" cy="0"/>
+        </a:xfrm>
+      </p:grpSpPr>
+      <p:grpSp>
+        <p:nvGrpSpPr>
+          <p:cNvPr id="6" name="Group 5"/>
+          <p:cNvGrpSpPr/>
+          <p:nvPr/>
+        </p:nvGrpSpPr>
+        <p:grpSpPr>
+          <a:xfrm>
+            <a:off x="1415480" y="1066800"/>
+            <a:ext cx="9361040" cy="5437627"/>
+            <a:chOff x="1415480" y="1066800"/>
+            <a:chExt cx="9361040" cy="5437627"/>
+          </a:xfrm>
+        </p:grpSpPr>
+        <p:pic>
+          <p:nvPicPr>
+            <p:cNvPr id="4" name="Picture 3"/>
+            <p:cNvPicPr>
+              <a:picLocks noChangeAspect="1"/>
+            </p:cNvPicPr>
+            <p:nvPr/>
+          </p:nvPicPr>
+          <p:blipFill rotWithShape="1">
+            <a:blip r:embed="rId2"/>
+            <a:srcRect l="1506" t="11264" r="14126" b="1835"/>
+            <a:stretch/>
+          </p:blipFill>
+          <p:spPr>
+            <a:xfrm>
+              <a:off x="1415480" y="1066800"/>
+              <a:ext cx="9361040" cy="5437627"/>
+            </a:xfrm>
+            <a:prstGeom prst="rect">
+              <a:avLst/>
+            </a:prstGeom>
+            <a:noFill/>
+            <a:ln>
+              <a:solidFill>
+                <a:schemeClr val="accent1"/>
+              </a:solidFill>
+            </a:ln>
+          </p:spPr>
+        </p:pic>
+        <p:sp>
+          <p:nvSpPr>
+            <p:cNvPr id="5" name="Rectangle 4"/>
+            <p:cNvSpPr/>
+            <p:nvPr/>
+          </p:nvSpPr>
+          <p:spPr>
+            <a:xfrm>
+              <a:off x="1919536" y="5877272"/>
+              <a:ext cx="792088" cy="560320"/>
+            </a:xfrm>
+            <a:prstGeom prst="rect">
+              <a:avLst/>
+            </a:prstGeom>
+            <a:solidFill>
+              <a:schemeClr val="bg1"/>
+            </a:solidFill>
+            <a:ln>
+              <a:solidFill>
+                <a:schemeClr val="bg1"/>
+              </a:solidFill>
+            </a:ln>
+          </p:spPr>
+          <p:style>
+            <a:lnRef idx="2">
+              <a:schemeClr val="accent1">
+                <a:shade val="50000"/>
+              </a:schemeClr>
+            </a:lnRef>
+            <a:fillRef idx="1">
+              <a:schemeClr val="accent1"/>
+            </a:fillRef>
+            <a:effectRef idx="0">
+              <a:schemeClr val="accent1"/>
+            </a:effectRef>
+            <a:fontRef idx="minor">
+              <a:schemeClr val="lt1"/>
+            </a:fontRef>
+          </p:style>
+          <p:txBody>
+            <a:bodyPr rtlCol="0" anchor="ctr"/>
+            <a:lstStyle/>
+            <a:p>
+              <a:pPr algn="ctr"/>
+              <a:endParaRPr lang="fr-FR"/>
+            </a:p>
+          </p:txBody>
+        </p:sp>
+      </p:grpSp>
+      <p:sp>
+        <p:nvSpPr>
+          <p:cNvPr id="13" name="Title 12"/>
+          <p:cNvSpPr>
+            <a:spLocks noGrp="1"/>
+          </p:cNvSpPr>
+          <p:nvPr>
+            <p:ph type="title"/>
+          </p:nvPr>
+        </p:nvSpPr>
+        <p:spPr/>
+        <p:txBody>
+          <a:bodyPr anchor="t"/>
+          <a:lstStyle/>
+          <a:p>
+            <a:r>
+              <a:rPr lang="en-US" dirty="0"/>
+              <a:t>Let’s start with A question…</a:t>
+            </a:r>
+          </a:p>
+        </p:txBody>
+      </p:sp>
+      <p:pic>
+        <p:nvPicPr>
+          <p:cNvPr id="9" name="Picture 8"/>
+          <p:cNvPicPr>
+            <a:picLocks noChangeAspect="1"/>
+          </p:cNvPicPr>
+          <p:nvPr/>
+        </p:nvPicPr>
+        <p:blipFill rotWithShape="1">
+          <a:blip r:embed="rId3"/>
+          <a:srcRect l="17865" t="49279" r="33058" b="45230"/>
+          <a:stretch/>
+        </p:blipFill>
+        <p:spPr>
+          <a:xfrm>
+            <a:off x="3168000" y="3528000"/>
+            <a:ext cx="5760640" cy="360040"/>
+          </a:xfrm>
+          <a:prstGeom prst="rect">
+            <a:avLst/>
+          </a:prstGeom>
+          <a:noFill/>
+          <a:ln>
+            <a:noFill/>
+          </a:ln>
+        </p:spPr>
+      </p:pic>
+      <p:sp>
+        <p:nvSpPr>
+          <p:cNvPr id="10" name="Arrow: Right 9"/>
+          <p:cNvSpPr/>
+          <p:nvPr/>
+        </p:nvSpPr>
+        <p:spPr>
+          <a:xfrm>
+            <a:off x="2423592" y="2572105"/>
+            <a:ext cx="324000" cy="280831"/>
+          </a:xfrm>
+          <a:prstGeom prst="rightArrow">
+            <a:avLst/>
+          </a:prstGeom>
+          <a:solidFill>
+            <a:srgbClr val="FFFF00"/>
+          </a:solidFill>
+          <a:ln>
+            <a:solidFill>
+              <a:srgbClr val="FFC000"/>
+            </a:solidFill>
+          </a:ln>
+        </p:spPr>
+        <p:style>
+          <a:lnRef idx="2">
+            <a:schemeClr val="accent1">
+              <a:shade val="50000"/>
+            </a:schemeClr>
+          </a:lnRef>
+          <a:fillRef idx="1">
+            <a:schemeClr val="accent1"/>
+          </a:fillRef>
+          <a:effectRef idx="0">
+            <a:schemeClr val="accent1"/>
+          </a:effectRef>
+          <a:fontRef idx="minor">
+            <a:schemeClr val="lt1"/>
+          </a:fontRef>
+        </p:style>
+        <p:txBody>
+          <a:bodyPr rtlCol="0" anchor="ctr"/>
+          <a:lstStyle/>
+          <a:p>
+            <a:pPr algn="ctr"/>
+            <a:r>
+              <a:rPr lang="fr-FR" sz="1100" dirty="0">
+                <a:solidFill>
+                  <a:srgbClr val="C00000"/>
+                </a:solidFill>
+                <a:latin typeface="Arial" panose="020B0604020202020204" pitchFamily="34" charset="0"/>
+                <a:cs typeface="Arial" panose="020B0604020202020204" pitchFamily="34" charset="0"/>
+              </a:rPr>
+              <a:t>1</a:t>
+            </a:r>
           </a:p>
         </p:txBody>
       </p:sp>
@@ -17376,7 +17991,7 @@
 </p:sld>
 </file>
 
-<file path=ppt/slides/slide27.xml><?xml version="1.0" encoding="utf-8"?>
+<file path=ppt/slides/slide28.xml><?xml version="1.0" encoding="utf-8"?>
 <p:sld xmlns:a="http://schemas.openxmlformats.org/drawingml/2006/main" xmlns:r="http://schemas.openxmlformats.org/officeDocument/2006/relationships" xmlns:p="http://schemas.openxmlformats.org/presentationml/2006/main">
   <p:cSld>
     <p:spTree>
@@ -17410,7 +18025,7 @@
           <a:p>
             <a:r>
               <a:rPr lang="en-US" dirty="0"/>
-              <a:t>Was your first answer correct?</a:t>
+              <a:t>Was IT your first answer?</a:t>
             </a:r>
           </a:p>
         </p:txBody>
@@ -17461,74 +18076,52 @@
           </a:extLst>
         </p:spPr>
       </p:pic>
-    </p:spTree>
-    <p:extLst>
-      <p:ext uri="{BB962C8B-B14F-4D97-AF65-F5344CB8AC3E}">
-        <p14:creationId xmlns:p14="http://schemas.microsoft.com/office/powerpoint/2010/main" val="2680392148"/>
-      </p:ext>
-    </p:extLst>
-  </p:cSld>
-  <p:clrMapOvr>
-    <a:masterClrMapping/>
-  </p:clrMapOvr>
-  <mc:AlternateContent xmlns:mc="http://schemas.openxmlformats.org/markup-compatibility/2006" xmlns:p14="http://schemas.microsoft.com/office/powerpoint/2010/main">
-    <mc:Choice Requires="p14">
-      <p:transition spd="med" p14:dur="700">
-        <p:fade/>
-      </p:transition>
-    </mc:Choice>
-    <mc:Fallback xmlns="">
-      <p:transition spd="med">
-        <p:fade/>
-      </p:transition>
-    </mc:Fallback>
-  </mc:AlternateContent>
-</p:sld>
-</file>
-
-<file path=ppt/slides/slide28.xml><?xml version="1.0" encoding="utf-8"?>
-<p:sld xmlns:a="http://schemas.openxmlformats.org/drawingml/2006/main" xmlns:r="http://schemas.openxmlformats.org/officeDocument/2006/relationships" xmlns:p="http://schemas.openxmlformats.org/presentationml/2006/main">
-  <p:cSld>
-    <p:spTree>
-      <p:nvGrpSpPr>
-        <p:cNvPr id="1" name=""/>
-        <p:cNvGrpSpPr/>
-        <p:nvPr/>
-      </p:nvGrpSpPr>
-      <p:grpSpPr>
-        <a:xfrm>
-          <a:off x="0" y="0"/>
-          <a:ext cx="0" cy="0"/>
-          <a:chOff x="0" y="0"/>
-          <a:chExt cx="0" cy="0"/>
-        </a:xfrm>
-      </p:grpSpPr>
       <p:sp>
         <p:nvSpPr>
-          <p:cNvPr id="4" name="Title 3"/>
+          <p:cNvPr id="4" name="Content Placeholder 13"/>
           <p:cNvSpPr>
             <a:spLocks noGrp="1"/>
           </p:cNvSpPr>
           <p:nvPr>
-            <p:ph type="title"/>
+            <p:ph idx="1"/>
           </p:nvPr>
         </p:nvSpPr>
-        <p:spPr/>
+        <p:spPr>
+          <a:xfrm>
+            <a:off x="4652319" y="5944107"/>
+            <a:ext cx="4672656" cy="581237"/>
+          </a:xfrm>
+        </p:spPr>
         <p:txBody>
-          <a:bodyPr/>
+          <a:bodyPr anchor="ctr">
+            <a:normAutofit/>
+          </a:bodyPr>
           <a:lstStyle/>
           <a:p>
+            <a:pPr marL="0" indent="0" algn="r">
+              <a:buNone/>
+            </a:pPr>
             <a:r>
-              <a:rPr lang="en-GB" dirty="0"/>
-              <a:t>Back to Basics</a:t>
+              <a:rPr lang="en-US" sz="2200" dirty="0">
+                <a:solidFill>
+                  <a:schemeClr val="accent1"/>
+                </a:solidFill>
+                <a:hlinkClick r:id="rId4" action="ppaction://hlinksldjump"/>
+              </a:rPr>
+              <a:t>Replay?</a:t>
             </a:r>
+            <a:endParaRPr lang="en-US" sz="2200" dirty="0">
+              <a:solidFill>
+                <a:schemeClr val="accent1"/>
+              </a:solidFill>
+            </a:endParaRPr>
           </a:p>
         </p:txBody>
       </p:sp>
     </p:spTree>
     <p:extLst>
       <p:ext uri="{BB962C8B-B14F-4D97-AF65-F5344CB8AC3E}">
-        <p14:creationId xmlns:p14="http://schemas.microsoft.com/office/powerpoint/2010/main" val="2807824017"/>
+        <p14:creationId xmlns:p14="http://schemas.microsoft.com/office/powerpoint/2010/main" val="2680392148"/>
       </p:ext>
     </p:extLst>
   </p:cSld>
@@ -17584,15 +18177,7 @@
           <a:p>
             <a:r>
               <a:rPr lang="en-GB" dirty="0"/>
-              <a:t>Back to Basics: </a:t>
-            </a:r>
-            <a:r>
-              <a:rPr lang="en-GB" dirty="0">
-                <a:solidFill>
-                  <a:schemeClr val="tx2"/>
-                </a:solidFill>
-              </a:rPr>
-              <a:t>WHY ASYNC</a:t>
+              <a:t>Back to Basics</a:t>
             </a:r>
           </a:p>
         </p:txBody>
@@ -17600,7 +18185,7 @@
     </p:spTree>
     <p:extLst>
       <p:ext uri="{BB962C8B-B14F-4D97-AF65-F5344CB8AC3E}">
-        <p14:creationId xmlns:p14="http://schemas.microsoft.com/office/powerpoint/2010/main" val="1066059200"/>
+        <p14:creationId xmlns:p14="http://schemas.microsoft.com/office/powerpoint/2010/main" val="2807824017"/>
       </p:ext>
     </p:extLst>
   </p:cSld>
@@ -17824,6 +18409,78 @@
       </p:grpSpPr>
       <p:sp>
         <p:nvSpPr>
+          <p:cNvPr id="4" name="Title 3"/>
+          <p:cNvSpPr>
+            <a:spLocks noGrp="1"/>
+          </p:cNvSpPr>
+          <p:nvPr>
+            <p:ph type="title"/>
+          </p:nvPr>
+        </p:nvSpPr>
+        <p:spPr/>
+        <p:txBody>
+          <a:bodyPr/>
+          <a:lstStyle/>
+          <a:p>
+            <a:r>
+              <a:rPr lang="en-GB" dirty="0"/>
+              <a:t>Back to Basics: </a:t>
+            </a:r>
+            <a:r>
+              <a:rPr lang="en-GB" dirty="0">
+                <a:solidFill>
+                  <a:schemeClr val="tx2"/>
+                </a:solidFill>
+              </a:rPr>
+              <a:t>WHY ASYNC</a:t>
+            </a:r>
+          </a:p>
+        </p:txBody>
+      </p:sp>
+    </p:spTree>
+    <p:extLst>
+      <p:ext uri="{BB962C8B-B14F-4D97-AF65-F5344CB8AC3E}">
+        <p14:creationId xmlns:p14="http://schemas.microsoft.com/office/powerpoint/2010/main" val="1066059200"/>
+      </p:ext>
+    </p:extLst>
+  </p:cSld>
+  <p:clrMapOvr>
+    <a:masterClrMapping/>
+  </p:clrMapOvr>
+  <mc:AlternateContent xmlns:mc="http://schemas.openxmlformats.org/markup-compatibility/2006" xmlns:p14="http://schemas.microsoft.com/office/powerpoint/2010/main">
+    <mc:Choice Requires="p14">
+      <p:transition spd="med" p14:dur="700">
+        <p:fade/>
+      </p:transition>
+    </mc:Choice>
+    <mc:Fallback xmlns="">
+      <p:transition spd="med">
+        <p:fade/>
+      </p:transition>
+    </mc:Fallback>
+  </mc:AlternateContent>
+</p:sld>
+</file>
+
+<file path=ppt/slides/slide31.xml><?xml version="1.0" encoding="utf-8"?>
+<p:sld xmlns:a="http://schemas.openxmlformats.org/drawingml/2006/main" xmlns:r="http://schemas.openxmlformats.org/officeDocument/2006/relationships" xmlns:p="http://schemas.openxmlformats.org/presentationml/2006/main">
+  <p:cSld>
+    <p:spTree>
+      <p:nvGrpSpPr>
+        <p:cNvPr id="1" name=""/>
+        <p:cNvGrpSpPr/>
+        <p:nvPr/>
+      </p:nvGrpSpPr>
+      <p:grpSpPr>
+        <a:xfrm>
+          <a:off x="0" y="0"/>
+          <a:ext cx="0" cy="0"/>
+          <a:chOff x="0" y="0"/>
+          <a:chExt cx="0" cy="0"/>
+        </a:xfrm>
+      </p:grpSpPr>
+      <p:sp>
+        <p:nvSpPr>
           <p:cNvPr id="13" name="Title 12"/>
           <p:cNvSpPr>
             <a:spLocks noGrp="1"/>
@@ -17915,7 +18572,7 @@
 </p:sld>
 </file>
 
-<file path=ppt/slides/slide31.xml><?xml version="1.0" encoding="utf-8"?>
+<file path=ppt/slides/slide32.xml><?xml version="1.0" encoding="utf-8"?>
 <p:sld xmlns:a="http://schemas.openxmlformats.org/drawingml/2006/main" xmlns:r="http://schemas.openxmlformats.org/officeDocument/2006/relationships" xmlns:p="http://schemas.openxmlformats.org/presentationml/2006/main">
   <p:cSld>
     <p:spTree>
@@ -17949,7 +18606,15 @@
           <a:p>
             <a:r>
               <a:rPr lang="en-US" dirty="0"/>
-              <a:t>A simple rule to avoid waste of CPU</a:t>
+              <a:t>A simple rule to avoid waste </a:t>
+            </a:r>
+            <a:r>
+              <a:rPr lang="en-US" dirty="0">
+                <a:solidFill>
+                  <a:schemeClr val="tx2"/>
+                </a:solidFill>
+              </a:rPr>
+              <a:t>of CPU</a:t>
             </a:r>
           </a:p>
         </p:txBody>
@@ -18108,7 +18773,7 @@
 </p:sld>
 </file>
 
-<file path=ppt/slides/slide32.xml><?xml version="1.0" encoding="utf-8"?>
+<file path=ppt/slides/slide33.xml><?xml version="1.0" encoding="utf-8"?>
 <p:sld xmlns:a="http://schemas.openxmlformats.org/drawingml/2006/main" xmlns:r="http://schemas.openxmlformats.org/officeDocument/2006/relationships" xmlns:p="http://schemas.openxmlformats.org/presentationml/2006/main">
   <p:cSld>
     <p:spTree>
@@ -18229,7 +18894,7 @@
 </p:sld>
 </file>
 
-<file path=ppt/slides/slide33.xml><?xml version="1.0" encoding="utf-8"?>
+<file path=ppt/slides/slide34.xml><?xml version="1.0" encoding="utf-8"?>
 <p:sld xmlns:a="http://schemas.openxmlformats.org/drawingml/2006/main" xmlns:r="http://schemas.openxmlformats.org/officeDocument/2006/relationships" xmlns:p="http://schemas.openxmlformats.org/presentationml/2006/main">
   <p:cSld>
     <p:spTree>
@@ -18317,7 +18982,27 @@
             <a:pPr lvl="0"/>
             <a:r>
               <a:rPr lang="en-US" dirty="0"/>
-              <a:t>The caller thread will be blocked until it’s done</a:t>
+              <a:t>The </a:t>
+            </a:r>
+            <a:r>
+              <a:rPr lang="en-US" dirty="0">
+                <a:solidFill>
+                  <a:schemeClr val="accent1"/>
+                </a:solidFill>
+              </a:rPr>
+              <a:t>caller</a:t>
+            </a:r>
+            <a:r>
+              <a:rPr lang="en-US" dirty="0"/>
+              <a:t> thread will be </a:t>
+            </a:r>
+            <a:r>
+              <a:rPr lang="en-US" dirty="0">
+                <a:solidFill>
+                  <a:schemeClr val="accent1"/>
+                </a:solidFill>
+              </a:rPr>
+              <a:t>blocked until it’s done</a:t>
             </a:r>
           </a:p>
         </p:txBody>
@@ -18705,7 +19390,7 @@
             </p:spPr>
             <p:txBody>
               <a:bodyPr vert="horz" lIns="91440" tIns="45720" rIns="91440" bIns="45720" rtlCol="0" anchor="t">
-                <a:normAutofit fontScale="92500"/>
+                <a:normAutofit fontScale="92500" lnSpcReduction="10000"/>
               </a:bodyPr>
               <a:lstStyle>
                 <a:lvl1pPr marL="223838" indent="-223838" algn="l" defTabSz="914400" rtl="0" eaLnBrk="1" latinLnBrk="0" hangingPunct="1">
@@ -18906,7 +19591,7 @@
                 </a:r>
                 <a:r>
                   <a:rPr lang="en-US" dirty="0"/>
-                  <a:t>something here and now.</a:t>
+                  <a:t>something here and now (off-loading).</a:t>
                 </a:r>
               </a:p>
               <a:p>
@@ -19149,7 +19834,274 @@
 </p:sld>
 </file>
 
-<file path=ppt/slides/slide34.xml><?xml version="1.0" encoding="utf-8"?>
+<file path=ppt/slides/slide35.xml><?xml version="1.0" encoding="utf-8"?>
+<p:sld xmlns:a="http://schemas.openxmlformats.org/drawingml/2006/main" xmlns:r="http://schemas.openxmlformats.org/officeDocument/2006/relationships" xmlns:p="http://schemas.openxmlformats.org/presentationml/2006/main">
+  <p:cSld>
+    <p:spTree>
+      <p:nvGrpSpPr>
+        <p:cNvPr id="1" name=""/>
+        <p:cNvGrpSpPr/>
+        <p:nvPr/>
+      </p:nvGrpSpPr>
+      <p:grpSpPr>
+        <a:xfrm>
+          <a:off x="0" y="0"/>
+          <a:ext cx="0" cy="0"/>
+          <a:chOff x="0" y="0"/>
+          <a:chExt cx="0" cy="0"/>
+        </a:xfrm>
+      </p:grpSpPr>
+      <p:sp>
+        <p:nvSpPr>
+          <p:cNvPr id="6" name="Content Placeholder 13"/>
+          <p:cNvSpPr txBox="1">
+            <a:spLocks/>
+          </p:cNvSpPr>
+          <p:nvPr/>
+        </p:nvSpPr>
+        <p:spPr>
+          <a:xfrm>
+            <a:off x="2334860" y="5157192"/>
+            <a:ext cx="7522281" cy="1486966"/>
+          </a:xfrm>
+          <a:prstGeom prst="rect">
+            <a:avLst/>
+          </a:prstGeom>
+        </p:spPr>
+        <p:txBody>
+          <a:bodyPr vert="horz" lIns="91440" tIns="45720" rIns="91440" bIns="45720" rtlCol="0" anchor="t">
+            <a:normAutofit/>
+          </a:bodyPr>
+          <a:lstStyle>
+            <a:lvl1pPr marL="223838" indent="-223838" algn="l" defTabSz="914400" rtl="0" eaLnBrk="1" latinLnBrk="0" hangingPunct="1">
+              <a:lnSpc>
+                <a:spcPct val="90000"/>
+              </a:lnSpc>
+              <a:spcBef>
+                <a:spcPts val="1800"/>
+              </a:spcBef>
+              <a:buClr>
+                <a:schemeClr val="accent1"/>
+              </a:buClr>
+              <a:buSzPct val="100000"/>
+              <a:buFont typeface="Arial" pitchFamily="34" charset="0"/>
+              <a:buChar char="•"/>
+              <a:defRPr sz="2400" kern="1200">
+                <a:solidFill>
+                  <a:schemeClr val="tx1"/>
+                </a:solidFill>
+                <a:latin typeface="+mn-lt"/>
+                <a:ea typeface="+mn-ea"/>
+                <a:cs typeface="+mn-cs"/>
+              </a:defRPr>
+            </a:lvl1pPr>
+            <a:lvl2pPr marL="463550" indent="-231775" algn="l" defTabSz="914400" rtl="0" eaLnBrk="1" latinLnBrk="0" hangingPunct="1">
+              <a:lnSpc>
+                <a:spcPct val="90000"/>
+              </a:lnSpc>
+              <a:spcBef>
+                <a:spcPts val="1200"/>
+              </a:spcBef>
+              <a:buClr>
+                <a:schemeClr val="accent1"/>
+              </a:buClr>
+              <a:buSzPct val="100000"/>
+              <a:buFont typeface="Arial" pitchFamily="34" charset="0"/>
+              <a:buChar char="•"/>
+              <a:defRPr sz="2000" kern="1200">
+                <a:solidFill>
+                  <a:schemeClr val="tx1"/>
+                </a:solidFill>
+                <a:latin typeface="+mn-lt"/>
+                <a:ea typeface="+mn-ea"/>
+                <a:cs typeface="+mn-cs"/>
+              </a:defRPr>
+            </a:lvl2pPr>
+            <a:lvl3pPr marL="682625" indent="-219075" algn="l" defTabSz="914400" rtl="0" eaLnBrk="1" latinLnBrk="0" hangingPunct="1">
+              <a:lnSpc>
+                <a:spcPct val="90000"/>
+              </a:lnSpc>
+              <a:spcBef>
+                <a:spcPts val="600"/>
+              </a:spcBef>
+              <a:buClr>
+                <a:schemeClr val="accent1"/>
+              </a:buClr>
+              <a:buSzPct val="100000"/>
+              <a:buFont typeface="Arial" pitchFamily="34" charset="0"/>
+              <a:buChar char="•"/>
+              <a:defRPr sz="1800" kern="1200">
+                <a:solidFill>
+                  <a:schemeClr val="tx1"/>
+                </a:solidFill>
+                <a:latin typeface="+mn-lt"/>
+                <a:ea typeface="+mn-ea"/>
+                <a:cs typeface="+mn-cs"/>
+              </a:defRPr>
+            </a:lvl3pPr>
+            <a:lvl4pPr marL="857250" indent="-174625" algn="l" defTabSz="914400" rtl="0" eaLnBrk="1" latinLnBrk="0" hangingPunct="1">
+              <a:lnSpc>
+                <a:spcPct val="90000"/>
+              </a:lnSpc>
+              <a:spcBef>
+                <a:spcPts val="600"/>
+              </a:spcBef>
+              <a:buClr>
+                <a:schemeClr val="accent1"/>
+              </a:buClr>
+              <a:buSzPct val="100000"/>
+              <a:buFont typeface="Arial" pitchFamily="34" charset="0"/>
+              <a:buChar char="•"/>
+              <a:defRPr sz="1600" kern="1200">
+                <a:solidFill>
+                  <a:schemeClr val="tx1"/>
+                </a:solidFill>
+                <a:latin typeface="+mn-lt"/>
+                <a:ea typeface="+mn-ea"/>
+                <a:cs typeface="+mn-cs"/>
+              </a:defRPr>
+            </a:lvl4pPr>
+            <a:lvl5pPr marL="1030288" indent="-173038" algn="l" defTabSz="914400" rtl="0" eaLnBrk="1" latinLnBrk="0" hangingPunct="1">
+              <a:lnSpc>
+                <a:spcPct val="90000"/>
+              </a:lnSpc>
+              <a:spcBef>
+                <a:spcPts val="600"/>
+              </a:spcBef>
+              <a:buClr>
+                <a:schemeClr val="accent1"/>
+              </a:buClr>
+              <a:buSzPct val="100000"/>
+              <a:buFont typeface="Arial" pitchFamily="34" charset="0"/>
+              <a:buChar char="•"/>
+              <a:defRPr sz="1600" kern="1200">
+                <a:solidFill>
+                  <a:schemeClr val="tx1"/>
+                </a:solidFill>
+                <a:latin typeface="+mn-lt"/>
+                <a:ea typeface="+mn-ea"/>
+                <a:cs typeface="+mn-cs"/>
+              </a:defRPr>
+            </a:lvl5pPr>
+            <a:lvl6pPr marL="1207008" indent="-173736" algn="l" defTabSz="914400" rtl="0" eaLnBrk="1" latinLnBrk="0" hangingPunct="1">
+              <a:spcBef>
+                <a:spcPts val="600"/>
+              </a:spcBef>
+              <a:buClr>
+                <a:schemeClr val="accent1"/>
+              </a:buClr>
+              <a:buFont typeface="Arial" pitchFamily="34" charset="0"/>
+              <a:buChar char="•"/>
+              <a:defRPr sz="1600" kern="1200">
+                <a:solidFill>
+                  <a:schemeClr val="tx1"/>
+                </a:solidFill>
+                <a:latin typeface="+mn-lt"/>
+                <a:ea typeface="+mn-ea"/>
+                <a:cs typeface="+mn-cs"/>
+              </a:defRPr>
+            </a:lvl6pPr>
+            <a:lvl7pPr marL="1380744" indent="-173736" algn="l" defTabSz="914400" rtl="0" eaLnBrk="1" latinLnBrk="0" hangingPunct="1">
+              <a:spcBef>
+                <a:spcPts val="600"/>
+              </a:spcBef>
+              <a:buClr>
+                <a:schemeClr val="accent1"/>
+              </a:buClr>
+              <a:buFont typeface="Arial" pitchFamily="34" charset="0"/>
+              <a:buChar char="•"/>
+              <a:defRPr sz="1600" kern="1200">
+                <a:solidFill>
+                  <a:schemeClr val="tx1"/>
+                </a:solidFill>
+                <a:latin typeface="+mn-lt"/>
+                <a:ea typeface="+mn-ea"/>
+                <a:cs typeface="+mn-cs"/>
+              </a:defRPr>
+            </a:lvl7pPr>
+            <a:lvl8pPr marL="1554480" indent="-173736" algn="l" defTabSz="914400" rtl="0" eaLnBrk="1" latinLnBrk="0" hangingPunct="1">
+              <a:spcBef>
+                <a:spcPts val="600"/>
+              </a:spcBef>
+              <a:buClr>
+                <a:schemeClr val="accent1"/>
+              </a:buClr>
+              <a:buFont typeface="Arial" pitchFamily="34" charset="0"/>
+              <a:buChar char="•"/>
+              <a:defRPr sz="1600" kern="1200">
+                <a:solidFill>
+                  <a:schemeClr val="tx1"/>
+                </a:solidFill>
+                <a:latin typeface="+mn-lt"/>
+                <a:ea typeface="+mn-ea"/>
+                <a:cs typeface="+mn-cs"/>
+              </a:defRPr>
+            </a:lvl8pPr>
+            <a:lvl9pPr marL="1728216" indent="-173736" algn="l" defTabSz="914400" rtl="0" eaLnBrk="1" latinLnBrk="0" hangingPunct="1">
+              <a:spcBef>
+                <a:spcPts val="600"/>
+              </a:spcBef>
+              <a:buClr>
+                <a:schemeClr val="accent1"/>
+              </a:buClr>
+              <a:buFont typeface="Arial" pitchFamily="34" charset="0"/>
+              <a:buChar char="•"/>
+              <a:defRPr sz="1600" kern="1200">
+                <a:solidFill>
+                  <a:schemeClr val="tx1"/>
+                </a:solidFill>
+                <a:latin typeface="+mn-lt"/>
+                <a:ea typeface="+mn-ea"/>
+                <a:cs typeface="+mn-cs"/>
+              </a:defRPr>
+            </a:lvl9pPr>
+          </a:lstStyle>
+          <a:p>
+            <a:pPr marL="0" indent="0" algn="ctr">
+              <a:buNone/>
+            </a:pPr>
+            <a:r>
+              <a:rPr lang="en-US" sz="3600" cap="all" dirty="0">
+                <a:solidFill>
+                  <a:schemeClr val="accent4"/>
+                </a:solidFill>
+              </a:rPr>
+              <a:t>Let’s talk about execution now</a:t>
+            </a:r>
+            <a:endParaRPr lang="en-US" dirty="0">
+              <a:solidFill>
+                <a:schemeClr val="tx2"/>
+              </a:solidFill>
+            </a:endParaRPr>
+          </a:p>
+        </p:txBody>
+      </p:sp>
+    </p:spTree>
+    <p:extLst>
+      <p:ext uri="{BB962C8B-B14F-4D97-AF65-F5344CB8AC3E}">
+        <p14:creationId xmlns:p14="http://schemas.microsoft.com/office/powerpoint/2010/main" val="1227789958"/>
+      </p:ext>
+    </p:extLst>
+  </p:cSld>
+  <p:clrMapOvr>
+    <a:masterClrMapping/>
+  </p:clrMapOvr>
+  <mc:AlternateContent xmlns:mc="http://schemas.openxmlformats.org/markup-compatibility/2006" xmlns:p14="http://schemas.microsoft.com/office/powerpoint/2010/main">
+    <mc:Choice Requires="p14">
+      <p:transition spd="med" p14:dur="700">
+        <p:fade/>
+      </p:transition>
+    </mc:Choice>
+    <mc:Fallback xmlns="">
+      <p:transition spd="med">
+        <p:fade/>
+      </p:transition>
+    </mc:Fallback>
+  </mc:AlternateContent>
+</p:sld>
+</file>
+
+<file path=ppt/slides/slide36.xml><?xml version="1.0" encoding="utf-8"?>
 <p:sld xmlns:a="http://schemas.openxmlformats.org/drawingml/2006/main" xmlns:r="http://schemas.openxmlformats.org/officeDocument/2006/relationships" xmlns:p="http://schemas.openxmlformats.org/presentationml/2006/main">
   <p:cSld>
     <p:spTree>
@@ -19188,7 +20140,7 @@
           <a:p>
             <a:r>
               <a:rPr lang="en-US" dirty="0"/>
-              <a:t>Concurrent</a:t>
+              <a:t>Concurrency</a:t>
             </a:r>
           </a:p>
         </p:txBody>
@@ -19206,7 +20158,7 @@
         <p:spPr>
           <a:xfrm>
             <a:off x="983432" y="1772816"/>
-            <a:ext cx="4310259" cy="2520280"/>
+            <a:ext cx="4310259" cy="1656184"/>
           </a:xfrm>
         </p:spPr>
         <p:txBody>
@@ -19218,7 +20170,14 @@
             <a:pPr lvl="0"/>
             <a:r>
               <a:rPr lang="en-US" dirty="0"/>
-              <a:t>TBD</a:t>
+              <a:t>Multiple threads of execution</a:t>
+            </a:r>
+          </a:p>
+          <a:p>
+            <a:pPr lvl="1"/>
+            <a:r>
+              <a:rPr lang="en-US" dirty="0"/>
+              <a:t>To make progress on 2 or more tasks in a non-sequential way</a:t>
             </a:r>
           </a:p>
         </p:txBody>
@@ -19231,8 +20190,8 @@
         </p:nvGrpSpPr>
         <p:grpSpPr>
           <a:xfrm>
-            <a:off x="6600056" y="1029072"/>
-            <a:ext cx="4526284" cy="3264024"/>
+            <a:off x="6168008" y="1029072"/>
+            <a:ext cx="4958332" cy="3264024"/>
             <a:chOff x="6816081" y="1029072"/>
             <a:chExt cx="4526284" cy="3264024"/>
           </a:xfrm>
@@ -19280,7 +20239,7 @@
             <a:p>
               <a:r>
                 <a:rPr lang="en-US" dirty="0"/>
-                <a:t>Parallel</a:t>
+                <a:t>Parallelism</a:t>
               </a:r>
             </a:p>
           </p:txBody>
@@ -19492,8 +20451,52 @@
             </a:lstStyle>
             <a:p>
               <a:r>
+                <a:rPr lang="en-US" b="1" cap="all" dirty="0">
+                  <a:solidFill>
+                    <a:schemeClr val="accent1"/>
+                  </a:solidFill>
+                </a:rPr>
+                <a:t>Concurrency</a:t>
+              </a:r>
+              <a:r>
                 <a:rPr lang="en-US" dirty="0"/>
-                <a:t>TBD.</a:t>
+                <a:t> </a:t>
+              </a:r>
+              <a:r>
+                <a:rPr lang="en-US" b="1" cap="all" dirty="0">
+                  <a:solidFill>
+                    <a:schemeClr val="accent1"/>
+                  </a:solidFill>
+                </a:rPr>
+                <a:t>but</a:t>
+              </a:r>
+              <a:r>
+                <a:rPr lang="en-US" dirty="0"/>
+                <a:t> with multiple threads of execution </a:t>
+              </a:r>
+              <a:r>
+                <a:rPr lang="en-US" b="1" cap="all" dirty="0">
+                  <a:solidFill>
+                    <a:schemeClr val="accent1"/>
+                  </a:solidFill>
+                </a:rPr>
+                <a:t>executing</a:t>
+              </a:r>
+              <a:r>
+                <a:rPr lang="en-US" dirty="0"/>
+                <a:t> </a:t>
+              </a:r>
+              <a:r>
+                <a:rPr lang="en-US" b="1" cap="all" dirty="0">
+                  <a:solidFill>
+                    <a:schemeClr val="accent1"/>
+                  </a:solidFill>
+                </a:rPr>
+                <a:t>Simultaneously</a:t>
+              </a:r>
+              <a:r>
+                <a:rPr lang="en-US" dirty="0"/>
+                <a:t>.</a:t>
               </a:r>
               <a:endParaRPr lang="en-US" dirty="0">
                 <a:solidFill>
@@ -19514,8 +20517,8 @@
         </p:nvSpPr>
         <p:spPr>
           <a:xfrm>
-            <a:off x="2606167" y="5157192"/>
-            <a:ext cx="6979666" cy="1486966"/>
+            <a:off x="2606167" y="3789040"/>
+            <a:ext cx="6979666" cy="1152128"/>
           </a:xfrm>
           <a:prstGeom prst="rect">
             <a:avLst/>
@@ -19736,11 +20739,264 @@
               </a:rPr>
               <a:t>(of the Goddamn thing ;-)</a:t>
             </a:r>
-            <a:endParaRPr lang="en-US" dirty="0">
-              <a:solidFill>
-                <a:schemeClr val="tx2"/>
-              </a:solidFill>
-            </a:endParaRPr>
+          </a:p>
+        </p:txBody>
+      </p:sp>
+      <p:sp>
+        <p:nvSpPr>
+          <p:cNvPr id="8" name="Content Placeholder 13"/>
+          <p:cNvSpPr txBox="1">
+            <a:spLocks/>
+          </p:cNvSpPr>
+          <p:nvPr/>
+        </p:nvSpPr>
+        <p:spPr>
+          <a:xfrm>
+            <a:off x="3940871" y="4869160"/>
+            <a:ext cx="4310259" cy="1296144"/>
+          </a:xfrm>
+          <a:prstGeom prst="rect">
+            <a:avLst/>
+          </a:prstGeom>
+        </p:spPr>
+        <p:txBody>
+          <a:bodyPr vert="horz" lIns="91440" tIns="45720" rIns="91440" bIns="45720" rtlCol="0" anchor="t">
+            <a:normAutofit lnSpcReduction="10000"/>
+          </a:bodyPr>
+          <a:lstStyle>
+            <a:lvl1pPr marL="223838" indent="-223838" algn="l" defTabSz="914400" rtl="0" eaLnBrk="1" latinLnBrk="0" hangingPunct="1">
+              <a:lnSpc>
+                <a:spcPct val="90000"/>
+              </a:lnSpc>
+              <a:spcBef>
+                <a:spcPts val="1800"/>
+              </a:spcBef>
+              <a:buClr>
+                <a:schemeClr val="accent1"/>
+              </a:buClr>
+              <a:buSzPct val="100000"/>
+              <a:buFont typeface="Arial" pitchFamily="34" charset="0"/>
+              <a:buChar char="•"/>
+              <a:defRPr sz="2400" kern="1200">
+                <a:solidFill>
+                  <a:schemeClr val="tx1"/>
+                </a:solidFill>
+                <a:latin typeface="+mn-lt"/>
+                <a:ea typeface="+mn-ea"/>
+                <a:cs typeface="+mn-cs"/>
+              </a:defRPr>
+            </a:lvl1pPr>
+            <a:lvl2pPr marL="463550" indent="-231775" algn="l" defTabSz="914400" rtl="0" eaLnBrk="1" latinLnBrk="0" hangingPunct="1">
+              <a:lnSpc>
+                <a:spcPct val="90000"/>
+              </a:lnSpc>
+              <a:spcBef>
+                <a:spcPts val="1200"/>
+              </a:spcBef>
+              <a:buClr>
+                <a:schemeClr val="accent1"/>
+              </a:buClr>
+              <a:buSzPct val="100000"/>
+              <a:buFont typeface="Arial" pitchFamily="34" charset="0"/>
+              <a:buChar char="•"/>
+              <a:defRPr sz="2000" kern="1200">
+                <a:solidFill>
+                  <a:schemeClr val="tx1"/>
+                </a:solidFill>
+                <a:latin typeface="+mn-lt"/>
+                <a:ea typeface="+mn-ea"/>
+                <a:cs typeface="+mn-cs"/>
+              </a:defRPr>
+            </a:lvl2pPr>
+            <a:lvl3pPr marL="682625" indent="-219075" algn="l" defTabSz="914400" rtl="0" eaLnBrk="1" latinLnBrk="0" hangingPunct="1">
+              <a:lnSpc>
+                <a:spcPct val="90000"/>
+              </a:lnSpc>
+              <a:spcBef>
+                <a:spcPts val="600"/>
+              </a:spcBef>
+              <a:buClr>
+                <a:schemeClr val="accent1"/>
+              </a:buClr>
+              <a:buSzPct val="100000"/>
+              <a:buFont typeface="Arial" pitchFamily="34" charset="0"/>
+              <a:buChar char="•"/>
+              <a:defRPr sz="1800" kern="1200">
+                <a:solidFill>
+                  <a:schemeClr val="tx1"/>
+                </a:solidFill>
+                <a:latin typeface="+mn-lt"/>
+                <a:ea typeface="+mn-ea"/>
+                <a:cs typeface="+mn-cs"/>
+              </a:defRPr>
+            </a:lvl3pPr>
+            <a:lvl4pPr marL="857250" indent="-174625" algn="l" defTabSz="914400" rtl="0" eaLnBrk="1" latinLnBrk="0" hangingPunct="1">
+              <a:lnSpc>
+                <a:spcPct val="90000"/>
+              </a:lnSpc>
+              <a:spcBef>
+                <a:spcPts val="600"/>
+              </a:spcBef>
+              <a:buClr>
+                <a:schemeClr val="accent1"/>
+              </a:buClr>
+              <a:buSzPct val="100000"/>
+              <a:buFont typeface="Arial" pitchFamily="34" charset="0"/>
+              <a:buChar char="•"/>
+              <a:defRPr sz="1600" kern="1200">
+                <a:solidFill>
+                  <a:schemeClr val="tx1"/>
+                </a:solidFill>
+                <a:latin typeface="+mn-lt"/>
+                <a:ea typeface="+mn-ea"/>
+                <a:cs typeface="+mn-cs"/>
+              </a:defRPr>
+            </a:lvl4pPr>
+            <a:lvl5pPr marL="1030288" indent="-173038" algn="l" defTabSz="914400" rtl="0" eaLnBrk="1" latinLnBrk="0" hangingPunct="1">
+              <a:lnSpc>
+                <a:spcPct val="90000"/>
+              </a:lnSpc>
+              <a:spcBef>
+                <a:spcPts val="600"/>
+              </a:spcBef>
+              <a:buClr>
+                <a:schemeClr val="accent1"/>
+              </a:buClr>
+              <a:buSzPct val="100000"/>
+              <a:buFont typeface="Arial" pitchFamily="34" charset="0"/>
+              <a:buChar char="•"/>
+              <a:defRPr sz="1600" kern="1200">
+                <a:solidFill>
+                  <a:schemeClr val="tx1"/>
+                </a:solidFill>
+                <a:latin typeface="+mn-lt"/>
+                <a:ea typeface="+mn-ea"/>
+                <a:cs typeface="+mn-cs"/>
+              </a:defRPr>
+            </a:lvl5pPr>
+            <a:lvl6pPr marL="1207008" indent="-173736" algn="l" defTabSz="914400" rtl="0" eaLnBrk="1" latinLnBrk="0" hangingPunct="1">
+              <a:spcBef>
+                <a:spcPts val="600"/>
+              </a:spcBef>
+              <a:buClr>
+                <a:schemeClr val="accent1"/>
+              </a:buClr>
+              <a:buFont typeface="Arial" pitchFamily="34" charset="0"/>
+              <a:buChar char="•"/>
+              <a:defRPr sz="1600" kern="1200">
+                <a:solidFill>
+                  <a:schemeClr val="tx1"/>
+                </a:solidFill>
+                <a:latin typeface="+mn-lt"/>
+                <a:ea typeface="+mn-ea"/>
+                <a:cs typeface="+mn-cs"/>
+              </a:defRPr>
+            </a:lvl6pPr>
+            <a:lvl7pPr marL="1380744" indent="-173736" algn="l" defTabSz="914400" rtl="0" eaLnBrk="1" latinLnBrk="0" hangingPunct="1">
+              <a:spcBef>
+                <a:spcPts val="600"/>
+              </a:spcBef>
+              <a:buClr>
+                <a:schemeClr val="accent1"/>
+              </a:buClr>
+              <a:buFont typeface="Arial" pitchFamily="34" charset="0"/>
+              <a:buChar char="•"/>
+              <a:defRPr sz="1600" kern="1200">
+                <a:solidFill>
+                  <a:schemeClr val="tx1"/>
+                </a:solidFill>
+                <a:latin typeface="+mn-lt"/>
+                <a:ea typeface="+mn-ea"/>
+                <a:cs typeface="+mn-cs"/>
+              </a:defRPr>
+            </a:lvl7pPr>
+            <a:lvl8pPr marL="1554480" indent="-173736" algn="l" defTabSz="914400" rtl="0" eaLnBrk="1" latinLnBrk="0" hangingPunct="1">
+              <a:spcBef>
+                <a:spcPts val="600"/>
+              </a:spcBef>
+              <a:buClr>
+                <a:schemeClr val="accent1"/>
+              </a:buClr>
+              <a:buFont typeface="Arial" pitchFamily="34" charset="0"/>
+              <a:buChar char="•"/>
+              <a:defRPr sz="1600" kern="1200">
+                <a:solidFill>
+                  <a:schemeClr val="tx1"/>
+                </a:solidFill>
+                <a:latin typeface="+mn-lt"/>
+                <a:ea typeface="+mn-ea"/>
+                <a:cs typeface="+mn-cs"/>
+              </a:defRPr>
+            </a:lvl8pPr>
+            <a:lvl9pPr marL="1728216" indent="-173736" algn="l" defTabSz="914400" rtl="0" eaLnBrk="1" latinLnBrk="0" hangingPunct="1">
+              <a:spcBef>
+                <a:spcPts val="600"/>
+              </a:spcBef>
+              <a:buClr>
+                <a:schemeClr val="accent1"/>
+              </a:buClr>
+              <a:buFont typeface="Arial" pitchFamily="34" charset="0"/>
+              <a:buChar char="•"/>
+              <a:defRPr sz="1600" kern="1200">
+                <a:solidFill>
+                  <a:schemeClr val="tx1"/>
+                </a:solidFill>
+                <a:latin typeface="+mn-lt"/>
+                <a:ea typeface="+mn-ea"/>
+                <a:cs typeface="+mn-cs"/>
+              </a:defRPr>
+            </a:lvl9pPr>
+          </a:lstStyle>
+          <a:p>
+            <a:pPr marL="231775" lvl="1" indent="0">
+              <a:buFont typeface="Arial" pitchFamily="34" charset="0"/>
+              <a:buNone/>
+            </a:pPr>
+            <a:r>
+              <a:rPr lang="en-US" dirty="0">
+                <a:solidFill>
+                  <a:schemeClr val="accent1"/>
+                </a:solidFill>
+              </a:rPr>
+              <a:t>Possible implementations:</a:t>
+            </a:r>
+          </a:p>
+          <a:p>
+            <a:pPr lvl="2"/>
+            <a:r>
+              <a:rPr lang="en-US" dirty="0">
+                <a:solidFill>
+                  <a:schemeClr val="accent1"/>
+                </a:solidFill>
+              </a:rPr>
+              <a:t>Thread-based (e.g. multi-threading)</a:t>
+            </a:r>
+          </a:p>
+          <a:p>
+            <a:pPr lvl="2"/>
+            <a:r>
+              <a:rPr lang="en-US" dirty="0">
+                <a:solidFill>
+                  <a:schemeClr val="accent1"/>
+                </a:solidFill>
+              </a:rPr>
+              <a:t>Task-based (e.g. TPL)</a:t>
+            </a:r>
+          </a:p>
+          <a:p>
+            <a:pPr lvl="2"/>
+            <a:r>
+              <a:rPr lang="en-US" dirty="0">
+                <a:solidFill>
+                  <a:schemeClr val="accent1"/>
+                </a:solidFill>
+              </a:rPr>
+              <a:t>…</a:t>
+            </a:r>
+          </a:p>
+          <a:p>
+            <a:pPr lvl="1"/>
+            <a:endParaRPr lang="en-US" dirty="0"/>
           </a:p>
         </p:txBody>
       </p:sp>
@@ -19787,7 +21043,7 @@
                             </p:stCondLst>
                             <p:childTnLst>
                               <p:par>
-                                <p:cTn id="5" presetID="10" presetClass="entr" presetSubtype="0" fill="hold" grpId="0" nodeType="clickEffect">
+                                <p:cTn id="5" presetID="10" presetClass="entr" presetSubtype="0" fill="hold" nodeType="clickEffect">
                                   <p:stCondLst>
                                     <p:cond delay="0"/>
                                   </p:stCondLst>
@@ -19795,6 +21051,59 @@
                                     <p:set>
                                       <p:cBhvr>
                                         <p:cTn id="6" dur="1" fill="hold">
+                                          <p:stCondLst>
+                                            <p:cond delay="0"/>
+                                          </p:stCondLst>
+                                        </p:cTn>
+                                        <p:tgtEl>
+                                          <p:spTgt spid="2"/>
+                                        </p:tgtEl>
+                                        <p:attrNameLst>
+                                          <p:attrName>style.visibility</p:attrName>
+                                        </p:attrNameLst>
+                                      </p:cBhvr>
+                                      <p:to>
+                                        <p:strVal val="visible"/>
+                                      </p:to>
+                                    </p:set>
+                                    <p:animEffect transition="in" filter="fade">
+                                      <p:cBhvr>
+                                        <p:cTn id="7" dur="500"/>
+                                        <p:tgtEl>
+                                          <p:spTgt spid="2"/>
+                                        </p:tgtEl>
+                                      </p:cBhvr>
+                                    </p:animEffect>
+                                  </p:childTnLst>
+                                </p:cTn>
+                              </p:par>
+                            </p:childTnLst>
+                          </p:cTn>
+                        </p:par>
+                      </p:childTnLst>
+                    </p:cTn>
+                  </p:par>
+                  <p:par>
+                    <p:cTn id="8" fill="hold">
+                      <p:stCondLst>
+                        <p:cond delay="indefinite"/>
+                      </p:stCondLst>
+                      <p:childTnLst>
+                        <p:par>
+                          <p:cTn id="9" fill="hold">
+                            <p:stCondLst>
+                              <p:cond delay="0"/>
+                            </p:stCondLst>
+                            <p:childTnLst>
+                              <p:par>
+                                <p:cTn id="10" presetID="10" presetClass="entr" presetSubtype="0" fill="hold" grpId="0" nodeType="clickEffect">
+                                  <p:stCondLst>
+                                    <p:cond delay="0"/>
+                                  </p:stCondLst>
+                                  <p:childTnLst>
+                                    <p:set>
+                                      <p:cBhvr>
+                                        <p:cTn id="11" dur="1" fill="hold">
                                           <p:stCondLst>
                                             <p:cond delay="0"/>
                                           </p:stCondLst>
@@ -19812,9 +21121,62 @@
                                     </p:set>
                                     <p:animEffect transition="in" filter="fade">
                                       <p:cBhvr>
-                                        <p:cTn id="7" dur="500"/>
+                                        <p:cTn id="12" dur="500"/>
                                         <p:tgtEl>
                                           <p:spTgt spid="11"/>
+                                        </p:tgtEl>
+                                      </p:cBhvr>
+                                    </p:animEffect>
+                                  </p:childTnLst>
+                                </p:cTn>
+                              </p:par>
+                            </p:childTnLst>
+                          </p:cTn>
+                        </p:par>
+                      </p:childTnLst>
+                    </p:cTn>
+                  </p:par>
+                  <p:par>
+                    <p:cTn id="13" fill="hold">
+                      <p:stCondLst>
+                        <p:cond delay="indefinite"/>
+                      </p:stCondLst>
+                      <p:childTnLst>
+                        <p:par>
+                          <p:cTn id="14" fill="hold">
+                            <p:stCondLst>
+                              <p:cond delay="0"/>
+                            </p:stCondLst>
+                            <p:childTnLst>
+                              <p:par>
+                                <p:cTn id="15" presetID="10" presetClass="entr" presetSubtype="0" fill="hold" grpId="0" nodeType="clickEffect">
+                                  <p:stCondLst>
+                                    <p:cond delay="0"/>
+                                  </p:stCondLst>
+                                  <p:childTnLst>
+                                    <p:set>
+                                      <p:cBhvr>
+                                        <p:cTn id="16" dur="1" fill="hold">
+                                          <p:stCondLst>
+                                            <p:cond delay="0"/>
+                                          </p:stCondLst>
+                                        </p:cTn>
+                                        <p:tgtEl>
+                                          <p:spTgt spid="8"/>
+                                        </p:tgtEl>
+                                        <p:attrNameLst>
+                                          <p:attrName>style.visibility</p:attrName>
+                                        </p:attrNameLst>
+                                      </p:cBhvr>
+                                      <p:to>
+                                        <p:strVal val="visible"/>
+                                      </p:to>
+                                    </p:set>
+                                    <p:animEffect transition="in" filter="fade">
+                                      <p:cBhvr>
+                                        <p:cTn id="17" dur="500"/>
+                                        <p:tgtEl>
+                                          <p:spTgt spid="8"/>
                                         </p:tgtEl>
                                       </p:cBhvr>
                                     </p:animEffect>
@@ -19850,233 +21212,9 @@
     </p:tnLst>
     <p:bldLst>
       <p:bldP spid="11" grpId="0"/>
+      <p:bldP spid="8" grpId="0"/>
     </p:bldLst>
   </p:timing>
-</p:sld>
-</file>
-
-<file path=ppt/slides/slide35.xml><?xml version="1.0" encoding="utf-8"?>
-<p:sld xmlns:a="http://schemas.openxmlformats.org/drawingml/2006/main" xmlns:r="http://schemas.openxmlformats.org/officeDocument/2006/relationships" xmlns:p="http://schemas.openxmlformats.org/presentationml/2006/main">
-  <p:cSld>
-    <p:spTree>
-      <p:nvGrpSpPr>
-        <p:cNvPr id="1" name=""/>
-        <p:cNvGrpSpPr/>
-        <p:nvPr/>
-      </p:nvGrpSpPr>
-      <p:grpSpPr>
-        <a:xfrm>
-          <a:off x="0" y="0"/>
-          <a:ext cx="0" cy="0"/>
-          <a:chOff x="0" y="0"/>
-          <a:chExt cx="0" cy="0"/>
-        </a:xfrm>
-      </p:grpSpPr>
-      <p:sp>
-        <p:nvSpPr>
-          <p:cNvPr id="13" name="Title 12"/>
-          <p:cNvSpPr>
-            <a:spLocks noGrp="1"/>
-          </p:cNvSpPr>
-          <p:nvPr>
-            <p:ph type="title"/>
-          </p:nvPr>
-        </p:nvSpPr>
-        <p:spPr/>
-        <p:txBody>
-          <a:bodyPr anchor="t">
-            <a:normAutofit/>
-          </a:bodyPr>
-          <a:lstStyle/>
-          <a:p>
-            <a:r>
-              <a:rPr lang="en-US" dirty="0" err="1"/>
-              <a:t>DeadlockS</a:t>
-            </a:r>
-            <a:endParaRPr lang="en-US" dirty="0"/>
-          </a:p>
-        </p:txBody>
-      </p:sp>
-      <p:pic>
-        <p:nvPicPr>
-          <p:cNvPr id="7174" name="Picture 6" descr="Afficher l'image d'origine"/>
-          <p:cNvPicPr>
-            <a:picLocks noChangeAspect="1" noChangeArrowheads="1"/>
-          </p:cNvPicPr>
-          <p:nvPr/>
-        </p:nvPicPr>
-        <p:blipFill>
-          <a:blip r:embed="rId3">
-            <a:extLst>
-              <a:ext uri="{28A0092B-C50C-407E-A947-70E740481C1C}">
-                <a14:useLocalDpi xmlns:a14="http://schemas.microsoft.com/office/drawing/2010/main" val="0"/>
-              </a:ext>
-            </a:extLst>
-          </a:blip>
-          <a:srcRect/>
-          <a:stretch>
-            <a:fillRect/>
-          </a:stretch>
-        </p:blipFill>
-        <p:spPr bwMode="auto">
-          <a:xfrm>
-            <a:off x="2935635" y="1752600"/>
-            <a:ext cx="6320730" cy="3626895"/>
-          </a:xfrm>
-          <a:prstGeom prst="rect">
-            <a:avLst/>
-          </a:prstGeom>
-          <a:noFill/>
-          <a:ln>
-            <a:solidFill>
-              <a:schemeClr val="accent1"/>
-            </a:solidFill>
-          </a:ln>
-          <a:extLst>
-            <a:ext uri="{909E8E84-426E-40DD-AFC4-6F175D3DCCD1}">
-              <a14:hiddenFill xmlns:a14="http://schemas.microsoft.com/office/drawing/2010/main">
-                <a:solidFill>
-                  <a:srgbClr val="FFFFFF"/>
-                </a:solidFill>
-              </a14:hiddenFill>
-            </a:ext>
-          </a:extLst>
-        </p:spPr>
-      </p:pic>
-    </p:spTree>
-    <p:extLst>
-      <p:ext uri="{BB962C8B-B14F-4D97-AF65-F5344CB8AC3E}">
-        <p14:creationId xmlns:p14="http://schemas.microsoft.com/office/powerpoint/2010/main" val="118184237"/>
-      </p:ext>
-    </p:extLst>
-  </p:cSld>
-  <p:clrMapOvr>
-    <a:masterClrMapping/>
-  </p:clrMapOvr>
-  <mc:AlternateContent xmlns:mc="http://schemas.openxmlformats.org/markup-compatibility/2006" xmlns:p14="http://schemas.microsoft.com/office/powerpoint/2010/main">
-    <mc:Choice Requires="p14">
-      <p:transition spd="med" p14:dur="700">
-        <p:fade/>
-      </p:transition>
-    </mc:Choice>
-    <mc:Fallback xmlns="">
-      <p:transition spd="med">
-        <p:fade/>
-      </p:transition>
-    </mc:Fallback>
-  </mc:AlternateContent>
-</p:sld>
-</file>
-
-<file path=ppt/slides/slide36.xml><?xml version="1.0" encoding="utf-8"?>
-<p:sld xmlns:a="http://schemas.openxmlformats.org/drawingml/2006/main" xmlns:r="http://schemas.openxmlformats.org/officeDocument/2006/relationships" xmlns:p="http://schemas.openxmlformats.org/presentationml/2006/main">
-  <p:cSld>
-    <p:spTree>
-      <p:nvGrpSpPr>
-        <p:cNvPr id="1" name=""/>
-        <p:cNvGrpSpPr/>
-        <p:nvPr/>
-      </p:nvGrpSpPr>
-      <p:grpSpPr>
-        <a:xfrm>
-          <a:off x="0" y="0"/>
-          <a:ext cx="0" cy="0"/>
-          <a:chOff x="0" y="0"/>
-          <a:chExt cx="0" cy="0"/>
-        </a:xfrm>
-      </p:grpSpPr>
-      <p:sp>
-        <p:nvSpPr>
-          <p:cNvPr id="13" name="Title 12"/>
-          <p:cNvSpPr>
-            <a:spLocks noGrp="1"/>
-          </p:cNvSpPr>
-          <p:nvPr>
-            <p:ph type="title"/>
-          </p:nvPr>
-        </p:nvSpPr>
-        <p:spPr/>
-        <p:txBody>
-          <a:bodyPr anchor="t">
-            <a:normAutofit/>
-          </a:bodyPr>
-          <a:lstStyle/>
-          <a:p>
-            <a:r>
-              <a:rPr lang="en-US" dirty="0"/>
-              <a:t>Deadlock Meme</a:t>
-            </a:r>
-          </a:p>
-        </p:txBody>
-      </p:sp>
-      <p:pic>
-        <p:nvPicPr>
-          <p:cNvPr id="7172" name="Picture 4" descr="https://i.imgflip.com/1eulxp.jpg"/>
-          <p:cNvPicPr>
-            <a:picLocks noChangeAspect="1" noChangeArrowheads="1"/>
-          </p:cNvPicPr>
-          <p:nvPr/>
-        </p:nvPicPr>
-        <p:blipFill>
-          <a:blip r:embed="rId3">
-            <a:extLst>
-              <a:ext uri="{28A0092B-C50C-407E-A947-70E740481C1C}">
-                <a14:useLocalDpi xmlns:a14="http://schemas.microsoft.com/office/drawing/2010/main" val="0"/>
-              </a:ext>
-            </a:extLst>
-          </a:blip>
-          <a:srcRect/>
-          <a:stretch>
-            <a:fillRect/>
-          </a:stretch>
-        </p:blipFill>
-        <p:spPr bwMode="auto">
-          <a:xfrm>
-            <a:off x="3506400" y="1267200"/>
-            <a:ext cx="5179535" cy="5011200"/>
-          </a:xfrm>
-          <a:prstGeom prst="rect">
-            <a:avLst/>
-          </a:prstGeom>
-          <a:noFill/>
-          <a:ln>
-            <a:solidFill>
-              <a:schemeClr val="accent1"/>
-            </a:solidFill>
-          </a:ln>
-          <a:extLst>
-            <a:ext uri="{909E8E84-426E-40DD-AFC4-6F175D3DCCD1}">
-              <a14:hiddenFill xmlns:a14="http://schemas.microsoft.com/office/drawing/2010/main">
-                <a:solidFill>
-                  <a:srgbClr val="FFFFFF"/>
-                </a:solidFill>
-              </a14:hiddenFill>
-            </a:ext>
-          </a:extLst>
-        </p:spPr>
-      </p:pic>
-    </p:spTree>
-    <p:extLst>
-      <p:ext uri="{BB962C8B-B14F-4D97-AF65-F5344CB8AC3E}">
-        <p14:creationId xmlns:p14="http://schemas.microsoft.com/office/powerpoint/2010/main" val="2351673736"/>
-      </p:ext>
-    </p:extLst>
-  </p:cSld>
-  <p:clrMapOvr>
-    <a:masterClrMapping/>
-  </p:clrMapOvr>
-  <mc:AlternateContent xmlns:mc="http://schemas.openxmlformats.org/markup-compatibility/2006" xmlns:p14="http://schemas.microsoft.com/office/powerpoint/2010/main">
-    <mc:Choice Requires="p14">
-      <p:transition spd="med" p14:dur="700">
-        <p:fade/>
-      </p:transition>
-    </mc:Choice>
-    <mc:Fallback xmlns="">
-      <p:transition spd="med">
-        <p:fade/>
-      </p:transition>
-    </mc:Fallback>
-  </mc:AlternateContent>
 </p:sld>
 </file>
 
@@ -20107,70 +21245,230 @@
             <p:ph type="title"/>
           </p:nvPr>
         </p:nvSpPr>
-        <p:spPr/>
+        <p:spPr>
+          <a:xfrm>
+            <a:off x="1522810" y="381000"/>
+            <a:ext cx="9613750" cy="1371600"/>
+          </a:xfrm>
+        </p:spPr>
+        <p:txBody>
+          <a:bodyPr anchor="t"/>
+          <a:lstStyle/>
+          <a:p>
+            <a:r>
+              <a:rPr lang="en-US" dirty="0"/>
+              <a:t>Task Parallel Library reminder </a:t>
+            </a:r>
+            <a:r>
+              <a:rPr lang="en-US" dirty="0">
+                <a:solidFill>
+                  <a:schemeClr val="tx2"/>
+                </a:solidFill>
+              </a:rPr>
+              <a:t>(TPL)</a:t>
+            </a:r>
+            <a:endParaRPr lang="en-US" dirty="0"/>
+          </a:p>
+        </p:txBody>
+      </p:sp>
+      <p:sp>
+        <p:nvSpPr>
+          <p:cNvPr id="14" name="Content Placeholder 13"/>
+          <p:cNvSpPr>
+            <a:spLocks noGrp="1"/>
+          </p:cNvSpPr>
+          <p:nvPr>
+            <p:ph idx="1"/>
+          </p:nvPr>
+        </p:nvSpPr>
+        <p:spPr>
+          <a:xfrm>
+            <a:off x="2135560" y="1268760"/>
+            <a:ext cx="8640960" cy="4824536"/>
+          </a:xfrm>
+        </p:spPr>
         <p:txBody>
           <a:bodyPr anchor="t">
-            <a:normAutofit/>
+            <a:normAutofit fontScale="92500" lnSpcReduction="10000"/>
           </a:bodyPr>
           <a:lstStyle/>
           <a:p>
             <a:r>
+              <a:rPr lang="en-US" cap="all" dirty="0">
+                <a:solidFill>
+                  <a:schemeClr val="accent1"/>
+                </a:solidFill>
+              </a:rPr>
+              <a:t>Task</a:t>
+            </a:r>
+          </a:p>
+          <a:p>
+            <a:pPr lvl="1"/>
+            <a:r>
               <a:rPr lang="en-US" dirty="0"/>
-              <a:t>Deadlock Meme</a:t>
+              <a:t>3 ways to instantiate and run a Task:</a:t>
             </a:r>
+          </a:p>
+          <a:p>
+            <a:pPr lvl="2"/>
+            <a:r>
+              <a:rPr lang="en-US" dirty="0" err="1"/>
+              <a:t>var</a:t>
+            </a:r>
+            <a:r>
+              <a:rPr lang="en-US" dirty="0"/>
+              <a:t> task = new Task(</a:t>
+            </a:r>
+            <a:r>
+              <a:rPr lang="en-US" dirty="0">
+                <a:solidFill>
+                  <a:schemeClr val="accent1"/>
+                </a:solidFill>
+              </a:rPr>
+              <a:t>lambda</a:t>
+            </a:r>
+            <a:r>
+              <a:rPr lang="en-US" dirty="0"/>
+              <a:t>).Start();</a:t>
+            </a:r>
+          </a:p>
+          <a:p>
+            <a:pPr lvl="2"/>
+            <a:r>
+              <a:rPr lang="en-US" dirty="0" err="1"/>
+              <a:t>var</a:t>
+            </a:r>
+            <a:r>
+              <a:rPr lang="en-US" dirty="0"/>
+              <a:t> task = </a:t>
+            </a:r>
+            <a:r>
+              <a:rPr lang="en-US" dirty="0" err="1"/>
+              <a:t>Task.Run</a:t>
+            </a:r>
+            <a:r>
+              <a:rPr lang="en-US" dirty="0"/>
+              <a:t>(</a:t>
+            </a:r>
+            <a:r>
+              <a:rPr lang="en-US" dirty="0">
+                <a:solidFill>
+                  <a:schemeClr val="accent1"/>
+                </a:solidFill>
+              </a:rPr>
+              <a:t>lambda</a:t>
+            </a:r>
+            <a:r>
+              <a:rPr lang="en-US" dirty="0"/>
+              <a:t>);</a:t>
+            </a:r>
+          </a:p>
+          <a:p>
+            <a:pPr lvl="2"/>
+            <a:r>
+              <a:rPr lang="en-US" dirty="0" err="1"/>
+              <a:t>Task.Factory.StartNew</a:t>
+            </a:r>
+            <a:r>
+              <a:rPr lang="en-US" dirty="0"/>
+              <a:t>(</a:t>
+            </a:r>
+            <a:r>
+              <a:rPr lang="en-US" dirty="0">
+                <a:solidFill>
+                  <a:schemeClr val="accent1"/>
+                </a:solidFill>
+              </a:rPr>
+              <a:t>lambda</a:t>
+            </a:r>
+            <a:r>
+              <a:rPr lang="en-US" dirty="0"/>
+              <a:t>)</a:t>
+            </a:r>
+            <a:endParaRPr lang="en-US" dirty="0"/>
+          </a:p>
+          <a:p>
+            <a:pPr lvl="1"/>
+            <a:endParaRPr lang="en-US" dirty="0"/>
+          </a:p>
+          <a:p>
+            <a:pPr lvl="1"/>
+            <a:r>
+              <a:rPr lang="en-US" dirty="0" err="1"/>
+              <a:t>task.Wait</a:t>
+            </a:r>
+            <a:r>
+              <a:rPr lang="en-US" dirty="0"/>
+              <a:t>(), </a:t>
+            </a:r>
+            <a:r>
+              <a:rPr lang="en-US" dirty="0" err="1"/>
+              <a:t>task.</a:t>
+            </a:r>
+            <a:r>
+              <a:rPr lang="en-US" dirty="0" err="1"/>
+              <a:t>Result</a:t>
+            </a:r>
+            <a:r>
+              <a:rPr lang="en-US" dirty="0"/>
+              <a:t> &amp; </a:t>
+            </a:r>
+            <a:r>
+              <a:rPr lang="en-US" dirty="0" err="1"/>
+              <a:t>task.</a:t>
+            </a:r>
+            <a:r>
+              <a:rPr lang="en-US" dirty="0" err="1"/>
+              <a:t>Exception</a:t>
+            </a:r>
+            <a:endParaRPr lang="en-US" dirty="0"/>
+          </a:p>
+          <a:p>
+            <a:pPr lvl="1"/>
+            <a:endParaRPr lang="en-US" dirty="0"/>
+          </a:p>
+          <a:p>
+            <a:r>
+              <a:rPr lang="en-US" cap="all" dirty="0">
+                <a:solidFill>
+                  <a:schemeClr val="accent1"/>
+                </a:solidFill>
+              </a:rPr>
+              <a:t>Continuation</a:t>
+            </a:r>
+          </a:p>
+          <a:p>
+            <a:pPr lvl="1"/>
+            <a:r>
+              <a:rPr lang="en-US" dirty="0"/>
+              <a:t>A Task that will be achieve once a previous Task has finished</a:t>
+            </a:r>
+          </a:p>
+          <a:p>
+            <a:pPr lvl="1"/>
+            <a:endParaRPr lang="en-US" dirty="0"/>
+          </a:p>
+          <a:p>
+            <a:r>
+              <a:rPr lang="en-US" cap="all" dirty="0" err="1">
+                <a:solidFill>
+                  <a:schemeClr val="accent1"/>
+                </a:solidFill>
+              </a:rPr>
+              <a:t>CancelationToken</a:t>
+            </a:r>
+            <a:endParaRPr lang="en-US" cap="all" dirty="0">
+              <a:solidFill>
+                <a:schemeClr val="accent1"/>
+              </a:solidFill>
+            </a:endParaRPr>
           </a:p>
         </p:txBody>
       </p:sp>
-      <p:pic>
-        <p:nvPicPr>
-          <p:cNvPr id="7170" name="Picture 2" descr="https://i.imgflip.com/1eulqt.jpg"/>
-          <p:cNvPicPr>
-            <a:picLocks noChangeAspect="1" noChangeArrowheads="1"/>
-          </p:cNvPicPr>
-          <p:nvPr/>
-        </p:nvPicPr>
-        <p:blipFill>
-          <a:blip r:embed="rId3">
-            <a:extLst>
-              <a:ext uri="{28A0092B-C50C-407E-A947-70E740481C1C}">
-                <a14:useLocalDpi xmlns:a14="http://schemas.microsoft.com/office/drawing/2010/main" val="0"/>
-              </a:ext>
-            </a:extLst>
-          </a:blip>
-          <a:srcRect/>
-          <a:stretch>
-            <a:fillRect/>
-          </a:stretch>
-        </p:blipFill>
-        <p:spPr bwMode="auto">
-          <a:xfrm>
-            <a:off x="3506109" y="1268760"/>
-            <a:ext cx="5179783" cy="5011440"/>
-          </a:xfrm>
-          <a:prstGeom prst="rect">
-            <a:avLst/>
-          </a:prstGeom>
-          <a:noFill/>
-          <a:ln>
-            <a:solidFill>
-              <a:schemeClr val="accent1"/>
-            </a:solidFill>
-          </a:ln>
-          <a:extLst>
-            <a:ext uri="{909E8E84-426E-40DD-AFC4-6F175D3DCCD1}">
-              <a14:hiddenFill xmlns:a14="http://schemas.microsoft.com/office/drawing/2010/main">
-                <a:solidFill>
-                  <a:srgbClr val="FFFFFF"/>
-                </a:solidFill>
-              </a14:hiddenFill>
-            </a:ext>
-          </a:extLst>
-        </p:spPr>
-      </p:pic>
     </p:spTree>
     <p:extLst>
       <p:ext uri="{BB962C8B-B14F-4D97-AF65-F5344CB8AC3E}">
-        <p14:creationId xmlns:p14="http://schemas.microsoft.com/office/powerpoint/2010/main" val="1546639905"/>
+        <p14:creationId xmlns:p14="http://schemas.microsoft.com/office/powerpoint/2010/main" val="4045331836"/>
       </p:ext>
     </p:extLst>
   </p:cSld>
@@ -20228,20 +21526,20 @@
           <a:p>
             <a:r>
               <a:rPr lang="en-US" dirty="0"/>
-              <a:t>Deadlock Meme</a:t>
+              <a:t>Not that simple…</a:t>
             </a:r>
           </a:p>
         </p:txBody>
       </p:sp>
       <p:pic>
         <p:nvPicPr>
-          <p:cNvPr id="9218" name="Picture 2" descr="https://i.imgflip.com/1eum9y.jpg"/>
+          <p:cNvPr id="1026" name="Picture 2" descr="Afficher l'image d'origine"/>
           <p:cNvPicPr>
             <a:picLocks noChangeAspect="1" noChangeArrowheads="1"/>
           </p:cNvPicPr>
           <p:nvPr/>
         </p:nvPicPr>
-        <p:blipFill>
+        <p:blipFill rotWithShape="1">
           <a:blip r:embed="rId3">
             <a:extLst>
               <a:ext uri="{28A0092B-C50C-407E-A947-70E740481C1C}">
@@ -20249,15 +21547,13 @@
               </a:ext>
             </a:extLst>
           </a:blip>
-          <a:srcRect/>
-          <a:stretch>
-            <a:fillRect/>
-          </a:stretch>
+          <a:srcRect b="9591"/>
+          <a:stretch/>
         </p:blipFill>
         <p:spPr bwMode="auto">
           <a:xfrm>
-            <a:off x="3506400" y="1267200"/>
-            <a:ext cx="5179535" cy="5011200"/>
+            <a:off x="2135560" y="1340768"/>
+            <a:ext cx="7488832" cy="4450948"/>
           </a:xfrm>
           <a:prstGeom prst="rect">
             <a:avLst/>
@@ -20282,7 +21578,7 @@
     </p:spTree>
     <p:extLst>
       <p:ext uri="{BB962C8B-B14F-4D97-AF65-F5344CB8AC3E}">
-        <p14:creationId xmlns:p14="http://schemas.microsoft.com/office/powerpoint/2010/main" val="3016117138"/>
+        <p14:creationId xmlns:p14="http://schemas.microsoft.com/office/powerpoint/2010/main" val="118184237"/>
       </p:ext>
     </p:extLst>
   </p:cSld>
@@ -20323,7 +21619,7 @@
       </p:grpSpPr>
       <p:sp>
         <p:nvSpPr>
-          <p:cNvPr id="4" name="Title 3"/>
+          <p:cNvPr id="13" name="Title 12"/>
           <p:cNvSpPr>
             <a:spLocks noGrp="1"/>
           </p:cNvSpPr>
@@ -20333,20 +21629,68 @@
         </p:nvSpPr>
         <p:spPr/>
         <p:txBody>
-          <a:bodyPr/>
+          <a:bodyPr anchor="t">
+            <a:normAutofit/>
+          </a:bodyPr>
           <a:lstStyle/>
           <a:p>
             <a:r>
-              <a:rPr lang="en-GB" dirty="0"/>
-              <a:t>Appendix</a:t>
+              <a:rPr lang="en-US" dirty="0"/>
+              <a:t>Deadlocks</a:t>
             </a:r>
           </a:p>
         </p:txBody>
       </p:sp>
+      <p:pic>
+        <p:nvPicPr>
+          <p:cNvPr id="7174" name="Picture 6" descr="Afficher l'image d'origine"/>
+          <p:cNvPicPr>
+            <a:picLocks noChangeAspect="1" noChangeArrowheads="1"/>
+          </p:cNvPicPr>
+          <p:nvPr/>
+        </p:nvPicPr>
+        <p:blipFill>
+          <a:blip r:embed="rId3">
+            <a:extLst>
+              <a:ext uri="{28A0092B-C50C-407E-A947-70E740481C1C}">
+                <a14:useLocalDpi xmlns:a14="http://schemas.microsoft.com/office/drawing/2010/main" val="0"/>
+              </a:ext>
+            </a:extLst>
+          </a:blip>
+          <a:srcRect/>
+          <a:stretch>
+            <a:fillRect/>
+          </a:stretch>
+        </p:blipFill>
+        <p:spPr bwMode="auto">
+          <a:xfrm>
+            <a:off x="2319574" y="1262051"/>
+            <a:ext cx="7552853" cy="4333899"/>
+          </a:xfrm>
+          <a:prstGeom prst="rect">
+            <a:avLst/>
+          </a:prstGeom>
+          <a:noFill/>
+          <a:ln>
+            <a:solidFill>
+              <a:schemeClr val="accent1"/>
+            </a:solidFill>
+          </a:ln>
+          <a:extLst>
+            <a:ext uri="{909E8E84-426E-40DD-AFC4-6F175D3DCCD1}">
+              <a14:hiddenFill xmlns:a14="http://schemas.microsoft.com/office/drawing/2010/main">
+                <a:solidFill>
+                  <a:srgbClr val="FFFFFF"/>
+                </a:solidFill>
+              </a14:hiddenFill>
+            </a:ext>
+          </a:extLst>
+        </p:spPr>
+      </p:pic>
     </p:spTree>
     <p:extLst>
       <p:ext uri="{BB962C8B-B14F-4D97-AF65-F5344CB8AC3E}">
-        <p14:creationId xmlns:p14="http://schemas.microsoft.com/office/powerpoint/2010/main" val="1255273533"/>
+        <p14:creationId xmlns:p14="http://schemas.microsoft.com/office/powerpoint/2010/main" val="1057268340"/>
       </p:ext>
     </p:extLst>
   </p:cSld>
@@ -20589,33 +21933,6 @@
         </p:nvSpPr>
         <p:spPr/>
         <p:txBody>
-          <a:bodyPr anchor="t"/>
-          <a:lstStyle/>
-          <a:p>
-            <a:r>
-              <a:rPr lang="en-US" dirty="0"/>
-              <a:t>Async method GC impact</a:t>
-            </a:r>
-          </a:p>
-        </p:txBody>
-      </p:sp>
-      <p:sp>
-        <p:nvSpPr>
-          <p:cNvPr id="14" name="Content Placeholder 13"/>
-          <p:cNvSpPr>
-            <a:spLocks noGrp="1"/>
-          </p:cNvSpPr>
-          <p:nvPr>
-            <p:ph idx="1"/>
-          </p:nvPr>
-        </p:nvSpPr>
-        <p:spPr>
-          <a:xfrm>
-            <a:off x="2135560" y="1844824"/>
-            <a:ext cx="8640960" cy="4248472"/>
-          </a:xfrm>
-        </p:spPr>
-        <p:txBody>
           <a:bodyPr anchor="t">
             <a:normAutofit/>
           </a:bodyPr>
@@ -20623,49 +21940,61 @@
           <a:p>
             <a:r>
               <a:rPr lang="en-US" dirty="0"/>
-              <a:t>3 allocations for every Async method</a:t>
+              <a:t>Deadlock Meme</a:t>
             </a:r>
-          </a:p>
-          <a:p>
-            <a:pPr lvl="1"/>
-            <a:r>
-              <a:rPr lang="en-US" dirty="0"/>
-              <a:t>Heap-allocated state machine</a:t>
-            </a:r>
-          </a:p>
-          <a:p>
-            <a:pPr lvl="2"/>
-            <a:r>
-              <a:rPr lang="en-US" dirty="0"/>
-              <a:t>With a field for every local variable in your method</a:t>
-            </a:r>
-          </a:p>
-          <a:p>
-            <a:pPr lvl="1"/>
-            <a:r>
-              <a:rPr lang="en-US" dirty="0"/>
-              <a:t>Completion delegate</a:t>
-            </a:r>
-          </a:p>
-          <a:p>
-            <a:pPr lvl="1"/>
-            <a:r>
-              <a:rPr lang="en-US" dirty="0"/>
-              <a:t>Task</a:t>
-            </a:r>
-            <a:endParaRPr lang="en-US" sz="1600" dirty="0">
-              <a:solidFill>
-                <a:schemeClr val="accent1"/>
-              </a:solidFill>
-              <a:latin typeface="Arial Narrow" panose="020B0606020202030204" pitchFamily="34" charset="0"/>
-            </a:endParaRPr>
           </a:p>
         </p:txBody>
       </p:sp>
+      <p:pic>
+        <p:nvPicPr>
+          <p:cNvPr id="7172" name="Picture 4" descr="https://i.imgflip.com/1eulxp.jpg"/>
+          <p:cNvPicPr>
+            <a:picLocks noChangeAspect="1" noChangeArrowheads="1"/>
+          </p:cNvPicPr>
+          <p:nvPr/>
+        </p:nvPicPr>
+        <p:blipFill>
+          <a:blip r:embed="rId3">
+            <a:extLst>
+              <a:ext uri="{28A0092B-C50C-407E-A947-70E740481C1C}">
+                <a14:useLocalDpi xmlns:a14="http://schemas.microsoft.com/office/drawing/2010/main" val="0"/>
+              </a:ext>
+            </a:extLst>
+          </a:blip>
+          <a:srcRect/>
+          <a:stretch>
+            <a:fillRect/>
+          </a:stretch>
+        </p:blipFill>
+        <p:spPr bwMode="auto">
+          <a:xfrm>
+            <a:off x="3506400" y="1267200"/>
+            <a:ext cx="5179535" cy="5011200"/>
+          </a:xfrm>
+          <a:prstGeom prst="rect">
+            <a:avLst/>
+          </a:prstGeom>
+          <a:noFill/>
+          <a:ln>
+            <a:solidFill>
+              <a:schemeClr val="accent1"/>
+            </a:solidFill>
+          </a:ln>
+          <a:extLst>
+            <a:ext uri="{909E8E84-426E-40DD-AFC4-6F175D3DCCD1}">
+              <a14:hiddenFill xmlns:a14="http://schemas.microsoft.com/office/drawing/2010/main">
+                <a:solidFill>
+                  <a:srgbClr val="FFFFFF"/>
+                </a:solidFill>
+              </a14:hiddenFill>
+            </a:ext>
+          </a:extLst>
+        </p:spPr>
+      </p:pic>
     </p:spTree>
     <p:extLst>
       <p:ext uri="{BB962C8B-B14F-4D97-AF65-F5344CB8AC3E}">
-        <p14:creationId xmlns:p14="http://schemas.microsoft.com/office/powerpoint/2010/main" val="789624704"/>
+        <p14:creationId xmlns:p14="http://schemas.microsoft.com/office/powerpoint/2010/main" val="2351673736"/>
       </p:ext>
     </p:extLst>
   </p:cSld>
@@ -20716,6 +22045,421 @@
         </p:nvSpPr>
         <p:spPr/>
         <p:txBody>
+          <a:bodyPr anchor="t">
+            <a:normAutofit/>
+          </a:bodyPr>
+          <a:lstStyle/>
+          <a:p>
+            <a:r>
+              <a:rPr lang="en-US" dirty="0"/>
+              <a:t>Deadlock Meme</a:t>
+            </a:r>
+          </a:p>
+        </p:txBody>
+      </p:sp>
+      <p:pic>
+        <p:nvPicPr>
+          <p:cNvPr id="7170" name="Picture 2" descr="https://i.imgflip.com/1eulqt.jpg"/>
+          <p:cNvPicPr>
+            <a:picLocks noChangeAspect="1" noChangeArrowheads="1"/>
+          </p:cNvPicPr>
+          <p:nvPr/>
+        </p:nvPicPr>
+        <p:blipFill>
+          <a:blip r:embed="rId3">
+            <a:extLst>
+              <a:ext uri="{28A0092B-C50C-407E-A947-70E740481C1C}">
+                <a14:useLocalDpi xmlns:a14="http://schemas.microsoft.com/office/drawing/2010/main" val="0"/>
+              </a:ext>
+            </a:extLst>
+          </a:blip>
+          <a:srcRect/>
+          <a:stretch>
+            <a:fillRect/>
+          </a:stretch>
+        </p:blipFill>
+        <p:spPr bwMode="auto">
+          <a:xfrm>
+            <a:off x="3506109" y="1268760"/>
+            <a:ext cx="5179783" cy="5011440"/>
+          </a:xfrm>
+          <a:prstGeom prst="rect">
+            <a:avLst/>
+          </a:prstGeom>
+          <a:noFill/>
+          <a:ln>
+            <a:solidFill>
+              <a:schemeClr val="accent1"/>
+            </a:solidFill>
+          </a:ln>
+          <a:extLst>
+            <a:ext uri="{909E8E84-426E-40DD-AFC4-6F175D3DCCD1}">
+              <a14:hiddenFill xmlns:a14="http://schemas.microsoft.com/office/drawing/2010/main">
+                <a:solidFill>
+                  <a:srgbClr val="FFFFFF"/>
+                </a:solidFill>
+              </a14:hiddenFill>
+            </a:ext>
+          </a:extLst>
+        </p:spPr>
+      </p:pic>
+    </p:spTree>
+    <p:extLst>
+      <p:ext uri="{BB962C8B-B14F-4D97-AF65-F5344CB8AC3E}">
+        <p14:creationId xmlns:p14="http://schemas.microsoft.com/office/powerpoint/2010/main" val="1546639905"/>
+      </p:ext>
+    </p:extLst>
+  </p:cSld>
+  <p:clrMapOvr>
+    <a:masterClrMapping/>
+  </p:clrMapOvr>
+  <mc:AlternateContent xmlns:mc="http://schemas.openxmlformats.org/markup-compatibility/2006" xmlns:p14="http://schemas.microsoft.com/office/powerpoint/2010/main">
+    <mc:Choice Requires="p14">
+      <p:transition spd="med" p14:dur="700">
+        <p:fade/>
+      </p:transition>
+    </mc:Choice>
+    <mc:Fallback xmlns="">
+      <p:transition spd="med">
+        <p:fade/>
+      </p:transition>
+    </mc:Fallback>
+  </mc:AlternateContent>
+</p:sld>
+</file>
+
+<file path=ppt/slides/slide42.xml><?xml version="1.0" encoding="utf-8"?>
+<p:sld xmlns:a="http://schemas.openxmlformats.org/drawingml/2006/main" xmlns:r="http://schemas.openxmlformats.org/officeDocument/2006/relationships" xmlns:p="http://schemas.openxmlformats.org/presentationml/2006/main">
+  <p:cSld>
+    <p:spTree>
+      <p:nvGrpSpPr>
+        <p:cNvPr id="1" name=""/>
+        <p:cNvGrpSpPr/>
+        <p:nvPr/>
+      </p:nvGrpSpPr>
+      <p:grpSpPr>
+        <a:xfrm>
+          <a:off x="0" y="0"/>
+          <a:ext cx="0" cy="0"/>
+          <a:chOff x="0" y="0"/>
+          <a:chExt cx="0" cy="0"/>
+        </a:xfrm>
+      </p:grpSpPr>
+      <p:sp>
+        <p:nvSpPr>
+          <p:cNvPr id="13" name="Title 12"/>
+          <p:cNvSpPr>
+            <a:spLocks noGrp="1"/>
+          </p:cNvSpPr>
+          <p:nvPr>
+            <p:ph type="title"/>
+          </p:nvPr>
+        </p:nvSpPr>
+        <p:spPr/>
+        <p:txBody>
+          <a:bodyPr anchor="t">
+            <a:normAutofit/>
+          </a:bodyPr>
+          <a:lstStyle/>
+          <a:p>
+            <a:r>
+              <a:rPr lang="en-US" dirty="0"/>
+              <a:t>Deadlock Meme</a:t>
+            </a:r>
+          </a:p>
+        </p:txBody>
+      </p:sp>
+      <p:pic>
+        <p:nvPicPr>
+          <p:cNvPr id="9218" name="Picture 2" descr="https://i.imgflip.com/1eum9y.jpg"/>
+          <p:cNvPicPr>
+            <a:picLocks noChangeAspect="1" noChangeArrowheads="1"/>
+          </p:cNvPicPr>
+          <p:nvPr/>
+        </p:nvPicPr>
+        <p:blipFill>
+          <a:blip r:embed="rId3">
+            <a:extLst>
+              <a:ext uri="{28A0092B-C50C-407E-A947-70E740481C1C}">
+                <a14:useLocalDpi xmlns:a14="http://schemas.microsoft.com/office/drawing/2010/main" val="0"/>
+              </a:ext>
+            </a:extLst>
+          </a:blip>
+          <a:srcRect/>
+          <a:stretch>
+            <a:fillRect/>
+          </a:stretch>
+        </p:blipFill>
+        <p:spPr bwMode="auto">
+          <a:xfrm>
+            <a:off x="3506400" y="1267200"/>
+            <a:ext cx="5179535" cy="5011200"/>
+          </a:xfrm>
+          <a:prstGeom prst="rect">
+            <a:avLst/>
+          </a:prstGeom>
+          <a:noFill/>
+          <a:ln>
+            <a:solidFill>
+              <a:schemeClr val="accent1"/>
+            </a:solidFill>
+          </a:ln>
+          <a:extLst>
+            <a:ext uri="{909E8E84-426E-40DD-AFC4-6F175D3DCCD1}">
+              <a14:hiddenFill xmlns:a14="http://schemas.microsoft.com/office/drawing/2010/main">
+                <a:solidFill>
+                  <a:srgbClr val="FFFFFF"/>
+                </a:solidFill>
+              </a14:hiddenFill>
+            </a:ext>
+          </a:extLst>
+        </p:spPr>
+      </p:pic>
+    </p:spTree>
+    <p:extLst>
+      <p:ext uri="{BB962C8B-B14F-4D97-AF65-F5344CB8AC3E}">
+        <p14:creationId xmlns:p14="http://schemas.microsoft.com/office/powerpoint/2010/main" val="3016117138"/>
+      </p:ext>
+    </p:extLst>
+  </p:cSld>
+  <p:clrMapOvr>
+    <a:masterClrMapping/>
+  </p:clrMapOvr>
+  <mc:AlternateContent xmlns:mc="http://schemas.openxmlformats.org/markup-compatibility/2006" xmlns:p14="http://schemas.microsoft.com/office/powerpoint/2010/main">
+    <mc:Choice Requires="p14">
+      <p:transition spd="med" p14:dur="700">
+        <p:fade/>
+      </p:transition>
+    </mc:Choice>
+    <mc:Fallback xmlns="">
+      <p:transition spd="med">
+        <p:fade/>
+      </p:transition>
+    </mc:Fallback>
+  </mc:AlternateContent>
+</p:sld>
+</file>
+
+<file path=ppt/slides/slide43.xml><?xml version="1.0" encoding="utf-8"?>
+<p:sld xmlns:a="http://schemas.openxmlformats.org/drawingml/2006/main" xmlns:r="http://schemas.openxmlformats.org/officeDocument/2006/relationships" xmlns:p="http://schemas.openxmlformats.org/presentationml/2006/main">
+  <p:cSld>
+    <p:spTree>
+      <p:nvGrpSpPr>
+        <p:cNvPr id="1" name=""/>
+        <p:cNvGrpSpPr/>
+        <p:nvPr/>
+      </p:nvGrpSpPr>
+      <p:grpSpPr>
+        <a:xfrm>
+          <a:off x="0" y="0"/>
+          <a:ext cx="0" cy="0"/>
+          <a:chOff x="0" y="0"/>
+          <a:chExt cx="0" cy="0"/>
+        </a:xfrm>
+      </p:grpSpPr>
+      <p:sp>
+        <p:nvSpPr>
+          <p:cNvPr id="4" name="Title 3"/>
+          <p:cNvSpPr>
+            <a:spLocks noGrp="1"/>
+          </p:cNvSpPr>
+          <p:nvPr>
+            <p:ph type="title"/>
+          </p:nvPr>
+        </p:nvSpPr>
+        <p:spPr/>
+        <p:txBody>
+          <a:bodyPr/>
+          <a:lstStyle/>
+          <a:p>
+            <a:r>
+              <a:rPr lang="en-GB" dirty="0"/>
+              <a:t>Appendix</a:t>
+            </a:r>
+          </a:p>
+        </p:txBody>
+      </p:sp>
+    </p:spTree>
+    <p:extLst>
+      <p:ext uri="{BB962C8B-B14F-4D97-AF65-F5344CB8AC3E}">
+        <p14:creationId xmlns:p14="http://schemas.microsoft.com/office/powerpoint/2010/main" val="1255273533"/>
+      </p:ext>
+    </p:extLst>
+  </p:cSld>
+  <p:clrMapOvr>
+    <a:masterClrMapping/>
+  </p:clrMapOvr>
+  <mc:AlternateContent xmlns:mc="http://schemas.openxmlformats.org/markup-compatibility/2006" xmlns:p14="http://schemas.microsoft.com/office/powerpoint/2010/main">
+    <mc:Choice Requires="p14">
+      <p:transition spd="med" p14:dur="700">
+        <p:fade/>
+      </p:transition>
+    </mc:Choice>
+    <mc:Fallback xmlns="">
+      <p:transition spd="med">
+        <p:fade/>
+      </p:transition>
+    </mc:Fallback>
+  </mc:AlternateContent>
+</p:sld>
+</file>
+
+<file path=ppt/slides/slide44.xml><?xml version="1.0" encoding="utf-8"?>
+<p:sld xmlns:a="http://schemas.openxmlformats.org/drawingml/2006/main" xmlns:r="http://schemas.openxmlformats.org/officeDocument/2006/relationships" xmlns:p="http://schemas.openxmlformats.org/presentationml/2006/main">
+  <p:cSld>
+    <p:spTree>
+      <p:nvGrpSpPr>
+        <p:cNvPr id="1" name=""/>
+        <p:cNvGrpSpPr/>
+        <p:nvPr/>
+      </p:nvGrpSpPr>
+      <p:grpSpPr>
+        <a:xfrm>
+          <a:off x="0" y="0"/>
+          <a:ext cx="0" cy="0"/>
+          <a:chOff x="0" y="0"/>
+          <a:chExt cx="0" cy="0"/>
+        </a:xfrm>
+      </p:grpSpPr>
+      <p:sp>
+        <p:nvSpPr>
+          <p:cNvPr id="13" name="Title 12"/>
+          <p:cNvSpPr>
+            <a:spLocks noGrp="1"/>
+          </p:cNvSpPr>
+          <p:nvPr>
+            <p:ph type="title"/>
+          </p:nvPr>
+        </p:nvSpPr>
+        <p:spPr/>
+        <p:txBody>
+          <a:bodyPr anchor="t"/>
+          <a:lstStyle/>
+          <a:p>
+            <a:r>
+              <a:rPr lang="en-US" dirty="0"/>
+              <a:t>Async method GC impact</a:t>
+            </a:r>
+          </a:p>
+        </p:txBody>
+      </p:sp>
+      <p:sp>
+        <p:nvSpPr>
+          <p:cNvPr id="14" name="Content Placeholder 13"/>
+          <p:cNvSpPr>
+            <a:spLocks noGrp="1"/>
+          </p:cNvSpPr>
+          <p:nvPr>
+            <p:ph idx="1"/>
+          </p:nvPr>
+        </p:nvSpPr>
+        <p:spPr>
+          <a:xfrm>
+            <a:off x="2135560" y="1844824"/>
+            <a:ext cx="8640960" cy="4248472"/>
+          </a:xfrm>
+        </p:spPr>
+        <p:txBody>
+          <a:bodyPr anchor="t">
+            <a:normAutofit/>
+          </a:bodyPr>
+          <a:lstStyle/>
+          <a:p>
+            <a:r>
+              <a:rPr lang="en-US" dirty="0"/>
+              <a:t>3 allocations for every Async method</a:t>
+            </a:r>
+          </a:p>
+          <a:p>
+            <a:pPr lvl="1"/>
+            <a:r>
+              <a:rPr lang="en-US" dirty="0"/>
+              <a:t>Heap-allocated state machine</a:t>
+            </a:r>
+          </a:p>
+          <a:p>
+            <a:pPr lvl="2"/>
+            <a:r>
+              <a:rPr lang="en-US" dirty="0"/>
+              <a:t>With a field for every local variable in your method</a:t>
+            </a:r>
+          </a:p>
+          <a:p>
+            <a:pPr lvl="1"/>
+            <a:r>
+              <a:rPr lang="en-US" dirty="0"/>
+              <a:t>Completion delegate</a:t>
+            </a:r>
+          </a:p>
+          <a:p>
+            <a:pPr lvl="1"/>
+            <a:r>
+              <a:rPr lang="en-US" dirty="0"/>
+              <a:t>Task</a:t>
+            </a:r>
+            <a:endParaRPr lang="en-US" sz="1600" dirty="0">
+              <a:solidFill>
+                <a:schemeClr val="accent1"/>
+              </a:solidFill>
+              <a:latin typeface="Arial Narrow" panose="020B0606020202030204" pitchFamily="34" charset="0"/>
+            </a:endParaRPr>
+          </a:p>
+        </p:txBody>
+      </p:sp>
+    </p:spTree>
+    <p:extLst>
+      <p:ext uri="{BB962C8B-B14F-4D97-AF65-F5344CB8AC3E}">
+        <p14:creationId xmlns:p14="http://schemas.microsoft.com/office/powerpoint/2010/main" val="789624704"/>
+      </p:ext>
+    </p:extLst>
+  </p:cSld>
+  <p:clrMapOvr>
+    <a:masterClrMapping/>
+  </p:clrMapOvr>
+  <mc:AlternateContent xmlns:mc="http://schemas.openxmlformats.org/markup-compatibility/2006" xmlns:p14="http://schemas.microsoft.com/office/powerpoint/2010/main">
+    <mc:Choice Requires="p14">
+      <p:transition spd="med" p14:dur="700">
+        <p:fade/>
+      </p:transition>
+    </mc:Choice>
+    <mc:Fallback xmlns="">
+      <p:transition spd="med">
+        <p:fade/>
+      </p:transition>
+    </mc:Fallback>
+  </mc:AlternateContent>
+</p:sld>
+</file>
+
+<file path=ppt/slides/slide45.xml><?xml version="1.0" encoding="utf-8"?>
+<p:sld xmlns:a="http://schemas.openxmlformats.org/drawingml/2006/main" xmlns:r="http://schemas.openxmlformats.org/officeDocument/2006/relationships" xmlns:p="http://schemas.openxmlformats.org/presentationml/2006/main">
+  <p:cSld>
+    <p:spTree>
+      <p:nvGrpSpPr>
+        <p:cNvPr id="1" name=""/>
+        <p:cNvGrpSpPr/>
+        <p:nvPr/>
+      </p:nvGrpSpPr>
+      <p:grpSpPr>
+        <a:xfrm>
+          <a:off x="0" y="0"/>
+          <a:ext cx="0" cy="0"/>
+          <a:chOff x="0" y="0"/>
+          <a:chExt cx="0" cy="0"/>
+        </a:xfrm>
+      </p:grpSpPr>
+      <p:sp>
+        <p:nvSpPr>
+          <p:cNvPr id="13" name="Title 12"/>
+          <p:cNvSpPr>
+            <a:spLocks noGrp="1"/>
+          </p:cNvSpPr>
+          <p:nvPr>
+            <p:ph type="title"/>
+          </p:nvPr>
+        </p:nvSpPr>
+        <p:spPr/>
+        <p:txBody>
           <a:bodyPr anchor="t"/>
           <a:lstStyle/>
           <a:p>
@@ -20794,7 +22538,7 @@
 </p:sld>
 </file>
 
-<file path=ppt/slides/slide42.xml><?xml version="1.0" encoding="utf-8"?>
+<file path=ppt/slides/slide46.xml><?xml version="1.0" encoding="utf-8"?>
 <p:sld xmlns:a="http://schemas.openxmlformats.org/drawingml/2006/main" xmlns:r="http://schemas.openxmlformats.org/officeDocument/2006/relationships" xmlns:p="http://schemas.openxmlformats.org/presentationml/2006/main">
   <p:cSld>
     <p:spTree>
@@ -20883,7 +22627,7 @@
 </p:sld>
 </file>
 
-<file path=ppt/slides/slide43.xml><?xml version="1.0" encoding="utf-8"?>
+<file path=ppt/slides/slide47.xml><?xml version="1.0" encoding="utf-8"?>
 <p:sld xmlns:a="http://schemas.openxmlformats.org/drawingml/2006/main" xmlns:r="http://schemas.openxmlformats.org/officeDocument/2006/relationships" xmlns:p="http://schemas.openxmlformats.org/presentationml/2006/main">
   <p:cSld>
     <p:spTree>
@@ -21232,7 +22976,7 @@
 </p:sld>
 </file>
 
-<file path=ppt/slides/slide44.xml><?xml version="1.0" encoding="utf-8"?>
+<file path=ppt/slides/slide48.xml><?xml version="1.0" encoding="utf-8"?>
 <p:sld xmlns:a="http://schemas.openxmlformats.org/drawingml/2006/main" xmlns:r="http://schemas.openxmlformats.org/officeDocument/2006/relationships" xmlns:p="http://schemas.openxmlformats.org/presentationml/2006/main">
   <p:cSld>
     <p:spTree>
@@ -21321,335 +23065,6 @@
 </p:sld>
 </file>
 
-<file path=ppt/slides/slide45.xml><?xml version="1.0" encoding="utf-8"?>
-<p:sld xmlns:a="http://schemas.openxmlformats.org/drawingml/2006/main" xmlns:r="http://schemas.openxmlformats.org/officeDocument/2006/relationships" xmlns:p="http://schemas.openxmlformats.org/presentationml/2006/main">
-  <p:cSld>
-    <p:spTree>
-      <p:nvGrpSpPr>
-        <p:cNvPr id="1" name=""/>
-        <p:cNvGrpSpPr/>
-        <p:nvPr/>
-      </p:nvGrpSpPr>
-      <p:grpSpPr>
-        <a:xfrm>
-          <a:off x="0" y="0"/>
-          <a:ext cx="0" cy="0"/>
-          <a:chOff x="0" y="0"/>
-          <a:chExt cx="0" cy="0"/>
-        </a:xfrm>
-      </p:grpSpPr>
-      <p:sp>
-        <p:nvSpPr>
-          <p:cNvPr id="2" name="Title 1"/>
-          <p:cNvSpPr>
-            <a:spLocks noGrp="1"/>
-          </p:cNvSpPr>
-          <p:nvPr>
-            <p:ph type="title"/>
-          </p:nvPr>
-        </p:nvSpPr>
-        <p:spPr/>
-        <p:txBody>
-          <a:bodyPr/>
-          <a:lstStyle/>
-          <a:p>
-            <a:r>
-              <a:rPr lang="en-US" dirty="0"/>
-              <a:t>Add a Slide Title - 1</a:t>
-            </a:r>
-          </a:p>
-        </p:txBody>
-      </p:sp>
-      <p:sp>
-        <p:nvSpPr>
-          <p:cNvPr id="3" name="Text Placeholder 2"/>
-          <p:cNvSpPr>
-            <a:spLocks noGrp="1"/>
-          </p:cNvSpPr>
-          <p:nvPr>
-            <p:ph type="body" idx="1"/>
-          </p:nvPr>
-        </p:nvSpPr>
-        <p:spPr/>
-        <p:txBody>
-          <a:bodyPr/>
-          <a:lstStyle/>
-          <a:p>
-            <a:endParaRPr lang="en-US"/>
-          </a:p>
-        </p:txBody>
-      </p:sp>
-    </p:spTree>
-    <p:extLst>
-      <p:ext uri="{BB962C8B-B14F-4D97-AF65-F5344CB8AC3E}">
-        <p14:creationId xmlns:p14="http://schemas.microsoft.com/office/powerpoint/2010/main" val="2478160142"/>
-      </p:ext>
-    </p:extLst>
-  </p:cSld>
-  <p:clrMapOvr>
-    <a:masterClrMapping/>
-  </p:clrMapOvr>
-  <mc:AlternateContent xmlns:mc="http://schemas.openxmlformats.org/markup-compatibility/2006" xmlns:p14="http://schemas.microsoft.com/office/powerpoint/2010/main">
-    <mc:Choice Requires="p14">
-      <p:transition spd="med" p14:dur="700">
-        <p:fade/>
-      </p:transition>
-    </mc:Choice>
-    <mc:Fallback xmlns="">
-      <p:transition spd="med">
-        <p:fade/>
-      </p:transition>
-    </mc:Fallback>
-  </mc:AlternateContent>
-</p:sld>
-</file>
-
-<file path=ppt/slides/slide46.xml><?xml version="1.0" encoding="utf-8"?>
-<p:sld xmlns:a="http://schemas.openxmlformats.org/drawingml/2006/main" xmlns:r="http://schemas.openxmlformats.org/officeDocument/2006/relationships" xmlns:p="http://schemas.openxmlformats.org/presentationml/2006/main">
-  <p:cSld>
-    <p:spTree>
-      <p:nvGrpSpPr>
-        <p:cNvPr id="1" name=""/>
-        <p:cNvGrpSpPr/>
-        <p:nvPr/>
-      </p:nvGrpSpPr>
-      <p:grpSpPr>
-        <a:xfrm>
-          <a:off x="0" y="0"/>
-          <a:ext cx="0" cy="0"/>
-          <a:chOff x="0" y="0"/>
-          <a:chExt cx="0" cy="0"/>
-        </a:xfrm>
-      </p:grpSpPr>
-      <p:sp>
-        <p:nvSpPr>
-          <p:cNvPr id="2" name="Title 1"/>
-          <p:cNvSpPr>
-            <a:spLocks noGrp="1"/>
-          </p:cNvSpPr>
-          <p:nvPr>
-            <p:ph type="title"/>
-          </p:nvPr>
-        </p:nvSpPr>
-        <p:spPr/>
-        <p:txBody>
-          <a:bodyPr/>
-          <a:lstStyle/>
-          <a:p>
-            <a:r>
-              <a:rPr lang="en-US" dirty="0"/>
-              <a:t>Add a Slide Title - 2</a:t>
-            </a:r>
-          </a:p>
-        </p:txBody>
-      </p:sp>
-      <p:sp>
-        <p:nvSpPr>
-          <p:cNvPr id="3" name="Text Placeholder 2"/>
-          <p:cNvSpPr>
-            <a:spLocks noGrp="1"/>
-          </p:cNvSpPr>
-          <p:nvPr>
-            <p:ph type="body" idx="1"/>
-          </p:nvPr>
-        </p:nvSpPr>
-        <p:spPr/>
-        <p:txBody>
-          <a:bodyPr/>
-          <a:lstStyle/>
-          <a:p>
-            <a:endParaRPr lang="en-US"/>
-          </a:p>
-        </p:txBody>
-      </p:sp>
-      <p:sp>
-        <p:nvSpPr>
-          <p:cNvPr id="4" name="Content Placeholder 3"/>
-          <p:cNvSpPr>
-            <a:spLocks noGrp="1"/>
-          </p:cNvSpPr>
-          <p:nvPr>
-            <p:ph sz="half" idx="2"/>
-          </p:nvPr>
-        </p:nvSpPr>
-        <p:spPr/>
-        <p:txBody>
-          <a:bodyPr/>
-          <a:lstStyle/>
-          <a:p>
-            <a:endParaRPr lang="en-US"/>
-          </a:p>
-        </p:txBody>
-      </p:sp>
-      <p:sp>
-        <p:nvSpPr>
-          <p:cNvPr id="5" name="Text Placeholder 4"/>
-          <p:cNvSpPr>
-            <a:spLocks noGrp="1"/>
-          </p:cNvSpPr>
-          <p:nvPr>
-            <p:ph type="body" sz="quarter" idx="3"/>
-          </p:nvPr>
-        </p:nvSpPr>
-        <p:spPr/>
-        <p:txBody>
-          <a:bodyPr/>
-          <a:lstStyle/>
-          <a:p>
-            <a:endParaRPr lang="en-US"/>
-          </a:p>
-        </p:txBody>
-      </p:sp>
-      <p:sp>
-        <p:nvSpPr>
-          <p:cNvPr id="6" name="Content Placeholder 5"/>
-          <p:cNvSpPr>
-            <a:spLocks noGrp="1"/>
-          </p:cNvSpPr>
-          <p:nvPr>
-            <p:ph sz="quarter" idx="4"/>
-          </p:nvPr>
-        </p:nvSpPr>
-        <p:spPr/>
-        <p:txBody>
-          <a:bodyPr/>
-          <a:lstStyle/>
-          <a:p>
-            <a:endParaRPr lang="en-US"/>
-          </a:p>
-        </p:txBody>
-      </p:sp>
-    </p:spTree>
-    <p:extLst>
-      <p:ext uri="{BB962C8B-B14F-4D97-AF65-F5344CB8AC3E}">
-        <p14:creationId xmlns:p14="http://schemas.microsoft.com/office/powerpoint/2010/main" val="2681425051"/>
-      </p:ext>
-    </p:extLst>
-  </p:cSld>
-  <p:clrMapOvr>
-    <a:masterClrMapping/>
-  </p:clrMapOvr>
-  <mc:AlternateContent xmlns:mc="http://schemas.openxmlformats.org/markup-compatibility/2006" xmlns:p14="http://schemas.microsoft.com/office/powerpoint/2010/main">
-    <mc:Choice Requires="p14">
-      <p:transition spd="med" p14:dur="700">
-        <p:fade/>
-      </p:transition>
-    </mc:Choice>
-    <mc:Fallback xmlns="">
-      <p:transition spd="med">
-        <p:fade/>
-      </p:transition>
-    </mc:Fallback>
-  </mc:AlternateContent>
-</p:sld>
-</file>
-
-<file path=ppt/slides/slide47.xml><?xml version="1.0" encoding="utf-8"?>
-<p:sld xmlns:a="http://schemas.openxmlformats.org/drawingml/2006/main" xmlns:r="http://schemas.openxmlformats.org/officeDocument/2006/relationships" xmlns:p="http://schemas.openxmlformats.org/presentationml/2006/main">
-  <p:cSld>
-    <p:spTree>
-      <p:nvGrpSpPr>
-        <p:cNvPr id="1" name=""/>
-        <p:cNvGrpSpPr/>
-        <p:nvPr/>
-      </p:nvGrpSpPr>
-      <p:grpSpPr>
-        <a:xfrm>
-          <a:off x="0" y="0"/>
-          <a:ext cx="0" cy="0"/>
-          <a:chOff x="0" y="0"/>
-          <a:chExt cx="0" cy="0"/>
-        </a:xfrm>
-      </p:grpSpPr>
-      <p:sp>
-        <p:nvSpPr>
-          <p:cNvPr id="2" name="Title 1"/>
-          <p:cNvSpPr>
-            <a:spLocks noGrp="1"/>
-          </p:cNvSpPr>
-          <p:nvPr>
-            <p:ph type="title"/>
-          </p:nvPr>
-        </p:nvSpPr>
-        <p:spPr/>
-        <p:txBody>
-          <a:bodyPr/>
-          <a:lstStyle/>
-          <a:p>
-            <a:r>
-              <a:rPr lang="en-US" dirty="0"/>
-              <a:t>Add a Slide Title - 3</a:t>
-            </a:r>
-          </a:p>
-        </p:txBody>
-      </p:sp>
-    </p:spTree>
-    <p:extLst>
-      <p:ext uri="{BB962C8B-B14F-4D97-AF65-F5344CB8AC3E}">
-        <p14:creationId xmlns:p14="http://schemas.microsoft.com/office/powerpoint/2010/main" val="2590506655"/>
-      </p:ext>
-    </p:extLst>
-  </p:cSld>
-  <p:clrMapOvr>
-    <a:masterClrMapping/>
-  </p:clrMapOvr>
-  <mc:AlternateContent xmlns:mc="http://schemas.openxmlformats.org/markup-compatibility/2006" xmlns:p14="http://schemas.microsoft.com/office/powerpoint/2010/main">
-    <mc:Choice Requires="p14">
-      <p:transition spd="med" p14:dur="700">
-        <p:fade/>
-      </p:transition>
-    </mc:Choice>
-    <mc:Fallback xmlns="">
-      <p:transition spd="med">
-        <p:fade/>
-      </p:transition>
-    </mc:Fallback>
-  </mc:AlternateContent>
-</p:sld>
-</file>
-
-<file path=ppt/slides/slide48.xml><?xml version="1.0" encoding="utf-8"?>
-<p:sld xmlns:a="http://schemas.openxmlformats.org/drawingml/2006/main" xmlns:r="http://schemas.openxmlformats.org/officeDocument/2006/relationships" xmlns:p="http://schemas.openxmlformats.org/presentationml/2006/main">
-  <p:cSld>
-    <p:spTree>
-      <p:nvGrpSpPr>
-        <p:cNvPr id="1" name=""/>
-        <p:cNvGrpSpPr/>
-        <p:nvPr/>
-      </p:nvGrpSpPr>
-      <p:grpSpPr>
-        <a:xfrm>
-          <a:off x="0" y="0"/>
-          <a:ext cx="0" cy="0"/>
-          <a:chOff x="0" y="0"/>
-          <a:chExt cx="0" cy="0"/>
-        </a:xfrm>
-      </p:grpSpPr>
-    </p:spTree>
-    <p:extLst>
-      <p:ext uri="{BB962C8B-B14F-4D97-AF65-F5344CB8AC3E}">
-        <p14:creationId xmlns:p14="http://schemas.microsoft.com/office/powerpoint/2010/main" val="1735722345"/>
-      </p:ext>
-    </p:extLst>
-  </p:cSld>
-  <p:clrMapOvr>
-    <a:masterClrMapping/>
-  </p:clrMapOvr>
-  <mc:AlternateContent xmlns:mc="http://schemas.openxmlformats.org/markup-compatibility/2006" xmlns:p14="http://schemas.microsoft.com/office/powerpoint/2010/main">
-    <mc:Choice Requires="p14">
-      <p:transition spd="med" p14:dur="700">
-        <p:fade/>
-      </p:transition>
-    </mc:Choice>
-    <mc:Fallback xmlns="">
-      <p:transition spd="med">
-        <p:fade/>
-      </p:transition>
-    </mc:Fallback>
-  </mc:AlternateContent>
-</p:sld>
-</file>
-
 <file path=ppt/slides/slide49.xml><?xml version="1.0" encoding="utf-8"?>
 <p:sld xmlns:a="http://schemas.openxmlformats.org/drawingml/2006/main" xmlns:r="http://schemas.openxmlformats.org/officeDocument/2006/relationships" xmlns:p="http://schemas.openxmlformats.org/presentationml/2006/main">
   <p:cSld>
@@ -21684,19 +23099,19 @@
           <a:p>
             <a:r>
               <a:rPr lang="en-US" dirty="0"/>
-              <a:t>Add a Slide Title - 4</a:t>
+              <a:t>Add a Slide Title - 1</a:t>
             </a:r>
           </a:p>
         </p:txBody>
       </p:sp>
       <p:sp>
         <p:nvSpPr>
-          <p:cNvPr id="4" name="Text Placeholder 3"/>
+          <p:cNvPr id="3" name="Text Placeholder 2"/>
           <p:cNvSpPr>
             <a:spLocks noGrp="1"/>
           </p:cNvSpPr>
           <p:nvPr>
-            <p:ph type="body" sz="half" idx="2"/>
+            <p:ph type="body" idx="1"/>
           </p:nvPr>
         </p:nvSpPr>
         <p:spPr/>
@@ -21708,29 +23123,10 @@
           </a:p>
         </p:txBody>
       </p:sp>
-      <p:sp>
-        <p:nvSpPr>
-          <p:cNvPr id="3" name="Content Placeholder 2"/>
-          <p:cNvSpPr>
-            <a:spLocks noGrp="1"/>
-          </p:cNvSpPr>
-          <p:nvPr>
-            <p:ph idx="1"/>
-          </p:nvPr>
-        </p:nvSpPr>
-        <p:spPr/>
-        <p:txBody>
-          <a:bodyPr/>
-          <a:lstStyle/>
-          <a:p>
-            <a:endParaRPr lang="en-US"/>
-          </a:p>
-        </p:txBody>
-      </p:sp>
     </p:spTree>
     <p:extLst>
       <p:ext uri="{BB962C8B-B14F-4D97-AF65-F5344CB8AC3E}">
-        <p14:creationId xmlns:p14="http://schemas.microsoft.com/office/powerpoint/2010/main" val="2765137111"/>
+        <p14:creationId xmlns:p14="http://schemas.microsoft.com/office/powerpoint/2010/main" val="2478160142"/>
       </p:ext>
     </p:extLst>
   </p:cSld>
@@ -21927,7 +23323,16 @@
           <a:lstStyle/>
           <a:p>
             <a:pPr algn="ctr"/>
-            <a:endParaRPr lang="fr-FR"/>
+            <a:r>
+              <a:rPr lang="fr-FR" sz="1100" dirty="0">
+                <a:solidFill>
+                  <a:srgbClr val="C00000"/>
+                </a:solidFill>
+                <a:latin typeface="Arial" panose="020B0604020202020204" pitchFamily="34" charset="0"/>
+                <a:cs typeface="Arial" panose="020B0604020202020204" pitchFamily="34" charset="0"/>
+              </a:rPr>
+              <a:t>1</a:t>
+            </a:r>
           </a:p>
         </p:txBody>
       </p:sp>
@@ -21984,6 +23389,354 @@
 </file>
 
 <file path=ppt/slides/slide50.xml><?xml version="1.0" encoding="utf-8"?>
+<p:sld xmlns:a="http://schemas.openxmlformats.org/drawingml/2006/main" xmlns:r="http://schemas.openxmlformats.org/officeDocument/2006/relationships" xmlns:p="http://schemas.openxmlformats.org/presentationml/2006/main">
+  <p:cSld>
+    <p:spTree>
+      <p:nvGrpSpPr>
+        <p:cNvPr id="1" name=""/>
+        <p:cNvGrpSpPr/>
+        <p:nvPr/>
+      </p:nvGrpSpPr>
+      <p:grpSpPr>
+        <a:xfrm>
+          <a:off x="0" y="0"/>
+          <a:ext cx="0" cy="0"/>
+          <a:chOff x="0" y="0"/>
+          <a:chExt cx="0" cy="0"/>
+        </a:xfrm>
+      </p:grpSpPr>
+      <p:sp>
+        <p:nvSpPr>
+          <p:cNvPr id="2" name="Title 1"/>
+          <p:cNvSpPr>
+            <a:spLocks noGrp="1"/>
+          </p:cNvSpPr>
+          <p:nvPr>
+            <p:ph type="title"/>
+          </p:nvPr>
+        </p:nvSpPr>
+        <p:spPr/>
+        <p:txBody>
+          <a:bodyPr/>
+          <a:lstStyle/>
+          <a:p>
+            <a:r>
+              <a:rPr lang="en-US" dirty="0"/>
+              <a:t>Add a Slide Title - 2</a:t>
+            </a:r>
+          </a:p>
+        </p:txBody>
+      </p:sp>
+      <p:sp>
+        <p:nvSpPr>
+          <p:cNvPr id="3" name="Text Placeholder 2"/>
+          <p:cNvSpPr>
+            <a:spLocks noGrp="1"/>
+          </p:cNvSpPr>
+          <p:nvPr>
+            <p:ph type="body" idx="1"/>
+          </p:nvPr>
+        </p:nvSpPr>
+        <p:spPr/>
+        <p:txBody>
+          <a:bodyPr/>
+          <a:lstStyle/>
+          <a:p>
+            <a:endParaRPr lang="en-US"/>
+          </a:p>
+        </p:txBody>
+      </p:sp>
+      <p:sp>
+        <p:nvSpPr>
+          <p:cNvPr id="4" name="Content Placeholder 3"/>
+          <p:cNvSpPr>
+            <a:spLocks noGrp="1"/>
+          </p:cNvSpPr>
+          <p:nvPr>
+            <p:ph sz="half" idx="2"/>
+          </p:nvPr>
+        </p:nvSpPr>
+        <p:spPr/>
+        <p:txBody>
+          <a:bodyPr/>
+          <a:lstStyle/>
+          <a:p>
+            <a:endParaRPr lang="en-US"/>
+          </a:p>
+        </p:txBody>
+      </p:sp>
+      <p:sp>
+        <p:nvSpPr>
+          <p:cNvPr id="5" name="Text Placeholder 4"/>
+          <p:cNvSpPr>
+            <a:spLocks noGrp="1"/>
+          </p:cNvSpPr>
+          <p:nvPr>
+            <p:ph type="body" sz="quarter" idx="3"/>
+          </p:nvPr>
+        </p:nvSpPr>
+        <p:spPr/>
+        <p:txBody>
+          <a:bodyPr/>
+          <a:lstStyle/>
+          <a:p>
+            <a:endParaRPr lang="en-US"/>
+          </a:p>
+        </p:txBody>
+      </p:sp>
+      <p:sp>
+        <p:nvSpPr>
+          <p:cNvPr id="6" name="Content Placeholder 5"/>
+          <p:cNvSpPr>
+            <a:spLocks noGrp="1"/>
+          </p:cNvSpPr>
+          <p:nvPr>
+            <p:ph sz="quarter" idx="4"/>
+          </p:nvPr>
+        </p:nvSpPr>
+        <p:spPr/>
+        <p:txBody>
+          <a:bodyPr/>
+          <a:lstStyle/>
+          <a:p>
+            <a:endParaRPr lang="en-US"/>
+          </a:p>
+        </p:txBody>
+      </p:sp>
+    </p:spTree>
+    <p:extLst>
+      <p:ext uri="{BB962C8B-B14F-4D97-AF65-F5344CB8AC3E}">
+        <p14:creationId xmlns:p14="http://schemas.microsoft.com/office/powerpoint/2010/main" val="2681425051"/>
+      </p:ext>
+    </p:extLst>
+  </p:cSld>
+  <p:clrMapOvr>
+    <a:masterClrMapping/>
+  </p:clrMapOvr>
+  <mc:AlternateContent xmlns:mc="http://schemas.openxmlformats.org/markup-compatibility/2006" xmlns:p14="http://schemas.microsoft.com/office/powerpoint/2010/main">
+    <mc:Choice Requires="p14">
+      <p:transition spd="med" p14:dur="700">
+        <p:fade/>
+      </p:transition>
+    </mc:Choice>
+    <mc:Fallback xmlns="">
+      <p:transition spd="med">
+        <p:fade/>
+      </p:transition>
+    </mc:Fallback>
+  </mc:AlternateContent>
+</p:sld>
+</file>
+
+<file path=ppt/slides/slide51.xml><?xml version="1.0" encoding="utf-8"?>
+<p:sld xmlns:a="http://schemas.openxmlformats.org/drawingml/2006/main" xmlns:r="http://schemas.openxmlformats.org/officeDocument/2006/relationships" xmlns:p="http://schemas.openxmlformats.org/presentationml/2006/main">
+  <p:cSld>
+    <p:spTree>
+      <p:nvGrpSpPr>
+        <p:cNvPr id="1" name=""/>
+        <p:cNvGrpSpPr/>
+        <p:nvPr/>
+      </p:nvGrpSpPr>
+      <p:grpSpPr>
+        <a:xfrm>
+          <a:off x="0" y="0"/>
+          <a:ext cx="0" cy="0"/>
+          <a:chOff x="0" y="0"/>
+          <a:chExt cx="0" cy="0"/>
+        </a:xfrm>
+      </p:grpSpPr>
+      <p:sp>
+        <p:nvSpPr>
+          <p:cNvPr id="2" name="Title 1"/>
+          <p:cNvSpPr>
+            <a:spLocks noGrp="1"/>
+          </p:cNvSpPr>
+          <p:nvPr>
+            <p:ph type="title"/>
+          </p:nvPr>
+        </p:nvSpPr>
+        <p:spPr/>
+        <p:txBody>
+          <a:bodyPr/>
+          <a:lstStyle/>
+          <a:p>
+            <a:r>
+              <a:rPr lang="en-US" dirty="0"/>
+              <a:t>Add a Slide Title - 3</a:t>
+            </a:r>
+          </a:p>
+        </p:txBody>
+      </p:sp>
+    </p:spTree>
+    <p:extLst>
+      <p:ext uri="{BB962C8B-B14F-4D97-AF65-F5344CB8AC3E}">
+        <p14:creationId xmlns:p14="http://schemas.microsoft.com/office/powerpoint/2010/main" val="2590506655"/>
+      </p:ext>
+    </p:extLst>
+  </p:cSld>
+  <p:clrMapOvr>
+    <a:masterClrMapping/>
+  </p:clrMapOvr>
+  <mc:AlternateContent xmlns:mc="http://schemas.openxmlformats.org/markup-compatibility/2006" xmlns:p14="http://schemas.microsoft.com/office/powerpoint/2010/main">
+    <mc:Choice Requires="p14">
+      <p:transition spd="med" p14:dur="700">
+        <p:fade/>
+      </p:transition>
+    </mc:Choice>
+    <mc:Fallback xmlns="">
+      <p:transition spd="med">
+        <p:fade/>
+      </p:transition>
+    </mc:Fallback>
+  </mc:AlternateContent>
+</p:sld>
+</file>
+
+<file path=ppt/slides/slide52.xml><?xml version="1.0" encoding="utf-8"?>
+<p:sld xmlns:a="http://schemas.openxmlformats.org/drawingml/2006/main" xmlns:r="http://schemas.openxmlformats.org/officeDocument/2006/relationships" xmlns:p="http://schemas.openxmlformats.org/presentationml/2006/main">
+  <p:cSld>
+    <p:spTree>
+      <p:nvGrpSpPr>
+        <p:cNvPr id="1" name=""/>
+        <p:cNvGrpSpPr/>
+        <p:nvPr/>
+      </p:nvGrpSpPr>
+      <p:grpSpPr>
+        <a:xfrm>
+          <a:off x="0" y="0"/>
+          <a:ext cx="0" cy="0"/>
+          <a:chOff x="0" y="0"/>
+          <a:chExt cx="0" cy="0"/>
+        </a:xfrm>
+      </p:grpSpPr>
+    </p:spTree>
+    <p:extLst>
+      <p:ext uri="{BB962C8B-B14F-4D97-AF65-F5344CB8AC3E}">
+        <p14:creationId xmlns:p14="http://schemas.microsoft.com/office/powerpoint/2010/main" val="1735722345"/>
+      </p:ext>
+    </p:extLst>
+  </p:cSld>
+  <p:clrMapOvr>
+    <a:masterClrMapping/>
+  </p:clrMapOvr>
+  <mc:AlternateContent xmlns:mc="http://schemas.openxmlformats.org/markup-compatibility/2006" xmlns:p14="http://schemas.microsoft.com/office/powerpoint/2010/main">
+    <mc:Choice Requires="p14">
+      <p:transition spd="med" p14:dur="700">
+        <p:fade/>
+      </p:transition>
+    </mc:Choice>
+    <mc:Fallback xmlns="">
+      <p:transition spd="med">
+        <p:fade/>
+      </p:transition>
+    </mc:Fallback>
+  </mc:AlternateContent>
+</p:sld>
+</file>
+
+<file path=ppt/slides/slide53.xml><?xml version="1.0" encoding="utf-8"?>
+<p:sld xmlns:a="http://schemas.openxmlformats.org/drawingml/2006/main" xmlns:r="http://schemas.openxmlformats.org/officeDocument/2006/relationships" xmlns:p="http://schemas.openxmlformats.org/presentationml/2006/main">
+  <p:cSld>
+    <p:spTree>
+      <p:nvGrpSpPr>
+        <p:cNvPr id="1" name=""/>
+        <p:cNvGrpSpPr/>
+        <p:nvPr/>
+      </p:nvGrpSpPr>
+      <p:grpSpPr>
+        <a:xfrm>
+          <a:off x="0" y="0"/>
+          <a:ext cx="0" cy="0"/>
+          <a:chOff x="0" y="0"/>
+          <a:chExt cx="0" cy="0"/>
+        </a:xfrm>
+      </p:grpSpPr>
+      <p:sp>
+        <p:nvSpPr>
+          <p:cNvPr id="2" name="Title 1"/>
+          <p:cNvSpPr>
+            <a:spLocks noGrp="1"/>
+          </p:cNvSpPr>
+          <p:nvPr>
+            <p:ph type="title"/>
+          </p:nvPr>
+        </p:nvSpPr>
+        <p:spPr/>
+        <p:txBody>
+          <a:bodyPr/>
+          <a:lstStyle/>
+          <a:p>
+            <a:r>
+              <a:rPr lang="en-US" dirty="0"/>
+              <a:t>Add a Slide Title - 4</a:t>
+            </a:r>
+          </a:p>
+        </p:txBody>
+      </p:sp>
+      <p:sp>
+        <p:nvSpPr>
+          <p:cNvPr id="4" name="Text Placeholder 3"/>
+          <p:cNvSpPr>
+            <a:spLocks noGrp="1"/>
+          </p:cNvSpPr>
+          <p:nvPr>
+            <p:ph type="body" sz="half" idx="2"/>
+          </p:nvPr>
+        </p:nvSpPr>
+        <p:spPr/>
+        <p:txBody>
+          <a:bodyPr/>
+          <a:lstStyle/>
+          <a:p>
+            <a:endParaRPr lang="en-US"/>
+          </a:p>
+        </p:txBody>
+      </p:sp>
+      <p:sp>
+        <p:nvSpPr>
+          <p:cNvPr id="3" name="Content Placeholder 2"/>
+          <p:cNvSpPr>
+            <a:spLocks noGrp="1"/>
+          </p:cNvSpPr>
+          <p:nvPr>
+            <p:ph idx="1"/>
+          </p:nvPr>
+        </p:nvSpPr>
+        <p:spPr/>
+        <p:txBody>
+          <a:bodyPr/>
+          <a:lstStyle/>
+          <a:p>
+            <a:endParaRPr lang="en-US"/>
+          </a:p>
+        </p:txBody>
+      </p:sp>
+    </p:spTree>
+    <p:extLst>
+      <p:ext uri="{BB962C8B-B14F-4D97-AF65-F5344CB8AC3E}">
+        <p14:creationId xmlns:p14="http://schemas.microsoft.com/office/powerpoint/2010/main" val="2765137111"/>
+      </p:ext>
+    </p:extLst>
+  </p:cSld>
+  <p:clrMapOvr>
+    <a:masterClrMapping/>
+  </p:clrMapOvr>
+  <mc:AlternateContent xmlns:mc="http://schemas.openxmlformats.org/markup-compatibility/2006" xmlns:p14="http://schemas.microsoft.com/office/powerpoint/2010/main">
+    <mc:Choice Requires="p14">
+      <p:transition spd="med" p14:dur="700">
+        <p:fade/>
+      </p:transition>
+    </mc:Choice>
+    <mc:Fallback xmlns="">
+      <p:transition spd="med">
+        <p:fade/>
+      </p:transition>
+    </mc:Fallback>
+  </mc:AlternateContent>
+</p:sld>
+</file>
+
+<file path=ppt/slides/slide54.xml><?xml version="1.0" encoding="utf-8"?>
 <p:sld xmlns:a="http://schemas.openxmlformats.org/drawingml/2006/main" xmlns:r="http://schemas.openxmlformats.org/officeDocument/2006/relationships" xmlns:p="http://schemas.openxmlformats.org/presentationml/2006/main">
   <p:cSld>
     <p:spTree>
@@ -22253,7 +24006,16 @@
           <a:lstStyle/>
           <a:p>
             <a:pPr algn="ctr"/>
-            <a:endParaRPr lang="fr-FR"/>
+            <a:r>
+              <a:rPr lang="fr-FR" sz="1100" dirty="0">
+                <a:solidFill>
+                  <a:srgbClr val="C00000"/>
+                </a:solidFill>
+                <a:latin typeface="Arial" panose="020B0604020202020204" pitchFamily="34" charset="0"/>
+                <a:cs typeface="Arial" panose="020B0604020202020204" pitchFamily="34" charset="0"/>
+              </a:rPr>
+              <a:t>1</a:t>
+            </a:r>
           </a:p>
         </p:txBody>
       </p:sp>
@@ -22484,7 +24246,16 @@
           <a:lstStyle/>
           <a:p>
             <a:pPr algn="ctr"/>
-            <a:endParaRPr lang="fr-FR"/>
+            <a:r>
+              <a:rPr lang="fr-FR" sz="1100" dirty="0">
+                <a:solidFill>
+                  <a:srgbClr val="C00000"/>
+                </a:solidFill>
+                <a:latin typeface="Arial" panose="020B0604020202020204" pitchFamily="34" charset="0"/>
+                <a:cs typeface="Arial" panose="020B0604020202020204" pitchFamily="34" charset="0"/>
+              </a:rPr>
+              <a:t>1</a:t>
+            </a:r>
           </a:p>
         </p:txBody>
       </p:sp>
@@ -22715,7 +24486,16 @@
           <a:lstStyle/>
           <a:p>
             <a:pPr algn="ctr"/>
-            <a:endParaRPr lang="fr-FR"/>
+            <a:r>
+              <a:rPr lang="fr-FR" sz="1100" dirty="0">
+                <a:solidFill>
+                  <a:srgbClr val="C00000"/>
+                </a:solidFill>
+                <a:latin typeface="Arial" panose="020B0604020202020204" pitchFamily="34" charset="0"/>
+                <a:cs typeface="Arial" panose="020B0604020202020204" pitchFamily="34" charset="0"/>
+              </a:rPr>
+              <a:t>1</a:t>
+            </a:r>
           </a:p>
         </p:txBody>
       </p:sp>
@@ -22946,7 +24726,16 @@
           <a:lstStyle/>
           <a:p>
             <a:pPr algn="ctr"/>
-            <a:endParaRPr lang="fr-FR"/>
+            <a:r>
+              <a:rPr lang="fr-FR" sz="1100" dirty="0">
+                <a:solidFill>
+                  <a:srgbClr val="C00000"/>
+                </a:solidFill>
+                <a:latin typeface="Arial" panose="020B0604020202020204" pitchFamily="34" charset="0"/>
+                <a:cs typeface="Arial" panose="020B0604020202020204" pitchFamily="34" charset="0"/>
+              </a:rPr>
+              <a:t>1</a:t>
+            </a:r>
           </a:p>
         </p:txBody>
       </p:sp>
@@ -23782,6 +25571,133 @@
 </file>
 
 <file path=customXml/item1.xml><?xml version="1.0" encoding="utf-8"?>
+<p:properties xmlns:p="http://schemas.microsoft.com/office/2006/metadata/properties" xmlns:xsi="http://www.w3.org/2001/XMLSchema-instance" xmlns:pc="http://schemas.microsoft.com/office/infopath/2007/PartnerControls">
+  <documentManagement>
+    <DirectSourceMarket xmlns="4873beb7-5857-4685-be1f-d57550cc96cc" xsi:nil="true"/>
+    <ApprovalStatus xmlns="4873beb7-5857-4685-be1f-d57550cc96cc">InProgress</ApprovalStatus>
+    <MarketSpecific xmlns="4873beb7-5857-4685-be1f-d57550cc96cc">false</MarketSpecific>
+    <LocComments xmlns="4873beb7-5857-4685-be1f-d57550cc96cc" xsi:nil="true"/>
+    <ThumbnailAssetId xmlns="4873beb7-5857-4685-be1f-d57550cc96cc" xsi:nil="true"/>
+    <PrimaryImageGen xmlns="4873beb7-5857-4685-be1f-d57550cc96cc">true</PrimaryImageGen>
+    <LegacyData xmlns="4873beb7-5857-4685-be1f-d57550cc96cc" xsi:nil="true"/>
+    <LocRecommendedHandoff xmlns="4873beb7-5857-4685-be1f-d57550cc96cc" xsi:nil="true"/>
+    <BusinessGroup xmlns="4873beb7-5857-4685-be1f-d57550cc96cc" xsi:nil="true"/>
+    <BlockPublish xmlns="4873beb7-5857-4685-be1f-d57550cc96cc">false</BlockPublish>
+    <TPFriendlyName xmlns="4873beb7-5857-4685-be1f-d57550cc96cc" xsi:nil="true"/>
+    <NumericId xmlns="4873beb7-5857-4685-be1f-d57550cc96cc" xsi:nil="true"/>
+    <APEditor xmlns="4873beb7-5857-4685-be1f-d57550cc96cc">
+      <UserInfo>
+        <DisplayName/>
+        <AccountId xsi:nil="true"/>
+        <AccountType/>
+      </UserInfo>
+    </APEditor>
+    <SourceTitle xmlns="4873beb7-5857-4685-be1f-d57550cc96cc" xsi:nil="true"/>
+    <OpenTemplate xmlns="4873beb7-5857-4685-be1f-d57550cc96cc">true</OpenTemplate>
+    <UALocComments xmlns="4873beb7-5857-4685-be1f-d57550cc96cc" xsi:nil="true"/>
+    <ParentAssetId xmlns="4873beb7-5857-4685-be1f-d57550cc96cc" xsi:nil="true"/>
+    <IntlLangReviewDate xmlns="4873beb7-5857-4685-be1f-d57550cc96cc" xsi:nil="true"/>
+    <FeatureTagsTaxHTField0 xmlns="4873beb7-5857-4685-be1f-d57550cc96cc">
+      <Terms xmlns="http://schemas.microsoft.com/office/infopath/2007/PartnerControls"/>
+    </FeatureTagsTaxHTField0>
+    <PublishStatusLookup xmlns="4873beb7-5857-4685-be1f-d57550cc96cc">
+      <Value>1564227</Value>
+    </PublishStatusLookup>
+    <Providers xmlns="4873beb7-5857-4685-be1f-d57550cc96cc" xsi:nil="true"/>
+    <MachineTranslated xmlns="4873beb7-5857-4685-be1f-d57550cc96cc">false</MachineTranslated>
+    <OriginalSourceMarket xmlns="4873beb7-5857-4685-be1f-d57550cc96cc" xsi:nil="true"/>
+    <APDescription xmlns="4873beb7-5857-4685-be1f-d57550cc96cc">Take your audience through a digital tunnel where they'll  burst through to the other side and see the information you want to present. Show them lists, charts, tables, SmartArt,  and pictures using a variety of layouts in widescreen (16X9) format. This design works well for subjects on science and technology, computers, communication, and more.   
+</APDescription>
+    <ClipArtFilename xmlns="4873beb7-5857-4685-be1f-d57550cc96cc" xsi:nil="true"/>
+    <ContentItem xmlns="4873beb7-5857-4685-be1f-d57550cc96cc" xsi:nil="true"/>
+    <TPInstallLocation xmlns="4873beb7-5857-4685-be1f-d57550cc96cc" xsi:nil="true"/>
+    <PublishTargets xmlns="4873beb7-5857-4685-be1f-d57550cc96cc">OfficeOnlineVNext</PublishTargets>
+    <TimesCloned xmlns="4873beb7-5857-4685-be1f-d57550cc96cc" xsi:nil="true"/>
+    <AssetStart xmlns="4873beb7-5857-4685-be1f-d57550cc96cc">2012-05-11T02:04:00+00:00</AssetStart>
+    <Provider xmlns="4873beb7-5857-4685-be1f-d57550cc96cc" xsi:nil="true"/>
+    <AcquiredFrom xmlns="4873beb7-5857-4685-be1f-d57550cc96cc">Internal MS</AcquiredFrom>
+    <FriendlyTitle xmlns="4873beb7-5857-4685-be1f-d57550cc96cc" xsi:nil="true"/>
+    <LastHandOff xmlns="4873beb7-5857-4685-be1f-d57550cc96cc" xsi:nil="true"/>
+    <TPClientViewer xmlns="4873beb7-5857-4685-be1f-d57550cc96cc" xsi:nil="true"/>
+    <UACurrentWords xmlns="4873beb7-5857-4685-be1f-d57550cc96cc" xsi:nil="true"/>
+    <ArtSampleDocs xmlns="4873beb7-5857-4685-be1f-d57550cc96cc" xsi:nil="true"/>
+    <UALocRecommendation xmlns="4873beb7-5857-4685-be1f-d57550cc96cc">Localize</UALocRecommendation>
+    <Manager xmlns="4873beb7-5857-4685-be1f-d57550cc96cc" xsi:nil="true"/>
+    <ShowIn xmlns="4873beb7-5857-4685-be1f-d57550cc96cc">Show everywhere</ShowIn>
+    <UANotes xmlns="4873beb7-5857-4685-be1f-d57550cc96cc" xsi:nil="true"/>
+    <TemplateStatus xmlns="4873beb7-5857-4685-be1f-d57550cc96cc">Complete</TemplateStatus>
+    <InternalTagsTaxHTField0 xmlns="4873beb7-5857-4685-be1f-d57550cc96cc">
+      <Terms xmlns="http://schemas.microsoft.com/office/infopath/2007/PartnerControls"/>
+    </InternalTagsTaxHTField0>
+    <CSXHash xmlns="4873beb7-5857-4685-be1f-d57550cc96cc" xsi:nil="true"/>
+    <Downloads xmlns="4873beb7-5857-4685-be1f-d57550cc96cc">0</Downloads>
+    <VoteCount xmlns="4873beb7-5857-4685-be1f-d57550cc96cc" xsi:nil="true"/>
+    <OOCacheId xmlns="4873beb7-5857-4685-be1f-d57550cc96cc" xsi:nil="true"/>
+    <IsDeleted xmlns="4873beb7-5857-4685-be1f-d57550cc96cc">false</IsDeleted>
+    <AssetExpire xmlns="4873beb7-5857-4685-be1f-d57550cc96cc">2029-01-01T08:00:00+00:00</AssetExpire>
+    <DSATActionTaken xmlns="4873beb7-5857-4685-be1f-d57550cc96cc" xsi:nil="true"/>
+    <CSXSubmissionMarket xmlns="4873beb7-5857-4685-be1f-d57550cc96cc" xsi:nil="true"/>
+    <TPExecutable xmlns="4873beb7-5857-4685-be1f-d57550cc96cc" xsi:nil="true"/>
+    <SubmitterId xmlns="4873beb7-5857-4685-be1f-d57550cc96cc" xsi:nil="true"/>
+    <EditorialTags xmlns="4873beb7-5857-4685-be1f-d57550cc96cc" xsi:nil="true"/>
+    <ApprovalLog xmlns="4873beb7-5857-4685-be1f-d57550cc96cc" xsi:nil="true"/>
+    <AssetType xmlns="4873beb7-5857-4685-be1f-d57550cc96cc">TP</AssetType>
+    <BugNumber xmlns="4873beb7-5857-4685-be1f-d57550cc96cc" xsi:nil="true"/>
+    <CSXSubmissionDate xmlns="4873beb7-5857-4685-be1f-d57550cc96cc" xsi:nil="true"/>
+    <CSXUpdate xmlns="4873beb7-5857-4685-be1f-d57550cc96cc">false</CSXUpdate>
+    <Milestone xmlns="4873beb7-5857-4685-be1f-d57550cc96cc" xsi:nil="true"/>
+    <RecommendationsModifier xmlns="4873beb7-5857-4685-be1f-d57550cc96cc" xsi:nil="true"/>
+    <OriginAsset xmlns="4873beb7-5857-4685-be1f-d57550cc96cc" xsi:nil="true"/>
+    <TPComponent xmlns="4873beb7-5857-4685-be1f-d57550cc96cc" xsi:nil="true"/>
+    <AssetId xmlns="4873beb7-5857-4685-be1f-d57550cc96cc">TP102895246</AssetId>
+    <IntlLocPriority xmlns="4873beb7-5857-4685-be1f-d57550cc96cc" xsi:nil="true"/>
+    <PolicheckWords xmlns="4873beb7-5857-4685-be1f-d57550cc96cc" xsi:nil="true"/>
+    <TPLaunchHelpLink xmlns="4873beb7-5857-4685-be1f-d57550cc96cc" xsi:nil="true"/>
+    <TPApplication xmlns="4873beb7-5857-4685-be1f-d57550cc96cc" xsi:nil="true"/>
+    <CrawlForDependencies xmlns="4873beb7-5857-4685-be1f-d57550cc96cc">false</CrawlForDependencies>
+    <HandoffToMSDN xmlns="4873beb7-5857-4685-be1f-d57550cc96cc" xsi:nil="true"/>
+    <PlannedPubDate xmlns="4873beb7-5857-4685-be1f-d57550cc96cc" xsi:nil="true"/>
+    <IntlLangReviewer xmlns="4873beb7-5857-4685-be1f-d57550cc96cc" xsi:nil="true"/>
+    <TrustLevel xmlns="4873beb7-5857-4685-be1f-d57550cc96cc">1 Microsoft Managed Content</TrustLevel>
+    <LocLastLocAttemptVersionLookup xmlns="4873beb7-5857-4685-be1f-d57550cc96cc">835483</LocLastLocAttemptVersionLookup>
+    <IsSearchable xmlns="4873beb7-5857-4685-be1f-d57550cc96cc">true</IsSearchable>
+    <TemplateTemplateType xmlns="4873beb7-5857-4685-be1f-d57550cc96cc">PowerPoint Presentation Template</TemplateTemplateType>
+    <CampaignTagsTaxHTField0 xmlns="4873beb7-5857-4685-be1f-d57550cc96cc">
+      <Terms xmlns="http://schemas.microsoft.com/office/infopath/2007/PartnerControls"/>
+    </CampaignTagsTaxHTField0>
+    <TPNamespace xmlns="4873beb7-5857-4685-be1f-d57550cc96cc" xsi:nil="true"/>
+    <TaxCatchAll xmlns="4873beb7-5857-4685-be1f-d57550cc96cc"/>
+    <Markets xmlns="4873beb7-5857-4685-be1f-d57550cc96cc"/>
+    <UAProjectedTotalWords xmlns="4873beb7-5857-4685-be1f-d57550cc96cc" xsi:nil="true"/>
+    <IntlLangReview xmlns="4873beb7-5857-4685-be1f-d57550cc96cc">false</IntlLangReview>
+    <OutputCachingOn xmlns="4873beb7-5857-4685-be1f-d57550cc96cc">false</OutputCachingOn>
+    <AverageRating xmlns="4873beb7-5857-4685-be1f-d57550cc96cc" xsi:nil="true"/>
+    <APAuthor xmlns="4873beb7-5857-4685-be1f-d57550cc96cc">
+      <UserInfo>
+        <DisplayName>REDMOND\v-vaddu</DisplayName>
+        <AccountId>2567</AccountId>
+        <AccountType/>
+      </UserInfo>
+    </APAuthor>
+    <LocManualTestRequired xmlns="4873beb7-5857-4685-be1f-d57550cc96cc">false</LocManualTestRequired>
+    <TPCommandLine xmlns="4873beb7-5857-4685-be1f-d57550cc96cc" xsi:nil="true"/>
+    <TPAppVersion xmlns="4873beb7-5857-4685-be1f-d57550cc96cc" xsi:nil="true"/>
+    <EditorialStatus xmlns="4873beb7-5857-4685-be1f-d57550cc96cc">Complete</EditorialStatus>
+    <LastModifiedDateTime xmlns="4873beb7-5857-4685-be1f-d57550cc96cc" xsi:nil="true"/>
+    <ScenarioTagsTaxHTField0 xmlns="4873beb7-5857-4685-be1f-d57550cc96cc">
+      <Terms xmlns="http://schemas.microsoft.com/office/infopath/2007/PartnerControls"/>
+    </ScenarioTagsTaxHTField0>
+    <OriginalRelease xmlns="4873beb7-5857-4685-be1f-d57550cc96cc">15</OriginalRelease>
+    <TPLaunchHelpLinkType xmlns="4873beb7-5857-4685-be1f-d57550cc96cc">Template</TPLaunchHelpLinkType>
+    <LocalizationTagsTaxHTField0 xmlns="4873beb7-5857-4685-be1f-d57550cc96cc">
+      <Terms xmlns="http://schemas.microsoft.com/office/infopath/2007/PartnerControls"/>
+    </LocalizationTagsTaxHTField0>
+    <LocMarketGroupTiers2 xmlns="4873beb7-5857-4685-be1f-d57550cc96cc" xsi:nil="true"/>
+  </documentManagement>
+</p:properties>
+</file>
+
+<file path=customXml/item2.xml><?xml version="1.0" encoding="utf-8"?>
 <ct:contentTypeSchema xmlns:ct="http://schemas.microsoft.com/office/2006/metadata/contentType" xmlns:ma="http://schemas.microsoft.com/office/2006/metadata/properties/metaAttributes" ct:_="" ma:_="" ma:contentTypeName="TemplateFile" ma:contentTypeID="0x0101006EDDDB5EE6D98C44930B742096920B300400F5B6D36B3EF94B4E9A635CDF2A18F5B8" ma:contentTypeVersion="72" ma:contentTypeDescription="Create a new document." ma:contentTypeScope="" ma:versionID="a23e56308344d904b51738559c3d67c9">
   <xsd:schema xmlns:xsd="http://www.w3.org/2001/XMLSchema" xmlns:xs="http://www.w3.org/2001/XMLSchema" xmlns:p="http://schemas.microsoft.com/office/2006/metadata/properties" xmlns:ns2="4873beb7-5857-4685-be1f-d57550cc96cc" targetNamespace="http://schemas.microsoft.com/office/2006/metadata/properties" ma:root="true" ma:fieldsID="cd0908cc4600e77bf5da051303e00c8d" ns2:_="">
     <xsd:import namespace="4873beb7-5857-4685-be1f-d57550cc96cc"/>
@@ -24821,7 +26737,7 @@
 </ct:contentTypeSchema>
 </file>
 
-<file path=customXml/item2.xml><?xml version="1.0" encoding="utf-8"?>
+<file path=customXml/item3.xml><?xml version="1.0" encoding="utf-8"?>
 <?mso-contentType ?>
 <FormTemplates xmlns="http://schemas.microsoft.com/sharepoint/v3/contenttype/forms">
   <Display>DocumentLibraryForm</Display>
@@ -24830,134 +26746,23 @@
 </FormTemplates>
 </file>
 
-<file path=customXml/item3.xml><?xml version="1.0" encoding="utf-8"?>
-<p:properties xmlns:p="http://schemas.microsoft.com/office/2006/metadata/properties" xmlns:xsi="http://www.w3.org/2001/XMLSchema-instance" xmlns:pc="http://schemas.microsoft.com/office/infopath/2007/PartnerControls">
-  <documentManagement>
-    <DirectSourceMarket xmlns="4873beb7-5857-4685-be1f-d57550cc96cc" xsi:nil="true"/>
-    <ApprovalStatus xmlns="4873beb7-5857-4685-be1f-d57550cc96cc">InProgress</ApprovalStatus>
-    <MarketSpecific xmlns="4873beb7-5857-4685-be1f-d57550cc96cc">false</MarketSpecific>
-    <LocComments xmlns="4873beb7-5857-4685-be1f-d57550cc96cc" xsi:nil="true"/>
-    <ThumbnailAssetId xmlns="4873beb7-5857-4685-be1f-d57550cc96cc" xsi:nil="true"/>
-    <PrimaryImageGen xmlns="4873beb7-5857-4685-be1f-d57550cc96cc">true</PrimaryImageGen>
-    <LegacyData xmlns="4873beb7-5857-4685-be1f-d57550cc96cc" xsi:nil="true"/>
-    <LocRecommendedHandoff xmlns="4873beb7-5857-4685-be1f-d57550cc96cc" xsi:nil="true"/>
-    <BusinessGroup xmlns="4873beb7-5857-4685-be1f-d57550cc96cc" xsi:nil="true"/>
-    <BlockPublish xmlns="4873beb7-5857-4685-be1f-d57550cc96cc">false</BlockPublish>
-    <TPFriendlyName xmlns="4873beb7-5857-4685-be1f-d57550cc96cc" xsi:nil="true"/>
-    <NumericId xmlns="4873beb7-5857-4685-be1f-d57550cc96cc" xsi:nil="true"/>
-    <APEditor xmlns="4873beb7-5857-4685-be1f-d57550cc96cc">
-      <UserInfo>
-        <DisplayName/>
-        <AccountId xsi:nil="true"/>
-        <AccountType/>
-      </UserInfo>
-    </APEditor>
-    <SourceTitle xmlns="4873beb7-5857-4685-be1f-d57550cc96cc" xsi:nil="true"/>
-    <OpenTemplate xmlns="4873beb7-5857-4685-be1f-d57550cc96cc">true</OpenTemplate>
-    <UALocComments xmlns="4873beb7-5857-4685-be1f-d57550cc96cc" xsi:nil="true"/>
-    <ParentAssetId xmlns="4873beb7-5857-4685-be1f-d57550cc96cc" xsi:nil="true"/>
-    <IntlLangReviewDate xmlns="4873beb7-5857-4685-be1f-d57550cc96cc" xsi:nil="true"/>
-    <FeatureTagsTaxHTField0 xmlns="4873beb7-5857-4685-be1f-d57550cc96cc">
-      <Terms xmlns="http://schemas.microsoft.com/office/infopath/2007/PartnerControls"/>
-    </FeatureTagsTaxHTField0>
-    <PublishStatusLookup xmlns="4873beb7-5857-4685-be1f-d57550cc96cc">
-      <Value>1564227</Value>
-    </PublishStatusLookup>
-    <Providers xmlns="4873beb7-5857-4685-be1f-d57550cc96cc" xsi:nil="true"/>
-    <MachineTranslated xmlns="4873beb7-5857-4685-be1f-d57550cc96cc">false</MachineTranslated>
-    <OriginalSourceMarket xmlns="4873beb7-5857-4685-be1f-d57550cc96cc" xsi:nil="true"/>
-    <APDescription xmlns="4873beb7-5857-4685-be1f-d57550cc96cc">Take your audience through a digital tunnel where they'll  burst through to the other side and see the information you want to present. Show them lists, charts, tables, SmartArt,  and pictures using a variety of layouts in widescreen (16X9) format. This design works well for subjects on science and technology, computers, communication, and more.   
-</APDescription>
-    <ClipArtFilename xmlns="4873beb7-5857-4685-be1f-d57550cc96cc" xsi:nil="true"/>
-    <ContentItem xmlns="4873beb7-5857-4685-be1f-d57550cc96cc" xsi:nil="true"/>
-    <TPInstallLocation xmlns="4873beb7-5857-4685-be1f-d57550cc96cc" xsi:nil="true"/>
-    <PublishTargets xmlns="4873beb7-5857-4685-be1f-d57550cc96cc">OfficeOnlineVNext</PublishTargets>
-    <TimesCloned xmlns="4873beb7-5857-4685-be1f-d57550cc96cc" xsi:nil="true"/>
-    <AssetStart xmlns="4873beb7-5857-4685-be1f-d57550cc96cc">2012-05-11T02:04:00+00:00</AssetStart>
-    <Provider xmlns="4873beb7-5857-4685-be1f-d57550cc96cc" xsi:nil="true"/>
-    <AcquiredFrom xmlns="4873beb7-5857-4685-be1f-d57550cc96cc">Internal MS</AcquiredFrom>
-    <FriendlyTitle xmlns="4873beb7-5857-4685-be1f-d57550cc96cc" xsi:nil="true"/>
-    <LastHandOff xmlns="4873beb7-5857-4685-be1f-d57550cc96cc" xsi:nil="true"/>
-    <TPClientViewer xmlns="4873beb7-5857-4685-be1f-d57550cc96cc" xsi:nil="true"/>
-    <UACurrentWords xmlns="4873beb7-5857-4685-be1f-d57550cc96cc" xsi:nil="true"/>
-    <ArtSampleDocs xmlns="4873beb7-5857-4685-be1f-d57550cc96cc" xsi:nil="true"/>
-    <UALocRecommendation xmlns="4873beb7-5857-4685-be1f-d57550cc96cc">Localize</UALocRecommendation>
-    <Manager xmlns="4873beb7-5857-4685-be1f-d57550cc96cc" xsi:nil="true"/>
-    <ShowIn xmlns="4873beb7-5857-4685-be1f-d57550cc96cc">Show everywhere</ShowIn>
-    <UANotes xmlns="4873beb7-5857-4685-be1f-d57550cc96cc" xsi:nil="true"/>
-    <TemplateStatus xmlns="4873beb7-5857-4685-be1f-d57550cc96cc">Complete</TemplateStatus>
-    <InternalTagsTaxHTField0 xmlns="4873beb7-5857-4685-be1f-d57550cc96cc">
-      <Terms xmlns="http://schemas.microsoft.com/office/infopath/2007/PartnerControls"/>
-    </InternalTagsTaxHTField0>
-    <CSXHash xmlns="4873beb7-5857-4685-be1f-d57550cc96cc" xsi:nil="true"/>
-    <Downloads xmlns="4873beb7-5857-4685-be1f-d57550cc96cc">0</Downloads>
-    <VoteCount xmlns="4873beb7-5857-4685-be1f-d57550cc96cc" xsi:nil="true"/>
-    <OOCacheId xmlns="4873beb7-5857-4685-be1f-d57550cc96cc" xsi:nil="true"/>
-    <IsDeleted xmlns="4873beb7-5857-4685-be1f-d57550cc96cc">false</IsDeleted>
-    <AssetExpire xmlns="4873beb7-5857-4685-be1f-d57550cc96cc">2029-01-01T08:00:00+00:00</AssetExpire>
-    <DSATActionTaken xmlns="4873beb7-5857-4685-be1f-d57550cc96cc" xsi:nil="true"/>
-    <CSXSubmissionMarket xmlns="4873beb7-5857-4685-be1f-d57550cc96cc" xsi:nil="true"/>
-    <TPExecutable xmlns="4873beb7-5857-4685-be1f-d57550cc96cc" xsi:nil="true"/>
-    <SubmitterId xmlns="4873beb7-5857-4685-be1f-d57550cc96cc" xsi:nil="true"/>
-    <EditorialTags xmlns="4873beb7-5857-4685-be1f-d57550cc96cc" xsi:nil="true"/>
-    <ApprovalLog xmlns="4873beb7-5857-4685-be1f-d57550cc96cc" xsi:nil="true"/>
-    <AssetType xmlns="4873beb7-5857-4685-be1f-d57550cc96cc">TP</AssetType>
-    <BugNumber xmlns="4873beb7-5857-4685-be1f-d57550cc96cc" xsi:nil="true"/>
-    <CSXSubmissionDate xmlns="4873beb7-5857-4685-be1f-d57550cc96cc" xsi:nil="true"/>
-    <CSXUpdate xmlns="4873beb7-5857-4685-be1f-d57550cc96cc">false</CSXUpdate>
-    <Milestone xmlns="4873beb7-5857-4685-be1f-d57550cc96cc" xsi:nil="true"/>
-    <RecommendationsModifier xmlns="4873beb7-5857-4685-be1f-d57550cc96cc" xsi:nil="true"/>
-    <OriginAsset xmlns="4873beb7-5857-4685-be1f-d57550cc96cc" xsi:nil="true"/>
-    <TPComponent xmlns="4873beb7-5857-4685-be1f-d57550cc96cc" xsi:nil="true"/>
-    <AssetId xmlns="4873beb7-5857-4685-be1f-d57550cc96cc">TP102895246</AssetId>
-    <IntlLocPriority xmlns="4873beb7-5857-4685-be1f-d57550cc96cc" xsi:nil="true"/>
-    <PolicheckWords xmlns="4873beb7-5857-4685-be1f-d57550cc96cc" xsi:nil="true"/>
-    <TPLaunchHelpLink xmlns="4873beb7-5857-4685-be1f-d57550cc96cc" xsi:nil="true"/>
-    <TPApplication xmlns="4873beb7-5857-4685-be1f-d57550cc96cc" xsi:nil="true"/>
-    <CrawlForDependencies xmlns="4873beb7-5857-4685-be1f-d57550cc96cc">false</CrawlForDependencies>
-    <HandoffToMSDN xmlns="4873beb7-5857-4685-be1f-d57550cc96cc" xsi:nil="true"/>
-    <PlannedPubDate xmlns="4873beb7-5857-4685-be1f-d57550cc96cc" xsi:nil="true"/>
-    <IntlLangReviewer xmlns="4873beb7-5857-4685-be1f-d57550cc96cc" xsi:nil="true"/>
-    <TrustLevel xmlns="4873beb7-5857-4685-be1f-d57550cc96cc">1 Microsoft Managed Content</TrustLevel>
-    <LocLastLocAttemptVersionLookup xmlns="4873beb7-5857-4685-be1f-d57550cc96cc">835483</LocLastLocAttemptVersionLookup>
-    <IsSearchable xmlns="4873beb7-5857-4685-be1f-d57550cc96cc">true</IsSearchable>
-    <TemplateTemplateType xmlns="4873beb7-5857-4685-be1f-d57550cc96cc">PowerPoint Presentation Template</TemplateTemplateType>
-    <CampaignTagsTaxHTField0 xmlns="4873beb7-5857-4685-be1f-d57550cc96cc">
-      <Terms xmlns="http://schemas.microsoft.com/office/infopath/2007/PartnerControls"/>
-    </CampaignTagsTaxHTField0>
-    <TPNamespace xmlns="4873beb7-5857-4685-be1f-d57550cc96cc" xsi:nil="true"/>
-    <TaxCatchAll xmlns="4873beb7-5857-4685-be1f-d57550cc96cc"/>
-    <Markets xmlns="4873beb7-5857-4685-be1f-d57550cc96cc"/>
-    <UAProjectedTotalWords xmlns="4873beb7-5857-4685-be1f-d57550cc96cc" xsi:nil="true"/>
-    <IntlLangReview xmlns="4873beb7-5857-4685-be1f-d57550cc96cc">false</IntlLangReview>
-    <OutputCachingOn xmlns="4873beb7-5857-4685-be1f-d57550cc96cc">false</OutputCachingOn>
-    <AverageRating xmlns="4873beb7-5857-4685-be1f-d57550cc96cc" xsi:nil="true"/>
-    <APAuthor xmlns="4873beb7-5857-4685-be1f-d57550cc96cc">
-      <UserInfo>
-        <DisplayName>REDMOND\v-vaddu</DisplayName>
-        <AccountId>2567</AccountId>
-        <AccountType/>
-      </UserInfo>
-    </APAuthor>
-    <LocManualTestRequired xmlns="4873beb7-5857-4685-be1f-d57550cc96cc">false</LocManualTestRequired>
-    <TPCommandLine xmlns="4873beb7-5857-4685-be1f-d57550cc96cc" xsi:nil="true"/>
-    <TPAppVersion xmlns="4873beb7-5857-4685-be1f-d57550cc96cc" xsi:nil="true"/>
-    <EditorialStatus xmlns="4873beb7-5857-4685-be1f-d57550cc96cc">Complete</EditorialStatus>
-    <LastModifiedDateTime xmlns="4873beb7-5857-4685-be1f-d57550cc96cc" xsi:nil="true"/>
-    <ScenarioTagsTaxHTField0 xmlns="4873beb7-5857-4685-be1f-d57550cc96cc">
-      <Terms xmlns="http://schemas.microsoft.com/office/infopath/2007/PartnerControls"/>
-    </ScenarioTagsTaxHTField0>
-    <OriginalRelease xmlns="4873beb7-5857-4685-be1f-d57550cc96cc">15</OriginalRelease>
-    <TPLaunchHelpLinkType xmlns="4873beb7-5857-4685-be1f-d57550cc96cc">Template</TPLaunchHelpLinkType>
-    <LocalizationTagsTaxHTField0 xmlns="4873beb7-5857-4685-be1f-d57550cc96cc">
-      <Terms xmlns="http://schemas.microsoft.com/office/infopath/2007/PartnerControls"/>
-    </LocalizationTagsTaxHTField0>
-    <LocMarketGroupTiers2 xmlns="4873beb7-5857-4685-be1f-d57550cc96cc" xsi:nil="true"/>
-  </documentManagement>
-</p:properties>
+<file path=customXml/itemProps1.xml><?xml version="1.0" encoding="utf-8"?>
+<ds:datastoreItem xmlns:ds="http://schemas.openxmlformats.org/officeDocument/2006/customXml" ds:itemID="{00E41224-0370-4595-877C-23316CD80004}">
+  <ds:schemaRefs>
+    <ds:schemaRef ds:uri="http://schemas.microsoft.com/office/2006/metadata/properties"/>
+    <ds:schemaRef ds:uri="http://purl.org/dc/terms/"/>
+    <ds:schemaRef ds:uri="4873beb7-5857-4685-be1f-d57550cc96cc"/>
+    <ds:schemaRef ds:uri="http://schemas.openxmlformats.org/package/2006/metadata/core-properties"/>
+    <ds:schemaRef ds:uri="http://schemas.microsoft.com/office/2006/documentManagement/types"/>
+    <ds:schemaRef ds:uri="http://www.w3.org/XML/1998/namespace"/>
+    <ds:schemaRef ds:uri="http://schemas.microsoft.com/office/infopath/2007/PartnerControls"/>
+    <ds:schemaRef ds:uri="http://purl.org/dc/elements/1.1/"/>
+    <ds:schemaRef ds:uri="http://purl.org/dc/dcmitype/"/>
+  </ds:schemaRefs>
+</ds:datastoreItem>
 </file>
 
-<file path=customXml/itemProps1.xml><?xml version="1.0" encoding="utf-8"?>
+<file path=customXml/itemProps2.xml><?xml version="1.0" encoding="utf-8"?>
 <ds:datastoreItem xmlns:ds="http://schemas.openxmlformats.org/officeDocument/2006/customXml" ds:itemID="{22CCB507-0646-4A50-A4F7-7F385079D589}">
   <ds:schemaRefs>
     <ds:schemaRef ds:uri="http://schemas.microsoft.com/office/2006/metadata/contentType"/>
@@ -24975,26 +26780,10 @@
 </ds:datastoreItem>
 </file>
 
-<file path=customXml/itemProps2.xml><?xml version="1.0" encoding="utf-8"?>
+<file path=customXml/itemProps3.xml><?xml version="1.0" encoding="utf-8"?>
 <ds:datastoreItem xmlns:ds="http://schemas.openxmlformats.org/officeDocument/2006/customXml" ds:itemID="{74228E6B-D70C-44BB-A81F-A245495F612B}">
   <ds:schemaRefs>
     <ds:schemaRef ds:uri="http://schemas.microsoft.com/sharepoint/v3/contenttype/forms"/>
   </ds:schemaRefs>
 </ds:datastoreItem>
-</file>
-
-<file path=customXml/itemProps3.xml><?xml version="1.0" encoding="utf-8"?>
-<ds:datastoreItem xmlns:ds="http://schemas.openxmlformats.org/officeDocument/2006/customXml" ds:itemID="{00E41224-0370-4595-877C-23316CD80004}">
-  <ds:schemaRefs>
-    <ds:schemaRef ds:uri="http://schemas.microsoft.com/office/2006/metadata/properties"/>
-    <ds:schemaRef ds:uri="http://purl.org/dc/terms/"/>
-    <ds:schemaRef ds:uri="4873beb7-5857-4685-be1f-d57550cc96cc"/>
-    <ds:schemaRef ds:uri="http://schemas.openxmlformats.org/package/2006/metadata/core-properties"/>
-    <ds:schemaRef ds:uri="http://schemas.microsoft.com/office/2006/documentManagement/types"/>
-    <ds:schemaRef ds:uri="http://www.w3.org/XML/1998/namespace"/>
-    <ds:schemaRef ds:uri="http://schemas.microsoft.com/office/infopath/2007/PartnerControls"/>
-    <ds:schemaRef ds:uri="http://purl.org/dc/elements/1.1/"/>
-    <ds:schemaRef ds:uri="http://purl.org/dc/dcmitype/"/>
-  </ds:schemaRefs>
-</ds:datastoreItem>
 </file>
--- a/AsyncAwait...ohWait.pptx
+++ b/AsyncAwait...ohWait.pptx
@@ -5,10 +5,10 @@
     <p:sldMasterId id="2147483648" r:id="rId4"/>
   </p:sldMasterIdLst>
   <p:notesMasterIdLst>
-    <p:notesMasterId r:id="rId59"/>
+    <p:notesMasterId r:id="rId65"/>
   </p:notesMasterIdLst>
   <p:handoutMasterIdLst>
-    <p:handoutMasterId r:id="rId60"/>
+    <p:handoutMasterId r:id="rId66"/>
   </p:handoutMasterIdLst>
   <p:sldIdLst>
     <p:sldId id="265" r:id="rId5"/>
@@ -47,29 +47,35 @@
     <p:sldId id="360" r:id="rId38"/>
     <p:sldId id="364" r:id="rId39"/>
     <p:sldId id="361" r:id="rId40"/>
-    <p:sldId id="366" r:id="rId41"/>
-    <p:sldId id="324" r:id="rId42"/>
-    <p:sldId id="363" r:id="rId43"/>
-    <p:sldId id="327" r:id="rId44"/>
-    <p:sldId id="325" r:id="rId45"/>
-    <p:sldId id="326" r:id="rId46"/>
-    <p:sldId id="331" r:id="rId47"/>
-    <p:sldId id="328" r:id="rId48"/>
-    <p:sldId id="332" r:id="rId49"/>
-    <p:sldId id="311" r:id="rId50"/>
-    <p:sldId id="313" r:id="rId51"/>
-    <p:sldId id="312" r:id="rId52"/>
-    <p:sldId id="314" r:id="rId53"/>
-    <p:sldId id="315" r:id="rId54"/>
-    <p:sldId id="316" r:id="rId55"/>
-    <p:sldId id="317" r:id="rId56"/>
-    <p:sldId id="318" r:id="rId57"/>
-    <p:sldId id="319" r:id="rId58"/>
+    <p:sldId id="371" r:id="rId41"/>
+    <p:sldId id="369" r:id="rId42"/>
+    <p:sldId id="370" r:id="rId43"/>
+    <p:sldId id="372" r:id="rId44"/>
+    <p:sldId id="367" r:id="rId45"/>
+    <p:sldId id="366" r:id="rId46"/>
+    <p:sldId id="324" r:id="rId47"/>
+    <p:sldId id="363" r:id="rId48"/>
+    <p:sldId id="368" r:id="rId49"/>
+    <p:sldId id="327" r:id="rId50"/>
+    <p:sldId id="325" r:id="rId51"/>
+    <p:sldId id="326" r:id="rId52"/>
+    <p:sldId id="331" r:id="rId53"/>
+    <p:sldId id="328" r:id="rId54"/>
+    <p:sldId id="332" r:id="rId55"/>
+    <p:sldId id="311" r:id="rId56"/>
+    <p:sldId id="313" r:id="rId57"/>
+    <p:sldId id="312" r:id="rId58"/>
+    <p:sldId id="314" r:id="rId59"/>
+    <p:sldId id="315" r:id="rId60"/>
+    <p:sldId id="316" r:id="rId61"/>
+    <p:sldId id="317" r:id="rId62"/>
+    <p:sldId id="318" r:id="rId63"/>
+    <p:sldId id="319" r:id="rId64"/>
   </p:sldIdLst>
   <p:sldSz cx="12192000" cy="6858000"/>
   <p:notesSz cx="6858000" cy="9144000"/>
   <p:custDataLst>
-    <p:tags r:id="rId61"/>
+    <p:tags r:id="rId67"/>
   </p:custDataLst>
   <p:defaultTextStyle>
     <a:defPPr>
@@ -5317,12 +5323,37 @@
           <a:p>
             <a:r>
               <a:rPr lang="fr-FR" dirty="0" err="1"/>
-              <a:t>Ref</a:t>
+              <a:t>Refs</a:t>
             </a:r>
             <a:r>
               <a:rPr lang="fr-FR" dirty="0"/>
-              <a:t>: http://ci.memecdn.com/7869512.jpg</a:t>
+              <a:t> :</a:t>
             </a:r>
+            <a:r>
+              <a:rPr lang="fr-FR" baseline="0" dirty="0"/>
+              <a:t> </a:t>
+            </a:r>
+          </a:p>
+          <a:p>
+            <a:r>
+              <a:rPr lang="fr-FR" baseline="0" dirty="0"/>
+              <a:t>- https://cdn3.iconfinder.com/data/icons/basic-mobile-part-3/512/prisoner-512.png</a:t>
+            </a:r>
+          </a:p>
+          <a:p>
+            <a:r>
+              <a:rPr lang="fr-FR" baseline="0" dirty="0"/>
+              <a:t>- https://cdn4.iconfinder.com/data/icons/human-values-solid/100/_-62-512.png</a:t>
+            </a:r>
+          </a:p>
+          <a:p>
+            <a:r>
+              <a:rPr lang="fr-FR" baseline="0" dirty="0"/>
+              <a:t>- https://d30y9cdsu7xlg0.cloudfront.net/png/89995-200.png</a:t>
+            </a:r>
+          </a:p>
+          <a:p>
+            <a:endParaRPr lang="fr-FR" dirty="0"/>
           </a:p>
         </p:txBody>
       </p:sp>
@@ -5343,7 +5374,7 @@
           <a:p>
             <a:fld id="{F93199CD-3E1B-4AE6-990F-76F925F5EA9F}" type="slidenum">
               <a:rPr lang="fr-FR" smtClean="0"/>
-              <a:t>41</a:t>
+              <a:t>40</a:t>
             </a:fld>
             <a:endParaRPr lang="fr-FR"/>
           </a:p>
@@ -5352,7 +5383,7 @@
     </p:spTree>
     <p:extLst>
       <p:ext uri="{BB962C8B-B14F-4D97-AF65-F5344CB8AC3E}">
-        <p14:creationId xmlns:p14="http://schemas.microsoft.com/office/powerpoint/2010/main" val="1539803929"/>
+        <p14:creationId xmlns:p14="http://schemas.microsoft.com/office/powerpoint/2010/main" val="672090586"/>
       </p:ext>
     </p:extLst>
   </p:cSld>
@@ -5412,7 +5443,7 @@
             </a:r>
             <a:r>
               <a:rPr lang="fr-FR" dirty="0"/>
-              <a:t>: http://ci.memecdn.com/7869512.jpg</a:t>
+              <a:t>: http://www.designnation.de/Media/Galerie/50cf9c1d197e0,Houston-we-have-a-problem.jpg</a:t>
             </a:r>
           </a:p>
         </p:txBody>
@@ -5434,7 +5465,364 @@
           <a:p>
             <a:fld id="{F93199CD-3E1B-4AE6-990F-76F925F5EA9F}" type="slidenum">
               <a:rPr lang="fr-FR" smtClean="0"/>
-              <a:t>42</a:t>
+              <a:t>43</a:t>
+            </a:fld>
+            <a:endParaRPr lang="fr-FR"/>
+          </a:p>
+        </p:txBody>
+      </p:sp>
+    </p:spTree>
+    <p:extLst>
+      <p:ext uri="{BB962C8B-B14F-4D97-AF65-F5344CB8AC3E}">
+        <p14:creationId xmlns:p14="http://schemas.microsoft.com/office/powerpoint/2010/main" val="3270049000"/>
+      </p:ext>
+    </p:extLst>
+  </p:cSld>
+  <p:clrMapOvr>
+    <a:masterClrMapping/>
+  </p:clrMapOvr>
+</p:notes>
+</file>
+
+<file path=ppt/notesSlides/notesSlide12.xml><?xml version="1.0" encoding="utf-8"?>
+<p:notes xmlns:a="http://schemas.openxmlformats.org/drawingml/2006/main" xmlns:r="http://schemas.openxmlformats.org/officeDocument/2006/relationships" xmlns:p="http://schemas.openxmlformats.org/presentationml/2006/main">
+  <p:cSld>
+    <p:spTree>
+      <p:nvGrpSpPr>
+        <p:cNvPr id="1" name=""/>
+        <p:cNvGrpSpPr/>
+        <p:nvPr/>
+      </p:nvGrpSpPr>
+      <p:grpSpPr>
+        <a:xfrm>
+          <a:off x="0" y="0"/>
+          <a:ext cx="0" cy="0"/>
+          <a:chOff x="0" y="0"/>
+          <a:chExt cx="0" cy="0"/>
+        </a:xfrm>
+      </p:grpSpPr>
+      <p:sp>
+        <p:nvSpPr>
+          <p:cNvPr id="2" name="Slide Image Placeholder 1"/>
+          <p:cNvSpPr>
+            <a:spLocks noGrp="1" noRot="1" noChangeAspect="1"/>
+          </p:cNvSpPr>
+          <p:nvPr>
+            <p:ph type="sldImg"/>
+          </p:nvPr>
+        </p:nvSpPr>
+        <p:spPr/>
+      </p:sp>
+      <p:sp>
+        <p:nvSpPr>
+          <p:cNvPr id="3" name="Notes Placeholder 2"/>
+          <p:cNvSpPr>
+            <a:spLocks noGrp="1"/>
+          </p:cNvSpPr>
+          <p:nvPr>
+            <p:ph type="body" idx="1"/>
+          </p:nvPr>
+        </p:nvSpPr>
+        <p:spPr/>
+        <p:txBody>
+          <a:bodyPr/>
+          <a:lstStyle/>
+          <a:p>
+            <a:endParaRPr lang="fr-FR" dirty="0"/>
+          </a:p>
+        </p:txBody>
+      </p:sp>
+      <p:sp>
+        <p:nvSpPr>
+          <p:cNvPr id="4" name="Slide Number Placeholder 3"/>
+          <p:cNvSpPr>
+            <a:spLocks noGrp="1"/>
+          </p:cNvSpPr>
+          <p:nvPr>
+            <p:ph type="sldNum" sz="quarter" idx="10"/>
+          </p:nvPr>
+        </p:nvSpPr>
+        <p:spPr/>
+        <p:txBody>
+          <a:bodyPr/>
+          <a:lstStyle/>
+          <a:p>
+            <a:fld id="{F93199CD-3E1B-4AE6-990F-76F925F5EA9F}" type="slidenum">
+              <a:rPr lang="fr-FR" smtClean="0"/>
+              <a:t>44</a:t>
+            </a:fld>
+            <a:endParaRPr lang="fr-FR"/>
+          </a:p>
+        </p:txBody>
+      </p:sp>
+    </p:spTree>
+    <p:extLst>
+      <p:ext uri="{BB962C8B-B14F-4D97-AF65-F5344CB8AC3E}">
+        <p14:creationId xmlns:p14="http://schemas.microsoft.com/office/powerpoint/2010/main" val="3997955718"/>
+      </p:ext>
+    </p:extLst>
+  </p:cSld>
+  <p:clrMapOvr>
+    <a:masterClrMapping/>
+  </p:clrMapOvr>
+</p:notes>
+</file>
+
+<file path=ppt/notesSlides/notesSlide13.xml><?xml version="1.0" encoding="utf-8"?>
+<p:notes xmlns:a="http://schemas.openxmlformats.org/drawingml/2006/main" xmlns:r="http://schemas.openxmlformats.org/officeDocument/2006/relationships" xmlns:p="http://schemas.openxmlformats.org/presentationml/2006/main">
+  <p:cSld>
+    <p:spTree>
+      <p:nvGrpSpPr>
+        <p:cNvPr id="1" name=""/>
+        <p:cNvGrpSpPr/>
+        <p:nvPr/>
+      </p:nvGrpSpPr>
+      <p:grpSpPr>
+        <a:xfrm>
+          <a:off x="0" y="0"/>
+          <a:ext cx="0" cy="0"/>
+          <a:chOff x="0" y="0"/>
+          <a:chExt cx="0" cy="0"/>
+        </a:xfrm>
+      </p:grpSpPr>
+      <p:sp>
+        <p:nvSpPr>
+          <p:cNvPr id="2" name="Slide Image Placeholder 1"/>
+          <p:cNvSpPr>
+            <a:spLocks noGrp="1" noRot="1" noChangeAspect="1"/>
+          </p:cNvSpPr>
+          <p:nvPr>
+            <p:ph type="sldImg"/>
+          </p:nvPr>
+        </p:nvSpPr>
+        <p:spPr/>
+      </p:sp>
+      <p:sp>
+        <p:nvSpPr>
+          <p:cNvPr id="3" name="Notes Placeholder 2"/>
+          <p:cNvSpPr>
+            <a:spLocks noGrp="1"/>
+          </p:cNvSpPr>
+          <p:nvPr>
+            <p:ph type="body" idx="1"/>
+          </p:nvPr>
+        </p:nvSpPr>
+        <p:spPr/>
+        <p:txBody>
+          <a:bodyPr/>
+          <a:lstStyle/>
+          <a:p>
+            <a:r>
+              <a:rPr lang="fr-FR" dirty="0" err="1"/>
+              <a:t>Ref</a:t>
+            </a:r>
+            <a:r>
+              <a:rPr lang="fr-FR" dirty="0"/>
+              <a:t>: http://ci.memecdn.com/7869512.jpg</a:t>
+            </a:r>
+          </a:p>
+        </p:txBody>
+      </p:sp>
+      <p:sp>
+        <p:nvSpPr>
+          <p:cNvPr id="4" name="Slide Number Placeholder 3"/>
+          <p:cNvSpPr>
+            <a:spLocks noGrp="1"/>
+          </p:cNvSpPr>
+          <p:nvPr>
+            <p:ph type="sldNum" sz="quarter" idx="10"/>
+          </p:nvPr>
+        </p:nvSpPr>
+        <p:spPr/>
+        <p:txBody>
+          <a:bodyPr/>
+          <a:lstStyle/>
+          <a:p>
+            <a:fld id="{F93199CD-3E1B-4AE6-990F-76F925F5EA9F}" type="slidenum">
+              <a:rPr lang="fr-FR" smtClean="0"/>
+              <a:t>46</a:t>
+            </a:fld>
+            <a:endParaRPr lang="fr-FR"/>
+          </a:p>
+        </p:txBody>
+      </p:sp>
+    </p:spTree>
+    <p:extLst>
+      <p:ext uri="{BB962C8B-B14F-4D97-AF65-F5344CB8AC3E}">
+        <p14:creationId xmlns:p14="http://schemas.microsoft.com/office/powerpoint/2010/main" val="256620184"/>
+      </p:ext>
+    </p:extLst>
+  </p:cSld>
+  <p:clrMapOvr>
+    <a:masterClrMapping/>
+  </p:clrMapOvr>
+</p:notes>
+</file>
+
+<file path=ppt/notesSlides/notesSlide14.xml><?xml version="1.0" encoding="utf-8"?>
+<p:notes xmlns:a="http://schemas.openxmlformats.org/drawingml/2006/main" xmlns:r="http://schemas.openxmlformats.org/officeDocument/2006/relationships" xmlns:p="http://schemas.openxmlformats.org/presentationml/2006/main">
+  <p:cSld>
+    <p:spTree>
+      <p:nvGrpSpPr>
+        <p:cNvPr id="1" name=""/>
+        <p:cNvGrpSpPr/>
+        <p:nvPr/>
+      </p:nvGrpSpPr>
+      <p:grpSpPr>
+        <a:xfrm>
+          <a:off x="0" y="0"/>
+          <a:ext cx="0" cy="0"/>
+          <a:chOff x="0" y="0"/>
+          <a:chExt cx="0" cy="0"/>
+        </a:xfrm>
+      </p:grpSpPr>
+      <p:sp>
+        <p:nvSpPr>
+          <p:cNvPr id="2" name="Slide Image Placeholder 1"/>
+          <p:cNvSpPr>
+            <a:spLocks noGrp="1" noRot="1" noChangeAspect="1"/>
+          </p:cNvSpPr>
+          <p:nvPr>
+            <p:ph type="sldImg"/>
+          </p:nvPr>
+        </p:nvSpPr>
+        <p:spPr/>
+      </p:sp>
+      <p:sp>
+        <p:nvSpPr>
+          <p:cNvPr id="3" name="Notes Placeholder 2"/>
+          <p:cNvSpPr>
+            <a:spLocks noGrp="1"/>
+          </p:cNvSpPr>
+          <p:nvPr>
+            <p:ph type="body" idx="1"/>
+          </p:nvPr>
+        </p:nvSpPr>
+        <p:spPr/>
+        <p:txBody>
+          <a:bodyPr/>
+          <a:lstStyle/>
+          <a:p>
+            <a:r>
+              <a:rPr lang="fr-FR" dirty="0" err="1"/>
+              <a:t>Ref</a:t>
+            </a:r>
+            <a:r>
+              <a:rPr lang="fr-FR" dirty="0"/>
+              <a:t>: http://ci.memecdn.com/7869512.jpg</a:t>
+            </a:r>
+          </a:p>
+        </p:txBody>
+      </p:sp>
+      <p:sp>
+        <p:nvSpPr>
+          <p:cNvPr id="4" name="Slide Number Placeholder 3"/>
+          <p:cNvSpPr>
+            <a:spLocks noGrp="1"/>
+          </p:cNvSpPr>
+          <p:nvPr>
+            <p:ph type="sldNum" sz="quarter" idx="10"/>
+          </p:nvPr>
+        </p:nvSpPr>
+        <p:spPr/>
+        <p:txBody>
+          <a:bodyPr/>
+          <a:lstStyle/>
+          <a:p>
+            <a:fld id="{F93199CD-3E1B-4AE6-990F-76F925F5EA9F}" type="slidenum">
+              <a:rPr lang="fr-FR" smtClean="0"/>
+              <a:t>47</a:t>
+            </a:fld>
+            <a:endParaRPr lang="fr-FR"/>
+          </a:p>
+        </p:txBody>
+      </p:sp>
+    </p:spTree>
+    <p:extLst>
+      <p:ext uri="{BB962C8B-B14F-4D97-AF65-F5344CB8AC3E}">
+        <p14:creationId xmlns:p14="http://schemas.microsoft.com/office/powerpoint/2010/main" val="1539803929"/>
+      </p:ext>
+    </p:extLst>
+  </p:cSld>
+  <p:clrMapOvr>
+    <a:masterClrMapping/>
+  </p:clrMapOvr>
+</p:notes>
+</file>
+
+<file path=ppt/notesSlides/notesSlide15.xml><?xml version="1.0" encoding="utf-8"?>
+<p:notes xmlns:a="http://schemas.openxmlformats.org/drawingml/2006/main" xmlns:r="http://schemas.openxmlformats.org/officeDocument/2006/relationships" xmlns:p="http://schemas.openxmlformats.org/presentationml/2006/main">
+  <p:cSld>
+    <p:spTree>
+      <p:nvGrpSpPr>
+        <p:cNvPr id="1" name=""/>
+        <p:cNvGrpSpPr/>
+        <p:nvPr/>
+      </p:nvGrpSpPr>
+      <p:grpSpPr>
+        <a:xfrm>
+          <a:off x="0" y="0"/>
+          <a:ext cx="0" cy="0"/>
+          <a:chOff x="0" y="0"/>
+          <a:chExt cx="0" cy="0"/>
+        </a:xfrm>
+      </p:grpSpPr>
+      <p:sp>
+        <p:nvSpPr>
+          <p:cNvPr id="2" name="Slide Image Placeholder 1"/>
+          <p:cNvSpPr>
+            <a:spLocks noGrp="1" noRot="1" noChangeAspect="1"/>
+          </p:cNvSpPr>
+          <p:nvPr>
+            <p:ph type="sldImg"/>
+          </p:nvPr>
+        </p:nvSpPr>
+        <p:spPr/>
+      </p:sp>
+      <p:sp>
+        <p:nvSpPr>
+          <p:cNvPr id="3" name="Notes Placeholder 2"/>
+          <p:cNvSpPr>
+            <a:spLocks noGrp="1"/>
+          </p:cNvSpPr>
+          <p:nvPr>
+            <p:ph type="body" idx="1"/>
+          </p:nvPr>
+        </p:nvSpPr>
+        <p:spPr/>
+        <p:txBody>
+          <a:bodyPr/>
+          <a:lstStyle/>
+          <a:p>
+            <a:r>
+              <a:rPr lang="fr-FR" dirty="0" err="1"/>
+              <a:t>Ref</a:t>
+            </a:r>
+            <a:r>
+              <a:rPr lang="fr-FR" dirty="0"/>
+              <a:t>: http://ci.memecdn.com/7869512.jpg</a:t>
+            </a:r>
+          </a:p>
+        </p:txBody>
+      </p:sp>
+      <p:sp>
+        <p:nvSpPr>
+          <p:cNvPr id="4" name="Slide Number Placeholder 3"/>
+          <p:cNvSpPr>
+            <a:spLocks noGrp="1"/>
+          </p:cNvSpPr>
+          <p:nvPr>
+            <p:ph type="sldNum" sz="quarter" idx="10"/>
+          </p:nvPr>
+        </p:nvSpPr>
+        <p:spPr/>
+        <p:txBody>
+          <a:bodyPr/>
+          <a:lstStyle/>
+          <a:p>
+            <a:fld id="{F93199CD-3E1B-4AE6-990F-76F925F5EA9F}" type="slidenum">
+              <a:rPr lang="fr-FR" smtClean="0"/>
+              <a:t>48</a:t>
             </a:fld>
             <a:endParaRPr lang="fr-FR"/>
           </a:p>
@@ -5701,6 +6089,12 @@
           <a:p>
             <a:r>
               <a:rPr lang="fr-FR" baseline="0" dirty="0"/>
+              <a:t>- https://cdn4.iconfinder.com/data/icons/human-values-solid/100/_-62-512.png</a:t>
+            </a:r>
+          </a:p>
+          <a:p>
+            <a:r>
+              <a:rPr lang="fr-FR" baseline="0" dirty="0"/>
               <a:t>- https://d30y9cdsu7xlg0.cloudfront.net/png/89995-200.png</a:t>
             </a:r>
           </a:p>
@@ -5985,12 +6379,31 @@
           <a:p>
             <a:r>
               <a:rPr lang="fr-FR" dirty="0" err="1"/>
-              <a:t>Ref</a:t>
+              <a:t>Refs</a:t>
             </a:r>
             <a:r>
               <a:rPr lang="fr-FR" dirty="0"/>
-              <a:t>: http://www.designnation.de/Media/Galerie/50cf9c1d197e0,Houston-we-have-a-problem.jpg</a:t>
+              <a:t> :</a:t>
             </a:r>
+            <a:r>
+              <a:rPr lang="fr-FR" baseline="0" dirty="0"/>
+              <a:t> </a:t>
+            </a:r>
+          </a:p>
+          <a:p>
+            <a:r>
+              <a:rPr lang="fr-FR" baseline="0" dirty="0"/>
+              <a:t>- https://cdn3.iconfinder.com/data/icons/basic-mobile-part-3/512/prisoner-512.png</a:t>
+            </a:r>
+          </a:p>
+          <a:p>
+            <a:r>
+              <a:rPr lang="fr-FR" baseline="0" dirty="0"/>
+              <a:t>- https://d30y9cdsu7xlg0.cloudfront.net/png/89995-200.png</a:t>
+            </a:r>
+          </a:p>
+          <a:p>
+            <a:endParaRPr lang="fr-FR" dirty="0"/>
           </a:p>
         </p:txBody>
       </p:sp>
@@ -6011,7 +6424,7 @@
           <a:p>
             <a:fld id="{F93199CD-3E1B-4AE6-990F-76F925F5EA9F}" type="slidenum">
               <a:rPr lang="fr-FR" smtClean="0"/>
-              <a:t>38</a:t>
+              <a:t>37</a:t>
             </a:fld>
             <a:endParaRPr lang="fr-FR"/>
           </a:p>
@@ -6020,7 +6433,7 @@
     </p:spTree>
     <p:extLst>
       <p:ext uri="{BB962C8B-B14F-4D97-AF65-F5344CB8AC3E}">
-        <p14:creationId xmlns:p14="http://schemas.microsoft.com/office/powerpoint/2010/main" val="3270049000"/>
+        <p14:creationId xmlns:p14="http://schemas.microsoft.com/office/powerpoint/2010/main" val="2210257297"/>
       </p:ext>
     </p:extLst>
   </p:cSld>
@@ -6074,6 +6487,38 @@
           <a:bodyPr/>
           <a:lstStyle/>
           <a:p>
+            <a:r>
+              <a:rPr lang="fr-FR" dirty="0" err="1"/>
+              <a:t>Refs</a:t>
+            </a:r>
+            <a:r>
+              <a:rPr lang="fr-FR" dirty="0"/>
+              <a:t> :</a:t>
+            </a:r>
+            <a:r>
+              <a:rPr lang="fr-FR" baseline="0" dirty="0"/>
+              <a:t> </a:t>
+            </a:r>
+          </a:p>
+          <a:p>
+            <a:r>
+              <a:rPr lang="fr-FR" baseline="0" dirty="0"/>
+              <a:t>- https://cdn3.iconfinder.com/data/icons/basic-mobile-part-3/512/prisoner-512.png</a:t>
+            </a:r>
+          </a:p>
+          <a:p>
+            <a:r>
+              <a:rPr lang="fr-FR" baseline="0" dirty="0"/>
+              <a:t>- https://cdn4.iconfinder.com/data/icons/human-values-solid/100/_-62-512.png</a:t>
+            </a:r>
+          </a:p>
+          <a:p>
+            <a:r>
+              <a:rPr lang="fr-FR" baseline="0" dirty="0"/>
+              <a:t>- https://d30y9cdsu7xlg0.cloudfront.net/png/89995-200.png</a:t>
+            </a:r>
+          </a:p>
+          <a:p>
             <a:endParaRPr lang="fr-FR" dirty="0"/>
           </a:p>
         </p:txBody>
@@ -6095,7 +6540,7 @@
           <a:p>
             <a:fld id="{F93199CD-3E1B-4AE6-990F-76F925F5EA9F}" type="slidenum">
               <a:rPr lang="fr-FR" smtClean="0"/>
-              <a:t>39</a:t>
+              <a:t>38</a:t>
             </a:fld>
             <a:endParaRPr lang="fr-FR"/>
           </a:p>
@@ -6104,7 +6549,7 @@
     </p:spTree>
     <p:extLst>
       <p:ext uri="{BB962C8B-B14F-4D97-AF65-F5344CB8AC3E}">
-        <p14:creationId xmlns:p14="http://schemas.microsoft.com/office/powerpoint/2010/main" val="3997955718"/>
+        <p14:creationId xmlns:p14="http://schemas.microsoft.com/office/powerpoint/2010/main" val="2604308585"/>
       </p:ext>
     </p:extLst>
   </p:cSld>
@@ -6160,12 +6605,37 @@
           <a:p>
             <a:r>
               <a:rPr lang="fr-FR" dirty="0" err="1"/>
-              <a:t>Ref</a:t>
+              <a:t>Refs</a:t>
             </a:r>
             <a:r>
               <a:rPr lang="fr-FR" dirty="0"/>
-              <a:t>: http://ci.memecdn.com/7869512.jpg</a:t>
+              <a:t> :</a:t>
             </a:r>
+            <a:r>
+              <a:rPr lang="fr-FR" baseline="0" dirty="0"/>
+              <a:t> </a:t>
+            </a:r>
+          </a:p>
+          <a:p>
+            <a:r>
+              <a:rPr lang="fr-FR" baseline="0" dirty="0"/>
+              <a:t>- https://cdn3.iconfinder.com/data/icons/basic-mobile-part-3/512/prisoner-512.png</a:t>
+            </a:r>
+          </a:p>
+          <a:p>
+            <a:r>
+              <a:rPr lang="fr-FR" baseline="0" dirty="0"/>
+              <a:t>- https://cdn4.iconfinder.com/data/icons/human-values-solid/100/_-62-512.png</a:t>
+            </a:r>
+          </a:p>
+          <a:p>
+            <a:r>
+              <a:rPr lang="fr-FR" baseline="0" dirty="0"/>
+              <a:t>- https://d30y9cdsu7xlg0.cloudfront.net/png/89995-200.png</a:t>
+            </a:r>
+          </a:p>
+          <a:p>
+            <a:endParaRPr lang="fr-FR" dirty="0"/>
           </a:p>
         </p:txBody>
       </p:sp>
@@ -6186,7 +6656,7 @@
           <a:p>
             <a:fld id="{F93199CD-3E1B-4AE6-990F-76F925F5EA9F}" type="slidenum">
               <a:rPr lang="fr-FR" smtClean="0"/>
-              <a:t>40</a:t>
+              <a:t>39</a:t>
             </a:fld>
             <a:endParaRPr lang="fr-FR"/>
           </a:p>
@@ -6195,7 +6665,7 @@
     </p:spTree>
     <p:extLst>
       <p:ext uri="{BB962C8B-B14F-4D97-AF65-F5344CB8AC3E}">
-        <p14:creationId xmlns:p14="http://schemas.microsoft.com/office/powerpoint/2010/main" val="256620184"/>
+        <p14:creationId xmlns:p14="http://schemas.microsoft.com/office/powerpoint/2010/main" val="874700845"/>
       </p:ext>
     </p:extLst>
   </p:cSld>
@@ -18432,7 +18902,7 @@
                   <a:schemeClr val="tx2"/>
                 </a:solidFill>
               </a:rPr>
-              <a:t>WHY ASYNC</a:t>
+              <a:t>WHY</a:t>
             </a:r>
           </a:p>
         </p:txBody>
@@ -18809,7 +19279,7 @@
           <a:p>
             <a:r>
               <a:rPr lang="en-US" dirty="0"/>
-              <a:t>Concurrent, Parallel, Asynchronous…</a:t>
+              <a:t>Wait a minute… Concurrent, Parallel, Asynchronous?</a:t>
             </a:r>
           </a:p>
         </p:txBody>
@@ -19297,16 +19767,16 @@
       </p:pic>
       <p:grpSp>
         <p:nvGrpSpPr>
-          <p:cNvPr id="3" name="Group 2"/>
+          <p:cNvPr id="8" name="Group 7"/>
           <p:cNvGrpSpPr/>
           <p:nvPr/>
         </p:nvGrpSpPr>
         <p:grpSpPr>
           <a:xfrm>
-            <a:off x="6600056" y="820316"/>
-            <a:ext cx="4991630" cy="3472780"/>
-            <a:chOff x="6816081" y="820316"/>
-            <a:chExt cx="4991630" cy="3472780"/>
+            <a:off x="6600056" y="692696"/>
+            <a:ext cx="4896544" cy="3600400"/>
+            <a:chOff x="6600056" y="692696"/>
+            <a:chExt cx="4896544" cy="3600400"/>
           </a:xfrm>
         </p:grpSpPr>
         <p:grpSp>
@@ -19317,7 +19787,7 @@
           </p:nvGrpSpPr>
           <p:grpSpPr>
             <a:xfrm>
-              <a:off x="6816081" y="1029072"/>
+              <a:off x="6600056" y="1029072"/>
               <a:ext cx="4526284" cy="3264024"/>
               <a:chOff x="6816081" y="1029072"/>
               <a:chExt cx="4526284" cy="3264024"/>
@@ -19623,14 +20093,14 @@
         </p:grpSp>
         <p:pic>
           <p:nvPicPr>
-            <p:cNvPr id="1028" name="Picture 4" descr="Afficher l'image d'origine"/>
+            <p:cNvPr id="7" name="Picture 2" descr="Afficher l'image d'origine"/>
             <p:cNvPicPr>
               <a:picLocks noChangeAspect="1" noChangeArrowheads="1"/>
             </p:cNvPicPr>
             <p:nvPr/>
           </p:nvPicPr>
           <p:blipFill>
-            <a:blip r:embed="rId4">
+            <a:blip r:embed="rId4" cstate="print">
               <a:duotone>
                 <a:schemeClr val="accent1">
                   <a:shade val="45000"/>
@@ -19651,8 +20121,8 @@
           </p:blipFill>
           <p:spPr bwMode="auto">
             <a:xfrm>
-              <a:off x="10927219" y="820316"/>
-              <a:ext cx="880492" cy="880492"/>
+              <a:off x="10382978" y="692696"/>
+              <a:ext cx="1113622" cy="1113622"/>
             </a:xfrm>
             <a:prstGeom prst="rect">
               <a:avLst/>
@@ -19726,7 +20196,7 @@
                                           </p:stCondLst>
                                         </p:cTn>
                                         <p:tgtEl>
-                                          <p:spTgt spid="3"/>
+                                          <p:spTgt spid="8"/>
                                         </p:tgtEl>
                                         <p:attrNameLst>
                                           <p:attrName>style.visibility</p:attrName>
@@ -19740,7 +20210,7 @@
                                       <p:cBhvr>
                                         <p:cTn id="7" dur="500"/>
                                         <p:tgtEl>
-                                          <p:spTgt spid="3"/>
+                                          <p:spTgt spid="8"/>
                                         </p:tgtEl>
                                       </p:cBhvr>
                                     </p:animEffect>
@@ -19861,8 +20331,8 @@
         </p:nvSpPr>
         <p:spPr>
           <a:xfrm>
-            <a:off x="2334860" y="5157192"/>
-            <a:ext cx="7522281" cy="1486966"/>
+            <a:off x="2055190" y="5157192"/>
+            <a:ext cx="8081620" cy="1486966"/>
           </a:xfrm>
           <a:prstGeom prst="rect">
             <a:avLst/>
@@ -20066,7 +20536,15 @@
                   <a:schemeClr val="accent4"/>
                 </a:solidFill>
               </a:rPr>
-              <a:t>Let’s talk about execution now</a:t>
+              <a:t>now</a:t>
+            </a:r>
+            <a:r>
+              <a:rPr lang="en-US" sz="3600" cap="all" dirty="0">
+                <a:solidFill>
+                  <a:schemeClr val="accent4"/>
+                </a:solidFill>
+              </a:rPr>
+              <a:t>, Let’s talk about execution</a:t>
             </a:r>
             <a:endParaRPr lang="en-US" dirty="0">
               <a:solidFill>
@@ -20182,6 +20660,241 @@
           </a:p>
         </p:txBody>
       </p:sp>
+      <p:sp>
+        <p:nvSpPr>
+          <p:cNvPr id="11" name="Content Placeholder 13"/>
+          <p:cNvSpPr txBox="1">
+            <a:spLocks/>
+          </p:cNvSpPr>
+          <p:nvPr/>
+        </p:nvSpPr>
+        <p:spPr>
+          <a:xfrm>
+            <a:off x="2705672" y="5158800"/>
+            <a:ext cx="6979666" cy="1152128"/>
+          </a:xfrm>
+          <a:prstGeom prst="rect">
+            <a:avLst/>
+          </a:prstGeom>
+        </p:spPr>
+        <p:txBody>
+          <a:bodyPr vert="horz" lIns="91440" tIns="45720" rIns="91440" bIns="45720" rtlCol="0" anchor="t">
+            <a:normAutofit/>
+          </a:bodyPr>
+          <a:lstStyle>
+            <a:lvl1pPr marL="223838" indent="-223838" algn="l" defTabSz="914400" rtl="0" eaLnBrk="1" latinLnBrk="0" hangingPunct="1">
+              <a:lnSpc>
+                <a:spcPct val="90000"/>
+              </a:lnSpc>
+              <a:spcBef>
+                <a:spcPts val="1800"/>
+              </a:spcBef>
+              <a:buClr>
+                <a:schemeClr val="accent1"/>
+              </a:buClr>
+              <a:buSzPct val="100000"/>
+              <a:buFont typeface="Arial" pitchFamily="34" charset="0"/>
+              <a:buChar char="•"/>
+              <a:defRPr sz="2400" kern="1200">
+                <a:solidFill>
+                  <a:schemeClr val="tx1"/>
+                </a:solidFill>
+                <a:latin typeface="+mn-lt"/>
+                <a:ea typeface="+mn-ea"/>
+                <a:cs typeface="+mn-cs"/>
+              </a:defRPr>
+            </a:lvl1pPr>
+            <a:lvl2pPr marL="463550" indent="-231775" algn="l" defTabSz="914400" rtl="0" eaLnBrk="1" latinLnBrk="0" hangingPunct="1">
+              <a:lnSpc>
+                <a:spcPct val="90000"/>
+              </a:lnSpc>
+              <a:spcBef>
+                <a:spcPts val="1200"/>
+              </a:spcBef>
+              <a:buClr>
+                <a:schemeClr val="accent1"/>
+              </a:buClr>
+              <a:buSzPct val="100000"/>
+              <a:buFont typeface="Arial" pitchFamily="34" charset="0"/>
+              <a:buChar char="•"/>
+              <a:defRPr sz="2000" kern="1200">
+                <a:solidFill>
+                  <a:schemeClr val="tx1"/>
+                </a:solidFill>
+                <a:latin typeface="+mn-lt"/>
+                <a:ea typeface="+mn-ea"/>
+                <a:cs typeface="+mn-cs"/>
+              </a:defRPr>
+            </a:lvl2pPr>
+            <a:lvl3pPr marL="682625" indent="-219075" algn="l" defTabSz="914400" rtl="0" eaLnBrk="1" latinLnBrk="0" hangingPunct="1">
+              <a:lnSpc>
+                <a:spcPct val="90000"/>
+              </a:lnSpc>
+              <a:spcBef>
+                <a:spcPts val="600"/>
+              </a:spcBef>
+              <a:buClr>
+                <a:schemeClr val="accent1"/>
+              </a:buClr>
+              <a:buSzPct val="100000"/>
+              <a:buFont typeface="Arial" pitchFamily="34" charset="0"/>
+              <a:buChar char="•"/>
+              <a:defRPr sz="1800" kern="1200">
+                <a:solidFill>
+                  <a:schemeClr val="tx1"/>
+                </a:solidFill>
+                <a:latin typeface="+mn-lt"/>
+                <a:ea typeface="+mn-ea"/>
+                <a:cs typeface="+mn-cs"/>
+              </a:defRPr>
+            </a:lvl3pPr>
+            <a:lvl4pPr marL="857250" indent="-174625" algn="l" defTabSz="914400" rtl="0" eaLnBrk="1" latinLnBrk="0" hangingPunct="1">
+              <a:lnSpc>
+                <a:spcPct val="90000"/>
+              </a:lnSpc>
+              <a:spcBef>
+                <a:spcPts val="600"/>
+              </a:spcBef>
+              <a:buClr>
+                <a:schemeClr val="accent1"/>
+              </a:buClr>
+              <a:buSzPct val="100000"/>
+              <a:buFont typeface="Arial" pitchFamily="34" charset="0"/>
+              <a:buChar char="•"/>
+              <a:defRPr sz="1600" kern="1200">
+                <a:solidFill>
+                  <a:schemeClr val="tx1"/>
+                </a:solidFill>
+                <a:latin typeface="+mn-lt"/>
+                <a:ea typeface="+mn-ea"/>
+                <a:cs typeface="+mn-cs"/>
+              </a:defRPr>
+            </a:lvl4pPr>
+            <a:lvl5pPr marL="1030288" indent="-173038" algn="l" defTabSz="914400" rtl="0" eaLnBrk="1" latinLnBrk="0" hangingPunct="1">
+              <a:lnSpc>
+                <a:spcPct val="90000"/>
+              </a:lnSpc>
+              <a:spcBef>
+                <a:spcPts val="600"/>
+              </a:spcBef>
+              <a:buClr>
+                <a:schemeClr val="accent1"/>
+              </a:buClr>
+              <a:buSzPct val="100000"/>
+              <a:buFont typeface="Arial" pitchFamily="34" charset="0"/>
+              <a:buChar char="•"/>
+              <a:defRPr sz="1600" kern="1200">
+                <a:solidFill>
+                  <a:schemeClr val="tx1"/>
+                </a:solidFill>
+                <a:latin typeface="+mn-lt"/>
+                <a:ea typeface="+mn-ea"/>
+                <a:cs typeface="+mn-cs"/>
+              </a:defRPr>
+            </a:lvl5pPr>
+            <a:lvl6pPr marL="1207008" indent="-173736" algn="l" defTabSz="914400" rtl="0" eaLnBrk="1" latinLnBrk="0" hangingPunct="1">
+              <a:spcBef>
+                <a:spcPts val="600"/>
+              </a:spcBef>
+              <a:buClr>
+                <a:schemeClr val="accent1"/>
+              </a:buClr>
+              <a:buFont typeface="Arial" pitchFamily="34" charset="0"/>
+              <a:buChar char="•"/>
+              <a:defRPr sz="1600" kern="1200">
+                <a:solidFill>
+                  <a:schemeClr val="tx1"/>
+                </a:solidFill>
+                <a:latin typeface="+mn-lt"/>
+                <a:ea typeface="+mn-ea"/>
+                <a:cs typeface="+mn-cs"/>
+              </a:defRPr>
+            </a:lvl6pPr>
+            <a:lvl7pPr marL="1380744" indent="-173736" algn="l" defTabSz="914400" rtl="0" eaLnBrk="1" latinLnBrk="0" hangingPunct="1">
+              <a:spcBef>
+                <a:spcPts val="600"/>
+              </a:spcBef>
+              <a:buClr>
+                <a:schemeClr val="accent1"/>
+              </a:buClr>
+              <a:buFont typeface="Arial" pitchFamily="34" charset="0"/>
+              <a:buChar char="•"/>
+              <a:defRPr sz="1600" kern="1200">
+                <a:solidFill>
+                  <a:schemeClr val="tx1"/>
+                </a:solidFill>
+                <a:latin typeface="+mn-lt"/>
+                <a:ea typeface="+mn-ea"/>
+                <a:cs typeface="+mn-cs"/>
+              </a:defRPr>
+            </a:lvl7pPr>
+            <a:lvl8pPr marL="1554480" indent="-173736" algn="l" defTabSz="914400" rtl="0" eaLnBrk="1" latinLnBrk="0" hangingPunct="1">
+              <a:spcBef>
+                <a:spcPts val="600"/>
+              </a:spcBef>
+              <a:buClr>
+                <a:schemeClr val="accent1"/>
+              </a:buClr>
+              <a:buFont typeface="Arial" pitchFamily="34" charset="0"/>
+              <a:buChar char="•"/>
+              <a:defRPr sz="1600" kern="1200">
+                <a:solidFill>
+                  <a:schemeClr val="tx1"/>
+                </a:solidFill>
+                <a:latin typeface="+mn-lt"/>
+                <a:ea typeface="+mn-ea"/>
+                <a:cs typeface="+mn-cs"/>
+              </a:defRPr>
+            </a:lvl8pPr>
+            <a:lvl9pPr marL="1728216" indent="-173736" algn="l" defTabSz="914400" rtl="0" eaLnBrk="1" latinLnBrk="0" hangingPunct="1">
+              <a:spcBef>
+                <a:spcPts val="600"/>
+              </a:spcBef>
+              <a:buClr>
+                <a:schemeClr val="accent1"/>
+              </a:buClr>
+              <a:buFont typeface="Arial" pitchFamily="34" charset="0"/>
+              <a:buChar char="•"/>
+              <a:defRPr sz="1600" kern="1200">
+                <a:solidFill>
+                  <a:schemeClr val="tx1"/>
+                </a:solidFill>
+                <a:latin typeface="+mn-lt"/>
+                <a:ea typeface="+mn-ea"/>
+                <a:cs typeface="+mn-cs"/>
+              </a:defRPr>
+            </a:lvl9pPr>
+          </a:lstStyle>
+          <a:p>
+            <a:pPr marL="0" indent="0" algn="ctr">
+              <a:buNone/>
+            </a:pPr>
+            <a:r>
+              <a:rPr lang="en-US" sz="3600" cap="all" dirty="0">
+                <a:solidFill>
+                  <a:schemeClr val="accent4"/>
+                </a:solidFill>
+              </a:rPr>
+              <a:t>This is about Execution!</a:t>
+            </a:r>
+            <a:br>
+              <a:rPr lang="en-US" cap="all" dirty="0">
+                <a:solidFill>
+                  <a:schemeClr val="accent4"/>
+                </a:solidFill>
+              </a:rPr>
+            </a:br>
+            <a:r>
+              <a:rPr lang="en-US" sz="2000" b="1" cap="all" dirty="0">
+                <a:solidFill>
+                  <a:schemeClr val="tx2"/>
+                </a:solidFill>
+              </a:rPr>
+              <a:t>(of the Goddamn thing ;-)</a:t>
+            </a:r>
+          </a:p>
+        </p:txBody>
+      </p:sp>
       <p:grpSp>
         <p:nvGrpSpPr>
           <p:cNvPr id="2" name="Group 1"/>
@@ -20191,9 +20904,9 @@
         <p:grpSpPr>
           <a:xfrm>
             <a:off x="6168008" y="1029072"/>
-            <a:ext cx="4958332" cy="3264024"/>
+            <a:ext cx="4958332" cy="1967880"/>
             <a:chOff x="6816081" y="1029072"/>
-            <a:chExt cx="4526284" cy="3264024"/>
+            <a:chExt cx="4526284" cy="1967880"/>
           </a:xfrm>
         </p:grpSpPr>
         <p:sp>
@@ -20237,6 +20950,7 @@
               </a:lvl1pPr>
             </a:lstStyle>
             <a:p>
+              <a:pPr algn="ctr"/>
               <a:r>
                 <a:rPr lang="en-US" dirty="0"/>
                 <a:t>Parallelism</a:t>
@@ -20255,7 +20969,7 @@
           <p:spPr>
             <a:xfrm>
               <a:off x="6816081" y="1772816"/>
-              <a:ext cx="4526284" cy="2520280"/>
+              <a:ext cx="4526284" cy="1224136"/>
             </a:xfrm>
             <a:prstGeom prst="rect">
               <a:avLst/>
@@ -20450,66 +21164,43 @@
               </a:lvl9pPr>
             </a:lstStyle>
             <a:p>
+              <a:pPr marL="0" indent="0" algn="ctr">
+                <a:buNone/>
+              </a:pPr>
               <a:r>
-                <a:rPr lang="en-US" b="1" cap="all" dirty="0">
+                <a:rPr lang="en-US" b="1" cap="all" dirty="0"/>
+                <a:t>Concurrency</a:t>
+              </a:r>
+              <a:br>
+                <a:rPr lang="en-US" dirty="0"/>
+              </a:br>
+              <a:r>
+                <a:rPr lang="en-US" dirty="0">
                   <a:solidFill>
                     <a:schemeClr val="accent1"/>
                   </a:solidFill>
                 </a:rPr>
-                <a:t>Concurrency</a:t>
+                <a:t>+ </a:t>
+              </a:r>
+              <a:br>
+                <a:rPr lang="en-US" dirty="0"/>
+              </a:br>
+              <a:r>
+                <a:rPr lang="en-US" b="1" cap="all" dirty="0"/>
+                <a:t>Simultaneous </a:t>
               </a:r>
               <a:r>
-                <a:rPr lang="en-US" dirty="0"/>
-                <a:t> </a:t>
+                <a:rPr lang="en-US" b="1" cap="all" dirty="0"/>
+                <a:t>execution</a:t>
               </a:r>
-              <a:r>
-                <a:rPr lang="en-US" b="1" cap="all" dirty="0">
-                  <a:solidFill>
-                    <a:schemeClr val="accent1"/>
-                  </a:solidFill>
-                </a:rPr>
-                <a:t>but</a:t>
-              </a:r>
-              <a:r>
-                <a:rPr lang="en-US" dirty="0"/>
-                <a:t> with multiple threads of execution </a:t>
-              </a:r>
-              <a:r>
-                <a:rPr lang="en-US" b="1" cap="all" dirty="0">
-                  <a:solidFill>
-                    <a:schemeClr val="accent1"/>
-                  </a:solidFill>
-                </a:rPr>
-                <a:t>executing</a:t>
-              </a:r>
-              <a:r>
-                <a:rPr lang="en-US" dirty="0"/>
-                <a:t> </a:t>
-              </a:r>
-              <a:r>
-                <a:rPr lang="en-US" b="1" cap="all" dirty="0">
-                  <a:solidFill>
-                    <a:schemeClr val="accent1"/>
-                  </a:solidFill>
-                </a:rPr>
-                <a:t>Simultaneously</a:t>
-              </a:r>
-              <a:r>
-                <a:rPr lang="en-US" dirty="0"/>
-                <a:t>.</a:t>
-              </a:r>
-              <a:endParaRPr lang="en-US" dirty="0">
-                <a:solidFill>
-                  <a:schemeClr val="accent4"/>
-                </a:solidFill>
-              </a:endParaRPr>
+              <a:endParaRPr lang="en-US" dirty="0"/>
             </a:p>
           </p:txBody>
         </p:sp>
       </p:grpSp>
       <p:sp>
         <p:nvSpPr>
-          <p:cNvPr id="11" name="Content Placeholder 13"/>
+          <p:cNvPr id="8" name="Content Placeholder 13"/>
           <p:cNvSpPr txBox="1">
             <a:spLocks/>
           </p:cNvSpPr>
@@ -20517,8 +21208,8 @@
         </p:nvSpPr>
         <p:spPr>
           <a:xfrm>
-            <a:off x="2606167" y="3789040"/>
-            <a:ext cx="6979666" cy="1152128"/>
+            <a:off x="6486934" y="3140968"/>
+            <a:ext cx="4320480" cy="1296144"/>
           </a:xfrm>
           <a:prstGeom prst="rect">
             <a:avLst/>
@@ -20713,38 +21404,46 @@
             </a:lvl9pPr>
           </a:lstStyle>
           <a:p>
-            <a:pPr marL="0" indent="0" algn="ctr">
+            <a:pPr marL="231775" lvl="1" indent="0">
+              <a:buFont typeface="Arial" pitchFamily="34" charset="0"/>
               <a:buNone/>
             </a:pPr>
             <a:r>
-              <a:rPr lang="en-US" sz="3600" cap="all" dirty="0">
+              <a:rPr lang="en-US" dirty="0">
                 <a:solidFill>
                   <a:schemeClr val="accent4"/>
                 </a:solidFill>
               </a:rPr>
-              <a:t>This is about Execution!</a:t>
+              <a:t>e.g.: </a:t>
             </a:r>
-            <a:br>
-              <a:rPr lang="en-US" cap="all" dirty="0">
+          </a:p>
+          <a:p>
+            <a:pPr lvl="2"/>
+            <a:r>
+              <a:rPr lang="en-US" dirty="0">
                 <a:solidFill>
                   <a:schemeClr val="accent4"/>
                 </a:solidFill>
               </a:rPr>
-            </a:br>
+              <a:t>Thread-based (e.g. multi-threading)</a:t>
+            </a:r>
+          </a:p>
+          <a:p>
+            <a:pPr lvl="2"/>
             <a:r>
-              <a:rPr lang="en-US" sz="2000" b="1" cap="all" dirty="0">
+              <a:rPr lang="en-US" dirty="0">
                 <a:solidFill>
-                  <a:schemeClr val="tx2"/>
+                  <a:schemeClr val="accent4"/>
                 </a:solidFill>
               </a:rPr>
-              <a:t>(of the Goddamn thing ;-)</a:t>
+              <a:t>Task-based (e.g. TPL)</a:t>
             </a:r>
           </a:p>
         </p:txBody>
       </p:sp>
       <p:sp>
         <p:nvSpPr>
-          <p:cNvPr id="8" name="Content Placeholder 13"/>
+          <p:cNvPr id="9" name="Content Placeholder 13"/>
           <p:cNvSpPr txBox="1">
             <a:spLocks/>
           </p:cNvSpPr>
@@ -20752,8 +21451,8 @@
         </p:nvSpPr>
         <p:spPr>
           <a:xfrm>
-            <a:off x="3940871" y="4869160"/>
-            <a:ext cx="4310259" cy="1296144"/>
+            <a:off x="1271464" y="3140968"/>
+            <a:ext cx="3235250" cy="1296144"/>
           </a:xfrm>
           <a:prstGeom prst="rect">
             <a:avLst/>
@@ -20761,7 +21460,7 @@
         </p:spPr>
         <p:txBody>
           <a:bodyPr vert="horz" lIns="91440" tIns="45720" rIns="91440" bIns="45720" rtlCol="0" anchor="t">
-            <a:normAutofit lnSpcReduction="10000"/>
+            <a:normAutofit/>
           </a:bodyPr>
           <a:lstStyle>
             <a:lvl1pPr marL="223838" indent="-223838" algn="l" defTabSz="914400" rtl="0" eaLnBrk="1" latinLnBrk="0" hangingPunct="1">
@@ -20955,10 +21654,10 @@
             <a:r>
               <a:rPr lang="en-US" dirty="0">
                 <a:solidFill>
-                  <a:schemeClr val="accent1"/>
+                  <a:schemeClr val="accent4"/>
                 </a:solidFill>
               </a:rPr>
-              <a:t>Possible implementations:</a:t>
+              <a:t>e.g.: </a:t>
             </a:r>
           </a:p>
           <a:p>
@@ -20966,37 +21665,19 @@
             <a:r>
               <a:rPr lang="en-US" dirty="0">
                 <a:solidFill>
-                  <a:schemeClr val="accent1"/>
+                  <a:schemeClr val="accent4"/>
                 </a:solidFill>
               </a:rPr>
-              <a:t>Thread-based (e.g. multi-threading)</a:t>
+              <a:t>JavaScript in a browser</a:t>
             </a:r>
           </a:p>
           <a:p>
-            <a:pPr lvl="2"/>
-            <a:r>
-              <a:rPr lang="en-US" dirty="0">
-                <a:solidFill>
-                  <a:schemeClr val="accent1"/>
-                </a:solidFill>
-              </a:rPr>
-              <a:t>Task-based (e.g. TPL)</a:t>
-            </a:r>
-          </a:p>
-          <a:p>
-            <a:pPr lvl="2"/>
-            <a:r>
-              <a:rPr lang="en-US" dirty="0">
-                <a:solidFill>
-                  <a:schemeClr val="accent1"/>
-                </a:solidFill>
-              </a:rPr>
-              <a:t>…</a:t>
-            </a:r>
-          </a:p>
-          <a:p>
             <a:pPr lvl="1"/>
-            <a:endParaRPr lang="en-US" dirty="0"/>
+            <a:endParaRPr lang="en-US" dirty="0">
+              <a:solidFill>
+                <a:schemeClr val="accent4"/>
+              </a:solidFill>
+            </a:endParaRPr>
           </a:p>
         </p:txBody>
       </p:sp>
@@ -21162,6 +21843,59 @@
                                           </p:stCondLst>
                                         </p:cTn>
                                         <p:tgtEl>
+                                          <p:spTgt spid="9"/>
+                                        </p:tgtEl>
+                                        <p:attrNameLst>
+                                          <p:attrName>style.visibility</p:attrName>
+                                        </p:attrNameLst>
+                                      </p:cBhvr>
+                                      <p:to>
+                                        <p:strVal val="visible"/>
+                                      </p:to>
+                                    </p:set>
+                                    <p:animEffect transition="in" filter="fade">
+                                      <p:cBhvr>
+                                        <p:cTn id="17" dur="500"/>
+                                        <p:tgtEl>
+                                          <p:spTgt spid="9"/>
+                                        </p:tgtEl>
+                                      </p:cBhvr>
+                                    </p:animEffect>
+                                  </p:childTnLst>
+                                </p:cTn>
+                              </p:par>
+                            </p:childTnLst>
+                          </p:cTn>
+                        </p:par>
+                      </p:childTnLst>
+                    </p:cTn>
+                  </p:par>
+                  <p:par>
+                    <p:cTn id="18" fill="hold">
+                      <p:stCondLst>
+                        <p:cond delay="indefinite"/>
+                      </p:stCondLst>
+                      <p:childTnLst>
+                        <p:par>
+                          <p:cTn id="19" fill="hold">
+                            <p:stCondLst>
+                              <p:cond delay="0"/>
+                            </p:stCondLst>
+                            <p:childTnLst>
+                              <p:par>
+                                <p:cTn id="20" presetID="10" presetClass="entr" presetSubtype="0" fill="hold" grpId="0" nodeType="clickEffect">
+                                  <p:stCondLst>
+                                    <p:cond delay="0"/>
+                                  </p:stCondLst>
+                                  <p:childTnLst>
+                                    <p:set>
+                                      <p:cBhvr>
+                                        <p:cTn id="21" dur="1" fill="hold">
+                                          <p:stCondLst>
+                                            <p:cond delay="0"/>
+                                          </p:stCondLst>
+                                        </p:cTn>
+                                        <p:tgtEl>
                                           <p:spTgt spid="8"/>
                                         </p:tgtEl>
                                         <p:attrNameLst>
@@ -21174,7 +21908,7 @@
                                     </p:set>
                                     <p:animEffect transition="in" filter="fade">
                                       <p:cBhvr>
-                                        <p:cTn id="17" dur="500"/>
+                                        <p:cTn id="22" dur="500"/>
                                         <p:tgtEl>
                                           <p:spTgt spid="8"/>
                                         </p:tgtEl>
@@ -21213,6 +21947,7 @@
     <p:bldLst>
       <p:bldP spid="11" grpId="0"/>
       <p:bldP spid="8" grpId="0"/>
+      <p:bldP spid="9" grpId="0"/>
     </p:bldLst>
   </p:timing>
 </p:sld>
@@ -21237,229 +21972,224 @@
       </p:grpSpPr>
       <p:sp>
         <p:nvSpPr>
-          <p:cNvPr id="13" name="Title 12"/>
-          <p:cNvSpPr>
-            <a:spLocks noGrp="1"/>
+          <p:cNvPr id="6" name="Content Placeholder 13"/>
+          <p:cNvSpPr txBox="1">
+            <a:spLocks/>
           </p:cNvSpPr>
-          <p:nvPr>
-            <p:ph type="title"/>
-          </p:nvPr>
+          <p:nvPr/>
         </p:nvSpPr>
         <p:spPr>
           <a:xfrm>
-            <a:off x="1522810" y="381000"/>
-            <a:ext cx="9613750" cy="1371600"/>
+            <a:off x="2055190" y="5157192"/>
+            <a:ext cx="8081620" cy="1486966"/>
           </a:xfrm>
+          <a:prstGeom prst="rect">
+            <a:avLst/>
+          </a:prstGeom>
         </p:spPr>
         <p:txBody>
-          <a:bodyPr anchor="t"/>
-          <a:lstStyle/>
-          <a:p>
+          <a:bodyPr vert="horz" lIns="91440" tIns="45720" rIns="91440" bIns="45720" rtlCol="0" anchor="t">
+            <a:normAutofit/>
+          </a:bodyPr>
+          <a:lstStyle>
+            <a:lvl1pPr marL="223838" indent="-223838" algn="l" defTabSz="914400" rtl="0" eaLnBrk="1" latinLnBrk="0" hangingPunct="1">
+              <a:lnSpc>
+                <a:spcPct val="90000"/>
+              </a:lnSpc>
+              <a:spcBef>
+                <a:spcPts val="1800"/>
+              </a:spcBef>
+              <a:buClr>
+                <a:schemeClr val="accent1"/>
+              </a:buClr>
+              <a:buSzPct val="100000"/>
+              <a:buFont typeface="Arial" pitchFamily="34" charset="0"/>
+              <a:buChar char="•"/>
+              <a:defRPr sz="2400" kern="1200">
+                <a:solidFill>
+                  <a:schemeClr val="tx1"/>
+                </a:solidFill>
+                <a:latin typeface="+mn-lt"/>
+                <a:ea typeface="+mn-ea"/>
+                <a:cs typeface="+mn-cs"/>
+              </a:defRPr>
+            </a:lvl1pPr>
+            <a:lvl2pPr marL="463550" indent="-231775" algn="l" defTabSz="914400" rtl="0" eaLnBrk="1" latinLnBrk="0" hangingPunct="1">
+              <a:lnSpc>
+                <a:spcPct val="90000"/>
+              </a:lnSpc>
+              <a:spcBef>
+                <a:spcPts val="1200"/>
+              </a:spcBef>
+              <a:buClr>
+                <a:schemeClr val="accent1"/>
+              </a:buClr>
+              <a:buSzPct val="100000"/>
+              <a:buFont typeface="Arial" pitchFamily="34" charset="0"/>
+              <a:buChar char="•"/>
+              <a:defRPr sz="2000" kern="1200">
+                <a:solidFill>
+                  <a:schemeClr val="tx1"/>
+                </a:solidFill>
+                <a:latin typeface="+mn-lt"/>
+                <a:ea typeface="+mn-ea"/>
+                <a:cs typeface="+mn-cs"/>
+              </a:defRPr>
+            </a:lvl2pPr>
+            <a:lvl3pPr marL="682625" indent="-219075" algn="l" defTabSz="914400" rtl="0" eaLnBrk="1" latinLnBrk="0" hangingPunct="1">
+              <a:lnSpc>
+                <a:spcPct val="90000"/>
+              </a:lnSpc>
+              <a:spcBef>
+                <a:spcPts val="600"/>
+              </a:spcBef>
+              <a:buClr>
+                <a:schemeClr val="accent1"/>
+              </a:buClr>
+              <a:buSzPct val="100000"/>
+              <a:buFont typeface="Arial" pitchFamily="34" charset="0"/>
+              <a:buChar char="•"/>
+              <a:defRPr sz="1800" kern="1200">
+                <a:solidFill>
+                  <a:schemeClr val="tx1"/>
+                </a:solidFill>
+                <a:latin typeface="+mn-lt"/>
+                <a:ea typeface="+mn-ea"/>
+                <a:cs typeface="+mn-cs"/>
+              </a:defRPr>
+            </a:lvl3pPr>
+            <a:lvl4pPr marL="857250" indent="-174625" algn="l" defTabSz="914400" rtl="0" eaLnBrk="1" latinLnBrk="0" hangingPunct="1">
+              <a:lnSpc>
+                <a:spcPct val="90000"/>
+              </a:lnSpc>
+              <a:spcBef>
+                <a:spcPts val="600"/>
+              </a:spcBef>
+              <a:buClr>
+                <a:schemeClr val="accent1"/>
+              </a:buClr>
+              <a:buSzPct val="100000"/>
+              <a:buFont typeface="Arial" pitchFamily="34" charset="0"/>
+              <a:buChar char="•"/>
+              <a:defRPr sz="1600" kern="1200">
+                <a:solidFill>
+                  <a:schemeClr val="tx1"/>
+                </a:solidFill>
+                <a:latin typeface="+mn-lt"/>
+                <a:ea typeface="+mn-ea"/>
+                <a:cs typeface="+mn-cs"/>
+              </a:defRPr>
+            </a:lvl4pPr>
+            <a:lvl5pPr marL="1030288" indent="-173038" algn="l" defTabSz="914400" rtl="0" eaLnBrk="1" latinLnBrk="0" hangingPunct="1">
+              <a:lnSpc>
+                <a:spcPct val="90000"/>
+              </a:lnSpc>
+              <a:spcBef>
+                <a:spcPts val="600"/>
+              </a:spcBef>
+              <a:buClr>
+                <a:schemeClr val="accent1"/>
+              </a:buClr>
+              <a:buSzPct val="100000"/>
+              <a:buFont typeface="Arial" pitchFamily="34" charset="0"/>
+              <a:buChar char="•"/>
+              <a:defRPr sz="1600" kern="1200">
+                <a:solidFill>
+                  <a:schemeClr val="tx1"/>
+                </a:solidFill>
+                <a:latin typeface="+mn-lt"/>
+                <a:ea typeface="+mn-ea"/>
+                <a:cs typeface="+mn-cs"/>
+              </a:defRPr>
+            </a:lvl5pPr>
+            <a:lvl6pPr marL="1207008" indent="-173736" algn="l" defTabSz="914400" rtl="0" eaLnBrk="1" latinLnBrk="0" hangingPunct="1">
+              <a:spcBef>
+                <a:spcPts val="600"/>
+              </a:spcBef>
+              <a:buClr>
+                <a:schemeClr val="accent1"/>
+              </a:buClr>
+              <a:buFont typeface="Arial" pitchFamily="34" charset="0"/>
+              <a:buChar char="•"/>
+              <a:defRPr sz="1600" kern="1200">
+                <a:solidFill>
+                  <a:schemeClr val="tx1"/>
+                </a:solidFill>
+                <a:latin typeface="+mn-lt"/>
+                <a:ea typeface="+mn-ea"/>
+                <a:cs typeface="+mn-cs"/>
+              </a:defRPr>
+            </a:lvl6pPr>
+            <a:lvl7pPr marL="1380744" indent="-173736" algn="l" defTabSz="914400" rtl="0" eaLnBrk="1" latinLnBrk="0" hangingPunct="1">
+              <a:spcBef>
+                <a:spcPts val="600"/>
+              </a:spcBef>
+              <a:buClr>
+                <a:schemeClr val="accent1"/>
+              </a:buClr>
+              <a:buFont typeface="Arial" pitchFamily="34" charset="0"/>
+              <a:buChar char="•"/>
+              <a:defRPr sz="1600" kern="1200">
+                <a:solidFill>
+                  <a:schemeClr val="tx1"/>
+                </a:solidFill>
+                <a:latin typeface="+mn-lt"/>
+                <a:ea typeface="+mn-ea"/>
+                <a:cs typeface="+mn-cs"/>
+              </a:defRPr>
+            </a:lvl7pPr>
+            <a:lvl8pPr marL="1554480" indent="-173736" algn="l" defTabSz="914400" rtl="0" eaLnBrk="1" latinLnBrk="0" hangingPunct="1">
+              <a:spcBef>
+                <a:spcPts val="600"/>
+              </a:spcBef>
+              <a:buClr>
+                <a:schemeClr val="accent1"/>
+              </a:buClr>
+              <a:buFont typeface="Arial" pitchFamily="34" charset="0"/>
+              <a:buChar char="•"/>
+              <a:defRPr sz="1600" kern="1200">
+                <a:solidFill>
+                  <a:schemeClr val="tx1"/>
+                </a:solidFill>
+                <a:latin typeface="+mn-lt"/>
+                <a:ea typeface="+mn-ea"/>
+                <a:cs typeface="+mn-cs"/>
+              </a:defRPr>
+            </a:lvl8pPr>
+            <a:lvl9pPr marL="1728216" indent="-173736" algn="l" defTabSz="914400" rtl="0" eaLnBrk="1" latinLnBrk="0" hangingPunct="1">
+              <a:spcBef>
+                <a:spcPts val="600"/>
+              </a:spcBef>
+              <a:buClr>
+                <a:schemeClr val="accent1"/>
+              </a:buClr>
+              <a:buFont typeface="Arial" pitchFamily="34" charset="0"/>
+              <a:buChar char="•"/>
+              <a:defRPr sz="1600" kern="1200">
+                <a:solidFill>
+                  <a:schemeClr val="tx1"/>
+                </a:solidFill>
+                <a:latin typeface="+mn-lt"/>
+                <a:ea typeface="+mn-ea"/>
+                <a:cs typeface="+mn-cs"/>
+              </a:defRPr>
+            </a:lvl9pPr>
+          </a:lstStyle>
+          <a:p>
+            <a:pPr marL="0" indent="0" algn="ctr">
+              <a:buNone/>
+            </a:pPr>
             <a:r>
-              <a:rPr lang="en-US" dirty="0"/>
-              <a:t>Task Parallel Library reminder </a:t>
-            </a:r>
-            <a:r>
-              <a:rPr lang="en-US" dirty="0">
+              <a:rPr lang="en-US" sz="3600" cap="all" dirty="0">
                 <a:solidFill>
-                  <a:schemeClr val="tx2"/>
+                  <a:schemeClr val="accent4"/>
                 </a:solidFill>
               </a:rPr>
-              <a:t>(TPL)</a:t>
+              <a:t>Async-Await is…</a:t>
             </a:r>
-            <a:endParaRPr lang="en-US" dirty="0"/>
-          </a:p>
-        </p:txBody>
-      </p:sp>
-      <p:sp>
-        <p:nvSpPr>
-          <p:cNvPr id="14" name="Content Placeholder 13"/>
-          <p:cNvSpPr>
-            <a:spLocks noGrp="1"/>
-          </p:cNvSpPr>
-          <p:nvPr>
-            <p:ph idx="1"/>
-          </p:nvPr>
-        </p:nvSpPr>
-        <p:spPr>
-          <a:xfrm>
-            <a:off x="2135560" y="1268760"/>
-            <a:ext cx="8640960" cy="4824536"/>
-          </a:xfrm>
-        </p:spPr>
-        <p:txBody>
-          <a:bodyPr anchor="t">
-            <a:normAutofit fontScale="92500" lnSpcReduction="10000"/>
-          </a:bodyPr>
-          <a:lstStyle/>
-          <a:p>
-            <a:r>
-              <a:rPr lang="en-US" cap="all" dirty="0">
-                <a:solidFill>
-                  <a:schemeClr val="accent1"/>
-                </a:solidFill>
-              </a:rPr>
-              <a:t>Task</a:t>
-            </a:r>
-          </a:p>
-          <a:p>
-            <a:pPr lvl="1"/>
-            <a:r>
-              <a:rPr lang="en-US" dirty="0"/>
-              <a:t>3 ways to instantiate and run a Task:</a:t>
-            </a:r>
-          </a:p>
-          <a:p>
-            <a:pPr lvl="2"/>
-            <a:r>
-              <a:rPr lang="en-US" dirty="0" err="1"/>
-              <a:t>var</a:t>
-            </a:r>
-            <a:r>
-              <a:rPr lang="en-US" dirty="0"/>
-              <a:t> task = new Task(</a:t>
-            </a:r>
-            <a:r>
-              <a:rPr lang="en-US" dirty="0">
-                <a:solidFill>
-                  <a:schemeClr val="accent1"/>
-                </a:solidFill>
-              </a:rPr>
-              <a:t>lambda</a:t>
-            </a:r>
-            <a:r>
-              <a:rPr lang="en-US" dirty="0"/>
-              <a:t>).Start();</a:t>
-            </a:r>
-          </a:p>
-          <a:p>
-            <a:pPr lvl="2"/>
-            <a:r>
-              <a:rPr lang="en-US" dirty="0" err="1"/>
-              <a:t>var</a:t>
-            </a:r>
-            <a:r>
-              <a:rPr lang="en-US" dirty="0"/>
-              <a:t> task = </a:t>
-            </a:r>
-            <a:r>
-              <a:rPr lang="en-US" dirty="0" err="1"/>
-              <a:t>Task.Run</a:t>
-            </a:r>
-            <a:r>
-              <a:rPr lang="en-US" dirty="0"/>
-              <a:t>(</a:t>
-            </a:r>
-            <a:r>
-              <a:rPr lang="en-US" dirty="0">
-                <a:solidFill>
-                  <a:schemeClr val="accent1"/>
-                </a:solidFill>
-              </a:rPr>
-              <a:t>lambda</a:t>
-            </a:r>
-            <a:r>
-              <a:rPr lang="en-US" dirty="0"/>
-              <a:t>);</a:t>
-            </a:r>
-          </a:p>
-          <a:p>
-            <a:pPr lvl="2"/>
-            <a:r>
-              <a:rPr lang="en-US" dirty="0" err="1"/>
-              <a:t>Task.Factory.StartNew</a:t>
-            </a:r>
-            <a:r>
-              <a:rPr lang="en-US" dirty="0"/>
-              <a:t>(</a:t>
-            </a:r>
-            <a:r>
-              <a:rPr lang="en-US" dirty="0">
-                <a:solidFill>
-                  <a:schemeClr val="accent1"/>
-                </a:solidFill>
-              </a:rPr>
-              <a:t>lambda</a:t>
-            </a:r>
-            <a:r>
-              <a:rPr lang="en-US" dirty="0"/>
-              <a:t>)</a:t>
-            </a:r>
-            <a:endParaRPr lang="en-US" dirty="0"/>
-          </a:p>
-          <a:p>
-            <a:pPr lvl="1"/>
-            <a:endParaRPr lang="en-US" dirty="0"/>
-          </a:p>
-          <a:p>
-            <a:pPr lvl="1"/>
-            <a:r>
-              <a:rPr lang="en-US" dirty="0" err="1"/>
-              <a:t>task.Wait</a:t>
-            </a:r>
-            <a:r>
-              <a:rPr lang="en-US" dirty="0"/>
-              <a:t>(), </a:t>
-            </a:r>
-            <a:r>
-              <a:rPr lang="en-US" dirty="0" err="1"/>
-              <a:t>task.</a:t>
-            </a:r>
-            <a:r>
-              <a:rPr lang="en-US" dirty="0" err="1"/>
-              <a:t>Result</a:t>
-            </a:r>
-            <a:r>
-              <a:rPr lang="en-US" dirty="0"/>
-              <a:t> &amp; </a:t>
-            </a:r>
-            <a:r>
-              <a:rPr lang="en-US" dirty="0" err="1"/>
-              <a:t>task.</a:t>
-            </a:r>
-            <a:r>
-              <a:rPr lang="en-US" dirty="0" err="1"/>
-              <a:t>Exception</a:t>
-            </a:r>
-            <a:endParaRPr lang="en-US" dirty="0"/>
-          </a:p>
-          <a:p>
-            <a:pPr lvl="1"/>
-            <a:endParaRPr lang="en-US" dirty="0"/>
-          </a:p>
-          <a:p>
-            <a:r>
-              <a:rPr lang="en-US" cap="all" dirty="0">
-                <a:solidFill>
-                  <a:schemeClr val="accent1"/>
-                </a:solidFill>
-              </a:rPr>
-              <a:t>Continuation</a:t>
-            </a:r>
-          </a:p>
-          <a:p>
-            <a:pPr lvl="1"/>
-            <a:r>
-              <a:rPr lang="en-US" dirty="0"/>
-              <a:t>A Task that will be achieve once a previous Task has finished</a:t>
-            </a:r>
-          </a:p>
-          <a:p>
-            <a:pPr lvl="1"/>
-            <a:endParaRPr lang="en-US" dirty="0"/>
-          </a:p>
-          <a:p>
-            <a:r>
-              <a:rPr lang="en-US" cap="all" dirty="0" err="1">
-                <a:solidFill>
-                  <a:schemeClr val="accent1"/>
-                </a:solidFill>
-              </a:rPr>
-              <a:t>CancelationToken</a:t>
-            </a:r>
-            <a:endParaRPr lang="en-US" cap="all" dirty="0">
+            <a:endParaRPr lang="en-US" dirty="0">
               <a:solidFill>
-                <a:schemeClr val="accent1"/>
+                <a:schemeClr val="tx2"/>
               </a:solidFill>
             </a:endParaRPr>
           </a:p>
@@ -21468,7 +22198,7 @@
     </p:spTree>
     <p:extLst>
       <p:ext uri="{BB962C8B-B14F-4D97-AF65-F5344CB8AC3E}">
-        <p14:creationId xmlns:p14="http://schemas.microsoft.com/office/powerpoint/2010/main" val="4045331836"/>
+        <p14:creationId xmlns:p14="http://schemas.microsoft.com/office/powerpoint/2010/main" val="2513652935"/>
       </p:ext>
     </p:extLst>
   </p:cSld>
@@ -21509,94 +22239,740 @@
       </p:grpSpPr>
       <p:sp>
         <p:nvSpPr>
-          <p:cNvPr id="13" name="Title 12"/>
-          <p:cNvSpPr>
-            <a:spLocks noGrp="1"/>
+          <p:cNvPr id="5" name="Content Placeholder 13"/>
+          <p:cNvSpPr txBox="1">
+            <a:spLocks/>
           </p:cNvSpPr>
-          <p:nvPr>
-            <p:ph type="title"/>
-          </p:nvPr>
+          <p:nvPr/>
         </p:nvSpPr>
-        <p:spPr/>
-        <p:txBody>
-          <a:bodyPr anchor="t">
-            <a:normAutofit/>
-          </a:bodyPr>
-          <a:lstStyle/>
-          <a:p>
-            <a:r>
-              <a:rPr lang="en-US" dirty="0"/>
-              <a:t>Not that simple…</a:t>
-            </a:r>
-          </a:p>
-        </p:txBody>
-      </p:sp>
-      <p:pic>
-        <p:nvPicPr>
-          <p:cNvPr id="1026" name="Picture 2" descr="Afficher l'image d'origine"/>
-          <p:cNvPicPr>
-            <a:picLocks noChangeAspect="1" noChangeArrowheads="1"/>
-          </p:cNvPicPr>
-          <p:nvPr/>
-        </p:nvPicPr>
-        <p:blipFill rotWithShape="1">
-          <a:blip r:embed="rId3">
-            <a:extLst>
-              <a:ext uri="{28A0092B-C50C-407E-A947-70E740481C1C}">
-                <a14:useLocalDpi xmlns:a14="http://schemas.microsoft.com/office/drawing/2010/main" val="0"/>
-              </a:ext>
-            </a:extLst>
-          </a:blip>
-          <a:srcRect b="9591"/>
-          <a:stretch/>
-        </p:blipFill>
-        <p:spPr bwMode="auto">
+        <p:spPr>
           <a:xfrm>
-            <a:off x="2135560" y="1340768"/>
-            <a:ext cx="7488832" cy="4450948"/>
+            <a:off x="6600056" y="1772816"/>
+            <a:ext cx="4526284" cy="2520280"/>
           </a:xfrm>
           <a:prstGeom prst="rect">
             <a:avLst/>
           </a:prstGeom>
-          <a:noFill/>
-          <a:ln>
-            <a:solidFill>
-              <a:schemeClr val="accent1"/>
-            </a:solidFill>
-          </a:ln>
-          <a:extLst>
-            <a:ext uri="{909E8E84-426E-40DD-AFC4-6F175D3DCCD1}">
-              <a14:hiddenFill xmlns:a14="http://schemas.microsoft.com/office/drawing/2010/main">
+        </p:spPr>
+        <p:txBody>
+          <a:bodyPr vert="horz" lIns="91440" tIns="45720" rIns="91440" bIns="45720" rtlCol="0" anchor="t">
+            <a:normAutofit fontScale="92500" lnSpcReduction="10000"/>
+          </a:bodyPr>
+          <a:lstStyle>
+            <a:lvl1pPr marL="223838" indent="-223838" algn="l" defTabSz="914400" rtl="0" eaLnBrk="1" latinLnBrk="0" hangingPunct="1">
+              <a:lnSpc>
+                <a:spcPct val="90000"/>
+              </a:lnSpc>
+              <a:spcBef>
+                <a:spcPts val="1800"/>
+              </a:spcBef>
+              <a:buClr>
+                <a:schemeClr val="accent1"/>
+              </a:buClr>
+              <a:buSzPct val="100000"/>
+              <a:buFont typeface="Arial" pitchFamily="34" charset="0"/>
+              <a:buChar char="•"/>
+              <a:defRPr sz="2400" kern="1200">
                 <a:solidFill>
-                  <a:srgbClr val="FFFFFF"/>
+                  <a:schemeClr val="tx1"/>
                 </a:solidFill>
-              </a14:hiddenFill>
-            </a:ext>
-          </a:extLst>
+                <a:latin typeface="+mn-lt"/>
+                <a:ea typeface="+mn-ea"/>
+                <a:cs typeface="+mn-cs"/>
+              </a:defRPr>
+            </a:lvl1pPr>
+            <a:lvl2pPr marL="463550" indent="-231775" algn="l" defTabSz="914400" rtl="0" eaLnBrk="1" latinLnBrk="0" hangingPunct="1">
+              <a:lnSpc>
+                <a:spcPct val="90000"/>
+              </a:lnSpc>
+              <a:spcBef>
+                <a:spcPts val="1200"/>
+              </a:spcBef>
+              <a:buClr>
+                <a:schemeClr val="accent1"/>
+              </a:buClr>
+              <a:buSzPct val="100000"/>
+              <a:buFont typeface="Arial" pitchFamily="34" charset="0"/>
+              <a:buChar char="•"/>
+              <a:defRPr sz="2000" kern="1200">
+                <a:solidFill>
+                  <a:schemeClr val="tx1"/>
+                </a:solidFill>
+                <a:latin typeface="+mn-lt"/>
+                <a:ea typeface="+mn-ea"/>
+                <a:cs typeface="+mn-cs"/>
+              </a:defRPr>
+            </a:lvl2pPr>
+            <a:lvl3pPr marL="682625" indent="-219075" algn="l" defTabSz="914400" rtl="0" eaLnBrk="1" latinLnBrk="0" hangingPunct="1">
+              <a:lnSpc>
+                <a:spcPct val="90000"/>
+              </a:lnSpc>
+              <a:spcBef>
+                <a:spcPts val="600"/>
+              </a:spcBef>
+              <a:buClr>
+                <a:schemeClr val="accent1"/>
+              </a:buClr>
+              <a:buSzPct val="100000"/>
+              <a:buFont typeface="Arial" pitchFamily="34" charset="0"/>
+              <a:buChar char="•"/>
+              <a:defRPr sz="1800" kern="1200">
+                <a:solidFill>
+                  <a:schemeClr val="tx1"/>
+                </a:solidFill>
+                <a:latin typeface="+mn-lt"/>
+                <a:ea typeface="+mn-ea"/>
+                <a:cs typeface="+mn-cs"/>
+              </a:defRPr>
+            </a:lvl3pPr>
+            <a:lvl4pPr marL="857250" indent="-174625" algn="l" defTabSz="914400" rtl="0" eaLnBrk="1" latinLnBrk="0" hangingPunct="1">
+              <a:lnSpc>
+                <a:spcPct val="90000"/>
+              </a:lnSpc>
+              <a:spcBef>
+                <a:spcPts val="600"/>
+              </a:spcBef>
+              <a:buClr>
+                <a:schemeClr val="accent1"/>
+              </a:buClr>
+              <a:buSzPct val="100000"/>
+              <a:buFont typeface="Arial" pitchFamily="34" charset="0"/>
+              <a:buChar char="•"/>
+              <a:defRPr sz="1600" kern="1200">
+                <a:solidFill>
+                  <a:schemeClr val="tx1"/>
+                </a:solidFill>
+                <a:latin typeface="+mn-lt"/>
+                <a:ea typeface="+mn-ea"/>
+                <a:cs typeface="+mn-cs"/>
+              </a:defRPr>
+            </a:lvl4pPr>
+            <a:lvl5pPr marL="1030288" indent="-173038" algn="l" defTabSz="914400" rtl="0" eaLnBrk="1" latinLnBrk="0" hangingPunct="1">
+              <a:lnSpc>
+                <a:spcPct val="90000"/>
+              </a:lnSpc>
+              <a:spcBef>
+                <a:spcPts val="600"/>
+              </a:spcBef>
+              <a:buClr>
+                <a:schemeClr val="accent1"/>
+              </a:buClr>
+              <a:buSzPct val="100000"/>
+              <a:buFont typeface="Arial" pitchFamily="34" charset="0"/>
+              <a:buChar char="•"/>
+              <a:defRPr sz="1600" kern="1200">
+                <a:solidFill>
+                  <a:schemeClr val="tx1"/>
+                </a:solidFill>
+                <a:latin typeface="+mn-lt"/>
+                <a:ea typeface="+mn-ea"/>
+                <a:cs typeface="+mn-cs"/>
+              </a:defRPr>
+            </a:lvl5pPr>
+            <a:lvl6pPr marL="1207008" indent="-173736" algn="l" defTabSz="914400" rtl="0" eaLnBrk="1" latinLnBrk="0" hangingPunct="1">
+              <a:spcBef>
+                <a:spcPts val="600"/>
+              </a:spcBef>
+              <a:buClr>
+                <a:schemeClr val="accent1"/>
+              </a:buClr>
+              <a:buFont typeface="Arial" pitchFamily="34" charset="0"/>
+              <a:buChar char="•"/>
+              <a:defRPr sz="1600" kern="1200">
+                <a:solidFill>
+                  <a:schemeClr val="tx1"/>
+                </a:solidFill>
+                <a:latin typeface="+mn-lt"/>
+                <a:ea typeface="+mn-ea"/>
+                <a:cs typeface="+mn-cs"/>
+              </a:defRPr>
+            </a:lvl6pPr>
+            <a:lvl7pPr marL="1380744" indent="-173736" algn="l" defTabSz="914400" rtl="0" eaLnBrk="1" latinLnBrk="0" hangingPunct="1">
+              <a:spcBef>
+                <a:spcPts val="600"/>
+              </a:spcBef>
+              <a:buClr>
+                <a:schemeClr val="accent1"/>
+              </a:buClr>
+              <a:buFont typeface="Arial" pitchFamily="34" charset="0"/>
+              <a:buChar char="•"/>
+              <a:defRPr sz="1600" kern="1200">
+                <a:solidFill>
+                  <a:schemeClr val="tx1"/>
+                </a:solidFill>
+                <a:latin typeface="+mn-lt"/>
+                <a:ea typeface="+mn-ea"/>
+                <a:cs typeface="+mn-cs"/>
+              </a:defRPr>
+            </a:lvl7pPr>
+            <a:lvl8pPr marL="1554480" indent="-173736" algn="l" defTabSz="914400" rtl="0" eaLnBrk="1" latinLnBrk="0" hangingPunct="1">
+              <a:spcBef>
+                <a:spcPts val="600"/>
+              </a:spcBef>
+              <a:buClr>
+                <a:schemeClr val="accent1"/>
+              </a:buClr>
+              <a:buFont typeface="Arial" pitchFamily="34" charset="0"/>
+              <a:buChar char="•"/>
+              <a:defRPr sz="1600" kern="1200">
+                <a:solidFill>
+                  <a:schemeClr val="tx1"/>
+                </a:solidFill>
+                <a:latin typeface="+mn-lt"/>
+                <a:ea typeface="+mn-ea"/>
+                <a:cs typeface="+mn-cs"/>
+              </a:defRPr>
+            </a:lvl8pPr>
+            <a:lvl9pPr marL="1728216" indent="-173736" algn="l" defTabSz="914400" rtl="0" eaLnBrk="1" latinLnBrk="0" hangingPunct="1">
+              <a:spcBef>
+                <a:spcPts val="600"/>
+              </a:spcBef>
+              <a:buClr>
+                <a:schemeClr val="accent1"/>
+              </a:buClr>
+              <a:buFont typeface="Arial" pitchFamily="34" charset="0"/>
+              <a:buChar char="•"/>
+              <a:defRPr sz="1600" kern="1200">
+                <a:solidFill>
+                  <a:schemeClr val="tx1"/>
+                </a:solidFill>
+                <a:latin typeface="+mn-lt"/>
+                <a:ea typeface="+mn-ea"/>
+                <a:cs typeface="+mn-cs"/>
+              </a:defRPr>
+            </a:lvl9pPr>
+          </a:lstStyle>
+          <a:p>
+            <a:r>
+              <a:rPr lang="en-US" b="1" cap="all" dirty="0">
+                <a:solidFill>
+                  <a:schemeClr val="accent1"/>
+                </a:solidFill>
+              </a:rPr>
+              <a:t>Initiate</a:t>
+            </a:r>
+            <a:r>
+              <a:rPr lang="en-US" b="1" dirty="0"/>
+              <a:t> </a:t>
+            </a:r>
+            <a:r>
+              <a:rPr lang="en-US" dirty="0"/>
+              <a:t>something here and now (off-loading).</a:t>
+            </a:r>
+          </a:p>
+          <a:p>
+            <a:r>
+              <a:rPr lang="en-US" dirty="0"/>
+              <a:t>The caller thread is released immediately </a:t>
+            </a:r>
+          </a:p>
+          <a:p>
+            <a:pPr lvl="1"/>
+            <a:r>
+              <a:rPr lang="en-US" dirty="0"/>
+              <a:t>I can use it for something else right now</a:t>
+            </a:r>
+          </a:p>
+          <a:p>
+            <a:pPr lvl="1"/>
+            <a:r>
+              <a:rPr lang="en-US" dirty="0">
+                <a:solidFill>
+                  <a:schemeClr val="accent4"/>
+                </a:solidFill>
+              </a:rPr>
+              <a:t>No waste of  CPU resource ;-)</a:t>
+            </a:r>
+          </a:p>
+        </p:txBody>
+      </p:sp>
+      <p:grpSp>
+        <p:nvGrpSpPr>
+          <p:cNvPr id="10" name="Group 9"/>
+          <p:cNvGrpSpPr/>
+          <p:nvPr/>
+        </p:nvGrpSpPr>
+        <p:grpSpPr>
+          <a:xfrm>
+            <a:off x="6625157" y="692696"/>
+            <a:ext cx="4871443" cy="1113622"/>
+            <a:chOff x="6625157" y="692696"/>
+            <a:chExt cx="4871443" cy="1113622"/>
+          </a:xfrm>
+        </p:grpSpPr>
+        <p:sp>
+          <p:nvSpPr>
+            <p:cNvPr id="4" name="Title 12"/>
+            <p:cNvSpPr txBox="1">
+              <a:spLocks/>
+            </p:cNvSpPr>
+            <p:nvPr/>
+          </p:nvSpPr>
+          <p:spPr>
+            <a:xfrm>
+              <a:off x="6625157" y="1029072"/>
+              <a:ext cx="4501182" cy="743744"/>
+            </a:xfrm>
+            <a:prstGeom prst="rect">
+              <a:avLst/>
+            </a:prstGeom>
+          </p:spPr>
+          <p:txBody>
+            <a:bodyPr vert="horz" lIns="91440" tIns="45720" rIns="91440" bIns="45720" rtlCol="0" anchor="t">
+              <a:normAutofit/>
+            </a:bodyPr>
+            <a:lstStyle>
+              <a:lvl1pPr algn="l" defTabSz="914400" rtl="0" eaLnBrk="1" latinLnBrk="0" hangingPunct="1">
+                <a:lnSpc>
+                  <a:spcPct val="90000"/>
+                </a:lnSpc>
+                <a:spcBef>
+                  <a:spcPct val="0"/>
+                </a:spcBef>
+                <a:buNone/>
+                <a:defRPr sz="3600" kern="1200" cap="all" spc="100" baseline="0">
+                  <a:solidFill>
+                    <a:schemeClr val="accent1"/>
+                  </a:solidFill>
+                  <a:latin typeface="+mj-lt"/>
+                  <a:ea typeface="+mj-ea"/>
+                  <a:cs typeface="+mj-cs"/>
+                </a:defRPr>
+              </a:lvl1pPr>
+            </a:lstStyle>
+            <a:p>
+              <a:r>
+                <a:rPr lang="en-US" dirty="0"/>
+                <a:t>Asynchronous</a:t>
+              </a:r>
+            </a:p>
+          </p:txBody>
+        </p:sp>
+        <p:pic>
+          <p:nvPicPr>
+            <p:cNvPr id="7" name="Picture 2" descr="Afficher l'image d'origine"/>
+            <p:cNvPicPr>
+              <a:picLocks noChangeAspect="1" noChangeArrowheads="1"/>
+            </p:cNvPicPr>
+            <p:nvPr/>
+          </p:nvPicPr>
+          <p:blipFill>
+            <a:blip r:embed="rId3" cstate="print">
+              <a:duotone>
+                <a:schemeClr val="accent1">
+                  <a:shade val="45000"/>
+                  <a:satMod val="135000"/>
+                </a:schemeClr>
+                <a:prstClr val="white"/>
+              </a:duotone>
+              <a:extLst>
+                <a:ext uri="{28A0092B-C50C-407E-A947-70E740481C1C}">
+                  <a14:useLocalDpi xmlns:a14="http://schemas.microsoft.com/office/drawing/2010/main" val="0"/>
+                </a:ext>
+              </a:extLst>
+            </a:blip>
+            <a:srcRect/>
+            <a:stretch>
+              <a:fillRect/>
+            </a:stretch>
+          </p:blipFill>
+          <p:spPr bwMode="auto">
+            <a:xfrm>
+              <a:off x="10382978" y="692696"/>
+              <a:ext cx="1113622" cy="1113622"/>
+            </a:xfrm>
+            <a:prstGeom prst="rect">
+              <a:avLst/>
+            </a:prstGeom>
+            <a:noFill/>
+            <a:extLst>
+              <a:ext uri="{909E8E84-426E-40DD-AFC4-6F175D3DCCD1}">
+                <a14:hiddenFill xmlns:a14="http://schemas.microsoft.com/office/drawing/2010/main">
+                  <a:solidFill>
+                    <a:srgbClr val="FFFFFF"/>
+                  </a:solidFill>
+                </a14:hiddenFill>
+              </a:ext>
+            </a:extLst>
+          </p:spPr>
+        </p:pic>
+      </p:grpSp>
+      <p:sp>
+        <p:nvSpPr>
+          <p:cNvPr id="15" name="Content Placeholder 13"/>
+          <p:cNvSpPr txBox="1">
+            <a:spLocks/>
+          </p:cNvSpPr>
+          <p:nvPr/>
+        </p:nvSpPr>
+        <p:spPr>
+          <a:xfrm>
+            <a:off x="2055190" y="5157192"/>
+            <a:ext cx="8081620" cy="1486966"/>
+          </a:xfrm>
+          <a:prstGeom prst="rect">
+            <a:avLst/>
+          </a:prstGeom>
         </p:spPr>
-      </p:pic>
+        <p:txBody>
+          <a:bodyPr vert="horz" lIns="91440" tIns="45720" rIns="91440" bIns="45720" rtlCol="0" anchor="t">
+            <a:normAutofit/>
+          </a:bodyPr>
+          <a:lstStyle>
+            <a:lvl1pPr marL="223838" indent="-223838" algn="l" defTabSz="914400" rtl="0" eaLnBrk="1" latinLnBrk="0" hangingPunct="1">
+              <a:lnSpc>
+                <a:spcPct val="90000"/>
+              </a:lnSpc>
+              <a:spcBef>
+                <a:spcPts val="1800"/>
+              </a:spcBef>
+              <a:buClr>
+                <a:schemeClr val="accent1"/>
+              </a:buClr>
+              <a:buSzPct val="100000"/>
+              <a:buFont typeface="Arial" pitchFamily="34" charset="0"/>
+              <a:buChar char="•"/>
+              <a:defRPr sz="2400" kern="1200">
+                <a:solidFill>
+                  <a:schemeClr val="tx1"/>
+                </a:solidFill>
+                <a:latin typeface="+mn-lt"/>
+                <a:ea typeface="+mn-ea"/>
+                <a:cs typeface="+mn-cs"/>
+              </a:defRPr>
+            </a:lvl1pPr>
+            <a:lvl2pPr marL="463550" indent="-231775" algn="l" defTabSz="914400" rtl="0" eaLnBrk="1" latinLnBrk="0" hangingPunct="1">
+              <a:lnSpc>
+                <a:spcPct val="90000"/>
+              </a:lnSpc>
+              <a:spcBef>
+                <a:spcPts val="1200"/>
+              </a:spcBef>
+              <a:buClr>
+                <a:schemeClr val="accent1"/>
+              </a:buClr>
+              <a:buSzPct val="100000"/>
+              <a:buFont typeface="Arial" pitchFamily="34" charset="0"/>
+              <a:buChar char="•"/>
+              <a:defRPr sz="2000" kern="1200">
+                <a:solidFill>
+                  <a:schemeClr val="tx1"/>
+                </a:solidFill>
+                <a:latin typeface="+mn-lt"/>
+                <a:ea typeface="+mn-ea"/>
+                <a:cs typeface="+mn-cs"/>
+              </a:defRPr>
+            </a:lvl2pPr>
+            <a:lvl3pPr marL="682625" indent="-219075" algn="l" defTabSz="914400" rtl="0" eaLnBrk="1" latinLnBrk="0" hangingPunct="1">
+              <a:lnSpc>
+                <a:spcPct val="90000"/>
+              </a:lnSpc>
+              <a:spcBef>
+                <a:spcPts val="600"/>
+              </a:spcBef>
+              <a:buClr>
+                <a:schemeClr val="accent1"/>
+              </a:buClr>
+              <a:buSzPct val="100000"/>
+              <a:buFont typeface="Arial" pitchFamily="34" charset="0"/>
+              <a:buChar char="•"/>
+              <a:defRPr sz="1800" kern="1200">
+                <a:solidFill>
+                  <a:schemeClr val="tx1"/>
+                </a:solidFill>
+                <a:latin typeface="+mn-lt"/>
+                <a:ea typeface="+mn-ea"/>
+                <a:cs typeface="+mn-cs"/>
+              </a:defRPr>
+            </a:lvl3pPr>
+            <a:lvl4pPr marL="857250" indent="-174625" algn="l" defTabSz="914400" rtl="0" eaLnBrk="1" latinLnBrk="0" hangingPunct="1">
+              <a:lnSpc>
+                <a:spcPct val="90000"/>
+              </a:lnSpc>
+              <a:spcBef>
+                <a:spcPts val="600"/>
+              </a:spcBef>
+              <a:buClr>
+                <a:schemeClr val="accent1"/>
+              </a:buClr>
+              <a:buSzPct val="100000"/>
+              <a:buFont typeface="Arial" pitchFamily="34" charset="0"/>
+              <a:buChar char="•"/>
+              <a:defRPr sz="1600" kern="1200">
+                <a:solidFill>
+                  <a:schemeClr val="tx1"/>
+                </a:solidFill>
+                <a:latin typeface="+mn-lt"/>
+                <a:ea typeface="+mn-ea"/>
+                <a:cs typeface="+mn-cs"/>
+              </a:defRPr>
+            </a:lvl4pPr>
+            <a:lvl5pPr marL="1030288" indent="-173038" algn="l" defTabSz="914400" rtl="0" eaLnBrk="1" latinLnBrk="0" hangingPunct="1">
+              <a:lnSpc>
+                <a:spcPct val="90000"/>
+              </a:lnSpc>
+              <a:spcBef>
+                <a:spcPts val="600"/>
+              </a:spcBef>
+              <a:buClr>
+                <a:schemeClr val="accent1"/>
+              </a:buClr>
+              <a:buSzPct val="100000"/>
+              <a:buFont typeface="Arial" pitchFamily="34" charset="0"/>
+              <a:buChar char="•"/>
+              <a:defRPr sz="1600" kern="1200">
+                <a:solidFill>
+                  <a:schemeClr val="tx1"/>
+                </a:solidFill>
+                <a:latin typeface="+mn-lt"/>
+                <a:ea typeface="+mn-ea"/>
+                <a:cs typeface="+mn-cs"/>
+              </a:defRPr>
+            </a:lvl5pPr>
+            <a:lvl6pPr marL="1207008" indent="-173736" algn="l" defTabSz="914400" rtl="0" eaLnBrk="1" latinLnBrk="0" hangingPunct="1">
+              <a:spcBef>
+                <a:spcPts val="600"/>
+              </a:spcBef>
+              <a:buClr>
+                <a:schemeClr val="accent1"/>
+              </a:buClr>
+              <a:buFont typeface="Arial" pitchFamily="34" charset="0"/>
+              <a:buChar char="•"/>
+              <a:defRPr sz="1600" kern="1200">
+                <a:solidFill>
+                  <a:schemeClr val="tx1"/>
+                </a:solidFill>
+                <a:latin typeface="+mn-lt"/>
+                <a:ea typeface="+mn-ea"/>
+                <a:cs typeface="+mn-cs"/>
+              </a:defRPr>
+            </a:lvl6pPr>
+            <a:lvl7pPr marL="1380744" indent="-173736" algn="l" defTabSz="914400" rtl="0" eaLnBrk="1" latinLnBrk="0" hangingPunct="1">
+              <a:spcBef>
+                <a:spcPts val="600"/>
+              </a:spcBef>
+              <a:buClr>
+                <a:schemeClr val="accent1"/>
+              </a:buClr>
+              <a:buFont typeface="Arial" pitchFamily="34" charset="0"/>
+              <a:buChar char="•"/>
+              <a:defRPr sz="1600" kern="1200">
+                <a:solidFill>
+                  <a:schemeClr val="tx1"/>
+                </a:solidFill>
+                <a:latin typeface="+mn-lt"/>
+                <a:ea typeface="+mn-ea"/>
+                <a:cs typeface="+mn-cs"/>
+              </a:defRPr>
+            </a:lvl7pPr>
+            <a:lvl8pPr marL="1554480" indent="-173736" algn="l" defTabSz="914400" rtl="0" eaLnBrk="1" latinLnBrk="0" hangingPunct="1">
+              <a:spcBef>
+                <a:spcPts val="600"/>
+              </a:spcBef>
+              <a:buClr>
+                <a:schemeClr val="accent1"/>
+              </a:buClr>
+              <a:buFont typeface="Arial" pitchFamily="34" charset="0"/>
+              <a:buChar char="•"/>
+              <a:defRPr sz="1600" kern="1200">
+                <a:solidFill>
+                  <a:schemeClr val="tx1"/>
+                </a:solidFill>
+                <a:latin typeface="+mn-lt"/>
+                <a:ea typeface="+mn-ea"/>
+                <a:cs typeface="+mn-cs"/>
+              </a:defRPr>
+            </a:lvl8pPr>
+            <a:lvl9pPr marL="1728216" indent="-173736" algn="l" defTabSz="914400" rtl="0" eaLnBrk="1" latinLnBrk="0" hangingPunct="1">
+              <a:spcBef>
+                <a:spcPts val="600"/>
+              </a:spcBef>
+              <a:buClr>
+                <a:schemeClr val="accent1"/>
+              </a:buClr>
+              <a:buFont typeface="Arial" pitchFamily="34" charset="0"/>
+              <a:buChar char="•"/>
+              <a:defRPr sz="1600" kern="1200">
+                <a:solidFill>
+                  <a:schemeClr val="tx1"/>
+                </a:solidFill>
+                <a:latin typeface="+mn-lt"/>
+                <a:ea typeface="+mn-ea"/>
+                <a:cs typeface="+mn-cs"/>
+              </a:defRPr>
+            </a:lvl9pPr>
+          </a:lstStyle>
+          <a:p>
+            <a:pPr marL="0" indent="0" algn="ctr">
+              <a:buNone/>
+            </a:pPr>
+            <a:r>
+              <a:rPr lang="en-US" sz="3600" cap="all" dirty="0">
+                <a:solidFill>
+                  <a:schemeClr val="accent4"/>
+                </a:solidFill>
+              </a:rPr>
+              <a:t>Async-Await is…</a:t>
+            </a:r>
+            <a:endParaRPr lang="en-US" dirty="0">
+              <a:solidFill>
+                <a:schemeClr val="tx2"/>
+              </a:solidFill>
+            </a:endParaRPr>
+          </a:p>
+        </p:txBody>
+      </p:sp>
     </p:spTree>
     <p:extLst>
       <p:ext uri="{BB962C8B-B14F-4D97-AF65-F5344CB8AC3E}">
-        <p14:creationId xmlns:p14="http://schemas.microsoft.com/office/powerpoint/2010/main" val="118184237"/>
+        <p14:creationId xmlns:p14="http://schemas.microsoft.com/office/powerpoint/2010/main" val="1756571662"/>
       </p:ext>
     </p:extLst>
   </p:cSld>
   <p:clrMapOvr>
     <a:masterClrMapping/>
   </p:clrMapOvr>
-  <mc:AlternateContent xmlns:mc="http://schemas.openxmlformats.org/markup-compatibility/2006" xmlns:p14="http://schemas.microsoft.com/office/powerpoint/2010/main">
-    <mc:Choice Requires="p14">
-      <p:transition spd="med" p14:dur="700">
+  <mc:AlternateContent xmlns:mc="http://schemas.openxmlformats.org/markup-compatibility/2006">
+    <mc:Choice xmlns:p14="http://schemas.microsoft.com/office/powerpoint/2010/main" Requires="p14">
+      <p:transition spd="med" p14:dur="700" advClick="0" advTm="500">
         <p:fade/>
       </p:transition>
     </mc:Choice>
-    <mc:Fallback xmlns="">
-      <p:transition spd="med">
+    <mc:Fallback>
+      <p:transition spd="med" advClick="0" advTm="500">
         <p:fade/>
       </p:transition>
     </mc:Fallback>
   </mc:AlternateContent>
+  <p:timing>
+    <p:tnLst>
+      <p:par>
+        <p:cTn id="1" dur="indefinite" restart="never" nodeType="tmRoot">
+          <p:childTnLst>
+            <p:seq concurrent="1" nextAc="seek">
+              <p:cTn id="2" dur="indefinite" nodeType="mainSeq">
+                <p:childTnLst>
+                  <p:par>
+                    <p:cTn id="3" fill="hold">
+                      <p:stCondLst>
+                        <p:cond delay="indefinite"/>
+                        <p:cond evt="onBegin" delay="0">
+                          <p:tn val="2"/>
+                        </p:cond>
+                      </p:stCondLst>
+                      <p:childTnLst>
+                        <p:par>
+                          <p:cTn id="4" fill="hold">
+                            <p:stCondLst>
+                              <p:cond delay="0"/>
+                            </p:stCondLst>
+                            <p:childTnLst>
+                              <p:par>
+                                <p:cTn id="5" presetID="10" presetClass="exit" presetSubtype="0" fill="hold" grpId="0" nodeType="afterEffect">
+                                  <p:stCondLst>
+                                    <p:cond delay="500"/>
+                                  </p:stCondLst>
+                                  <p:childTnLst>
+                                    <p:animEffect transition="out" filter="fade">
+                                      <p:cBhvr>
+                                        <p:cTn id="6" dur="500"/>
+                                        <p:tgtEl>
+                                          <p:spTgt spid="5"/>
+                                        </p:tgtEl>
+                                      </p:cBhvr>
+                                    </p:animEffect>
+                                    <p:set>
+                                      <p:cBhvr>
+                                        <p:cTn id="7" dur="1" fill="hold">
+                                          <p:stCondLst>
+                                            <p:cond delay="499"/>
+                                          </p:stCondLst>
+                                        </p:cTn>
+                                        <p:tgtEl>
+                                          <p:spTgt spid="5"/>
+                                        </p:tgtEl>
+                                        <p:attrNameLst>
+                                          <p:attrName>style.visibility</p:attrName>
+                                        </p:attrNameLst>
+                                      </p:cBhvr>
+                                      <p:to>
+                                        <p:strVal val="hidden"/>
+                                      </p:to>
+                                    </p:set>
+                                  </p:childTnLst>
+                                </p:cTn>
+                              </p:par>
+                            </p:childTnLst>
+                          </p:cTn>
+                        </p:par>
+                      </p:childTnLst>
+                    </p:cTn>
+                  </p:par>
+                  <p:par>
+                    <p:cTn id="8" fill="hold">
+                      <p:stCondLst>
+                        <p:cond delay="indefinite"/>
+                      </p:stCondLst>
+                      <p:childTnLst>
+                        <p:par>
+                          <p:cTn id="9" fill="hold">
+                            <p:stCondLst>
+                              <p:cond delay="0"/>
+                            </p:stCondLst>
+                            <p:childTnLst>
+                              <p:par>
+                                <p:cTn id="10" presetID="42" presetClass="path" presetSubtype="0" accel="50000" decel="50000" fill="hold" nodeType="clickEffect">
+                                  <p:stCondLst>
+                                    <p:cond delay="0"/>
+                                  </p:stCondLst>
+                                  <p:childTnLst>
+                                    <p:animMotion origin="layout" path="M 1.04167E-6 4.07407E-6 L -0.4793 0.00277 " pathEditMode="relative" rAng="0" ptsTypes="AA">
+                                      <p:cBhvr>
+                                        <p:cTn id="11" dur="2000" fill="hold"/>
+                                        <p:tgtEl>
+                                          <p:spTgt spid="10"/>
+                                        </p:tgtEl>
+                                        <p:attrNameLst>
+                                          <p:attrName>ppt_x</p:attrName>
+                                          <p:attrName>ppt_y</p:attrName>
+                                        </p:attrNameLst>
+                                      </p:cBhvr>
+                                      <p:rCtr x="-23971" y="139"/>
+                                    </p:animMotion>
+                                  </p:childTnLst>
+                                </p:cTn>
+                              </p:par>
+                            </p:childTnLst>
+                          </p:cTn>
+                        </p:par>
+                      </p:childTnLst>
+                    </p:cTn>
+                  </p:par>
+                </p:childTnLst>
+              </p:cTn>
+              <p:prevCondLst>
+                <p:cond evt="onPrev" delay="0">
+                  <p:tgtEl>
+                    <p:sldTgt/>
+                  </p:tgtEl>
+                </p:cond>
+              </p:prevCondLst>
+              <p:nextCondLst>
+                <p:cond evt="onNext" delay="0">
+                  <p:tgtEl>
+                    <p:sldTgt/>
+                  </p:tgtEl>
+                </p:cond>
+              </p:nextCondLst>
+            </p:seq>
+          </p:childTnLst>
+        </p:cTn>
+      </p:par>
+    </p:tnLst>
+    <p:bldLst>
+      <p:bldP spid="5" grpId="0"/>
+    </p:bldLst>
+  </p:timing>
 </p:sld>
 </file>
 
@@ -21617,98 +22993,719 @@
           <a:chExt cx="0" cy="0"/>
         </a:xfrm>
       </p:grpSpPr>
+      <p:grpSp>
+        <p:nvGrpSpPr>
+          <p:cNvPr id="8" name="Group 7"/>
+          <p:cNvGrpSpPr/>
+          <p:nvPr/>
+        </p:nvGrpSpPr>
+        <p:grpSpPr>
+          <a:xfrm>
+            <a:off x="936525" y="692696"/>
+            <a:ext cx="4871443" cy="1113622"/>
+            <a:chOff x="6625157" y="692696"/>
+            <a:chExt cx="4871443" cy="1113622"/>
+          </a:xfrm>
+        </p:grpSpPr>
+        <p:sp>
+          <p:nvSpPr>
+            <p:cNvPr id="4" name="Title 12"/>
+            <p:cNvSpPr txBox="1">
+              <a:spLocks/>
+            </p:cNvSpPr>
+            <p:nvPr/>
+          </p:nvSpPr>
+          <p:spPr>
+            <a:xfrm>
+              <a:off x="6625157" y="1029072"/>
+              <a:ext cx="4501182" cy="743744"/>
+            </a:xfrm>
+            <a:prstGeom prst="rect">
+              <a:avLst/>
+            </a:prstGeom>
+          </p:spPr>
+          <p:txBody>
+            <a:bodyPr vert="horz" lIns="91440" tIns="45720" rIns="91440" bIns="45720" rtlCol="0" anchor="t">
+              <a:normAutofit/>
+            </a:bodyPr>
+            <a:lstStyle>
+              <a:lvl1pPr algn="l" defTabSz="914400" rtl="0" eaLnBrk="1" latinLnBrk="0" hangingPunct="1">
+                <a:lnSpc>
+                  <a:spcPct val="90000"/>
+                </a:lnSpc>
+                <a:spcBef>
+                  <a:spcPct val="0"/>
+                </a:spcBef>
+                <a:buNone/>
+                <a:defRPr sz="3600" kern="1200" cap="all" spc="100" baseline="0">
+                  <a:solidFill>
+                    <a:schemeClr val="accent1"/>
+                  </a:solidFill>
+                  <a:latin typeface="+mj-lt"/>
+                  <a:ea typeface="+mj-ea"/>
+                  <a:cs typeface="+mj-cs"/>
+                </a:defRPr>
+              </a:lvl1pPr>
+            </a:lstStyle>
+            <a:p>
+              <a:r>
+                <a:rPr lang="en-US" dirty="0"/>
+                <a:t>Asynchronous</a:t>
+              </a:r>
+            </a:p>
+          </p:txBody>
+        </p:sp>
+        <p:pic>
+          <p:nvPicPr>
+            <p:cNvPr id="7" name="Picture 2" descr="Afficher l'image d'origine"/>
+            <p:cNvPicPr>
+              <a:picLocks noChangeAspect="1" noChangeArrowheads="1"/>
+            </p:cNvPicPr>
+            <p:nvPr/>
+          </p:nvPicPr>
+          <p:blipFill>
+            <a:blip r:embed="rId3" cstate="print">
+              <a:duotone>
+                <a:schemeClr val="accent1">
+                  <a:shade val="45000"/>
+                  <a:satMod val="135000"/>
+                </a:schemeClr>
+                <a:prstClr val="white"/>
+              </a:duotone>
+              <a:extLst>
+                <a:ext uri="{28A0092B-C50C-407E-A947-70E740481C1C}">
+                  <a14:useLocalDpi xmlns:a14="http://schemas.microsoft.com/office/drawing/2010/main" val="0"/>
+                </a:ext>
+              </a:extLst>
+            </a:blip>
+            <a:srcRect/>
+            <a:stretch>
+              <a:fillRect/>
+            </a:stretch>
+          </p:blipFill>
+          <p:spPr bwMode="auto">
+            <a:xfrm>
+              <a:off x="10382978" y="692696"/>
+              <a:ext cx="1113622" cy="1113622"/>
+            </a:xfrm>
+            <a:prstGeom prst="rect">
+              <a:avLst/>
+            </a:prstGeom>
+            <a:noFill/>
+            <a:extLst>
+              <a:ext uri="{909E8E84-426E-40DD-AFC4-6F175D3DCCD1}">
+                <a14:hiddenFill xmlns:a14="http://schemas.microsoft.com/office/drawing/2010/main">
+                  <a:solidFill>
+                    <a:srgbClr val="FFFFFF"/>
+                  </a:solidFill>
+                </a14:hiddenFill>
+              </a:ext>
+            </a:extLst>
+          </p:spPr>
+        </p:pic>
+      </p:grpSp>
       <p:sp>
         <p:nvSpPr>
-          <p:cNvPr id="13" name="Title 12"/>
-          <p:cNvSpPr>
-            <a:spLocks noGrp="1"/>
+          <p:cNvPr id="11" name="Title 12"/>
+          <p:cNvSpPr txBox="1">
+            <a:spLocks/>
           </p:cNvSpPr>
-          <p:nvPr>
-            <p:ph type="title"/>
-          </p:nvPr>
+          <p:nvPr/>
         </p:nvSpPr>
-        <p:spPr/>
-        <p:txBody>
-          <a:bodyPr anchor="t">
-            <a:normAutofit/>
-          </a:bodyPr>
-          <a:lstStyle/>
-          <a:p>
-            <a:r>
-              <a:rPr lang="en-US" dirty="0"/>
-              <a:t>Deadlocks</a:t>
-            </a:r>
-          </a:p>
-        </p:txBody>
-      </p:sp>
-      <p:pic>
-        <p:nvPicPr>
-          <p:cNvPr id="7174" name="Picture 6" descr="Afficher l'image d'origine"/>
-          <p:cNvPicPr>
-            <a:picLocks noChangeAspect="1" noChangeArrowheads="1"/>
-          </p:cNvPicPr>
-          <p:nvPr/>
-        </p:nvPicPr>
-        <p:blipFill>
-          <a:blip r:embed="rId3">
-            <a:extLst>
-              <a:ext uri="{28A0092B-C50C-407E-A947-70E740481C1C}">
-                <a14:useLocalDpi xmlns:a14="http://schemas.microsoft.com/office/drawing/2010/main" val="0"/>
-              </a:ext>
-            </a:extLst>
-          </a:blip>
-          <a:srcRect/>
-          <a:stretch>
-            <a:fillRect/>
-          </a:stretch>
-        </p:blipFill>
-        <p:spPr bwMode="auto">
+        <p:spPr>
           <a:xfrm>
-            <a:off x="2319574" y="1262051"/>
-            <a:ext cx="7552853" cy="4333899"/>
+            <a:off x="6195505" y="1029072"/>
+            <a:ext cx="4930834" cy="743744"/>
           </a:xfrm>
           <a:prstGeom prst="rect">
             <a:avLst/>
           </a:prstGeom>
-          <a:noFill/>
-          <a:ln>
-            <a:solidFill>
-              <a:schemeClr val="accent1"/>
-            </a:solidFill>
-          </a:ln>
-          <a:extLst>
-            <a:ext uri="{909E8E84-426E-40DD-AFC4-6F175D3DCCD1}">
-              <a14:hiddenFill xmlns:a14="http://schemas.microsoft.com/office/drawing/2010/main">
+        </p:spPr>
+        <p:txBody>
+          <a:bodyPr vert="horz" lIns="91440" tIns="45720" rIns="91440" bIns="45720" rtlCol="0" anchor="t">
+            <a:normAutofit/>
+          </a:bodyPr>
+          <a:lstStyle>
+            <a:lvl1pPr algn="l" defTabSz="914400" rtl="0" eaLnBrk="1" latinLnBrk="0" hangingPunct="1">
+              <a:lnSpc>
+                <a:spcPct val="90000"/>
+              </a:lnSpc>
+              <a:spcBef>
+                <a:spcPct val="0"/>
+              </a:spcBef>
+              <a:buNone/>
+              <a:defRPr sz="3600" kern="1200" cap="all" spc="100" baseline="0">
                 <a:solidFill>
-                  <a:srgbClr val="FFFFFF"/>
+                  <a:schemeClr val="accent1"/>
                 </a:solidFill>
-              </a14:hiddenFill>
-            </a:ext>
-          </a:extLst>
+                <a:latin typeface="+mj-lt"/>
+                <a:ea typeface="+mj-ea"/>
+                <a:cs typeface="+mj-cs"/>
+              </a:defRPr>
+            </a:lvl1pPr>
+          </a:lstStyle>
+          <a:p>
+            <a:pPr algn="ctr"/>
+            <a:r>
+              <a:rPr lang="en-US" dirty="0"/>
+              <a:t>Parallelism</a:t>
+            </a:r>
+          </a:p>
+        </p:txBody>
+      </p:sp>
+      <p:sp>
+        <p:nvSpPr>
+          <p:cNvPr id="13" name="Content Placeholder 13"/>
+          <p:cNvSpPr txBox="1">
+            <a:spLocks/>
+          </p:cNvSpPr>
+          <p:nvPr/>
+        </p:nvSpPr>
+        <p:spPr>
+          <a:xfrm>
+            <a:off x="6486933" y="1844824"/>
+            <a:ext cx="4361595" cy="792088"/>
+          </a:xfrm>
+          <a:prstGeom prst="rect">
+            <a:avLst/>
+          </a:prstGeom>
         </p:spPr>
-      </p:pic>
+        <p:txBody>
+          <a:bodyPr vert="horz" lIns="91440" tIns="45720" rIns="91440" bIns="45720" rtlCol="0" anchor="t">
+            <a:normAutofit/>
+          </a:bodyPr>
+          <a:lstStyle>
+            <a:lvl1pPr marL="223838" indent="-223838" algn="l" defTabSz="914400" rtl="0" eaLnBrk="1" latinLnBrk="0" hangingPunct="1">
+              <a:lnSpc>
+                <a:spcPct val="90000"/>
+              </a:lnSpc>
+              <a:spcBef>
+                <a:spcPts val="1800"/>
+              </a:spcBef>
+              <a:buClr>
+                <a:schemeClr val="accent1"/>
+              </a:buClr>
+              <a:buSzPct val="100000"/>
+              <a:buFont typeface="Arial" pitchFamily="34" charset="0"/>
+              <a:buChar char="•"/>
+              <a:defRPr sz="2400" kern="1200">
+                <a:solidFill>
+                  <a:schemeClr val="tx1"/>
+                </a:solidFill>
+                <a:latin typeface="+mn-lt"/>
+                <a:ea typeface="+mn-ea"/>
+                <a:cs typeface="+mn-cs"/>
+              </a:defRPr>
+            </a:lvl1pPr>
+            <a:lvl2pPr marL="463550" indent="-231775" algn="l" defTabSz="914400" rtl="0" eaLnBrk="1" latinLnBrk="0" hangingPunct="1">
+              <a:lnSpc>
+                <a:spcPct val="90000"/>
+              </a:lnSpc>
+              <a:spcBef>
+                <a:spcPts val="1200"/>
+              </a:spcBef>
+              <a:buClr>
+                <a:schemeClr val="accent1"/>
+              </a:buClr>
+              <a:buSzPct val="100000"/>
+              <a:buFont typeface="Arial" pitchFamily="34" charset="0"/>
+              <a:buChar char="•"/>
+              <a:defRPr sz="2000" kern="1200">
+                <a:solidFill>
+                  <a:schemeClr val="tx1"/>
+                </a:solidFill>
+                <a:latin typeface="+mn-lt"/>
+                <a:ea typeface="+mn-ea"/>
+                <a:cs typeface="+mn-cs"/>
+              </a:defRPr>
+            </a:lvl2pPr>
+            <a:lvl3pPr marL="682625" indent="-219075" algn="l" defTabSz="914400" rtl="0" eaLnBrk="1" latinLnBrk="0" hangingPunct="1">
+              <a:lnSpc>
+                <a:spcPct val="90000"/>
+              </a:lnSpc>
+              <a:spcBef>
+                <a:spcPts val="600"/>
+              </a:spcBef>
+              <a:buClr>
+                <a:schemeClr val="accent1"/>
+              </a:buClr>
+              <a:buSzPct val="100000"/>
+              <a:buFont typeface="Arial" pitchFamily="34" charset="0"/>
+              <a:buChar char="•"/>
+              <a:defRPr sz="1800" kern="1200">
+                <a:solidFill>
+                  <a:schemeClr val="tx1"/>
+                </a:solidFill>
+                <a:latin typeface="+mn-lt"/>
+                <a:ea typeface="+mn-ea"/>
+                <a:cs typeface="+mn-cs"/>
+              </a:defRPr>
+            </a:lvl3pPr>
+            <a:lvl4pPr marL="857250" indent="-174625" algn="l" defTabSz="914400" rtl="0" eaLnBrk="1" latinLnBrk="0" hangingPunct="1">
+              <a:lnSpc>
+                <a:spcPct val="90000"/>
+              </a:lnSpc>
+              <a:spcBef>
+                <a:spcPts val="600"/>
+              </a:spcBef>
+              <a:buClr>
+                <a:schemeClr val="accent1"/>
+              </a:buClr>
+              <a:buSzPct val="100000"/>
+              <a:buFont typeface="Arial" pitchFamily="34" charset="0"/>
+              <a:buChar char="•"/>
+              <a:defRPr sz="1600" kern="1200">
+                <a:solidFill>
+                  <a:schemeClr val="tx1"/>
+                </a:solidFill>
+                <a:latin typeface="+mn-lt"/>
+                <a:ea typeface="+mn-ea"/>
+                <a:cs typeface="+mn-cs"/>
+              </a:defRPr>
+            </a:lvl4pPr>
+            <a:lvl5pPr marL="1030288" indent="-173038" algn="l" defTabSz="914400" rtl="0" eaLnBrk="1" latinLnBrk="0" hangingPunct="1">
+              <a:lnSpc>
+                <a:spcPct val="90000"/>
+              </a:lnSpc>
+              <a:spcBef>
+                <a:spcPts val="600"/>
+              </a:spcBef>
+              <a:buClr>
+                <a:schemeClr val="accent1"/>
+              </a:buClr>
+              <a:buSzPct val="100000"/>
+              <a:buFont typeface="Arial" pitchFamily="34" charset="0"/>
+              <a:buChar char="•"/>
+              <a:defRPr sz="1600" kern="1200">
+                <a:solidFill>
+                  <a:schemeClr val="tx1"/>
+                </a:solidFill>
+                <a:latin typeface="+mn-lt"/>
+                <a:ea typeface="+mn-ea"/>
+                <a:cs typeface="+mn-cs"/>
+              </a:defRPr>
+            </a:lvl5pPr>
+            <a:lvl6pPr marL="1207008" indent="-173736" algn="l" defTabSz="914400" rtl="0" eaLnBrk="1" latinLnBrk="0" hangingPunct="1">
+              <a:spcBef>
+                <a:spcPts val="600"/>
+              </a:spcBef>
+              <a:buClr>
+                <a:schemeClr val="accent1"/>
+              </a:buClr>
+              <a:buFont typeface="Arial" pitchFamily="34" charset="0"/>
+              <a:buChar char="•"/>
+              <a:defRPr sz="1600" kern="1200">
+                <a:solidFill>
+                  <a:schemeClr val="tx1"/>
+                </a:solidFill>
+                <a:latin typeface="+mn-lt"/>
+                <a:ea typeface="+mn-ea"/>
+                <a:cs typeface="+mn-cs"/>
+              </a:defRPr>
+            </a:lvl6pPr>
+            <a:lvl7pPr marL="1380744" indent="-173736" algn="l" defTabSz="914400" rtl="0" eaLnBrk="1" latinLnBrk="0" hangingPunct="1">
+              <a:spcBef>
+                <a:spcPts val="600"/>
+              </a:spcBef>
+              <a:buClr>
+                <a:schemeClr val="accent1"/>
+              </a:buClr>
+              <a:buFont typeface="Arial" pitchFamily="34" charset="0"/>
+              <a:buChar char="•"/>
+              <a:defRPr sz="1600" kern="1200">
+                <a:solidFill>
+                  <a:schemeClr val="tx1"/>
+                </a:solidFill>
+                <a:latin typeface="+mn-lt"/>
+                <a:ea typeface="+mn-ea"/>
+                <a:cs typeface="+mn-cs"/>
+              </a:defRPr>
+            </a:lvl7pPr>
+            <a:lvl8pPr marL="1554480" indent="-173736" algn="l" defTabSz="914400" rtl="0" eaLnBrk="1" latinLnBrk="0" hangingPunct="1">
+              <a:spcBef>
+                <a:spcPts val="600"/>
+              </a:spcBef>
+              <a:buClr>
+                <a:schemeClr val="accent1"/>
+              </a:buClr>
+              <a:buFont typeface="Arial" pitchFamily="34" charset="0"/>
+              <a:buChar char="•"/>
+              <a:defRPr sz="1600" kern="1200">
+                <a:solidFill>
+                  <a:schemeClr val="tx1"/>
+                </a:solidFill>
+                <a:latin typeface="+mn-lt"/>
+                <a:ea typeface="+mn-ea"/>
+                <a:cs typeface="+mn-cs"/>
+              </a:defRPr>
+            </a:lvl8pPr>
+            <a:lvl9pPr marL="1728216" indent="-173736" algn="l" defTabSz="914400" rtl="0" eaLnBrk="1" latinLnBrk="0" hangingPunct="1">
+              <a:spcBef>
+                <a:spcPts val="600"/>
+              </a:spcBef>
+              <a:buClr>
+                <a:schemeClr val="accent1"/>
+              </a:buClr>
+              <a:buFont typeface="Arial" pitchFamily="34" charset="0"/>
+              <a:buChar char="•"/>
+              <a:defRPr sz="1600" kern="1200">
+                <a:solidFill>
+                  <a:schemeClr val="tx1"/>
+                </a:solidFill>
+                <a:latin typeface="+mn-lt"/>
+                <a:ea typeface="+mn-ea"/>
+                <a:cs typeface="+mn-cs"/>
+              </a:defRPr>
+            </a:lvl9pPr>
+          </a:lstStyle>
+          <a:p>
+            <a:pPr marL="231775" lvl="1" indent="0" algn="ctr">
+              <a:buFont typeface="Arial" pitchFamily="34" charset="0"/>
+              <a:buNone/>
+            </a:pPr>
+            <a:r>
+              <a:rPr lang="en-US" dirty="0">
+                <a:solidFill>
+                  <a:schemeClr val="accent4"/>
+                </a:solidFill>
+              </a:rPr>
+              <a:t>Powered by Task Parallel Library</a:t>
+            </a:r>
+          </a:p>
+        </p:txBody>
+      </p:sp>
+      <p:sp>
+        <p:nvSpPr>
+          <p:cNvPr id="15" name="Content Placeholder 13"/>
+          <p:cNvSpPr txBox="1">
+            <a:spLocks/>
+          </p:cNvSpPr>
+          <p:nvPr/>
+        </p:nvSpPr>
+        <p:spPr>
+          <a:xfrm>
+            <a:off x="2055190" y="5157192"/>
+            <a:ext cx="8081620" cy="1486966"/>
+          </a:xfrm>
+          <a:prstGeom prst="rect">
+            <a:avLst/>
+          </a:prstGeom>
+        </p:spPr>
+        <p:txBody>
+          <a:bodyPr vert="horz" lIns="91440" tIns="45720" rIns="91440" bIns="45720" rtlCol="0" anchor="t">
+            <a:normAutofit/>
+          </a:bodyPr>
+          <a:lstStyle>
+            <a:lvl1pPr marL="223838" indent="-223838" algn="l" defTabSz="914400" rtl="0" eaLnBrk="1" latinLnBrk="0" hangingPunct="1">
+              <a:lnSpc>
+                <a:spcPct val="90000"/>
+              </a:lnSpc>
+              <a:spcBef>
+                <a:spcPts val="1800"/>
+              </a:spcBef>
+              <a:buClr>
+                <a:schemeClr val="accent1"/>
+              </a:buClr>
+              <a:buSzPct val="100000"/>
+              <a:buFont typeface="Arial" pitchFamily="34" charset="0"/>
+              <a:buChar char="•"/>
+              <a:defRPr sz="2400" kern="1200">
+                <a:solidFill>
+                  <a:schemeClr val="tx1"/>
+                </a:solidFill>
+                <a:latin typeface="+mn-lt"/>
+                <a:ea typeface="+mn-ea"/>
+                <a:cs typeface="+mn-cs"/>
+              </a:defRPr>
+            </a:lvl1pPr>
+            <a:lvl2pPr marL="463550" indent="-231775" algn="l" defTabSz="914400" rtl="0" eaLnBrk="1" latinLnBrk="0" hangingPunct="1">
+              <a:lnSpc>
+                <a:spcPct val="90000"/>
+              </a:lnSpc>
+              <a:spcBef>
+                <a:spcPts val="1200"/>
+              </a:spcBef>
+              <a:buClr>
+                <a:schemeClr val="accent1"/>
+              </a:buClr>
+              <a:buSzPct val="100000"/>
+              <a:buFont typeface="Arial" pitchFamily="34" charset="0"/>
+              <a:buChar char="•"/>
+              <a:defRPr sz="2000" kern="1200">
+                <a:solidFill>
+                  <a:schemeClr val="tx1"/>
+                </a:solidFill>
+                <a:latin typeface="+mn-lt"/>
+                <a:ea typeface="+mn-ea"/>
+                <a:cs typeface="+mn-cs"/>
+              </a:defRPr>
+            </a:lvl2pPr>
+            <a:lvl3pPr marL="682625" indent="-219075" algn="l" defTabSz="914400" rtl="0" eaLnBrk="1" latinLnBrk="0" hangingPunct="1">
+              <a:lnSpc>
+                <a:spcPct val="90000"/>
+              </a:lnSpc>
+              <a:spcBef>
+                <a:spcPts val="600"/>
+              </a:spcBef>
+              <a:buClr>
+                <a:schemeClr val="accent1"/>
+              </a:buClr>
+              <a:buSzPct val="100000"/>
+              <a:buFont typeface="Arial" pitchFamily="34" charset="0"/>
+              <a:buChar char="•"/>
+              <a:defRPr sz="1800" kern="1200">
+                <a:solidFill>
+                  <a:schemeClr val="tx1"/>
+                </a:solidFill>
+                <a:latin typeface="+mn-lt"/>
+                <a:ea typeface="+mn-ea"/>
+                <a:cs typeface="+mn-cs"/>
+              </a:defRPr>
+            </a:lvl3pPr>
+            <a:lvl4pPr marL="857250" indent="-174625" algn="l" defTabSz="914400" rtl="0" eaLnBrk="1" latinLnBrk="0" hangingPunct="1">
+              <a:lnSpc>
+                <a:spcPct val="90000"/>
+              </a:lnSpc>
+              <a:spcBef>
+                <a:spcPts val="600"/>
+              </a:spcBef>
+              <a:buClr>
+                <a:schemeClr val="accent1"/>
+              </a:buClr>
+              <a:buSzPct val="100000"/>
+              <a:buFont typeface="Arial" pitchFamily="34" charset="0"/>
+              <a:buChar char="•"/>
+              <a:defRPr sz="1600" kern="1200">
+                <a:solidFill>
+                  <a:schemeClr val="tx1"/>
+                </a:solidFill>
+                <a:latin typeface="+mn-lt"/>
+                <a:ea typeface="+mn-ea"/>
+                <a:cs typeface="+mn-cs"/>
+              </a:defRPr>
+            </a:lvl4pPr>
+            <a:lvl5pPr marL="1030288" indent="-173038" algn="l" defTabSz="914400" rtl="0" eaLnBrk="1" latinLnBrk="0" hangingPunct="1">
+              <a:lnSpc>
+                <a:spcPct val="90000"/>
+              </a:lnSpc>
+              <a:spcBef>
+                <a:spcPts val="600"/>
+              </a:spcBef>
+              <a:buClr>
+                <a:schemeClr val="accent1"/>
+              </a:buClr>
+              <a:buSzPct val="100000"/>
+              <a:buFont typeface="Arial" pitchFamily="34" charset="0"/>
+              <a:buChar char="•"/>
+              <a:defRPr sz="1600" kern="1200">
+                <a:solidFill>
+                  <a:schemeClr val="tx1"/>
+                </a:solidFill>
+                <a:latin typeface="+mn-lt"/>
+                <a:ea typeface="+mn-ea"/>
+                <a:cs typeface="+mn-cs"/>
+              </a:defRPr>
+            </a:lvl5pPr>
+            <a:lvl6pPr marL="1207008" indent="-173736" algn="l" defTabSz="914400" rtl="0" eaLnBrk="1" latinLnBrk="0" hangingPunct="1">
+              <a:spcBef>
+                <a:spcPts val="600"/>
+              </a:spcBef>
+              <a:buClr>
+                <a:schemeClr val="accent1"/>
+              </a:buClr>
+              <a:buFont typeface="Arial" pitchFamily="34" charset="0"/>
+              <a:buChar char="•"/>
+              <a:defRPr sz="1600" kern="1200">
+                <a:solidFill>
+                  <a:schemeClr val="tx1"/>
+                </a:solidFill>
+                <a:latin typeface="+mn-lt"/>
+                <a:ea typeface="+mn-ea"/>
+                <a:cs typeface="+mn-cs"/>
+              </a:defRPr>
+            </a:lvl6pPr>
+            <a:lvl7pPr marL="1380744" indent="-173736" algn="l" defTabSz="914400" rtl="0" eaLnBrk="1" latinLnBrk="0" hangingPunct="1">
+              <a:spcBef>
+                <a:spcPts val="600"/>
+              </a:spcBef>
+              <a:buClr>
+                <a:schemeClr val="accent1"/>
+              </a:buClr>
+              <a:buFont typeface="Arial" pitchFamily="34" charset="0"/>
+              <a:buChar char="•"/>
+              <a:defRPr sz="1600" kern="1200">
+                <a:solidFill>
+                  <a:schemeClr val="tx1"/>
+                </a:solidFill>
+                <a:latin typeface="+mn-lt"/>
+                <a:ea typeface="+mn-ea"/>
+                <a:cs typeface="+mn-cs"/>
+              </a:defRPr>
+            </a:lvl7pPr>
+            <a:lvl8pPr marL="1554480" indent="-173736" algn="l" defTabSz="914400" rtl="0" eaLnBrk="1" latinLnBrk="0" hangingPunct="1">
+              <a:spcBef>
+                <a:spcPts val="600"/>
+              </a:spcBef>
+              <a:buClr>
+                <a:schemeClr val="accent1"/>
+              </a:buClr>
+              <a:buFont typeface="Arial" pitchFamily="34" charset="0"/>
+              <a:buChar char="•"/>
+              <a:defRPr sz="1600" kern="1200">
+                <a:solidFill>
+                  <a:schemeClr val="tx1"/>
+                </a:solidFill>
+                <a:latin typeface="+mn-lt"/>
+                <a:ea typeface="+mn-ea"/>
+                <a:cs typeface="+mn-cs"/>
+              </a:defRPr>
+            </a:lvl8pPr>
+            <a:lvl9pPr marL="1728216" indent="-173736" algn="l" defTabSz="914400" rtl="0" eaLnBrk="1" latinLnBrk="0" hangingPunct="1">
+              <a:spcBef>
+                <a:spcPts val="600"/>
+              </a:spcBef>
+              <a:buClr>
+                <a:schemeClr val="accent1"/>
+              </a:buClr>
+              <a:buFont typeface="Arial" pitchFamily="34" charset="0"/>
+              <a:buChar char="•"/>
+              <a:defRPr sz="1600" kern="1200">
+                <a:solidFill>
+                  <a:schemeClr val="tx1"/>
+                </a:solidFill>
+                <a:latin typeface="+mn-lt"/>
+                <a:ea typeface="+mn-ea"/>
+                <a:cs typeface="+mn-cs"/>
+              </a:defRPr>
+            </a:lvl9pPr>
+          </a:lstStyle>
+          <a:p>
+            <a:pPr marL="0" indent="0" algn="ctr">
+              <a:buNone/>
+            </a:pPr>
+            <a:r>
+              <a:rPr lang="en-US" sz="3600" cap="all" dirty="0">
+                <a:solidFill>
+                  <a:schemeClr val="accent4"/>
+                </a:solidFill>
+              </a:rPr>
+              <a:t>Async-Await is…</a:t>
+            </a:r>
+            <a:endParaRPr lang="en-US" dirty="0">
+              <a:solidFill>
+                <a:schemeClr val="tx2"/>
+              </a:solidFill>
+            </a:endParaRPr>
+          </a:p>
+        </p:txBody>
+      </p:sp>
     </p:spTree>
     <p:extLst>
       <p:ext uri="{BB962C8B-B14F-4D97-AF65-F5344CB8AC3E}">
-        <p14:creationId xmlns:p14="http://schemas.microsoft.com/office/powerpoint/2010/main" val="1057268340"/>
+        <p14:creationId xmlns:p14="http://schemas.microsoft.com/office/powerpoint/2010/main" val="1971652409"/>
       </p:ext>
     </p:extLst>
   </p:cSld>
   <p:clrMapOvr>
     <a:masterClrMapping/>
   </p:clrMapOvr>
-  <mc:AlternateContent xmlns:mc="http://schemas.openxmlformats.org/markup-compatibility/2006" xmlns:p14="http://schemas.microsoft.com/office/powerpoint/2010/main">
-    <mc:Choice Requires="p14">
-      <p:transition spd="med" p14:dur="700">
-        <p:fade/>
-      </p:transition>
+  <mc:AlternateContent xmlns:mc="http://schemas.openxmlformats.org/markup-compatibility/2006">
+    <mc:Choice xmlns:p14="http://schemas.microsoft.com/office/powerpoint/2010/main" Requires="p14">
+      <p:transition p14:dur="0"/>
     </mc:Choice>
-    <mc:Fallback xmlns="">
-      <p:transition spd="med">
-        <p:fade/>
-      </p:transition>
+    <mc:Fallback>
+      <p:transition/>
     </mc:Fallback>
   </mc:AlternateContent>
+  <p:timing>
+    <p:tnLst>
+      <p:par>
+        <p:cTn id="1" dur="indefinite" restart="never" nodeType="tmRoot">
+          <p:childTnLst>
+            <p:seq concurrent="1" nextAc="seek">
+              <p:cTn id="2" dur="indefinite" nodeType="mainSeq">
+                <p:childTnLst>
+                  <p:par>
+                    <p:cTn id="3" fill="hold">
+                      <p:stCondLst>
+                        <p:cond delay="indefinite"/>
+                        <p:cond evt="onBegin" delay="0">
+                          <p:tn val="2"/>
+                        </p:cond>
+                      </p:stCondLst>
+                      <p:childTnLst>
+                        <p:par>
+                          <p:cTn id="4" fill="hold">
+                            <p:stCondLst>
+                              <p:cond delay="0"/>
+                            </p:stCondLst>
+                            <p:childTnLst>
+                              <p:par>
+                                <p:cTn id="5" presetID="10" presetClass="entr" presetSubtype="0" fill="hold" grpId="0" nodeType="afterEffect">
+                                  <p:stCondLst>
+                                    <p:cond delay="0"/>
+                                  </p:stCondLst>
+                                  <p:childTnLst>
+                                    <p:set>
+                                      <p:cBhvr>
+                                        <p:cTn id="6" dur="1" fill="hold">
+                                          <p:stCondLst>
+                                            <p:cond delay="0"/>
+                                          </p:stCondLst>
+                                        </p:cTn>
+                                        <p:tgtEl>
+                                          <p:spTgt spid="13"/>
+                                        </p:tgtEl>
+                                        <p:attrNameLst>
+                                          <p:attrName>style.visibility</p:attrName>
+                                        </p:attrNameLst>
+                                      </p:cBhvr>
+                                      <p:to>
+                                        <p:strVal val="visible"/>
+                                      </p:to>
+                                    </p:set>
+                                    <p:animEffect transition="in" filter="fade">
+                                      <p:cBhvr>
+                                        <p:cTn id="7" dur="500"/>
+                                        <p:tgtEl>
+                                          <p:spTgt spid="13"/>
+                                        </p:tgtEl>
+                                      </p:cBhvr>
+                                    </p:animEffect>
+                                  </p:childTnLst>
+                                </p:cTn>
+                              </p:par>
+                            </p:childTnLst>
+                          </p:cTn>
+                        </p:par>
+                      </p:childTnLst>
+                    </p:cTn>
+                  </p:par>
+                </p:childTnLst>
+              </p:cTn>
+              <p:prevCondLst>
+                <p:cond evt="onPrev" delay="0">
+                  <p:tgtEl>
+                    <p:sldTgt/>
+                  </p:tgtEl>
+                </p:cond>
+              </p:prevCondLst>
+              <p:nextCondLst>
+                <p:cond evt="onNext" delay="0">
+                  <p:tgtEl>
+                    <p:sldTgt/>
+                  </p:tgtEl>
+                </p:cond>
+              </p:nextCondLst>
+            </p:seq>
+          </p:childTnLst>
+        </p:cTn>
+      </p:par>
+    </p:tnLst>
+    <p:bldLst>
+      <p:bldP spid="13" grpId="0"/>
+    </p:bldLst>
+  </p:timing>
 </p:sld>
 </file>
 
@@ -21921,6 +23918,1371 @@
           <a:chExt cx="0" cy="0"/>
         </a:xfrm>
       </p:grpSpPr>
+      <p:grpSp>
+        <p:nvGrpSpPr>
+          <p:cNvPr id="8" name="Group 7"/>
+          <p:cNvGrpSpPr/>
+          <p:nvPr/>
+        </p:nvGrpSpPr>
+        <p:grpSpPr>
+          <a:xfrm>
+            <a:off x="936525" y="692696"/>
+            <a:ext cx="4871443" cy="1113622"/>
+            <a:chOff x="6625157" y="692696"/>
+            <a:chExt cx="4871443" cy="1113622"/>
+          </a:xfrm>
+        </p:grpSpPr>
+        <p:sp>
+          <p:nvSpPr>
+            <p:cNvPr id="4" name="Title 12"/>
+            <p:cNvSpPr txBox="1">
+              <a:spLocks/>
+            </p:cNvSpPr>
+            <p:nvPr/>
+          </p:nvSpPr>
+          <p:spPr>
+            <a:xfrm>
+              <a:off x="6625157" y="1029072"/>
+              <a:ext cx="4501182" cy="743744"/>
+            </a:xfrm>
+            <a:prstGeom prst="rect">
+              <a:avLst/>
+            </a:prstGeom>
+          </p:spPr>
+          <p:txBody>
+            <a:bodyPr vert="horz" lIns="91440" tIns="45720" rIns="91440" bIns="45720" rtlCol="0" anchor="t">
+              <a:normAutofit/>
+            </a:bodyPr>
+            <a:lstStyle>
+              <a:lvl1pPr algn="l" defTabSz="914400" rtl="0" eaLnBrk="1" latinLnBrk="0" hangingPunct="1">
+                <a:lnSpc>
+                  <a:spcPct val="90000"/>
+                </a:lnSpc>
+                <a:spcBef>
+                  <a:spcPct val="0"/>
+                </a:spcBef>
+                <a:buNone/>
+                <a:defRPr sz="3600" kern="1200" cap="all" spc="100" baseline="0">
+                  <a:solidFill>
+                    <a:schemeClr val="accent1"/>
+                  </a:solidFill>
+                  <a:latin typeface="+mj-lt"/>
+                  <a:ea typeface="+mj-ea"/>
+                  <a:cs typeface="+mj-cs"/>
+                </a:defRPr>
+              </a:lvl1pPr>
+            </a:lstStyle>
+            <a:p>
+              <a:r>
+                <a:rPr lang="en-US" dirty="0"/>
+                <a:t>Asynchronous</a:t>
+              </a:r>
+            </a:p>
+          </p:txBody>
+        </p:sp>
+        <p:pic>
+          <p:nvPicPr>
+            <p:cNvPr id="7" name="Picture 2" descr="Afficher l'image d'origine"/>
+            <p:cNvPicPr>
+              <a:picLocks noChangeAspect="1" noChangeArrowheads="1"/>
+            </p:cNvPicPr>
+            <p:nvPr/>
+          </p:nvPicPr>
+          <p:blipFill>
+            <a:blip r:embed="rId3" cstate="print">
+              <a:duotone>
+                <a:schemeClr val="accent1">
+                  <a:shade val="45000"/>
+                  <a:satMod val="135000"/>
+                </a:schemeClr>
+                <a:prstClr val="white"/>
+              </a:duotone>
+              <a:extLst>
+                <a:ext uri="{28A0092B-C50C-407E-A947-70E740481C1C}">
+                  <a14:useLocalDpi xmlns:a14="http://schemas.microsoft.com/office/drawing/2010/main" val="0"/>
+                </a:ext>
+              </a:extLst>
+            </a:blip>
+            <a:srcRect/>
+            <a:stretch>
+              <a:fillRect/>
+            </a:stretch>
+          </p:blipFill>
+          <p:spPr bwMode="auto">
+            <a:xfrm>
+              <a:off x="10382978" y="692696"/>
+              <a:ext cx="1113622" cy="1113622"/>
+            </a:xfrm>
+            <a:prstGeom prst="rect">
+              <a:avLst/>
+            </a:prstGeom>
+            <a:noFill/>
+            <a:extLst>
+              <a:ext uri="{909E8E84-426E-40DD-AFC4-6F175D3DCCD1}">
+                <a14:hiddenFill xmlns:a14="http://schemas.microsoft.com/office/drawing/2010/main">
+                  <a:solidFill>
+                    <a:srgbClr val="FFFFFF"/>
+                  </a:solidFill>
+                </a14:hiddenFill>
+              </a:ext>
+            </a:extLst>
+          </p:spPr>
+        </p:pic>
+      </p:grpSp>
+      <p:sp>
+        <p:nvSpPr>
+          <p:cNvPr id="11" name="Title 12"/>
+          <p:cNvSpPr txBox="1">
+            <a:spLocks/>
+          </p:cNvSpPr>
+          <p:nvPr/>
+        </p:nvSpPr>
+        <p:spPr>
+          <a:xfrm>
+            <a:off x="6195505" y="1029072"/>
+            <a:ext cx="4930834" cy="743744"/>
+          </a:xfrm>
+          <a:prstGeom prst="rect">
+            <a:avLst/>
+          </a:prstGeom>
+        </p:spPr>
+        <p:txBody>
+          <a:bodyPr vert="horz" lIns="91440" tIns="45720" rIns="91440" bIns="45720" rtlCol="0" anchor="t">
+            <a:normAutofit/>
+          </a:bodyPr>
+          <a:lstStyle>
+            <a:lvl1pPr algn="l" defTabSz="914400" rtl="0" eaLnBrk="1" latinLnBrk="0" hangingPunct="1">
+              <a:lnSpc>
+                <a:spcPct val="90000"/>
+              </a:lnSpc>
+              <a:spcBef>
+                <a:spcPct val="0"/>
+              </a:spcBef>
+              <a:buNone/>
+              <a:defRPr sz="3600" kern="1200" cap="all" spc="100" baseline="0">
+                <a:solidFill>
+                  <a:schemeClr val="accent1"/>
+                </a:solidFill>
+                <a:latin typeface="+mj-lt"/>
+                <a:ea typeface="+mj-ea"/>
+                <a:cs typeface="+mj-cs"/>
+              </a:defRPr>
+            </a:lvl1pPr>
+          </a:lstStyle>
+          <a:p>
+            <a:pPr algn="ctr"/>
+            <a:r>
+              <a:rPr lang="en-US" dirty="0"/>
+              <a:t>Parallelism</a:t>
+            </a:r>
+          </a:p>
+        </p:txBody>
+      </p:sp>
+      <p:sp>
+        <p:nvSpPr>
+          <p:cNvPr id="13" name="Content Placeholder 13"/>
+          <p:cNvSpPr txBox="1">
+            <a:spLocks/>
+          </p:cNvSpPr>
+          <p:nvPr/>
+        </p:nvSpPr>
+        <p:spPr>
+          <a:xfrm>
+            <a:off x="6486933" y="1844824"/>
+            <a:ext cx="4361595" cy="792088"/>
+          </a:xfrm>
+          <a:prstGeom prst="rect">
+            <a:avLst/>
+          </a:prstGeom>
+        </p:spPr>
+        <p:txBody>
+          <a:bodyPr vert="horz" lIns="91440" tIns="45720" rIns="91440" bIns="45720" rtlCol="0" anchor="t">
+            <a:normAutofit/>
+          </a:bodyPr>
+          <a:lstStyle>
+            <a:lvl1pPr marL="223838" indent="-223838" algn="l" defTabSz="914400" rtl="0" eaLnBrk="1" latinLnBrk="0" hangingPunct="1">
+              <a:lnSpc>
+                <a:spcPct val="90000"/>
+              </a:lnSpc>
+              <a:spcBef>
+                <a:spcPts val="1800"/>
+              </a:spcBef>
+              <a:buClr>
+                <a:schemeClr val="accent1"/>
+              </a:buClr>
+              <a:buSzPct val="100000"/>
+              <a:buFont typeface="Arial" pitchFamily="34" charset="0"/>
+              <a:buChar char="•"/>
+              <a:defRPr sz="2400" kern="1200">
+                <a:solidFill>
+                  <a:schemeClr val="tx1"/>
+                </a:solidFill>
+                <a:latin typeface="+mn-lt"/>
+                <a:ea typeface="+mn-ea"/>
+                <a:cs typeface="+mn-cs"/>
+              </a:defRPr>
+            </a:lvl1pPr>
+            <a:lvl2pPr marL="463550" indent="-231775" algn="l" defTabSz="914400" rtl="0" eaLnBrk="1" latinLnBrk="0" hangingPunct="1">
+              <a:lnSpc>
+                <a:spcPct val="90000"/>
+              </a:lnSpc>
+              <a:spcBef>
+                <a:spcPts val="1200"/>
+              </a:spcBef>
+              <a:buClr>
+                <a:schemeClr val="accent1"/>
+              </a:buClr>
+              <a:buSzPct val="100000"/>
+              <a:buFont typeface="Arial" pitchFamily="34" charset="0"/>
+              <a:buChar char="•"/>
+              <a:defRPr sz="2000" kern="1200">
+                <a:solidFill>
+                  <a:schemeClr val="tx1"/>
+                </a:solidFill>
+                <a:latin typeface="+mn-lt"/>
+                <a:ea typeface="+mn-ea"/>
+                <a:cs typeface="+mn-cs"/>
+              </a:defRPr>
+            </a:lvl2pPr>
+            <a:lvl3pPr marL="682625" indent="-219075" algn="l" defTabSz="914400" rtl="0" eaLnBrk="1" latinLnBrk="0" hangingPunct="1">
+              <a:lnSpc>
+                <a:spcPct val="90000"/>
+              </a:lnSpc>
+              <a:spcBef>
+                <a:spcPts val="600"/>
+              </a:spcBef>
+              <a:buClr>
+                <a:schemeClr val="accent1"/>
+              </a:buClr>
+              <a:buSzPct val="100000"/>
+              <a:buFont typeface="Arial" pitchFamily="34" charset="0"/>
+              <a:buChar char="•"/>
+              <a:defRPr sz="1800" kern="1200">
+                <a:solidFill>
+                  <a:schemeClr val="tx1"/>
+                </a:solidFill>
+                <a:latin typeface="+mn-lt"/>
+                <a:ea typeface="+mn-ea"/>
+                <a:cs typeface="+mn-cs"/>
+              </a:defRPr>
+            </a:lvl3pPr>
+            <a:lvl4pPr marL="857250" indent="-174625" algn="l" defTabSz="914400" rtl="0" eaLnBrk="1" latinLnBrk="0" hangingPunct="1">
+              <a:lnSpc>
+                <a:spcPct val="90000"/>
+              </a:lnSpc>
+              <a:spcBef>
+                <a:spcPts val="600"/>
+              </a:spcBef>
+              <a:buClr>
+                <a:schemeClr val="accent1"/>
+              </a:buClr>
+              <a:buSzPct val="100000"/>
+              <a:buFont typeface="Arial" pitchFamily="34" charset="0"/>
+              <a:buChar char="•"/>
+              <a:defRPr sz="1600" kern="1200">
+                <a:solidFill>
+                  <a:schemeClr val="tx1"/>
+                </a:solidFill>
+                <a:latin typeface="+mn-lt"/>
+                <a:ea typeface="+mn-ea"/>
+                <a:cs typeface="+mn-cs"/>
+              </a:defRPr>
+            </a:lvl4pPr>
+            <a:lvl5pPr marL="1030288" indent="-173038" algn="l" defTabSz="914400" rtl="0" eaLnBrk="1" latinLnBrk="0" hangingPunct="1">
+              <a:lnSpc>
+                <a:spcPct val="90000"/>
+              </a:lnSpc>
+              <a:spcBef>
+                <a:spcPts val="600"/>
+              </a:spcBef>
+              <a:buClr>
+                <a:schemeClr val="accent1"/>
+              </a:buClr>
+              <a:buSzPct val="100000"/>
+              <a:buFont typeface="Arial" pitchFamily="34" charset="0"/>
+              <a:buChar char="•"/>
+              <a:defRPr sz="1600" kern="1200">
+                <a:solidFill>
+                  <a:schemeClr val="tx1"/>
+                </a:solidFill>
+                <a:latin typeface="+mn-lt"/>
+                <a:ea typeface="+mn-ea"/>
+                <a:cs typeface="+mn-cs"/>
+              </a:defRPr>
+            </a:lvl5pPr>
+            <a:lvl6pPr marL="1207008" indent="-173736" algn="l" defTabSz="914400" rtl="0" eaLnBrk="1" latinLnBrk="0" hangingPunct="1">
+              <a:spcBef>
+                <a:spcPts val="600"/>
+              </a:spcBef>
+              <a:buClr>
+                <a:schemeClr val="accent1"/>
+              </a:buClr>
+              <a:buFont typeface="Arial" pitchFamily="34" charset="0"/>
+              <a:buChar char="•"/>
+              <a:defRPr sz="1600" kern="1200">
+                <a:solidFill>
+                  <a:schemeClr val="tx1"/>
+                </a:solidFill>
+                <a:latin typeface="+mn-lt"/>
+                <a:ea typeface="+mn-ea"/>
+                <a:cs typeface="+mn-cs"/>
+              </a:defRPr>
+            </a:lvl6pPr>
+            <a:lvl7pPr marL="1380744" indent="-173736" algn="l" defTabSz="914400" rtl="0" eaLnBrk="1" latinLnBrk="0" hangingPunct="1">
+              <a:spcBef>
+                <a:spcPts val="600"/>
+              </a:spcBef>
+              <a:buClr>
+                <a:schemeClr val="accent1"/>
+              </a:buClr>
+              <a:buFont typeface="Arial" pitchFamily="34" charset="0"/>
+              <a:buChar char="•"/>
+              <a:defRPr sz="1600" kern="1200">
+                <a:solidFill>
+                  <a:schemeClr val="tx1"/>
+                </a:solidFill>
+                <a:latin typeface="+mn-lt"/>
+                <a:ea typeface="+mn-ea"/>
+                <a:cs typeface="+mn-cs"/>
+              </a:defRPr>
+            </a:lvl7pPr>
+            <a:lvl8pPr marL="1554480" indent="-173736" algn="l" defTabSz="914400" rtl="0" eaLnBrk="1" latinLnBrk="0" hangingPunct="1">
+              <a:spcBef>
+                <a:spcPts val="600"/>
+              </a:spcBef>
+              <a:buClr>
+                <a:schemeClr val="accent1"/>
+              </a:buClr>
+              <a:buFont typeface="Arial" pitchFamily="34" charset="0"/>
+              <a:buChar char="•"/>
+              <a:defRPr sz="1600" kern="1200">
+                <a:solidFill>
+                  <a:schemeClr val="tx1"/>
+                </a:solidFill>
+                <a:latin typeface="+mn-lt"/>
+                <a:ea typeface="+mn-ea"/>
+                <a:cs typeface="+mn-cs"/>
+              </a:defRPr>
+            </a:lvl8pPr>
+            <a:lvl9pPr marL="1728216" indent="-173736" algn="l" defTabSz="914400" rtl="0" eaLnBrk="1" latinLnBrk="0" hangingPunct="1">
+              <a:spcBef>
+                <a:spcPts val="600"/>
+              </a:spcBef>
+              <a:buClr>
+                <a:schemeClr val="accent1"/>
+              </a:buClr>
+              <a:buFont typeface="Arial" pitchFamily="34" charset="0"/>
+              <a:buChar char="•"/>
+              <a:defRPr sz="1600" kern="1200">
+                <a:solidFill>
+                  <a:schemeClr val="tx1"/>
+                </a:solidFill>
+                <a:latin typeface="+mn-lt"/>
+                <a:ea typeface="+mn-ea"/>
+                <a:cs typeface="+mn-cs"/>
+              </a:defRPr>
+            </a:lvl9pPr>
+          </a:lstStyle>
+          <a:p>
+            <a:pPr marL="231775" lvl="1" indent="0" algn="ctr">
+              <a:buFont typeface="Arial" pitchFamily="34" charset="0"/>
+              <a:buNone/>
+            </a:pPr>
+            <a:r>
+              <a:rPr lang="en-US" dirty="0">
+                <a:solidFill>
+                  <a:schemeClr val="accent4"/>
+                </a:solidFill>
+              </a:rPr>
+              <a:t>Powered by Task Parallel Library</a:t>
+            </a:r>
+          </a:p>
+        </p:txBody>
+      </p:sp>
+      <p:sp>
+        <p:nvSpPr>
+          <p:cNvPr id="14" name="Content Placeholder 13"/>
+          <p:cNvSpPr txBox="1">
+            <a:spLocks/>
+          </p:cNvSpPr>
+          <p:nvPr/>
+        </p:nvSpPr>
+        <p:spPr>
+          <a:xfrm>
+            <a:off x="551384" y="3933056"/>
+            <a:ext cx="10441160" cy="2377872"/>
+          </a:xfrm>
+          <a:prstGeom prst="rect">
+            <a:avLst/>
+          </a:prstGeom>
+        </p:spPr>
+        <p:txBody>
+          <a:bodyPr vert="horz" lIns="91440" tIns="45720" rIns="91440" bIns="45720" rtlCol="0" anchor="t">
+            <a:normAutofit/>
+          </a:bodyPr>
+          <a:lstStyle>
+            <a:lvl1pPr marL="223838" indent="-223838" algn="l" defTabSz="914400" rtl="0" eaLnBrk="1" latinLnBrk="0" hangingPunct="1">
+              <a:lnSpc>
+                <a:spcPct val="90000"/>
+              </a:lnSpc>
+              <a:spcBef>
+                <a:spcPts val="1800"/>
+              </a:spcBef>
+              <a:buClr>
+                <a:schemeClr val="accent1"/>
+              </a:buClr>
+              <a:buSzPct val="100000"/>
+              <a:buFont typeface="Arial" pitchFamily="34" charset="0"/>
+              <a:buChar char="•"/>
+              <a:defRPr sz="2400" kern="1200">
+                <a:solidFill>
+                  <a:schemeClr val="tx1"/>
+                </a:solidFill>
+                <a:latin typeface="+mn-lt"/>
+                <a:ea typeface="+mn-ea"/>
+                <a:cs typeface="+mn-cs"/>
+              </a:defRPr>
+            </a:lvl1pPr>
+            <a:lvl2pPr marL="463550" indent="-231775" algn="l" defTabSz="914400" rtl="0" eaLnBrk="1" latinLnBrk="0" hangingPunct="1">
+              <a:lnSpc>
+                <a:spcPct val="90000"/>
+              </a:lnSpc>
+              <a:spcBef>
+                <a:spcPts val="1200"/>
+              </a:spcBef>
+              <a:buClr>
+                <a:schemeClr val="accent1"/>
+              </a:buClr>
+              <a:buSzPct val="100000"/>
+              <a:buFont typeface="Arial" pitchFamily="34" charset="0"/>
+              <a:buChar char="•"/>
+              <a:defRPr sz="2000" kern="1200">
+                <a:solidFill>
+                  <a:schemeClr val="tx1"/>
+                </a:solidFill>
+                <a:latin typeface="+mn-lt"/>
+                <a:ea typeface="+mn-ea"/>
+                <a:cs typeface="+mn-cs"/>
+              </a:defRPr>
+            </a:lvl2pPr>
+            <a:lvl3pPr marL="682625" indent="-219075" algn="l" defTabSz="914400" rtl="0" eaLnBrk="1" latinLnBrk="0" hangingPunct="1">
+              <a:lnSpc>
+                <a:spcPct val="90000"/>
+              </a:lnSpc>
+              <a:spcBef>
+                <a:spcPts val="600"/>
+              </a:spcBef>
+              <a:buClr>
+                <a:schemeClr val="accent1"/>
+              </a:buClr>
+              <a:buSzPct val="100000"/>
+              <a:buFont typeface="Arial" pitchFamily="34" charset="0"/>
+              <a:buChar char="•"/>
+              <a:defRPr sz="1800" kern="1200">
+                <a:solidFill>
+                  <a:schemeClr val="tx1"/>
+                </a:solidFill>
+                <a:latin typeface="+mn-lt"/>
+                <a:ea typeface="+mn-ea"/>
+                <a:cs typeface="+mn-cs"/>
+              </a:defRPr>
+            </a:lvl3pPr>
+            <a:lvl4pPr marL="857250" indent="-174625" algn="l" defTabSz="914400" rtl="0" eaLnBrk="1" latinLnBrk="0" hangingPunct="1">
+              <a:lnSpc>
+                <a:spcPct val="90000"/>
+              </a:lnSpc>
+              <a:spcBef>
+                <a:spcPts val="600"/>
+              </a:spcBef>
+              <a:buClr>
+                <a:schemeClr val="accent1"/>
+              </a:buClr>
+              <a:buSzPct val="100000"/>
+              <a:buFont typeface="Arial" pitchFamily="34" charset="0"/>
+              <a:buChar char="•"/>
+              <a:defRPr sz="1600" kern="1200">
+                <a:solidFill>
+                  <a:schemeClr val="tx1"/>
+                </a:solidFill>
+                <a:latin typeface="+mn-lt"/>
+                <a:ea typeface="+mn-ea"/>
+                <a:cs typeface="+mn-cs"/>
+              </a:defRPr>
+            </a:lvl4pPr>
+            <a:lvl5pPr marL="1030288" indent="-173038" algn="l" defTabSz="914400" rtl="0" eaLnBrk="1" latinLnBrk="0" hangingPunct="1">
+              <a:lnSpc>
+                <a:spcPct val="90000"/>
+              </a:lnSpc>
+              <a:spcBef>
+                <a:spcPts val="600"/>
+              </a:spcBef>
+              <a:buClr>
+                <a:schemeClr val="accent1"/>
+              </a:buClr>
+              <a:buSzPct val="100000"/>
+              <a:buFont typeface="Arial" pitchFamily="34" charset="0"/>
+              <a:buChar char="•"/>
+              <a:defRPr sz="1600" kern="1200">
+                <a:solidFill>
+                  <a:schemeClr val="tx1"/>
+                </a:solidFill>
+                <a:latin typeface="+mn-lt"/>
+                <a:ea typeface="+mn-ea"/>
+                <a:cs typeface="+mn-cs"/>
+              </a:defRPr>
+            </a:lvl5pPr>
+            <a:lvl6pPr marL="1207008" indent="-173736" algn="l" defTabSz="914400" rtl="0" eaLnBrk="1" latinLnBrk="0" hangingPunct="1">
+              <a:spcBef>
+                <a:spcPts val="600"/>
+              </a:spcBef>
+              <a:buClr>
+                <a:schemeClr val="accent1"/>
+              </a:buClr>
+              <a:buFont typeface="Arial" pitchFamily="34" charset="0"/>
+              <a:buChar char="•"/>
+              <a:defRPr sz="1600" kern="1200">
+                <a:solidFill>
+                  <a:schemeClr val="tx1"/>
+                </a:solidFill>
+                <a:latin typeface="+mn-lt"/>
+                <a:ea typeface="+mn-ea"/>
+                <a:cs typeface="+mn-cs"/>
+              </a:defRPr>
+            </a:lvl6pPr>
+            <a:lvl7pPr marL="1380744" indent="-173736" algn="l" defTabSz="914400" rtl="0" eaLnBrk="1" latinLnBrk="0" hangingPunct="1">
+              <a:spcBef>
+                <a:spcPts val="600"/>
+              </a:spcBef>
+              <a:buClr>
+                <a:schemeClr val="accent1"/>
+              </a:buClr>
+              <a:buFont typeface="Arial" pitchFamily="34" charset="0"/>
+              <a:buChar char="•"/>
+              <a:defRPr sz="1600" kern="1200">
+                <a:solidFill>
+                  <a:schemeClr val="tx1"/>
+                </a:solidFill>
+                <a:latin typeface="+mn-lt"/>
+                <a:ea typeface="+mn-ea"/>
+                <a:cs typeface="+mn-cs"/>
+              </a:defRPr>
+            </a:lvl7pPr>
+            <a:lvl8pPr marL="1554480" indent="-173736" algn="l" defTabSz="914400" rtl="0" eaLnBrk="1" latinLnBrk="0" hangingPunct="1">
+              <a:spcBef>
+                <a:spcPts val="600"/>
+              </a:spcBef>
+              <a:buClr>
+                <a:schemeClr val="accent1"/>
+              </a:buClr>
+              <a:buFont typeface="Arial" pitchFamily="34" charset="0"/>
+              <a:buChar char="•"/>
+              <a:defRPr sz="1600" kern="1200">
+                <a:solidFill>
+                  <a:schemeClr val="tx1"/>
+                </a:solidFill>
+                <a:latin typeface="+mn-lt"/>
+                <a:ea typeface="+mn-ea"/>
+                <a:cs typeface="+mn-cs"/>
+              </a:defRPr>
+            </a:lvl8pPr>
+            <a:lvl9pPr marL="1728216" indent="-173736" algn="l" defTabSz="914400" rtl="0" eaLnBrk="1" latinLnBrk="0" hangingPunct="1">
+              <a:spcBef>
+                <a:spcPts val="600"/>
+              </a:spcBef>
+              <a:buClr>
+                <a:schemeClr val="accent1"/>
+              </a:buClr>
+              <a:buFont typeface="Arial" pitchFamily="34" charset="0"/>
+              <a:buChar char="•"/>
+              <a:defRPr sz="1600" kern="1200">
+                <a:solidFill>
+                  <a:schemeClr val="tx1"/>
+                </a:solidFill>
+                <a:latin typeface="+mn-lt"/>
+                <a:ea typeface="+mn-ea"/>
+                <a:cs typeface="+mn-cs"/>
+              </a:defRPr>
+            </a:lvl9pPr>
+          </a:lstStyle>
+          <a:p>
+            <a:pPr marL="0" indent="0" algn="ctr">
+              <a:buNone/>
+            </a:pPr>
+            <a:r>
+              <a:rPr lang="en-US" sz="3600" cap="all" dirty="0">
+                <a:solidFill>
+                  <a:schemeClr val="accent4"/>
+                </a:solidFill>
+              </a:rPr>
+              <a:t>Async-Await is About</a:t>
+            </a:r>
+          </a:p>
+          <a:p>
+            <a:pPr marL="0" indent="0" algn="ctr">
+              <a:buNone/>
+            </a:pPr>
+            <a:r>
+              <a:rPr lang="en-US" sz="2800" strike="sngStrike" cap="all" dirty="0">
+                <a:solidFill>
+                  <a:schemeClr val="accent4"/>
+                </a:solidFill>
+              </a:rPr>
+              <a:t>“going Async”</a:t>
+            </a:r>
+          </a:p>
+          <a:p>
+            <a:pPr marL="0" indent="0" algn="ctr">
+              <a:buNone/>
+            </a:pPr>
+            <a:r>
+              <a:rPr lang="en-US" sz="2800" b="1" cap="all" dirty="0">
+                <a:solidFill>
+                  <a:schemeClr val="accent4"/>
+                </a:solidFill>
+              </a:rPr>
+              <a:t>“composing Async”</a:t>
+            </a:r>
+            <a:endParaRPr lang="en-US" sz="1600" b="1" cap="all" dirty="0">
+              <a:solidFill>
+                <a:schemeClr val="tx2"/>
+              </a:solidFill>
+            </a:endParaRPr>
+          </a:p>
+        </p:txBody>
+      </p:sp>
+    </p:spTree>
+    <p:extLst>
+      <p:ext uri="{BB962C8B-B14F-4D97-AF65-F5344CB8AC3E}">
+        <p14:creationId xmlns:p14="http://schemas.microsoft.com/office/powerpoint/2010/main" val="649420761"/>
+      </p:ext>
+    </p:extLst>
+  </p:cSld>
+  <p:clrMapOvr>
+    <a:masterClrMapping/>
+  </p:clrMapOvr>
+  <mc:AlternateContent xmlns:mc="http://schemas.openxmlformats.org/markup-compatibility/2006">
+    <mc:Choice xmlns:p14="http://schemas.microsoft.com/office/powerpoint/2010/main" Requires="p14">
+      <p:transition p14:dur="0"/>
+    </mc:Choice>
+    <mc:Fallback>
+      <p:transition/>
+    </mc:Fallback>
+  </mc:AlternateContent>
+</p:sld>
+</file>
+
+<file path=ppt/slides/slide41.xml><?xml version="1.0" encoding="utf-8"?>
+<p:sld xmlns:a="http://schemas.openxmlformats.org/drawingml/2006/main" xmlns:r="http://schemas.openxmlformats.org/officeDocument/2006/relationships" xmlns:p="http://schemas.openxmlformats.org/presentationml/2006/main">
+  <p:cSld>
+    <p:spTree>
+      <p:nvGrpSpPr>
+        <p:cNvPr id="1" name=""/>
+        <p:cNvGrpSpPr/>
+        <p:nvPr/>
+      </p:nvGrpSpPr>
+      <p:grpSpPr>
+        <a:xfrm>
+          <a:off x="0" y="0"/>
+          <a:ext cx="0" cy="0"/>
+          <a:chOff x="0" y="0"/>
+          <a:chExt cx="0" cy="0"/>
+        </a:xfrm>
+      </p:grpSpPr>
+      <p:sp>
+        <p:nvSpPr>
+          <p:cNvPr id="4" name="Title 3"/>
+          <p:cNvSpPr>
+            <a:spLocks noGrp="1"/>
+          </p:cNvSpPr>
+          <p:nvPr>
+            <p:ph type="title"/>
+          </p:nvPr>
+        </p:nvSpPr>
+        <p:spPr/>
+        <p:txBody>
+          <a:bodyPr/>
+          <a:lstStyle/>
+          <a:p>
+            <a:r>
+              <a:rPr lang="en-GB" dirty="0">
+                <a:solidFill>
+                  <a:schemeClr val="tx2"/>
+                </a:solidFill>
+              </a:rPr>
+              <a:t>Prerequisite </a:t>
+            </a:r>
+            <a:br>
+              <a:rPr lang="en-GB" dirty="0"/>
+            </a:br>
+            <a:r>
+              <a:rPr lang="en-GB" dirty="0"/>
+              <a:t>Task Parallel Library (TPL)</a:t>
+            </a:r>
+          </a:p>
+        </p:txBody>
+      </p:sp>
+    </p:spTree>
+    <p:extLst>
+      <p:ext uri="{BB962C8B-B14F-4D97-AF65-F5344CB8AC3E}">
+        <p14:creationId xmlns:p14="http://schemas.microsoft.com/office/powerpoint/2010/main" val="4038492765"/>
+      </p:ext>
+    </p:extLst>
+  </p:cSld>
+  <p:clrMapOvr>
+    <a:masterClrMapping/>
+  </p:clrMapOvr>
+  <mc:AlternateContent xmlns:mc="http://schemas.openxmlformats.org/markup-compatibility/2006" xmlns:p14="http://schemas.microsoft.com/office/powerpoint/2010/main">
+    <mc:Choice Requires="p14">
+      <p:transition spd="med" p14:dur="700">
+        <p:fade/>
+      </p:transition>
+    </mc:Choice>
+    <mc:Fallback xmlns="">
+      <p:transition spd="med">
+        <p:fade/>
+      </p:transition>
+    </mc:Fallback>
+  </mc:AlternateContent>
+</p:sld>
+</file>
+
+<file path=ppt/slides/slide42.xml><?xml version="1.0" encoding="utf-8"?>
+<p:sld xmlns:a="http://schemas.openxmlformats.org/drawingml/2006/main" xmlns:r="http://schemas.openxmlformats.org/officeDocument/2006/relationships" xmlns:p="http://schemas.openxmlformats.org/presentationml/2006/main">
+  <p:cSld>
+    <p:spTree>
+      <p:nvGrpSpPr>
+        <p:cNvPr id="1" name=""/>
+        <p:cNvGrpSpPr/>
+        <p:nvPr/>
+      </p:nvGrpSpPr>
+      <p:grpSpPr>
+        <a:xfrm>
+          <a:off x="0" y="0"/>
+          <a:ext cx="0" cy="0"/>
+          <a:chOff x="0" y="0"/>
+          <a:chExt cx="0" cy="0"/>
+        </a:xfrm>
+      </p:grpSpPr>
+      <p:sp>
+        <p:nvSpPr>
+          <p:cNvPr id="13" name="Title 12"/>
+          <p:cNvSpPr>
+            <a:spLocks noGrp="1"/>
+          </p:cNvSpPr>
+          <p:nvPr>
+            <p:ph type="title"/>
+          </p:nvPr>
+        </p:nvSpPr>
+        <p:spPr>
+          <a:xfrm>
+            <a:off x="1522810" y="381000"/>
+            <a:ext cx="9613750" cy="1371600"/>
+          </a:xfrm>
+        </p:spPr>
+        <p:txBody>
+          <a:bodyPr anchor="t"/>
+          <a:lstStyle/>
+          <a:p>
+            <a:r>
+              <a:rPr lang="en-US" dirty="0"/>
+              <a:t>Task Parallel Library reminder </a:t>
+            </a:r>
+            <a:r>
+              <a:rPr lang="en-US" dirty="0">
+                <a:solidFill>
+                  <a:schemeClr val="tx2"/>
+                </a:solidFill>
+              </a:rPr>
+              <a:t>(TPL)</a:t>
+            </a:r>
+            <a:endParaRPr lang="en-US" dirty="0"/>
+          </a:p>
+        </p:txBody>
+      </p:sp>
+      <p:sp>
+        <p:nvSpPr>
+          <p:cNvPr id="14" name="Content Placeholder 13"/>
+          <p:cNvSpPr>
+            <a:spLocks noGrp="1"/>
+          </p:cNvSpPr>
+          <p:nvPr>
+            <p:ph idx="1"/>
+          </p:nvPr>
+        </p:nvSpPr>
+        <p:spPr>
+          <a:xfrm>
+            <a:off x="2135560" y="1268760"/>
+            <a:ext cx="8640960" cy="4824536"/>
+          </a:xfrm>
+        </p:spPr>
+        <p:txBody>
+          <a:bodyPr anchor="t">
+            <a:normAutofit fontScale="70000" lnSpcReduction="20000"/>
+          </a:bodyPr>
+          <a:lstStyle/>
+          <a:p>
+            <a:r>
+              <a:rPr lang="en-US" cap="all" dirty="0">
+                <a:solidFill>
+                  <a:schemeClr val="accent1"/>
+                </a:solidFill>
+              </a:rPr>
+              <a:t>Task</a:t>
+            </a:r>
+          </a:p>
+          <a:p>
+            <a:pPr lvl="1"/>
+            <a:r>
+              <a:rPr lang="en-US" dirty="0"/>
+              <a:t>3 ways to instantiate and run a Task:</a:t>
+            </a:r>
+          </a:p>
+          <a:p>
+            <a:pPr lvl="2"/>
+            <a:r>
+              <a:rPr lang="en-US" dirty="0" err="1"/>
+              <a:t>var</a:t>
+            </a:r>
+            <a:r>
+              <a:rPr lang="en-US" dirty="0"/>
+              <a:t> task = new Task(</a:t>
+            </a:r>
+            <a:r>
+              <a:rPr lang="en-US" dirty="0">
+                <a:solidFill>
+                  <a:schemeClr val="accent1"/>
+                </a:solidFill>
+              </a:rPr>
+              <a:t>lambda</a:t>
+            </a:r>
+            <a:r>
+              <a:rPr lang="en-US" dirty="0"/>
+              <a:t>).Start();</a:t>
+            </a:r>
+          </a:p>
+          <a:p>
+            <a:pPr lvl="2"/>
+            <a:r>
+              <a:rPr lang="en-US" dirty="0" err="1"/>
+              <a:t>var</a:t>
+            </a:r>
+            <a:r>
+              <a:rPr lang="en-US" dirty="0"/>
+              <a:t> task = </a:t>
+            </a:r>
+            <a:r>
+              <a:rPr lang="en-US" dirty="0" err="1"/>
+              <a:t>Task.Run</a:t>
+            </a:r>
+            <a:r>
+              <a:rPr lang="en-US" dirty="0"/>
+              <a:t>(</a:t>
+            </a:r>
+            <a:r>
+              <a:rPr lang="en-US" dirty="0">
+                <a:solidFill>
+                  <a:schemeClr val="accent1"/>
+                </a:solidFill>
+              </a:rPr>
+              <a:t>lambda</a:t>
+            </a:r>
+            <a:r>
+              <a:rPr lang="en-US" dirty="0"/>
+              <a:t>);</a:t>
+            </a:r>
+          </a:p>
+          <a:p>
+            <a:pPr lvl="2"/>
+            <a:r>
+              <a:rPr lang="en-US" dirty="0" err="1"/>
+              <a:t>Task.Factory.StartNew</a:t>
+            </a:r>
+            <a:r>
+              <a:rPr lang="en-US" dirty="0"/>
+              <a:t>(</a:t>
+            </a:r>
+            <a:r>
+              <a:rPr lang="en-US" dirty="0">
+                <a:solidFill>
+                  <a:schemeClr val="accent1"/>
+                </a:solidFill>
+              </a:rPr>
+              <a:t>lambda</a:t>
+            </a:r>
+            <a:r>
+              <a:rPr lang="en-US" dirty="0"/>
+              <a:t>)</a:t>
+            </a:r>
+          </a:p>
+          <a:p>
+            <a:pPr lvl="1"/>
+            <a:endParaRPr lang="en-US" dirty="0"/>
+          </a:p>
+          <a:p>
+            <a:pPr lvl="1"/>
+            <a:r>
+              <a:rPr lang="en-US" dirty="0" err="1"/>
+              <a:t>task.Wait</a:t>
+            </a:r>
+            <a:r>
+              <a:rPr lang="en-US" dirty="0"/>
+              <a:t>(), </a:t>
+            </a:r>
+            <a:r>
+              <a:rPr lang="en-US" dirty="0" err="1"/>
+              <a:t>task.Result</a:t>
+            </a:r>
+            <a:r>
+              <a:rPr lang="en-US" dirty="0"/>
+              <a:t> &amp; </a:t>
+            </a:r>
+            <a:r>
+              <a:rPr lang="en-US" dirty="0" err="1"/>
+              <a:t>task.Exception</a:t>
+            </a:r>
+            <a:endParaRPr lang="en-US" dirty="0"/>
+          </a:p>
+          <a:p>
+            <a:pPr lvl="1"/>
+            <a:endParaRPr lang="en-US" dirty="0"/>
+          </a:p>
+          <a:p>
+            <a:r>
+              <a:rPr lang="en-US" cap="all" dirty="0">
+                <a:solidFill>
+                  <a:schemeClr val="accent1"/>
+                </a:solidFill>
+              </a:rPr>
+              <a:t>Continuation</a:t>
+            </a:r>
+          </a:p>
+          <a:p>
+            <a:pPr lvl="1"/>
+            <a:r>
+              <a:rPr lang="en-US" dirty="0"/>
+              <a:t>A Task that will be achieve once a previous Task has finished</a:t>
+            </a:r>
+          </a:p>
+          <a:p>
+            <a:pPr lvl="1"/>
+            <a:r>
+              <a:rPr lang="en-US" dirty="0" err="1"/>
+              <a:t>var</a:t>
+            </a:r>
+            <a:r>
+              <a:rPr lang="en-US" dirty="0"/>
+              <a:t> </a:t>
+            </a:r>
+            <a:r>
+              <a:rPr lang="en-US" dirty="0" err="1"/>
+              <a:t>continuationTask</a:t>
+            </a:r>
+            <a:r>
+              <a:rPr lang="en-US" dirty="0"/>
+              <a:t> = </a:t>
+            </a:r>
+            <a:r>
+              <a:rPr lang="en-US" dirty="0" err="1"/>
+              <a:t>previousTask.ContinueWith</a:t>
+            </a:r>
+            <a:r>
+              <a:rPr lang="en-US" dirty="0"/>
+              <a:t>(</a:t>
+            </a:r>
+            <a:r>
+              <a:rPr lang="en-US" dirty="0">
+                <a:solidFill>
+                  <a:schemeClr val="accent1"/>
+                </a:solidFill>
+              </a:rPr>
+              <a:t>lambda</a:t>
+            </a:r>
+            <a:r>
+              <a:rPr lang="en-US" dirty="0"/>
+              <a:t>);</a:t>
+            </a:r>
+          </a:p>
+          <a:p>
+            <a:pPr lvl="1"/>
+            <a:endParaRPr lang="en-US" dirty="0"/>
+          </a:p>
+          <a:p>
+            <a:r>
+              <a:rPr lang="en-US" cap="all" dirty="0" err="1">
+                <a:solidFill>
+                  <a:schemeClr val="accent1"/>
+                </a:solidFill>
+              </a:rPr>
+              <a:t>CancelationToken</a:t>
+            </a:r>
+            <a:endParaRPr lang="en-US" cap="all" dirty="0">
+              <a:solidFill>
+                <a:schemeClr val="accent1"/>
+              </a:solidFill>
+            </a:endParaRPr>
+          </a:p>
+          <a:p>
+            <a:r>
+              <a:rPr lang="en-US" cap="all" dirty="0" err="1">
+                <a:solidFill>
+                  <a:schemeClr val="accent1"/>
+                </a:solidFill>
+              </a:rPr>
+              <a:t>TASKCompletionSource</a:t>
+            </a:r>
+            <a:endParaRPr lang="en-US" cap="all" dirty="0">
+              <a:solidFill>
+                <a:schemeClr val="accent1"/>
+              </a:solidFill>
+            </a:endParaRPr>
+          </a:p>
+          <a:p>
+            <a:pPr lvl="1"/>
+            <a:r>
+              <a:rPr lang="en-US" dirty="0"/>
+              <a:t>Developer to control the lifetime and completion of the associated Task</a:t>
+            </a:r>
+            <a:endParaRPr lang="en-US" cap="all" dirty="0">
+              <a:solidFill>
+                <a:schemeClr val="accent1"/>
+              </a:solidFill>
+            </a:endParaRPr>
+          </a:p>
+        </p:txBody>
+      </p:sp>
+    </p:spTree>
+    <p:extLst>
+      <p:ext uri="{BB962C8B-B14F-4D97-AF65-F5344CB8AC3E}">
+        <p14:creationId xmlns:p14="http://schemas.microsoft.com/office/powerpoint/2010/main" val="4045331836"/>
+      </p:ext>
+    </p:extLst>
+  </p:cSld>
+  <p:clrMapOvr>
+    <a:masterClrMapping/>
+  </p:clrMapOvr>
+  <mc:AlternateContent xmlns:mc="http://schemas.openxmlformats.org/markup-compatibility/2006" xmlns:p14="http://schemas.microsoft.com/office/powerpoint/2010/main">
+    <mc:Choice Requires="p14">
+      <p:transition spd="med" p14:dur="700">
+        <p:fade/>
+      </p:transition>
+    </mc:Choice>
+    <mc:Fallback xmlns="">
+      <p:transition spd="med">
+        <p:fade/>
+      </p:transition>
+    </mc:Fallback>
+  </mc:AlternateContent>
+</p:sld>
+</file>
+
+<file path=ppt/slides/slide43.xml><?xml version="1.0" encoding="utf-8"?>
+<p:sld xmlns:a="http://schemas.openxmlformats.org/drawingml/2006/main" xmlns:r="http://schemas.openxmlformats.org/officeDocument/2006/relationships" xmlns:p="http://schemas.openxmlformats.org/presentationml/2006/main">
+  <p:cSld>
+    <p:spTree>
+      <p:nvGrpSpPr>
+        <p:cNvPr id="1" name=""/>
+        <p:cNvGrpSpPr/>
+        <p:nvPr/>
+      </p:nvGrpSpPr>
+      <p:grpSpPr>
+        <a:xfrm>
+          <a:off x="0" y="0"/>
+          <a:ext cx="0" cy="0"/>
+          <a:chOff x="0" y="0"/>
+          <a:chExt cx="0" cy="0"/>
+        </a:xfrm>
+      </p:grpSpPr>
+      <p:sp>
+        <p:nvSpPr>
+          <p:cNvPr id="13" name="Title 12"/>
+          <p:cNvSpPr>
+            <a:spLocks noGrp="1"/>
+          </p:cNvSpPr>
+          <p:nvPr>
+            <p:ph type="title"/>
+          </p:nvPr>
+        </p:nvSpPr>
+        <p:spPr/>
+        <p:txBody>
+          <a:bodyPr anchor="t">
+            <a:normAutofit/>
+          </a:bodyPr>
+          <a:lstStyle/>
+          <a:p>
+            <a:r>
+              <a:rPr lang="en-US" dirty="0"/>
+              <a:t>Not that simple…</a:t>
+            </a:r>
+          </a:p>
+        </p:txBody>
+      </p:sp>
+      <p:pic>
+        <p:nvPicPr>
+          <p:cNvPr id="1026" name="Picture 2" descr="Afficher l'image d'origine"/>
+          <p:cNvPicPr>
+            <a:picLocks noChangeAspect="1" noChangeArrowheads="1"/>
+          </p:cNvPicPr>
+          <p:nvPr/>
+        </p:nvPicPr>
+        <p:blipFill rotWithShape="1">
+          <a:blip r:embed="rId3">
+            <a:extLst>
+              <a:ext uri="{28A0092B-C50C-407E-A947-70E740481C1C}">
+                <a14:useLocalDpi xmlns:a14="http://schemas.microsoft.com/office/drawing/2010/main" val="0"/>
+              </a:ext>
+            </a:extLst>
+          </a:blip>
+          <a:srcRect b="9591"/>
+          <a:stretch/>
+        </p:blipFill>
+        <p:spPr bwMode="auto">
+          <a:xfrm>
+            <a:off x="2135560" y="1340768"/>
+            <a:ext cx="7488832" cy="4450948"/>
+          </a:xfrm>
+          <a:prstGeom prst="rect">
+            <a:avLst/>
+          </a:prstGeom>
+          <a:noFill/>
+          <a:ln>
+            <a:solidFill>
+              <a:schemeClr val="accent1"/>
+            </a:solidFill>
+          </a:ln>
+          <a:extLst>
+            <a:ext uri="{909E8E84-426E-40DD-AFC4-6F175D3DCCD1}">
+              <a14:hiddenFill xmlns:a14="http://schemas.microsoft.com/office/drawing/2010/main">
+                <a:solidFill>
+                  <a:srgbClr val="FFFFFF"/>
+                </a:solidFill>
+              </a14:hiddenFill>
+            </a:ext>
+          </a:extLst>
+        </p:spPr>
+      </p:pic>
+    </p:spTree>
+    <p:extLst>
+      <p:ext uri="{BB962C8B-B14F-4D97-AF65-F5344CB8AC3E}">
+        <p14:creationId xmlns:p14="http://schemas.microsoft.com/office/powerpoint/2010/main" val="118184237"/>
+      </p:ext>
+    </p:extLst>
+  </p:cSld>
+  <p:clrMapOvr>
+    <a:masterClrMapping/>
+  </p:clrMapOvr>
+  <mc:AlternateContent xmlns:mc="http://schemas.openxmlformats.org/markup-compatibility/2006" xmlns:p14="http://schemas.microsoft.com/office/powerpoint/2010/main">
+    <mc:Choice Requires="p14">
+      <p:transition spd="med" p14:dur="700">
+        <p:fade/>
+      </p:transition>
+    </mc:Choice>
+    <mc:Fallback xmlns="">
+      <p:transition spd="med">
+        <p:fade/>
+      </p:transition>
+    </mc:Fallback>
+  </mc:AlternateContent>
+</p:sld>
+</file>
+
+<file path=ppt/slides/slide44.xml><?xml version="1.0" encoding="utf-8"?>
+<p:sld xmlns:a="http://schemas.openxmlformats.org/drawingml/2006/main" xmlns:r="http://schemas.openxmlformats.org/officeDocument/2006/relationships" xmlns:p="http://schemas.openxmlformats.org/presentationml/2006/main">
+  <p:cSld>
+    <p:spTree>
+      <p:nvGrpSpPr>
+        <p:cNvPr id="1" name=""/>
+        <p:cNvGrpSpPr/>
+        <p:nvPr/>
+      </p:nvGrpSpPr>
+      <p:grpSpPr>
+        <a:xfrm>
+          <a:off x="0" y="0"/>
+          <a:ext cx="0" cy="0"/>
+          <a:chOff x="0" y="0"/>
+          <a:chExt cx="0" cy="0"/>
+        </a:xfrm>
+      </p:grpSpPr>
+      <p:sp>
+        <p:nvSpPr>
+          <p:cNvPr id="13" name="Title 12"/>
+          <p:cNvSpPr>
+            <a:spLocks noGrp="1"/>
+          </p:cNvSpPr>
+          <p:nvPr>
+            <p:ph type="title"/>
+          </p:nvPr>
+        </p:nvSpPr>
+        <p:spPr/>
+        <p:txBody>
+          <a:bodyPr anchor="t">
+            <a:normAutofit/>
+          </a:bodyPr>
+          <a:lstStyle/>
+          <a:p>
+            <a:r>
+              <a:rPr lang="en-US" dirty="0"/>
+              <a:t>Deadlocks</a:t>
+            </a:r>
+          </a:p>
+        </p:txBody>
+      </p:sp>
+      <p:pic>
+        <p:nvPicPr>
+          <p:cNvPr id="7174" name="Picture 6" descr="Afficher l'image d'origine"/>
+          <p:cNvPicPr>
+            <a:picLocks noChangeAspect="1" noChangeArrowheads="1"/>
+          </p:cNvPicPr>
+          <p:nvPr/>
+        </p:nvPicPr>
+        <p:blipFill>
+          <a:blip r:embed="rId3">
+            <a:extLst>
+              <a:ext uri="{28A0092B-C50C-407E-A947-70E740481C1C}">
+                <a14:useLocalDpi xmlns:a14="http://schemas.microsoft.com/office/drawing/2010/main" val="0"/>
+              </a:ext>
+            </a:extLst>
+          </a:blip>
+          <a:srcRect/>
+          <a:stretch>
+            <a:fillRect/>
+          </a:stretch>
+        </p:blipFill>
+        <p:spPr bwMode="auto">
+          <a:xfrm>
+            <a:off x="2319574" y="1262051"/>
+            <a:ext cx="7552853" cy="4333899"/>
+          </a:xfrm>
+          <a:prstGeom prst="rect">
+            <a:avLst/>
+          </a:prstGeom>
+          <a:noFill/>
+          <a:ln>
+            <a:solidFill>
+              <a:schemeClr val="accent1"/>
+            </a:solidFill>
+          </a:ln>
+          <a:extLst>
+            <a:ext uri="{909E8E84-426E-40DD-AFC4-6F175D3DCCD1}">
+              <a14:hiddenFill xmlns:a14="http://schemas.microsoft.com/office/drawing/2010/main">
+                <a:solidFill>
+                  <a:srgbClr val="FFFFFF"/>
+                </a:solidFill>
+              </a14:hiddenFill>
+            </a:ext>
+          </a:extLst>
+        </p:spPr>
+      </p:pic>
+    </p:spTree>
+    <p:extLst>
+      <p:ext uri="{BB962C8B-B14F-4D97-AF65-F5344CB8AC3E}">
+        <p14:creationId xmlns:p14="http://schemas.microsoft.com/office/powerpoint/2010/main" val="1057268340"/>
+      </p:ext>
+    </p:extLst>
+  </p:cSld>
+  <p:clrMapOvr>
+    <a:masterClrMapping/>
+  </p:clrMapOvr>
+  <mc:AlternateContent xmlns:mc="http://schemas.openxmlformats.org/markup-compatibility/2006" xmlns:p14="http://schemas.microsoft.com/office/powerpoint/2010/main">
+    <mc:Choice Requires="p14">
+      <p:transition spd="med" p14:dur="700">
+        <p:fade/>
+      </p:transition>
+    </mc:Choice>
+    <mc:Fallback xmlns="">
+      <p:transition spd="med">
+        <p:fade/>
+      </p:transition>
+    </mc:Fallback>
+  </mc:AlternateContent>
+</p:sld>
+</file>
+
+<file path=ppt/slides/slide45.xml><?xml version="1.0" encoding="utf-8"?>
+<p:sld xmlns:a="http://schemas.openxmlformats.org/drawingml/2006/main" xmlns:r="http://schemas.openxmlformats.org/officeDocument/2006/relationships" xmlns:p="http://schemas.openxmlformats.org/presentationml/2006/main">
+  <p:cSld>
+    <p:spTree>
+      <p:nvGrpSpPr>
+        <p:cNvPr id="1" name=""/>
+        <p:cNvGrpSpPr/>
+        <p:nvPr/>
+      </p:nvGrpSpPr>
+      <p:grpSpPr>
+        <a:xfrm>
+          <a:off x="0" y="0"/>
+          <a:ext cx="0" cy="0"/>
+          <a:chOff x="0" y="0"/>
+          <a:chExt cx="0" cy="0"/>
+        </a:xfrm>
+      </p:grpSpPr>
+      <p:sp>
+        <p:nvSpPr>
+          <p:cNvPr id="4" name="Title 3"/>
+          <p:cNvSpPr>
+            <a:spLocks noGrp="1"/>
+          </p:cNvSpPr>
+          <p:nvPr>
+            <p:ph type="title"/>
+          </p:nvPr>
+        </p:nvSpPr>
+        <p:spPr/>
+        <p:txBody>
+          <a:bodyPr/>
+          <a:lstStyle/>
+          <a:p>
+            <a:r>
+              <a:rPr lang="en-GB" dirty="0"/>
+              <a:t>Async-Await</a:t>
+            </a:r>
+            <a:endParaRPr lang="en-GB" dirty="0">
+              <a:solidFill>
+                <a:schemeClr val="tx2"/>
+              </a:solidFill>
+            </a:endParaRPr>
+          </a:p>
+        </p:txBody>
+      </p:sp>
+    </p:spTree>
+    <p:extLst>
+      <p:ext uri="{BB962C8B-B14F-4D97-AF65-F5344CB8AC3E}">
+        <p14:creationId xmlns:p14="http://schemas.microsoft.com/office/powerpoint/2010/main" val="1988773249"/>
+      </p:ext>
+    </p:extLst>
+  </p:cSld>
+  <p:clrMapOvr>
+    <a:masterClrMapping/>
+  </p:clrMapOvr>
+  <mc:AlternateContent xmlns:mc="http://schemas.openxmlformats.org/markup-compatibility/2006" xmlns:p14="http://schemas.microsoft.com/office/powerpoint/2010/main">
+    <mc:Choice Requires="p14">
+      <p:transition spd="med" p14:dur="700">
+        <p:fade/>
+      </p:transition>
+    </mc:Choice>
+    <mc:Fallback xmlns="">
+      <p:transition spd="med">
+        <p:fade/>
+      </p:transition>
+    </mc:Fallback>
+  </mc:AlternateContent>
+</p:sld>
+</file>
+
+<file path=ppt/slides/slide46.xml><?xml version="1.0" encoding="utf-8"?>
+<p:sld xmlns:a="http://schemas.openxmlformats.org/drawingml/2006/main" xmlns:r="http://schemas.openxmlformats.org/officeDocument/2006/relationships" xmlns:p="http://schemas.openxmlformats.org/presentationml/2006/main">
+  <p:cSld>
+    <p:spTree>
+      <p:nvGrpSpPr>
+        <p:cNvPr id="1" name=""/>
+        <p:cNvGrpSpPr/>
+        <p:nvPr/>
+      </p:nvGrpSpPr>
+      <p:grpSpPr>
+        <a:xfrm>
+          <a:off x="0" y="0"/>
+          <a:ext cx="0" cy="0"/>
+          <a:chOff x="0" y="0"/>
+          <a:chExt cx="0" cy="0"/>
+        </a:xfrm>
+      </p:grpSpPr>
       <p:sp>
         <p:nvSpPr>
           <p:cNvPr id="13" name="Title 12"/>
@@ -22016,7 +25378,7 @@
 </p:sld>
 </file>
 
-<file path=ppt/slides/slide41.xml><?xml version="1.0" encoding="utf-8"?>
+<file path=ppt/slides/slide47.xml><?xml version="1.0" encoding="utf-8"?>
 <p:sld xmlns:a="http://schemas.openxmlformats.org/drawingml/2006/main" xmlns:r="http://schemas.openxmlformats.org/officeDocument/2006/relationships" xmlns:p="http://schemas.openxmlformats.org/presentationml/2006/main">
   <p:cSld>
     <p:spTree>
@@ -22128,7 +25490,7 @@
 </p:sld>
 </file>
 
-<file path=ppt/slides/slide42.xml><?xml version="1.0" encoding="utf-8"?>
+<file path=ppt/slides/slide48.xml><?xml version="1.0" encoding="utf-8"?>
 <p:sld xmlns:a="http://schemas.openxmlformats.org/drawingml/2006/main" xmlns:r="http://schemas.openxmlformats.org/officeDocument/2006/relationships" xmlns:p="http://schemas.openxmlformats.org/presentationml/2006/main">
   <p:cSld>
     <p:spTree>
@@ -22240,7 +25602,7 @@
 </p:sld>
 </file>
 
-<file path=ppt/slides/slide43.xml><?xml version="1.0" encoding="utf-8"?>
+<file path=ppt/slides/slide49.xml><?xml version="1.0" encoding="utf-8"?>
 <p:sld xmlns:a="http://schemas.openxmlformats.org/drawingml/2006/main" xmlns:r="http://schemas.openxmlformats.org/officeDocument/2006/relationships" xmlns:p="http://schemas.openxmlformats.org/presentationml/2006/main">
   <p:cSld>
     <p:spTree>
@@ -22304,7 +25666,247 @@
 </p:sld>
 </file>
 
-<file path=ppt/slides/slide44.xml><?xml version="1.0" encoding="utf-8"?>
+<file path=ppt/slides/slide5.xml><?xml version="1.0" encoding="utf-8"?>
+<p:sld xmlns:a="http://schemas.openxmlformats.org/drawingml/2006/main" xmlns:r="http://schemas.openxmlformats.org/officeDocument/2006/relationships" xmlns:p="http://schemas.openxmlformats.org/presentationml/2006/main">
+  <p:cSld>
+    <p:spTree>
+      <p:nvGrpSpPr>
+        <p:cNvPr id="1" name=""/>
+        <p:cNvGrpSpPr/>
+        <p:nvPr/>
+      </p:nvGrpSpPr>
+      <p:grpSpPr>
+        <a:xfrm>
+          <a:off x="0" y="0"/>
+          <a:ext cx="0" cy="0"/>
+          <a:chOff x="0" y="0"/>
+          <a:chExt cx="0" cy="0"/>
+        </a:xfrm>
+      </p:grpSpPr>
+      <p:grpSp>
+        <p:nvGrpSpPr>
+          <p:cNvPr id="6" name="Group 5"/>
+          <p:cNvGrpSpPr/>
+          <p:nvPr/>
+        </p:nvGrpSpPr>
+        <p:grpSpPr>
+          <a:xfrm>
+            <a:off x="1415480" y="1066800"/>
+            <a:ext cx="9361040" cy="5437627"/>
+            <a:chOff x="1415480" y="1066800"/>
+            <a:chExt cx="9361040" cy="5437627"/>
+          </a:xfrm>
+        </p:grpSpPr>
+        <p:pic>
+          <p:nvPicPr>
+            <p:cNvPr id="4" name="Picture 3"/>
+            <p:cNvPicPr>
+              <a:picLocks noChangeAspect="1"/>
+            </p:cNvPicPr>
+            <p:nvPr/>
+          </p:nvPicPr>
+          <p:blipFill rotWithShape="1">
+            <a:blip r:embed="rId2"/>
+            <a:srcRect l="1506" t="11264" r="14126" b="1835"/>
+            <a:stretch/>
+          </p:blipFill>
+          <p:spPr>
+            <a:xfrm>
+              <a:off x="1415480" y="1066800"/>
+              <a:ext cx="9361040" cy="5437627"/>
+            </a:xfrm>
+            <a:prstGeom prst="rect">
+              <a:avLst/>
+            </a:prstGeom>
+            <a:noFill/>
+            <a:ln>
+              <a:solidFill>
+                <a:schemeClr val="accent1"/>
+              </a:solidFill>
+            </a:ln>
+          </p:spPr>
+        </p:pic>
+        <p:sp>
+          <p:nvSpPr>
+            <p:cNvPr id="5" name="Rectangle 4"/>
+            <p:cNvSpPr/>
+            <p:nvPr/>
+          </p:nvSpPr>
+          <p:spPr>
+            <a:xfrm>
+              <a:off x="1919536" y="5877272"/>
+              <a:ext cx="792088" cy="560320"/>
+            </a:xfrm>
+            <a:prstGeom prst="rect">
+              <a:avLst/>
+            </a:prstGeom>
+            <a:solidFill>
+              <a:schemeClr val="bg1"/>
+            </a:solidFill>
+            <a:ln>
+              <a:solidFill>
+                <a:schemeClr val="bg1"/>
+              </a:solidFill>
+            </a:ln>
+          </p:spPr>
+          <p:style>
+            <a:lnRef idx="2">
+              <a:schemeClr val="accent1">
+                <a:shade val="50000"/>
+              </a:schemeClr>
+            </a:lnRef>
+            <a:fillRef idx="1">
+              <a:schemeClr val="accent1"/>
+            </a:fillRef>
+            <a:effectRef idx="0">
+              <a:schemeClr val="accent1"/>
+            </a:effectRef>
+            <a:fontRef idx="minor">
+              <a:schemeClr val="lt1"/>
+            </a:fontRef>
+          </p:style>
+          <p:txBody>
+            <a:bodyPr rtlCol="0" anchor="ctr"/>
+            <a:lstStyle/>
+            <a:p>
+              <a:pPr algn="ctr"/>
+              <a:endParaRPr lang="fr-FR"/>
+            </a:p>
+          </p:txBody>
+        </p:sp>
+      </p:grpSp>
+      <p:sp>
+        <p:nvSpPr>
+          <p:cNvPr id="13" name="Title 12"/>
+          <p:cNvSpPr>
+            <a:spLocks noGrp="1"/>
+          </p:cNvSpPr>
+          <p:nvPr>
+            <p:ph type="title"/>
+          </p:nvPr>
+        </p:nvSpPr>
+        <p:spPr/>
+        <p:txBody>
+          <a:bodyPr anchor="t"/>
+          <a:lstStyle/>
+          <a:p>
+            <a:r>
+              <a:rPr lang="en-US" dirty="0"/>
+              <a:t>Let’s start with A question…</a:t>
+            </a:r>
+          </a:p>
+        </p:txBody>
+      </p:sp>
+      <p:sp>
+        <p:nvSpPr>
+          <p:cNvPr id="7" name="Arrow: Right 6"/>
+          <p:cNvSpPr/>
+          <p:nvPr/>
+        </p:nvSpPr>
+        <p:spPr>
+          <a:xfrm>
+            <a:off x="2423592" y="1124744"/>
+            <a:ext cx="324000" cy="280831"/>
+          </a:xfrm>
+          <a:prstGeom prst="rightArrow">
+            <a:avLst/>
+          </a:prstGeom>
+          <a:solidFill>
+            <a:srgbClr val="FFFF00"/>
+          </a:solidFill>
+          <a:ln>
+            <a:solidFill>
+              <a:srgbClr val="FFC000"/>
+            </a:solidFill>
+          </a:ln>
+        </p:spPr>
+        <p:style>
+          <a:lnRef idx="2">
+            <a:schemeClr val="accent1">
+              <a:shade val="50000"/>
+            </a:schemeClr>
+          </a:lnRef>
+          <a:fillRef idx="1">
+            <a:schemeClr val="accent1"/>
+          </a:fillRef>
+          <a:effectRef idx="0">
+            <a:schemeClr val="accent1"/>
+          </a:effectRef>
+          <a:fontRef idx="minor">
+            <a:schemeClr val="lt1"/>
+          </a:fontRef>
+        </p:style>
+        <p:txBody>
+          <a:bodyPr rtlCol="0" anchor="ctr"/>
+          <a:lstStyle/>
+          <a:p>
+            <a:pPr algn="ctr"/>
+            <a:r>
+              <a:rPr lang="fr-FR" sz="1100" dirty="0">
+                <a:solidFill>
+                  <a:srgbClr val="C00000"/>
+                </a:solidFill>
+                <a:latin typeface="Arial" panose="020B0604020202020204" pitchFamily="34" charset="0"/>
+                <a:cs typeface="Arial" panose="020B0604020202020204" pitchFamily="34" charset="0"/>
+              </a:rPr>
+              <a:t>1</a:t>
+            </a:r>
+          </a:p>
+        </p:txBody>
+      </p:sp>
+      <p:pic>
+        <p:nvPicPr>
+          <p:cNvPr id="8" name="Picture 7"/>
+          <p:cNvPicPr>
+            <a:picLocks noChangeAspect="1"/>
+          </p:cNvPicPr>
+          <p:nvPr/>
+        </p:nvPicPr>
+        <p:blipFill rotWithShape="1">
+          <a:blip r:embed="rId3"/>
+          <a:srcRect l="17865" t="49279" r="33058" b="45230"/>
+          <a:stretch/>
+        </p:blipFill>
+        <p:spPr>
+          <a:xfrm>
+            <a:off x="3168000" y="3528000"/>
+            <a:ext cx="5760640" cy="360040"/>
+          </a:xfrm>
+          <a:prstGeom prst="rect">
+            <a:avLst/>
+          </a:prstGeom>
+          <a:noFill/>
+          <a:ln>
+            <a:noFill/>
+          </a:ln>
+        </p:spPr>
+      </p:pic>
+    </p:spTree>
+    <p:extLst>
+      <p:ext uri="{BB962C8B-B14F-4D97-AF65-F5344CB8AC3E}">
+        <p14:creationId xmlns:p14="http://schemas.microsoft.com/office/powerpoint/2010/main" val="743610532"/>
+      </p:ext>
+    </p:extLst>
+  </p:cSld>
+  <p:clrMapOvr>
+    <a:masterClrMapping/>
+  </p:clrMapOvr>
+  <mc:AlternateContent xmlns:mc="http://schemas.openxmlformats.org/markup-compatibility/2006" xmlns:p14="http://schemas.microsoft.com/office/powerpoint/2010/main">
+    <mc:Choice Requires="p14">
+      <p:transition spd="med" p14:dur="700">
+        <p:fade/>
+      </p:transition>
+    </mc:Choice>
+    <mc:Fallback xmlns="">
+      <p:transition spd="med">
+        <p:fade/>
+      </p:transition>
+    </mc:Fallback>
+  </mc:AlternateContent>
+</p:sld>
+</file>
+
+<file path=ppt/slides/slide50.xml><?xml version="1.0" encoding="utf-8"?>
 <p:sld xmlns:a="http://schemas.openxmlformats.org/drawingml/2006/main" xmlns:r="http://schemas.openxmlformats.org/officeDocument/2006/relationships" xmlns:p="http://schemas.openxmlformats.org/presentationml/2006/main">
   <p:cSld>
     <p:spTree>
@@ -22431,7 +26033,7 @@
 </p:sld>
 </file>
 
-<file path=ppt/slides/slide45.xml><?xml version="1.0" encoding="utf-8"?>
+<file path=ppt/slides/slide51.xml><?xml version="1.0" encoding="utf-8"?>
 <p:sld xmlns:a="http://schemas.openxmlformats.org/drawingml/2006/main" xmlns:r="http://schemas.openxmlformats.org/officeDocument/2006/relationships" xmlns:p="http://schemas.openxmlformats.org/presentationml/2006/main">
   <p:cSld>
     <p:spTree>
@@ -22538,7 +26140,7 @@
 </p:sld>
 </file>
 
-<file path=ppt/slides/slide46.xml><?xml version="1.0" encoding="utf-8"?>
+<file path=ppt/slides/slide52.xml><?xml version="1.0" encoding="utf-8"?>
 <p:sld xmlns:a="http://schemas.openxmlformats.org/drawingml/2006/main" xmlns:r="http://schemas.openxmlformats.org/officeDocument/2006/relationships" xmlns:p="http://schemas.openxmlformats.org/presentationml/2006/main">
   <p:cSld>
     <p:spTree>
@@ -22627,7 +26229,7 @@
 </p:sld>
 </file>
 
-<file path=ppt/slides/slide47.xml><?xml version="1.0" encoding="utf-8"?>
+<file path=ppt/slides/slide53.xml><?xml version="1.0" encoding="utf-8"?>
 <p:sld xmlns:a="http://schemas.openxmlformats.org/drawingml/2006/main" xmlns:r="http://schemas.openxmlformats.org/officeDocument/2006/relationships" xmlns:p="http://schemas.openxmlformats.org/presentationml/2006/main">
   <p:cSld>
     <p:spTree>
@@ -22976,7 +26578,7 @@
 </p:sld>
 </file>
 
-<file path=ppt/slides/slide48.xml><?xml version="1.0" encoding="utf-8"?>
+<file path=ppt/slides/slide54.xml><?xml version="1.0" encoding="utf-8"?>
 <p:sld xmlns:a="http://schemas.openxmlformats.org/drawingml/2006/main" xmlns:r="http://schemas.openxmlformats.org/officeDocument/2006/relationships" xmlns:p="http://schemas.openxmlformats.org/presentationml/2006/main">
   <p:cSld>
     <p:spTree>
@@ -23065,7 +26667,7 @@
 </p:sld>
 </file>
 
-<file path=ppt/slides/slide49.xml><?xml version="1.0" encoding="utf-8"?>
+<file path=ppt/slides/slide55.xml><?xml version="1.0" encoding="utf-8"?>
 <p:sld xmlns:a="http://schemas.openxmlformats.org/drawingml/2006/main" xmlns:r="http://schemas.openxmlformats.org/officeDocument/2006/relationships" xmlns:p="http://schemas.openxmlformats.org/presentationml/2006/main">
   <p:cSld>
     <p:spTree>
@@ -23148,247 +26750,7 @@
 </p:sld>
 </file>
 
-<file path=ppt/slides/slide5.xml><?xml version="1.0" encoding="utf-8"?>
-<p:sld xmlns:a="http://schemas.openxmlformats.org/drawingml/2006/main" xmlns:r="http://schemas.openxmlformats.org/officeDocument/2006/relationships" xmlns:p="http://schemas.openxmlformats.org/presentationml/2006/main">
-  <p:cSld>
-    <p:spTree>
-      <p:nvGrpSpPr>
-        <p:cNvPr id="1" name=""/>
-        <p:cNvGrpSpPr/>
-        <p:nvPr/>
-      </p:nvGrpSpPr>
-      <p:grpSpPr>
-        <a:xfrm>
-          <a:off x="0" y="0"/>
-          <a:ext cx="0" cy="0"/>
-          <a:chOff x="0" y="0"/>
-          <a:chExt cx="0" cy="0"/>
-        </a:xfrm>
-      </p:grpSpPr>
-      <p:grpSp>
-        <p:nvGrpSpPr>
-          <p:cNvPr id="6" name="Group 5"/>
-          <p:cNvGrpSpPr/>
-          <p:nvPr/>
-        </p:nvGrpSpPr>
-        <p:grpSpPr>
-          <a:xfrm>
-            <a:off x="1415480" y="1066800"/>
-            <a:ext cx="9361040" cy="5437627"/>
-            <a:chOff x="1415480" y="1066800"/>
-            <a:chExt cx="9361040" cy="5437627"/>
-          </a:xfrm>
-        </p:grpSpPr>
-        <p:pic>
-          <p:nvPicPr>
-            <p:cNvPr id="4" name="Picture 3"/>
-            <p:cNvPicPr>
-              <a:picLocks noChangeAspect="1"/>
-            </p:cNvPicPr>
-            <p:nvPr/>
-          </p:nvPicPr>
-          <p:blipFill rotWithShape="1">
-            <a:blip r:embed="rId2"/>
-            <a:srcRect l="1506" t="11264" r="14126" b="1835"/>
-            <a:stretch/>
-          </p:blipFill>
-          <p:spPr>
-            <a:xfrm>
-              <a:off x="1415480" y="1066800"/>
-              <a:ext cx="9361040" cy="5437627"/>
-            </a:xfrm>
-            <a:prstGeom prst="rect">
-              <a:avLst/>
-            </a:prstGeom>
-            <a:noFill/>
-            <a:ln>
-              <a:solidFill>
-                <a:schemeClr val="accent1"/>
-              </a:solidFill>
-            </a:ln>
-          </p:spPr>
-        </p:pic>
-        <p:sp>
-          <p:nvSpPr>
-            <p:cNvPr id="5" name="Rectangle 4"/>
-            <p:cNvSpPr/>
-            <p:nvPr/>
-          </p:nvSpPr>
-          <p:spPr>
-            <a:xfrm>
-              <a:off x="1919536" y="5877272"/>
-              <a:ext cx="792088" cy="560320"/>
-            </a:xfrm>
-            <a:prstGeom prst="rect">
-              <a:avLst/>
-            </a:prstGeom>
-            <a:solidFill>
-              <a:schemeClr val="bg1"/>
-            </a:solidFill>
-            <a:ln>
-              <a:solidFill>
-                <a:schemeClr val="bg1"/>
-              </a:solidFill>
-            </a:ln>
-          </p:spPr>
-          <p:style>
-            <a:lnRef idx="2">
-              <a:schemeClr val="accent1">
-                <a:shade val="50000"/>
-              </a:schemeClr>
-            </a:lnRef>
-            <a:fillRef idx="1">
-              <a:schemeClr val="accent1"/>
-            </a:fillRef>
-            <a:effectRef idx="0">
-              <a:schemeClr val="accent1"/>
-            </a:effectRef>
-            <a:fontRef idx="minor">
-              <a:schemeClr val="lt1"/>
-            </a:fontRef>
-          </p:style>
-          <p:txBody>
-            <a:bodyPr rtlCol="0" anchor="ctr"/>
-            <a:lstStyle/>
-            <a:p>
-              <a:pPr algn="ctr"/>
-              <a:endParaRPr lang="fr-FR"/>
-            </a:p>
-          </p:txBody>
-        </p:sp>
-      </p:grpSp>
-      <p:sp>
-        <p:nvSpPr>
-          <p:cNvPr id="13" name="Title 12"/>
-          <p:cNvSpPr>
-            <a:spLocks noGrp="1"/>
-          </p:cNvSpPr>
-          <p:nvPr>
-            <p:ph type="title"/>
-          </p:nvPr>
-        </p:nvSpPr>
-        <p:spPr/>
-        <p:txBody>
-          <a:bodyPr anchor="t"/>
-          <a:lstStyle/>
-          <a:p>
-            <a:r>
-              <a:rPr lang="en-US" dirty="0"/>
-              <a:t>Let’s start with A question…</a:t>
-            </a:r>
-          </a:p>
-        </p:txBody>
-      </p:sp>
-      <p:sp>
-        <p:nvSpPr>
-          <p:cNvPr id="7" name="Arrow: Right 6"/>
-          <p:cNvSpPr/>
-          <p:nvPr/>
-        </p:nvSpPr>
-        <p:spPr>
-          <a:xfrm>
-            <a:off x="2423592" y="1124744"/>
-            <a:ext cx="324000" cy="280831"/>
-          </a:xfrm>
-          <a:prstGeom prst="rightArrow">
-            <a:avLst/>
-          </a:prstGeom>
-          <a:solidFill>
-            <a:srgbClr val="FFFF00"/>
-          </a:solidFill>
-          <a:ln>
-            <a:solidFill>
-              <a:srgbClr val="FFC000"/>
-            </a:solidFill>
-          </a:ln>
-        </p:spPr>
-        <p:style>
-          <a:lnRef idx="2">
-            <a:schemeClr val="accent1">
-              <a:shade val="50000"/>
-            </a:schemeClr>
-          </a:lnRef>
-          <a:fillRef idx="1">
-            <a:schemeClr val="accent1"/>
-          </a:fillRef>
-          <a:effectRef idx="0">
-            <a:schemeClr val="accent1"/>
-          </a:effectRef>
-          <a:fontRef idx="minor">
-            <a:schemeClr val="lt1"/>
-          </a:fontRef>
-        </p:style>
-        <p:txBody>
-          <a:bodyPr rtlCol="0" anchor="ctr"/>
-          <a:lstStyle/>
-          <a:p>
-            <a:pPr algn="ctr"/>
-            <a:r>
-              <a:rPr lang="fr-FR" sz="1100" dirty="0">
-                <a:solidFill>
-                  <a:srgbClr val="C00000"/>
-                </a:solidFill>
-                <a:latin typeface="Arial" panose="020B0604020202020204" pitchFamily="34" charset="0"/>
-                <a:cs typeface="Arial" panose="020B0604020202020204" pitchFamily="34" charset="0"/>
-              </a:rPr>
-              <a:t>1</a:t>
-            </a:r>
-          </a:p>
-        </p:txBody>
-      </p:sp>
-      <p:pic>
-        <p:nvPicPr>
-          <p:cNvPr id="8" name="Picture 7"/>
-          <p:cNvPicPr>
-            <a:picLocks noChangeAspect="1"/>
-          </p:cNvPicPr>
-          <p:nvPr/>
-        </p:nvPicPr>
-        <p:blipFill rotWithShape="1">
-          <a:blip r:embed="rId3"/>
-          <a:srcRect l="17865" t="49279" r="33058" b="45230"/>
-          <a:stretch/>
-        </p:blipFill>
-        <p:spPr>
-          <a:xfrm>
-            <a:off x="3168000" y="3528000"/>
-            <a:ext cx="5760640" cy="360040"/>
-          </a:xfrm>
-          <a:prstGeom prst="rect">
-            <a:avLst/>
-          </a:prstGeom>
-          <a:noFill/>
-          <a:ln>
-            <a:noFill/>
-          </a:ln>
-        </p:spPr>
-      </p:pic>
-    </p:spTree>
-    <p:extLst>
-      <p:ext uri="{BB962C8B-B14F-4D97-AF65-F5344CB8AC3E}">
-        <p14:creationId xmlns:p14="http://schemas.microsoft.com/office/powerpoint/2010/main" val="743610532"/>
-      </p:ext>
-    </p:extLst>
-  </p:cSld>
-  <p:clrMapOvr>
-    <a:masterClrMapping/>
-  </p:clrMapOvr>
-  <mc:AlternateContent xmlns:mc="http://schemas.openxmlformats.org/markup-compatibility/2006" xmlns:p14="http://schemas.microsoft.com/office/powerpoint/2010/main">
-    <mc:Choice Requires="p14">
-      <p:transition spd="med" p14:dur="700">
-        <p:fade/>
-      </p:transition>
-    </mc:Choice>
-    <mc:Fallback xmlns="">
-      <p:transition spd="med">
-        <p:fade/>
-      </p:transition>
-    </mc:Fallback>
-  </mc:AlternateContent>
-</p:sld>
-</file>
-
-<file path=ppt/slides/slide50.xml><?xml version="1.0" encoding="utf-8"?>
+<file path=ppt/slides/slide56.xml><?xml version="1.0" encoding="utf-8"?>
 <p:sld xmlns:a="http://schemas.openxmlformats.org/drawingml/2006/main" xmlns:r="http://schemas.openxmlformats.org/officeDocument/2006/relationships" xmlns:p="http://schemas.openxmlformats.org/presentationml/2006/main">
   <p:cSld>
     <p:spTree>
@@ -23528,7 +26890,7 @@
 </p:sld>
 </file>
 
-<file path=ppt/slides/slide51.xml><?xml version="1.0" encoding="utf-8"?>
+<file path=ppt/slides/slide57.xml><?xml version="1.0" encoding="utf-8"?>
 <p:sld xmlns:a="http://schemas.openxmlformats.org/drawingml/2006/main" xmlns:r="http://schemas.openxmlformats.org/officeDocument/2006/relationships" xmlns:p="http://schemas.openxmlformats.org/presentationml/2006/main">
   <p:cSld>
     <p:spTree>
@@ -23592,7 +26954,7 @@
 </p:sld>
 </file>
 
-<file path=ppt/slides/slide52.xml><?xml version="1.0" encoding="utf-8"?>
+<file path=ppt/slides/slide58.xml><?xml version="1.0" encoding="utf-8"?>
 <p:sld xmlns:a="http://schemas.openxmlformats.org/drawingml/2006/main" xmlns:r="http://schemas.openxmlformats.org/officeDocument/2006/relationships" xmlns:p="http://schemas.openxmlformats.org/presentationml/2006/main">
   <p:cSld>
     <p:spTree>
@@ -23634,7 +26996,7 @@
 </p:sld>
 </file>
 
-<file path=ppt/slides/slide53.xml><?xml version="1.0" encoding="utf-8"?>
+<file path=ppt/slides/slide59.xml><?xml version="1.0" encoding="utf-8"?>
 <p:sld xmlns:a="http://schemas.openxmlformats.org/drawingml/2006/main" xmlns:r="http://schemas.openxmlformats.org/officeDocument/2006/relationships" xmlns:p="http://schemas.openxmlformats.org/presentationml/2006/main">
   <p:cSld>
     <p:spTree>
@@ -23715,101 +27077,6 @@
     <p:extLst>
       <p:ext uri="{BB962C8B-B14F-4D97-AF65-F5344CB8AC3E}">
         <p14:creationId xmlns:p14="http://schemas.microsoft.com/office/powerpoint/2010/main" val="2765137111"/>
-      </p:ext>
-    </p:extLst>
-  </p:cSld>
-  <p:clrMapOvr>
-    <a:masterClrMapping/>
-  </p:clrMapOvr>
-  <mc:AlternateContent xmlns:mc="http://schemas.openxmlformats.org/markup-compatibility/2006" xmlns:p14="http://schemas.microsoft.com/office/powerpoint/2010/main">
-    <mc:Choice Requires="p14">
-      <p:transition spd="med" p14:dur="700">
-        <p:fade/>
-      </p:transition>
-    </mc:Choice>
-    <mc:Fallback xmlns="">
-      <p:transition spd="med">
-        <p:fade/>
-      </p:transition>
-    </mc:Fallback>
-  </mc:AlternateContent>
-</p:sld>
-</file>
-
-<file path=ppt/slides/slide54.xml><?xml version="1.0" encoding="utf-8"?>
-<p:sld xmlns:a="http://schemas.openxmlformats.org/drawingml/2006/main" xmlns:r="http://schemas.openxmlformats.org/officeDocument/2006/relationships" xmlns:p="http://schemas.openxmlformats.org/presentationml/2006/main">
-  <p:cSld>
-    <p:spTree>
-      <p:nvGrpSpPr>
-        <p:cNvPr id="1" name=""/>
-        <p:cNvGrpSpPr/>
-        <p:nvPr/>
-      </p:nvGrpSpPr>
-      <p:grpSpPr>
-        <a:xfrm>
-          <a:off x="0" y="0"/>
-          <a:ext cx="0" cy="0"/>
-          <a:chOff x="0" y="0"/>
-          <a:chExt cx="0" cy="0"/>
-        </a:xfrm>
-      </p:grpSpPr>
-      <p:sp>
-        <p:nvSpPr>
-          <p:cNvPr id="3" name="Title 2"/>
-          <p:cNvSpPr>
-            <a:spLocks noGrp="1"/>
-          </p:cNvSpPr>
-          <p:nvPr>
-            <p:ph type="title"/>
-          </p:nvPr>
-        </p:nvSpPr>
-        <p:spPr/>
-        <p:txBody>
-          <a:bodyPr/>
-          <a:lstStyle/>
-          <a:p>
-            <a:r>
-              <a:rPr lang="en-US" dirty="0"/>
-              <a:t>Add a Slide Title - 5</a:t>
-            </a:r>
-          </a:p>
-        </p:txBody>
-      </p:sp>
-      <p:sp>
-        <p:nvSpPr>
-          <p:cNvPr id="4" name="Text Placeholder 3"/>
-          <p:cNvSpPr>
-            <a:spLocks noGrp="1"/>
-          </p:cNvSpPr>
-          <p:nvPr>
-            <p:ph type="body" sz="half" idx="2"/>
-          </p:nvPr>
-        </p:nvSpPr>
-        <p:spPr/>
-        <p:txBody>
-          <a:bodyPr/>
-          <a:lstStyle/>
-          <a:p>
-            <a:endParaRPr lang="en-US"/>
-          </a:p>
-        </p:txBody>
-      </p:sp>
-      <p:sp>
-        <p:nvSpPr>
-          <p:cNvPr id="2" name="Picture Placeholder 1" descr="An empty placeholder to add an image. Click on the placeholder and select the image that you wish to add."/>
-          <p:cNvSpPr>
-            <a:spLocks noGrp="1"/>
-          </p:cNvSpPr>
-          <p:nvPr>
-            <p:ph type="pic" idx="1"/>
-          </p:nvPr>
-        </p:nvSpPr>
-        <p:spPr/>
-      </p:sp>
-    </p:spTree>
-    <p:extLst>
-      <p:ext uri="{BB962C8B-B14F-4D97-AF65-F5344CB8AC3E}">
-        <p14:creationId xmlns:p14="http://schemas.microsoft.com/office/powerpoint/2010/main" val="1108506989"/>
       </p:ext>
     </p:extLst>
   </p:cSld>
@@ -24050,6 +27317,101 @@
     <p:extLst>
       <p:ext uri="{BB962C8B-B14F-4D97-AF65-F5344CB8AC3E}">
         <p14:creationId xmlns:p14="http://schemas.microsoft.com/office/powerpoint/2010/main" val="816065562"/>
+      </p:ext>
+    </p:extLst>
+  </p:cSld>
+  <p:clrMapOvr>
+    <a:masterClrMapping/>
+  </p:clrMapOvr>
+  <mc:AlternateContent xmlns:mc="http://schemas.openxmlformats.org/markup-compatibility/2006" xmlns:p14="http://schemas.microsoft.com/office/powerpoint/2010/main">
+    <mc:Choice Requires="p14">
+      <p:transition spd="med" p14:dur="700">
+        <p:fade/>
+      </p:transition>
+    </mc:Choice>
+    <mc:Fallback xmlns="">
+      <p:transition spd="med">
+        <p:fade/>
+      </p:transition>
+    </mc:Fallback>
+  </mc:AlternateContent>
+</p:sld>
+</file>
+
+<file path=ppt/slides/slide60.xml><?xml version="1.0" encoding="utf-8"?>
+<p:sld xmlns:a="http://schemas.openxmlformats.org/drawingml/2006/main" xmlns:r="http://schemas.openxmlformats.org/officeDocument/2006/relationships" xmlns:p="http://schemas.openxmlformats.org/presentationml/2006/main">
+  <p:cSld>
+    <p:spTree>
+      <p:nvGrpSpPr>
+        <p:cNvPr id="1" name=""/>
+        <p:cNvGrpSpPr/>
+        <p:nvPr/>
+      </p:nvGrpSpPr>
+      <p:grpSpPr>
+        <a:xfrm>
+          <a:off x="0" y="0"/>
+          <a:ext cx="0" cy="0"/>
+          <a:chOff x="0" y="0"/>
+          <a:chExt cx="0" cy="0"/>
+        </a:xfrm>
+      </p:grpSpPr>
+      <p:sp>
+        <p:nvSpPr>
+          <p:cNvPr id="3" name="Title 2"/>
+          <p:cNvSpPr>
+            <a:spLocks noGrp="1"/>
+          </p:cNvSpPr>
+          <p:nvPr>
+            <p:ph type="title"/>
+          </p:nvPr>
+        </p:nvSpPr>
+        <p:spPr/>
+        <p:txBody>
+          <a:bodyPr/>
+          <a:lstStyle/>
+          <a:p>
+            <a:r>
+              <a:rPr lang="en-US" dirty="0"/>
+              <a:t>Add a Slide Title - 5</a:t>
+            </a:r>
+          </a:p>
+        </p:txBody>
+      </p:sp>
+      <p:sp>
+        <p:nvSpPr>
+          <p:cNvPr id="4" name="Text Placeholder 3"/>
+          <p:cNvSpPr>
+            <a:spLocks noGrp="1"/>
+          </p:cNvSpPr>
+          <p:nvPr>
+            <p:ph type="body" sz="half" idx="2"/>
+          </p:nvPr>
+        </p:nvSpPr>
+        <p:spPr/>
+        <p:txBody>
+          <a:bodyPr/>
+          <a:lstStyle/>
+          <a:p>
+            <a:endParaRPr lang="en-US"/>
+          </a:p>
+        </p:txBody>
+      </p:sp>
+      <p:sp>
+        <p:nvSpPr>
+          <p:cNvPr id="2" name="Picture Placeholder 1" descr="An empty placeholder to add an image. Click on the placeholder and select the image that you wish to add."/>
+          <p:cNvSpPr>
+            <a:spLocks noGrp="1"/>
+          </p:cNvSpPr>
+          <p:nvPr>
+            <p:ph type="pic" idx="1"/>
+          </p:nvPr>
+        </p:nvSpPr>
+        <p:spPr/>
+      </p:sp>
+    </p:spTree>
+    <p:extLst>
+      <p:ext uri="{BB962C8B-B14F-4D97-AF65-F5344CB8AC3E}">
+        <p14:creationId xmlns:p14="http://schemas.microsoft.com/office/powerpoint/2010/main" val="1108506989"/>
       </p:ext>
     </p:extLst>
   </p:cSld>
@@ -25571,6 +28933,15 @@
 </file>
 
 <file path=customXml/item1.xml><?xml version="1.0" encoding="utf-8"?>
+<?mso-contentType ?>
+<FormTemplates xmlns="http://schemas.microsoft.com/sharepoint/v3/contenttype/forms">
+  <Display>DocumentLibraryForm</Display>
+  <Edit>AssetEditForm</Edit>
+  <New>DocumentLibraryForm</New>
+</FormTemplates>
+</file>
+
+<file path=customXml/item2.xml><?xml version="1.0" encoding="utf-8"?>
 <p:properties xmlns:p="http://schemas.microsoft.com/office/2006/metadata/properties" xmlns:xsi="http://www.w3.org/2001/XMLSchema-instance" xmlns:pc="http://schemas.microsoft.com/office/infopath/2007/PartnerControls">
   <documentManagement>
     <DirectSourceMarket xmlns="4873beb7-5857-4685-be1f-d57550cc96cc" xsi:nil="true"/>
@@ -25697,7 +29068,7 @@
 </p:properties>
 </file>
 
-<file path=customXml/item2.xml><?xml version="1.0" encoding="utf-8"?>
+<file path=customXml/item3.xml><?xml version="1.0" encoding="utf-8"?>
 <ct:contentTypeSchema xmlns:ct="http://schemas.microsoft.com/office/2006/metadata/contentType" xmlns:ma="http://schemas.microsoft.com/office/2006/metadata/properties/metaAttributes" ct:_="" ma:_="" ma:contentTypeName="TemplateFile" ma:contentTypeID="0x0101006EDDDB5EE6D98C44930B742096920B300400F5B6D36B3EF94B4E9A635CDF2A18F5B8" ma:contentTypeVersion="72" ma:contentTypeDescription="Create a new document." ma:contentTypeScope="" ma:versionID="a23e56308344d904b51738559c3d67c9">
   <xsd:schema xmlns:xsd="http://www.w3.org/2001/XMLSchema" xmlns:xs="http://www.w3.org/2001/XMLSchema" xmlns:p="http://schemas.microsoft.com/office/2006/metadata/properties" xmlns:ns2="4873beb7-5857-4685-be1f-d57550cc96cc" targetNamespace="http://schemas.microsoft.com/office/2006/metadata/properties" ma:root="true" ma:fieldsID="cd0908cc4600e77bf5da051303e00c8d" ns2:_="">
     <xsd:import namespace="4873beb7-5857-4685-be1f-d57550cc96cc"/>
@@ -26737,16 +30108,15 @@
 </ct:contentTypeSchema>
 </file>
 
-<file path=customXml/item3.xml><?xml version="1.0" encoding="utf-8"?>
-<?mso-contentType ?>
-<FormTemplates xmlns="http://schemas.microsoft.com/sharepoint/v3/contenttype/forms">
-  <Display>DocumentLibraryForm</Display>
-  <Edit>AssetEditForm</Edit>
-  <New>DocumentLibraryForm</New>
-</FormTemplates>
+<file path=customXml/itemProps1.xml><?xml version="1.0" encoding="utf-8"?>
+<ds:datastoreItem xmlns:ds="http://schemas.openxmlformats.org/officeDocument/2006/customXml" ds:itemID="{74228E6B-D70C-44BB-A81F-A245495F612B}">
+  <ds:schemaRefs>
+    <ds:schemaRef ds:uri="http://schemas.microsoft.com/sharepoint/v3/contenttype/forms"/>
+  </ds:schemaRefs>
+</ds:datastoreItem>
 </file>
 
-<file path=customXml/itemProps1.xml><?xml version="1.0" encoding="utf-8"?>
+<file path=customXml/itemProps2.xml><?xml version="1.0" encoding="utf-8"?>
 <ds:datastoreItem xmlns:ds="http://schemas.openxmlformats.org/officeDocument/2006/customXml" ds:itemID="{00E41224-0370-4595-877C-23316CD80004}">
   <ds:schemaRefs>
     <ds:schemaRef ds:uri="http://schemas.microsoft.com/office/2006/metadata/properties"/>
@@ -26762,7 +30132,7 @@
 </ds:datastoreItem>
 </file>
 
-<file path=customXml/itemProps2.xml><?xml version="1.0" encoding="utf-8"?>
+<file path=customXml/itemProps3.xml><?xml version="1.0" encoding="utf-8"?>
 <ds:datastoreItem xmlns:ds="http://schemas.openxmlformats.org/officeDocument/2006/customXml" ds:itemID="{22CCB507-0646-4A50-A4F7-7F385079D589}">
   <ds:schemaRefs>
     <ds:schemaRef ds:uri="http://schemas.microsoft.com/office/2006/metadata/contentType"/>
@@ -26778,12 +30148,4 @@
     <ds:schemaRef ds:uri="http://schemas.microsoft.com/internal/obd"/>
   </ds:schemaRefs>
 </ds:datastoreItem>
-</file>
-
-<file path=customXml/itemProps3.xml><?xml version="1.0" encoding="utf-8"?>
-<ds:datastoreItem xmlns:ds="http://schemas.openxmlformats.org/officeDocument/2006/customXml" ds:itemID="{74228E6B-D70C-44BB-A81F-A245495F612B}">
-  <ds:schemaRefs>
-    <ds:schemaRef ds:uri="http://schemas.microsoft.com/sharepoint/v3/contenttype/forms"/>
-  </ds:schemaRefs>
-</ds:datastoreItem>
 </file>
--- a/AsyncAwait...ohWait.pptx
+++ b/AsyncAwait...ohWait.pptx
@@ -5,10 +5,10 @@
     <p:sldMasterId id="2147483648" r:id="rId4"/>
   </p:sldMasterIdLst>
   <p:notesMasterIdLst>
-    <p:notesMasterId r:id="rId65"/>
+    <p:notesMasterId r:id="rId74"/>
   </p:notesMasterIdLst>
   <p:handoutMasterIdLst>
-    <p:handoutMasterId r:id="rId66"/>
+    <p:handoutMasterId r:id="rId75"/>
   </p:handoutMasterIdLst>
   <p:sldIdLst>
     <p:sldId id="265" r:id="rId5"/>
@@ -39,43 +39,52 @@
     <p:sldId id="343" r:id="rId30"/>
     <p:sldId id="356" r:id="rId31"/>
     <p:sldId id="357" r:id="rId32"/>
-    <p:sldId id="329" r:id="rId33"/>
+    <p:sldId id="380" r:id="rId33"/>
     <p:sldId id="358" r:id="rId34"/>
     <p:sldId id="330" r:id="rId35"/>
     <p:sldId id="323" r:id="rId36"/>
-    <p:sldId id="321" r:id="rId37"/>
-    <p:sldId id="360" r:id="rId38"/>
-    <p:sldId id="364" r:id="rId39"/>
-    <p:sldId id="361" r:id="rId40"/>
-    <p:sldId id="371" r:id="rId41"/>
-    <p:sldId id="369" r:id="rId42"/>
-    <p:sldId id="370" r:id="rId43"/>
-    <p:sldId id="372" r:id="rId44"/>
-    <p:sldId id="367" r:id="rId45"/>
-    <p:sldId id="366" r:id="rId46"/>
-    <p:sldId id="324" r:id="rId47"/>
-    <p:sldId id="363" r:id="rId48"/>
-    <p:sldId id="368" r:id="rId49"/>
-    <p:sldId id="327" r:id="rId50"/>
-    <p:sldId id="325" r:id="rId51"/>
-    <p:sldId id="326" r:id="rId52"/>
-    <p:sldId id="331" r:id="rId53"/>
-    <p:sldId id="328" r:id="rId54"/>
-    <p:sldId id="332" r:id="rId55"/>
-    <p:sldId id="311" r:id="rId56"/>
-    <p:sldId id="313" r:id="rId57"/>
-    <p:sldId id="312" r:id="rId58"/>
-    <p:sldId id="314" r:id="rId59"/>
-    <p:sldId id="315" r:id="rId60"/>
-    <p:sldId id="316" r:id="rId61"/>
-    <p:sldId id="317" r:id="rId62"/>
-    <p:sldId id="318" r:id="rId63"/>
-    <p:sldId id="319" r:id="rId64"/>
+    <p:sldId id="376" r:id="rId37"/>
+    <p:sldId id="321" r:id="rId38"/>
+    <p:sldId id="360" r:id="rId39"/>
+    <p:sldId id="373" r:id="rId40"/>
+    <p:sldId id="364" r:id="rId41"/>
+    <p:sldId id="361" r:id="rId42"/>
+    <p:sldId id="371" r:id="rId43"/>
+    <p:sldId id="369" r:id="rId44"/>
+    <p:sldId id="370" r:id="rId45"/>
+    <p:sldId id="372" r:id="rId46"/>
+    <p:sldId id="379" r:id="rId47"/>
+    <p:sldId id="377" r:id="rId48"/>
+    <p:sldId id="375" r:id="rId49"/>
+    <p:sldId id="382" r:id="rId50"/>
+    <p:sldId id="383" r:id="rId51"/>
+    <p:sldId id="384" r:id="rId52"/>
+    <p:sldId id="366" r:id="rId53"/>
+    <p:sldId id="381" r:id="rId54"/>
+    <p:sldId id="378" r:id="rId55"/>
+    <p:sldId id="324" r:id="rId56"/>
+    <p:sldId id="363" r:id="rId57"/>
+    <p:sldId id="327" r:id="rId58"/>
+    <p:sldId id="325" r:id="rId59"/>
+    <p:sldId id="326" r:id="rId60"/>
+    <p:sldId id="368" r:id="rId61"/>
+    <p:sldId id="331" r:id="rId62"/>
+    <p:sldId id="328" r:id="rId63"/>
+    <p:sldId id="332" r:id="rId64"/>
+    <p:sldId id="311" r:id="rId65"/>
+    <p:sldId id="313" r:id="rId66"/>
+    <p:sldId id="312" r:id="rId67"/>
+    <p:sldId id="314" r:id="rId68"/>
+    <p:sldId id="315" r:id="rId69"/>
+    <p:sldId id="316" r:id="rId70"/>
+    <p:sldId id="317" r:id="rId71"/>
+    <p:sldId id="318" r:id="rId72"/>
+    <p:sldId id="319" r:id="rId73"/>
   </p:sldIdLst>
   <p:sldSz cx="12192000" cy="6858000"/>
   <p:notesSz cx="6858000" cy="9144000"/>
   <p:custDataLst>
-    <p:tags r:id="rId67"/>
+    <p:tags r:id="rId76"/>
   </p:custDataLst>
   <p:defaultTextStyle>
     <a:defPPr>
@@ -4753,7 +4762,7 @@
           <a:p>
             <a:fld id="{59088EAF-6ECA-4616-85EF-35AA19C641F3}" type="datetimeFigureOut">
               <a:rPr lang="en-US"/>
-              <a:t>12/6/2016</a:t>
+              <a:t>12/7/2016</a:t>
             </a:fld>
             <a:endParaRPr/>
           </a:p>
@@ -4918,7 +4927,7 @@
           <a:p>
             <a:fld id="{3ABD2D7A-D230-4F91-BD59-0A39C2703BA8}" type="datetimeFigureOut">
               <a:rPr lang="en-US"/>
-              <a:t>12/6/2016</a:t>
+              <a:t>12/7/2016</a:t>
             </a:fld>
             <a:endParaRPr/>
           </a:p>
@@ -5374,7 +5383,7 @@
           <a:p>
             <a:fld id="{F93199CD-3E1B-4AE6-990F-76F925F5EA9F}" type="slidenum">
               <a:rPr lang="fr-FR" smtClean="0"/>
-              <a:t>40</a:t>
+              <a:t>41</a:t>
             </a:fld>
             <a:endParaRPr lang="fr-FR"/>
           </a:p>
@@ -5383,7 +5392,7 @@
     </p:spTree>
     <p:extLst>
       <p:ext uri="{BB962C8B-B14F-4D97-AF65-F5344CB8AC3E}">
-        <p14:creationId xmlns:p14="http://schemas.microsoft.com/office/powerpoint/2010/main" val="672090586"/>
+        <p14:creationId xmlns:p14="http://schemas.microsoft.com/office/powerpoint/2010/main" val="874700845"/>
       </p:ext>
     </p:extLst>
   </p:cSld>
@@ -5439,12 +5448,37 @@
           <a:p>
             <a:r>
               <a:rPr lang="fr-FR" dirty="0" err="1"/>
-              <a:t>Ref</a:t>
+              <a:t>Refs</a:t>
             </a:r>
             <a:r>
               <a:rPr lang="fr-FR" dirty="0"/>
-              <a:t>: http://www.designnation.de/Media/Galerie/50cf9c1d197e0,Houston-we-have-a-problem.jpg</a:t>
-            </a:r>
+              <a:t> :</a:t>
+            </a:r>
+            <a:r>
+              <a:rPr lang="fr-FR" baseline="0" dirty="0"/>
+              <a:t> </a:t>
+            </a:r>
+          </a:p>
+          <a:p>
+            <a:r>
+              <a:rPr lang="fr-FR" baseline="0" dirty="0"/>
+              <a:t>- https://cdn3.iconfinder.com/data/icons/basic-mobile-part-3/512/prisoner-512.png</a:t>
+            </a:r>
+          </a:p>
+          <a:p>
+            <a:r>
+              <a:rPr lang="fr-FR" baseline="0" dirty="0"/>
+              <a:t>- https://cdn4.iconfinder.com/data/icons/human-values-solid/100/_-62-512.png</a:t>
+            </a:r>
+          </a:p>
+          <a:p>
+            <a:r>
+              <a:rPr lang="fr-FR" baseline="0" dirty="0"/>
+              <a:t>- https://d30y9cdsu7xlg0.cloudfront.net/png/89995-200.png</a:t>
+            </a:r>
+          </a:p>
+          <a:p>
+            <a:endParaRPr lang="fr-FR" dirty="0"/>
           </a:p>
         </p:txBody>
       </p:sp>
@@ -5465,7 +5499,7 @@
           <a:p>
             <a:fld id="{F93199CD-3E1B-4AE6-990F-76F925F5EA9F}" type="slidenum">
               <a:rPr lang="fr-FR" smtClean="0"/>
-              <a:t>43</a:t>
+              <a:t>42</a:t>
             </a:fld>
             <a:endParaRPr lang="fr-FR"/>
           </a:p>
@@ -5474,7 +5508,7 @@
     </p:spTree>
     <p:extLst>
       <p:ext uri="{BB962C8B-B14F-4D97-AF65-F5344CB8AC3E}">
-        <p14:creationId xmlns:p14="http://schemas.microsoft.com/office/powerpoint/2010/main" val="3270049000"/>
+        <p14:creationId xmlns:p14="http://schemas.microsoft.com/office/powerpoint/2010/main" val="672090586"/>
       </p:ext>
     </p:extLst>
   </p:cSld>
@@ -5528,6 +5562,32 @@
           <a:bodyPr/>
           <a:lstStyle/>
           <a:p>
+            <a:r>
+              <a:rPr lang="fr-FR" dirty="0" err="1"/>
+              <a:t>Refs</a:t>
+            </a:r>
+            <a:r>
+              <a:rPr lang="fr-FR" dirty="0"/>
+              <a:t> :</a:t>
+            </a:r>
+            <a:r>
+              <a:rPr lang="fr-FR" baseline="0" dirty="0"/>
+              <a:t> </a:t>
+            </a:r>
+          </a:p>
+          <a:p>
+            <a:r>
+              <a:rPr lang="fr-FR" baseline="0" dirty="0"/>
+              <a:t>- https://cdn3.iconfinder.com/data/icons/basic-mobile-part-3/512/prisoner-512.png</a:t>
+            </a:r>
+          </a:p>
+          <a:p>
+            <a:r>
+              <a:rPr lang="fr-FR" baseline="0" dirty="0"/>
+              <a:t>- https://d30y9cdsu7xlg0.cloudfront.net/png/89995-200.png</a:t>
+            </a:r>
+          </a:p>
+          <a:p>
             <a:endParaRPr lang="fr-FR" dirty="0"/>
           </a:p>
         </p:txBody>
@@ -5549,7 +5609,7 @@
           <a:p>
             <a:fld id="{F93199CD-3E1B-4AE6-990F-76F925F5EA9F}" type="slidenum">
               <a:rPr lang="fr-FR" smtClean="0"/>
-              <a:t>44</a:t>
+              <a:t>43</a:t>
             </a:fld>
             <a:endParaRPr lang="fr-FR"/>
           </a:p>
@@ -5558,7 +5618,7 @@
     </p:spTree>
     <p:extLst>
       <p:ext uri="{BB962C8B-B14F-4D97-AF65-F5344CB8AC3E}">
-        <p14:creationId xmlns:p14="http://schemas.microsoft.com/office/powerpoint/2010/main" val="3997955718"/>
+        <p14:creationId xmlns:p14="http://schemas.microsoft.com/office/powerpoint/2010/main" val="2439808178"/>
       </p:ext>
     </p:extLst>
   </p:cSld>
@@ -5618,7 +5678,7 @@
             </a:r>
             <a:r>
               <a:rPr lang="fr-FR" dirty="0"/>
-              <a:t>: http://ci.memecdn.com/7869512.jpg</a:t>
+              <a:t>: http://www.designnation.de/Media/Galerie/50cf9c1d197e0,Houston-we-have-a-problem.jpg</a:t>
             </a:r>
           </a:p>
         </p:txBody>
@@ -5640,7 +5700,7 @@
           <a:p>
             <a:fld id="{F93199CD-3E1B-4AE6-990F-76F925F5EA9F}" type="slidenum">
               <a:rPr lang="fr-FR" smtClean="0"/>
-              <a:t>46</a:t>
+              <a:t>52</a:t>
             </a:fld>
             <a:endParaRPr lang="fr-FR"/>
           </a:p>
@@ -5649,7 +5709,7 @@
     </p:spTree>
     <p:extLst>
       <p:ext uri="{BB962C8B-B14F-4D97-AF65-F5344CB8AC3E}">
-        <p14:creationId xmlns:p14="http://schemas.microsoft.com/office/powerpoint/2010/main" val="256620184"/>
+        <p14:creationId xmlns:p14="http://schemas.microsoft.com/office/powerpoint/2010/main" val="3270049000"/>
       </p:ext>
     </p:extLst>
   </p:cSld>
@@ -5703,14 +5763,7 @@
           <a:bodyPr/>
           <a:lstStyle/>
           <a:p>
-            <a:r>
-              <a:rPr lang="fr-FR" dirty="0" err="1"/>
-              <a:t>Ref</a:t>
-            </a:r>
-            <a:r>
-              <a:rPr lang="fr-FR" dirty="0"/>
-              <a:t>: http://ci.memecdn.com/7869512.jpg</a:t>
-            </a:r>
+            <a:endParaRPr lang="fr-FR" dirty="0"/>
           </a:p>
         </p:txBody>
       </p:sp>
@@ -5731,7 +5784,7 @@
           <a:p>
             <a:fld id="{F93199CD-3E1B-4AE6-990F-76F925F5EA9F}" type="slidenum">
               <a:rPr lang="fr-FR" smtClean="0"/>
-              <a:t>47</a:t>
+              <a:t>53</a:t>
             </a:fld>
             <a:endParaRPr lang="fr-FR"/>
           </a:p>
@@ -5740,7 +5793,7 @@
     </p:spTree>
     <p:extLst>
       <p:ext uri="{BB962C8B-B14F-4D97-AF65-F5344CB8AC3E}">
-        <p14:creationId xmlns:p14="http://schemas.microsoft.com/office/powerpoint/2010/main" val="1539803929"/>
+        <p14:creationId xmlns:p14="http://schemas.microsoft.com/office/powerpoint/2010/main" val="3997955718"/>
       </p:ext>
     </p:extLst>
   </p:cSld>
@@ -5822,7 +5875,189 @@
           <a:p>
             <a:fld id="{F93199CD-3E1B-4AE6-990F-76F925F5EA9F}" type="slidenum">
               <a:rPr lang="fr-FR" smtClean="0"/>
-              <a:t>48</a:t>
+              <a:t>54</a:t>
+            </a:fld>
+            <a:endParaRPr lang="fr-FR"/>
+          </a:p>
+        </p:txBody>
+      </p:sp>
+    </p:spTree>
+    <p:extLst>
+      <p:ext uri="{BB962C8B-B14F-4D97-AF65-F5344CB8AC3E}">
+        <p14:creationId xmlns:p14="http://schemas.microsoft.com/office/powerpoint/2010/main" val="256620184"/>
+      </p:ext>
+    </p:extLst>
+  </p:cSld>
+  <p:clrMapOvr>
+    <a:masterClrMapping/>
+  </p:clrMapOvr>
+</p:notes>
+</file>
+
+<file path=ppt/notesSlides/notesSlide16.xml><?xml version="1.0" encoding="utf-8"?>
+<p:notes xmlns:a="http://schemas.openxmlformats.org/drawingml/2006/main" xmlns:r="http://schemas.openxmlformats.org/officeDocument/2006/relationships" xmlns:p="http://schemas.openxmlformats.org/presentationml/2006/main">
+  <p:cSld>
+    <p:spTree>
+      <p:nvGrpSpPr>
+        <p:cNvPr id="1" name=""/>
+        <p:cNvGrpSpPr/>
+        <p:nvPr/>
+      </p:nvGrpSpPr>
+      <p:grpSpPr>
+        <a:xfrm>
+          <a:off x="0" y="0"/>
+          <a:ext cx="0" cy="0"/>
+          <a:chOff x="0" y="0"/>
+          <a:chExt cx="0" cy="0"/>
+        </a:xfrm>
+      </p:grpSpPr>
+      <p:sp>
+        <p:nvSpPr>
+          <p:cNvPr id="2" name="Slide Image Placeholder 1"/>
+          <p:cNvSpPr>
+            <a:spLocks noGrp="1" noRot="1" noChangeAspect="1"/>
+          </p:cNvSpPr>
+          <p:nvPr>
+            <p:ph type="sldImg"/>
+          </p:nvPr>
+        </p:nvSpPr>
+        <p:spPr/>
+      </p:sp>
+      <p:sp>
+        <p:nvSpPr>
+          <p:cNvPr id="3" name="Notes Placeholder 2"/>
+          <p:cNvSpPr>
+            <a:spLocks noGrp="1"/>
+          </p:cNvSpPr>
+          <p:nvPr>
+            <p:ph type="body" idx="1"/>
+          </p:nvPr>
+        </p:nvSpPr>
+        <p:spPr/>
+        <p:txBody>
+          <a:bodyPr/>
+          <a:lstStyle/>
+          <a:p>
+            <a:r>
+              <a:rPr lang="fr-FR" dirty="0" err="1"/>
+              <a:t>Ref</a:t>
+            </a:r>
+            <a:r>
+              <a:rPr lang="fr-FR" dirty="0"/>
+              <a:t>: http://ci.memecdn.com/7869512.jpg</a:t>
+            </a:r>
+          </a:p>
+        </p:txBody>
+      </p:sp>
+      <p:sp>
+        <p:nvSpPr>
+          <p:cNvPr id="4" name="Slide Number Placeholder 3"/>
+          <p:cNvSpPr>
+            <a:spLocks noGrp="1"/>
+          </p:cNvSpPr>
+          <p:nvPr>
+            <p:ph type="sldNum" sz="quarter" idx="10"/>
+          </p:nvPr>
+        </p:nvSpPr>
+        <p:spPr/>
+        <p:txBody>
+          <a:bodyPr/>
+          <a:lstStyle/>
+          <a:p>
+            <a:fld id="{F93199CD-3E1B-4AE6-990F-76F925F5EA9F}" type="slidenum">
+              <a:rPr lang="fr-FR" smtClean="0"/>
+              <a:t>55</a:t>
+            </a:fld>
+            <a:endParaRPr lang="fr-FR"/>
+          </a:p>
+        </p:txBody>
+      </p:sp>
+    </p:spTree>
+    <p:extLst>
+      <p:ext uri="{BB962C8B-B14F-4D97-AF65-F5344CB8AC3E}">
+        <p14:creationId xmlns:p14="http://schemas.microsoft.com/office/powerpoint/2010/main" val="1539803929"/>
+      </p:ext>
+    </p:extLst>
+  </p:cSld>
+  <p:clrMapOvr>
+    <a:masterClrMapping/>
+  </p:clrMapOvr>
+</p:notes>
+</file>
+
+<file path=ppt/notesSlides/notesSlide17.xml><?xml version="1.0" encoding="utf-8"?>
+<p:notes xmlns:a="http://schemas.openxmlformats.org/drawingml/2006/main" xmlns:r="http://schemas.openxmlformats.org/officeDocument/2006/relationships" xmlns:p="http://schemas.openxmlformats.org/presentationml/2006/main">
+  <p:cSld>
+    <p:spTree>
+      <p:nvGrpSpPr>
+        <p:cNvPr id="1" name=""/>
+        <p:cNvGrpSpPr/>
+        <p:nvPr/>
+      </p:nvGrpSpPr>
+      <p:grpSpPr>
+        <a:xfrm>
+          <a:off x="0" y="0"/>
+          <a:ext cx="0" cy="0"/>
+          <a:chOff x="0" y="0"/>
+          <a:chExt cx="0" cy="0"/>
+        </a:xfrm>
+      </p:grpSpPr>
+      <p:sp>
+        <p:nvSpPr>
+          <p:cNvPr id="2" name="Slide Image Placeholder 1"/>
+          <p:cNvSpPr>
+            <a:spLocks noGrp="1" noRot="1" noChangeAspect="1"/>
+          </p:cNvSpPr>
+          <p:nvPr>
+            <p:ph type="sldImg"/>
+          </p:nvPr>
+        </p:nvSpPr>
+        <p:spPr/>
+      </p:sp>
+      <p:sp>
+        <p:nvSpPr>
+          <p:cNvPr id="3" name="Notes Placeholder 2"/>
+          <p:cNvSpPr>
+            <a:spLocks noGrp="1"/>
+          </p:cNvSpPr>
+          <p:nvPr>
+            <p:ph type="body" idx="1"/>
+          </p:nvPr>
+        </p:nvSpPr>
+        <p:spPr/>
+        <p:txBody>
+          <a:bodyPr/>
+          <a:lstStyle/>
+          <a:p>
+            <a:r>
+              <a:rPr lang="fr-FR" dirty="0" err="1"/>
+              <a:t>Ref</a:t>
+            </a:r>
+            <a:r>
+              <a:rPr lang="fr-FR" dirty="0"/>
+              <a:t>: http://ci.memecdn.com/7869512.jpg</a:t>
+            </a:r>
+          </a:p>
+        </p:txBody>
+      </p:sp>
+      <p:sp>
+        <p:nvSpPr>
+          <p:cNvPr id="4" name="Slide Number Placeholder 3"/>
+          <p:cNvSpPr>
+            <a:spLocks noGrp="1"/>
+          </p:cNvSpPr>
+          <p:nvPr>
+            <p:ph type="sldNum" sz="quarter" idx="10"/>
+          </p:nvPr>
+        </p:nvSpPr>
+        <p:spPr/>
+        <p:txBody>
+          <a:bodyPr/>
+          <a:lstStyle/>
+          <a:p>
+            <a:fld id="{F93199CD-3E1B-4AE6-990F-76F925F5EA9F}" type="slidenum">
+              <a:rPr lang="fr-FR" smtClean="0"/>
+              <a:t>56</a:t>
             </a:fld>
             <a:endParaRPr lang="fr-FR"/>
           </a:p>
@@ -6004,7 +6239,7 @@
           <a:p>
             <a:fld id="{F93199CD-3E1B-4AE6-990F-76F925F5EA9F}" type="slidenum">
               <a:rPr lang="fr-FR" smtClean="0"/>
-              <a:t>33</a:t>
+              <a:t>34</a:t>
             </a:fld>
             <a:endParaRPr lang="fr-FR"/>
           </a:p>
@@ -6120,7 +6355,7 @@
           <a:p>
             <a:fld id="{F93199CD-3E1B-4AE6-990F-76F925F5EA9F}" type="slidenum">
               <a:rPr lang="fr-FR" smtClean="0"/>
-              <a:t>34</a:t>
+              <a:t>35</a:t>
             </a:fld>
             <a:endParaRPr lang="fr-FR"/>
           </a:p>
@@ -6205,6 +6440,12 @@
           <a:p>
             <a:r>
               <a:rPr lang="fr-FR" baseline="0" dirty="0"/>
+              <a:t>- https://cdn4.iconfinder.com/data/icons/human-values-solid/100/_-62-512.png</a:t>
+            </a:r>
+          </a:p>
+          <a:p>
+            <a:r>
+              <a:rPr lang="fr-FR" baseline="0" dirty="0"/>
               <a:t>- https://d30y9cdsu7xlg0.cloudfront.net/png/89995-200.png</a:t>
             </a:r>
           </a:p>
@@ -6230,7 +6471,7 @@
           <a:p>
             <a:fld id="{F93199CD-3E1B-4AE6-990F-76F925F5EA9F}" type="slidenum">
               <a:rPr lang="fr-FR" smtClean="0"/>
-              <a:t>35</a:t>
+              <a:t>36</a:t>
             </a:fld>
             <a:endParaRPr lang="fr-FR"/>
           </a:p>
@@ -6239,7 +6480,7 @@
     </p:spTree>
     <p:extLst>
       <p:ext uri="{BB962C8B-B14F-4D97-AF65-F5344CB8AC3E}">
-        <p14:creationId xmlns:p14="http://schemas.microsoft.com/office/powerpoint/2010/main" val="495707233"/>
+        <p14:creationId xmlns:p14="http://schemas.microsoft.com/office/powerpoint/2010/main" val="3926168698"/>
       </p:ext>
     </p:extLst>
   </p:cSld>
@@ -6314,7 +6555,7 @@
           <a:p>
             <a:fld id="{F93199CD-3E1B-4AE6-990F-76F925F5EA9F}" type="slidenum">
               <a:rPr lang="fr-FR" smtClean="0"/>
-              <a:t>36</a:t>
+              <a:t>37</a:t>
             </a:fld>
             <a:endParaRPr lang="fr-FR"/>
           </a:p>
@@ -6323,7 +6564,7 @@
     </p:spTree>
     <p:extLst>
       <p:ext uri="{BB962C8B-B14F-4D97-AF65-F5344CB8AC3E}">
-        <p14:creationId xmlns:p14="http://schemas.microsoft.com/office/powerpoint/2010/main" val="3190378971"/>
+        <p14:creationId xmlns:p14="http://schemas.microsoft.com/office/powerpoint/2010/main" val="495707233"/>
       </p:ext>
     </p:extLst>
   </p:cSld>
@@ -6377,32 +6618,6 @@
           <a:bodyPr/>
           <a:lstStyle/>
           <a:p>
-            <a:r>
-              <a:rPr lang="fr-FR" dirty="0" err="1"/>
-              <a:t>Refs</a:t>
-            </a:r>
-            <a:r>
-              <a:rPr lang="fr-FR" dirty="0"/>
-              <a:t> :</a:t>
-            </a:r>
-            <a:r>
-              <a:rPr lang="fr-FR" baseline="0" dirty="0"/>
-              <a:t> </a:t>
-            </a:r>
-          </a:p>
-          <a:p>
-            <a:r>
-              <a:rPr lang="fr-FR" baseline="0" dirty="0"/>
-              <a:t>- https://cdn3.iconfinder.com/data/icons/basic-mobile-part-3/512/prisoner-512.png</a:t>
-            </a:r>
-          </a:p>
-          <a:p>
-            <a:r>
-              <a:rPr lang="fr-FR" baseline="0" dirty="0"/>
-              <a:t>- https://d30y9cdsu7xlg0.cloudfront.net/png/89995-200.png</a:t>
-            </a:r>
-          </a:p>
-          <a:p>
             <a:endParaRPr lang="fr-FR" dirty="0"/>
           </a:p>
         </p:txBody>
@@ -6424,7 +6639,7 @@
           <a:p>
             <a:fld id="{F93199CD-3E1B-4AE6-990F-76F925F5EA9F}" type="slidenum">
               <a:rPr lang="fr-FR" smtClean="0"/>
-              <a:t>37</a:t>
+              <a:t>38</a:t>
             </a:fld>
             <a:endParaRPr lang="fr-FR"/>
           </a:p>
@@ -6433,7 +6648,7 @@
     </p:spTree>
     <p:extLst>
       <p:ext uri="{BB962C8B-B14F-4D97-AF65-F5344CB8AC3E}">
-        <p14:creationId xmlns:p14="http://schemas.microsoft.com/office/powerpoint/2010/main" val="2210257297"/>
+        <p14:creationId xmlns:p14="http://schemas.microsoft.com/office/powerpoint/2010/main" val="3190378971"/>
       </p:ext>
     </p:extLst>
   </p:cSld>
@@ -6509,12 +6724,6 @@
           <a:p>
             <a:r>
               <a:rPr lang="fr-FR" baseline="0" dirty="0"/>
-              <a:t>- https://cdn4.iconfinder.com/data/icons/human-values-solid/100/_-62-512.png</a:t>
-            </a:r>
-          </a:p>
-          <a:p>
-            <a:r>
-              <a:rPr lang="fr-FR" baseline="0" dirty="0"/>
               <a:t>- https://d30y9cdsu7xlg0.cloudfront.net/png/89995-200.png</a:t>
             </a:r>
           </a:p>
@@ -6540,7 +6749,7 @@
           <a:p>
             <a:fld id="{F93199CD-3E1B-4AE6-990F-76F925F5EA9F}" type="slidenum">
               <a:rPr lang="fr-FR" smtClean="0"/>
-              <a:t>38</a:t>
+              <a:t>39</a:t>
             </a:fld>
             <a:endParaRPr lang="fr-FR"/>
           </a:p>
@@ -6549,7 +6758,7 @@
     </p:spTree>
     <p:extLst>
       <p:ext uri="{BB962C8B-B14F-4D97-AF65-F5344CB8AC3E}">
-        <p14:creationId xmlns:p14="http://schemas.microsoft.com/office/powerpoint/2010/main" val="2604308585"/>
+        <p14:creationId xmlns:p14="http://schemas.microsoft.com/office/powerpoint/2010/main" val="2210257297"/>
       </p:ext>
     </p:extLst>
   </p:cSld>
@@ -6656,7 +6865,7 @@
           <a:p>
             <a:fld id="{F93199CD-3E1B-4AE6-990F-76F925F5EA9F}" type="slidenum">
               <a:rPr lang="fr-FR" smtClean="0"/>
-              <a:t>39</a:t>
+              <a:t>40</a:t>
             </a:fld>
             <a:endParaRPr lang="fr-FR"/>
           </a:p>
@@ -6665,7 +6874,7 @@
     </p:spTree>
     <p:extLst>
       <p:ext uri="{BB962C8B-B14F-4D97-AF65-F5344CB8AC3E}">
-        <p14:creationId xmlns:p14="http://schemas.microsoft.com/office/powerpoint/2010/main" val="874700845"/>
+        <p14:creationId xmlns:p14="http://schemas.microsoft.com/office/powerpoint/2010/main" val="2604308585"/>
       </p:ext>
     </p:extLst>
   </p:cSld>
@@ -7022,7 +7231,7 @@
           <a:p>
             <a:fld id="{03F41C87-7AD9-4845-A077-840E4A0F3F06}" type="datetimeFigureOut">
               <a:rPr lang="en-US"/>
-              <a:t>12/6/2016</a:t>
+              <a:t>12/7/2016</a:t>
             </a:fld>
             <a:endParaRPr/>
           </a:p>
@@ -7214,7 +7423,7 @@
           <a:p>
             <a:fld id="{03F41C87-7AD9-4845-A077-840E4A0F3F06}" type="datetimeFigureOut">
               <a:rPr lang="en-US"/>
-              <a:t>12/6/2016</a:t>
+              <a:t>12/7/2016</a:t>
             </a:fld>
             <a:endParaRPr/>
           </a:p>
@@ -7403,7 +7612,7 @@
           <a:p>
             <a:fld id="{03F41C87-7AD9-4845-A077-840E4A0F3F06}" type="datetimeFigureOut">
               <a:rPr lang="en-US"/>
-              <a:t>12/6/2016</a:t>
+              <a:t>12/7/2016</a:t>
             </a:fld>
             <a:endParaRPr/>
           </a:p>
@@ -7683,7 +7892,7 @@
           <a:p>
             <a:fld id="{03F41C87-7AD9-4845-A077-840E4A0F3F06}" type="datetimeFigureOut">
               <a:rPr lang="en-US"/>
-              <a:t>12/6/2016</a:t>
+              <a:t>12/7/2016</a:t>
             </a:fld>
             <a:endParaRPr/>
           </a:p>
@@ -7987,7 +8196,7 @@
           <a:p>
             <a:fld id="{03F41C87-7AD9-4845-A077-840E4A0F3F06}" type="datetimeFigureOut">
               <a:rPr lang="en-US"/>
-              <a:t>12/6/2016</a:t>
+              <a:t>12/7/2016</a:t>
             </a:fld>
             <a:endParaRPr/>
           </a:p>
@@ -8443,7 +8652,7 @@
           <a:p>
             <a:fld id="{03F41C87-7AD9-4845-A077-840E4A0F3F06}" type="datetimeFigureOut">
               <a:rPr lang="en-US"/>
-              <a:t>12/6/2016</a:t>
+              <a:t>12/7/2016</a:t>
             </a:fld>
             <a:endParaRPr/>
           </a:p>
@@ -8573,7 +8782,7 @@
           <a:p>
             <a:fld id="{03F41C87-7AD9-4845-A077-840E4A0F3F06}" type="datetimeFigureOut">
               <a:rPr lang="en-US"/>
-              <a:t>12/6/2016</a:t>
+              <a:t>12/7/2016</a:t>
             </a:fld>
             <a:endParaRPr/>
           </a:p>
@@ -8688,7 +8897,7 @@
           <a:p>
             <a:fld id="{03F41C87-7AD9-4845-A077-840E4A0F3F06}" type="datetimeFigureOut">
               <a:rPr lang="en-US"/>
-              <a:t>12/6/2016</a:t>
+              <a:t>12/7/2016</a:t>
             </a:fld>
             <a:endParaRPr/>
           </a:p>
@@ -9010,7 +9219,7 @@
           <a:p>
             <a:fld id="{03F41C87-7AD9-4845-A077-840E4A0F3F06}" type="datetimeFigureOut">
               <a:rPr lang="en-US"/>
-              <a:t>12/6/2016</a:t>
+              <a:t>12/7/2016</a:t>
             </a:fld>
             <a:endParaRPr/>
           </a:p>
@@ -9322,7 +9531,7 @@
             <a:fld id="{03F41C87-7AD9-4845-A077-840E4A0F3F06}" type="datetimeFigureOut">
               <a:rPr lang="en-US"/>
               <a:pPr/>
-              <a:t>12/6/2016</a:t>
+              <a:t>12/7/2016</a:t>
             </a:fld>
             <a:endParaRPr/>
           </a:p>
@@ -9576,7 +9785,7 @@
             <a:fld id="{03F41C87-7AD9-4845-A077-840E4A0F3F06}" type="datetimeFigureOut">
               <a:rPr lang="en-US" smtClean="0"/>
               <a:pPr/>
-              <a:t>12/6/2016</a:t>
+              <a:t>12/7/2016</a:t>
             </a:fld>
             <a:endParaRPr lang="en-US"/>
           </a:p>
@@ -10039,7 +10248,22 @@
               <a:rPr lang="en-US" dirty="0"/>
               <a:t>Let's spot some fallacies in the heart of .NET</a:t>
             </a:r>
-            <a:endParaRPr lang="it-IT" dirty="0"/>
+            <a:br>
+              <a:rPr lang="en-US" dirty="0"/>
+            </a:br>
+            <a:r>
+              <a:rPr lang="en-US" sz="1400" cap="none" dirty="0">
+                <a:solidFill>
+                  <a:schemeClr val="tx2"/>
+                </a:solidFill>
+              </a:rPr>
+              <a:t>December 2016</a:t>
+            </a:r>
+            <a:endParaRPr lang="it-IT" cap="none" dirty="0">
+              <a:solidFill>
+                <a:schemeClr val="tx2"/>
+              </a:solidFill>
+            </a:endParaRPr>
           </a:p>
         </p:txBody>
       </p:sp>
@@ -10051,10 +10275,10 @@
         </p:nvGrpSpPr>
         <p:grpSpPr>
           <a:xfrm>
-            <a:off x="1055440" y="5107355"/>
-            <a:ext cx="4176464" cy="625901"/>
+            <a:off x="1055440" y="5395387"/>
+            <a:ext cx="5256584" cy="625901"/>
             <a:chOff x="8686700" y="6044672"/>
-            <a:chExt cx="4176464" cy="625901"/>
+            <a:chExt cx="5256584" cy="625901"/>
           </a:xfrm>
         </p:grpSpPr>
         <p:sp>
@@ -10066,7 +10290,7 @@
           <p:spPr>
             <a:xfrm>
               <a:off x="9262764" y="6165304"/>
-              <a:ext cx="3600400" cy="369332"/>
+              <a:ext cx="4680520" cy="369332"/>
             </a:xfrm>
             <a:prstGeom prst="rect">
               <a:avLst/>
@@ -18646,8 +18870,52 @@
           <a:lstStyle/>
           <a:p>
             <a:r>
+              <a:rPr lang="fr-FR" dirty="0"/>
+              <a:t>Agenda</a:t>
+            </a:r>
+          </a:p>
+        </p:txBody>
+      </p:sp>
+      <p:sp>
+        <p:nvSpPr>
+          <p:cNvPr id="5" name="Content Placeholder 4"/>
+          <p:cNvSpPr>
+            <a:spLocks noGrp="1"/>
+          </p:cNvSpPr>
+          <p:nvPr>
+            <p:ph idx="1"/>
+          </p:nvPr>
+        </p:nvSpPr>
+        <p:spPr/>
+        <p:txBody>
+          <a:bodyPr/>
+          <a:lstStyle/>
+          <a:p>
+            <a:r>
               <a:rPr lang="en-GB" dirty="0"/>
-              <a:t>Back to Basics</a:t>
+              <a:t>Why</a:t>
+            </a:r>
+          </a:p>
+          <a:p>
+            <a:r>
+              <a:rPr lang="en-GB" dirty="0"/>
+              <a:t>What</a:t>
+            </a:r>
+          </a:p>
+          <a:p>
+            <a:r>
+              <a:rPr lang="en-GB" dirty="0"/>
+              <a:t>How</a:t>
+            </a:r>
+          </a:p>
+          <a:p>
+            <a:r>
+              <a:rPr lang="en-GB" dirty="0">
+                <a:solidFill>
+                  <a:schemeClr val="accent1"/>
+                </a:solidFill>
+              </a:rPr>
+              <a:t>Pitfalls &amp; Recommendations</a:t>
             </a:r>
           </a:p>
         </p:txBody>
@@ -18655,7 +18923,7 @@
     </p:spTree>
     <p:extLst>
       <p:ext uri="{BB962C8B-B14F-4D97-AF65-F5344CB8AC3E}">
-        <p14:creationId xmlns:p14="http://schemas.microsoft.com/office/powerpoint/2010/main" val="2807824017"/>
+        <p14:creationId xmlns:p14="http://schemas.microsoft.com/office/powerpoint/2010/main" val="923517044"/>
       </p:ext>
     </p:extLst>
   </p:cSld>
@@ -18894,15 +19162,15 @@
           <a:p>
             <a:r>
               <a:rPr lang="en-GB" dirty="0"/>
-              <a:t>Back to Basics: </a:t>
+              <a:t>Chapter 1: </a:t>
             </a:r>
             <a:r>
               <a:rPr lang="en-GB" dirty="0">
                 <a:solidFill>
-                  <a:schemeClr val="tx2"/>
+                  <a:schemeClr val="tx1"/>
                 </a:solidFill>
               </a:rPr>
-              <a:t>WHY</a:t>
+              <a:t>Why</a:t>
             </a:r>
           </a:p>
         </p:txBody>
@@ -19262,6 +19530,78 @@
       </p:grpSpPr>
       <p:sp>
         <p:nvSpPr>
+          <p:cNvPr id="4" name="Title 3"/>
+          <p:cNvSpPr>
+            <a:spLocks noGrp="1"/>
+          </p:cNvSpPr>
+          <p:nvPr>
+            <p:ph type="title"/>
+          </p:nvPr>
+        </p:nvSpPr>
+        <p:spPr/>
+        <p:txBody>
+          <a:bodyPr/>
+          <a:lstStyle/>
+          <a:p>
+            <a:r>
+              <a:rPr lang="en-GB" dirty="0"/>
+              <a:t>Chapter 2: </a:t>
+            </a:r>
+            <a:r>
+              <a:rPr lang="en-GB" dirty="0">
+                <a:solidFill>
+                  <a:schemeClr val="tx1"/>
+                </a:solidFill>
+              </a:rPr>
+              <a:t>What</a:t>
+            </a:r>
+          </a:p>
+        </p:txBody>
+      </p:sp>
+    </p:spTree>
+    <p:extLst>
+      <p:ext uri="{BB962C8B-B14F-4D97-AF65-F5344CB8AC3E}">
+        <p14:creationId xmlns:p14="http://schemas.microsoft.com/office/powerpoint/2010/main" val="1922888650"/>
+      </p:ext>
+    </p:extLst>
+  </p:cSld>
+  <p:clrMapOvr>
+    <a:masterClrMapping/>
+  </p:clrMapOvr>
+  <mc:AlternateContent xmlns:mc="http://schemas.openxmlformats.org/markup-compatibility/2006" xmlns:p14="http://schemas.microsoft.com/office/powerpoint/2010/main">
+    <mc:Choice Requires="p14">
+      <p:transition spd="med" p14:dur="700">
+        <p:fade/>
+      </p:transition>
+    </mc:Choice>
+    <mc:Fallback xmlns="">
+      <p:transition spd="med">
+        <p:fade/>
+      </p:transition>
+    </mc:Fallback>
+  </mc:AlternateContent>
+</p:sld>
+</file>
+
+<file path=ppt/slides/slide34.xml><?xml version="1.0" encoding="utf-8"?>
+<p:sld xmlns:a="http://schemas.openxmlformats.org/drawingml/2006/main" xmlns:r="http://schemas.openxmlformats.org/officeDocument/2006/relationships" xmlns:p="http://schemas.openxmlformats.org/presentationml/2006/main">
+  <p:cSld>
+    <p:spTree>
+      <p:nvGrpSpPr>
+        <p:cNvPr id="1" name=""/>
+        <p:cNvGrpSpPr/>
+        <p:nvPr/>
+      </p:nvGrpSpPr>
+      <p:grpSpPr>
+        <a:xfrm>
+          <a:off x="0" y="0"/>
+          <a:ext cx="0" cy="0"/>
+          <a:chOff x="0" y="0"/>
+          <a:chExt cx="0" cy="0"/>
+        </a:xfrm>
+      </p:grpSpPr>
+      <p:sp>
+        <p:nvSpPr>
           <p:cNvPr id="13" name="Title 12"/>
           <p:cNvSpPr>
             <a:spLocks noGrp="1"/>
@@ -19364,7 +19704,7 @@
 </p:sld>
 </file>
 
-<file path=ppt/slides/slide34.xml><?xml version="1.0" encoding="utf-8"?>
+<file path=ppt/slides/slide35.xml><?xml version="1.0" encoding="utf-8"?>
 <p:sld xmlns:a="http://schemas.openxmlformats.org/drawingml/2006/main" xmlns:r="http://schemas.openxmlformats.org/officeDocument/2006/relationships" xmlns:p="http://schemas.openxmlformats.org/presentationml/2006/main">
   <p:cSld>
     <p:spTree>
@@ -19474,246 +19814,6 @@
               </a:rPr>
               <a:t>blocked until it’s done</a:t>
             </a:r>
-          </a:p>
-        </p:txBody>
-      </p:sp>
-      <p:sp>
-        <p:nvSpPr>
-          <p:cNvPr id="6" name="Content Placeholder 13"/>
-          <p:cNvSpPr txBox="1">
-            <a:spLocks/>
-          </p:cNvSpPr>
-          <p:nvPr/>
-        </p:nvSpPr>
-        <p:spPr>
-          <a:xfrm>
-            <a:off x="2606167" y="5157192"/>
-            <a:ext cx="6979666" cy="1486966"/>
-          </a:xfrm>
-          <a:prstGeom prst="rect">
-            <a:avLst/>
-          </a:prstGeom>
-        </p:spPr>
-        <p:txBody>
-          <a:bodyPr vert="horz" lIns="91440" tIns="45720" rIns="91440" bIns="45720" rtlCol="0" anchor="t">
-            <a:normAutofit/>
-          </a:bodyPr>
-          <a:lstStyle>
-            <a:lvl1pPr marL="223838" indent="-223838" algn="l" defTabSz="914400" rtl="0" eaLnBrk="1" latinLnBrk="0" hangingPunct="1">
-              <a:lnSpc>
-                <a:spcPct val="90000"/>
-              </a:lnSpc>
-              <a:spcBef>
-                <a:spcPts val="1800"/>
-              </a:spcBef>
-              <a:buClr>
-                <a:schemeClr val="accent1"/>
-              </a:buClr>
-              <a:buSzPct val="100000"/>
-              <a:buFont typeface="Arial" pitchFamily="34" charset="0"/>
-              <a:buChar char="•"/>
-              <a:defRPr sz="2400" kern="1200">
-                <a:solidFill>
-                  <a:schemeClr val="tx1"/>
-                </a:solidFill>
-                <a:latin typeface="+mn-lt"/>
-                <a:ea typeface="+mn-ea"/>
-                <a:cs typeface="+mn-cs"/>
-              </a:defRPr>
-            </a:lvl1pPr>
-            <a:lvl2pPr marL="463550" indent="-231775" algn="l" defTabSz="914400" rtl="0" eaLnBrk="1" latinLnBrk="0" hangingPunct="1">
-              <a:lnSpc>
-                <a:spcPct val="90000"/>
-              </a:lnSpc>
-              <a:spcBef>
-                <a:spcPts val="1200"/>
-              </a:spcBef>
-              <a:buClr>
-                <a:schemeClr val="accent1"/>
-              </a:buClr>
-              <a:buSzPct val="100000"/>
-              <a:buFont typeface="Arial" pitchFamily="34" charset="0"/>
-              <a:buChar char="•"/>
-              <a:defRPr sz="2000" kern="1200">
-                <a:solidFill>
-                  <a:schemeClr val="tx1"/>
-                </a:solidFill>
-                <a:latin typeface="+mn-lt"/>
-                <a:ea typeface="+mn-ea"/>
-                <a:cs typeface="+mn-cs"/>
-              </a:defRPr>
-            </a:lvl2pPr>
-            <a:lvl3pPr marL="682625" indent="-219075" algn="l" defTabSz="914400" rtl="0" eaLnBrk="1" latinLnBrk="0" hangingPunct="1">
-              <a:lnSpc>
-                <a:spcPct val="90000"/>
-              </a:lnSpc>
-              <a:spcBef>
-                <a:spcPts val="600"/>
-              </a:spcBef>
-              <a:buClr>
-                <a:schemeClr val="accent1"/>
-              </a:buClr>
-              <a:buSzPct val="100000"/>
-              <a:buFont typeface="Arial" pitchFamily="34" charset="0"/>
-              <a:buChar char="•"/>
-              <a:defRPr sz="1800" kern="1200">
-                <a:solidFill>
-                  <a:schemeClr val="tx1"/>
-                </a:solidFill>
-                <a:latin typeface="+mn-lt"/>
-                <a:ea typeface="+mn-ea"/>
-                <a:cs typeface="+mn-cs"/>
-              </a:defRPr>
-            </a:lvl3pPr>
-            <a:lvl4pPr marL="857250" indent="-174625" algn="l" defTabSz="914400" rtl="0" eaLnBrk="1" latinLnBrk="0" hangingPunct="1">
-              <a:lnSpc>
-                <a:spcPct val="90000"/>
-              </a:lnSpc>
-              <a:spcBef>
-                <a:spcPts val="600"/>
-              </a:spcBef>
-              <a:buClr>
-                <a:schemeClr val="accent1"/>
-              </a:buClr>
-              <a:buSzPct val="100000"/>
-              <a:buFont typeface="Arial" pitchFamily="34" charset="0"/>
-              <a:buChar char="•"/>
-              <a:defRPr sz="1600" kern="1200">
-                <a:solidFill>
-                  <a:schemeClr val="tx1"/>
-                </a:solidFill>
-                <a:latin typeface="+mn-lt"/>
-                <a:ea typeface="+mn-ea"/>
-                <a:cs typeface="+mn-cs"/>
-              </a:defRPr>
-            </a:lvl4pPr>
-            <a:lvl5pPr marL="1030288" indent="-173038" algn="l" defTabSz="914400" rtl="0" eaLnBrk="1" latinLnBrk="0" hangingPunct="1">
-              <a:lnSpc>
-                <a:spcPct val="90000"/>
-              </a:lnSpc>
-              <a:spcBef>
-                <a:spcPts val="600"/>
-              </a:spcBef>
-              <a:buClr>
-                <a:schemeClr val="accent1"/>
-              </a:buClr>
-              <a:buSzPct val="100000"/>
-              <a:buFont typeface="Arial" pitchFamily="34" charset="0"/>
-              <a:buChar char="•"/>
-              <a:defRPr sz="1600" kern="1200">
-                <a:solidFill>
-                  <a:schemeClr val="tx1"/>
-                </a:solidFill>
-                <a:latin typeface="+mn-lt"/>
-                <a:ea typeface="+mn-ea"/>
-                <a:cs typeface="+mn-cs"/>
-              </a:defRPr>
-            </a:lvl5pPr>
-            <a:lvl6pPr marL="1207008" indent="-173736" algn="l" defTabSz="914400" rtl="0" eaLnBrk="1" latinLnBrk="0" hangingPunct="1">
-              <a:spcBef>
-                <a:spcPts val="600"/>
-              </a:spcBef>
-              <a:buClr>
-                <a:schemeClr val="accent1"/>
-              </a:buClr>
-              <a:buFont typeface="Arial" pitchFamily="34" charset="0"/>
-              <a:buChar char="•"/>
-              <a:defRPr sz="1600" kern="1200">
-                <a:solidFill>
-                  <a:schemeClr val="tx1"/>
-                </a:solidFill>
-                <a:latin typeface="+mn-lt"/>
-                <a:ea typeface="+mn-ea"/>
-                <a:cs typeface="+mn-cs"/>
-              </a:defRPr>
-            </a:lvl6pPr>
-            <a:lvl7pPr marL="1380744" indent="-173736" algn="l" defTabSz="914400" rtl="0" eaLnBrk="1" latinLnBrk="0" hangingPunct="1">
-              <a:spcBef>
-                <a:spcPts val="600"/>
-              </a:spcBef>
-              <a:buClr>
-                <a:schemeClr val="accent1"/>
-              </a:buClr>
-              <a:buFont typeface="Arial" pitchFamily="34" charset="0"/>
-              <a:buChar char="•"/>
-              <a:defRPr sz="1600" kern="1200">
-                <a:solidFill>
-                  <a:schemeClr val="tx1"/>
-                </a:solidFill>
-                <a:latin typeface="+mn-lt"/>
-                <a:ea typeface="+mn-ea"/>
-                <a:cs typeface="+mn-cs"/>
-              </a:defRPr>
-            </a:lvl7pPr>
-            <a:lvl8pPr marL="1554480" indent="-173736" algn="l" defTabSz="914400" rtl="0" eaLnBrk="1" latinLnBrk="0" hangingPunct="1">
-              <a:spcBef>
-                <a:spcPts val="600"/>
-              </a:spcBef>
-              <a:buClr>
-                <a:schemeClr val="accent1"/>
-              </a:buClr>
-              <a:buFont typeface="Arial" pitchFamily="34" charset="0"/>
-              <a:buChar char="•"/>
-              <a:defRPr sz="1600" kern="1200">
-                <a:solidFill>
-                  <a:schemeClr val="tx1"/>
-                </a:solidFill>
-                <a:latin typeface="+mn-lt"/>
-                <a:ea typeface="+mn-ea"/>
-                <a:cs typeface="+mn-cs"/>
-              </a:defRPr>
-            </a:lvl8pPr>
-            <a:lvl9pPr marL="1728216" indent="-173736" algn="l" defTabSz="914400" rtl="0" eaLnBrk="1" latinLnBrk="0" hangingPunct="1">
-              <a:spcBef>
-                <a:spcPts val="600"/>
-              </a:spcBef>
-              <a:buClr>
-                <a:schemeClr val="accent1"/>
-              </a:buClr>
-              <a:buFont typeface="Arial" pitchFamily="34" charset="0"/>
-              <a:buChar char="•"/>
-              <a:defRPr sz="1600" kern="1200">
-                <a:solidFill>
-                  <a:schemeClr val="tx1"/>
-                </a:solidFill>
-                <a:latin typeface="+mn-lt"/>
-                <a:ea typeface="+mn-ea"/>
-                <a:cs typeface="+mn-cs"/>
-              </a:defRPr>
-            </a:lvl9pPr>
-          </a:lstStyle>
-          <a:p>
-            <a:pPr marL="0" indent="0" algn="ctr">
-              <a:buNone/>
-            </a:pPr>
-            <a:r>
-              <a:rPr lang="en-US" sz="3600" cap="all" dirty="0">
-                <a:solidFill>
-                  <a:schemeClr val="accent4"/>
-                </a:solidFill>
-              </a:rPr>
-              <a:t>This is about invocation!</a:t>
-            </a:r>
-            <a:br>
-              <a:rPr lang="en-US" cap="all" dirty="0">
-                <a:solidFill>
-                  <a:schemeClr val="accent4"/>
-                </a:solidFill>
-              </a:rPr>
-            </a:br>
-            <a:r>
-              <a:rPr lang="en-US" sz="2000" b="1" cap="all" dirty="0">
-                <a:solidFill>
-                  <a:schemeClr val="tx2"/>
-                </a:solidFill>
-              </a:rPr>
-              <a:t>(not about how the Goddamn thing is executed)</a:t>
-            </a:r>
-            <a:endParaRPr lang="en-US" dirty="0">
-              <a:solidFill>
-                <a:schemeClr val="tx2"/>
-              </a:solidFill>
-            </a:endParaRPr>
           </a:p>
         </p:txBody>
       </p:sp>
@@ -19860,7 +19960,7 @@
             </p:spPr>
             <p:txBody>
               <a:bodyPr vert="horz" lIns="91440" tIns="45720" rIns="91440" bIns="45720" rtlCol="0" anchor="t">
-                <a:normAutofit fontScale="92500" lnSpcReduction="10000"/>
+                <a:normAutofit/>
               </a:bodyPr>
               <a:lstStyle>
                 <a:lvl1pPr marL="223838" indent="-223838" algn="l" defTabSz="914400" rtl="0" eaLnBrk="1" latinLnBrk="0" hangingPunct="1">
@@ -20074,7 +20174,7 @@
                 <a:pPr lvl="1"/>
                 <a:r>
                   <a:rPr lang="en-US" dirty="0"/>
-                  <a:t>I can use it for something else right now</a:t>
+                  <a:t>Free for something else</a:t>
                 </a:r>
               </a:p>
               <a:p>
@@ -20223,27 +20323,785 @@
                       </p:childTnLst>
                     </p:cTn>
                   </p:par>
+                </p:childTnLst>
+              </p:cTn>
+              <p:prevCondLst>
+                <p:cond evt="onPrev" delay="0">
+                  <p:tgtEl>
+                    <p:sldTgt/>
+                  </p:tgtEl>
+                </p:cond>
+              </p:prevCondLst>
+              <p:nextCondLst>
+                <p:cond evt="onNext" delay="0">
+                  <p:tgtEl>
+                    <p:sldTgt/>
+                  </p:tgtEl>
+                </p:cond>
+              </p:nextCondLst>
+            </p:seq>
+          </p:childTnLst>
+        </p:cTn>
+      </p:par>
+    </p:tnLst>
+  </p:timing>
+</p:sld>
+</file>
+
+<file path=ppt/slides/slide36.xml><?xml version="1.0" encoding="utf-8"?>
+<p:sld xmlns:a="http://schemas.openxmlformats.org/drawingml/2006/main" xmlns:r="http://schemas.openxmlformats.org/officeDocument/2006/relationships" xmlns:p="http://schemas.openxmlformats.org/presentationml/2006/main">
+  <p:cSld>
+    <p:spTree>
+      <p:nvGrpSpPr>
+        <p:cNvPr id="1" name=""/>
+        <p:cNvGrpSpPr/>
+        <p:nvPr/>
+      </p:nvGrpSpPr>
+      <p:grpSpPr>
+        <a:xfrm>
+          <a:off x="0" y="0"/>
+          <a:ext cx="0" cy="0"/>
+          <a:chOff x="0" y="0"/>
+          <a:chExt cx="0" cy="0"/>
+        </a:xfrm>
+      </p:grpSpPr>
+      <p:sp>
+        <p:nvSpPr>
+          <p:cNvPr id="13" name="Title 12"/>
+          <p:cNvSpPr>
+            <a:spLocks noGrp="1"/>
+          </p:cNvSpPr>
+          <p:nvPr>
+            <p:ph type="title"/>
+          </p:nvPr>
+        </p:nvSpPr>
+        <p:spPr>
+          <a:xfrm>
+            <a:off x="1008534" y="1029072"/>
+            <a:ext cx="4501182" cy="743744"/>
+          </a:xfrm>
+        </p:spPr>
+        <p:txBody>
+          <a:bodyPr anchor="t"/>
+          <a:lstStyle/>
+          <a:p>
+            <a:r>
+              <a:rPr lang="en-US" dirty="0"/>
+              <a:t>synchronous</a:t>
+            </a:r>
+          </a:p>
+        </p:txBody>
+      </p:sp>
+      <p:sp>
+        <p:nvSpPr>
+          <p:cNvPr id="14" name="Content Placeholder 13"/>
+          <p:cNvSpPr>
+            <a:spLocks noGrp="1"/>
+          </p:cNvSpPr>
+          <p:nvPr>
+            <p:ph idx="1"/>
+          </p:nvPr>
+        </p:nvSpPr>
+        <p:spPr>
+          <a:xfrm>
+            <a:off x="983432" y="1772816"/>
+            <a:ext cx="4310259" cy="2520280"/>
+          </a:xfrm>
+        </p:spPr>
+        <p:txBody>
+          <a:bodyPr anchor="t">
+            <a:normAutofit/>
+          </a:bodyPr>
+          <a:lstStyle/>
+          <a:p>
+            <a:pPr lvl="0"/>
+            <a:r>
+              <a:rPr lang="en-US" sz="3200" b="1" cap="all" dirty="0"/>
+              <a:t>Perform</a:t>
+            </a:r>
+            <a:endParaRPr lang="en-US" sz="3200" dirty="0"/>
+          </a:p>
+        </p:txBody>
+      </p:sp>
+      <p:sp>
+        <p:nvSpPr>
+          <p:cNvPr id="6" name="Content Placeholder 13"/>
+          <p:cNvSpPr txBox="1">
+            <a:spLocks/>
+          </p:cNvSpPr>
+          <p:nvPr/>
+        </p:nvSpPr>
+        <p:spPr>
+          <a:xfrm>
+            <a:off x="2606167" y="5157192"/>
+            <a:ext cx="6979666" cy="1486966"/>
+          </a:xfrm>
+          <a:prstGeom prst="rect">
+            <a:avLst/>
+          </a:prstGeom>
+        </p:spPr>
+        <p:txBody>
+          <a:bodyPr vert="horz" lIns="91440" tIns="45720" rIns="91440" bIns="45720" rtlCol="0" anchor="t">
+            <a:normAutofit/>
+          </a:bodyPr>
+          <a:lstStyle>
+            <a:lvl1pPr marL="223838" indent="-223838" algn="l" defTabSz="914400" rtl="0" eaLnBrk="1" latinLnBrk="0" hangingPunct="1">
+              <a:lnSpc>
+                <a:spcPct val="90000"/>
+              </a:lnSpc>
+              <a:spcBef>
+                <a:spcPts val="1800"/>
+              </a:spcBef>
+              <a:buClr>
+                <a:schemeClr val="accent1"/>
+              </a:buClr>
+              <a:buSzPct val="100000"/>
+              <a:buFont typeface="Arial" pitchFamily="34" charset="0"/>
+              <a:buChar char="•"/>
+              <a:defRPr sz="2400" kern="1200">
+                <a:solidFill>
+                  <a:schemeClr val="tx1"/>
+                </a:solidFill>
+                <a:latin typeface="+mn-lt"/>
+                <a:ea typeface="+mn-ea"/>
+                <a:cs typeface="+mn-cs"/>
+              </a:defRPr>
+            </a:lvl1pPr>
+            <a:lvl2pPr marL="463550" indent="-231775" algn="l" defTabSz="914400" rtl="0" eaLnBrk="1" latinLnBrk="0" hangingPunct="1">
+              <a:lnSpc>
+                <a:spcPct val="90000"/>
+              </a:lnSpc>
+              <a:spcBef>
+                <a:spcPts val="1200"/>
+              </a:spcBef>
+              <a:buClr>
+                <a:schemeClr val="accent1"/>
+              </a:buClr>
+              <a:buSzPct val="100000"/>
+              <a:buFont typeface="Arial" pitchFamily="34" charset="0"/>
+              <a:buChar char="•"/>
+              <a:defRPr sz="2000" kern="1200">
+                <a:solidFill>
+                  <a:schemeClr val="tx1"/>
+                </a:solidFill>
+                <a:latin typeface="+mn-lt"/>
+                <a:ea typeface="+mn-ea"/>
+                <a:cs typeface="+mn-cs"/>
+              </a:defRPr>
+            </a:lvl2pPr>
+            <a:lvl3pPr marL="682625" indent="-219075" algn="l" defTabSz="914400" rtl="0" eaLnBrk="1" latinLnBrk="0" hangingPunct="1">
+              <a:lnSpc>
+                <a:spcPct val="90000"/>
+              </a:lnSpc>
+              <a:spcBef>
+                <a:spcPts val="600"/>
+              </a:spcBef>
+              <a:buClr>
+                <a:schemeClr val="accent1"/>
+              </a:buClr>
+              <a:buSzPct val="100000"/>
+              <a:buFont typeface="Arial" pitchFamily="34" charset="0"/>
+              <a:buChar char="•"/>
+              <a:defRPr sz="1800" kern="1200">
+                <a:solidFill>
+                  <a:schemeClr val="tx1"/>
+                </a:solidFill>
+                <a:latin typeface="+mn-lt"/>
+                <a:ea typeface="+mn-ea"/>
+                <a:cs typeface="+mn-cs"/>
+              </a:defRPr>
+            </a:lvl3pPr>
+            <a:lvl4pPr marL="857250" indent="-174625" algn="l" defTabSz="914400" rtl="0" eaLnBrk="1" latinLnBrk="0" hangingPunct="1">
+              <a:lnSpc>
+                <a:spcPct val="90000"/>
+              </a:lnSpc>
+              <a:spcBef>
+                <a:spcPts val="600"/>
+              </a:spcBef>
+              <a:buClr>
+                <a:schemeClr val="accent1"/>
+              </a:buClr>
+              <a:buSzPct val="100000"/>
+              <a:buFont typeface="Arial" pitchFamily="34" charset="0"/>
+              <a:buChar char="•"/>
+              <a:defRPr sz="1600" kern="1200">
+                <a:solidFill>
+                  <a:schemeClr val="tx1"/>
+                </a:solidFill>
+                <a:latin typeface="+mn-lt"/>
+                <a:ea typeface="+mn-ea"/>
+                <a:cs typeface="+mn-cs"/>
+              </a:defRPr>
+            </a:lvl4pPr>
+            <a:lvl5pPr marL="1030288" indent="-173038" algn="l" defTabSz="914400" rtl="0" eaLnBrk="1" latinLnBrk="0" hangingPunct="1">
+              <a:lnSpc>
+                <a:spcPct val="90000"/>
+              </a:lnSpc>
+              <a:spcBef>
+                <a:spcPts val="600"/>
+              </a:spcBef>
+              <a:buClr>
+                <a:schemeClr val="accent1"/>
+              </a:buClr>
+              <a:buSzPct val="100000"/>
+              <a:buFont typeface="Arial" pitchFamily="34" charset="0"/>
+              <a:buChar char="•"/>
+              <a:defRPr sz="1600" kern="1200">
+                <a:solidFill>
+                  <a:schemeClr val="tx1"/>
+                </a:solidFill>
+                <a:latin typeface="+mn-lt"/>
+                <a:ea typeface="+mn-ea"/>
+                <a:cs typeface="+mn-cs"/>
+              </a:defRPr>
+            </a:lvl5pPr>
+            <a:lvl6pPr marL="1207008" indent="-173736" algn="l" defTabSz="914400" rtl="0" eaLnBrk="1" latinLnBrk="0" hangingPunct="1">
+              <a:spcBef>
+                <a:spcPts val="600"/>
+              </a:spcBef>
+              <a:buClr>
+                <a:schemeClr val="accent1"/>
+              </a:buClr>
+              <a:buFont typeface="Arial" pitchFamily="34" charset="0"/>
+              <a:buChar char="•"/>
+              <a:defRPr sz="1600" kern="1200">
+                <a:solidFill>
+                  <a:schemeClr val="tx1"/>
+                </a:solidFill>
+                <a:latin typeface="+mn-lt"/>
+                <a:ea typeface="+mn-ea"/>
+                <a:cs typeface="+mn-cs"/>
+              </a:defRPr>
+            </a:lvl6pPr>
+            <a:lvl7pPr marL="1380744" indent="-173736" algn="l" defTabSz="914400" rtl="0" eaLnBrk="1" latinLnBrk="0" hangingPunct="1">
+              <a:spcBef>
+                <a:spcPts val="600"/>
+              </a:spcBef>
+              <a:buClr>
+                <a:schemeClr val="accent1"/>
+              </a:buClr>
+              <a:buFont typeface="Arial" pitchFamily="34" charset="0"/>
+              <a:buChar char="•"/>
+              <a:defRPr sz="1600" kern="1200">
+                <a:solidFill>
+                  <a:schemeClr val="tx1"/>
+                </a:solidFill>
+                <a:latin typeface="+mn-lt"/>
+                <a:ea typeface="+mn-ea"/>
+                <a:cs typeface="+mn-cs"/>
+              </a:defRPr>
+            </a:lvl7pPr>
+            <a:lvl8pPr marL="1554480" indent="-173736" algn="l" defTabSz="914400" rtl="0" eaLnBrk="1" latinLnBrk="0" hangingPunct="1">
+              <a:spcBef>
+                <a:spcPts val="600"/>
+              </a:spcBef>
+              <a:buClr>
+                <a:schemeClr val="accent1"/>
+              </a:buClr>
+              <a:buFont typeface="Arial" pitchFamily="34" charset="0"/>
+              <a:buChar char="•"/>
+              <a:defRPr sz="1600" kern="1200">
+                <a:solidFill>
+                  <a:schemeClr val="tx1"/>
+                </a:solidFill>
+                <a:latin typeface="+mn-lt"/>
+                <a:ea typeface="+mn-ea"/>
+                <a:cs typeface="+mn-cs"/>
+              </a:defRPr>
+            </a:lvl8pPr>
+            <a:lvl9pPr marL="1728216" indent="-173736" algn="l" defTabSz="914400" rtl="0" eaLnBrk="1" latinLnBrk="0" hangingPunct="1">
+              <a:spcBef>
+                <a:spcPts val="600"/>
+              </a:spcBef>
+              <a:buClr>
+                <a:schemeClr val="accent1"/>
+              </a:buClr>
+              <a:buFont typeface="Arial" pitchFamily="34" charset="0"/>
+              <a:buChar char="•"/>
+              <a:defRPr sz="1600" kern="1200">
+                <a:solidFill>
+                  <a:schemeClr val="tx1"/>
+                </a:solidFill>
+                <a:latin typeface="+mn-lt"/>
+                <a:ea typeface="+mn-ea"/>
+                <a:cs typeface="+mn-cs"/>
+              </a:defRPr>
+            </a:lvl9pPr>
+          </a:lstStyle>
+          <a:p>
+            <a:pPr marL="0" indent="0" algn="ctr">
+              <a:buNone/>
+            </a:pPr>
+            <a:r>
+              <a:rPr lang="en-US" sz="3600" cap="all" dirty="0">
+                <a:solidFill>
+                  <a:schemeClr val="accent4"/>
+                </a:solidFill>
+              </a:rPr>
+              <a:t>This is about invocation!</a:t>
+            </a:r>
+            <a:br>
+              <a:rPr lang="en-US" cap="all" dirty="0">
+                <a:solidFill>
+                  <a:schemeClr val="accent4"/>
+                </a:solidFill>
+              </a:rPr>
+            </a:br>
+            <a:r>
+              <a:rPr lang="en-US" sz="2000" b="1" cap="all" dirty="0">
+                <a:solidFill>
+                  <a:schemeClr val="tx2"/>
+                </a:solidFill>
+              </a:rPr>
+              <a:t>(not about how the Goddamn thing is executed)</a:t>
+            </a:r>
+            <a:endParaRPr lang="en-US" dirty="0">
+              <a:solidFill>
+                <a:schemeClr val="tx2"/>
+              </a:solidFill>
+            </a:endParaRPr>
+          </a:p>
+        </p:txBody>
+      </p:sp>
+      <p:pic>
+        <p:nvPicPr>
+          <p:cNvPr id="1026" name="Picture 2" descr="Afficher l'image d'origine"/>
+          <p:cNvPicPr>
+            <a:picLocks noChangeAspect="1" noChangeArrowheads="1"/>
+          </p:cNvPicPr>
+          <p:nvPr/>
+        </p:nvPicPr>
+        <p:blipFill>
+          <a:blip r:embed="rId3" cstate="print">
+            <a:duotone>
+              <a:schemeClr val="accent1">
+                <a:shade val="45000"/>
+                <a:satMod val="135000"/>
+              </a:schemeClr>
+              <a:prstClr val="white"/>
+            </a:duotone>
+            <a:extLst>
+              <a:ext uri="{28A0092B-C50C-407E-A947-70E740481C1C}">
+                <a14:useLocalDpi xmlns:a14="http://schemas.microsoft.com/office/drawing/2010/main" val="0"/>
+              </a:ext>
+            </a:extLst>
+          </a:blip>
+          <a:srcRect/>
+          <a:stretch>
+            <a:fillRect/>
+          </a:stretch>
+        </p:blipFill>
+        <p:spPr bwMode="auto">
+          <a:xfrm>
+            <a:off x="4604865" y="934988"/>
+            <a:ext cx="710208" cy="710208"/>
+          </a:xfrm>
+          <a:prstGeom prst="rect">
+            <a:avLst/>
+          </a:prstGeom>
+          <a:noFill/>
+          <a:extLst>
+            <a:ext uri="{909E8E84-426E-40DD-AFC4-6F175D3DCCD1}">
+              <a14:hiddenFill xmlns:a14="http://schemas.microsoft.com/office/drawing/2010/main">
+                <a:solidFill>
+                  <a:srgbClr val="FFFFFF"/>
+                </a:solidFill>
+              </a14:hiddenFill>
+            </a:ext>
+          </a:extLst>
+        </p:spPr>
+      </p:pic>
+      <p:grpSp>
+        <p:nvGrpSpPr>
+          <p:cNvPr id="8" name="Group 7"/>
+          <p:cNvGrpSpPr/>
+          <p:nvPr/>
+        </p:nvGrpSpPr>
+        <p:grpSpPr>
+          <a:xfrm>
+            <a:off x="6600056" y="692696"/>
+            <a:ext cx="4896544" cy="3600400"/>
+            <a:chOff x="6600056" y="692696"/>
+            <a:chExt cx="4896544" cy="3600400"/>
+          </a:xfrm>
+        </p:grpSpPr>
+        <p:grpSp>
+          <p:nvGrpSpPr>
+            <p:cNvPr id="2" name="Group 1"/>
+            <p:cNvGrpSpPr/>
+            <p:nvPr/>
+          </p:nvGrpSpPr>
+          <p:grpSpPr>
+            <a:xfrm>
+              <a:off x="6600056" y="1029072"/>
+              <a:ext cx="4526284" cy="3264024"/>
+              <a:chOff x="6816081" y="1029072"/>
+              <a:chExt cx="4526284" cy="3264024"/>
+            </a:xfrm>
+          </p:grpSpPr>
+          <p:sp>
+            <p:nvSpPr>
+              <p:cNvPr id="4" name="Title 12"/>
+              <p:cNvSpPr txBox="1">
+                <a:spLocks/>
+              </p:cNvSpPr>
+              <p:nvPr/>
+            </p:nvSpPr>
+            <p:spPr>
+              <a:xfrm>
+                <a:off x="6841182" y="1029072"/>
+                <a:ext cx="4501182" cy="743744"/>
+              </a:xfrm>
+              <a:prstGeom prst="rect">
+                <a:avLst/>
+              </a:prstGeom>
+            </p:spPr>
+            <p:txBody>
+              <a:bodyPr vert="horz" lIns="91440" tIns="45720" rIns="91440" bIns="45720" rtlCol="0" anchor="t">
+                <a:normAutofit/>
+              </a:bodyPr>
+              <a:lstStyle>
+                <a:lvl1pPr algn="l" defTabSz="914400" rtl="0" eaLnBrk="1" latinLnBrk="0" hangingPunct="1">
+                  <a:lnSpc>
+                    <a:spcPct val="90000"/>
+                  </a:lnSpc>
+                  <a:spcBef>
+                    <a:spcPct val="0"/>
+                  </a:spcBef>
+                  <a:buNone/>
+                  <a:defRPr sz="3600" kern="1200" cap="all" spc="100" baseline="0">
+                    <a:solidFill>
+                      <a:schemeClr val="accent1"/>
+                    </a:solidFill>
+                    <a:latin typeface="+mj-lt"/>
+                    <a:ea typeface="+mj-ea"/>
+                    <a:cs typeface="+mj-cs"/>
+                  </a:defRPr>
+                </a:lvl1pPr>
+              </a:lstStyle>
+              <a:p>
+                <a:r>
+                  <a:rPr lang="en-US" dirty="0"/>
+                  <a:t>Asynchronous</a:t>
+                </a:r>
+              </a:p>
+            </p:txBody>
+          </p:sp>
+          <p:sp>
+            <p:nvSpPr>
+              <p:cNvPr id="5" name="Content Placeholder 13"/>
+              <p:cNvSpPr txBox="1">
+                <a:spLocks/>
+              </p:cNvSpPr>
+              <p:nvPr/>
+            </p:nvSpPr>
+            <p:spPr>
+              <a:xfrm>
+                <a:off x="6816081" y="1772816"/>
+                <a:ext cx="4526284" cy="2520280"/>
+              </a:xfrm>
+              <a:prstGeom prst="rect">
+                <a:avLst/>
+              </a:prstGeom>
+            </p:spPr>
+            <p:txBody>
+              <a:bodyPr vert="horz" lIns="91440" tIns="45720" rIns="91440" bIns="45720" rtlCol="0" anchor="t">
+                <a:normAutofit/>
+              </a:bodyPr>
+              <a:lstStyle>
+                <a:lvl1pPr marL="223838" indent="-223838" algn="l" defTabSz="914400" rtl="0" eaLnBrk="1" latinLnBrk="0" hangingPunct="1">
+                  <a:lnSpc>
+                    <a:spcPct val="90000"/>
+                  </a:lnSpc>
+                  <a:spcBef>
+                    <a:spcPts val="1800"/>
+                  </a:spcBef>
+                  <a:buClr>
+                    <a:schemeClr val="accent1"/>
+                  </a:buClr>
+                  <a:buSzPct val="100000"/>
+                  <a:buFont typeface="Arial" pitchFamily="34" charset="0"/>
+                  <a:buChar char="•"/>
+                  <a:defRPr sz="2400" kern="1200">
+                    <a:solidFill>
+                      <a:schemeClr val="tx1"/>
+                    </a:solidFill>
+                    <a:latin typeface="+mn-lt"/>
+                    <a:ea typeface="+mn-ea"/>
+                    <a:cs typeface="+mn-cs"/>
+                  </a:defRPr>
+                </a:lvl1pPr>
+                <a:lvl2pPr marL="463550" indent="-231775" algn="l" defTabSz="914400" rtl="0" eaLnBrk="1" latinLnBrk="0" hangingPunct="1">
+                  <a:lnSpc>
+                    <a:spcPct val="90000"/>
+                  </a:lnSpc>
+                  <a:spcBef>
+                    <a:spcPts val="1200"/>
+                  </a:spcBef>
+                  <a:buClr>
+                    <a:schemeClr val="accent1"/>
+                  </a:buClr>
+                  <a:buSzPct val="100000"/>
+                  <a:buFont typeface="Arial" pitchFamily="34" charset="0"/>
+                  <a:buChar char="•"/>
+                  <a:defRPr sz="2000" kern="1200">
+                    <a:solidFill>
+                      <a:schemeClr val="tx1"/>
+                    </a:solidFill>
+                    <a:latin typeface="+mn-lt"/>
+                    <a:ea typeface="+mn-ea"/>
+                    <a:cs typeface="+mn-cs"/>
+                  </a:defRPr>
+                </a:lvl2pPr>
+                <a:lvl3pPr marL="682625" indent="-219075" algn="l" defTabSz="914400" rtl="0" eaLnBrk="1" latinLnBrk="0" hangingPunct="1">
+                  <a:lnSpc>
+                    <a:spcPct val="90000"/>
+                  </a:lnSpc>
+                  <a:spcBef>
+                    <a:spcPts val="600"/>
+                  </a:spcBef>
+                  <a:buClr>
+                    <a:schemeClr val="accent1"/>
+                  </a:buClr>
+                  <a:buSzPct val="100000"/>
+                  <a:buFont typeface="Arial" pitchFamily="34" charset="0"/>
+                  <a:buChar char="•"/>
+                  <a:defRPr sz="1800" kern="1200">
+                    <a:solidFill>
+                      <a:schemeClr val="tx1"/>
+                    </a:solidFill>
+                    <a:latin typeface="+mn-lt"/>
+                    <a:ea typeface="+mn-ea"/>
+                    <a:cs typeface="+mn-cs"/>
+                  </a:defRPr>
+                </a:lvl3pPr>
+                <a:lvl4pPr marL="857250" indent="-174625" algn="l" defTabSz="914400" rtl="0" eaLnBrk="1" latinLnBrk="0" hangingPunct="1">
+                  <a:lnSpc>
+                    <a:spcPct val="90000"/>
+                  </a:lnSpc>
+                  <a:spcBef>
+                    <a:spcPts val="600"/>
+                  </a:spcBef>
+                  <a:buClr>
+                    <a:schemeClr val="accent1"/>
+                  </a:buClr>
+                  <a:buSzPct val="100000"/>
+                  <a:buFont typeface="Arial" pitchFamily="34" charset="0"/>
+                  <a:buChar char="•"/>
+                  <a:defRPr sz="1600" kern="1200">
+                    <a:solidFill>
+                      <a:schemeClr val="tx1"/>
+                    </a:solidFill>
+                    <a:latin typeface="+mn-lt"/>
+                    <a:ea typeface="+mn-ea"/>
+                    <a:cs typeface="+mn-cs"/>
+                  </a:defRPr>
+                </a:lvl4pPr>
+                <a:lvl5pPr marL="1030288" indent="-173038" algn="l" defTabSz="914400" rtl="0" eaLnBrk="1" latinLnBrk="0" hangingPunct="1">
+                  <a:lnSpc>
+                    <a:spcPct val="90000"/>
+                  </a:lnSpc>
+                  <a:spcBef>
+                    <a:spcPts val="600"/>
+                  </a:spcBef>
+                  <a:buClr>
+                    <a:schemeClr val="accent1"/>
+                  </a:buClr>
+                  <a:buSzPct val="100000"/>
+                  <a:buFont typeface="Arial" pitchFamily="34" charset="0"/>
+                  <a:buChar char="•"/>
+                  <a:defRPr sz="1600" kern="1200">
+                    <a:solidFill>
+                      <a:schemeClr val="tx1"/>
+                    </a:solidFill>
+                    <a:latin typeface="+mn-lt"/>
+                    <a:ea typeface="+mn-ea"/>
+                    <a:cs typeface="+mn-cs"/>
+                  </a:defRPr>
+                </a:lvl5pPr>
+                <a:lvl6pPr marL="1207008" indent="-173736" algn="l" defTabSz="914400" rtl="0" eaLnBrk="1" latinLnBrk="0" hangingPunct="1">
+                  <a:spcBef>
+                    <a:spcPts val="600"/>
+                  </a:spcBef>
+                  <a:buClr>
+                    <a:schemeClr val="accent1"/>
+                  </a:buClr>
+                  <a:buFont typeface="Arial" pitchFamily="34" charset="0"/>
+                  <a:buChar char="•"/>
+                  <a:defRPr sz="1600" kern="1200">
+                    <a:solidFill>
+                      <a:schemeClr val="tx1"/>
+                    </a:solidFill>
+                    <a:latin typeface="+mn-lt"/>
+                    <a:ea typeface="+mn-ea"/>
+                    <a:cs typeface="+mn-cs"/>
+                  </a:defRPr>
+                </a:lvl6pPr>
+                <a:lvl7pPr marL="1380744" indent="-173736" algn="l" defTabSz="914400" rtl="0" eaLnBrk="1" latinLnBrk="0" hangingPunct="1">
+                  <a:spcBef>
+                    <a:spcPts val="600"/>
+                  </a:spcBef>
+                  <a:buClr>
+                    <a:schemeClr val="accent1"/>
+                  </a:buClr>
+                  <a:buFont typeface="Arial" pitchFamily="34" charset="0"/>
+                  <a:buChar char="•"/>
+                  <a:defRPr sz="1600" kern="1200">
+                    <a:solidFill>
+                      <a:schemeClr val="tx1"/>
+                    </a:solidFill>
+                    <a:latin typeface="+mn-lt"/>
+                    <a:ea typeface="+mn-ea"/>
+                    <a:cs typeface="+mn-cs"/>
+                  </a:defRPr>
+                </a:lvl7pPr>
+                <a:lvl8pPr marL="1554480" indent="-173736" algn="l" defTabSz="914400" rtl="0" eaLnBrk="1" latinLnBrk="0" hangingPunct="1">
+                  <a:spcBef>
+                    <a:spcPts val="600"/>
+                  </a:spcBef>
+                  <a:buClr>
+                    <a:schemeClr val="accent1"/>
+                  </a:buClr>
+                  <a:buFont typeface="Arial" pitchFamily="34" charset="0"/>
+                  <a:buChar char="•"/>
+                  <a:defRPr sz="1600" kern="1200">
+                    <a:solidFill>
+                      <a:schemeClr val="tx1"/>
+                    </a:solidFill>
+                    <a:latin typeface="+mn-lt"/>
+                    <a:ea typeface="+mn-ea"/>
+                    <a:cs typeface="+mn-cs"/>
+                  </a:defRPr>
+                </a:lvl8pPr>
+                <a:lvl9pPr marL="1728216" indent="-173736" algn="l" defTabSz="914400" rtl="0" eaLnBrk="1" latinLnBrk="0" hangingPunct="1">
+                  <a:spcBef>
+                    <a:spcPts val="600"/>
+                  </a:spcBef>
+                  <a:buClr>
+                    <a:schemeClr val="accent1"/>
+                  </a:buClr>
+                  <a:buFont typeface="Arial" pitchFamily="34" charset="0"/>
+                  <a:buChar char="•"/>
+                  <a:defRPr sz="1600" kern="1200">
+                    <a:solidFill>
+                      <a:schemeClr val="tx1"/>
+                    </a:solidFill>
+                    <a:latin typeface="+mn-lt"/>
+                    <a:ea typeface="+mn-ea"/>
+                    <a:cs typeface="+mn-cs"/>
+                  </a:defRPr>
+                </a:lvl9pPr>
+              </a:lstStyle>
+              <a:p>
+                <a:r>
+                  <a:rPr lang="en-US" sz="3200" b="1" cap="all" dirty="0"/>
+                  <a:t>Initiate</a:t>
+                </a:r>
+                <a:endParaRPr lang="en-US" sz="3200" dirty="0"/>
+              </a:p>
+            </p:txBody>
+          </p:sp>
+        </p:grpSp>
+        <p:pic>
+          <p:nvPicPr>
+            <p:cNvPr id="7" name="Picture 2" descr="Afficher l'image d'origine"/>
+            <p:cNvPicPr>
+              <a:picLocks noChangeAspect="1" noChangeArrowheads="1"/>
+            </p:cNvPicPr>
+            <p:nvPr/>
+          </p:nvPicPr>
+          <p:blipFill>
+            <a:blip r:embed="rId4" cstate="print">
+              <a:duotone>
+                <a:schemeClr val="accent1">
+                  <a:shade val="45000"/>
+                  <a:satMod val="135000"/>
+                </a:schemeClr>
+                <a:prstClr val="white"/>
+              </a:duotone>
+              <a:extLst>
+                <a:ext uri="{28A0092B-C50C-407E-A947-70E740481C1C}">
+                  <a14:useLocalDpi xmlns:a14="http://schemas.microsoft.com/office/drawing/2010/main" val="0"/>
+                </a:ext>
+              </a:extLst>
+            </a:blip>
+            <a:srcRect/>
+            <a:stretch>
+              <a:fillRect/>
+            </a:stretch>
+          </p:blipFill>
+          <p:spPr bwMode="auto">
+            <a:xfrm>
+              <a:off x="10382978" y="692696"/>
+              <a:ext cx="1113622" cy="1113622"/>
+            </a:xfrm>
+            <a:prstGeom prst="rect">
+              <a:avLst/>
+            </a:prstGeom>
+            <a:noFill/>
+            <a:extLst>
+              <a:ext uri="{909E8E84-426E-40DD-AFC4-6F175D3DCCD1}">
+                <a14:hiddenFill xmlns:a14="http://schemas.microsoft.com/office/drawing/2010/main">
+                  <a:solidFill>
+                    <a:srgbClr val="FFFFFF"/>
+                  </a:solidFill>
+                </a14:hiddenFill>
+              </a:ext>
+            </a:extLst>
+          </p:spPr>
+        </p:pic>
+      </p:grpSp>
+    </p:spTree>
+    <p:extLst>
+      <p:ext uri="{BB962C8B-B14F-4D97-AF65-F5344CB8AC3E}">
+        <p14:creationId xmlns:p14="http://schemas.microsoft.com/office/powerpoint/2010/main" val="3822114795"/>
+      </p:ext>
+    </p:extLst>
+  </p:cSld>
+  <p:clrMapOvr>
+    <a:masterClrMapping/>
+  </p:clrMapOvr>
+  <mc:AlternateContent xmlns:mc="http://schemas.openxmlformats.org/markup-compatibility/2006" xmlns:p14="http://schemas.microsoft.com/office/powerpoint/2010/main">
+    <mc:Choice Requires="p14">
+      <p:transition spd="med" p14:dur="700">
+        <p:fade/>
+      </p:transition>
+    </mc:Choice>
+    <mc:Fallback xmlns="">
+      <p:transition spd="med">
+        <p:fade/>
+      </p:transition>
+    </mc:Fallback>
+  </mc:AlternateContent>
+  <p:timing>
+    <p:tnLst>
+      <p:par>
+        <p:cTn id="1" dur="indefinite" restart="never" nodeType="tmRoot">
+          <p:childTnLst>
+            <p:seq concurrent="1" nextAc="seek">
+              <p:cTn id="2" dur="indefinite" nodeType="mainSeq">
+                <p:childTnLst>
                   <p:par>
-                    <p:cTn id="8" fill="hold">
+                    <p:cTn id="3" fill="hold">
                       <p:stCondLst>
                         <p:cond delay="indefinite"/>
                       </p:stCondLst>
                       <p:childTnLst>
                         <p:par>
-                          <p:cTn id="9" fill="hold">
+                          <p:cTn id="4" fill="hold">
                             <p:stCondLst>
                               <p:cond delay="0"/>
                             </p:stCondLst>
                             <p:childTnLst>
                               <p:par>
-                                <p:cTn id="10" presetID="10" presetClass="entr" presetSubtype="0" fill="hold" grpId="0" nodeType="clickEffect">
+                                <p:cTn id="5" presetID="10" presetClass="entr" presetSubtype="0" fill="hold" grpId="0" nodeType="clickEffect">
                                   <p:stCondLst>
                                     <p:cond delay="0"/>
                                   </p:stCondLst>
                                   <p:childTnLst>
                                     <p:set>
                                       <p:cBhvr>
-                                        <p:cTn id="11" dur="1" fill="hold">
+                                        <p:cTn id="6" dur="1" fill="hold">
                                           <p:stCondLst>
                                             <p:cond delay="0"/>
                                           </p:stCondLst>
@@ -20261,7 +21119,7 @@
                                     </p:set>
                                     <p:animEffect transition="in" filter="fade">
                                       <p:cBhvr>
-                                        <p:cTn id="12" dur="500"/>
+                                        <p:cTn id="7" dur="500"/>
                                         <p:tgtEl>
                                           <p:spTgt spid="6"/>
                                         </p:tgtEl>
@@ -20304,7 +21162,7 @@
 </p:sld>
 </file>
 
-<file path=ppt/slides/slide35.xml><?xml version="1.0" encoding="utf-8"?>
+<file path=ppt/slides/slide37.xml><?xml version="1.0" encoding="utf-8"?>
 <p:sld xmlns:a="http://schemas.openxmlformats.org/drawingml/2006/main" xmlns:r="http://schemas.openxmlformats.org/officeDocument/2006/relationships" xmlns:p="http://schemas.openxmlformats.org/presentationml/2006/main">
   <p:cSld>
     <p:spTree>
@@ -20536,15 +21394,7 @@
                   <a:schemeClr val="accent4"/>
                 </a:solidFill>
               </a:rPr>
-              <a:t>now</a:t>
-            </a:r>
-            <a:r>
-              <a:rPr lang="en-US" sz="3600" cap="all" dirty="0">
-                <a:solidFill>
-                  <a:schemeClr val="accent4"/>
-                </a:solidFill>
-              </a:rPr>
-              <a:t>, Let’s talk about execution</a:t>
+              <a:t>What about execution</a:t>
             </a:r>
             <a:endParaRPr lang="en-US" dirty="0">
               <a:solidFill>
@@ -20579,7 +21429,7 @@
 </p:sld>
 </file>
 
-<file path=ppt/slides/slide36.xml><?xml version="1.0" encoding="utf-8"?>
+<file path=ppt/slides/slide38.xml><?xml version="1.0" encoding="utf-8"?>
 <p:sld xmlns:a="http://schemas.openxmlformats.org/drawingml/2006/main" xmlns:r="http://schemas.openxmlformats.org/officeDocument/2006/relationships" xmlns:p="http://schemas.openxmlformats.org/presentationml/2006/main">
   <p:cSld>
     <p:spTree>
@@ -21187,11 +22037,7 @@
               </a:br>
               <a:r>
                 <a:rPr lang="en-US" b="1" cap="all" dirty="0"/>
-                <a:t>Simultaneous </a:t>
-              </a:r>
-              <a:r>
-                <a:rPr lang="en-US" b="1" cap="all" dirty="0"/>
-                <a:t>execution</a:t>
+                <a:t>Simultaneous execution</a:t>
               </a:r>
               <a:endParaRPr lang="en-US" dirty="0"/>
             </a:p>
@@ -21953,7 +22799,7 @@
 </p:sld>
 </file>
 
-<file path=ppt/slides/slide37.xml><?xml version="1.0" encoding="utf-8"?>
+<file path=ppt/slides/slide39.xml><?xml version="1.0" encoding="utf-8"?>
 <p:sld xmlns:a="http://schemas.openxmlformats.org/drawingml/2006/main" xmlns:r="http://schemas.openxmlformats.org/officeDocument/2006/relationships" xmlns:p="http://schemas.openxmlformats.org/presentationml/2006/main">
   <p:cSld>
     <p:spTree>
@@ -22220,7 +23066,199 @@
 </p:sld>
 </file>
 
-<file path=ppt/slides/slide38.xml><?xml version="1.0" encoding="utf-8"?>
+<file path=ppt/slides/slide4.xml><?xml version="1.0" encoding="utf-8"?>
+<p:sld xmlns:a="http://schemas.openxmlformats.org/drawingml/2006/main" xmlns:r="http://schemas.openxmlformats.org/officeDocument/2006/relationships" xmlns:p="http://schemas.openxmlformats.org/presentationml/2006/main">
+  <p:cSld>
+    <p:spTree>
+      <p:nvGrpSpPr>
+        <p:cNvPr id="1" name=""/>
+        <p:cNvGrpSpPr/>
+        <p:nvPr/>
+      </p:nvGrpSpPr>
+      <p:grpSpPr>
+        <a:xfrm>
+          <a:off x="0" y="0"/>
+          <a:ext cx="0" cy="0"/>
+          <a:chOff x="0" y="0"/>
+          <a:chExt cx="0" cy="0"/>
+        </a:xfrm>
+      </p:grpSpPr>
+      <p:grpSp>
+        <p:nvGrpSpPr>
+          <p:cNvPr id="6" name="Group 5"/>
+          <p:cNvGrpSpPr/>
+          <p:nvPr/>
+        </p:nvGrpSpPr>
+        <p:grpSpPr>
+          <a:xfrm>
+            <a:off x="1415480" y="1066800"/>
+            <a:ext cx="9361040" cy="5437627"/>
+            <a:chOff x="1415480" y="1066800"/>
+            <a:chExt cx="9361040" cy="5437627"/>
+          </a:xfrm>
+        </p:grpSpPr>
+        <p:pic>
+          <p:nvPicPr>
+            <p:cNvPr id="4" name="Picture 3"/>
+            <p:cNvPicPr>
+              <a:picLocks noChangeAspect="1"/>
+            </p:cNvPicPr>
+            <p:nvPr/>
+          </p:nvPicPr>
+          <p:blipFill rotWithShape="1">
+            <a:blip r:embed="rId2"/>
+            <a:srcRect l="1506" t="11264" r="14126" b="1835"/>
+            <a:stretch/>
+          </p:blipFill>
+          <p:spPr>
+            <a:xfrm>
+              <a:off x="1415480" y="1066800"/>
+              <a:ext cx="9361040" cy="5437627"/>
+            </a:xfrm>
+            <a:prstGeom prst="rect">
+              <a:avLst/>
+            </a:prstGeom>
+            <a:noFill/>
+            <a:ln>
+              <a:solidFill>
+                <a:schemeClr val="accent1"/>
+              </a:solidFill>
+            </a:ln>
+          </p:spPr>
+        </p:pic>
+        <p:sp>
+          <p:nvSpPr>
+            <p:cNvPr id="5" name="Rectangle 4"/>
+            <p:cNvSpPr/>
+            <p:nvPr/>
+          </p:nvSpPr>
+          <p:spPr>
+            <a:xfrm>
+              <a:off x="1919536" y="5877272"/>
+              <a:ext cx="792088" cy="560320"/>
+            </a:xfrm>
+            <a:prstGeom prst="rect">
+              <a:avLst/>
+            </a:prstGeom>
+            <a:solidFill>
+              <a:schemeClr val="bg1"/>
+            </a:solidFill>
+            <a:ln>
+              <a:solidFill>
+                <a:schemeClr val="bg1"/>
+              </a:solidFill>
+            </a:ln>
+          </p:spPr>
+          <p:style>
+            <a:lnRef idx="2">
+              <a:schemeClr val="accent1">
+                <a:shade val="50000"/>
+              </a:schemeClr>
+            </a:lnRef>
+            <a:fillRef idx="1">
+              <a:schemeClr val="accent1"/>
+            </a:fillRef>
+            <a:effectRef idx="0">
+              <a:schemeClr val="accent1"/>
+            </a:effectRef>
+            <a:fontRef idx="minor">
+              <a:schemeClr val="lt1"/>
+            </a:fontRef>
+          </p:style>
+          <p:txBody>
+            <a:bodyPr rtlCol="0" anchor="ctr"/>
+            <a:lstStyle/>
+            <a:p>
+              <a:pPr algn="ctr"/>
+              <a:endParaRPr lang="fr-FR"/>
+            </a:p>
+          </p:txBody>
+        </p:sp>
+      </p:grpSp>
+      <p:sp>
+        <p:nvSpPr>
+          <p:cNvPr id="13" name="Title 12"/>
+          <p:cNvSpPr>
+            <a:spLocks noGrp="1"/>
+          </p:cNvSpPr>
+          <p:nvPr>
+            <p:ph type="title"/>
+          </p:nvPr>
+        </p:nvSpPr>
+        <p:spPr/>
+        <p:txBody>
+          <a:bodyPr anchor="t"/>
+          <a:lstStyle/>
+          <a:p>
+            <a:r>
+              <a:rPr lang="en-US" dirty="0"/>
+              <a:t>Let’s start with A question…</a:t>
+            </a:r>
+          </a:p>
+        </p:txBody>
+      </p:sp>
+      <p:sp>
+        <p:nvSpPr>
+          <p:cNvPr id="14" name="Content Placeholder 13"/>
+          <p:cNvSpPr>
+            <a:spLocks noGrp="1"/>
+          </p:cNvSpPr>
+          <p:nvPr>
+            <p:ph idx="1"/>
+          </p:nvPr>
+        </p:nvSpPr>
+        <p:spPr>
+          <a:xfrm>
+            <a:off x="4652319" y="5944107"/>
+            <a:ext cx="6006340" cy="581237"/>
+          </a:xfrm>
+        </p:spPr>
+        <p:txBody>
+          <a:bodyPr anchor="ctr">
+            <a:normAutofit/>
+          </a:bodyPr>
+          <a:lstStyle/>
+          <a:p>
+            <a:pPr marL="0" indent="0" algn="r">
+              <a:buNone/>
+            </a:pPr>
+            <a:r>
+              <a:rPr lang="en-US" sz="2200" dirty="0">
+                <a:solidFill>
+                  <a:schemeClr val="accent1"/>
+                </a:solidFill>
+              </a:rPr>
+              <a:t>Q: What happens line 24,  when await occurs?</a:t>
+            </a:r>
+          </a:p>
+        </p:txBody>
+      </p:sp>
+    </p:spTree>
+    <p:extLst>
+      <p:ext uri="{BB962C8B-B14F-4D97-AF65-F5344CB8AC3E}">
+        <p14:creationId xmlns:p14="http://schemas.microsoft.com/office/powerpoint/2010/main" val="2339834365"/>
+      </p:ext>
+    </p:extLst>
+  </p:cSld>
+  <p:clrMapOvr>
+    <a:masterClrMapping/>
+  </p:clrMapOvr>
+  <mc:AlternateContent xmlns:mc="http://schemas.openxmlformats.org/markup-compatibility/2006" xmlns:p14="http://schemas.microsoft.com/office/powerpoint/2010/main">
+    <mc:Choice Requires="p14">
+      <p:transition spd="med" p14:dur="700">
+        <p:fade/>
+      </p:transition>
+    </mc:Choice>
+    <mc:Fallback xmlns="">
+      <p:transition spd="med">
+        <p:fade/>
+      </p:transition>
+    </mc:Fallback>
+  </mc:AlternateContent>
+</p:sld>
+</file>
+
+<file path=ppt/slides/slide40.xml><?xml version="1.0" encoding="utf-8"?>
 <p:sld xmlns:a="http://schemas.openxmlformats.org/drawingml/2006/main" xmlns:r="http://schemas.openxmlformats.org/officeDocument/2006/relationships" xmlns:p="http://schemas.openxmlformats.org/presentationml/2006/main">
   <p:cSld>
     <p:spTree>
@@ -22834,12 +23872,12 @@
   </p:clrMapOvr>
   <mc:AlternateContent xmlns:mc="http://schemas.openxmlformats.org/markup-compatibility/2006">
     <mc:Choice xmlns:p14="http://schemas.microsoft.com/office/powerpoint/2010/main" Requires="p14">
-      <p:transition spd="med" p14:dur="700" advClick="0" advTm="500">
+      <p:transition spd="med" p14:dur="700" advClick="0" advTm="0">
         <p:fade/>
       </p:transition>
     </mc:Choice>
     <mc:Fallback>
-      <p:transition spd="med" advClick="0" advTm="500">
+      <p:transition spd="med" advClick="0" advTm="0">
         <p:fade/>
       </p:transition>
     </mc:Fallback>
@@ -22856,9 +23894,6 @@
                     <p:cTn id="3" fill="hold">
                       <p:stCondLst>
                         <p:cond delay="indefinite"/>
-                        <p:cond evt="onBegin" delay="0">
-                          <p:tn val="2"/>
-                        </p:cond>
                       </p:stCondLst>
                       <p:childTnLst>
                         <p:par>
@@ -22868,9 +23903,9 @@
                             </p:stCondLst>
                             <p:childTnLst>
                               <p:par>
-                                <p:cTn id="5" presetID="10" presetClass="exit" presetSubtype="0" fill="hold" grpId="0" nodeType="afterEffect">
+                                <p:cTn id="5" presetID="10" presetClass="exit" presetSubtype="0" fill="hold" grpId="0" nodeType="clickEffect">
                                   <p:stCondLst>
-                                    <p:cond delay="500"/>
+                                    <p:cond delay="0"/>
                                   </p:stCondLst>
                                   <p:childTnLst>
                                     <p:animEffect transition="out" filter="fade">
@@ -22905,30 +23940,21 @@
                             </p:childTnLst>
                           </p:cTn>
                         </p:par>
-                      </p:childTnLst>
-                    </p:cTn>
-                  </p:par>
-                  <p:par>
-                    <p:cTn id="8" fill="hold">
-                      <p:stCondLst>
-                        <p:cond delay="indefinite"/>
-                      </p:stCondLst>
-                      <p:childTnLst>
                         <p:par>
-                          <p:cTn id="9" fill="hold">
+                          <p:cTn id="8" fill="hold">
                             <p:stCondLst>
-                              <p:cond delay="0"/>
+                              <p:cond delay="500"/>
                             </p:stCondLst>
                             <p:childTnLst>
                               <p:par>
-                                <p:cTn id="10" presetID="42" presetClass="path" presetSubtype="0" accel="50000" decel="50000" fill="hold" nodeType="clickEffect">
+                                <p:cTn id="9" presetID="42" presetClass="path" presetSubtype="0" accel="50000" decel="50000" fill="hold" nodeType="afterEffect">
                                   <p:stCondLst>
                                     <p:cond delay="0"/>
                                   </p:stCondLst>
                                   <p:childTnLst>
                                     <p:animMotion origin="layout" path="M 1.04167E-6 4.07407E-6 L -0.4793 0.00277 " pathEditMode="relative" rAng="0" ptsTypes="AA">
                                       <p:cBhvr>
-                                        <p:cTn id="11" dur="2000" fill="hold"/>
+                                        <p:cTn id="10" dur="2000" fill="hold"/>
                                         <p:tgtEl>
                                           <p:spTgt spid="10"/>
                                         </p:tgtEl>
@@ -22976,7 +24002,7 @@
 </p:sld>
 </file>
 
-<file path=ppt/slides/slide39.xml><?xml version="1.0" encoding="utf-8"?>
+<file path=ppt/slides/slide41.xml><?xml version="1.0" encoding="utf-8"?>
 <p:sld xmlns:a="http://schemas.openxmlformats.org/drawingml/2006/main" xmlns:r="http://schemas.openxmlformats.org/officeDocument/2006/relationships" xmlns:p="http://schemas.openxmlformats.org/presentationml/2006/main">
   <p:cSld>
     <p:spTree>
@@ -23001,7 +24027,7 @@
         </p:nvGrpSpPr>
         <p:grpSpPr>
           <a:xfrm>
-            <a:off x="936525" y="692696"/>
+            <a:off x="767408" y="731202"/>
             <a:ext cx="4871443" cy="1113622"/>
             <a:chOff x="6625157" y="692696"/>
             <a:chExt cx="4871443" cy="1113622"/>
@@ -23148,7 +24174,7 @@
             <a:pPr algn="ctr"/>
             <a:r>
               <a:rPr lang="en-US" dirty="0"/>
-              <a:t>Parallelism</a:t>
+              <a:t>Parallel</a:t>
             </a:r>
           </a:p>
         </p:txBody>
@@ -23611,10 +24637,14 @@
   </p:clrMapOvr>
   <mc:AlternateContent xmlns:mc="http://schemas.openxmlformats.org/markup-compatibility/2006">
     <mc:Choice xmlns:p14="http://schemas.microsoft.com/office/powerpoint/2010/main" Requires="p14">
-      <p:transition p14:dur="0"/>
+      <p:transition spd="med" p14:dur="700" advClick="0">
+        <p:fade/>
+      </p:transition>
     </mc:Choice>
     <mc:Fallback>
-      <p:transition/>
+      <p:transition spd="med" advClick="0">
+        <p:fade/>
+      </p:transition>
     </mc:Fallback>
   </mc:AlternateContent>
   <p:timing>
@@ -23641,7 +24671,7 @@
                             </p:stCondLst>
                             <p:childTnLst>
                               <p:par>
-                                <p:cTn id="5" presetID="10" presetClass="entr" presetSubtype="0" fill="hold" grpId="0" nodeType="afterEffect">
+                                <p:cTn id="5" presetID="1" presetClass="entr" presetSubtype="0" fill="hold" grpId="0" nodeType="afterEffect">
                                   <p:stCondLst>
                                     <p:cond delay="0"/>
                                   </p:stCondLst>
@@ -23664,14 +24694,6 @@
                                         <p:strVal val="visible"/>
                                       </p:to>
                                     </p:set>
-                                    <p:animEffect transition="in" filter="fade">
-                                      <p:cBhvr>
-                                        <p:cTn id="7" dur="500"/>
-                                        <p:tgtEl>
-                                          <p:spTgt spid="13"/>
-                                        </p:tgtEl>
-                                      </p:cBhvr>
-                                    </p:animEffect>
                                   </p:childTnLst>
                                 </p:cTn>
                               </p:par>
@@ -23709,7 +24731,7 @@
 </p:sld>
 </file>
 
-<file path=ppt/slides/slide4.xml><?xml version="1.0" encoding="utf-8"?>
+<file path=ppt/slides/slide42.xml><?xml version="1.0" encoding="utf-8"?>
 <p:sld xmlns:a="http://schemas.openxmlformats.org/drawingml/2006/main" xmlns:r="http://schemas.openxmlformats.org/officeDocument/2006/relationships" xmlns:p="http://schemas.openxmlformats.org/presentationml/2006/main">
   <p:cSld>
     <p:spTree>
@@ -23726,309 +24748,6 @@
           <a:chExt cx="0" cy="0"/>
         </a:xfrm>
       </p:grpSpPr>
-      <p:grpSp>
-        <p:nvGrpSpPr>
-          <p:cNvPr id="6" name="Group 5"/>
-          <p:cNvGrpSpPr/>
-          <p:nvPr/>
-        </p:nvGrpSpPr>
-        <p:grpSpPr>
-          <a:xfrm>
-            <a:off x="1415480" y="1066800"/>
-            <a:ext cx="9361040" cy="5437627"/>
-            <a:chOff x="1415480" y="1066800"/>
-            <a:chExt cx="9361040" cy="5437627"/>
-          </a:xfrm>
-        </p:grpSpPr>
-        <p:pic>
-          <p:nvPicPr>
-            <p:cNvPr id="4" name="Picture 3"/>
-            <p:cNvPicPr>
-              <a:picLocks noChangeAspect="1"/>
-            </p:cNvPicPr>
-            <p:nvPr/>
-          </p:nvPicPr>
-          <p:blipFill rotWithShape="1">
-            <a:blip r:embed="rId2"/>
-            <a:srcRect l="1506" t="11264" r="14126" b="1835"/>
-            <a:stretch/>
-          </p:blipFill>
-          <p:spPr>
-            <a:xfrm>
-              <a:off x="1415480" y="1066800"/>
-              <a:ext cx="9361040" cy="5437627"/>
-            </a:xfrm>
-            <a:prstGeom prst="rect">
-              <a:avLst/>
-            </a:prstGeom>
-            <a:noFill/>
-            <a:ln>
-              <a:solidFill>
-                <a:schemeClr val="accent1"/>
-              </a:solidFill>
-            </a:ln>
-          </p:spPr>
-        </p:pic>
-        <p:sp>
-          <p:nvSpPr>
-            <p:cNvPr id="5" name="Rectangle 4"/>
-            <p:cNvSpPr/>
-            <p:nvPr/>
-          </p:nvSpPr>
-          <p:spPr>
-            <a:xfrm>
-              <a:off x="1919536" y="5877272"/>
-              <a:ext cx="792088" cy="560320"/>
-            </a:xfrm>
-            <a:prstGeom prst="rect">
-              <a:avLst/>
-            </a:prstGeom>
-            <a:solidFill>
-              <a:schemeClr val="bg1"/>
-            </a:solidFill>
-            <a:ln>
-              <a:solidFill>
-                <a:schemeClr val="bg1"/>
-              </a:solidFill>
-            </a:ln>
-          </p:spPr>
-          <p:style>
-            <a:lnRef idx="2">
-              <a:schemeClr val="accent1">
-                <a:shade val="50000"/>
-              </a:schemeClr>
-            </a:lnRef>
-            <a:fillRef idx="1">
-              <a:schemeClr val="accent1"/>
-            </a:fillRef>
-            <a:effectRef idx="0">
-              <a:schemeClr val="accent1"/>
-            </a:effectRef>
-            <a:fontRef idx="minor">
-              <a:schemeClr val="lt1"/>
-            </a:fontRef>
-          </p:style>
-          <p:txBody>
-            <a:bodyPr rtlCol="0" anchor="ctr"/>
-            <a:lstStyle/>
-            <a:p>
-              <a:pPr algn="ctr"/>
-              <a:endParaRPr lang="fr-FR"/>
-            </a:p>
-          </p:txBody>
-        </p:sp>
-      </p:grpSp>
-      <p:sp>
-        <p:nvSpPr>
-          <p:cNvPr id="13" name="Title 12"/>
-          <p:cNvSpPr>
-            <a:spLocks noGrp="1"/>
-          </p:cNvSpPr>
-          <p:nvPr>
-            <p:ph type="title"/>
-          </p:nvPr>
-        </p:nvSpPr>
-        <p:spPr/>
-        <p:txBody>
-          <a:bodyPr anchor="t"/>
-          <a:lstStyle/>
-          <a:p>
-            <a:r>
-              <a:rPr lang="en-US" dirty="0"/>
-              <a:t>Let’s start with A question…</a:t>
-            </a:r>
-          </a:p>
-        </p:txBody>
-      </p:sp>
-      <p:sp>
-        <p:nvSpPr>
-          <p:cNvPr id="14" name="Content Placeholder 13"/>
-          <p:cNvSpPr>
-            <a:spLocks noGrp="1"/>
-          </p:cNvSpPr>
-          <p:nvPr>
-            <p:ph idx="1"/>
-          </p:nvPr>
-        </p:nvSpPr>
-        <p:spPr>
-          <a:xfrm>
-            <a:off x="4652319" y="5944107"/>
-            <a:ext cx="6006340" cy="581237"/>
-          </a:xfrm>
-        </p:spPr>
-        <p:txBody>
-          <a:bodyPr anchor="ctr">
-            <a:normAutofit/>
-          </a:bodyPr>
-          <a:lstStyle/>
-          <a:p>
-            <a:pPr marL="0" indent="0" algn="r">
-              <a:buNone/>
-            </a:pPr>
-            <a:r>
-              <a:rPr lang="en-US" sz="2200" dirty="0">
-                <a:solidFill>
-                  <a:schemeClr val="accent1"/>
-                </a:solidFill>
-              </a:rPr>
-              <a:t>Q: What happens line 24,  when await occurs?</a:t>
-            </a:r>
-          </a:p>
-        </p:txBody>
-      </p:sp>
-    </p:spTree>
-    <p:extLst>
-      <p:ext uri="{BB962C8B-B14F-4D97-AF65-F5344CB8AC3E}">
-        <p14:creationId xmlns:p14="http://schemas.microsoft.com/office/powerpoint/2010/main" val="2339834365"/>
-      </p:ext>
-    </p:extLst>
-  </p:cSld>
-  <p:clrMapOvr>
-    <a:masterClrMapping/>
-  </p:clrMapOvr>
-  <mc:AlternateContent xmlns:mc="http://schemas.openxmlformats.org/markup-compatibility/2006" xmlns:p14="http://schemas.microsoft.com/office/powerpoint/2010/main">
-    <mc:Choice Requires="p14">
-      <p:transition spd="med" p14:dur="700">
-        <p:fade/>
-      </p:transition>
-    </mc:Choice>
-    <mc:Fallback xmlns="">
-      <p:transition spd="med">
-        <p:fade/>
-      </p:transition>
-    </mc:Fallback>
-  </mc:AlternateContent>
-</p:sld>
-</file>
-
-<file path=ppt/slides/slide40.xml><?xml version="1.0" encoding="utf-8"?>
-<p:sld xmlns:a="http://schemas.openxmlformats.org/drawingml/2006/main" xmlns:r="http://schemas.openxmlformats.org/officeDocument/2006/relationships" xmlns:p="http://schemas.openxmlformats.org/presentationml/2006/main">
-  <p:cSld>
-    <p:spTree>
-      <p:nvGrpSpPr>
-        <p:cNvPr id="1" name=""/>
-        <p:cNvGrpSpPr/>
-        <p:nvPr/>
-      </p:nvGrpSpPr>
-      <p:grpSpPr>
-        <a:xfrm>
-          <a:off x="0" y="0"/>
-          <a:ext cx="0" cy="0"/>
-          <a:chOff x="0" y="0"/>
-          <a:chExt cx="0" cy="0"/>
-        </a:xfrm>
-      </p:grpSpPr>
-      <p:grpSp>
-        <p:nvGrpSpPr>
-          <p:cNvPr id="8" name="Group 7"/>
-          <p:cNvGrpSpPr/>
-          <p:nvPr/>
-        </p:nvGrpSpPr>
-        <p:grpSpPr>
-          <a:xfrm>
-            <a:off x="936525" y="692696"/>
-            <a:ext cx="4871443" cy="1113622"/>
-            <a:chOff x="6625157" y="692696"/>
-            <a:chExt cx="4871443" cy="1113622"/>
-          </a:xfrm>
-        </p:grpSpPr>
-        <p:sp>
-          <p:nvSpPr>
-            <p:cNvPr id="4" name="Title 12"/>
-            <p:cNvSpPr txBox="1">
-              <a:spLocks/>
-            </p:cNvSpPr>
-            <p:nvPr/>
-          </p:nvSpPr>
-          <p:spPr>
-            <a:xfrm>
-              <a:off x="6625157" y="1029072"/>
-              <a:ext cx="4501182" cy="743744"/>
-            </a:xfrm>
-            <a:prstGeom prst="rect">
-              <a:avLst/>
-            </a:prstGeom>
-          </p:spPr>
-          <p:txBody>
-            <a:bodyPr vert="horz" lIns="91440" tIns="45720" rIns="91440" bIns="45720" rtlCol="0" anchor="t">
-              <a:normAutofit/>
-            </a:bodyPr>
-            <a:lstStyle>
-              <a:lvl1pPr algn="l" defTabSz="914400" rtl="0" eaLnBrk="1" latinLnBrk="0" hangingPunct="1">
-                <a:lnSpc>
-                  <a:spcPct val="90000"/>
-                </a:lnSpc>
-                <a:spcBef>
-                  <a:spcPct val="0"/>
-                </a:spcBef>
-                <a:buNone/>
-                <a:defRPr sz="3600" kern="1200" cap="all" spc="100" baseline="0">
-                  <a:solidFill>
-                    <a:schemeClr val="accent1"/>
-                  </a:solidFill>
-                  <a:latin typeface="+mj-lt"/>
-                  <a:ea typeface="+mj-ea"/>
-                  <a:cs typeface="+mj-cs"/>
-                </a:defRPr>
-              </a:lvl1pPr>
-            </a:lstStyle>
-            <a:p>
-              <a:r>
-                <a:rPr lang="en-US" dirty="0"/>
-                <a:t>Asynchronous</a:t>
-              </a:r>
-            </a:p>
-          </p:txBody>
-        </p:sp>
-        <p:pic>
-          <p:nvPicPr>
-            <p:cNvPr id="7" name="Picture 2" descr="Afficher l'image d'origine"/>
-            <p:cNvPicPr>
-              <a:picLocks noChangeAspect="1" noChangeArrowheads="1"/>
-            </p:cNvPicPr>
-            <p:nvPr/>
-          </p:nvPicPr>
-          <p:blipFill>
-            <a:blip r:embed="rId3" cstate="print">
-              <a:duotone>
-                <a:schemeClr val="accent1">
-                  <a:shade val="45000"/>
-                  <a:satMod val="135000"/>
-                </a:schemeClr>
-                <a:prstClr val="white"/>
-              </a:duotone>
-              <a:extLst>
-                <a:ext uri="{28A0092B-C50C-407E-A947-70E740481C1C}">
-                  <a14:useLocalDpi xmlns:a14="http://schemas.microsoft.com/office/drawing/2010/main" val="0"/>
-                </a:ext>
-              </a:extLst>
-            </a:blip>
-            <a:srcRect/>
-            <a:stretch>
-              <a:fillRect/>
-            </a:stretch>
-          </p:blipFill>
-          <p:spPr bwMode="auto">
-            <a:xfrm>
-              <a:off x="10382978" y="692696"/>
-              <a:ext cx="1113622" cy="1113622"/>
-            </a:xfrm>
-            <a:prstGeom prst="rect">
-              <a:avLst/>
-            </a:prstGeom>
-            <a:noFill/>
-            <a:extLst>
-              <a:ext uri="{909E8E84-426E-40DD-AFC4-6F175D3DCCD1}">
-                <a14:hiddenFill xmlns:a14="http://schemas.microsoft.com/office/drawing/2010/main">
-                  <a:solidFill>
-                    <a:srgbClr val="FFFFFF"/>
-                  </a:solidFill>
-                </a14:hiddenFill>
-              </a:ext>
-            </a:extLst>
-          </p:spPr>
-        </p:pic>
-      </p:grpSp>
       <p:sp>
         <p:nvSpPr>
           <p:cNvPr id="11" name="Title 12"/>
@@ -24073,7 +24792,7 @@
             <a:pPr algn="ctr"/>
             <a:r>
               <a:rPr lang="en-US" dirty="0"/>
-              <a:t>Parallelism</a:t>
+              <a:t>Parallel</a:t>
             </a:r>
           </a:p>
         </p:txBody>
@@ -24550,6 +25269,117 @@
           </a:p>
         </p:txBody>
       </p:sp>
+      <p:grpSp>
+        <p:nvGrpSpPr>
+          <p:cNvPr id="15" name="Group 14"/>
+          <p:cNvGrpSpPr/>
+          <p:nvPr/>
+        </p:nvGrpSpPr>
+        <p:grpSpPr>
+          <a:xfrm>
+            <a:off x="767408" y="731202"/>
+            <a:ext cx="4871443" cy="1113622"/>
+            <a:chOff x="6625157" y="692696"/>
+            <a:chExt cx="4871443" cy="1113622"/>
+          </a:xfrm>
+        </p:grpSpPr>
+        <p:sp>
+          <p:nvSpPr>
+            <p:cNvPr id="16" name="Title 12"/>
+            <p:cNvSpPr txBox="1">
+              <a:spLocks/>
+            </p:cNvSpPr>
+            <p:nvPr/>
+          </p:nvSpPr>
+          <p:spPr>
+            <a:xfrm>
+              <a:off x="6625157" y="1029072"/>
+              <a:ext cx="4501182" cy="743744"/>
+            </a:xfrm>
+            <a:prstGeom prst="rect">
+              <a:avLst/>
+            </a:prstGeom>
+          </p:spPr>
+          <p:txBody>
+            <a:bodyPr vert="horz" lIns="91440" tIns="45720" rIns="91440" bIns="45720" rtlCol="0" anchor="t">
+              <a:normAutofit/>
+            </a:bodyPr>
+            <a:lstStyle>
+              <a:lvl1pPr algn="l" defTabSz="914400" rtl="0" eaLnBrk="1" latinLnBrk="0" hangingPunct="1">
+                <a:lnSpc>
+                  <a:spcPct val="90000"/>
+                </a:lnSpc>
+                <a:spcBef>
+                  <a:spcPct val="0"/>
+                </a:spcBef>
+                <a:buNone/>
+                <a:defRPr sz="3600" kern="1200" cap="all" spc="100" baseline="0">
+                  <a:solidFill>
+                    <a:schemeClr val="accent1"/>
+                  </a:solidFill>
+                  <a:latin typeface="+mj-lt"/>
+                  <a:ea typeface="+mj-ea"/>
+                  <a:cs typeface="+mj-cs"/>
+                </a:defRPr>
+              </a:lvl1pPr>
+            </a:lstStyle>
+            <a:p>
+              <a:r>
+                <a:rPr lang="en-US" dirty="0"/>
+                <a:t>Asynchronous</a:t>
+              </a:r>
+            </a:p>
+          </p:txBody>
+        </p:sp>
+        <p:pic>
+          <p:nvPicPr>
+            <p:cNvPr id="17" name="Picture 2" descr="Afficher l'image d'origine"/>
+            <p:cNvPicPr>
+              <a:picLocks noChangeAspect="1" noChangeArrowheads="1"/>
+            </p:cNvPicPr>
+            <p:nvPr/>
+          </p:nvPicPr>
+          <p:blipFill>
+            <a:blip r:embed="rId3" cstate="print">
+              <a:duotone>
+                <a:schemeClr val="accent1">
+                  <a:shade val="45000"/>
+                  <a:satMod val="135000"/>
+                </a:schemeClr>
+                <a:prstClr val="white"/>
+              </a:duotone>
+              <a:extLst>
+                <a:ext uri="{28A0092B-C50C-407E-A947-70E740481C1C}">
+                  <a14:useLocalDpi xmlns:a14="http://schemas.microsoft.com/office/drawing/2010/main" val="0"/>
+                </a:ext>
+              </a:extLst>
+            </a:blip>
+            <a:srcRect/>
+            <a:stretch>
+              <a:fillRect/>
+            </a:stretch>
+          </p:blipFill>
+          <p:spPr bwMode="auto">
+            <a:xfrm>
+              <a:off x="10382978" y="692696"/>
+              <a:ext cx="1113622" cy="1113622"/>
+            </a:xfrm>
+            <a:prstGeom prst="rect">
+              <a:avLst/>
+            </a:prstGeom>
+            <a:noFill/>
+            <a:extLst>
+              <a:ext uri="{909E8E84-426E-40DD-AFC4-6F175D3DCCD1}">
+                <a14:hiddenFill xmlns:a14="http://schemas.microsoft.com/office/drawing/2010/main">
+                  <a:solidFill>
+                    <a:srgbClr val="FFFFFF"/>
+                  </a:solidFill>
+                </a14:hiddenFill>
+              </a:ext>
+            </a:extLst>
+          </p:spPr>
+        </p:pic>
+      </p:grpSp>
     </p:spTree>
     <p:extLst>
       <p:ext uri="{BB962C8B-B14F-4D97-AF65-F5344CB8AC3E}">
@@ -24560,416 +25390,12 @@
   <p:clrMapOvr>
     <a:masterClrMapping/>
   </p:clrMapOvr>
-  <mc:AlternateContent xmlns:mc="http://schemas.openxmlformats.org/markup-compatibility/2006">
-    <mc:Choice xmlns:p14="http://schemas.microsoft.com/office/powerpoint/2010/main" Requires="p14">
+  <mc:AlternateContent xmlns:mc="http://schemas.openxmlformats.org/markup-compatibility/2006" xmlns:p14="http://schemas.microsoft.com/office/powerpoint/2010/main">
+    <mc:Choice Requires="p14">
       <p:transition p14:dur="0"/>
     </mc:Choice>
-    <mc:Fallback>
+    <mc:Fallback xmlns="">
       <p:transition/>
-    </mc:Fallback>
-  </mc:AlternateContent>
-</p:sld>
-</file>
-
-<file path=ppt/slides/slide41.xml><?xml version="1.0" encoding="utf-8"?>
-<p:sld xmlns:a="http://schemas.openxmlformats.org/drawingml/2006/main" xmlns:r="http://schemas.openxmlformats.org/officeDocument/2006/relationships" xmlns:p="http://schemas.openxmlformats.org/presentationml/2006/main">
-  <p:cSld>
-    <p:spTree>
-      <p:nvGrpSpPr>
-        <p:cNvPr id="1" name=""/>
-        <p:cNvGrpSpPr/>
-        <p:nvPr/>
-      </p:nvGrpSpPr>
-      <p:grpSpPr>
-        <a:xfrm>
-          <a:off x="0" y="0"/>
-          <a:ext cx="0" cy="0"/>
-          <a:chOff x="0" y="0"/>
-          <a:chExt cx="0" cy="0"/>
-        </a:xfrm>
-      </p:grpSpPr>
-      <p:sp>
-        <p:nvSpPr>
-          <p:cNvPr id="4" name="Title 3"/>
-          <p:cNvSpPr>
-            <a:spLocks noGrp="1"/>
-          </p:cNvSpPr>
-          <p:nvPr>
-            <p:ph type="title"/>
-          </p:nvPr>
-        </p:nvSpPr>
-        <p:spPr/>
-        <p:txBody>
-          <a:bodyPr/>
-          <a:lstStyle/>
-          <a:p>
-            <a:r>
-              <a:rPr lang="en-GB" dirty="0">
-                <a:solidFill>
-                  <a:schemeClr val="tx2"/>
-                </a:solidFill>
-              </a:rPr>
-              <a:t>Prerequisite </a:t>
-            </a:r>
-            <a:br>
-              <a:rPr lang="en-GB" dirty="0"/>
-            </a:br>
-            <a:r>
-              <a:rPr lang="en-GB" dirty="0"/>
-              <a:t>Task Parallel Library (TPL)</a:t>
-            </a:r>
-          </a:p>
-        </p:txBody>
-      </p:sp>
-    </p:spTree>
-    <p:extLst>
-      <p:ext uri="{BB962C8B-B14F-4D97-AF65-F5344CB8AC3E}">
-        <p14:creationId xmlns:p14="http://schemas.microsoft.com/office/powerpoint/2010/main" val="4038492765"/>
-      </p:ext>
-    </p:extLst>
-  </p:cSld>
-  <p:clrMapOvr>
-    <a:masterClrMapping/>
-  </p:clrMapOvr>
-  <mc:AlternateContent xmlns:mc="http://schemas.openxmlformats.org/markup-compatibility/2006" xmlns:p14="http://schemas.microsoft.com/office/powerpoint/2010/main">
-    <mc:Choice Requires="p14">
-      <p:transition spd="med" p14:dur="700">
-        <p:fade/>
-      </p:transition>
-    </mc:Choice>
-    <mc:Fallback xmlns="">
-      <p:transition spd="med">
-        <p:fade/>
-      </p:transition>
-    </mc:Fallback>
-  </mc:AlternateContent>
-</p:sld>
-</file>
-
-<file path=ppt/slides/slide42.xml><?xml version="1.0" encoding="utf-8"?>
-<p:sld xmlns:a="http://schemas.openxmlformats.org/drawingml/2006/main" xmlns:r="http://schemas.openxmlformats.org/officeDocument/2006/relationships" xmlns:p="http://schemas.openxmlformats.org/presentationml/2006/main">
-  <p:cSld>
-    <p:spTree>
-      <p:nvGrpSpPr>
-        <p:cNvPr id="1" name=""/>
-        <p:cNvGrpSpPr/>
-        <p:nvPr/>
-      </p:nvGrpSpPr>
-      <p:grpSpPr>
-        <a:xfrm>
-          <a:off x="0" y="0"/>
-          <a:ext cx="0" cy="0"/>
-          <a:chOff x="0" y="0"/>
-          <a:chExt cx="0" cy="0"/>
-        </a:xfrm>
-      </p:grpSpPr>
-      <p:sp>
-        <p:nvSpPr>
-          <p:cNvPr id="13" name="Title 12"/>
-          <p:cNvSpPr>
-            <a:spLocks noGrp="1"/>
-          </p:cNvSpPr>
-          <p:nvPr>
-            <p:ph type="title"/>
-          </p:nvPr>
-        </p:nvSpPr>
-        <p:spPr>
-          <a:xfrm>
-            <a:off x="1522810" y="381000"/>
-            <a:ext cx="9613750" cy="1371600"/>
-          </a:xfrm>
-        </p:spPr>
-        <p:txBody>
-          <a:bodyPr anchor="t"/>
-          <a:lstStyle/>
-          <a:p>
-            <a:r>
-              <a:rPr lang="en-US" dirty="0"/>
-              <a:t>Task Parallel Library reminder </a:t>
-            </a:r>
-            <a:r>
-              <a:rPr lang="en-US" dirty="0">
-                <a:solidFill>
-                  <a:schemeClr val="tx2"/>
-                </a:solidFill>
-              </a:rPr>
-              <a:t>(TPL)</a:t>
-            </a:r>
-            <a:endParaRPr lang="en-US" dirty="0"/>
-          </a:p>
-        </p:txBody>
-      </p:sp>
-      <p:sp>
-        <p:nvSpPr>
-          <p:cNvPr id="14" name="Content Placeholder 13"/>
-          <p:cNvSpPr>
-            <a:spLocks noGrp="1"/>
-          </p:cNvSpPr>
-          <p:nvPr>
-            <p:ph idx="1"/>
-          </p:nvPr>
-        </p:nvSpPr>
-        <p:spPr>
-          <a:xfrm>
-            <a:off x="2135560" y="1268760"/>
-            <a:ext cx="8640960" cy="4824536"/>
-          </a:xfrm>
-        </p:spPr>
-        <p:txBody>
-          <a:bodyPr anchor="t">
-            <a:normAutofit fontScale="70000" lnSpcReduction="20000"/>
-          </a:bodyPr>
-          <a:lstStyle/>
-          <a:p>
-            <a:r>
-              <a:rPr lang="en-US" cap="all" dirty="0">
-                <a:solidFill>
-                  <a:schemeClr val="accent1"/>
-                </a:solidFill>
-              </a:rPr>
-              <a:t>Task</a:t>
-            </a:r>
-          </a:p>
-          <a:p>
-            <a:pPr lvl="1"/>
-            <a:r>
-              <a:rPr lang="en-US" dirty="0"/>
-              <a:t>3 ways to instantiate and run a Task:</a:t>
-            </a:r>
-          </a:p>
-          <a:p>
-            <a:pPr lvl="2"/>
-            <a:r>
-              <a:rPr lang="en-US" dirty="0" err="1"/>
-              <a:t>var</a:t>
-            </a:r>
-            <a:r>
-              <a:rPr lang="en-US" dirty="0"/>
-              <a:t> task = new Task(</a:t>
-            </a:r>
-            <a:r>
-              <a:rPr lang="en-US" dirty="0">
-                <a:solidFill>
-                  <a:schemeClr val="accent1"/>
-                </a:solidFill>
-              </a:rPr>
-              <a:t>lambda</a:t>
-            </a:r>
-            <a:r>
-              <a:rPr lang="en-US" dirty="0"/>
-              <a:t>).Start();</a:t>
-            </a:r>
-          </a:p>
-          <a:p>
-            <a:pPr lvl="2"/>
-            <a:r>
-              <a:rPr lang="en-US" dirty="0" err="1"/>
-              <a:t>var</a:t>
-            </a:r>
-            <a:r>
-              <a:rPr lang="en-US" dirty="0"/>
-              <a:t> task = </a:t>
-            </a:r>
-            <a:r>
-              <a:rPr lang="en-US" dirty="0" err="1"/>
-              <a:t>Task.Run</a:t>
-            </a:r>
-            <a:r>
-              <a:rPr lang="en-US" dirty="0"/>
-              <a:t>(</a:t>
-            </a:r>
-            <a:r>
-              <a:rPr lang="en-US" dirty="0">
-                <a:solidFill>
-                  <a:schemeClr val="accent1"/>
-                </a:solidFill>
-              </a:rPr>
-              <a:t>lambda</a:t>
-            </a:r>
-            <a:r>
-              <a:rPr lang="en-US" dirty="0"/>
-              <a:t>);</a:t>
-            </a:r>
-          </a:p>
-          <a:p>
-            <a:pPr lvl="2"/>
-            <a:r>
-              <a:rPr lang="en-US" dirty="0" err="1"/>
-              <a:t>Task.Factory.StartNew</a:t>
-            </a:r>
-            <a:r>
-              <a:rPr lang="en-US" dirty="0"/>
-              <a:t>(</a:t>
-            </a:r>
-            <a:r>
-              <a:rPr lang="en-US" dirty="0">
-                <a:solidFill>
-                  <a:schemeClr val="accent1"/>
-                </a:solidFill>
-              </a:rPr>
-              <a:t>lambda</a:t>
-            </a:r>
-            <a:r>
-              <a:rPr lang="en-US" dirty="0"/>
-              <a:t>)</a:t>
-            </a:r>
-          </a:p>
-          <a:p>
-            <a:pPr lvl="1"/>
-            <a:endParaRPr lang="en-US" dirty="0"/>
-          </a:p>
-          <a:p>
-            <a:pPr lvl="1"/>
-            <a:r>
-              <a:rPr lang="en-US" dirty="0" err="1"/>
-              <a:t>task.Wait</a:t>
-            </a:r>
-            <a:r>
-              <a:rPr lang="en-US" dirty="0"/>
-              <a:t>(), </a:t>
-            </a:r>
-            <a:r>
-              <a:rPr lang="en-US" dirty="0" err="1"/>
-              <a:t>task.Result</a:t>
-            </a:r>
-            <a:r>
-              <a:rPr lang="en-US" dirty="0"/>
-              <a:t> &amp; </a:t>
-            </a:r>
-            <a:r>
-              <a:rPr lang="en-US" dirty="0" err="1"/>
-              <a:t>task.Exception</a:t>
-            </a:r>
-            <a:endParaRPr lang="en-US" dirty="0"/>
-          </a:p>
-          <a:p>
-            <a:pPr lvl="1"/>
-            <a:endParaRPr lang="en-US" dirty="0"/>
-          </a:p>
-          <a:p>
-            <a:r>
-              <a:rPr lang="en-US" cap="all" dirty="0">
-                <a:solidFill>
-                  <a:schemeClr val="accent1"/>
-                </a:solidFill>
-              </a:rPr>
-              <a:t>Continuation</a:t>
-            </a:r>
-          </a:p>
-          <a:p>
-            <a:pPr lvl="1"/>
-            <a:r>
-              <a:rPr lang="en-US" dirty="0"/>
-              <a:t>A Task that will be achieve once a previous Task has finished</a:t>
-            </a:r>
-          </a:p>
-          <a:p>
-            <a:pPr lvl="1"/>
-            <a:r>
-              <a:rPr lang="en-US" dirty="0" err="1"/>
-              <a:t>var</a:t>
-            </a:r>
-            <a:r>
-              <a:rPr lang="en-US" dirty="0"/>
-              <a:t> </a:t>
-            </a:r>
-            <a:r>
-              <a:rPr lang="en-US" dirty="0" err="1"/>
-              <a:t>continuationTask</a:t>
-            </a:r>
-            <a:r>
-              <a:rPr lang="en-US" dirty="0"/>
-              <a:t> = </a:t>
-            </a:r>
-            <a:r>
-              <a:rPr lang="en-US" dirty="0" err="1"/>
-              <a:t>previousTask.ContinueWith</a:t>
-            </a:r>
-            <a:r>
-              <a:rPr lang="en-US" dirty="0"/>
-              <a:t>(</a:t>
-            </a:r>
-            <a:r>
-              <a:rPr lang="en-US" dirty="0">
-                <a:solidFill>
-                  <a:schemeClr val="accent1"/>
-                </a:solidFill>
-              </a:rPr>
-              <a:t>lambda</a:t>
-            </a:r>
-            <a:r>
-              <a:rPr lang="en-US" dirty="0"/>
-              <a:t>);</a:t>
-            </a:r>
-          </a:p>
-          <a:p>
-            <a:pPr lvl="1"/>
-            <a:endParaRPr lang="en-US" dirty="0"/>
-          </a:p>
-          <a:p>
-            <a:r>
-              <a:rPr lang="en-US" cap="all" dirty="0" err="1">
-                <a:solidFill>
-                  <a:schemeClr val="accent1"/>
-                </a:solidFill>
-              </a:rPr>
-              <a:t>CancelationToken</a:t>
-            </a:r>
-            <a:endParaRPr lang="en-US" cap="all" dirty="0">
-              <a:solidFill>
-                <a:schemeClr val="accent1"/>
-              </a:solidFill>
-            </a:endParaRPr>
-          </a:p>
-          <a:p>
-            <a:r>
-              <a:rPr lang="en-US" cap="all" dirty="0" err="1">
-                <a:solidFill>
-                  <a:schemeClr val="accent1"/>
-                </a:solidFill>
-              </a:rPr>
-              <a:t>TASKCompletionSource</a:t>
-            </a:r>
-            <a:endParaRPr lang="en-US" cap="all" dirty="0">
-              <a:solidFill>
-                <a:schemeClr val="accent1"/>
-              </a:solidFill>
-            </a:endParaRPr>
-          </a:p>
-          <a:p>
-            <a:pPr lvl="1"/>
-            <a:r>
-              <a:rPr lang="en-US" dirty="0"/>
-              <a:t>Developer to control the lifetime and completion of the associated Task</a:t>
-            </a:r>
-            <a:endParaRPr lang="en-US" cap="all" dirty="0">
-              <a:solidFill>
-                <a:schemeClr val="accent1"/>
-              </a:solidFill>
-            </a:endParaRPr>
-          </a:p>
-        </p:txBody>
-      </p:sp>
-    </p:spTree>
-    <p:extLst>
-      <p:ext uri="{BB962C8B-B14F-4D97-AF65-F5344CB8AC3E}">
-        <p14:creationId xmlns:p14="http://schemas.microsoft.com/office/powerpoint/2010/main" val="4045331836"/>
-      </p:ext>
-    </p:extLst>
-  </p:cSld>
-  <p:clrMapOvr>
-    <a:masterClrMapping/>
-  </p:clrMapOvr>
-  <mc:AlternateContent xmlns:mc="http://schemas.openxmlformats.org/markup-compatibility/2006" xmlns:p14="http://schemas.microsoft.com/office/powerpoint/2010/main">
-    <mc:Choice Requires="p14">
-      <p:transition spd="med" p14:dur="700">
-        <p:fade/>
-      </p:transition>
-    </mc:Choice>
-    <mc:Fallback xmlns="">
-      <p:transition spd="med">
-        <p:fade/>
-      </p:transition>
     </mc:Fallback>
   </mc:AlternateContent>
 </p:sld>
@@ -24994,76 +25420,238 @@
       </p:grpSpPr>
       <p:sp>
         <p:nvSpPr>
-          <p:cNvPr id="13" name="Title 12"/>
-          <p:cNvSpPr>
-            <a:spLocks noGrp="1"/>
+          <p:cNvPr id="6" name="Content Placeholder 13"/>
+          <p:cNvSpPr txBox="1">
+            <a:spLocks/>
           </p:cNvSpPr>
-          <p:nvPr>
-            <p:ph type="title"/>
-          </p:nvPr>
+          <p:nvPr/>
         </p:nvSpPr>
-        <p:spPr/>
-        <p:txBody>
-          <a:bodyPr anchor="t">
-            <a:normAutofit/>
-          </a:bodyPr>
-          <a:lstStyle/>
-          <a:p>
-            <a:r>
-              <a:rPr lang="en-US" dirty="0"/>
-              <a:t>Not that simple…</a:t>
-            </a:r>
-          </a:p>
-        </p:txBody>
-      </p:sp>
-      <p:pic>
-        <p:nvPicPr>
-          <p:cNvPr id="1026" name="Picture 2" descr="Afficher l'image d'origine"/>
-          <p:cNvPicPr>
-            <a:picLocks noChangeAspect="1" noChangeArrowheads="1"/>
-          </p:cNvPicPr>
-          <p:nvPr/>
-        </p:nvPicPr>
-        <p:blipFill rotWithShape="1">
-          <a:blip r:embed="rId3">
-            <a:extLst>
-              <a:ext uri="{28A0092B-C50C-407E-A947-70E740481C1C}">
-                <a14:useLocalDpi xmlns:a14="http://schemas.microsoft.com/office/drawing/2010/main" val="0"/>
-              </a:ext>
-            </a:extLst>
-          </a:blip>
-          <a:srcRect b="9591"/>
-          <a:stretch/>
-        </p:blipFill>
-        <p:spPr bwMode="auto">
+        <p:spPr>
           <a:xfrm>
-            <a:off x="2135560" y="1340768"/>
-            <a:ext cx="7488832" cy="4450948"/>
+            <a:off x="1519311" y="3238178"/>
+            <a:ext cx="9153378" cy="1486966"/>
           </a:xfrm>
           <a:prstGeom prst="rect">
             <a:avLst/>
           </a:prstGeom>
-          <a:noFill/>
-          <a:ln>
-            <a:solidFill>
-              <a:schemeClr val="accent1"/>
-            </a:solidFill>
-          </a:ln>
-          <a:extLst>
-            <a:ext uri="{909E8E84-426E-40DD-AFC4-6F175D3DCCD1}">
-              <a14:hiddenFill xmlns:a14="http://schemas.microsoft.com/office/drawing/2010/main">
+        </p:spPr>
+        <p:txBody>
+          <a:bodyPr vert="horz" lIns="91440" tIns="45720" rIns="91440" bIns="45720" rtlCol="0" anchor="t">
+            <a:noAutofit/>
+          </a:bodyPr>
+          <a:lstStyle>
+            <a:lvl1pPr marL="223838" indent="-223838" algn="l" defTabSz="914400" rtl="0" eaLnBrk="1" latinLnBrk="0" hangingPunct="1">
+              <a:lnSpc>
+                <a:spcPct val="90000"/>
+              </a:lnSpc>
+              <a:spcBef>
+                <a:spcPts val="1800"/>
+              </a:spcBef>
+              <a:buClr>
+                <a:schemeClr val="accent1"/>
+              </a:buClr>
+              <a:buSzPct val="100000"/>
+              <a:buFont typeface="Arial" pitchFamily="34" charset="0"/>
+              <a:buChar char="•"/>
+              <a:defRPr sz="2400" kern="1200">
                 <a:solidFill>
-                  <a:srgbClr val="FFFFFF"/>
+                  <a:schemeClr val="tx1"/>
                 </a:solidFill>
-              </a14:hiddenFill>
-            </a:ext>
-          </a:extLst>
-        </p:spPr>
-      </p:pic>
+                <a:latin typeface="+mn-lt"/>
+                <a:ea typeface="+mn-ea"/>
+                <a:cs typeface="+mn-cs"/>
+              </a:defRPr>
+            </a:lvl1pPr>
+            <a:lvl2pPr marL="463550" indent="-231775" algn="l" defTabSz="914400" rtl="0" eaLnBrk="1" latinLnBrk="0" hangingPunct="1">
+              <a:lnSpc>
+                <a:spcPct val="90000"/>
+              </a:lnSpc>
+              <a:spcBef>
+                <a:spcPts val="1200"/>
+              </a:spcBef>
+              <a:buClr>
+                <a:schemeClr val="accent1"/>
+              </a:buClr>
+              <a:buSzPct val="100000"/>
+              <a:buFont typeface="Arial" pitchFamily="34" charset="0"/>
+              <a:buChar char="•"/>
+              <a:defRPr sz="2000" kern="1200">
+                <a:solidFill>
+                  <a:schemeClr val="tx1"/>
+                </a:solidFill>
+                <a:latin typeface="+mn-lt"/>
+                <a:ea typeface="+mn-ea"/>
+                <a:cs typeface="+mn-cs"/>
+              </a:defRPr>
+            </a:lvl2pPr>
+            <a:lvl3pPr marL="682625" indent="-219075" algn="l" defTabSz="914400" rtl="0" eaLnBrk="1" latinLnBrk="0" hangingPunct="1">
+              <a:lnSpc>
+                <a:spcPct val="90000"/>
+              </a:lnSpc>
+              <a:spcBef>
+                <a:spcPts val="600"/>
+              </a:spcBef>
+              <a:buClr>
+                <a:schemeClr val="accent1"/>
+              </a:buClr>
+              <a:buSzPct val="100000"/>
+              <a:buFont typeface="Arial" pitchFamily="34" charset="0"/>
+              <a:buChar char="•"/>
+              <a:defRPr sz="1800" kern="1200">
+                <a:solidFill>
+                  <a:schemeClr val="tx1"/>
+                </a:solidFill>
+                <a:latin typeface="+mn-lt"/>
+                <a:ea typeface="+mn-ea"/>
+                <a:cs typeface="+mn-cs"/>
+              </a:defRPr>
+            </a:lvl3pPr>
+            <a:lvl4pPr marL="857250" indent="-174625" algn="l" defTabSz="914400" rtl="0" eaLnBrk="1" latinLnBrk="0" hangingPunct="1">
+              <a:lnSpc>
+                <a:spcPct val="90000"/>
+              </a:lnSpc>
+              <a:spcBef>
+                <a:spcPts val="600"/>
+              </a:spcBef>
+              <a:buClr>
+                <a:schemeClr val="accent1"/>
+              </a:buClr>
+              <a:buSzPct val="100000"/>
+              <a:buFont typeface="Arial" pitchFamily="34" charset="0"/>
+              <a:buChar char="•"/>
+              <a:defRPr sz="1600" kern="1200">
+                <a:solidFill>
+                  <a:schemeClr val="tx1"/>
+                </a:solidFill>
+                <a:latin typeface="+mn-lt"/>
+                <a:ea typeface="+mn-ea"/>
+                <a:cs typeface="+mn-cs"/>
+              </a:defRPr>
+            </a:lvl4pPr>
+            <a:lvl5pPr marL="1030288" indent="-173038" algn="l" defTabSz="914400" rtl="0" eaLnBrk="1" latinLnBrk="0" hangingPunct="1">
+              <a:lnSpc>
+                <a:spcPct val="90000"/>
+              </a:lnSpc>
+              <a:spcBef>
+                <a:spcPts val="600"/>
+              </a:spcBef>
+              <a:buClr>
+                <a:schemeClr val="accent1"/>
+              </a:buClr>
+              <a:buSzPct val="100000"/>
+              <a:buFont typeface="Arial" pitchFamily="34" charset="0"/>
+              <a:buChar char="•"/>
+              <a:defRPr sz="1600" kern="1200">
+                <a:solidFill>
+                  <a:schemeClr val="tx1"/>
+                </a:solidFill>
+                <a:latin typeface="+mn-lt"/>
+                <a:ea typeface="+mn-ea"/>
+                <a:cs typeface="+mn-cs"/>
+              </a:defRPr>
+            </a:lvl5pPr>
+            <a:lvl6pPr marL="1207008" indent="-173736" algn="l" defTabSz="914400" rtl="0" eaLnBrk="1" latinLnBrk="0" hangingPunct="1">
+              <a:spcBef>
+                <a:spcPts val="600"/>
+              </a:spcBef>
+              <a:buClr>
+                <a:schemeClr val="accent1"/>
+              </a:buClr>
+              <a:buFont typeface="Arial" pitchFamily="34" charset="0"/>
+              <a:buChar char="•"/>
+              <a:defRPr sz="1600" kern="1200">
+                <a:solidFill>
+                  <a:schemeClr val="tx1"/>
+                </a:solidFill>
+                <a:latin typeface="+mn-lt"/>
+                <a:ea typeface="+mn-ea"/>
+                <a:cs typeface="+mn-cs"/>
+              </a:defRPr>
+            </a:lvl6pPr>
+            <a:lvl7pPr marL="1380744" indent="-173736" algn="l" defTabSz="914400" rtl="0" eaLnBrk="1" latinLnBrk="0" hangingPunct="1">
+              <a:spcBef>
+                <a:spcPts val="600"/>
+              </a:spcBef>
+              <a:buClr>
+                <a:schemeClr val="accent1"/>
+              </a:buClr>
+              <a:buFont typeface="Arial" pitchFamily="34" charset="0"/>
+              <a:buChar char="•"/>
+              <a:defRPr sz="1600" kern="1200">
+                <a:solidFill>
+                  <a:schemeClr val="tx1"/>
+                </a:solidFill>
+                <a:latin typeface="+mn-lt"/>
+                <a:ea typeface="+mn-ea"/>
+                <a:cs typeface="+mn-cs"/>
+              </a:defRPr>
+            </a:lvl7pPr>
+            <a:lvl8pPr marL="1554480" indent="-173736" algn="l" defTabSz="914400" rtl="0" eaLnBrk="1" latinLnBrk="0" hangingPunct="1">
+              <a:spcBef>
+                <a:spcPts val="600"/>
+              </a:spcBef>
+              <a:buClr>
+                <a:schemeClr val="accent1"/>
+              </a:buClr>
+              <a:buFont typeface="Arial" pitchFamily="34" charset="0"/>
+              <a:buChar char="•"/>
+              <a:defRPr sz="1600" kern="1200">
+                <a:solidFill>
+                  <a:schemeClr val="tx1"/>
+                </a:solidFill>
+                <a:latin typeface="+mn-lt"/>
+                <a:ea typeface="+mn-ea"/>
+                <a:cs typeface="+mn-cs"/>
+              </a:defRPr>
+            </a:lvl8pPr>
+            <a:lvl9pPr marL="1728216" indent="-173736" algn="l" defTabSz="914400" rtl="0" eaLnBrk="1" latinLnBrk="0" hangingPunct="1">
+              <a:spcBef>
+                <a:spcPts val="600"/>
+              </a:spcBef>
+              <a:buClr>
+                <a:schemeClr val="accent1"/>
+              </a:buClr>
+              <a:buFont typeface="Arial" pitchFamily="34" charset="0"/>
+              <a:buChar char="•"/>
+              <a:defRPr sz="1600" kern="1200">
+                <a:solidFill>
+                  <a:schemeClr val="tx1"/>
+                </a:solidFill>
+                <a:latin typeface="+mn-lt"/>
+                <a:ea typeface="+mn-ea"/>
+                <a:cs typeface="+mn-cs"/>
+              </a:defRPr>
+            </a:lvl9pPr>
+          </a:lstStyle>
+          <a:p>
+            <a:pPr marL="0" indent="0" algn="ctr">
+              <a:buNone/>
+            </a:pPr>
+            <a:r>
+              <a:rPr lang="en-US" sz="6000" cap="all" dirty="0">
+                <a:solidFill>
+                  <a:schemeClr val="accent4"/>
+                </a:solidFill>
+              </a:rPr>
+              <a:t>Composing the Async</a:t>
+            </a:r>
+          </a:p>
+          <a:p>
+            <a:pPr marL="0" indent="0" algn="ctr">
+              <a:buNone/>
+            </a:pPr>
+            <a:r>
+              <a:rPr lang="en-US" sz="2800" cap="all" dirty="0"/>
+              <a:t>With continuations</a:t>
+            </a:r>
+            <a:endParaRPr lang="en-US" sz="1800" cap="all" dirty="0"/>
+          </a:p>
+        </p:txBody>
+      </p:sp>
     </p:spTree>
     <p:extLst>
       <p:ext uri="{BB962C8B-B14F-4D97-AF65-F5344CB8AC3E}">
-        <p14:creationId xmlns:p14="http://schemas.microsoft.com/office/powerpoint/2010/main" val="118184237"/>
+        <p14:creationId xmlns:p14="http://schemas.microsoft.com/office/powerpoint/2010/main" val="4180558405"/>
       </p:ext>
     </p:extLst>
   </p:cSld>
@@ -25104,7 +25692,7 @@
       </p:grpSpPr>
       <p:sp>
         <p:nvSpPr>
-          <p:cNvPr id="13" name="Title 12"/>
+          <p:cNvPr id="4" name="Title 3"/>
           <p:cNvSpPr>
             <a:spLocks noGrp="1"/>
           </p:cNvSpPr>
@@ -25114,68 +25702,28 @@
         </p:nvSpPr>
         <p:spPr/>
         <p:txBody>
-          <a:bodyPr anchor="t">
-            <a:normAutofit/>
-          </a:bodyPr>
+          <a:bodyPr/>
           <a:lstStyle/>
           <a:p>
             <a:r>
-              <a:rPr lang="en-US" dirty="0"/>
-              <a:t>Deadlocks</a:t>
+              <a:rPr lang="en-GB" dirty="0"/>
+              <a:t>Chapter 3: </a:t>
+            </a:r>
+            <a:r>
+              <a:rPr lang="en-GB" dirty="0">
+                <a:solidFill>
+                  <a:schemeClr val="tx1"/>
+                </a:solidFill>
+              </a:rPr>
+              <a:t>How</a:t>
             </a:r>
           </a:p>
         </p:txBody>
       </p:sp>
-      <p:pic>
-        <p:nvPicPr>
-          <p:cNvPr id="7174" name="Picture 6" descr="Afficher l'image d'origine"/>
-          <p:cNvPicPr>
-            <a:picLocks noChangeAspect="1" noChangeArrowheads="1"/>
-          </p:cNvPicPr>
-          <p:nvPr/>
-        </p:nvPicPr>
-        <p:blipFill>
-          <a:blip r:embed="rId3">
-            <a:extLst>
-              <a:ext uri="{28A0092B-C50C-407E-A947-70E740481C1C}">
-                <a14:useLocalDpi xmlns:a14="http://schemas.microsoft.com/office/drawing/2010/main" val="0"/>
-              </a:ext>
-            </a:extLst>
-          </a:blip>
-          <a:srcRect/>
-          <a:stretch>
-            <a:fillRect/>
-          </a:stretch>
-        </p:blipFill>
-        <p:spPr bwMode="auto">
-          <a:xfrm>
-            <a:off x="2319574" y="1262051"/>
-            <a:ext cx="7552853" cy="4333899"/>
-          </a:xfrm>
-          <a:prstGeom prst="rect">
-            <a:avLst/>
-          </a:prstGeom>
-          <a:noFill/>
-          <a:ln>
-            <a:solidFill>
-              <a:schemeClr val="accent1"/>
-            </a:solidFill>
-          </a:ln>
-          <a:extLst>
-            <a:ext uri="{909E8E84-426E-40DD-AFC4-6F175D3DCCD1}">
-              <a14:hiddenFill xmlns:a14="http://schemas.microsoft.com/office/drawing/2010/main">
-                <a:solidFill>
-                  <a:srgbClr val="FFFFFF"/>
-                </a:solidFill>
-              </a14:hiddenFill>
-            </a:ext>
-          </a:extLst>
-        </p:spPr>
-      </p:pic>
     </p:spTree>
     <p:extLst>
       <p:ext uri="{BB962C8B-B14F-4D97-AF65-F5344CB8AC3E}">
-        <p14:creationId xmlns:p14="http://schemas.microsoft.com/office/powerpoint/2010/main" val="1057268340"/>
+        <p14:creationId xmlns:p14="http://schemas.microsoft.com/office/powerpoint/2010/main" val="1288437534"/>
       </p:ext>
     </p:extLst>
   </p:cSld>
@@ -25224,14 +25772,31 @@
             <p:ph type="title"/>
           </p:nvPr>
         </p:nvSpPr>
-        <p:spPr/>
+        <p:spPr>
+          <a:xfrm>
+            <a:off x="1059891" y="2514600"/>
+            <a:ext cx="10580725" cy="2819400"/>
+          </a:xfrm>
+        </p:spPr>
         <p:txBody>
           <a:bodyPr/>
           <a:lstStyle/>
           <a:p>
             <a:r>
               <a:rPr lang="en-GB" dirty="0"/>
-              <a:t>Async-Await</a:t>
+              <a:t>(Prerequisite - </a:t>
+            </a:r>
+            <a:r>
+              <a:rPr lang="en-GB" dirty="0">
+                <a:solidFill>
+                  <a:schemeClr val="tx1"/>
+                </a:solidFill>
+              </a:rPr>
+              <a:t>TPL</a:t>
+            </a:r>
+            <a:r>
+              <a:rPr lang="en-GB" dirty="0"/>
+              <a:t>)</a:t>
             </a:r>
             <a:endParaRPr lang="en-GB" dirty="0">
               <a:solidFill>
@@ -25244,7 +25809,7 @@
     </p:spTree>
     <p:extLst>
       <p:ext uri="{BB962C8B-B14F-4D97-AF65-F5344CB8AC3E}">
-        <p14:creationId xmlns:p14="http://schemas.microsoft.com/office/powerpoint/2010/main" val="1988773249"/>
+        <p14:creationId xmlns:p14="http://schemas.microsoft.com/office/powerpoint/2010/main" val="2458298508"/>
       </p:ext>
     </p:extLst>
   </p:cSld>
@@ -25293,7 +25858,48 @@
             <p:ph type="title"/>
           </p:nvPr>
         </p:nvSpPr>
-        <p:spPr/>
+        <p:spPr>
+          <a:xfrm>
+            <a:off x="1522810" y="381000"/>
+            <a:ext cx="9613750" cy="1371600"/>
+          </a:xfrm>
+        </p:spPr>
+        <p:txBody>
+          <a:bodyPr anchor="t"/>
+          <a:lstStyle/>
+          <a:p>
+            <a:r>
+              <a:rPr lang="en-US" dirty="0"/>
+              <a:t>Task Parallel Library reminder </a:t>
+            </a:r>
+            <a:r>
+              <a:rPr lang="en-US" dirty="0">
+                <a:solidFill>
+                  <a:schemeClr val="tx2"/>
+                </a:solidFill>
+              </a:rPr>
+              <a:t>(TPL)</a:t>
+            </a:r>
+            <a:endParaRPr lang="en-US" dirty="0"/>
+          </a:p>
+        </p:txBody>
+      </p:sp>
+      <p:sp>
+        <p:nvSpPr>
+          <p:cNvPr id="14" name="Content Placeholder 13"/>
+          <p:cNvSpPr>
+            <a:spLocks noGrp="1"/>
+          </p:cNvSpPr>
+          <p:nvPr>
+            <p:ph idx="1"/>
+          </p:nvPr>
+        </p:nvSpPr>
+        <p:spPr>
+          <a:xfrm>
+            <a:off x="2135560" y="1268760"/>
+            <a:ext cx="8640960" cy="4824536"/>
+          </a:xfrm>
+        </p:spPr>
         <p:txBody>
           <a:bodyPr anchor="t">
             <a:normAutofit/>
@@ -25301,62 +25907,62 @@
           <a:lstStyle/>
           <a:p>
             <a:r>
-              <a:rPr lang="en-US" dirty="0"/>
-              <a:t>Deadlock Meme</a:t>
-            </a:r>
+              <a:rPr lang="en-US" cap="small" dirty="0">
+                <a:solidFill>
+                  <a:schemeClr val="accent1"/>
+                </a:solidFill>
+              </a:rPr>
+              <a:t>Task</a:t>
+            </a:r>
+            <a:endParaRPr lang="en-US" cap="small" dirty="0"/>
+          </a:p>
+          <a:p>
+            <a:r>
+              <a:rPr lang="en-US" cap="small" dirty="0">
+                <a:solidFill>
+                  <a:schemeClr val="accent1"/>
+                </a:solidFill>
+              </a:rPr>
+              <a:t>Continuation</a:t>
+            </a:r>
+            <a:endParaRPr lang="en-US" cap="small" dirty="0"/>
+          </a:p>
+          <a:p>
+            <a:r>
+              <a:rPr lang="en-US" cap="small" dirty="0" err="1">
+                <a:solidFill>
+                  <a:schemeClr val="accent1"/>
+                </a:solidFill>
+              </a:rPr>
+              <a:t>CancelationToken</a:t>
+            </a:r>
+            <a:endParaRPr lang="en-US" cap="small" dirty="0">
+              <a:solidFill>
+                <a:schemeClr val="accent1"/>
+              </a:solidFill>
+            </a:endParaRPr>
+          </a:p>
+          <a:p>
+            <a:r>
+              <a:rPr lang="en-US" cap="small" dirty="0" err="1">
+                <a:solidFill>
+                  <a:schemeClr val="accent1"/>
+                </a:solidFill>
+              </a:rPr>
+              <a:t>TASKCompletionSource</a:t>
+            </a:r>
+            <a:endParaRPr lang="en-US" cap="small" dirty="0">
+              <a:solidFill>
+                <a:schemeClr val="accent1"/>
+              </a:solidFill>
+            </a:endParaRPr>
           </a:p>
         </p:txBody>
       </p:sp>
-      <p:pic>
-        <p:nvPicPr>
-          <p:cNvPr id="7172" name="Picture 4" descr="https://i.imgflip.com/1eulxp.jpg"/>
-          <p:cNvPicPr>
-            <a:picLocks noChangeAspect="1" noChangeArrowheads="1"/>
-          </p:cNvPicPr>
-          <p:nvPr/>
-        </p:nvPicPr>
-        <p:blipFill>
-          <a:blip r:embed="rId3">
-            <a:extLst>
-              <a:ext uri="{28A0092B-C50C-407E-A947-70E740481C1C}">
-                <a14:useLocalDpi xmlns:a14="http://schemas.microsoft.com/office/drawing/2010/main" val="0"/>
-              </a:ext>
-            </a:extLst>
-          </a:blip>
-          <a:srcRect/>
-          <a:stretch>
-            <a:fillRect/>
-          </a:stretch>
-        </p:blipFill>
-        <p:spPr bwMode="auto">
-          <a:xfrm>
-            <a:off x="3506400" y="1267200"/>
-            <a:ext cx="5179535" cy="5011200"/>
-          </a:xfrm>
-          <a:prstGeom prst="rect">
-            <a:avLst/>
-          </a:prstGeom>
-          <a:noFill/>
-          <a:ln>
-            <a:solidFill>
-              <a:schemeClr val="accent1"/>
-            </a:solidFill>
-          </a:ln>
-          <a:extLst>
-            <a:ext uri="{909E8E84-426E-40DD-AFC4-6F175D3DCCD1}">
-              <a14:hiddenFill xmlns:a14="http://schemas.microsoft.com/office/drawing/2010/main">
-                <a:solidFill>
-                  <a:srgbClr val="FFFFFF"/>
-                </a:solidFill>
-              </a14:hiddenFill>
-            </a:ext>
-          </a:extLst>
-        </p:spPr>
-      </p:pic>
     </p:spTree>
     <p:extLst>
       <p:ext uri="{BB962C8B-B14F-4D97-AF65-F5344CB8AC3E}">
-        <p14:creationId xmlns:p14="http://schemas.microsoft.com/office/powerpoint/2010/main" val="2351673736"/>
+        <p14:creationId xmlns:p14="http://schemas.microsoft.com/office/powerpoint/2010/main" val="2972839461"/>
       </p:ext>
     </p:extLst>
   </p:cSld>
@@ -25405,7 +26011,48 @@
             <p:ph type="title"/>
           </p:nvPr>
         </p:nvSpPr>
-        <p:spPr/>
+        <p:spPr>
+          <a:xfrm>
+            <a:off x="1522810" y="381000"/>
+            <a:ext cx="9613750" cy="1371600"/>
+          </a:xfrm>
+        </p:spPr>
+        <p:txBody>
+          <a:bodyPr anchor="t"/>
+          <a:lstStyle/>
+          <a:p>
+            <a:r>
+              <a:rPr lang="en-US" dirty="0"/>
+              <a:t>Task Parallel Library reminder </a:t>
+            </a:r>
+            <a:r>
+              <a:rPr lang="en-US" dirty="0">
+                <a:solidFill>
+                  <a:schemeClr val="tx2"/>
+                </a:solidFill>
+              </a:rPr>
+              <a:t>(TPL)</a:t>
+            </a:r>
+            <a:endParaRPr lang="en-US" dirty="0"/>
+          </a:p>
+        </p:txBody>
+      </p:sp>
+      <p:sp>
+        <p:nvSpPr>
+          <p:cNvPr id="14" name="Content Placeholder 13"/>
+          <p:cNvSpPr>
+            <a:spLocks noGrp="1"/>
+          </p:cNvSpPr>
+          <p:nvPr>
+            <p:ph idx="1"/>
+          </p:nvPr>
+        </p:nvSpPr>
+        <p:spPr>
+          <a:xfrm>
+            <a:off x="2135560" y="1268760"/>
+            <a:ext cx="8640960" cy="4824536"/>
+          </a:xfrm>
+        </p:spPr>
         <p:txBody>
           <a:bodyPr anchor="t">
             <a:normAutofit/>
@@ -25413,62 +26060,227 @@
           <a:lstStyle/>
           <a:p>
             <a:r>
+              <a:rPr lang="en-US" cap="small" dirty="0">
+                <a:solidFill>
+                  <a:schemeClr val="accent1"/>
+                </a:solidFill>
+              </a:rPr>
+              <a:t>Task</a:t>
+            </a:r>
+          </a:p>
+          <a:p>
+            <a:pPr lvl="1"/>
+            <a:r>
               <a:rPr lang="en-US" dirty="0"/>
-              <a:t>Deadlock Meme</a:t>
-            </a:r>
+              <a:t>3 ways to instantiate and run a Task:</a:t>
+            </a:r>
+          </a:p>
+          <a:p>
+            <a:pPr lvl="2"/>
+            <a:r>
+              <a:rPr lang="en-US" dirty="0" err="1"/>
+              <a:t>var</a:t>
+            </a:r>
+            <a:r>
+              <a:rPr lang="en-US" dirty="0"/>
+              <a:t> task = new Task(</a:t>
+            </a:r>
+            <a:r>
+              <a:rPr lang="en-US" dirty="0">
+                <a:solidFill>
+                  <a:schemeClr val="accent1"/>
+                </a:solidFill>
+              </a:rPr>
+              <a:t>lambda</a:t>
+            </a:r>
+            <a:r>
+              <a:rPr lang="en-US" dirty="0"/>
+              <a:t>).Start();</a:t>
+            </a:r>
+          </a:p>
+          <a:p>
+            <a:pPr lvl="2"/>
+            <a:r>
+              <a:rPr lang="en-US" dirty="0" err="1"/>
+              <a:t>var</a:t>
+            </a:r>
+            <a:r>
+              <a:rPr lang="en-US" dirty="0"/>
+              <a:t> task = </a:t>
+            </a:r>
+            <a:r>
+              <a:rPr lang="en-US" dirty="0" err="1"/>
+              <a:t>Task.Run</a:t>
+            </a:r>
+            <a:r>
+              <a:rPr lang="en-US" dirty="0"/>
+              <a:t>(</a:t>
+            </a:r>
+            <a:r>
+              <a:rPr lang="en-US" dirty="0">
+                <a:solidFill>
+                  <a:schemeClr val="accent1"/>
+                </a:solidFill>
+              </a:rPr>
+              <a:t>lambda</a:t>
+            </a:r>
+            <a:r>
+              <a:rPr lang="en-US" dirty="0"/>
+              <a:t>);</a:t>
+            </a:r>
+          </a:p>
+          <a:p>
+            <a:pPr lvl="2"/>
+            <a:r>
+              <a:rPr lang="en-US" dirty="0" err="1"/>
+              <a:t>Task.Factory.StartNew</a:t>
+            </a:r>
+            <a:r>
+              <a:rPr lang="en-US" dirty="0"/>
+              <a:t>(</a:t>
+            </a:r>
+            <a:r>
+              <a:rPr lang="en-US" dirty="0">
+                <a:solidFill>
+                  <a:schemeClr val="accent1"/>
+                </a:solidFill>
+              </a:rPr>
+              <a:t>lambda</a:t>
+            </a:r>
+            <a:r>
+              <a:rPr lang="en-US" dirty="0"/>
+              <a:t>)</a:t>
+            </a:r>
+          </a:p>
+          <a:p>
+            <a:pPr lvl="1"/>
+            <a:endParaRPr lang="en-US" dirty="0"/>
+          </a:p>
+          <a:p>
+            <a:pPr lvl="1"/>
+            <a:r>
+              <a:rPr lang="en-US" dirty="0" err="1"/>
+              <a:t>task.Wait</a:t>
+            </a:r>
+            <a:r>
+              <a:rPr lang="en-US" dirty="0"/>
+              <a:t>(), </a:t>
+            </a:r>
+            <a:r>
+              <a:rPr lang="en-US" dirty="0" err="1"/>
+              <a:t>task.Result</a:t>
+            </a:r>
+            <a:r>
+              <a:rPr lang="en-US" dirty="0"/>
+              <a:t> &amp; </a:t>
+            </a:r>
+            <a:r>
+              <a:rPr lang="en-US" dirty="0" err="1"/>
+              <a:t>task.Exception</a:t>
+            </a:r>
+            <a:r>
+              <a:rPr lang="en-US" dirty="0"/>
+              <a:t>  </a:t>
+            </a:r>
+            <a:r>
+              <a:rPr lang="en-US" dirty="0">
+                <a:solidFill>
+                  <a:schemeClr val="accent4"/>
+                </a:solidFill>
+              </a:rPr>
+              <a:t>( all blocking  ;-(</a:t>
+            </a:r>
+            <a:endParaRPr lang="en-US" cap="small" dirty="0">
+              <a:solidFill>
+                <a:schemeClr val="accent4"/>
+              </a:solidFill>
+            </a:endParaRPr>
+          </a:p>
+          <a:p>
+            <a:pPr>
+              <a:buClr>
+                <a:schemeClr val="bg1">
+                  <a:lumMod val="75000"/>
+                  <a:lumOff val="25000"/>
+                </a:schemeClr>
+              </a:buClr>
+            </a:pPr>
+            <a:r>
+              <a:rPr lang="en-US" cap="small" dirty="0">
+                <a:solidFill>
+                  <a:schemeClr val="bg1">
+                    <a:lumMod val="75000"/>
+                    <a:lumOff val="25000"/>
+                  </a:schemeClr>
+                </a:solidFill>
+              </a:rPr>
+              <a:t>Continuation</a:t>
+            </a:r>
+          </a:p>
+          <a:p>
+            <a:pPr>
+              <a:buClr>
+                <a:schemeClr val="bg1">
+                  <a:lumMod val="75000"/>
+                  <a:lumOff val="25000"/>
+                </a:schemeClr>
+              </a:buClr>
+            </a:pPr>
+            <a:r>
+              <a:rPr lang="en-US" cap="small" dirty="0" err="1">
+                <a:solidFill>
+                  <a:schemeClr val="bg1">
+                    <a:lumMod val="75000"/>
+                    <a:lumOff val="25000"/>
+                  </a:schemeClr>
+                </a:solidFill>
+              </a:rPr>
+              <a:t>CancelationToken</a:t>
+            </a:r>
+            <a:endParaRPr lang="en-US" cap="small" dirty="0">
+              <a:solidFill>
+                <a:schemeClr val="bg1">
+                  <a:lumMod val="75000"/>
+                  <a:lumOff val="25000"/>
+                </a:schemeClr>
+              </a:solidFill>
+            </a:endParaRPr>
+          </a:p>
+          <a:p>
+            <a:pPr>
+              <a:buClr>
+                <a:schemeClr val="bg1">
+                  <a:lumMod val="75000"/>
+                  <a:lumOff val="25000"/>
+                </a:schemeClr>
+              </a:buClr>
+            </a:pPr>
+            <a:r>
+              <a:rPr lang="en-US" cap="small" dirty="0" err="1">
+                <a:solidFill>
+                  <a:schemeClr val="bg1">
+                    <a:lumMod val="75000"/>
+                    <a:lumOff val="25000"/>
+                  </a:schemeClr>
+                </a:solidFill>
+              </a:rPr>
+              <a:t>TASKCompletionSource</a:t>
+            </a:r>
+            <a:endParaRPr lang="en-US" cap="small" dirty="0">
+              <a:solidFill>
+                <a:schemeClr val="bg1">
+                  <a:lumMod val="75000"/>
+                  <a:lumOff val="25000"/>
+                </a:schemeClr>
+              </a:solidFill>
+            </a:endParaRPr>
           </a:p>
         </p:txBody>
       </p:sp>
-      <p:pic>
-        <p:nvPicPr>
-          <p:cNvPr id="7170" name="Picture 2" descr="https://i.imgflip.com/1eulqt.jpg"/>
-          <p:cNvPicPr>
-            <a:picLocks noChangeAspect="1" noChangeArrowheads="1"/>
-          </p:cNvPicPr>
-          <p:nvPr/>
-        </p:nvPicPr>
-        <p:blipFill>
-          <a:blip r:embed="rId3">
-            <a:extLst>
-              <a:ext uri="{28A0092B-C50C-407E-A947-70E740481C1C}">
-                <a14:useLocalDpi xmlns:a14="http://schemas.microsoft.com/office/drawing/2010/main" val="0"/>
-              </a:ext>
-            </a:extLst>
-          </a:blip>
-          <a:srcRect/>
-          <a:stretch>
-            <a:fillRect/>
-          </a:stretch>
-        </p:blipFill>
-        <p:spPr bwMode="auto">
-          <a:xfrm>
-            <a:off x="3506109" y="1268760"/>
-            <a:ext cx="5179783" cy="5011440"/>
-          </a:xfrm>
-          <a:prstGeom prst="rect">
-            <a:avLst/>
-          </a:prstGeom>
-          <a:noFill/>
-          <a:ln>
-            <a:solidFill>
-              <a:schemeClr val="accent1"/>
-            </a:solidFill>
-          </a:ln>
-          <a:extLst>
-            <a:ext uri="{909E8E84-426E-40DD-AFC4-6F175D3DCCD1}">
-              <a14:hiddenFill xmlns:a14="http://schemas.microsoft.com/office/drawing/2010/main">
-                <a:solidFill>
-                  <a:srgbClr val="FFFFFF"/>
-                </a:solidFill>
-              </a14:hiddenFill>
-            </a:ext>
-          </a:extLst>
-        </p:spPr>
-      </p:pic>
     </p:spTree>
     <p:extLst>
       <p:ext uri="{BB962C8B-B14F-4D97-AF65-F5344CB8AC3E}">
-        <p14:creationId xmlns:p14="http://schemas.microsoft.com/office/powerpoint/2010/main" val="1546639905"/>
+        <p14:creationId xmlns:p14="http://schemas.microsoft.com/office/powerpoint/2010/main" val="1664317945"/>
       </p:ext>
     </p:extLst>
   </p:cSld>
@@ -25517,70 +26329,202 @@
             <p:ph type="title"/>
           </p:nvPr>
         </p:nvSpPr>
-        <p:spPr/>
+        <p:spPr>
+          <a:xfrm>
+            <a:off x="1522810" y="381000"/>
+            <a:ext cx="9613750" cy="1371600"/>
+          </a:xfrm>
+        </p:spPr>
+        <p:txBody>
+          <a:bodyPr anchor="t"/>
+          <a:lstStyle/>
+          <a:p>
+            <a:r>
+              <a:rPr lang="en-US" dirty="0"/>
+              <a:t>Task Parallel Library reminder </a:t>
+            </a:r>
+            <a:r>
+              <a:rPr lang="en-US" dirty="0">
+                <a:solidFill>
+                  <a:schemeClr val="tx2"/>
+                </a:solidFill>
+              </a:rPr>
+              <a:t>(TPL)</a:t>
+            </a:r>
+            <a:endParaRPr lang="en-US" dirty="0"/>
+          </a:p>
+        </p:txBody>
+      </p:sp>
+      <p:sp>
+        <p:nvSpPr>
+          <p:cNvPr id="14" name="Content Placeholder 13"/>
+          <p:cNvSpPr>
+            <a:spLocks noGrp="1"/>
+          </p:cNvSpPr>
+          <p:nvPr>
+            <p:ph idx="1"/>
+          </p:nvPr>
+        </p:nvSpPr>
+        <p:spPr>
+          <a:xfrm>
+            <a:off x="2135560" y="1268760"/>
+            <a:ext cx="8640960" cy="4824536"/>
+          </a:xfrm>
+        </p:spPr>
         <p:txBody>
           <a:bodyPr anchor="t">
             <a:normAutofit/>
           </a:bodyPr>
           <a:lstStyle/>
           <a:p>
+            <a:pPr>
+              <a:buClr>
+                <a:schemeClr val="bg1">
+                  <a:lumMod val="75000"/>
+                  <a:lumOff val="25000"/>
+                </a:schemeClr>
+              </a:buClr>
+            </a:pPr>
+            <a:r>
+              <a:rPr lang="en-US" cap="small" dirty="0">
+                <a:solidFill>
+                  <a:schemeClr val="bg1">
+                    <a:lumMod val="75000"/>
+                    <a:lumOff val="25000"/>
+                  </a:schemeClr>
+                </a:solidFill>
+              </a:rPr>
+              <a:t>Task</a:t>
+            </a:r>
+          </a:p>
+          <a:p>
+            <a:r>
+              <a:rPr lang="en-US" cap="small" dirty="0">
+                <a:solidFill>
+                  <a:schemeClr val="accent1"/>
+                </a:solidFill>
+              </a:rPr>
+              <a:t>Continuation</a:t>
+            </a:r>
+          </a:p>
+          <a:p>
+            <a:pPr lvl="1"/>
             <a:r>
               <a:rPr lang="en-US" dirty="0"/>
-              <a:t>Deadlock Meme</a:t>
-            </a:r>
+              <a:t>A Task that will be achieve once a previous Task has finished</a:t>
+            </a:r>
+          </a:p>
+          <a:p>
+            <a:pPr lvl="1"/>
+            <a:r>
+              <a:rPr lang="en-US" dirty="0" err="1"/>
+              <a:t>var</a:t>
+            </a:r>
+            <a:r>
+              <a:rPr lang="en-US" dirty="0"/>
+              <a:t> </a:t>
+            </a:r>
+            <a:r>
+              <a:rPr lang="en-US" dirty="0" err="1"/>
+              <a:t>continuationTask</a:t>
+            </a:r>
+            <a:r>
+              <a:rPr lang="en-US" dirty="0"/>
+              <a:t> = </a:t>
+            </a:r>
+            <a:r>
+              <a:rPr lang="en-US" dirty="0" err="1"/>
+              <a:t>previousTask.ContinueWith</a:t>
+            </a:r>
+            <a:r>
+              <a:rPr lang="en-US" dirty="0"/>
+              <a:t>(</a:t>
+            </a:r>
+            <a:r>
+              <a:rPr lang="en-US" dirty="0">
+                <a:solidFill>
+                  <a:schemeClr val="accent1"/>
+                </a:solidFill>
+              </a:rPr>
+              <a:t>lambda</a:t>
+            </a:r>
+            <a:r>
+              <a:rPr lang="en-US" dirty="0"/>
+              <a:t>);</a:t>
+            </a:r>
+            <a:endParaRPr lang="en-US" cap="small" dirty="0">
+              <a:solidFill>
+                <a:schemeClr val="bg1">
+                  <a:lumMod val="75000"/>
+                  <a:lumOff val="25000"/>
+                </a:schemeClr>
+              </a:solidFill>
+            </a:endParaRPr>
+          </a:p>
+          <a:p>
+            <a:pPr>
+              <a:buClr>
+                <a:schemeClr val="bg1">
+                  <a:lumMod val="75000"/>
+                  <a:lumOff val="25000"/>
+                </a:schemeClr>
+              </a:buClr>
+            </a:pPr>
+            <a:r>
+              <a:rPr lang="en-US" cap="small" dirty="0" err="1">
+                <a:solidFill>
+                  <a:schemeClr val="bg1">
+                    <a:lumMod val="75000"/>
+                    <a:lumOff val="25000"/>
+                  </a:schemeClr>
+                </a:solidFill>
+              </a:rPr>
+              <a:t>CancelationToken</a:t>
+            </a:r>
+            <a:endParaRPr lang="en-US" cap="small" dirty="0">
+              <a:solidFill>
+                <a:schemeClr val="bg1">
+                  <a:lumMod val="75000"/>
+                  <a:lumOff val="25000"/>
+                </a:schemeClr>
+              </a:solidFill>
+            </a:endParaRPr>
+          </a:p>
+          <a:p>
+            <a:pPr>
+              <a:buClr>
+                <a:schemeClr val="bg1">
+                  <a:lumMod val="75000"/>
+                  <a:lumOff val="25000"/>
+                </a:schemeClr>
+              </a:buClr>
+            </a:pPr>
+            <a:r>
+              <a:rPr lang="en-US" cap="small" dirty="0" err="1">
+                <a:solidFill>
+                  <a:schemeClr val="bg1">
+                    <a:lumMod val="75000"/>
+                    <a:lumOff val="25000"/>
+                  </a:schemeClr>
+                </a:solidFill>
+              </a:rPr>
+              <a:t>TASKCompletionSource</a:t>
+            </a:r>
+            <a:endParaRPr lang="en-US" cap="small" dirty="0">
+              <a:solidFill>
+                <a:schemeClr val="bg1">
+                  <a:lumMod val="75000"/>
+                  <a:lumOff val="25000"/>
+                </a:schemeClr>
+              </a:solidFill>
+            </a:endParaRPr>
           </a:p>
         </p:txBody>
       </p:sp>
-      <p:pic>
-        <p:nvPicPr>
-          <p:cNvPr id="9218" name="Picture 2" descr="https://i.imgflip.com/1eum9y.jpg"/>
-          <p:cNvPicPr>
-            <a:picLocks noChangeAspect="1" noChangeArrowheads="1"/>
-          </p:cNvPicPr>
-          <p:nvPr/>
-        </p:nvPicPr>
-        <p:blipFill>
-          <a:blip r:embed="rId3">
-            <a:extLst>
-              <a:ext uri="{28A0092B-C50C-407E-A947-70E740481C1C}">
-                <a14:useLocalDpi xmlns:a14="http://schemas.microsoft.com/office/drawing/2010/main" val="0"/>
-              </a:ext>
-            </a:extLst>
-          </a:blip>
-          <a:srcRect/>
-          <a:stretch>
-            <a:fillRect/>
-          </a:stretch>
-        </p:blipFill>
-        <p:spPr bwMode="auto">
-          <a:xfrm>
-            <a:off x="3506400" y="1267200"/>
-            <a:ext cx="5179535" cy="5011200"/>
-          </a:xfrm>
-          <a:prstGeom prst="rect">
-            <a:avLst/>
-          </a:prstGeom>
-          <a:noFill/>
-          <a:ln>
-            <a:solidFill>
-              <a:schemeClr val="accent1"/>
-            </a:solidFill>
-          </a:ln>
-          <a:extLst>
-            <a:ext uri="{909E8E84-426E-40DD-AFC4-6F175D3DCCD1}">
-              <a14:hiddenFill xmlns:a14="http://schemas.microsoft.com/office/drawing/2010/main">
-                <a:solidFill>
-                  <a:srgbClr val="FFFFFF"/>
-                </a:solidFill>
-              </a14:hiddenFill>
-            </a:ext>
-          </a:extLst>
-        </p:spPr>
-      </p:pic>
     </p:spTree>
     <p:extLst>
       <p:ext uri="{BB962C8B-B14F-4D97-AF65-F5344CB8AC3E}">
-        <p14:creationId xmlns:p14="http://schemas.microsoft.com/office/powerpoint/2010/main" val="3016117138"/>
+        <p14:creationId xmlns:p14="http://schemas.microsoft.com/office/powerpoint/2010/main" val="435601261"/>
       </p:ext>
     </p:extLst>
   </p:cSld>
@@ -25621,7 +26565,7 @@
       </p:grpSpPr>
       <p:sp>
         <p:nvSpPr>
-          <p:cNvPr id="4" name="Title 3"/>
+          <p:cNvPr id="13" name="Title 12"/>
           <p:cNvSpPr>
             <a:spLocks noGrp="1"/>
           </p:cNvSpPr>
@@ -25629,22 +26573,245 @@
             <p:ph type="title"/>
           </p:nvPr>
         </p:nvSpPr>
-        <p:spPr/>
+        <p:spPr>
+          <a:xfrm>
+            <a:off x="1522810" y="381000"/>
+            <a:ext cx="9613750" cy="1371600"/>
+          </a:xfrm>
+        </p:spPr>
         <p:txBody>
-          <a:bodyPr/>
+          <a:bodyPr anchor="t"/>
           <a:lstStyle/>
           <a:p>
             <a:r>
-              <a:rPr lang="en-GB" dirty="0"/>
-              <a:t>Appendix</a:t>
-            </a:r>
+              <a:rPr lang="en-US" dirty="0"/>
+              <a:t>Task Parallel Library reminder </a:t>
+            </a:r>
+            <a:r>
+              <a:rPr lang="en-US" dirty="0">
+                <a:solidFill>
+                  <a:schemeClr val="tx2"/>
+                </a:solidFill>
+              </a:rPr>
+              <a:t>(TPL)</a:t>
+            </a:r>
+            <a:endParaRPr lang="en-US" dirty="0"/>
+          </a:p>
+        </p:txBody>
+      </p:sp>
+      <p:sp>
+        <p:nvSpPr>
+          <p:cNvPr id="14" name="Content Placeholder 13"/>
+          <p:cNvSpPr>
+            <a:spLocks noGrp="1"/>
+          </p:cNvSpPr>
+          <p:nvPr>
+            <p:ph idx="1"/>
+          </p:nvPr>
+        </p:nvSpPr>
+        <p:spPr>
+          <a:xfrm>
+            <a:off x="2135560" y="1268760"/>
+            <a:ext cx="8640960" cy="4824536"/>
+          </a:xfrm>
+        </p:spPr>
+        <p:txBody>
+          <a:bodyPr anchor="t">
+            <a:normAutofit/>
+          </a:bodyPr>
+          <a:lstStyle/>
+          <a:p>
+            <a:r>
+              <a:rPr lang="en-US" cap="all" dirty="0">
+                <a:solidFill>
+                  <a:schemeClr val="accent1"/>
+                </a:solidFill>
+              </a:rPr>
+              <a:t>Task</a:t>
+            </a:r>
+          </a:p>
+          <a:p>
+            <a:pPr lvl="1"/>
+            <a:r>
+              <a:rPr lang="en-US" dirty="0"/>
+              <a:t>3 ways to instantiate and run a Task:</a:t>
+            </a:r>
+          </a:p>
+          <a:p>
+            <a:pPr lvl="2"/>
+            <a:r>
+              <a:rPr lang="en-US" dirty="0" err="1"/>
+              <a:t>var</a:t>
+            </a:r>
+            <a:r>
+              <a:rPr lang="en-US" dirty="0"/>
+              <a:t> task = new Task(</a:t>
+            </a:r>
+            <a:r>
+              <a:rPr lang="en-US" dirty="0">
+                <a:solidFill>
+                  <a:schemeClr val="accent1"/>
+                </a:solidFill>
+              </a:rPr>
+              <a:t>lambda</a:t>
+            </a:r>
+            <a:r>
+              <a:rPr lang="en-US" dirty="0"/>
+              <a:t>).Start();</a:t>
+            </a:r>
+          </a:p>
+          <a:p>
+            <a:pPr lvl="2"/>
+            <a:r>
+              <a:rPr lang="en-US" dirty="0" err="1"/>
+              <a:t>var</a:t>
+            </a:r>
+            <a:r>
+              <a:rPr lang="en-US" dirty="0"/>
+              <a:t> task = </a:t>
+            </a:r>
+            <a:r>
+              <a:rPr lang="en-US" dirty="0" err="1"/>
+              <a:t>Task.Run</a:t>
+            </a:r>
+            <a:r>
+              <a:rPr lang="en-US" dirty="0"/>
+              <a:t>(</a:t>
+            </a:r>
+            <a:r>
+              <a:rPr lang="en-US" dirty="0">
+                <a:solidFill>
+                  <a:schemeClr val="accent1"/>
+                </a:solidFill>
+              </a:rPr>
+              <a:t>lambda</a:t>
+            </a:r>
+            <a:r>
+              <a:rPr lang="en-US" dirty="0"/>
+              <a:t>);</a:t>
+            </a:r>
+          </a:p>
+          <a:p>
+            <a:pPr lvl="2"/>
+            <a:r>
+              <a:rPr lang="en-US" dirty="0" err="1"/>
+              <a:t>Task.Factory.StartNew</a:t>
+            </a:r>
+            <a:r>
+              <a:rPr lang="en-US" dirty="0"/>
+              <a:t>(</a:t>
+            </a:r>
+            <a:r>
+              <a:rPr lang="en-US" dirty="0">
+                <a:solidFill>
+                  <a:schemeClr val="accent1"/>
+                </a:solidFill>
+              </a:rPr>
+              <a:t>lambda</a:t>
+            </a:r>
+            <a:r>
+              <a:rPr lang="en-US" dirty="0"/>
+              <a:t>)</a:t>
+            </a:r>
+          </a:p>
+          <a:p>
+            <a:pPr lvl="1"/>
+            <a:endParaRPr lang="en-US" dirty="0"/>
+          </a:p>
+          <a:p>
+            <a:pPr lvl="1"/>
+            <a:r>
+              <a:rPr lang="en-US" dirty="0" err="1"/>
+              <a:t>task.Wait</a:t>
+            </a:r>
+            <a:r>
+              <a:rPr lang="en-US" dirty="0"/>
+              <a:t>(), </a:t>
+            </a:r>
+            <a:r>
+              <a:rPr lang="en-US" dirty="0" err="1"/>
+              <a:t>task.Result</a:t>
+            </a:r>
+            <a:r>
+              <a:rPr lang="en-US" dirty="0"/>
+              <a:t> &amp; </a:t>
+            </a:r>
+            <a:r>
+              <a:rPr lang="en-US" dirty="0" err="1"/>
+              <a:t>task.Exception</a:t>
+            </a:r>
+            <a:endParaRPr lang="en-US" dirty="0"/>
+          </a:p>
+          <a:p>
+            <a:pPr lvl="1"/>
+            <a:endParaRPr lang="en-US" dirty="0"/>
+          </a:p>
+          <a:p>
+            <a:r>
+              <a:rPr lang="en-US" cap="all" dirty="0">
+                <a:solidFill>
+                  <a:schemeClr val="accent1"/>
+                </a:solidFill>
+              </a:rPr>
+              <a:t>Continuation</a:t>
+            </a:r>
+          </a:p>
+          <a:p>
+            <a:pPr lvl="1"/>
+            <a:r>
+              <a:rPr lang="en-US" dirty="0"/>
+              <a:t>A Task that will be achieve once a previous Task has finished</a:t>
+            </a:r>
+          </a:p>
+          <a:p>
+            <a:pPr lvl="1"/>
+            <a:r>
+              <a:rPr lang="en-US" dirty="0" err="1"/>
+              <a:t>var</a:t>
+            </a:r>
+            <a:r>
+              <a:rPr lang="en-US" dirty="0"/>
+              <a:t> </a:t>
+            </a:r>
+            <a:r>
+              <a:rPr lang="en-US" dirty="0" err="1"/>
+              <a:t>continuationTask</a:t>
+            </a:r>
+            <a:r>
+              <a:rPr lang="en-US" dirty="0"/>
+              <a:t> = </a:t>
+            </a:r>
+            <a:r>
+              <a:rPr lang="en-US" dirty="0" err="1"/>
+              <a:t>previousTask.ContinueWith</a:t>
+            </a:r>
+            <a:r>
+              <a:rPr lang="en-US" dirty="0"/>
+              <a:t>(</a:t>
+            </a:r>
+            <a:r>
+              <a:rPr lang="en-US" dirty="0">
+                <a:solidFill>
+                  <a:schemeClr val="accent1"/>
+                </a:solidFill>
+              </a:rPr>
+              <a:t>lambda</a:t>
+            </a:r>
+            <a:r>
+              <a:rPr lang="en-US" dirty="0"/>
+              <a:t>);</a:t>
+            </a:r>
+          </a:p>
+          <a:p>
+            <a:pPr lvl="1"/>
+            <a:endParaRPr lang="en-US" dirty="0"/>
           </a:p>
         </p:txBody>
       </p:sp>
     </p:spTree>
     <p:extLst>
       <p:ext uri="{BB962C8B-B14F-4D97-AF65-F5344CB8AC3E}">
-        <p14:creationId xmlns:p14="http://schemas.microsoft.com/office/powerpoint/2010/main" val="1255273533"/>
+        <p14:creationId xmlns:p14="http://schemas.microsoft.com/office/powerpoint/2010/main" val="4045331836"/>
       </p:ext>
     </p:extLst>
   </p:cSld>
@@ -25933,15 +27100,29 @@
             <p:ph type="title"/>
           </p:nvPr>
         </p:nvSpPr>
-        <p:spPr/>
+        <p:spPr>
+          <a:xfrm>
+            <a:off x="1522810" y="381000"/>
+            <a:ext cx="9613750" cy="1371600"/>
+          </a:xfrm>
+        </p:spPr>
         <p:txBody>
           <a:bodyPr anchor="t"/>
           <a:lstStyle/>
           <a:p>
             <a:r>
               <a:rPr lang="en-US" dirty="0"/>
-              <a:t>Async method GC impact</a:t>
-            </a:r>
+              <a:t>Task Parallel Library reminder </a:t>
+            </a:r>
+            <a:r>
+              <a:rPr lang="en-US" dirty="0">
+                <a:solidFill>
+                  <a:schemeClr val="tx2"/>
+                </a:solidFill>
+              </a:rPr>
+              <a:t>(TPL)</a:t>
+            </a:r>
+            <a:endParaRPr lang="en-US" dirty="0"/>
           </a:p>
         </p:txBody>
       </p:sp>
@@ -25957,53 +27138,241 @@
         </p:nvSpPr>
         <p:spPr>
           <a:xfrm>
-            <a:off x="2135560" y="1844824"/>
-            <a:ext cx="8640960" cy="4248472"/>
+            <a:off x="2135560" y="1268760"/>
+            <a:ext cx="8640960" cy="4824536"/>
           </a:xfrm>
         </p:spPr>
         <p:txBody>
           <a:bodyPr anchor="t">
-            <a:normAutofit/>
+            <a:normAutofit fontScale="70000" lnSpcReduction="20000"/>
           </a:bodyPr>
           <a:lstStyle/>
           <a:p>
             <a:r>
+              <a:rPr lang="en-US" cap="all" dirty="0">
+                <a:solidFill>
+                  <a:schemeClr val="accent1"/>
+                </a:solidFill>
+              </a:rPr>
+              <a:t>Task</a:t>
+            </a:r>
+          </a:p>
+          <a:p>
+            <a:pPr lvl="1"/>
+            <a:r>
               <a:rPr lang="en-US" dirty="0"/>
-              <a:t>3 allocations for every Async method</a:t>
+              <a:t>3 ways to instantiate and run a Task:</a:t>
+            </a:r>
+          </a:p>
+          <a:p>
+            <a:pPr lvl="2"/>
+            <a:r>
+              <a:rPr lang="en-US" dirty="0" err="1"/>
+              <a:t>var</a:t>
+            </a:r>
+            <a:r>
+              <a:rPr lang="en-US" dirty="0"/>
+              <a:t> task = new Task(</a:t>
+            </a:r>
+            <a:r>
+              <a:rPr lang="en-US" dirty="0">
+                <a:solidFill>
+                  <a:schemeClr val="accent1"/>
+                </a:solidFill>
+              </a:rPr>
+              <a:t>lambda</a:t>
+            </a:r>
+            <a:r>
+              <a:rPr lang="en-US" dirty="0"/>
+              <a:t>).Start();</a:t>
+            </a:r>
+          </a:p>
+          <a:p>
+            <a:pPr lvl="2"/>
+            <a:r>
+              <a:rPr lang="en-US" dirty="0" err="1"/>
+              <a:t>var</a:t>
+            </a:r>
+            <a:r>
+              <a:rPr lang="en-US" dirty="0"/>
+              <a:t> task = </a:t>
+            </a:r>
+            <a:r>
+              <a:rPr lang="en-US" dirty="0" err="1"/>
+              <a:t>Task.Run</a:t>
+            </a:r>
+            <a:r>
+              <a:rPr lang="en-US" dirty="0"/>
+              <a:t>(</a:t>
+            </a:r>
+            <a:r>
+              <a:rPr lang="en-US" dirty="0">
+                <a:solidFill>
+                  <a:schemeClr val="accent1"/>
+                </a:solidFill>
+              </a:rPr>
+              <a:t>lambda</a:t>
+            </a:r>
+            <a:r>
+              <a:rPr lang="en-US" dirty="0"/>
+              <a:t>);</a:t>
+            </a:r>
+          </a:p>
+          <a:p>
+            <a:pPr lvl="2"/>
+            <a:r>
+              <a:rPr lang="en-US" dirty="0" err="1"/>
+              <a:t>Task.Factory.StartNew</a:t>
+            </a:r>
+            <a:r>
+              <a:rPr lang="en-US" dirty="0"/>
+              <a:t>(</a:t>
+            </a:r>
+            <a:r>
+              <a:rPr lang="en-US" dirty="0">
+                <a:solidFill>
+                  <a:schemeClr val="accent1"/>
+                </a:solidFill>
+              </a:rPr>
+              <a:t>lambda</a:t>
+            </a:r>
+            <a:r>
+              <a:rPr lang="en-US" dirty="0"/>
+              <a:t>)</a:t>
             </a:r>
           </a:p>
           <a:p>
             <a:pPr lvl="1"/>
+            <a:endParaRPr lang="en-US" dirty="0"/>
+          </a:p>
+          <a:p>
+            <a:pPr lvl="1"/>
+            <a:r>
+              <a:rPr lang="en-US" dirty="0" err="1"/>
+              <a:t>task.Wait</a:t>
+            </a:r>
             <a:r>
               <a:rPr lang="en-US" dirty="0"/>
-              <a:t>Heap-allocated state machine</a:t>
-            </a:r>
-          </a:p>
-          <a:p>
-            <a:pPr lvl="2"/>
+              <a:t>(), </a:t>
+            </a:r>
+            <a:r>
+              <a:rPr lang="en-US" dirty="0" err="1"/>
+              <a:t>task.Result</a:t>
+            </a:r>
             <a:r>
               <a:rPr lang="en-US" dirty="0"/>
-              <a:t>With a field for every local variable in your method</a:t>
-            </a:r>
+              <a:t> &amp; </a:t>
+            </a:r>
+            <a:r>
+              <a:rPr lang="en-US" dirty="0" err="1"/>
+              <a:t>task.Exception</a:t>
+            </a:r>
+            <a:endParaRPr lang="en-US" dirty="0"/>
           </a:p>
           <a:p>
             <a:pPr lvl="1"/>
+            <a:endParaRPr lang="en-US" dirty="0"/>
+          </a:p>
+          <a:p>
+            <a:r>
+              <a:rPr lang="en-US" cap="all" dirty="0">
+                <a:solidFill>
+                  <a:schemeClr val="accent1"/>
+                </a:solidFill>
+              </a:rPr>
+              <a:t>Continuation</a:t>
+            </a:r>
+          </a:p>
+          <a:p>
+            <a:pPr lvl="1"/>
             <a:r>
               <a:rPr lang="en-US" dirty="0"/>
-              <a:t>Completion delegate</a:t>
+              <a:t>A Task that will be achieve once a previous Task has finished</a:t>
             </a:r>
           </a:p>
           <a:p>
             <a:pPr lvl="1"/>
             <a:r>
+              <a:rPr lang="en-US" dirty="0" err="1"/>
+              <a:t>var</a:t>
+            </a:r>
+            <a:r>
               <a:rPr lang="en-US" dirty="0"/>
-              <a:t>Task</a:t>
-            </a:r>
-            <a:endParaRPr lang="en-US" sz="1600" dirty="0">
+              <a:t> </a:t>
+            </a:r>
+            <a:r>
+              <a:rPr lang="en-US" dirty="0" err="1"/>
+              <a:t>continuationTask</a:t>
+            </a:r>
+            <a:r>
+              <a:rPr lang="en-US" dirty="0"/>
+              <a:t> = </a:t>
+            </a:r>
+            <a:r>
+              <a:rPr lang="en-US" dirty="0" err="1"/>
+              <a:t>previousTask.ContinueWith</a:t>
+            </a:r>
+            <a:r>
+              <a:rPr lang="en-US" dirty="0"/>
+              <a:t>(</a:t>
+            </a:r>
+            <a:r>
+              <a:rPr lang="en-US" dirty="0">
+                <a:solidFill>
+                  <a:schemeClr val="accent1"/>
+                </a:solidFill>
+              </a:rPr>
+              <a:t>lambda</a:t>
+            </a:r>
+            <a:r>
+              <a:rPr lang="en-US" dirty="0"/>
+              <a:t>);</a:t>
+            </a:r>
+          </a:p>
+          <a:p>
+            <a:pPr lvl="1"/>
+            <a:endParaRPr lang="en-US" dirty="0"/>
+          </a:p>
+          <a:p>
+            <a:r>
+              <a:rPr lang="en-US" cap="all" dirty="0" err="1">
+                <a:solidFill>
+                  <a:schemeClr val="accent1"/>
+                </a:solidFill>
+              </a:rPr>
+              <a:t>CancelationToken</a:t>
+            </a:r>
+            <a:endParaRPr lang="en-US" cap="all" dirty="0">
               <a:solidFill>
                 <a:schemeClr val="accent1"/>
               </a:solidFill>
-              <a:latin typeface="Arial Narrow" panose="020B0606020202030204" pitchFamily="34" charset="0"/>
+            </a:endParaRPr>
+          </a:p>
+          <a:p>
+            <a:r>
+              <a:rPr lang="en-US" cap="all" dirty="0" err="1">
+                <a:solidFill>
+                  <a:schemeClr val="accent1"/>
+                </a:solidFill>
+              </a:rPr>
+              <a:t>TASKCompletionSource</a:t>
+            </a:r>
+            <a:endParaRPr lang="en-US" cap="all" dirty="0">
+              <a:solidFill>
+                <a:schemeClr val="accent1"/>
+              </a:solidFill>
+            </a:endParaRPr>
+          </a:p>
+          <a:p>
+            <a:pPr lvl="1"/>
+            <a:r>
+              <a:rPr lang="en-US" dirty="0"/>
+              <a:t>Developer to control the lifetime and completion of the associated Task</a:t>
+            </a:r>
+            <a:endParaRPr lang="en-US" cap="all" dirty="0">
+              <a:solidFill>
+                <a:schemeClr val="accent1"/>
+              </a:solidFill>
             </a:endParaRPr>
           </a:p>
         </p:txBody>
@@ -26011,7 +27380,7 @@
     </p:spTree>
     <p:extLst>
       <p:ext uri="{BB962C8B-B14F-4D97-AF65-F5344CB8AC3E}">
-        <p14:creationId xmlns:p14="http://schemas.microsoft.com/office/powerpoint/2010/main" val="789624704"/>
+        <p14:creationId xmlns:p14="http://schemas.microsoft.com/office/powerpoint/2010/main" val="91632493"/>
       </p:ext>
     </p:extLst>
   </p:cSld>
@@ -26052,6 +27421,1154 @@
       </p:grpSpPr>
       <p:sp>
         <p:nvSpPr>
+          <p:cNvPr id="4" name="Title 3"/>
+          <p:cNvSpPr>
+            <a:spLocks noGrp="1"/>
+          </p:cNvSpPr>
+          <p:nvPr>
+            <p:ph type="title"/>
+          </p:nvPr>
+        </p:nvSpPr>
+        <p:spPr>
+          <a:xfrm>
+            <a:off x="1059891" y="2514600"/>
+            <a:ext cx="9284581" cy="2819400"/>
+          </a:xfrm>
+        </p:spPr>
+        <p:txBody>
+          <a:bodyPr/>
+          <a:lstStyle/>
+          <a:p>
+            <a:r>
+              <a:rPr lang="en-GB" dirty="0"/>
+              <a:t>Chapter 4: </a:t>
+            </a:r>
+            <a:r>
+              <a:rPr lang="en-GB" dirty="0">
+                <a:solidFill>
+                  <a:schemeClr val="tx1"/>
+                </a:solidFill>
+              </a:rPr>
+              <a:t>Pitfalls &amp; </a:t>
+            </a:r>
+            <a:r>
+              <a:rPr lang="en-GB" dirty="0" err="1">
+                <a:solidFill>
+                  <a:schemeClr val="tx1"/>
+                </a:solidFill>
+              </a:rPr>
+              <a:t>Recos</a:t>
+            </a:r>
+            <a:endParaRPr lang="en-GB" dirty="0">
+              <a:solidFill>
+                <a:schemeClr val="tx1"/>
+              </a:solidFill>
+            </a:endParaRPr>
+          </a:p>
+        </p:txBody>
+      </p:sp>
+    </p:spTree>
+    <p:extLst>
+      <p:ext uri="{BB962C8B-B14F-4D97-AF65-F5344CB8AC3E}">
+        <p14:creationId xmlns:p14="http://schemas.microsoft.com/office/powerpoint/2010/main" val="1724231808"/>
+      </p:ext>
+    </p:extLst>
+  </p:cSld>
+  <p:clrMapOvr>
+    <a:masterClrMapping/>
+  </p:clrMapOvr>
+  <mc:AlternateContent xmlns:mc="http://schemas.openxmlformats.org/markup-compatibility/2006" xmlns:p14="http://schemas.microsoft.com/office/powerpoint/2010/main">
+    <mc:Choice Requires="p14">
+      <p:transition spd="med" p14:dur="700">
+        <p:fade/>
+      </p:transition>
+    </mc:Choice>
+    <mc:Fallback xmlns="">
+      <p:transition spd="med">
+        <p:fade/>
+      </p:transition>
+    </mc:Fallback>
+  </mc:AlternateContent>
+</p:sld>
+</file>
+
+<file path=ppt/slides/slide52.xml><?xml version="1.0" encoding="utf-8"?>
+<p:sld xmlns:a="http://schemas.openxmlformats.org/drawingml/2006/main" xmlns:r="http://schemas.openxmlformats.org/officeDocument/2006/relationships" xmlns:p="http://schemas.openxmlformats.org/presentationml/2006/main">
+  <p:cSld>
+    <p:spTree>
+      <p:nvGrpSpPr>
+        <p:cNvPr id="1" name=""/>
+        <p:cNvGrpSpPr/>
+        <p:nvPr/>
+      </p:nvGrpSpPr>
+      <p:grpSpPr>
+        <a:xfrm>
+          <a:off x="0" y="0"/>
+          <a:ext cx="0" cy="0"/>
+          <a:chOff x="0" y="0"/>
+          <a:chExt cx="0" cy="0"/>
+        </a:xfrm>
+      </p:grpSpPr>
+      <p:sp>
+        <p:nvSpPr>
+          <p:cNvPr id="13" name="Title 12"/>
+          <p:cNvSpPr>
+            <a:spLocks noGrp="1"/>
+          </p:cNvSpPr>
+          <p:nvPr>
+            <p:ph type="title"/>
+          </p:nvPr>
+        </p:nvSpPr>
+        <p:spPr/>
+        <p:txBody>
+          <a:bodyPr anchor="t">
+            <a:normAutofit/>
+          </a:bodyPr>
+          <a:lstStyle/>
+          <a:p>
+            <a:r>
+              <a:rPr lang="en-US" dirty="0"/>
+              <a:t>Not that simple…</a:t>
+            </a:r>
+          </a:p>
+        </p:txBody>
+      </p:sp>
+      <p:pic>
+        <p:nvPicPr>
+          <p:cNvPr id="1026" name="Picture 2" descr="Afficher l'image d'origine"/>
+          <p:cNvPicPr>
+            <a:picLocks noChangeAspect="1" noChangeArrowheads="1"/>
+          </p:cNvPicPr>
+          <p:nvPr/>
+        </p:nvPicPr>
+        <p:blipFill rotWithShape="1">
+          <a:blip r:embed="rId3">
+            <a:extLst>
+              <a:ext uri="{28A0092B-C50C-407E-A947-70E740481C1C}">
+                <a14:useLocalDpi xmlns:a14="http://schemas.microsoft.com/office/drawing/2010/main" val="0"/>
+              </a:ext>
+            </a:extLst>
+          </a:blip>
+          <a:srcRect b="9591"/>
+          <a:stretch/>
+        </p:blipFill>
+        <p:spPr bwMode="auto">
+          <a:xfrm>
+            <a:off x="2135560" y="1340768"/>
+            <a:ext cx="7488832" cy="4450948"/>
+          </a:xfrm>
+          <a:prstGeom prst="rect">
+            <a:avLst/>
+          </a:prstGeom>
+          <a:noFill/>
+          <a:ln>
+            <a:solidFill>
+              <a:schemeClr val="accent1"/>
+            </a:solidFill>
+          </a:ln>
+          <a:extLst>
+            <a:ext uri="{909E8E84-426E-40DD-AFC4-6F175D3DCCD1}">
+              <a14:hiddenFill xmlns:a14="http://schemas.microsoft.com/office/drawing/2010/main">
+                <a:solidFill>
+                  <a:srgbClr val="FFFFFF"/>
+                </a:solidFill>
+              </a14:hiddenFill>
+            </a:ext>
+          </a:extLst>
+        </p:spPr>
+      </p:pic>
+    </p:spTree>
+    <p:extLst>
+      <p:ext uri="{BB962C8B-B14F-4D97-AF65-F5344CB8AC3E}">
+        <p14:creationId xmlns:p14="http://schemas.microsoft.com/office/powerpoint/2010/main" val="118184237"/>
+      </p:ext>
+    </p:extLst>
+  </p:cSld>
+  <p:clrMapOvr>
+    <a:masterClrMapping/>
+  </p:clrMapOvr>
+  <mc:AlternateContent xmlns:mc="http://schemas.openxmlformats.org/markup-compatibility/2006" xmlns:p14="http://schemas.microsoft.com/office/powerpoint/2010/main">
+    <mc:Choice Requires="p14">
+      <p:transition spd="med" p14:dur="700">
+        <p:fade/>
+      </p:transition>
+    </mc:Choice>
+    <mc:Fallback xmlns="">
+      <p:transition spd="med">
+        <p:fade/>
+      </p:transition>
+    </mc:Fallback>
+  </mc:AlternateContent>
+</p:sld>
+</file>
+
+<file path=ppt/slides/slide53.xml><?xml version="1.0" encoding="utf-8"?>
+<p:sld xmlns:a="http://schemas.openxmlformats.org/drawingml/2006/main" xmlns:r="http://schemas.openxmlformats.org/officeDocument/2006/relationships" xmlns:p="http://schemas.openxmlformats.org/presentationml/2006/main">
+  <p:cSld>
+    <p:spTree>
+      <p:nvGrpSpPr>
+        <p:cNvPr id="1" name=""/>
+        <p:cNvGrpSpPr/>
+        <p:nvPr/>
+      </p:nvGrpSpPr>
+      <p:grpSpPr>
+        <a:xfrm>
+          <a:off x="0" y="0"/>
+          <a:ext cx="0" cy="0"/>
+          <a:chOff x="0" y="0"/>
+          <a:chExt cx="0" cy="0"/>
+        </a:xfrm>
+      </p:grpSpPr>
+      <p:sp>
+        <p:nvSpPr>
+          <p:cNvPr id="13" name="Title 12"/>
+          <p:cNvSpPr>
+            <a:spLocks noGrp="1"/>
+          </p:cNvSpPr>
+          <p:nvPr>
+            <p:ph type="title"/>
+          </p:nvPr>
+        </p:nvSpPr>
+        <p:spPr/>
+        <p:txBody>
+          <a:bodyPr anchor="t">
+            <a:normAutofit/>
+          </a:bodyPr>
+          <a:lstStyle/>
+          <a:p>
+            <a:r>
+              <a:rPr lang="en-US" dirty="0"/>
+              <a:t>Deadlocks</a:t>
+            </a:r>
+          </a:p>
+        </p:txBody>
+      </p:sp>
+      <p:pic>
+        <p:nvPicPr>
+          <p:cNvPr id="7174" name="Picture 6" descr="Afficher l'image d'origine"/>
+          <p:cNvPicPr>
+            <a:picLocks noChangeAspect="1" noChangeArrowheads="1"/>
+          </p:cNvPicPr>
+          <p:nvPr/>
+        </p:nvPicPr>
+        <p:blipFill>
+          <a:blip r:embed="rId3">
+            <a:extLst>
+              <a:ext uri="{28A0092B-C50C-407E-A947-70E740481C1C}">
+                <a14:useLocalDpi xmlns:a14="http://schemas.microsoft.com/office/drawing/2010/main" val="0"/>
+              </a:ext>
+            </a:extLst>
+          </a:blip>
+          <a:srcRect/>
+          <a:stretch>
+            <a:fillRect/>
+          </a:stretch>
+        </p:blipFill>
+        <p:spPr bwMode="auto">
+          <a:xfrm>
+            <a:off x="2319574" y="1262051"/>
+            <a:ext cx="7552853" cy="4333899"/>
+          </a:xfrm>
+          <a:prstGeom prst="rect">
+            <a:avLst/>
+          </a:prstGeom>
+          <a:noFill/>
+          <a:ln>
+            <a:solidFill>
+              <a:schemeClr val="accent1"/>
+            </a:solidFill>
+          </a:ln>
+          <a:extLst>
+            <a:ext uri="{909E8E84-426E-40DD-AFC4-6F175D3DCCD1}">
+              <a14:hiddenFill xmlns:a14="http://schemas.microsoft.com/office/drawing/2010/main">
+                <a:solidFill>
+                  <a:srgbClr val="FFFFFF"/>
+                </a:solidFill>
+              </a14:hiddenFill>
+            </a:ext>
+          </a:extLst>
+        </p:spPr>
+      </p:pic>
+    </p:spTree>
+    <p:extLst>
+      <p:ext uri="{BB962C8B-B14F-4D97-AF65-F5344CB8AC3E}">
+        <p14:creationId xmlns:p14="http://schemas.microsoft.com/office/powerpoint/2010/main" val="1057268340"/>
+      </p:ext>
+    </p:extLst>
+  </p:cSld>
+  <p:clrMapOvr>
+    <a:masterClrMapping/>
+  </p:clrMapOvr>
+  <mc:AlternateContent xmlns:mc="http://schemas.openxmlformats.org/markup-compatibility/2006" xmlns:p14="http://schemas.microsoft.com/office/powerpoint/2010/main">
+    <mc:Choice Requires="p14">
+      <p:transition spd="med" p14:dur="700">
+        <p:fade/>
+      </p:transition>
+    </mc:Choice>
+    <mc:Fallback xmlns="">
+      <p:transition spd="med">
+        <p:fade/>
+      </p:transition>
+    </mc:Fallback>
+  </mc:AlternateContent>
+</p:sld>
+</file>
+
+<file path=ppt/slides/slide54.xml><?xml version="1.0" encoding="utf-8"?>
+<p:sld xmlns:a="http://schemas.openxmlformats.org/drawingml/2006/main" xmlns:r="http://schemas.openxmlformats.org/officeDocument/2006/relationships" xmlns:p="http://schemas.openxmlformats.org/presentationml/2006/main">
+  <p:cSld>
+    <p:spTree>
+      <p:nvGrpSpPr>
+        <p:cNvPr id="1" name=""/>
+        <p:cNvGrpSpPr/>
+        <p:nvPr/>
+      </p:nvGrpSpPr>
+      <p:grpSpPr>
+        <a:xfrm>
+          <a:off x="0" y="0"/>
+          <a:ext cx="0" cy="0"/>
+          <a:chOff x="0" y="0"/>
+          <a:chExt cx="0" cy="0"/>
+        </a:xfrm>
+      </p:grpSpPr>
+      <p:sp>
+        <p:nvSpPr>
+          <p:cNvPr id="13" name="Title 12"/>
+          <p:cNvSpPr>
+            <a:spLocks noGrp="1"/>
+          </p:cNvSpPr>
+          <p:nvPr>
+            <p:ph type="title"/>
+          </p:nvPr>
+        </p:nvSpPr>
+        <p:spPr/>
+        <p:txBody>
+          <a:bodyPr anchor="t">
+            <a:normAutofit/>
+          </a:bodyPr>
+          <a:lstStyle/>
+          <a:p>
+            <a:r>
+              <a:rPr lang="en-US" dirty="0"/>
+              <a:t>Deadlock Meme</a:t>
+            </a:r>
+          </a:p>
+        </p:txBody>
+      </p:sp>
+      <p:pic>
+        <p:nvPicPr>
+          <p:cNvPr id="7172" name="Picture 4" descr="https://i.imgflip.com/1eulxp.jpg"/>
+          <p:cNvPicPr>
+            <a:picLocks noChangeAspect="1" noChangeArrowheads="1"/>
+          </p:cNvPicPr>
+          <p:nvPr/>
+        </p:nvPicPr>
+        <p:blipFill>
+          <a:blip r:embed="rId3">
+            <a:extLst>
+              <a:ext uri="{28A0092B-C50C-407E-A947-70E740481C1C}">
+                <a14:useLocalDpi xmlns:a14="http://schemas.microsoft.com/office/drawing/2010/main" val="0"/>
+              </a:ext>
+            </a:extLst>
+          </a:blip>
+          <a:srcRect/>
+          <a:stretch>
+            <a:fillRect/>
+          </a:stretch>
+        </p:blipFill>
+        <p:spPr bwMode="auto">
+          <a:xfrm>
+            <a:off x="3506400" y="1267200"/>
+            <a:ext cx="5179535" cy="5011200"/>
+          </a:xfrm>
+          <a:prstGeom prst="rect">
+            <a:avLst/>
+          </a:prstGeom>
+          <a:noFill/>
+          <a:ln>
+            <a:solidFill>
+              <a:schemeClr val="accent1"/>
+            </a:solidFill>
+          </a:ln>
+          <a:extLst>
+            <a:ext uri="{909E8E84-426E-40DD-AFC4-6F175D3DCCD1}">
+              <a14:hiddenFill xmlns:a14="http://schemas.microsoft.com/office/drawing/2010/main">
+                <a:solidFill>
+                  <a:srgbClr val="FFFFFF"/>
+                </a:solidFill>
+              </a14:hiddenFill>
+            </a:ext>
+          </a:extLst>
+        </p:spPr>
+      </p:pic>
+    </p:spTree>
+    <p:extLst>
+      <p:ext uri="{BB962C8B-B14F-4D97-AF65-F5344CB8AC3E}">
+        <p14:creationId xmlns:p14="http://schemas.microsoft.com/office/powerpoint/2010/main" val="2351673736"/>
+      </p:ext>
+    </p:extLst>
+  </p:cSld>
+  <p:clrMapOvr>
+    <a:masterClrMapping/>
+  </p:clrMapOvr>
+  <mc:AlternateContent xmlns:mc="http://schemas.openxmlformats.org/markup-compatibility/2006" xmlns:p14="http://schemas.microsoft.com/office/powerpoint/2010/main">
+    <mc:Choice Requires="p14">
+      <p:transition spd="med" p14:dur="700">
+        <p:fade/>
+      </p:transition>
+    </mc:Choice>
+    <mc:Fallback xmlns="">
+      <p:transition spd="med">
+        <p:fade/>
+      </p:transition>
+    </mc:Fallback>
+  </mc:AlternateContent>
+</p:sld>
+</file>
+
+<file path=ppt/slides/slide55.xml><?xml version="1.0" encoding="utf-8"?>
+<p:sld xmlns:a="http://schemas.openxmlformats.org/drawingml/2006/main" xmlns:r="http://schemas.openxmlformats.org/officeDocument/2006/relationships" xmlns:p="http://schemas.openxmlformats.org/presentationml/2006/main">
+  <p:cSld>
+    <p:spTree>
+      <p:nvGrpSpPr>
+        <p:cNvPr id="1" name=""/>
+        <p:cNvGrpSpPr/>
+        <p:nvPr/>
+      </p:nvGrpSpPr>
+      <p:grpSpPr>
+        <a:xfrm>
+          <a:off x="0" y="0"/>
+          <a:ext cx="0" cy="0"/>
+          <a:chOff x="0" y="0"/>
+          <a:chExt cx="0" cy="0"/>
+        </a:xfrm>
+      </p:grpSpPr>
+      <p:sp>
+        <p:nvSpPr>
+          <p:cNvPr id="13" name="Title 12"/>
+          <p:cNvSpPr>
+            <a:spLocks noGrp="1"/>
+          </p:cNvSpPr>
+          <p:nvPr>
+            <p:ph type="title"/>
+          </p:nvPr>
+        </p:nvSpPr>
+        <p:spPr/>
+        <p:txBody>
+          <a:bodyPr anchor="t">
+            <a:normAutofit/>
+          </a:bodyPr>
+          <a:lstStyle/>
+          <a:p>
+            <a:r>
+              <a:rPr lang="en-US" dirty="0"/>
+              <a:t>Deadlock Meme</a:t>
+            </a:r>
+          </a:p>
+        </p:txBody>
+      </p:sp>
+      <p:pic>
+        <p:nvPicPr>
+          <p:cNvPr id="7170" name="Picture 2" descr="https://i.imgflip.com/1eulqt.jpg"/>
+          <p:cNvPicPr>
+            <a:picLocks noChangeAspect="1" noChangeArrowheads="1"/>
+          </p:cNvPicPr>
+          <p:nvPr/>
+        </p:nvPicPr>
+        <p:blipFill>
+          <a:blip r:embed="rId3">
+            <a:extLst>
+              <a:ext uri="{28A0092B-C50C-407E-A947-70E740481C1C}">
+                <a14:useLocalDpi xmlns:a14="http://schemas.microsoft.com/office/drawing/2010/main" val="0"/>
+              </a:ext>
+            </a:extLst>
+          </a:blip>
+          <a:srcRect/>
+          <a:stretch>
+            <a:fillRect/>
+          </a:stretch>
+        </p:blipFill>
+        <p:spPr bwMode="auto">
+          <a:xfrm>
+            <a:off x="3506109" y="1268760"/>
+            <a:ext cx="5179783" cy="5011440"/>
+          </a:xfrm>
+          <a:prstGeom prst="rect">
+            <a:avLst/>
+          </a:prstGeom>
+          <a:noFill/>
+          <a:ln>
+            <a:solidFill>
+              <a:schemeClr val="accent1"/>
+            </a:solidFill>
+          </a:ln>
+          <a:extLst>
+            <a:ext uri="{909E8E84-426E-40DD-AFC4-6F175D3DCCD1}">
+              <a14:hiddenFill xmlns:a14="http://schemas.microsoft.com/office/drawing/2010/main">
+                <a:solidFill>
+                  <a:srgbClr val="FFFFFF"/>
+                </a:solidFill>
+              </a14:hiddenFill>
+            </a:ext>
+          </a:extLst>
+        </p:spPr>
+      </p:pic>
+    </p:spTree>
+    <p:extLst>
+      <p:ext uri="{BB962C8B-B14F-4D97-AF65-F5344CB8AC3E}">
+        <p14:creationId xmlns:p14="http://schemas.microsoft.com/office/powerpoint/2010/main" val="1546639905"/>
+      </p:ext>
+    </p:extLst>
+  </p:cSld>
+  <p:clrMapOvr>
+    <a:masterClrMapping/>
+  </p:clrMapOvr>
+  <mc:AlternateContent xmlns:mc="http://schemas.openxmlformats.org/markup-compatibility/2006" xmlns:p14="http://schemas.microsoft.com/office/powerpoint/2010/main">
+    <mc:Choice Requires="p14">
+      <p:transition spd="med" p14:dur="700">
+        <p:fade/>
+      </p:transition>
+    </mc:Choice>
+    <mc:Fallback xmlns="">
+      <p:transition spd="med">
+        <p:fade/>
+      </p:transition>
+    </mc:Fallback>
+  </mc:AlternateContent>
+</p:sld>
+</file>
+
+<file path=ppt/slides/slide56.xml><?xml version="1.0" encoding="utf-8"?>
+<p:sld xmlns:a="http://schemas.openxmlformats.org/drawingml/2006/main" xmlns:r="http://schemas.openxmlformats.org/officeDocument/2006/relationships" xmlns:p="http://schemas.openxmlformats.org/presentationml/2006/main">
+  <p:cSld>
+    <p:spTree>
+      <p:nvGrpSpPr>
+        <p:cNvPr id="1" name=""/>
+        <p:cNvGrpSpPr/>
+        <p:nvPr/>
+      </p:nvGrpSpPr>
+      <p:grpSpPr>
+        <a:xfrm>
+          <a:off x="0" y="0"/>
+          <a:ext cx="0" cy="0"/>
+          <a:chOff x="0" y="0"/>
+          <a:chExt cx="0" cy="0"/>
+        </a:xfrm>
+      </p:grpSpPr>
+      <p:sp>
+        <p:nvSpPr>
+          <p:cNvPr id="13" name="Title 12"/>
+          <p:cNvSpPr>
+            <a:spLocks noGrp="1"/>
+          </p:cNvSpPr>
+          <p:nvPr>
+            <p:ph type="title"/>
+          </p:nvPr>
+        </p:nvSpPr>
+        <p:spPr/>
+        <p:txBody>
+          <a:bodyPr anchor="t">
+            <a:normAutofit/>
+          </a:bodyPr>
+          <a:lstStyle/>
+          <a:p>
+            <a:r>
+              <a:rPr lang="en-US" dirty="0"/>
+              <a:t>Deadlock Meme</a:t>
+            </a:r>
+          </a:p>
+        </p:txBody>
+      </p:sp>
+      <p:pic>
+        <p:nvPicPr>
+          <p:cNvPr id="9218" name="Picture 2" descr="https://i.imgflip.com/1eum9y.jpg"/>
+          <p:cNvPicPr>
+            <a:picLocks noChangeAspect="1" noChangeArrowheads="1"/>
+          </p:cNvPicPr>
+          <p:nvPr/>
+        </p:nvPicPr>
+        <p:blipFill>
+          <a:blip r:embed="rId3">
+            <a:extLst>
+              <a:ext uri="{28A0092B-C50C-407E-A947-70E740481C1C}">
+                <a14:useLocalDpi xmlns:a14="http://schemas.microsoft.com/office/drawing/2010/main" val="0"/>
+              </a:ext>
+            </a:extLst>
+          </a:blip>
+          <a:srcRect/>
+          <a:stretch>
+            <a:fillRect/>
+          </a:stretch>
+        </p:blipFill>
+        <p:spPr bwMode="auto">
+          <a:xfrm>
+            <a:off x="3506400" y="1267200"/>
+            <a:ext cx="5179535" cy="5011200"/>
+          </a:xfrm>
+          <a:prstGeom prst="rect">
+            <a:avLst/>
+          </a:prstGeom>
+          <a:noFill/>
+          <a:ln>
+            <a:solidFill>
+              <a:schemeClr val="accent1"/>
+            </a:solidFill>
+          </a:ln>
+          <a:extLst>
+            <a:ext uri="{909E8E84-426E-40DD-AFC4-6F175D3DCCD1}">
+              <a14:hiddenFill xmlns:a14="http://schemas.microsoft.com/office/drawing/2010/main">
+                <a:solidFill>
+                  <a:srgbClr val="FFFFFF"/>
+                </a:solidFill>
+              </a14:hiddenFill>
+            </a:ext>
+          </a:extLst>
+        </p:spPr>
+      </p:pic>
+    </p:spTree>
+    <p:extLst>
+      <p:ext uri="{BB962C8B-B14F-4D97-AF65-F5344CB8AC3E}">
+        <p14:creationId xmlns:p14="http://schemas.microsoft.com/office/powerpoint/2010/main" val="3016117138"/>
+      </p:ext>
+    </p:extLst>
+  </p:cSld>
+  <p:clrMapOvr>
+    <a:masterClrMapping/>
+  </p:clrMapOvr>
+  <mc:AlternateContent xmlns:mc="http://schemas.openxmlformats.org/markup-compatibility/2006" xmlns:p14="http://schemas.microsoft.com/office/powerpoint/2010/main">
+    <mc:Choice Requires="p14">
+      <p:transition spd="med" p14:dur="700">
+        <p:fade/>
+      </p:transition>
+    </mc:Choice>
+    <mc:Fallback xmlns="">
+      <p:transition spd="med">
+        <p:fade/>
+      </p:transition>
+    </mc:Fallback>
+  </mc:AlternateContent>
+</p:sld>
+</file>
+
+<file path=ppt/slides/slide57.xml><?xml version="1.0" encoding="utf-8"?>
+<p:sld xmlns:a="http://schemas.openxmlformats.org/drawingml/2006/main" xmlns:r="http://schemas.openxmlformats.org/officeDocument/2006/relationships" xmlns:p="http://schemas.openxmlformats.org/presentationml/2006/main">
+  <p:cSld>
+    <p:spTree>
+      <p:nvGrpSpPr>
+        <p:cNvPr id="1" name=""/>
+        <p:cNvGrpSpPr/>
+        <p:nvPr/>
+      </p:nvGrpSpPr>
+      <p:grpSpPr>
+        <a:xfrm>
+          <a:off x="0" y="0"/>
+          <a:ext cx="0" cy="0"/>
+          <a:chOff x="0" y="0"/>
+          <a:chExt cx="0" cy="0"/>
+        </a:xfrm>
+      </p:grpSpPr>
+      <p:sp>
+        <p:nvSpPr>
+          <p:cNvPr id="4" name="Title 3"/>
+          <p:cNvSpPr>
+            <a:spLocks noGrp="1"/>
+          </p:cNvSpPr>
+          <p:nvPr>
+            <p:ph type="title"/>
+          </p:nvPr>
+        </p:nvSpPr>
+        <p:spPr/>
+        <p:txBody>
+          <a:bodyPr/>
+          <a:lstStyle/>
+          <a:p>
+            <a:r>
+              <a:rPr lang="en-GB" dirty="0"/>
+              <a:t>Wrap-up</a:t>
+            </a:r>
+            <a:endParaRPr lang="en-GB" dirty="0">
+              <a:solidFill>
+                <a:schemeClr val="tx2"/>
+              </a:solidFill>
+            </a:endParaRPr>
+          </a:p>
+        </p:txBody>
+      </p:sp>
+    </p:spTree>
+    <p:extLst>
+      <p:ext uri="{BB962C8B-B14F-4D97-AF65-F5344CB8AC3E}">
+        <p14:creationId xmlns:p14="http://schemas.microsoft.com/office/powerpoint/2010/main" val="1988773249"/>
+      </p:ext>
+    </p:extLst>
+  </p:cSld>
+  <p:clrMapOvr>
+    <a:masterClrMapping/>
+  </p:clrMapOvr>
+  <mc:AlternateContent xmlns:mc="http://schemas.openxmlformats.org/markup-compatibility/2006" xmlns:p14="http://schemas.microsoft.com/office/powerpoint/2010/main">
+    <mc:Choice Requires="p14">
+      <p:transition spd="med" p14:dur="700">
+        <p:fade/>
+      </p:transition>
+    </mc:Choice>
+    <mc:Fallback xmlns="">
+      <p:transition spd="med">
+        <p:fade/>
+      </p:transition>
+    </mc:Fallback>
+  </mc:AlternateContent>
+</p:sld>
+</file>
+
+<file path=ppt/slides/slide58.xml><?xml version="1.0" encoding="utf-8"?>
+<p:sld xmlns:a="http://schemas.openxmlformats.org/drawingml/2006/main" xmlns:r="http://schemas.openxmlformats.org/officeDocument/2006/relationships" xmlns:p="http://schemas.openxmlformats.org/presentationml/2006/main">
+  <p:cSld>
+    <p:spTree>
+      <p:nvGrpSpPr>
+        <p:cNvPr id="1" name=""/>
+        <p:cNvGrpSpPr/>
+        <p:nvPr/>
+      </p:nvGrpSpPr>
+      <p:grpSpPr>
+        <a:xfrm>
+          <a:off x="0" y="0"/>
+          <a:ext cx="0" cy="0"/>
+          <a:chOff x="0" y="0"/>
+          <a:chExt cx="0" cy="0"/>
+        </a:xfrm>
+      </p:grpSpPr>
+      <p:sp>
+        <p:nvSpPr>
+          <p:cNvPr id="4" name="Title 3"/>
+          <p:cNvSpPr>
+            <a:spLocks noGrp="1"/>
+          </p:cNvSpPr>
+          <p:nvPr>
+            <p:ph type="title"/>
+          </p:nvPr>
+        </p:nvSpPr>
+        <p:spPr/>
+        <p:txBody>
+          <a:bodyPr/>
+          <a:lstStyle/>
+          <a:p>
+            <a:r>
+              <a:rPr lang="en-GB" dirty="0"/>
+              <a:t>Appendix</a:t>
+            </a:r>
+          </a:p>
+        </p:txBody>
+      </p:sp>
+    </p:spTree>
+    <p:extLst>
+      <p:ext uri="{BB962C8B-B14F-4D97-AF65-F5344CB8AC3E}">
+        <p14:creationId xmlns:p14="http://schemas.microsoft.com/office/powerpoint/2010/main" val="1255273533"/>
+      </p:ext>
+    </p:extLst>
+  </p:cSld>
+  <p:clrMapOvr>
+    <a:masterClrMapping/>
+  </p:clrMapOvr>
+  <mc:AlternateContent xmlns:mc="http://schemas.openxmlformats.org/markup-compatibility/2006" xmlns:p14="http://schemas.microsoft.com/office/powerpoint/2010/main">
+    <mc:Choice Requires="p14">
+      <p:transition spd="med" p14:dur="700">
+        <p:fade/>
+      </p:transition>
+    </mc:Choice>
+    <mc:Fallback xmlns="">
+      <p:transition spd="med">
+        <p:fade/>
+      </p:transition>
+    </mc:Fallback>
+  </mc:AlternateContent>
+</p:sld>
+</file>
+
+<file path=ppt/slides/slide59.xml><?xml version="1.0" encoding="utf-8"?>
+<p:sld xmlns:a="http://schemas.openxmlformats.org/drawingml/2006/main" xmlns:r="http://schemas.openxmlformats.org/officeDocument/2006/relationships" xmlns:p="http://schemas.openxmlformats.org/presentationml/2006/main">
+  <p:cSld>
+    <p:spTree>
+      <p:nvGrpSpPr>
+        <p:cNvPr id="1" name=""/>
+        <p:cNvGrpSpPr/>
+        <p:nvPr/>
+      </p:nvGrpSpPr>
+      <p:grpSpPr>
+        <a:xfrm>
+          <a:off x="0" y="0"/>
+          <a:ext cx="0" cy="0"/>
+          <a:chOff x="0" y="0"/>
+          <a:chExt cx="0" cy="0"/>
+        </a:xfrm>
+      </p:grpSpPr>
+      <p:sp>
+        <p:nvSpPr>
+          <p:cNvPr id="13" name="Title 12"/>
+          <p:cNvSpPr>
+            <a:spLocks noGrp="1"/>
+          </p:cNvSpPr>
+          <p:nvPr>
+            <p:ph type="title"/>
+          </p:nvPr>
+        </p:nvSpPr>
+        <p:spPr/>
+        <p:txBody>
+          <a:bodyPr anchor="t"/>
+          <a:lstStyle/>
+          <a:p>
+            <a:r>
+              <a:rPr lang="en-US" dirty="0"/>
+              <a:t>Async method GC impact</a:t>
+            </a:r>
+          </a:p>
+        </p:txBody>
+      </p:sp>
+      <p:sp>
+        <p:nvSpPr>
+          <p:cNvPr id="14" name="Content Placeholder 13"/>
+          <p:cNvSpPr>
+            <a:spLocks noGrp="1"/>
+          </p:cNvSpPr>
+          <p:nvPr>
+            <p:ph idx="1"/>
+          </p:nvPr>
+        </p:nvSpPr>
+        <p:spPr>
+          <a:xfrm>
+            <a:off x="2135560" y="1844824"/>
+            <a:ext cx="8640960" cy="4248472"/>
+          </a:xfrm>
+        </p:spPr>
+        <p:txBody>
+          <a:bodyPr anchor="t">
+            <a:normAutofit/>
+          </a:bodyPr>
+          <a:lstStyle/>
+          <a:p>
+            <a:r>
+              <a:rPr lang="en-US" dirty="0"/>
+              <a:t>3 allocations for every Async method</a:t>
+            </a:r>
+          </a:p>
+          <a:p>
+            <a:pPr lvl="1"/>
+            <a:r>
+              <a:rPr lang="en-US" dirty="0"/>
+              <a:t>Heap-allocated state machine</a:t>
+            </a:r>
+          </a:p>
+          <a:p>
+            <a:pPr lvl="2"/>
+            <a:r>
+              <a:rPr lang="en-US" dirty="0"/>
+              <a:t>With a field for every local variable in your method</a:t>
+            </a:r>
+          </a:p>
+          <a:p>
+            <a:pPr lvl="1"/>
+            <a:r>
+              <a:rPr lang="en-US" dirty="0"/>
+              <a:t>Completion delegate</a:t>
+            </a:r>
+          </a:p>
+          <a:p>
+            <a:pPr lvl="1"/>
+            <a:r>
+              <a:rPr lang="en-US" dirty="0"/>
+              <a:t>Task</a:t>
+            </a:r>
+            <a:endParaRPr lang="en-US" sz="1600" dirty="0">
+              <a:solidFill>
+                <a:schemeClr val="accent1"/>
+              </a:solidFill>
+              <a:latin typeface="Arial Narrow" panose="020B0606020202030204" pitchFamily="34" charset="0"/>
+            </a:endParaRPr>
+          </a:p>
+        </p:txBody>
+      </p:sp>
+    </p:spTree>
+    <p:extLst>
+      <p:ext uri="{BB962C8B-B14F-4D97-AF65-F5344CB8AC3E}">
+        <p14:creationId xmlns:p14="http://schemas.microsoft.com/office/powerpoint/2010/main" val="789624704"/>
+      </p:ext>
+    </p:extLst>
+  </p:cSld>
+  <p:clrMapOvr>
+    <a:masterClrMapping/>
+  </p:clrMapOvr>
+  <mc:AlternateContent xmlns:mc="http://schemas.openxmlformats.org/markup-compatibility/2006" xmlns:p14="http://schemas.microsoft.com/office/powerpoint/2010/main">
+    <mc:Choice Requires="p14">
+      <p:transition spd="med" p14:dur="700">
+        <p:fade/>
+      </p:transition>
+    </mc:Choice>
+    <mc:Fallback xmlns="">
+      <p:transition spd="med">
+        <p:fade/>
+      </p:transition>
+    </mc:Fallback>
+  </mc:AlternateContent>
+</p:sld>
+</file>
+
+<file path=ppt/slides/slide6.xml><?xml version="1.0" encoding="utf-8"?>
+<p:sld xmlns:a="http://schemas.openxmlformats.org/drawingml/2006/main" xmlns:r="http://schemas.openxmlformats.org/officeDocument/2006/relationships" xmlns:p="http://schemas.openxmlformats.org/presentationml/2006/main">
+  <p:cSld>
+    <p:spTree>
+      <p:nvGrpSpPr>
+        <p:cNvPr id="1" name=""/>
+        <p:cNvGrpSpPr/>
+        <p:nvPr/>
+      </p:nvGrpSpPr>
+      <p:grpSpPr>
+        <a:xfrm>
+          <a:off x="0" y="0"/>
+          <a:ext cx="0" cy="0"/>
+          <a:chOff x="0" y="0"/>
+          <a:chExt cx="0" cy="0"/>
+        </a:xfrm>
+      </p:grpSpPr>
+      <p:grpSp>
+        <p:nvGrpSpPr>
+          <p:cNvPr id="6" name="Group 5"/>
+          <p:cNvGrpSpPr/>
+          <p:nvPr/>
+        </p:nvGrpSpPr>
+        <p:grpSpPr>
+          <a:xfrm>
+            <a:off x="1415480" y="1066800"/>
+            <a:ext cx="9361040" cy="5437627"/>
+            <a:chOff x="1415480" y="1066800"/>
+            <a:chExt cx="9361040" cy="5437627"/>
+          </a:xfrm>
+        </p:grpSpPr>
+        <p:pic>
+          <p:nvPicPr>
+            <p:cNvPr id="4" name="Picture 3"/>
+            <p:cNvPicPr>
+              <a:picLocks noChangeAspect="1"/>
+            </p:cNvPicPr>
+            <p:nvPr/>
+          </p:nvPicPr>
+          <p:blipFill rotWithShape="1">
+            <a:blip r:embed="rId2"/>
+            <a:srcRect l="1506" t="11264" r="14126" b="1835"/>
+            <a:stretch/>
+          </p:blipFill>
+          <p:spPr>
+            <a:xfrm>
+              <a:off x="1415480" y="1066800"/>
+              <a:ext cx="9361040" cy="5437627"/>
+            </a:xfrm>
+            <a:prstGeom prst="rect">
+              <a:avLst/>
+            </a:prstGeom>
+            <a:noFill/>
+            <a:ln>
+              <a:solidFill>
+                <a:schemeClr val="accent1"/>
+              </a:solidFill>
+            </a:ln>
+          </p:spPr>
+        </p:pic>
+        <p:sp>
+          <p:nvSpPr>
+            <p:cNvPr id="5" name="Rectangle 4"/>
+            <p:cNvSpPr/>
+            <p:nvPr/>
+          </p:nvSpPr>
+          <p:spPr>
+            <a:xfrm>
+              <a:off x="1919536" y="5877272"/>
+              <a:ext cx="792088" cy="560320"/>
+            </a:xfrm>
+            <a:prstGeom prst="rect">
+              <a:avLst/>
+            </a:prstGeom>
+            <a:solidFill>
+              <a:schemeClr val="bg1"/>
+            </a:solidFill>
+            <a:ln>
+              <a:solidFill>
+                <a:schemeClr val="bg1"/>
+              </a:solidFill>
+            </a:ln>
+          </p:spPr>
+          <p:style>
+            <a:lnRef idx="2">
+              <a:schemeClr val="accent1">
+                <a:shade val="50000"/>
+              </a:schemeClr>
+            </a:lnRef>
+            <a:fillRef idx="1">
+              <a:schemeClr val="accent1"/>
+            </a:fillRef>
+            <a:effectRef idx="0">
+              <a:schemeClr val="accent1"/>
+            </a:effectRef>
+            <a:fontRef idx="minor">
+              <a:schemeClr val="lt1"/>
+            </a:fontRef>
+          </p:style>
+          <p:txBody>
+            <a:bodyPr rtlCol="0" anchor="ctr"/>
+            <a:lstStyle/>
+            <a:p>
+              <a:pPr algn="ctr"/>
+              <a:endParaRPr lang="fr-FR"/>
+            </a:p>
+          </p:txBody>
+        </p:sp>
+      </p:grpSp>
+      <p:sp>
+        <p:nvSpPr>
+          <p:cNvPr id="13" name="Title 12"/>
+          <p:cNvSpPr>
+            <a:spLocks noGrp="1"/>
+          </p:cNvSpPr>
+          <p:nvPr>
+            <p:ph type="title"/>
+          </p:nvPr>
+        </p:nvSpPr>
+        <p:spPr/>
+        <p:txBody>
+          <a:bodyPr anchor="t"/>
+          <a:lstStyle/>
+          <a:p>
+            <a:r>
+              <a:rPr lang="en-US" dirty="0"/>
+              <a:t>Let’s start with A question…</a:t>
+            </a:r>
+          </a:p>
+        </p:txBody>
+      </p:sp>
+      <p:sp>
+        <p:nvSpPr>
+          <p:cNvPr id="7" name="Arrow: Right 6"/>
+          <p:cNvSpPr/>
+          <p:nvPr/>
+        </p:nvSpPr>
+        <p:spPr>
+          <a:xfrm>
+            <a:off x="2423592" y="1844824"/>
+            <a:ext cx="324000" cy="280831"/>
+          </a:xfrm>
+          <a:prstGeom prst="rightArrow">
+            <a:avLst/>
+          </a:prstGeom>
+          <a:solidFill>
+            <a:srgbClr val="FFFF00"/>
+          </a:solidFill>
+          <a:ln>
+            <a:solidFill>
+              <a:srgbClr val="FFC000"/>
+            </a:solidFill>
+          </a:ln>
+        </p:spPr>
+        <p:style>
+          <a:lnRef idx="2">
+            <a:schemeClr val="accent1">
+              <a:shade val="50000"/>
+            </a:schemeClr>
+          </a:lnRef>
+          <a:fillRef idx="1">
+            <a:schemeClr val="accent1"/>
+          </a:fillRef>
+          <a:effectRef idx="0">
+            <a:schemeClr val="accent1"/>
+          </a:effectRef>
+          <a:fontRef idx="minor">
+            <a:schemeClr val="lt1"/>
+          </a:fontRef>
+        </p:style>
+        <p:txBody>
+          <a:bodyPr rtlCol="0" anchor="ctr"/>
+          <a:lstStyle/>
+          <a:p>
+            <a:pPr algn="ctr"/>
+            <a:r>
+              <a:rPr lang="fr-FR" sz="1100" dirty="0">
+                <a:solidFill>
+                  <a:srgbClr val="C00000"/>
+                </a:solidFill>
+                <a:latin typeface="Arial" panose="020B0604020202020204" pitchFamily="34" charset="0"/>
+                <a:cs typeface="Arial" panose="020B0604020202020204" pitchFamily="34" charset="0"/>
+              </a:rPr>
+              <a:t>1</a:t>
+            </a:r>
+          </a:p>
+        </p:txBody>
+      </p:sp>
+      <p:pic>
+        <p:nvPicPr>
+          <p:cNvPr id="8" name="Picture 7"/>
+          <p:cNvPicPr>
+            <a:picLocks noChangeAspect="1"/>
+          </p:cNvPicPr>
+          <p:nvPr/>
+        </p:nvPicPr>
+        <p:blipFill rotWithShape="1">
+          <a:blip r:embed="rId3"/>
+          <a:srcRect l="17865" t="49279" r="33058" b="45230"/>
+          <a:stretch/>
+        </p:blipFill>
+        <p:spPr>
+          <a:xfrm>
+            <a:off x="3168000" y="3528000"/>
+            <a:ext cx="5760640" cy="360040"/>
+          </a:xfrm>
+          <a:prstGeom prst="rect">
+            <a:avLst/>
+          </a:prstGeom>
+          <a:noFill/>
+          <a:ln>
+            <a:noFill/>
+          </a:ln>
+        </p:spPr>
+      </p:pic>
+    </p:spTree>
+    <p:extLst>
+      <p:ext uri="{BB962C8B-B14F-4D97-AF65-F5344CB8AC3E}">
+        <p14:creationId xmlns:p14="http://schemas.microsoft.com/office/powerpoint/2010/main" val="816065562"/>
+      </p:ext>
+    </p:extLst>
+  </p:cSld>
+  <p:clrMapOvr>
+    <a:masterClrMapping/>
+  </p:clrMapOvr>
+  <mc:AlternateContent xmlns:mc="http://schemas.openxmlformats.org/markup-compatibility/2006" xmlns:p14="http://schemas.microsoft.com/office/powerpoint/2010/main">
+    <mc:Choice Requires="p14">
+      <p:transition spd="med" p14:dur="700">
+        <p:fade/>
+      </p:transition>
+    </mc:Choice>
+    <mc:Fallback xmlns="">
+      <p:transition spd="med">
+        <p:fade/>
+      </p:transition>
+    </mc:Fallback>
+  </mc:AlternateContent>
+</p:sld>
+</file>
+
+<file path=ppt/slides/slide60.xml><?xml version="1.0" encoding="utf-8"?>
+<p:sld xmlns:a="http://schemas.openxmlformats.org/drawingml/2006/main" xmlns:r="http://schemas.openxmlformats.org/officeDocument/2006/relationships" xmlns:p="http://schemas.openxmlformats.org/presentationml/2006/main">
+  <p:cSld>
+    <p:spTree>
+      <p:nvGrpSpPr>
+        <p:cNvPr id="1" name=""/>
+        <p:cNvGrpSpPr/>
+        <p:nvPr/>
+      </p:nvGrpSpPr>
+      <p:grpSpPr>
+        <a:xfrm>
+          <a:off x="0" y="0"/>
+          <a:ext cx="0" cy="0"/>
+          <a:chOff x="0" y="0"/>
+          <a:chExt cx="0" cy="0"/>
+        </a:xfrm>
+      </p:grpSpPr>
+      <p:sp>
+        <p:nvSpPr>
           <p:cNvPr id="13" name="Title 12"/>
           <p:cNvSpPr>
             <a:spLocks noGrp="1"/>
@@ -26140,7 +28657,7 @@
 </p:sld>
 </file>
 
-<file path=ppt/slides/slide52.xml><?xml version="1.0" encoding="utf-8"?>
+<file path=ppt/slides/slide61.xml><?xml version="1.0" encoding="utf-8"?>
 <p:sld xmlns:a="http://schemas.openxmlformats.org/drawingml/2006/main" xmlns:r="http://schemas.openxmlformats.org/officeDocument/2006/relationships" xmlns:p="http://schemas.openxmlformats.org/presentationml/2006/main">
   <p:cSld>
     <p:spTree>
@@ -26229,7 +28746,7 @@
 </p:sld>
 </file>
 
-<file path=ppt/slides/slide53.xml><?xml version="1.0" encoding="utf-8"?>
+<file path=ppt/slides/slide62.xml><?xml version="1.0" encoding="utf-8"?>
 <p:sld xmlns:a="http://schemas.openxmlformats.org/drawingml/2006/main" xmlns:r="http://schemas.openxmlformats.org/officeDocument/2006/relationships" xmlns:p="http://schemas.openxmlformats.org/presentationml/2006/main">
   <p:cSld>
     <p:spTree>
@@ -26578,7 +29095,7 @@
 </p:sld>
 </file>
 
-<file path=ppt/slides/slide54.xml><?xml version="1.0" encoding="utf-8"?>
+<file path=ppt/slides/slide63.xml><?xml version="1.0" encoding="utf-8"?>
 <p:sld xmlns:a="http://schemas.openxmlformats.org/drawingml/2006/main" xmlns:r="http://schemas.openxmlformats.org/officeDocument/2006/relationships" xmlns:p="http://schemas.openxmlformats.org/presentationml/2006/main">
   <p:cSld>
     <p:spTree>
@@ -26667,7 +29184,7 @@
 </p:sld>
 </file>
 
-<file path=ppt/slides/slide55.xml><?xml version="1.0" encoding="utf-8"?>
+<file path=ppt/slides/slide64.xml><?xml version="1.0" encoding="utf-8"?>
 <p:sld xmlns:a="http://schemas.openxmlformats.org/drawingml/2006/main" xmlns:r="http://schemas.openxmlformats.org/officeDocument/2006/relationships" xmlns:p="http://schemas.openxmlformats.org/presentationml/2006/main">
   <p:cSld>
     <p:spTree>
@@ -26750,7 +29267,7 @@
 </p:sld>
 </file>
 
-<file path=ppt/slides/slide56.xml><?xml version="1.0" encoding="utf-8"?>
+<file path=ppt/slides/slide65.xml><?xml version="1.0" encoding="utf-8"?>
 <p:sld xmlns:a="http://schemas.openxmlformats.org/drawingml/2006/main" xmlns:r="http://schemas.openxmlformats.org/officeDocument/2006/relationships" xmlns:p="http://schemas.openxmlformats.org/presentationml/2006/main">
   <p:cSld>
     <p:spTree>
@@ -26890,7 +29407,7 @@
 </p:sld>
 </file>
 
-<file path=ppt/slides/slide57.xml><?xml version="1.0" encoding="utf-8"?>
+<file path=ppt/slides/slide66.xml><?xml version="1.0" encoding="utf-8"?>
 <p:sld xmlns:a="http://schemas.openxmlformats.org/drawingml/2006/main" xmlns:r="http://schemas.openxmlformats.org/officeDocument/2006/relationships" xmlns:p="http://schemas.openxmlformats.org/presentationml/2006/main">
   <p:cSld>
     <p:spTree>
@@ -26954,7 +29471,7 @@
 </p:sld>
 </file>
 
-<file path=ppt/slides/slide58.xml><?xml version="1.0" encoding="utf-8"?>
+<file path=ppt/slides/slide67.xml><?xml version="1.0" encoding="utf-8"?>
 <p:sld xmlns:a="http://schemas.openxmlformats.org/drawingml/2006/main" xmlns:r="http://schemas.openxmlformats.org/officeDocument/2006/relationships" xmlns:p="http://schemas.openxmlformats.org/presentationml/2006/main">
   <p:cSld>
     <p:spTree>
@@ -26996,7 +29513,7 @@
 </p:sld>
 </file>
 
-<file path=ppt/slides/slide59.xml><?xml version="1.0" encoding="utf-8"?>
+<file path=ppt/slides/slide68.xml><?xml version="1.0" encoding="utf-8"?>
 <p:sld xmlns:a="http://schemas.openxmlformats.org/drawingml/2006/main" xmlns:r="http://schemas.openxmlformats.org/officeDocument/2006/relationships" xmlns:p="http://schemas.openxmlformats.org/presentationml/2006/main">
   <p:cSld>
     <p:spTree>
@@ -27098,247 +29615,7 @@
 </p:sld>
 </file>
 
-<file path=ppt/slides/slide6.xml><?xml version="1.0" encoding="utf-8"?>
-<p:sld xmlns:a="http://schemas.openxmlformats.org/drawingml/2006/main" xmlns:r="http://schemas.openxmlformats.org/officeDocument/2006/relationships" xmlns:p="http://schemas.openxmlformats.org/presentationml/2006/main">
-  <p:cSld>
-    <p:spTree>
-      <p:nvGrpSpPr>
-        <p:cNvPr id="1" name=""/>
-        <p:cNvGrpSpPr/>
-        <p:nvPr/>
-      </p:nvGrpSpPr>
-      <p:grpSpPr>
-        <a:xfrm>
-          <a:off x="0" y="0"/>
-          <a:ext cx="0" cy="0"/>
-          <a:chOff x="0" y="0"/>
-          <a:chExt cx="0" cy="0"/>
-        </a:xfrm>
-      </p:grpSpPr>
-      <p:grpSp>
-        <p:nvGrpSpPr>
-          <p:cNvPr id="6" name="Group 5"/>
-          <p:cNvGrpSpPr/>
-          <p:nvPr/>
-        </p:nvGrpSpPr>
-        <p:grpSpPr>
-          <a:xfrm>
-            <a:off x="1415480" y="1066800"/>
-            <a:ext cx="9361040" cy="5437627"/>
-            <a:chOff x="1415480" y="1066800"/>
-            <a:chExt cx="9361040" cy="5437627"/>
-          </a:xfrm>
-        </p:grpSpPr>
-        <p:pic>
-          <p:nvPicPr>
-            <p:cNvPr id="4" name="Picture 3"/>
-            <p:cNvPicPr>
-              <a:picLocks noChangeAspect="1"/>
-            </p:cNvPicPr>
-            <p:nvPr/>
-          </p:nvPicPr>
-          <p:blipFill rotWithShape="1">
-            <a:blip r:embed="rId2"/>
-            <a:srcRect l="1506" t="11264" r="14126" b="1835"/>
-            <a:stretch/>
-          </p:blipFill>
-          <p:spPr>
-            <a:xfrm>
-              <a:off x="1415480" y="1066800"/>
-              <a:ext cx="9361040" cy="5437627"/>
-            </a:xfrm>
-            <a:prstGeom prst="rect">
-              <a:avLst/>
-            </a:prstGeom>
-            <a:noFill/>
-            <a:ln>
-              <a:solidFill>
-                <a:schemeClr val="accent1"/>
-              </a:solidFill>
-            </a:ln>
-          </p:spPr>
-        </p:pic>
-        <p:sp>
-          <p:nvSpPr>
-            <p:cNvPr id="5" name="Rectangle 4"/>
-            <p:cNvSpPr/>
-            <p:nvPr/>
-          </p:nvSpPr>
-          <p:spPr>
-            <a:xfrm>
-              <a:off x="1919536" y="5877272"/>
-              <a:ext cx="792088" cy="560320"/>
-            </a:xfrm>
-            <a:prstGeom prst="rect">
-              <a:avLst/>
-            </a:prstGeom>
-            <a:solidFill>
-              <a:schemeClr val="bg1"/>
-            </a:solidFill>
-            <a:ln>
-              <a:solidFill>
-                <a:schemeClr val="bg1"/>
-              </a:solidFill>
-            </a:ln>
-          </p:spPr>
-          <p:style>
-            <a:lnRef idx="2">
-              <a:schemeClr val="accent1">
-                <a:shade val="50000"/>
-              </a:schemeClr>
-            </a:lnRef>
-            <a:fillRef idx="1">
-              <a:schemeClr val="accent1"/>
-            </a:fillRef>
-            <a:effectRef idx="0">
-              <a:schemeClr val="accent1"/>
-            </a:effectRef>
-            <a:fontRef idx="minor">
-              <a:schemeClr val="lt1"/>
-            </a:fontRef>
-          </p:style>
-          <p:txBody>
-            <a:bodyPr rtlCol="0" anchor="ctr"/>
-            <a:lstStyle/>
-            <a:p>
-              <a:pPr algn="ctr"/>
-              <a:endParaRPr lang="fr-FR"/>
-            </a:p>
-          </p:txBody>
-        </p:sp>
-      </p:grpSp>
-      <p:sp>
-        <p:nvSpPr>
-          <p:cNvPr id="13" name="Title 12"/>
-          <p:cNvSpPr>
-            <a:spLocks noGrp="1"/>
-          </p:cNvSpPr>
-          <p:nvPr>
-            <p:ph type="title"/>
-          </p:nvPr>
-        </p:nvSpPr>
-        <p:spPr/>
-        <p:txBody>
-          <a:bodyPr anchor="t"/>
-          <a:lstStyle/>
-          <a:p>
-            <a:r>
-              <a:rPr lang="en-US" dirty="0"/>
-              <a:t>Let’s start with A question…</a:t>
-            </a:r>
-          </a:p>
-        </p:txBody>
-      </p:sp>
-      <p:sp>
-        <p:nvSpPr>
-          <p:cNvPr id="7" name="Arrow: Right 6"/>
-          <p:cNvSpPr/>
-          <p:nvPr/>
-        </p:nvSpPr>
-        <p:spPr>
-          <a:xfrm>
-            <a:off x="2423592" y="1844824"/>
-            <a:ext cx="324000" cy="280831"/>
-          </a:xfrm>
-          <a:prstGeom prst="rightArrow">
-            <a:avLst/>
-          </a:prstGeom>
-          <a:solidFill>
-            <a:srgbClr val="FFFF00"/>
-          </a:solidFill>
-          <a:ln>
-            <a:solidFill>
-              <a:srgbClr val="FFC000"/>
-            </a:solidFill>
-          </a:ln>
-        </p:spPr>
-        <p:style>
-          <a:lnRef idx="2">
-            <a:schemeClr val="accent1">
-              <a:shade val="50000"/>
-            </a:schemeClr>
-          </a:lnRef>
-          <a:fillRef idx="1">
-            <a:schemeClr val="accent1"/>
-          </a:fillRef>
-          <a:effectRef idx="0">
-            <a:schemeClr val="accent1"/>
-          </a:effectRef>
-          <a:fontRef idx="minor">
-            <a:schemeClr val="lt1"/>
-          </a:fontRef>
-        </p:style>
-        <p:txBody>
-          <a:bodyPr rtlCol="0" anchor="ctr"/>
-          <a:lstStyle/>
-          <a:p>
-            <a:pPr algn="ctr"/>
-            <a:r>
-              <a:rPr lang="fr-FR" sz="1100" dirty="0">
-                <a:solidFill>
-                  <a:srgbClr val="C00000"/>
-                </a:solidFill>
-                <a:latin typeface="Arial" panose="020B0604020202020204" pitchFamily="34" charset="0"/>
-                <a:cs typeface="Arial" panose="020B0604020202020204" pitchFamily="34" charset="0"/>
-              </a:rPr>
-              <a:t>1</a:t>
-            </a:r>
-          </a:p>
-        </p:txBody>
-      </p:sp>
-      <p:pic>
-        <p:nvPicPr>
-          <p:cNvPr id="8" name="Picture 7"/>
-          <p:cNvPicPr>
-            <a:picLocks noChangeAspect="1"/>
-          </p:cNvPicPr>
-          <p:nvPr/>
-        </p:nvPicPr>
-        <p:blipFill rotWithShape="1">
-          <a:blip r:embed="rId3"/>
-          <a:srcRect l="17865" t="49279" r="33058" b="45230"/>
-          <a:stretch/>
-        </p:blipFill>
-        <p:spPr>
-          <a:xfrm>
-            <a:off x="3168000" y="3528000"/>
-            <a:ext cx="5760640" cy="360040"/>
-          </a:xfrm>
-          <a:prstGeom prst="rect">
-            <a:avLst/>
-          </a:prstGeom>
-          <a:noFill/>
-          <a:ln>
-            <a:noFill/>
-          </a:ln>
-        </p:spPr>
-      </p:pic>
-    </p:spTree>
-    <p:extLst>
-      <p:ext uri="{BB962C8B-B14F-4D97-AF65-F5344CB8AC3E}">
-        <p14:creationId xmlns:p14="http://schemas.microsoft.com/office/powerpoint/2010/main" val="816065562"/>
-      </p:ext>
-    </p:extLst>
-  </p:cSld>
-  <p:clrMapOvr>
-    <a:masterClrMapping/>
-  </p:clrMapOvr>
-  <mc:AlternateContent xmlns:mc="http://schemas.openxmlformats.org/markup-compatibility/2006" xmlns:p14="http://schemas.microsoft.com/office/powerpoint/2010/main">
-    <mc:Choice Requires="p14">
-      <p:transition spd="med" p14:dur="700">
-        <p:fade/>
-      </p:transition>
-    </mc:Choice>
-    <mc:Fallback xmlns="">
-      <p:transition spd="med">
-        <p:fade/>
-      </p:transition>
-    </mc:Fallback>
-  </mc:AlternateContent>
-</p:sld>
-</file>
-
-<file path=ppt/slides/slide60.xml><?xml version="1.0" encoding="utf-8"?>
+<file path=ppt/slides/slide69.xml><?xml version="1.0" encoding="utf-8"?>
 <p:sld xmlns:a="http://schemas.openxmlformats.org/drawingml/2006/main" xmlns:r="http://schemas.openxmlformats.org/officeDocument/2006/relationships" xmlns:p="http://schemas.openxmlformats.org/presentationml/2006/main">
   <p:cSld>
     <p:spTree>
@@ -28933,15 +31210,6 @@
 </file>
 
 <file path=customXml/item1.xml><?xml version="1.0" encoding="utf-8"?>
-<?mso-contentType ?>
-<FormTemplates xmlns="http://schemas.microsoft.com/sharepoint/v3/contenttype/forms">
-  <Display>DocumentLibraryForm</Display>
-  <Edit>AssetEditForm</Edit>
-  <New>DocumentLibraryForm</New>
-</FormTemplates>
-</file>
-
-<file path=customXml/item2.xml><?xml version="1.0" encoding="utf-8"?>
 <p:properties xmlns:p="http://schemas.microsoft.com/office/2006/metadata/properties" xmlns:xsi="http://www.w3.org/2001/XMLSchema-instance" xmlns:pc="http://schemas.microsoft.com/office/infopath/2007/PartnerControls">
   <documentManagement>
     <DirectSourceMarket xmlns="4873beb7-5857-4685-be1f-d57550cc96cc" xsi:nil="true"/>
@@ -29066,6 +31334,15 @@
     <LocMarketGroupTiers2 xmlns="4873beb7-5857-4685-be1f-d57550cc96cc" xsi:nil="true"/>
   </documentManagement>
 </p:properties>
+</file>
+
+<file path=customXml/item2.xml><?xml version="1.0" encoding="utf-8"?>
+<?mso-contentType ?>
+<FormTemplates xmlns="http://schemas.microsoft.com/sharepoint/v3/contenttype/forms">
+  <Display>DocumentLibraryForm</Display>
+  <Edit>AssetEditForm</Edit>
+  <New>DocumentLibraryForm</New>
+</FormTemplates>
 </file>
 
 <file path=customXml/item3.xml><?xml version="1.0" encoding="utf-8"?>
@@ -30109,14 +32386,6 @@
 </file>
 
 <file path=customXml/itemProps1.xml><?xml version="1.0" encoding="utf-8"?>
-<ds:datastoreItem xmlns:ds="http://schemas.openxmlformats.org/officeDocument/2006/customXml" ds:itemID="{74228E6B-D70C-44BB-A81F-A245495F612B}">
-  <ds:schemaRefs>
-    <ds:schemaRef ds:uri="http://schemas.microsoft.com/sharepoint/v3/contenttype/forms"/>
-  </ds:schemaRefs>
-</ds:datastoreItem>
-</file>
-
-<file path=customXml/itemProps2.xml><?xml version="1.0" encoding="utf-8"?>
 <ds:datastoreItem xmlns:ds="http://schemas.openxmlformats.org/officeDocument/2006/customXml" ds:itemID="{00E41224-0370-4595-877C-23316CD80004}">
   <ds:schemaRefs>
     <ds:schemaRef ds:uri="http://schemas.microsoft.com/office/2006/metadata/properties"/>
@@ -30128,6 +32397,14 @@
     <ds:schemaRef ds:uri="http://schemas.microsoft.com/office/infopath/2007/PartnerControls"/>
     <ds:schemaRef ds:uri="http://purl.org/dc/elements/1.1/"/>
     <ds:schemaRef ds:uri="http://purl.org/dc/dcmitype/"/>
+  </ds:schemaRefs>
+</ds:datastoreItem>
+</file>
+
+<file path=customXml/itemProps2.xml><?xml version="1.0" encoding="utf-8"?>
+<ds:datastoreItem xmlns:ds="http://schemas.openxmlformats.org/officeDocument/2006/customXml" ds:itemID="{74228E6B-D70C-44BB-A81F-A245495F612B}">
+  <ds:schemaRefs>
+    <ds:schemaRef ds:uri="http://schemas.microsoft.com/sharepoint/v3/contenttype/forms"/>
   </ds:schemaRefs>
 </ds:datastoreItem>
 </file>
